--- a/Courses/Software-Sciences/Module-3-Databases-New/07-Relationships-and-ER-Diagrams/07-Relationships-ER-Diagrams.pptx
+++ b/Courses/Software-Sciences/Module-3-Databases-New/07-Relationships-and-ER-Diagrams/07-Relationships-ER-Diagrams.pptx
@@ -25,8 +25,8 @@
     <p:sldId id="535" r:id="rId16"/>
     <p:sldId id="536" r:id="rId17"/>
     <p:sldId id="537" r:id="rId18"/>
-    <p:sldId id="538" r:id="rId19"/>
-    <p:sldId id="539" r:id="rId20"/>
+    <p:sldId id="539" r:id="rId19"/>
+    <p:sldId id="538" r:id="rId20"/>
     <p:sldId id="540" r:id="rId21"/>
     <p:sldId id="530" r:id="rId22"/>
     <p:sldId id="511" r:id="rId23"/>
@@ -142,7 +142,7 @@
   </p:defaultTextStyle>
   <p:extLst>
     <p:ext uri="{521415D9-36F7-43E2-AB2F-B90AF26B5E84}">
-      <p14:sectionLst xmlns:p14="http://schemas.microsoft.com/office/powerpoint/2010/main" xmlns="">
+      <p14:sectionLst xmlns="" xmlns:p14="http://schemas.microsoft.com/office/powerpoint/2010/main">
         <p14:section name="Въведение" id="{A0C7653D-1924-4F56-9E27-AA2B21F1DA92}">
           <p14:sldIdLst>
             <p14:sldId id="503"/>
@@ -201,7 +201,7 @@
       </p14:sectionLst>
     </p:ext>
     <p:ext uri="{EFAFB233-063F-42B5-8137-9DF3F51BA10A}">
-      <p15:sldGuideLst xmlns:p15="http://schemas.microsoft.com/office/powerpoint/2012/main" xmlns="">
+      <p15:sldGuideLst xmlns="" xmlns:p15="http://schemas.microsoft.com/office/powerpoint/2012/main">
         <p15:guide id="1" orient="horz" pos="2184" userDrawn="1">
           <p15:clr>
             <a:srgbClr val="A4A3A4"/>
@@ -215,7 +215,7 @@
       </p15:sldGuideLst>
     </p:ext>
     <p:ext uri="{2D200454-40CA-4A62-9FC3-DE9A4176ACB9}">
-      <p15:notesGuideLst xmlns:p15="http://schemas.microsoft.com/office/powerpoint/2012/main" xmlns=""/>
+      <p15:notesGuideLst xmlns="" xmlns:p15="http://schemas.microsoft.com/office/powerpoint/2012/main"/>
     </p:ext>
   </p:extLst>
 </p:presentation>
@@ -248,7 +248,7 @@
           <p:cNvPr id="2" name="Header Placeholder 1">
             <a:extLst>
               <a:ext uri="{FF2B5EF4-FFF2-40B4-BE49-F238E27FC236}">
-                <a16:creationId xmlns:a16="http://schemas.microsoft.com/office/drawing/2014/main" xmlns="" id="{56F20103-83CC-4A54-8FDE-9D37FC2629C0}"/>
+                <a16:creationId xmlns="" xmlns:a16="http://schemas.microsoft.com/office/drawing/2014/main" id="{56F20103-83CC-4A54-8FDE-9D37FC2629C0}"/>
               </a:ext>
             </a:extLst>
           </p:cNvPr>
@@ -285,7 +285,7 @@
           <p:cNvPr id="3" name="Date Placeholder 2">
             <a:extLst>
               <a:ext uri="{FF2B5EF4-FFF2-40B4-BE49-F238E27FC236}">
-                <a16:creationId xmlns:a16="http://schemas.microsoft.com/office/drawing/2014/main" xmlns="" id="{27A53962-26EF-44E4-9E69-61B1727AB1C2}"/>
+                <a16:creationId xmlns="" xmlns:a16="http://schemas.microsoft.com/office/drawing/2014/main" id="{27A53962-26EF-44E4-9E69-61B1727AB1C2}"/>
               </a:ext>
             </a:extLst>
           </p:cNvPr>
@@ -316,7 +316,7 @@
             <a:fld id="{4E087215-0C8F-4762-A664-737A353EC9A4}" type="datetimeFigureOut">
               <a:rPr lang="bg-BG" smtClean="0"/>
               <a:pPr/>
-              <a:t>18.8.2023 г.</a:t>
+              <a:t>19.8.2023 г.</a:t>
             </a:fld>
             <a:endParaRPr lang="bg-BG" dirty="0"/>
           </a:p>
@@ -327,7 +327,7 @@
           <p:cNvPr id="4" name="Footer Placeholder 3">
             <a:extLst>
               <a:ext uri="{FF2B5EF4-FFF2-40B4-BE49-F238E27FC236}">
-                <a16:creationId xmlns:a16="http://schemas.microsoft.com/office/drawing/2014/main" xmlns="" id="{28A6967E-448F-4887-8FCB-34482EFBCC74}"/>
+                <a16:creationId xmlns="" xmlns:a16="http://schemas.microsoft.com/office/drawing/2014/main" id="{28A6967E-448F-4887-8FCB-34482EFBCC74}"/>
               </a:ext>
             </a:extLst>
           </p:cNvPr>
@@ -377,7 +377,7 @@
           <p:cNvPr id="5" name="Slide Number Placeholder 4">
             <a:extLst>
               <a:ext uri="{FF2B5EF4-FFF2-40B4-BE49-F238E27FC236}">
-                <a16:creationId xmlns:a16="http://schemas.microsoft.com/office/drawing/2014/main" xmlns="" id="{8B6554C2-DDBA-40E2-9536-53A07EC50274}"/>
+                <a16:creationId xmlns="" xmlns:a16="http://schemas.microsoft.com/office/drawing/2014/main" id="{8B6554C2-DDBA-40E2-9536-53A07EC50274}"/>
               </a:ext>
             </a:extLst>
           </p:cNvPr>
@@ -417,7 +417,7 @@
     </p:spTree>
     <p:extLst>
       <p:ext uri="{BB962C8B-B14F-4D97-AF65-F5344CB8AC3E}">
-        <p14:creationId xmlns:p14="http://schemas.microsoft.com/office/powerpoint/2010/main" xmlns="" val="4150602968"/>
+        <p14:creationId xmlns="" xmlns:p14="http://schemas.microsoft.com/office/powerpoint/2010/main" val="4150602968"/>
       </p:ext>
     </p:extLst>
   </p:cSld>
@@ -509,7 +509,7 @@
             <a:fld id="{72D84649-876A-46C9-8472-14CB09C070D8}" type="datetimeFigureOut">
               <a:rPr lang="en-US" smtClean="0"/>
               <a:pPr/>
-              <a:t>8/18/2023</a:t>
+              <a:t>8/19/2023</a:t>
             </a:fld>
             <a:endParaRPr lang="en-US" dirty="0"/>
           </a:p>
@@ -648,7 +648,7 @@
           <p:cNvPr id="8" name="Footer Placeholder 7">
             <a:extLst>
               <a:ext uri="{FF2B5EF4-FFF2-40B4-BE49-F238E27FC236}">
-                <a16:creationId xmlns:a16="http://schemas.microsoft.com/office/drawing/2014/main" xmlns="" id="{CAC3A49B-3196-44DF-AC28-085C72EFBFF0}"/>
+                <a16:creationId xmlns="" xmlns:a16="http://schemas.microsoft.com/office/drawing/2014/main" id="{CAC3A49B-3196-44DF-AC28-085C72EFBFF0}"/>
               </a:ext>
             </a:extLst>
           </p:cNvPr>
@@ -696,7 +696,7 @@
     </p:spTree>
     <p:extLst>
       <p:ext uri="{BB962C8B-B14F-4D97-AF65-F5344CB8AC3E}">
-        <p14:creationId xmlns:p14="http://schemas.microsoft.com/office/powerpoint/2010/main" xmlns="" val="1530847692"/>
+        <p14:creationId xmlns="" xmlns:p14="http://schemas.microsoft.com/office/powerpoint/2010/main" val="1530847692"/>
       </p:ext>
     </p:extLst>
   </p:cSld>
@@ -843,7 +843,7 @@
           <p:cNvPr id="8" name="Slide Image Placeholder 7">
             <a:extLst>
               <a:ext uri="{FF2B5EF4-FFF2-40B4-BE49-F238E27FC236}">
-                <a16:creationId xmlns:a16="http://schemas.microsoft.com/office/drawing/2014/main" xmlns="" id="{78811095-27E9-49AB-972B-D4E20B3963A6}"/>
+                <a16:creationId xmlns="" xmlns:a16="http://schemas.microsoft.com/office/drawing/2014/main" id="{78811095-27E9-49AB-972B-D4E20B3963A6}"/>
               </a:ext>
             </a:extLst>
           </p:cNvPr>
@@ -861,7 +861,7 @@
           <p:cNvPr id="9" name="Notes Placeholder 8">
             <a:extLst>
               <a:ext uri="{FF2B5EF4-FFF2-40B4-BE49-F238E27FC236}">
-                <a16:creationId xmlns:a16="http://schemas.microsoft.com/office/drawing/2014/main" xmlns="" id="{E923224B-0CC3-475A-8628-8A90751AE61A}"/>
+                <a16:creationId xmlns="" xmlns:a16="http://schemas.microsoft.com/office/drawing/2014/main" id="{E923224B-0CC3-475A-8628-8A90751AE61A}"/>
               </a:ext>
             </a:extLst>
           </p:cNvPr>
@@ -886,7 +886,7 @@
           <p:cNvPr id="2" name="Footer Placeholder 1">
             <a:extLst>
               <a:ext uri="{FF2B5EF4-FFF2-40B4-BE49-F238E27FC236}">
-                <a16:creationId xmlns:a16="http://schemas.microsoft.com/office/drawing/2014/main" xmlns="" id="{3288A3F3-90B1-4930-8D00-5603BDABEF10}"/>
+                <a16:creationId xmlns="" xmlns:a16="http://schemas.microsoft.com/office/drawing/2014/main" id="{3288A3F3-90B1-4930-8D00-5603BDABEF10}"/>
               </a:ext>
             </a:extLst>
           </p:cNvPr>
@@ -922,7 +922,7 @@
     </p:spTree>
     <p:extLst>
       <p:ext uri="{BB962C8B-B14F-4D97-AF65-F5344CB8AC3E}">
-        <p14:creationId xmlns:p14="http://schemas.microsoft.com/office/powerpoint/2010/main" xmlns="" val="2594489433"/>
+        <p14:creationId xmlns="" xmlns:p14="http://schemas.microsoft.com/office/powerpoint/2010/main" val="2594489433"/>
       </p:ext>
     </p:extLst>
   </p:cSld>
@@ -1057,7 +1057,7 @@
     </p:spTree>
     <p:extLst>
       <p:ext uri="{BB962C8B-B14F-4D97-AF65-F5344CB8AC3E}">
-        <p14:creationId xmlns="" xmlns:p14="http://schemas.microsoft.com/office/powerpoint/2010/main" val="2003455129"/>
+        <p14:creationId xmlns:p14="http://schemas.microsoft.com/office/powerpoint/2010/main" xmlns="" val="2003455129"/>
       </p:ext>
     </p:extLst>
   </p:cSld>
@@ -1120,7 +1120,7 @@
           <p:cNvPr id="7" name="Slide Number Placeholder 5">
             <a:extLst>
               <a:ext uri="{FF2B5EF4-FFF2-40B4-BE49-F238E27FC236}">
-                <a16:creationId xmlns:a16="http://schemas.microsoft.com/office/drawing/2014/main" xmlns="" id="{E65F1CA9-65DC-416B-8882-B3A5E415CE67}"/>
+                <a16:creationId xmlns="" xmlns:a16="http://schemas.microsoft.com/office/drawing/2014/main" id="{E65F1CA9-65DC-416B-8882-B3A5E415CE67}"/>
               </a:ext>
             </a:extLst>
           </p:cNvPr>
@@ -1250,7 +1250,7 @@
           <p:cNvPr id="4" name="Footer Placeholder 3">
             <a:extLst>
               <a:ext uri="{FF2B5EF4-FFF2-40B4-BE49-F238E27FC236}">
-                <a16:creationId xmlns:a16="http://schemas.microsoft.com/office/drawing/2014/main" xmlns="" id="{C5BD11C3-9FCD-4EAE-876D-E766924FAFF2}"/>
+                <a16:creationId xmlns="" xmlns:a16="http://schemas.microsoft.com/office/drawing/2014/main" id="{C5BD11C3-9FCD-4EAE-876D-E766924FAFF2}"/>
               </a:ext>
             </a:extLst>
           </p:cNvPr>
@@ -1286,7 +1286,7 @@
     </p:spTree>
     <p:extLst>
       <p:ext uri="{BB962C8B-B14F-4D97-AF65-F5344CB8AC3E}">
-        <p14:creationId xmlns:p14="http://schemas.microsoft.com/office/powerpoint/2010/main" xmlns="" val="1860974293"/>
+        <p14:creationId xmlns="" xmlns:p14="http://schemas.microsoft.com/office/powerpoint/2010/main" val="1860974293"/>
       </p:ext>
     </p:extLst>
   </p:cSld>
@@ -1371,7 +1371,7 @@
     </p:spTree>
     <p:extLst>
       <p:ext uri="{BB962C8B-B14F-4D97-AF65-F5344CB8AC3E}">
-        <p14:creationId xmlns:p14="http://schemas.microsoft.com/office/powerpoint/2010/main" xmlns="" val="1201445929"/>
+        <p14:creationId xmlns="" xmlns:p14="http://schemas.microsoft.com/office/powerpoint/2010/main" val="1201445929"/>
       </p:ext>
     </p:extLst>
   </p:cSld>
@@ -1434,7 +1434,7 @@
           <p:cNvPr id="6" name="Slide Number Placeholder 5">
             <a:extLst>
               <a:ext uri="{FF2B5EF4-FFF2-40B4-BE49-F238E27FC236}">
-                <a16:creationId xmlns:a16="http://schemas.microsoft.com/office/drawing/2014/main" xmlns="" id="{6627548A-4D3C-449B-81A5-FA4BE4628490}"/>
+                <a16:creationId xmlns="" xmlns:a16="http://schemas.microsoft.com/office/drawing/2014/main" id="{6627548A-4D3C-449B-81A5-FA4BE4628490}"/>
               </a:ext>
             </a:extLst>
           </p:cNvPr>
@@ -1564,7 +1564,7 @@
           <p:cNvPr id="4" name="Footer Placeholder 3">
             <a:extLst>
               <a:ext uri="{FF2B5EF4-FFF2-40B4-BE49-F238E27FC236}">
-                <a16:creationId xmlns:a16="http://schemas.microsoft.com/office/drawing/2014/main" xmlns="" id="{D2472CE7-61C1-4B7B-B0C8-5A45F0178717}"/>
+                <a16:creationId xmlns="" xmlns:a16="http://schemas.microsoft.com/office/drawing/2014/main" id="{D2472CE7-61C1-4B7B-B0C8-5A45F0178717}"/>
               </a:ext>
             </a:extLst>
           </p:cNvPr>
@@ -1600,7 +1600,7 @@
     </p:spTree>
     <p:extLst>
       <p:ext uri="{BB962C8B-B14F-4D97-AF65-F5344CB8AC3E}">
-        <p14:creationId xmlns:p14="http://schemas.microsoft.com/office/powerpoint/2010/main" xmlns="" val="729041308"/>
+        <p14:creationId xmlns="" xmlns:p14="http://schemas.microsoft.com/office/powerpoint/2010/main" val="729041308"/>
       </p:ext>
     </p:extLst>
   </p:cSld>
@@ -1632,7 +1632,7 @@
           <p:cNvPr id="14" name="Slide Image Placeholder 13">
             <a:extLst>
               <a:ext uri="{FF2B5EF4-FFF2-40B4-BE49-F238E27FC236}">
-                <a16:creationId xmlns:a16="http://schemas.microsoft.com/office/drawing/2014/main" xmlns="" id="{A1F0B3C6-2E53-4CA3-86D1-53D46EC35267}"/>
+                <a16:creationId xmlns="" xmlns:a16="http://schemas.microsoft.com/office/drawing/2014/main" id="{A1F0B3C6-2E53-4CA3-86D1-53D46EC35267}"/>
               </a:ext>
             </a:extLst>
           </p:cNvPr>
@@ -1650,7 +1650,7 @@
           <p:cNvPr id="15" name="Notes Placeholder 14">
             <a:extLst>
               <a:ext uri="{FF2B5EF4-FFF2-40B4-BE49-F238E27FC236}">
-                <a16:creationId xmlns:a16="http://schemas.microsoft.com/office/drawing/2014/main" xmlns="" id="{149CC699-A079-49A5-A4D6-73B7F849A7DC}"/>
+                <a16:creationId xmlns="" xmlns:a16="http://schemas.microsoft.com/office/drawing/2014/main" id="{149CC699-A079-49A5-A4D6-73B7F849A7DC}"/>
               </a:ext>
             </a:extLst>
           </p:cNvPr>
@@ -1675,7 +1675,7 @@
           <p:cNvPr id="19" name="Slide Number Placeholder 5">
             <a:extLst>
               <a:ext uri="{FF2B5EF4-FFF2-40B4-BE49-F238E27FC236}">
-                <a16:creationId xmlns:a16="http://schemas.microsoft.com/office/drawing/2014/main" xmlns="" id="{121F4233-7E9A-40D2-9066-2DB14E2FA5AD}"/>
+                <a16:creationId xmlns="" xmlns:a16="http://schemas.microsoft.com/office/drawing/2014/main" id="{121F4233-7E9A-40D2-9066-2DB14E2FA5AD}"/>
               </a:ext>
             </a:extLst>
           </p:cNvPr>
@@ -1805,7 +1805,7 @@
           <p:cNvPr id="2" name="Footer Placeholder 1">
             <a:extLst>
               <a:ext uri="{FF2B5EF4-FFF2-40B4-BE49-F238E27FC236}">
-                <a16:creationId xmlns:a16="http://schemas.microsoft.com/office/drawing/2014/main" xmlns="" id="{D18F1DFF-B3E7-4ABF-97EE-0BBF3A961EC5}"/>
+                <a16:creationId xmlns="" xmlns:a16="http://schemas.microsoft.com/office/drawing/2014/main" id="{D18F1DFF-B3E7-4ABF-97EE-0BBF3A961EC5}"/>
               </a:ext>
             </a:extLst>
           </p:cNvPr>
@@ -1841,7 +1841,7 @@
     </p:spTree>
     <p:extLst>
       <p:ext uri="{BB962C8B-B14F-4D97-AF65-F5344CB8AC3E}">
-        <p14:creationId xmlns:p14="http://schemas.microsoft.com/office/powerpoint/2010/main" xmlns="" val="4028530743"/>
+        <p14:creationId xmlns="" xmlns:p14="http://schemas.microsoft.com/office/powerpoint/2010/main" val="4028530743"/>
       </p:ext>
     </p:extLst>
   </p:cSld>
@@ -2091,7 +2091,7 @@
     </p:spTree>
     <p:extLst>
       <p:ext uri="{BB962C8B-B14F-4D97-AF65-F5344CB8AC3E}">
-        <p14:creationId xmlns="" xmlns:p14="http://schemas.microsoft.com/office/powerpoint/2010/main" val="1162354248"/>
+        <p14:creationId xmlns:p14="http://schemas.microsoft.com/office/powerpoint/2010/main" xmlns="" val="1162354248"/>
       </p:ext>
     </p:extLst>
   </p:cSld>
@@ -2178,7 +2178,7 @@
           <p:cNvPr id="7" name="Footer Placeholder 7">
             <a:extLst>
               <a:ext uri="{FF2B5EF4-FFF2-40B4-BE49-F238E27FC236}">
-                <a16:creationId xmlns:a16="http://schemas.microsoft.com/office/drawing/2014/main" xmlns="" id="{5D8943ED-62FC-43CF-9220-3EBB34288175}"/>
+                <a16:creationId xmlns="" xmlns:a16="http://schemas.microsoft.com/office/drawing/2014/main" id="{5D8943ED-62FC-43CF-9220-3EBB34288175}"/>
               </a:ext>
             </a:extLst>
           </p:cNvPr>
@@ -2226,7 +2226,7 @@
     </p:spTree>
     <p:extLst>
       <p:ext uri="{BB962C8B-B14F-4D97-AF65-F5344CB8AC3E}">
-        <p14:creationId xmlns:p14="http://schemas.microsoft.com/office/powerpoint/2010/main" xmlns="" val="1661868776"/>
+        <p14:creationId xmlns="" xmlns:p14="http://schemas.microsoft.com/office/powerpoint/2010/main" val="1661868776"/>
       </p:ext>
     </p:extLst>
   </p:cSld>
@@ -2237,6 +2237,141 @@
 </file>
 
 <file path=ppt/notesSlides/notesSlide6.xml><?xml version="1.0" encoding="utf-8"?>
+<p:notes xmlns:a="http://schemas.openxmlformats.org/drawingml/2006/main" xmlns:r="http://schemas.openxmlformats.org/officeDocument/2006/relationships" xmlns:p="http://schemas.openxmlformats.org/presentationml/2006/main">
+  <p:cSld>
+    <p:spTree>
+      <p:nvGrpSpPr>
+        <p:cNvPr id="1" name=""/>
+        <p:cNvGrpSpPr/>
+        <p:nvPr/>
+      </p:nvGrpSpPr>
+      <p:grpSpPr>
+        <a:xfrm>
+          <a:off x="0" y="0"/>
+          <a:ext cx="0" cy="0"/>
+          <a:chOff x="0" y="0"/>
+          <a:chExt cx="0" cy="0"/>
+        </a:xfrm>
+      </p:grpSpPr>
+      <p:sp>
+        <p:nvSpPr>
+          <p:cNvPr id="2" name="Slide Image Placeholder 1"/>
+          <p:cNvSpPr>
+            <a:spLocks noGrp="1" noRot="1" noChangeAspect="1"/>
+          </p:cNvSpPr>
+          <p:nvPr>
+            <p:ph type="sldImg"/>
+          </p:nvPr>
+        </p:nvSpPr>
+        <p:spPr/>
+      </p:sp>
+      <p:sp>
+        <p:nvSpPr>
+          <p:cNvPr id="3" name="Notes Placeholder 2"/>
+          <p:cNvSpPr>
+            <a:spLocks noGrp="1"/>
+          </p:cNvSpPr>
+          <p:nvPr>
+            <p:ph type="body" idx="1"/>
+          </p:nvPr>
+        </p:nvSpPr>
+        <p:spPr/>
+        <p:txBody>
+          <a:bodyPr/>
+          <a:lstStyle/>
+          <a:p>
+            <a:endParaRPr lang="en-US" dirty="0"/>
+          </a:p>
+        </p:txBody>
+      </p:sp>
+      <p:sp>
+        <p:nvSpPr>
+          <p:cNvPr id="5" name="Slide Number Placeholder 4"/>
+          <p:cNvSpPr>
+            <a:spLocks noGrp="1"/>
+          </p:cNvSpPr>
+          <p:nvPr>
+            <p:ph type="sldNum" sz="quarter" idx="11"/>
+          </p:nvPr>
+        </p:nvSpPr>
+        <p:spPr/>
+        <p:txBody>
+          <a:bodyPr/>
+          <a:lstStyle/>
+          <a:p>
+            <a:fld id="{3EBA5BD7-F043-4D1B-AA17-CD412FC534DE}" type="slidenum">
+              <a:rPr lang="en-US" smtClean="0"/>
+              <a:pPr/>
+              <a:t>15</a:t>
+            </a:fld>
+            <a:endParaRPr lang="en-US" dirty="0"/>
+          </a:p>
+        </p:txBody>
+      </p:sp>
+      <p:sp>
+        <p:nvSpPr>
+          <p:cNvPr id="7" name="Footer Placeholder 7">
+            <a:extLst>
+              <a:ext uri="{FF2B5EF4-FFF2-40B4-BE49-F238E27FC236}">
+                <a16:creationId xmlns="" xmlns:a16="http://schemas.microsoft.com/office/drawing/2014/main" id="{B1181F38-7E25-4CF0-8477-2E5E9629196E}"/>
+              </a:ext>
+            </a:extLst>
+          </p:cNvPr>
+          <p:cNvSpPr>
+            <a:spLocks noGrp="1"/>
+          </p:cNvSpPr>
+          <p:nvPr>
+            <p:ph type="ftr" sz="quarter" idx="4"/>
+          </p:nvPr>
+        </p:nvSpPr>
+        <p:spPr>
+          <a:xfrm>
+            <a:off x="-1" y="8847000"/>
+            <a:ext cx="6488999" cy="297000"/>
+          </a:xfrm>
+          <a:prstGeom prst="rect">
+            <a:avLst/>
+          </a:prstGeom>
+        </p:spPr>
+        <p:txBody>
+          <a:bodyPr vert="horz" lIns="91440" tIns="45720" rIns="91440" bIns="45720" rtlCol="0" anchor="b"/>
+          <a:lstStyle>
+            <a:lvl1pPr algn="l">
+              <a:defRPr sz="1100"/>
+            </a:lvl1pPr>
+          </a:lstStyle>
+          <a:p>
+            <a:r>
+              <a:rPr lang="en-US" dirty="0"/>
+              <a:t>© SoftUni – </a:t>
+            </a:r>
+            <a:r>
+              <a:rPr lang="en-US" u="sng" dirty="0">
+                <a:hlinkClick r:id="rId3"/>
+              </a:rPr>
+              <a:t>https://softuni.org</a:t>
+            </a:r>
+            <a:r>
+              <a:rPr lang="en-US" dirty="0"/>
+              <a:t>. Copyrighted document. Unauthorized copy or reproduction is not permitted.</a:t>
+            </a:r>
+          </a:p>
+        </p:txBody>
+      </p:sp>
+    </p:spTree>
+    <p:extLst>
+      <p:ext uri="{BB962C8B-B14F-4D97-AF65-F5344CB8AC3E}">
+        <p14:creationId xmlns="" xmlns:p14="http://schemas.microsoft.com/office/powerpoint/2010/main" val="1076401627"/>
+      </p:ext>
+    </p:extLst>
+  </p:cSld>
+  <p:clrMapOvr>
+    <a:masterClrMapping/>
+  </p:clrMapOvr>
+</p:notes>
+</file>
+
+<file path=ppt/notesSlides/notesSlide7.xml><?xml version="1.0" encoding="utf-8"?>
 <p:notes xmlns:a="http://schemas.openxmlformats.org/drawingml/2006/main" xmlns:r="http://schemas.openxmlformats.org/officeDocument/2006/relationships" xmlns:p="http://schemas.openxmlformats.org/presentationml/2006/main">
   <p:cSld>
     <p:spTree>
@@ -2302,7 +2437,7 @@
             <a:fld id="{3EBA5BD7-F043-4D1B-AA17-CD412FC534DE}" type="slidenum">
               <a:rPr lang="en-US" smtClean="0"/>
               <a:pPr/>
-              <a:t>15</a:t>
+              <a:t>16</a:t>
             </a:fld>
             <a:endParaRPr lang="en-US" dirty="0"/>
           </a:p>
@@ -2313,7 +2448,7 @@
           <p:cNvPr id="7" name="Footer Placeholder 7">
             <a:extLst>
               <a:ext uri="{FF2B5EF4-FFF2-40B4-BE49-F238E27FC236}">
-                <a16:creationId xmlns:a16="http://schemas.microsoft.com/office/drawing/2014/main" xmlns="" id="{FE55E717-ED34-4F6A-893D-66C42190586B}"/>
+                <a16:creationId xmlns="" xmlns:a16="http://schemas.microsoft.com/office/drawing/2014/main" id="{FE55E717-ED34-4F6A-893D-66C42190586B}"/>
               </a:ext>
             </a:extLst>
           </p:cNvPr>
@@ -2361,142 +2496,7 @@
     </p:spTree>
     <p:extLst>
       <p:ext uri="{BB962C8B-B14F-4D97-AF65-F5344CB8AC3E}">
-        <p14:creationId xmlns:p14="http://schemas.microsoft.com/office/powerpoint/2010/main" xmlns="" val="4193284810"/>
-      </p:ext>
-    </p:extLst>
-  </p:cSld>
-  <p:clrMapOvr>
-    <a:masterClrMapping/>
-  </p:clrMapOvr>
-</p:notes>
-</file>
-
-<file path=ppt/notesSlides/notesSlide7.xml><?xml version="1.0" encoding="utf-8"?>
-<p:notes xmlns:a="http://schemas.openxmlformats.org/drawingml/2006/main" xmlns:r="http://schemas.openxmlformats.org/officeDocument/2006/relationships" xmlns:p="http://schemas.openxmlformats.org/presentationml/2006/main">
-  <p:cSld>
-    <p:spTree>
-      <p:nvGrpSpPr>
-        <p:cNvPr id="1" name=""/>
-        <p:cNvGrpSpPr/>
-        <p:nvPr/>
-      </p:nvGrpSpPr>
-      <p:grpSpPr>
-        <a:xfrm>
-          <a:off x="0" y="0"/>
-          <a:ext cx="0" cy="0"/>
-          <a:chOff x="0" y="0"/>
-          <a:chExt cx="0" cy="0"/>
-        </a:xfrm>
-      </p:grpSpPr>
-      <p:sp>
-        <p:nvSpPr>
-          <p:cNvPr id="2" name="Slide Image Placeholder 1"/>
-          <p:cNvSpPr>
-            <a:spLocks noGrp="1" noRot="1" noChangeAspect="1"/>
-          </p:cNvSpPr>
-          <p:nvPr>
-            <p:ph type="sldImg"/>
-          </p:nvPr>
-        </p:nvSpPr>
-        <p:spPr/>
-      </p:sp>
-      <p:sp>
-        <p:nvSpPr>
-          <p:cNvPr id="3" name="Notes Placeholder 2"/>
-          <p:cNvSpPr>
-            <a:spLocks noGrp="1"/>
-          </p:cNvSpPr>
-          <p:nvPr>
-            <p:ph type="body" idx="1"/>
-          </p:nvPr>
-        </p:nvSpPr>
-        <p:spPr/>
-        <p:txBody>
-          <a:bodyPr/>
-          <a:lstStyle/>
-          <a:p>
-            <a:endParaRPr lang="en-US" dirty="0"/>
-          </a:p>
-        </p:txBody>
-      </p:sp>
-      <p:sp>
-        <p:nvSpPr>
-          <p:cNvPr id="5" name="Slide Number Placeholder 4"/>
-          <p:cNvSpPr>
-            <a:spLocks noGrp="1"/>
-          </p:cNvSpPr>
-          <p:nvPr>
-            <p:ph type="sldNum" sz="quarter" idx="11"/>
-          </p:nvPr>
-        </p:nvSpPr>
-        <p:spPr/>
-        <p:txBody>
-          <a:bodyPr/>
-          <a:lstStyle/>
-          <a:p>
-            <a:fld id="{3EBA5BD7-F043-4D1B-AA17-CD412FC534DE}" type="slidenum">
-              <a:rPr lang="en-US" smtClean="0"/>
-              <a:pPr/>
-              <a:t>16</a:t>
-            </a:fld>
-            <a:endParaRPr lang="en-US" dirty="0"/>
-          </a:p>
-        </p:txBody>
-      </p:sp>
-      <p:sp>
-        <p:nvSpPr>
-          <p:cNvPr id="7" name="Footer Placeholder 7">
-            <a:extLst>
-              <a:ext uri="{FF2B5EF4-FFF2-40B4-BE49-F238E27FC236}">
-                <a16:creationId xmlns:a16="http://schemas.microsoft.com/office/drawing/2014/main" xmlns="" id="{B1181F38-7E25-4CF0-8477-2E5E9629196E}"/>
-              </a:ext>
-            </a:extLst>
-          </p:cNvPr>
-          <p:cNvSpPr>
-            <a:spLocks noGrp="1"/>
-          </p:cNvSpPr>
-          <p:nvPr>
-            <p:ph type="ftr" sz="quarter" idx="4"/>
-          </p:nvPr>
-        </p:nvSpPr>
-        <p:spPr>
-          <a:xfrm>
-            <a:off x="-1" y="8847000"/>
-            <a:ext cx="6488999" cy="297000"/>
-          </a:xfrm>
-          <a:prstGeom prst="rect">
-            <a:avLst/>
-          </a:prstGeom>
-        </p:spPr>
-        <p:txBody>
-          <a:bodyPr vert="horz" lIns="91440" tIns="45720" rIns="91440" bIns="45720" rtlCol="0" anchor="b"/>
-          <a:lstStyle>
-            <a:lvl1pPr algn="l">
-              <a:defRPr sz="1100"/>
-            </a:lvl1pPr>
-          </a:lstStyle>
-          <a:p>
-            <a:r>
-              <a:rPr lang="en-US" dirty="0"/>
-              <a:t>© SoftUni – </a:t>
-            </a:r>
-            <a:r>
-              <a:rPr lang="en-US" u="sng" dirty="0">
-                <a:hlinkClick r:id="rId3"/>
-              </a:rPr>
-              <a:t>https://softuni.org</a:t>
-            </a:r>
-            <a:r>
-              <a:rPr lang="en-US" dirty="0"/>
-              <a:t>. Copyrighted document. Unauthorized copy or reproduction is not permitted.</a:t>
-            </a:r>
-          </a:p>
-        </p:txBody>
-      </p:sp>
-    </p:spTree>
-    <p:extLst>
-      <p:ext uri="{BB962C8B-B14F-4D97-AF65-F5344CB8AC3E}">
-        <p14:creationId xmlns:p14="http://schemas.microsoft.com/office/powerpoint/2010/main" xmlns="" val="1076401627"/>
+        <p14:creationId xmlns="" xmlns:p14="http://schemas.microsoft.com/office/powerpoint/2010/main" val="4193284810"/>
       </p:ext>
     </p:extLst>
   </p:cSld>
@@ -2583,7 +2583,7 @@
           <p:cNvPr id="7" name="Footer Placeholder 7">
             <a:extLst>
               <a:ext uri="{FF2B5EF4-FFF2-40B4-BE49-F238E27FC236}">
-                <a16:creationId xmlns:a16="http://schemas.microsoft.com/office/drawing/2014/main" xmlns="" id="{B80D8324-A1E3-4093-A148-79A57C1E1C9A}"/>
+                <a16:creationId xmlns="" xmlns:a16="http://schemas.microsoft.com/office/drawing/2014/main" id="{B80D8324-A1E3-4093-A148-79A57C1E1C9A}"/>
               </a:ext>
             </a:extLst>
           </p:cNvPr>
@@ -2631,7 +2631,7 @@
     </p:spTree>
     <p:extLst>
       <p:ext uri="{BB962C8B-B14F-4D97-AF65-F5344CB8AC3E}">
-        <p14:creationId xmlns:p14="http://schemas.microsoft.com/office/powerpoint/2010/main" xmlns="" val="4004989242"/>
+        <p14:creationId xmlns="" xmlns:p14="http://schemas.microsoft.com/office/powerpoint/2010/main" val="4004989242"/>
       </p:ext>
     </p:extLst>
   </p:cSld>
@@ -2778,7 +2778,7 @@
           <p:cNvPr id="16" name="Rectangle Bottom">
             <a:extLst>
               <a:ext uri="{FF2B5EF4-FFF2-40B4-BE49-F238E27FC236}">
-                <a16:creationId xmlns:a16="http://schemas.microsoft.com/office/drawing/2014/main" xmlns="" id="{6854D183-0374-4B3E-B2CE-32F308A81591}"/>
+                <a16:creationId xmlns="" xmlns:a16="http://schemas.microsoft.com/office/drawing/2014/main" id="{6854D183-0374-4B3E-B2CE-32F308A81591}"/>
               </a:ext>
             </a:extLst>
           </p:cNvPr>
@@ -2859,7 +2859,7 @@
           <p:cNvPr id="14" name="Picture Logo SoftUni" descr="SoftUni logo">
             <a:extLst>
               <a:ext uri="{FF2B5EF4-FFF2-40B4-BE49-F238E27FC236}">
-                <a16:creationId xmlns:a16="http://schemas.microsoft.com/office/drawing/2014/main" xmlns="" id="{C4D6B2A2-DFF0-4712-BFEC-6676BEC99FEC}"/>
+                <a16:creationId xmlns="" xmlns:a16="http://schemas.microsoft.com/office/drawing/2014/main" id="{C4D6B2A2-DFF0-4712-BFEC-6676BEC99FEC}"/>
               </a:ext>
             </a:extLst>
           </p:cNvPr>
@@ -2882,7 +2882,7 @@
             </a:clrChange>
             <a:extLst>
               <a:ext uri="{28A0092B-C50C-407E-A947-70E740481C1C}">
-                <a14:useLocalDpi xmlns:a14="http://schemas.microsoft.com/office/drawing/2010/main" xmlns="" val="0"/>
+                <a14:useLocalDpi xmlns="" xmlns:a14="http://schemas.microsoft.com/office/drawing/2010/main" val="0"/>
               </a:ext>
             </a:extLst>
           </a:blip>
@@ -2905,7 +2905,7 @@
           <p:cNvPr id="31" name="Text Placeholder Company Site">
             <a:extLst>
               <a:ext uri="{FF2B5EF4-FFF2-40B4-BE49-F238E27FC236}">
-                <a16:creationId xmlns:a16="http://schemas.microsoft.com/office/drawing/2014/main" xmlns="" id="{3E6B87B7-9D33-4EBB-BD4F-C0436BA3FD72}"/>
+                <a16:creationId xmlns="" xmlns:a16="http://schemas.microsoft.com/office/drawing/2014/main" id="{3E6B87B7-9D33-4EBB-BD4F-C0436BA3FD72}"/>
               </a:ext>
             </a:extLst>
           </p:cNvPr>
@@ -2967,7 +2967,7 @@
           <p:cNvPr id="30" name="Text Placeholder Company Name">
             <a:extLst>
               <a:ext uri="{FF2B5EF4-FFF2-40B4-BE49-F238E27FC236}">
-                <a16:creationId xmlns:a16="http://schemas.microsoft.com/office/drawing/2014/main" xmlns="" id="{2EA92DCA-4DB5-4D03-ACD3-A6A296592D0C}"/>
+                <a16:creationId xmlns="" xmlns:a16="http://schemas.microsoft.com/office/drawing/2014/main" id="{2EA92DCA-4DB5-4D03-ACD3-A6A296592D0C}"/>
               </a:ext>
             </a:extLst>
           </p:cNvPr>
@@ -3029,7 +3029,7 @@
           <p:cNvPr id="35" name="Picture SoftUni Mascot" descr="SoftUni mascot">
             <a:extLst>
               <a:ext uri="{FF2B5EF4-FFF2-40B4-BE49-F238E27FC236}">
-                <a16:creationId xmlns:a16="http://schemas.microsoft.com/office/drawing/2014/main" xmlns="" id="{951E7DA9-C5F0-43D9-B013-3BDF9EEF029D}"/>
+                <a16:creationId xmlns="" xmlns:a16="http://schemas.microsoft.com/office/drawing/2014/main" id="{951E7DA9-C5F0-43D9-B013-3BDF9EEF029D}"/>
               </a:ext>
             </a:extLst>
           </p:cNvPr>
@@ -3042,7 +3042,7 @@
           <a:blip r:embed="rId3" cstate="print">
             <a:extLst>
               <a:ext uri="{28A0092B-C50C-407E-A947-70E740481C1C}">
-                <a14:useLocalDpi xmlns:a14="http://schemas.microsoft.com/office/drawing/2010/main" xmlns="" val="0"/>
+                <a14:useLocalDpi xmlns="" xmlns:a14="http://schemas.microsoft.com/office/drawing/2010/main" val="0"/>
               </a:ext>
             </a:extLst>
           </a:blip>
@@ -3065,7 +3065,7 @@
             <a:hlinkClick r:id="rId4"/>
             <a:extLst>
               <a:ext uri="{FF2B5EF4-FFF2-40B4-BE49-F238E27FC236}">
-                <a16:creationId xmlns:a16="http://schemas.microsoft.com/office/drawing/2014/main" xmlns="" id="{F2315EB3-3FE4-4D3B-921E-5F209CEC13CB}"/>
+                <a16:creationId xmlns="" xmlns:a16="http://schemas.microsoft.com/office/drawing/2014/main" id="{F2315EB3-3FE4-4D3B-921E-5F209CEC13CB}"/>
               </a:ext>
             </a:extLst>
           </p:cNvPr>
@@ -3088,7 +3088,7 @@
             </a:clrChange>
             <a:extLst>
               <a:ext uri="{28A0092B-C50C-407E-A947-70E740481C1C}">
-                <a14:useLocalDpi xmlns:a14="http://schemas.microsoft.com/office/drawing/2010/main" xmlns="" val="0"/>
+                <a14:useLocalDpi xmlns="" xmlns:a14="http://schemas.microsoft.com/office/drawing/2010/main" val="0"/>
               </a:ext>
             </a:extLst>
           </a:blip>
@@ -3111,7 +3111,7 @@
           <p:cNvPr id="40" name="Text Placeholder Author Position">
             <a:extLst>
               <a:ext uri="{FF2B5EF4-FFF2-40B4-BE49-F238E27FC236}">
-                <a16:creationId xmlns:a16="http://schemas.microsoft.com/office/drawing/2014/main" xmlns="" id="{CD940256-851E-46C8-8BFB-A5ECA6C7DA07}"/>
+                <a16:creationId xmlns="" xmlns:a16="http://schemas.microsoft.com/office/drawing/2014/main" id="{CD940256-851E-46C8-8BFB-A5ECA6C7DA07}"/>
               </a:ext>
             </a:extLst>
           </p:cNvPr>
@@ -3171,7 +3171,7 @@
           <p:cNvPr id="36" name="Text Placeholder Author Name">
             <a:extLst>
               <a:ext uri="{FF2B5EF4-FFF2-40B4-BE49-F238E27FC236}">
-                <a16:creationId xmlns:a16="http://schemas.microsoft.com/office/drawing/2014/main" xmlns="" id="{3B21F47B-DE1F-442D-A2B7-6866F8786704}"/>
+                <a16:creationId xmlns="" xmlns:a16="http://schemas.microsoft.com/office/drawing/2014/main" id="{3B21F47B-DE1F-442D-A2B7-6866F8786704}"/>
               </a:ext>
             </a:extLst>
           </p:cNvPr>
@@ -3231,7 +3231,7 @@
           <p:cNvPr id="33" name="Picture Placeholder Title Image">
             <a:extLst>
               <a:ext uri="{FF2B5EF4-FFF2-40B4-BE49-F238E27FC236}">
-                <a16:creationId xmlns:a16="http://schemas.microsoft.com/office/drawing/2014/main" xmlns="" id="{A04D819A-89E2-4714-8C56-1838BF467EF7}"/>
+                <a16:creationId xmlns="" xmlns:a16="http://schemas.microsoft.com/office/drawing/2014/main" id="{A04D819A-89E2-4714-8C56-1838BF467EF7}"/>
               </a:ext>
             </a:extLst>
           </p:cNvPr>
@@ -3273,7 +3273,7 @@
           <p:cNvPr id="43" name="Presentation Subtitle">
             <a:extLst>
               <a:ext uri="{FF2B5EF4-FFF2-40B4-BE49-F238E27FC236}">
-                <a16:creationId xmlns:a16="http://schemas.microsoft.com/office/drawing/2014/main" xmlns="" id="{37BDB812-1395-4B02-ABCF-6A331EEE23E5}"/>
+                <a16:creationId xmlns="" xmlns:a16="http://schemas.microsoft.com/office/drawing/2014/main" id="{37BDB812-1395-4B02-ABCF-6A331EEE23E5}"/>
               </a:ext>
             </a:extLst>
           </p:cNvPr>
@@ -3317,7 +3317,7 @@
           <p:cNvPr id="2" name="Presentation Title">
             <a:extLst>
               <a:ext uri="{FF2B5EF4-FFF2-40B4-BE49-F238E27FC236}">
-                <a16:creationId xmlns:a16="http://schemas.microsoft.com/office/drawing/2014/main" xmlns="" id="{A4DF3AB8-E6E3-4FCE-8A4A-ECD147720A5D}"/>
+                <a16:creationId xmlns="" xmlns:a16="http://schemas.microsoft.com/office/drawing/2014/main" id="{A4DF3AB8-E6E3-4FCE-8A4A-ECD147720A5D}"/>
               </a:ext>
             </a:extLst>
           </p:cNvPr>
@@ -3352,7 +3352,7 @@
     </p:spTree>
     <p:extLst>
       <p:ext uri="{BB962C8B-B14F-4D97-AF65-F5344CB8AC3E}">
-        <p14:creationId xmlns:p14="http://schemas.microsoft.com/office/powerpoint/2010/main" xmlns="" val="970179299"/>
+        <p14:creationId xmlns="" xmlns:p14="http://schemas.microsoft.com/office/powerpoint/2010/main" val="970179299"/>
       </p:ext>
     </p:extLst>
   </p:cSld>
@@ -3360,7 +3360,7 @@
     <a:masterClrMapping/>
   </p:clrMapOvr>
   <mc:AlternateContent xmlns:mc="http://schemas.openxmlformats.org/markup-compatibility/2006">
-    <mc:Choice xmlns:p14="http://schemas.microsoft.com/office/powerpoint/2010/main" xmlns="" Requires="p14">
+    <mc:Choice xmlns="" xmlns:p14="http://schemas.microsoft.com/office/powerpoint/2010/main" Requires="p14">
       <p:transition spd="slow" p14:dur="2000" advClick="0" advTm="5000"/>
     </mc:Choice>
     <mc:Fallback>
@@ -3369,7 +3369,7 @@
   </mc:AlternateContent>
   <p:extLst>
     <p:ext uri="{DCECCB84-F9BA-43D5-87BE-67443E8EF086}">
-      <p15:sldGuideLst xmlns:p15="http://schemas.microsoft.com/office/powerpoint/2012/main" xmlns="">
+      <p15:sldGuideLst xmlns="" xmlns:p15="http://schemas.microsoft.com/office/powerpoint/2012/main">
         <p15:guide id="1" orient="horz" pos="2160">
           <p15:clr>
             <a:srgbClr val="FBAE40"/>
@@ -3408,7 +3408,7 @@
           <p:cNvPr id="15" name="Slide Number">
             <a:extLst>
               <a:ext uri="{FF2B5EF4-FFF2-40B4-BE49-F238E27FC236}">
-                <a16:creationId xmlns:a16="http://schemas.microsoft.com/office/drawing/2014/main" xmlns="" id="{F888EE71-82B3-40F1-A63F-7417422FB4A4}"/>
+                <a16:creationId xmlns="" xmlns:a16="http://schemas.microsoft.com/office/drawing/2014/main" id="{F888EE71-82B3-40F1-A63F-7417422FB4A4}"/>
               </a:ext>
             </a:extLst>
           </p:cNvPr>
@@ -3450,7 +3450,7 @@
           <p:cNvPr id="14" name="Text Placeholder Body">
             <a:extLst>
               <a:ext uri="{FF2B5EF4-FFF2-40B4-BE49-F238E27FC236}">
-                <a16:creationId xmlns:a16="http://schemas.microsoft.com/office/drawing/2014/main" xmlns="" id="{A2ABE920-240F-4CF6-AD45-23ED489FAD6E}"/>
+                <a16:creationId xmlns="" xmlns:a16="http://schemas.microsoft.com/office/drawing/2014/main" id="{A2ABE920-240F-4CF6-AD45-23ED489FAD6E}"/>
               </a:ext>
             </a:extLst>
           </p:cNvPr>
@@ -3756,7 +3756,7 @@
           <p:cNvPr id="10" name="Rectangle Down">
             <a:extLst>
               <a:ext uri="{FF2B5EF4-FFF2-40B4-BE49-F238E27FC236}">
-                <a16:creationId xmlns:a16="http://schemas.microsoft.com/office/drawing/2014/main" xmlns="" id="{E9B994EC-35A8-4A11-98CB-25DC28852F94}"/>
+                <a16:creationId xmlns="" xmlns:a16="http://schemas.microsoft.com/office/drawing/2014/main" id="{E9B994EC-35A8-4A11-98CB-25DC28852F94}"/>
               </a:ext>
             </a:extLst>
           </p:cNvPr>
@@ -3837,7 +3837,7 @@
           <p:cNvPr id="11" name="Rectangle Top">
             <a:extLst>
               <a:ext uri="{FF2B5EF4-FFF2-40B4-BE49-F238E27FC236}">
-                <a16:creationId xmlns:a16="http://schemas.microsoft.com/office/drawing/2014/main" xmlns="" id="{274B8F05-DFCE-47BD-BAFD-DF93E1A63BDD}"/>
+                <a16:creationId xmlns="" xmlns:a16="http://schemas.microsoft.com/office/drawing/2014/main" id="{274B8F05-DFCE-47BD-BAFD-DF93E1A63BDD}"/>
               </a:ext>
             </a:extLst>
           </p:cNvPr>
@@ -3918,7 +3918,7 @@
           <p:cNvPr id="12" name="Logo Software University" descr="Software University logo">
             <a:extLst>
               <a:ext uri="{FF2B5EF4-FFF2-40B4-BE49-F238E27FC236}">
-                <a16:creationId xmlns:a16="http://schemas.microsoft.com/office/drawing/2014/main" xmlns="" id="{233CBB95-791E-4630-B3D9-FADFCE7BCF52}"/>
+                <a16:creationId xmlns="" xmlns:a16="http://schemas.microsoft.com/office/drawing/2014/main" id="{233CBB95-791E-4630-B3D9-FADFCE7BCF52}"/>
               </a:ext>
             </a:extLst>
           </p:cNvPr>
@@ -3931,7 +3931,7 @@
           <a:blip r:embed="rId2" cstate="print">
             <a:extLst>
               <a:ext uri="{28A0092B-C50C-407E-A947-70E740481C1C}">
-                <a14:useLocalDpi xmlns:a14="http://schemas.microsoft.com/office/drawing/2010/main" xmlns="" val="0"/>
+                <a14:useLocalDpi xmlns="" xmlns:a14="http://schemas.microsoft.com/office/drawing/2010/main" val="0"/>
               </a:ext>
             </a:extLst>
           </a:blip>
@@ -3954,7 +3954,7 @@
           <p:cNvPr id="13" name="Slide Title">
             <a:extLst>
               <a:ext uri="{FF2B5EF4-FFF2-40B4-BE49-F238E27FC236}">
-                <a16:creationId xmlns:a16="http://schemas.microsoft.com/office/drawing/2014/main" xmlns="" id="{3F218E34-55D7-4290-BFE4-80F31F941551}"/>
+                <a16:creationId xmlns="" xmlns:a16="http://schemas.microsoft.com/office/drawing/2014/main" id="{3F218E34-55D7-4290-BFE4-80F31F941551}"/>
               </a:ext>
             </a:extLst>
           </p:cNvPr>
@@ -3993,7 +3993,7 @@
     </p:spTree>
     <p:extLst>
       <p:ext uri="{BB962C8B-B14F-4D97-AF65-F5344CB8AC3E}">
-        <p14:creationId xmlns:p14="http://schemas.microsoft.com/office/powerpoint/2010/main" xmlns="" val="3774019400"/>
+        <p14:creationId xmlns="" xmlns:p14="http://schemas.microsoft.com/office/powerpoint/2010/main" val="3774019400"/>
       </p:ext>
     </p:extLst>
   </p:cSld>
@@ -4001,7 +4001,7 @@
     <a:masterClrMapping/>
   </p:clrMapOvr>
   <mc:AlternateContent xmlns:mc="http://schemas.openxmlformats.org/markup-compatibility/2006">
-    <mc:Choice xmlns:p14="http://schemas.microsoft.com/office/powerpoint/2010/main" xmlns="" Requires="p14">
+    <mc:Choice xmlns="" xmlns:p14="http://schemas.microsoft.com/office/powerpoint/2010/main" Requires="p14">
       <p:transition spd="slow" p14:dur="2000" advClick="0" advTm="5000"/>
     </mc:Choice>
     <mc:Fallback>
@@ -4041,7 +4041,7 @@
           <p:cNvPr id="35" name="Rectangle Bottom">
             <a:extLst>
               <a:ext uri="{FF2B5EF4-FFF2-40B4-BE49-F238E27FC236}">
-                <a16:creationId xmlns:a16="http://schemas.microsoft.com/office/drawing/2014/main" xmlns="" id="{550A59F9-9A9D-4956-95B4-F78CC0DB1D59}"/>
+                <a16:creationId xmlns="" xmlns:a16="http://schemas.microsoft.com/office/drawing/2014/main" id="{550A59F9-9A9D-4956-95B4-F78CC0DB1D59}"/>
               </a:ext>
             </a:extLst>
           </p:cNvPr>
@@ -4122,7 +4122,7 @@
           <p:cNvPr id="53" name="Rectangle Bottom Copyright">
             <a:extLst>
               <a:ext uri="{FF2B5EF4-FFF2-40B4-BE49-F238E27FC236}">
-                <a16:creationId xmlns:a16="http://schemas.microsoft.com/office/drawing/2014/main" xmlns="" id="{B07FB7FB-DA6C-4F5D-B068-357F0FCE27D8}"/>
+                <a16:creationId xmlns="" xmlns:a16="http://schemas.microsoft.com/office/drawing/2014/main" id="{B07FB7FB-DA6C-4F5D-B068-357F0FCE27D8}"/>
               </a:ext>
             </a:extLst>
           </p:cNvPr>
@@ -4179,7 +4179,7 @@
                 <a:hlinkClick r:id="rId2">
                   <a:extLst>
                     <a:ext uri="{A12FA001-AC4F-418D-AE19-62706E023703}">
-                      <ahyp:hlinkClr xmlns:ahyp="http://schemas.microsoft.com/office/drawing/2018/hyperlinkcolor" xmlns="" val="tx"/>
+                      <ahyp:hlinkClr xmlns="" xmlns:ahyp="http://schemas.microsoft.com/office/drawing/2018/hyperlinkcolor" val="tx"/>
                     </a:ext>
                   </a:extLst>
                 </a:hlinkClick>
@@ -4215,7 +4215,7 @@
           <p:cNvPr id="26" name="Picture SoftUni Mascot" descr="SoftUni mascot with open hand">
             <a:extLst>
               <a:ext uri="{FF2B5EF4-FFF2-40B4-BE49-F238E27FC236}">
-                <a16:creationId xmlns:a16="http://schemas.microsoft.com/office/drawing/2014/main" xmlns="" id="{247CFF3C-C4FA-493D-8505-DF469F4D36A4}"/>
+                <a16:creationId xmlns="" xmlns:a16="http://schemas.microsoft.com/office/drawing/2014/main" id="{247CFF3C-C4FA-493D-8505-DF469F4D36A4}"/>
               </a:ext>
             </a:extLst>
           </p:cNvPr>
@@ -4228,7 +4228,7 @@
           <a:blip r:embed="rId3" cstate="print">
             <a:extLst>
               <a:ext uri="{28A0092B-C50C-407E-A947-70E740481C1C}">
-                <a14:useLocalDpi xmlns:a14="http://schemas.microsoft.com/office/drawing/2010/main" xmlns="" val="0"/>
+                <a14:useLocalDpi xmlns="" xmlns:a14="http://schemas.microsoft.com/office/drawing/2010/main" val="0"/>
               </a:ext>
             </a:extLst>
           </a:blip>
@@ -4251,7 +4251,7 @@
           <p:cNvPr id="2" name="Group SoftUni Brands">
             <a:extLst>
               <a:ext uri="{FF2B5EF4-FFF2-40B4-BE49-F238E27FC236}">
-                <a16:creationId xmlns:a16="http://schemas.microsoft.com/office/drawing/2014/main" xmlns="" id="{418FAE34-C1F8-46C7-A4AE-F270D1E70F25}"/>
+                <a16:creationId xmlns="" xmlns:a16="http://schemas.microsoft.com/office/drawing/2014/main" id="{418FAE34-C1F8-46C7-A4AE-F270D1E70F25}"/>
               </a:ext>
             </a:extLst>
           </p:cNvPr>
@@ -4271,7 +4271,7 @@
             <p:cNvPr id="24" name="Picture SoftUni Kids Logo" descr="SoftUni Kids logo">
               <a:extLst>
                 <a:ext uri="{FF2B5EF4-FFF2-40B4-BE49-F238E27FC236}">
-                  <a16:creationId xmlns:a16="http://schemas.microsoft.com/office/drawing/2014/main" xmlns="" id="{B0812936-74B6-4265-8C08-AEDC8C798702}"/>
+                  <a16:creationId xmlns="" xmlns:a16="http://schemas.microsoft.com/office/drawing/2014/main" id="{B0812936-74B6-4265-8C08-AEDC8C798702}"/>
                 </a:ext>
               </a:extLst>
             </p:cNvPr>
@@ -4284,7 +4284,7 @@
             <a:blip r:embed="rId4" cstate="print">
               <a:extLst>
                 <a:ext uri="{28A0092B-C50C-407E-A947-70E740481C1C}">
-                  <a14:useLocalDpi xmlns:a14="http://schemas.microsoft.com/office/drawing/2010/main" xmlns="" val="0"/>
+                  <a14:useLocalDpi xmlns="" xmlns:a14="http://schemas.microsoft.com/office/drawing/2010/main" val="0"/>
                 </a:ext>
               </a:extLst>
             </a:blip>
@@ -4307,7 +4307,7 @@
             <p:cNvPr id="23" name="Picture SoftUni Foundation Logo" descr="SoftUni Foundation logo">
               <a:extLst>
                 <a:ext uri="{FF2B5EF4-FFF2-40B4-BE49-F238E27FC236}">
-                  <a16:creationId xmlns:a16="http://schemas.microsoft.com/office/drawing/2014/main" xmlns="" id="{6643F71A-2013-433A-8322-FBAAED3162D8}"/>
+                  <a16:creationId xmlns="" xmlns:a16="http://schemas.microsoft.com/office/drawing/2014/main" id="{6643F71A-2013-433A-8322-FBAAED3162D8}"/>
                 </a:ext>
               </a:extLst>
             </p:cNvPr>
@@ -4320,7 +4320,7 @@
             <a:blip r:embed="rId5" cstate="print">
               <a:extLst>
                 <a:ext uri="{28A0092B-C50C-407E-A947-70E740481C1C}">
-                  <a14:useLocalDpi xmlns:a14="http://schemas.microsoft.com/office/drawing/2010/main" xmlns="" val="0"/>
+                  <a14:useLocalDpi xmlns="" xmlns:a14="http://schemas.microsoft.com/office/drawing/2010/main" val="0"/>
                 </a:ext>
               </a:extLst>
             </a:blip>
@@ -4343,7 +4343,7 @@
             <p:cNvPr id="22" name="Picture SoftUni Digital Logo" descr="SoftUni Digital logo">
               <a:extLst>
                 <a:ext uri="{FF2B5EF4-FFF2-40B4-BE49-F238E27FC236}">
-                  <a16:creationId xmlns:a16="http://schemas.microsoft.com/office/drawing/2014/main" xmlns="" id="{0A83D66F-855B-463B-920B-BF239B01A206}"/>
+                  <a16:creationId xmlns="" xmlns:a16="http://schemas.microsoft.com/office/drawing/2014/main" id="{0A83D66F-855B-463B-920B-BF239B01A206}"/>
                 </a:ext>
               </a:extLst>
             </p:cNvPr>
@@ -4356,7 +4356,7 @@
             <a:blip r:embed="rId6" cstate="print">
               <a:extLst>
                 <a:ext uri="{28A0092B-C50C-407E-A947-70E740481C1C}">
-                  <a14:useLocalDpi xmlns:a14="http://schemas.microsoft.com/office/drawing/2010/main" xmlns="" val="0"/>
+                  <a14:useLocalDpi xmlns="" xmlns:a14="http://schemas.microsoft.com/office/drawing/2010/main" val="0"/>
                 </a:ext>
               </a:extLst>
             </a:blip>
@@ -4379,7 +4379,7 @@
             <p:cNvPr id="21" name="Picture SoftUni Creative Logo" descr="SoftUni Creative logo">
               <a:extLst>
                 <a:ext uri="{FF2B5EF4-FFF2-40B4-BE49-F238E27FC236}">
-                  <a16:creationId xmlns:a16="http://schemas.microsoft.com/office/drawing/2014/main" xmlns="" id="{EA755AAE-BA08-481C-9224-0061170EE4B8}"/>
+                  <a16:creationId xmlns="" xmlns:a16="http://schemas.microsoft.com/office/drawing/2014/main" id="{EA755AAE-BA08-481C-9224-0061170EE4B8}"/>
                 </a:ext>
               </a:extLst>
             </p:cNvPr>
@@ -4392,7 +4392,7 @@
             <a:blip r:embed="rId7" cstate="print">
               <a:extLst>
                 <a:ext uri="{28A0092B-C50C-407E-A947-70E740481C1C}">
-                  <a14:useLocalDpi xmlns:a14="http://schemas.microsoft.com/office/drawing/2010/main" xmlns="" val="0"/>
+                  <a14:useLocalDpi xmlns="" xmlns:a14="http://schemas.microsoft.com/office/drawing/2010/main" val="0"/>
                 </a:ext>
               </a:extLst>
             </a:blip>
@@ -4415,7 +4415,7 @@
             <p:cNvPr id="20" name="Picture SoftUni Svetlina Logo" descr="SoftUni Svetlina logo">
               <a:extLst>
                 <a:ext uri="{FF2B5EF4-FFF2-40B4-BE49-F238E27FC236}">
-                  <a16:creationId xmlns:a16="http://schemas.microsoft.com/office/drawing/2014/main" xmlns="" id="{827D15FD-4C66-4B85-98E6-7826AA8F61C6}"/>
+                  <a16:creationId xmlns="" xmlns:a16="http://schemas.microsoft.com/office/drawing/2014/main" id="{827D15FD-4C66-4B85-98E6-7826AA8F61C6}"/>
                 </a:ext>
               </a:extLst>
             </p:cNvPr>
@@ -4428,7 +4428,7 @@
             <a:blip r:embed="rId8" cstate="print">
               <a:extLst>
                 <a:ext uri="{28A0092B-C50C-407E-A947-70E740481C1C}">
-                  <a14:useLocalDpi xmlns:a14="http://schemas.microsoft.com/office/drawing/2010/main" xmlns="" val="0"/>
+                  <a14:useLocalDpi xmlns="" xmlns:a14="http://schemas.microsoft.com/office/drawing/2010/main" val="0"/>
                 </a:ext>
               </a:extLst>
             </a:blip>
@@ -4451,7 +4451,7 @@
             <p:cNvPr id="25" name="Picture Software University Logo" descr="Software University logo">
               <a:extLst>
                 <a:ext uri="{FF2B5EF4-FFF2-40B4-BE49-F238E27FC236}">
-                  <a16:creationId xmlns:a16="http://schemas.microsoft.com/office/drawing/2014/main" xmlns="" id="{C74C190C-5856-41B9-8819-AE8DE0E10980}"/>
+                  <a16:creationId xmlns="" xmlns:a16="http://schemas.microsoft.com/office/drawing/2014/main" id="{C74C190C-5856-41B9-8819-AE8DE0E10980}"/>
                 </a:ext>
               </a:extLst>
             </p:cNvPr>
@@ -4464,7 +4464,7 @@
             <a:blip r:embed="rId9" cstate="print">
               <a:extLst>
                 <a:ext uri="{28A0092B-C50C-407E-A947-70E740481C1C}">
-                  <a14:useLocalDpi xmlns:a14="http://schemas.microsoft.com/office/drawing/2010/main" xmlns="" val="0"/>
+                  <a14:useLocalDpi xmlns="" xmlns:a14="http://schemas.microsoft.com/office/drawing/2010/main" val="0"/>
                 </a:ext>
               </a:extLst>
             </a:blip>
@@ -4487,7 +4487,7 @@
             <p:cNvPr id="33" name="Straight Connector 6">
               <a:extLst>
                 <a:ext uri="{FF2B5EF4-FFF2-40B4-BE49-F238E27FC236}">
-                  <a16:creationId xmlns:a16="http://schemas.microsoft.com/office/drawing/2014/main" xmlns="" id="{5C63D1E8-4A92-4691-8A24-A2FC7E8008E5}"/>
+                  <a16:creationId xmlns="" xmlns:a16="http://schemas.microsoft.com/office/drawing/2014/main" id="{5C63D1E8-4A92-4691-8A24-A2FC7E8008E5}"/>
                 </a:ext>
               </a:extLst>
             </p:cNvPr>
@@ -4526,7 +4526,7 @@
             <p:cNvPr id="32" name="Straight Connector 5">
               <a:extLst>
                 <a:ext uri="{FF2B5EF4-FFF2-40B4-BE49-F238E27FC236}">
-                  <a16:creationId xmlns:a16="http://schemas.microsoft.com/office/drawing/2014/main" xmlns="" id="{6E91D320-3732-40B8-864D-142D0A277ED1}"/>
+                  <a16:creationId xmlns="" xmlns:a16="http://schemas.microsoft.com/office/drawing/2014/main" id="{6E91D320-3732-40B8-864D-142D0A277ED1}"/>
                 </a:ext>
               </a:extLst>
             </p:cNvPr>
@@ -4565,7 +4565,7 @@
             <p:cNvPr id="31" name="Straight Connector 4">
               <a:extLst>
                 <a:ext uri="{FF2B5EF4-FFF2-40B4-BE49-F238E27FC236}">
-                  <a16:creationId xmlns:a16="http://schemas.microsoft.com/office/drawing/2014/main" xmlns="" id="{299ABE09-E33C-46B7-A80D-7BF4A6956211}"/>
+                  <a16:creationId xmlns="" xmlns:a16="http://schemas.microsoft.com/office/drawing/2014/main" id="{299ABE09-E33C-46B7-A80D-7BF4A6956211}"/>
                 </a:ext>
               </a:extLst>
             </p:cNvPr>
@@ -4602,7 +4602,7 @@
             <p:cNvPr id="30" name="Straight Connector 3">
               <a:extLst>
                 <a:ext uri="{FF2B5EF4-FFF2-40B4-BE49-F238E27FC236}">
-                  <a16:creationId xmlns:a16="http://schemas.microsoft.com/office/drawing/2014/main" xmlns="" id="{93DDBF37-0764-47AA-94E3-9A44F3ED8FB5}"/>
+                  <a16:creationId xmlns="" xmlns:a16="http://schemas.microsoft.com/office/drawing/2014/main" id="{93DDBF37-0764-47AA-94E3-9A44F3ED8FB5}"/>
                 </a:ext>
               </a:extLst>
             </p:cNvPr>
@@ -4639,7 +4639,7 @@
             <p:cNvPr id="29" name="Straight Connector 2">
               <a:extLst>
                 <a:ext uri="{FF2B5EF4-FFF2-40B4-BE49-F238E27FC236}">
-                  <a16:creationId xmlns:a16="http://schemas.microsoft.com/office/drawing/2014/main" xmlns="" id="{72BFE2F3-0845-4E5B-9375-E9D4027DD675}"/>
+                  <a16:creationId xmlns="" xmlns:a16="http://schemas.microsoft.com/office/drawing/2014/main" id="{72BFE2F3-0845-4E5B-9375-E9D4027DD675}"/>
                 </a:ext>
               </a:extLst>
             </p:cNvPr>
@@ -4676,7 +4676,7 @@
             <p:cNvPr id="28" name="Straight Connector 1">
               <a:extLst>
                 <a:ext uri="{FF2B5EF4-FFF2-40B4-BE49-F238E27FC236}">
-                  <a16:creationId xmlns:a16="http://schemas.microsoft.com/office/drawing/2014/main" xmlns="" id="{D4E5982E-3110-47E1-A5BB-91B7BECC3093}"/>
+                  <a16:creationId xmlns="" xmlns:a16="http://schemas.microsoft.com/office/drawing/2014/main" id="{D4E5982E-3110-47E1-A5BB-91B7BECC3093}"/>
                 </a:ext>
               </a:extLst>
             </p:cNvPr>
@@ -4713,7 +4713,7 @@
             <p:cNvPr id="27" name="Straight Connector Horizontal">
               <a:extLst>
                 <a:ext uri="{FF2B5EF4-FFF2-40B4-BE49-F238E27FC236}">
-                  <a16:creationId xmlns:a16="http://schemas.microsoft.com/office/drawing/2014/main" xmlns="" id="{5F62FB7C-BD6E-4383-98C1-2CF30F34CAFD}"/>
+                  <a16:creationId xmlns="" xmlns:a16="http://schemas.microsoft.com/office/drawing/2014/main" id="{5F62FB7C-BD6E-4383-98C1-2CF30F34CAFD}"/>
                 </a:ext>
               </a:extLst>
             </p:cNvPr>
@@ -4752,7 +4752,7 @@
             <p:cNvPr id="34" name="Straight Connector 0">
               <a:extLst>
                 <a:ext uri="{FF2B5EF4-FFF2-40B4-BE49-F238E27FC236}">
-                  <a16:creationId xmlns:a16="http://schemas.microsoft.com/office/drawing/2014/main" xmlns="" id="{C84A0FE1-723D-4682-8682-77BAD950EE15}"/>
+                  <a16:creationId xmlns="" xmlns:a16="http://schemas.microsoft.com/office/drawing/2014/main" id="{C84A0FE1-723D-4682-8682-77BAD950EE15}"/>
                 </a:ext>
               </a:extLst>
             </p:cNvPr>
@@ -4789,7 +4789,7 @@
             <p:cNvPr id="18" name="Picture SoftUni Logo" descr="SoftUni logo">
               <a:extLst>
                 <a:ext uri="{FF2B5EF4-FFF2-40B4-BE49-F238E27FC236}">
-                  <a16:creationId xmlns:a16="http://schemas.microsoft.com/office/drawing/2014/main" xmlns="" id="{A0675455-B7FA-4569-A5FD-A3B0F20B2A26}"/>
+                  <a16:creationId xmlns="" xmlns:a16="http://schemas.microsoft.com/office/drawing/2014/main" id="{A0675455-B7FA-4569-A5FD-A3B0F20B2A26}"/>
                 </a:ext>
               </a:extLst>
             </p:cNvPr>
@@ -4802,7 +4802,7 @@
             <a:blip r:embed="rId10" cstate="print">
               <a:extLst>
                 <a:ext uri="{28A0092B-C50C-407E-A947-70E740481C1C}">
-                  <a14:useLocalDpi xmlns:a14="http://schemas.microsoft.com/office/drawing/2010/main" xmlns="" val="0"/>
+                  <a14:useLocalDpi xmlns="" xmlns:a14="http://schemas.microsoft.com/office/drawing/2010/main" val="0"/>
                 </a:ext>
               </a:extLst>
             </a:blip>
@@ -4826,7 +4826,7 @@
           <p:cNvPr id="19" name="Slide Title">
             <a:extLst>
               <a:ext uri="{FF2B5EF4-FFF2-40B4-BE49-F238E27FC236}">
-                <a16:creationId xmlns:a16="http://schemas.microsoft.com/office/drawing/2014/main" xmlns="" id="{7CFDBB16-985C-4CC7-B6DB-B81B36037922}"/>
+                <a16:creationId xmlns="" xmlns:a16="http://schemas.microsoft.com/office/drawing/2014/main" id="{7CFDBB16-985C-4CC7-B6DB-B81B36037922}"/>
               </a:ext>
             </a:extLst>
           </p:cNvPr>
@@ -4929,7 +4929,7 @@
           <p:cNvPr id="36" name="Logo Software University" descr="Software University logo">
             <a:extLst>
               <a:ext uri="{FF2B5EF4-FFF2-40B4-BE49-F238E27FC236}">
-                <a16:creationId xmlns:a16="http://schemas.microsoft.com/office/drawing/2014/main" xmlns="" id="{67FC4D2E-913D-432A-B658-F0D82839FA5E}"/>
+                <a16:creationId xmlns="" xmlns:a16="http://schemas.microsoft.com/office/drawing/2014/main" id="{67FC4D2E-913D-432A-B658-F0D82839FA5E}"/>
               </a:ext>
             </a:extLst>
           </p:cNvPr>
@@ -4952,7 +4952,7 @@
             </a:clrChange>
             <a:extLst>
               <a:ext uri="{28A0092B-C50C-407E-A947-70E740481C1C}">
-                <a14:useLocalDpi xmlns:a14="http://schemas.microsoft.com/office/drawing/2010/main" xmlns="" val="0"/>
+                <a14:useLocalDpi xmlns="" xmlns:a14="http://schemas.microsoft.com/office/drawing/2010/main" val="0"/>
               </a:ext>
             </a:extLst>
           </a:blip>
@@ -4973,7 +4973,7 @@
     </p:spTree>
     <p:extLst>
       <p:ext uri="{BB962C8B-B14F-4D97-AF65-F5344CB8AC3E}">
-        <p14:creationId xmlns:p14="http://schemas.microsoft.com/office/powerpoint/2010/main" xmlns="" val="4192061223"/>
+        <p14:creationId xmlns="" xmlns:p14="http://schemas.microsoft.com/office/powerpoint/2010/main" val="4192061223"/>
       </p:ext>
     </p:extLst>
   </p:cSld>
@@ -4981,7 +4981,7 @@
     <a:masterClrMapping/>
   </p:clrMapOvr>
   <mc:AlternateContent xmlns:mc="http://schemas.openxmlformats.org/markup-compatibility/2006">
-    <mc:Choice xmlns:p14="http://schemas.microsoft.com/office/powerpoint/2010/main" xmlns="" Requires="p14">
+    <mc:Choice xmlns="" xmlns:p14="http://schemas.microsoft.com/office/powerpoint/2010/main" Requires="p14">
       <p:transition spd="slow" p14:dur="2000" advClick="0" advTm="5000"/>
     </mc:Choice>
     <mc:Fallback>
@@ -4990,7 +4990,7 @@
   </mc:AlternateContent>
   <p:extLst>
     <p:ext uri="{DCECCB84-F9BA-43D5-87BE-67443E8EF086}">
-      <p15:sldGuideLst xmlns:p15="http://schemas.microsoft.com/office/powerpoint/2012/main" xmlns="">
+      <p15:sldGuideLst xmlns="" xmlns:p15="http://schemas.microsoft.com/office/powerpoint/2012/main">
         <p15:guide id="1" orient="horz" pos="2160">
           <p15:clr>
             <a:srgbClr val="FBAE40"/>
@@ -5029,7 +5029,7 @@
           <p:cNvPr id="13" name="Slide Number">
             <a:extLst>
               <a:ext uri="{FF2B5EF4-FFF2-40B4-BE49-F238E27FC236}">
-                <a16:creationId xmlns:a16="http://schemas.microsoft.com/office/drawing/2014/main" xmlns="" id="{5B8761D8-B42F-4A70-A0CE-682CEB2AE31B}"/>
+                <a16:creationId xmlns="" xmlns:a16="http://schemas.microsoft.com/office/drawing/2014/main" id="{5B8761D8-B42F-4A70-A0CE-682CEB2AE31B}"/>
               </a:ext>
             </a:extLst>
           </p:cNvPr>
@@ -5072,7 +5072,7 @@
             <a:hlinkClick r:id="rId2" tooltip="Software University Discussion Forum"/>
             <a:extLst>
               <a:ext uri="{FF2B5EF4-FFF2-40B4-BE49-F238E27FC236}">
-                <a16:creationId xmlns:a16="http://schemas.microsoft.com/office/drawing/2014/main" xmlns="" id="{98C579AD-FAF5-4B28-9B52-5457F1E90061}"/>
+                <a16:creationId xmlns="" xmlns:a16="http://schemas.microsoft.com/office/drawing/2014/main" id="{98C579AD-FAF5-4B28-9B52-5457F1E90061}"/>
               </a:ext>
             </a:extLst>
           </p:cNvPr>
@@ -5085,7 +5085,7 @@
           <a:blip r:embed="rId3" cstate="print">
             <a:extLst>
               <a:ext uri="{28A0092B-C50C-407E-A947-70E740481C1C}">
-                <a14:useLocalDpi xmlns:a14="http://schemas.microsoft.com/office/drawing/2010/main" xmlns=""/>
+                <a14:useLocalDpi xmlns="" xmlns:a14="http://schemas.microsoft.com/office/drawing/2010/main"/>
               </a:ext>
             </a:extLst>
           </a:blip>
@@ -5109,7 +5109,7 @@
             <a:hlinkClick r:id="rId4" tooltip="Software University @ Facebook"/>
             <a:extLst>
               <a:ext uri="{FF2B5EF4-FFF2-40B4-BE49-F238E27FC236}">
-                <a16:creationId xmlns:a16="http://schemas.microsoft.com/office/drawing/2014/main" xmlns="" id="{6B2C510E-5EF2-49F6-B926-2BD74CD3C7F8}"/>
+                <a16:creationId xmlns="" xmlns:a16="http://schemas.microsoft.com/office/drawing/2014/main" id="{6B2C510E-5EF2-49F6-B926-2BD74CD3C7F8}"/>
               </a:ext>
             </a:extLst>
           </p:cNvPr>
@@ -5122,7 +5122,7 @@
           <a:blip r:embed="rId5" cstate="print">
             <a:extLst>
               <a:ext uri="{28A0092B-C50C-407E-A947-70E740481C1C}">
-                <a14:useLocalDpi xmlns:a14="http://schemas.microsoft.com/office/drawing/2010/main" xmlns=""/>
+                <a14:useLocalDpi xmlns="" xmlns:a14="http://schemas.microsoft.com/office/drawing/2010/main"/>
               </a:ext>
             </a:extLst>
           </a:blip>
@@ -5140,7 +5140,7 @@
           <a:noFill/>
           <a:extLst>
             <a:ext uri="{909E8E84-426E-40DD-AFC4-6F175D3DCCD1}">
-              <a14:hiddenFill xmlns:a14="http://schemas.microsoft.com/office/drawing/2010/main" xmlns="">
+              <a14:hiddenFill xmlns="" xmlns:a14="http://schemas.microsoft.com/office/drawing/2010/main">
                 <a:solidFill>
                   <a:srgbClr val="FFFFFF"/>
                 </a:solidFill>
@@ -5155,7 +5155,7 @@
             <a:hlinkClick r:id="rId6"/>
             <a:extLst>
               <a:ext uri="{FF2B5EF4-FFF2-40B4-BE49-F238E27FC236}">
-                <a16:creationId xmlns:a16="http://schemas.microsoft.com/office/drawing/2014/main" xmlns="" id="{F4604840-E810-44B7-9FF1-3B28CD68B758}"/>
+                <a16:creationId xmlns="" xmlns:a16="http://schemas.microsoft.com/office/drawing/2014/main" id="{F4604840-E810-44B7-9FF1-3B28CD68B758}"/>
               </a:ext>
             </a:extLst>
           </p:cNvPr>
@@ -5168,7 +5168,7 @@
           <a:blip r:embed="rId7" cstate="print">
             <a:extLst>
               <a:ext uri="{28A0092B-C50C-407E-A947-70E740481C1C}">
-                <a14:useLocalDpi xmlns:a14="http://schemas.microsoft.com/office/drawing/2010/main" xmlns="" val="0"/>
+                <a14:useLocalDpi xmlns="" xmlns:a14="http://schemas.microsoft.com/office/drawing/2010/main" val="0"/>
               </a:ext>
             </a:extLst>
           </a:blip>
@@ -5192,7 +5192,7 @@
             <a:hlinkClick r:id="rId8"/>
             <a:extLst>
               <a:ext uri="{FF2B5EF4-FFF2-40B4-BE49-F238E27FC236}">
-                <a16:creationId xmlns:a16="http://schemas.microsoft.com/office/drawing/2014/main" xmlns="" id="{07C965FA-A87E-4824-AFA8-C67AF548A76A}"/>
+                <a16:creationId xmlns="" xmlns:a16="http://schemas.microsoft.com/office/drawing/2014/main" id="{07C965FA-A87E-4824-AFA8-C67AF548A76A}"/>
               </a:ext>
             </a:extLst>
           </p:cNvPr>
@@ -5205,7 +5205,7 @@
           <a:blip r:embed="rId9" cstate="print">
             <a:extLst>
               <a:ext uri="{28A0092B-C50C-407E-A947-70E740481C1C}">
-                <a14:useLocalDpi xmlns:a14="http://schemas.microsoft.com/office/drawing/2010/main" xmlns="" val="0"/>
+                <a14:useLocalDpi xmlns="" xmlns:a14="http://schemas.microsoft.com/office/drawing/2010/main" val="0"/>
               </a:ext>
             </a:extLst>
           </a:blip>
@@ -5227,7 +5227,7 @@
           <p:cNvPr id="12" name="Slide Body Text">
             <a:extLst>
               <a:ext uri="{FF2B5EF4-FFF2-40B4-BE49-F238E27FC236}">
-                <a16:creationId xmlns:a16="http://schemas.microsoft.com/office/drawing/2014/main" xmlns="" id="{0C1F9416-8B6E-46DE-973C-777785E27A26}"/>
+                <a16:creationId xmlns="" xmlns:a16="http://schemas.microsoft.com/office/drawing/2014/main" id="{0C1F9416-8B6E-46DE-973C-777785E27A26}"/>
               </a:ext>
             </a:extLst>
           </p:cNvPr>
@@ -5352,7 +5352,7 @@
           <p:cNvPr id="10" name="Rectangle Top">
             <a:extLst>
               <a:ext uri="{FF2B5EF4-FFF2-40B4-BE49-F238E27FC236}">
-                <a16:creationId xmlns:a16="http://schemas.microsoft.com/office/drawing/2014/main" xmlns="" id="{86646B95-5E3B-4DE8-9118-031C2C296D8C}"/>
+                <a16:creationId xmlns="" xmlns:a16="http://schemas.microsoft.com/office/drawing/2014/main" id="{86646B95-5E3B-4DE8-9118-031C2C296D8C}"/>
               </a:ext>
             </a:extLst>
           </p:cNvPr>
@@ -5433,7 +5433,7 @@
           <p:cNvPr id="11" name="Logo Software University" descr="Software University logo">
             <a:extLst>
               <a:ext uri="{FF2B5EF4-FFF2-40B4-BE49-F238E27FC236}">
-                <a16:creationId xmlns:a16="http://schemas.microsoft.com/office/drawing/2014/main" xmlns="" id="{58AB1944-B146-4E89-B2D9-426EB610F319}"/>
+                <a16:creationId xmlns="" xmlns:a16="http://schemas.microsoft.com/office/drawing/2014/main" id="{58AB1944-B146-4E89-B2D9-426EB610F319}"/>
               </a:ext>
             </a:extLst>
           </p:cNvPr>
@@ -5446,7 +5446,7 @@
           <a:blip r:embed="rId11" cstate="print">
             <a:extLst>
               <a:ext uri="{28A0092B-C50C-407E-A947-70E740481C1C}">
-                <a14:useLocalDpi xmlns:a14="http://schemas.microsoft.com/office/drawing/2010/main" xmlns="" val="0"/>
+                <a14:useLocalDpi xmlns="" xmlns:a14="http://schemas.microsoft.com/office/drawing/2010/main" val="0"/>
               </a:ext>
             </a:extLst>
           </a:blip>
@@ -5469,7 +5469,7 @@
           <p:cNvPr id="18" name="Slide Title">
             <a:extLst>
               <a:ext uri="{FF2B5EF4-FFF2-40B4-BE49-F238E27FC236}">
-                <a16:creationId xmlns:a16="http://schemas.microsoft.com/office/drawing/2014/main" xmlns="" id="{AE87ED9C-76E1-4D85-9B06-3AF44AABB668}"/>
+                <a16:creationId xmlns="" xmlns:a16="http://schemas.microsoft.com/office/drawing/2014/main" id="{AE87ED9C-76E1-4D85-9B06-3AF44AABB668}"/>
               </a:ext>
             </a:extLst>
           </p:cNvPr>
@@ -5508,7 +5508,7 @@
     </p:spTree>
     <p:extLst>
       <p:ext uri="{BB962C8B-B14F-4D97-AF65-F5344CB8AC3E}">
-        <p14:creationId xmlns:p14="http://schemas.microsoft.com/office/powerpoint/2010/main" xmlns="" val="2196466322"/>
+        <p14:creationId xmlns="" xmlns:p14="http://schemas.microsoft.com/office/powerpoint/2010/main" val="2196466322"/>
       </p:ext>
     </p:extLst>
   </p:cSld>
@@ -5516,7 +5516,7 @@
     <a:masterClrMapping/>
   </p:clrMapOvr>
   <mc:AlternateContent xmlns:mc="http://schemas.openxmlformats.org/markup-compatibility/2006">
-    <mc:Choice xmlns:p14="http://schemas.microsoft.com/office/powerpoint/2010/main" xmlns="" Requires="p14">
+    <mc:Choice xmlns="" xmlns:p14="http://schemas.microsoft.com/office/powerpoint/2010/main" Requires="p14">
       <p:transition spd="slow" p14:dur="2000" advClick="0" advTm="5000"/>
     </mc:Choice>
     <mc:Fallback>
@@ -5548,7 +5548,7 @@
           <p:cNvPr id="9" name="Oval Center Icon">
             <a:extLst>
               <a:ext uri="{FF2B5EF4-FFF2-40B4-BE49-F238E27FC236}">
-                <a16:creationId xmlns:a16="http://schemas.microsoft.com/office/drawing/2014/main" xmlns="" id="{13B9A8FE-2718-4F2C-98D4-CBF86AD69D58}"/>
+                <a16:creationId xmlns="" xmlns:a16="http://schemas.microsoft.com/office/drawing/2014/main" id="{13B9A8FE-2718-4F2C-98D4-CBF86AD69D58}"/>
               </a:ext>
             </a:extLst>
           </p:cNvPr>
@@ -5629,7 +5629,7 @@
           <p:cNvPr id="8" name="Slide Subtitle">
             <a:extLst>
               <a:ext uri="{FF2B5EF4-FFF2-40B4-BE49-F238E27FC236}">
-                <a16:creationId xmlns:a16="http://schemas.microsoft.com/office/drawing/2014/main" xmlns="" id="{588387B4-E99E-4145-9D1D-F17CA5190DFD}"/>
+                <a16:creationId xmlns="" xmlns:a16="http://schemas.microsoft.com/office/drawing/2014/main" id="{588387B4-E99E-4145-9D1D-F17CA5190DFD}"/>
               </a:ext>
             </a:extLst>
           </p:cNvPr>
@@ -5679,7 +5679,7 @@
           <p:cNvPr id="13" name="Slide Title">
             <a:extLst>
               <a:ext uri="{FF2B5EF4-FFF2-40B4-BE49-F238E27FC236}">
-                <a16:creationId xmlns:a16="http://schemas.microsoft.com/office/drawing/2014/main" xmlns="" id="{8A28C56F-AE84-49D0-9AD1-1F0CEEABF710}"/>
+                <a16:creationId xmlns="" xmlns:a16="http://schemas.microsoft.com/office/drawing/2014/main" id="{8A28C56F-AE84-49D0-9AD1-1F0CEEABF710}"/>
               </a:ext>
             </a:extLst>
           </p:cNvPr>
@@ -5724,7 +5724,7 @@
     </p:spTree>
     <p:extLst>
       <p:ext uri="{BB962C8B-B14F-4D97-AF65-F5344CB8AC3E}">
-        <p14:creationId xmlns:p14="http://schemas.microsoft.com/office/powerpoint/2010/main" xmlns="" val="475389923"/>
+        <p14:creationId xmlns="" xmlns:p14="http://schemas.microsoft.com/office/powerpoint/2010/main" val="475389923"/>
       </p:ext>
     </p:extLst>
   </p:cSld>
@@ -5732,7 +5732,7 @@
     <a:masterClrMapping/>
   </p:clrMapOvr>
   <mc:AlternateContent xmlns:mc="http://schemas.openxmlformats.org/markup-compatibility/2006">
-    <mc:Choice xmlns:p14="http://schemas.microsoft.com/office/powerpoint/2010/main" xmlns="" Requires="p14">
+    <mc:Choice xmlns="" xmlns:p14="http://schemas.microsoft.com/office/powerpoint/2010/main" Requires="p14">
       <p:transition spd="slow" p14:dur="2000" advClick="0" advTm="5000"/>
     </mc:Choice>
     <mc:Fallback>
@@ -5765,7 +5765,7 @@
           <p:cNvPr id="2" name="Title 1">
             <a:extLst>
               <a:ext uri="{FF2B5EF4-FFF2-40B4-BE49-F238E27FC236}">
-                <a16:creationId xmlns:a16="http://schemas.microsoft.com/office/drawing/2014/main" xmlns="" id="{5213C145-EA12-94EF-AA17-5F628EA0AD2D}"/>
+                <a16:creationId xmlns="" xmlns:a16="http://schemas.microsoft.com/office/drawing/2014/main" id="{5213C145-EA12-94EF-AA17-5F628EA0AD2D}"/>
               </a:ext>
             </a:extLst>
           </p:cNvPr>
@@ -5803,7 +5803,7 @@
           <p:cNvPr id="3" name="Subtitle 2">
             <a:extLst>
               <a:ext uri="{FF2B5EF4-FFF2-40B4-BE49-F238E27FC236}">
-                <a16:creationId xmlns:a16="http://schemas.microsoft.com/office/drawing/2014/main" xmlns="" id="{5F55E72E-5B45-B6EE-75AE-03B188AD9A08}"/>
+                <a16:creationId xmlns="" xmlns:a16="http://schemas.microsoft.com/office/drawing/2014/main" id="{5F55E72E-5B45-B6EE-75AE-03B188AD9A08}"/>
               </a:ext>
             </a:extLst>
           </p:cNvPr>
@@ -5874,7 +5874,7 @@
           <p:cNvPr id="4" name="Date Placeholder 3">
             <a:extLst>
               <a:ext uri="{FF2B5EF4-FFF2-40B4-BE49-F238E27FC236}">
-                <a16:creationId xmlns:a16="http://schemas.microsoft.com/office/drawing/2014/main" xmlns="" id="{30C6A8EA-0240-01AB-A7C2-BD1CD885E1C1}"/>
+                <a16:creationId xmlns="" xmlns:a16="http://schemas.microsoft.com/office/drawing/2014/main" id="{30C6A8EA-0240-01AB-A7C2-BD1CD885E1C1}"/>
               </a:ext>
             </a:extLst>
           </p:cNvPr>
@@ -5893,7 +5893,7 @@
             <a:fld id="{1CF2F75B-1C4E-1E47-AE31-5B79E79ADF4F}" type="datetimeFigureOut">
               <a:rPr lang="x-none" smtClean="0"/>
               <a:pPr/>
-              <a:t>18.8.2023 г.</a:t>
+              <a:t>19.8.2023 г.</a:t>
             </a:fld>
             <a:endParaRPr lang="x-none"/>
           </a:p>
@@ -5904,7 +5904,7 @@
           <p:cNvPr id="5" name="Footer Placeholder 4">
             <a:extLst>
               <a:ext uri="{FF2B5EF4-FFF2-40B4-BE49-F238E27FC236}">
-                <a16:creationId xmlns:a16="http://schemas.microsoft.com/office/drawing/2014/main" xmlns="" id="{F95CBF96-4249-1541-E44E-FBCECA233B3C}"/>
+                <a16:creationId xmlns="" xmlns:a16="http://schemas.microsoft.com/office/drawing/2014/main" id="{F95CBF96-4249-1541-E44E-FBCECA233B3C}"/>
               </a:ext>
             </a:extLst>
           </p:cNvPr>
@@ -5929,7 +5929,7 @@
           <p:cNvPr id="6" name="Slide Number Placeholder 5">
             <a:extLst>
               <a:ext uri="{FF2B5EF4-FFF2-40B4-BE49-F238E27FC236}">
-                <a16:creationId xmlns:a16="http://schemas.microsoft.com/office/drawing/2014/main" xmlns="" id="{7ACB54F2-814F-F79B-8CD7-FA3133365CBC}"/>
+                <a16:creationId xmlns="" xmlns:a16="http://schemas.microsoft.com/office/drawing/2014/main" id="{7ACB54F2-814F-F79B-8CD7-FA3133365CBC}"/>
               </a:ext>
             </a:extLst>
           </p:cNvPr>
@@ -5957,7 +5957,7 @@
     </p:spTree>
     <p:extLst>
       <p:ext uri="{BB962C8B-B14F-4D97-AF65-F5344CB8AC3E}">
-        <p14:creationId xmlns:p14="http://schemas.microsoft.com/office/powerpoint/2010/main" xmlns="" val="2773863354"/>
+        <p14:creationId xmlns="" xmlns:p14="http://schemas.microsoft.com/office/powerpoint/2010/main" val="2773863354"/>
       </p:ext>
     </p:extLst>
   </p:cSld>
@@ -5989,7 +5989,7 @@
           <p:cNvPr id="8" name="Rectangle Top">
             <a:extLst>
               <a:ext uri="{FF2B5EF4-FFF2-40B4-BE49-F238E27FC236}">
-                <a16:creationId xmlns:a16="http://schemas.microsoft.com/office/drawing/2014/main" xmlns="" id="{454BD9C2-93A6-4860-A758-846ED0E1C8FA}"/>
+                <a16:creationId xmlns="" xmlns:a16="http://schemas.microsoft.com/office/drawing/2014/main" id="{454BD9C2-93A6-4860-A758-846ED0E1C8FA}"/>
               </a:ext>
             </a:extLst>
           </p:cNvPr>
@@ -6070,7 +6070,7 @@
           <p:cNvPr id="7" name="Slide Number">
             <a:extLst>
               <a:ext uri="{FF2B5EF4-FFF2-40B4-BE49-F238E27FC236}">
-                <a16:creationId xmlns:a16="http://schemas.microsoft.com/office/drawing/2014/main" xmlns="" id="{C1780DB1-0AF0-4108-AFE1-9DA99F0DBCB8}"/>
+                <a16:creationId xmlns="" xmlns:a16="http://schemas.microsoft.com/office/drawing/2014/main" id="{C1780DB1-0AF0-4108-AFE1-9DA99F0DBCB8}"/>
               </a:ext>
             </a:extLst>
           </p:cNvPr>
@@ -6112,7 +6112,7 @@
           <p:cNvPr id="3" name="Slide Body Text">
             <a:extLst>
               <a:ext uri="{FF2B5EF4-FFF2-40B4-BE49-F238E27FC236}">
-                <a16:creationId xmlns:a16="http://schemas.microsoft.com/office/drawing/2014/main" xmlns="" id="{5A9D2960-6D42-439F-82E8-812822013A10}"/>
+                <a16:creationId xmlns="" xmlns:a16="http://schemas.microsoft.com/office/drawing/2014/main" id="{5A9D2960-6D42-439F-82E8-812822013A10}"/>
               </a:ext>
             </a:extLst>
           </p:cNvPr>
@@ -6190,7 +6190,7 @@
           <p:cNvPr id="13" name="Rectangle Top">
             <a:extLst>
               <a:ext uri="{FF2B5EF4-FFF2-40B4-BE49-F238E27FC236}">
-                <a16:creationId xmlns:a16="http://schemas.microsoft.com/office/drawing/2014/main" xmlns="" id="{391AFA4E-7870-4561-A1B8-AC956B0C8931}"/>
+                <a16:creationId xmlns="" xmlns:a16="http://schemas.microsoft.com/office/drawing/2014/main" id="{391AFA4E-7870-4561-A1B8-AC956B0C8931}"/>
               </a:ext>
             </a:extLst>
           </p:cNvPr>
@@ -6271,7 +6271,7 @@
           <p:cNvPr id="12" name="Logo Software University" descr="Software University logo">
             <a:extLst>
               <a:ext uri="{FF2B5EF4-FFF2-40B4-BE49-F238E27FC236}">
-                <a16:creationId xmlns:a16="http://schemas.microsoft.com/office/drawing/2014/main" xmlns="" id="{B1D3B425-B9BF-43ED-9DEC-C05002FBA22F}"/>
+                <a16:creationId xmlns="" xmlns:a16="http://schemas.microsoft.com/office/drawing/2014/main" id="{B1D3B425-B9BF-43ED-9DEC-C05002FBA22F}"/>
               </a:ext>
             </a:extLst>
           </p:cNvPr>
@@ -6284,7 +6284,7 @@
           <a:blip r:embed="rId2" cstate="print">
             <a:extLst>
               <a:ext uri="{28A0092B-C50C-407E-A947-70E740481C1C}">
-                <a14:useLocalDpi xmlns:a14="http://schemas.microsoft.com/office/drawing/2010/main" xmlns="" val="0"/>
+                <a14:useLocalDpi xmlns="" xmlns:a14="http://schemas.microsoft.com/office/drawing/2010/main" val="0"/>
               </a:ext>
             </a:extLst>
           </a:blip>
@@ -6307,7 +6307,7 @@
           <p:cNvPr id="6" name="Slide Title">
             <a:extLst>
               <a:ext uri="{FF2B5EF4-FFF2-40B4-BE49-F238E27FC236}">
-                <a16:creationId xmlns:a16="http://schemas.microsoft.com/office/drawing/2014/main" xmlns="" id="{19B5B676-7892-440F-8191-7109B2C59885}"/>
+                <a16:creationId xmlns="" xmlns:a16="http://schemas.microsoft.com/office/drawing/2014/main" id="{19B5B676-7892-440F-8191-7109B2C59885}"/>
               </a:ext>
             </a:extLst>
           </p:cNvPr>
@@ -6346,7 +6346,7 @@
     </p:spTree>
     <p:extLst>
       <p:ext uri="{BB962C8B-B14F-4D97-AF65-F5344CB8AC3E}">
-        <p14:creationId xmlns:p14="http://schemas.microsoft.com/office/powerpoint/2010/main" xmlns="" val="2685365194"/>
+        <p14:creationId xmlns="" xmlns:p14="http://schemas.microsoft.com/office/powerpoint/2010/main" val="2685365194"/>
       </p:ext>
     </p:extLst>
   </p:cSld>
@@ -6354,7 +6354,7 @@
     <a:masterClrMapping/>
   </p:clrMapOvr>
   <mc:AlternateContent xmlns:mc="http://schemas.openxmlformats.org/markup-compatibility/2006">
-    <mc:Choice xmlns:p14="http://schemas.microsoft.com/office/powerpoint/2010/main" xmlns="" Requires="p14">
+    <mc:Choice xmlns="" xmlns:p14="http://schemas.microsoft.com/office/powerpoint/2010/main" Requires="p14">
       <p:transition spd="slow" p14:dur="2000" advClick="0" advTm="5000"/>
     </mc:Choice>
     <mc:Fallback>
@@ -7404,7 +7404,7 @@
             <a:fld id="{1D8BD707-D9CF-40AE-B4C6-C98DA3205C09}" type="datetimeFigureOut">
               <a:rPr lang="en-US"/>
               <a:pPr/>
-              <a:t>8/18/2023</a:t>
+              <a:t>8/19/2023</a:t>
             </a:fld>
             <a:endParaRPr lang="en-US" dirty="0"/>
           </a:p>
@@ -7464,7 +7464,7 @@
     </p:spTree>
     <p:extLst>
       <p:ext uri="{BB962C8B-B14F-4D97-AF65-F5344CB8AC3E}">
-        <p14:creationId xmlns:p14="http://schemas.microsoft.com/office/powerpoint/2010/main" xmlns="" val="2531485629"/>
+        <p14:creationId xmlns="" xmlns:p14="http://schemas.microsoft.com/office/powerpoint/2010/main" val="2531485629"/>
       </p:ext>
     </p:extLst>
   </p:cSld>
@@ -7660,7 +7660,7 @@
     </p:spTree>
     <p:extLst>
       <p:ext uri="{BB962C8B-B14F-4D97-AF65-F5344CB8AC3E}">
-        <p14:creationId xmlns:p14="http://schemas.microsoft.com/office/powerpoint/2010/main" xmlns="" val="3529216409"/>
+        <p14:creationId xmlns="" xmlns:p14="http://schemas.microsoft.com/office/powerpoint/2010/main" val="3529216409"/>
       </p:ext>
     </p:extLst>
   </p:cSld>
@@ -7668,7 +7668,7 @@
     <a:masterClrMapping/>
   </p:clrMapOvr>
   <mc:AlternateContent xmlns:mc="http://schemas.openxmlformats.org/markup-compatibility/2006">
-    <mc:Choice xmlns:p14="http://schemas.microsoft.com/office/powerpoint/2010/main" xmlns="" Requires="p14">
+    <mc:Choice xmlns="" xmlns:p14="http://schemas.microsoft.com/office/powerpoint/2010/main" Requires="p14">
       <p:transition spd="slow" p14:dur="2000" advClick="0" advTm="5000"/>
     </mc:Choice>
     <mc:Fallback>
@@ -7700,7 +7700,7 @@
           <p:cNvPr id="7" name="Slide Number">
             <a:extLst>
               <a:ext uri="{FF2B5EF4-FFF2-40B4-BE49-F238E27FC236}">
-                <a16:creationId xmlns:a16="http://schemas.microsoft.com/office/drawing/2014/main" xmlns="" id="{C1780DB1-0AF0-4108-AFE1-9DA99F0DBCB8}"/>
+                <a16:creationId xmlns="" xmlns:a16="http://schemas.microsoft.com/office/drawing/2014/main" id="{C1780DB1-0AF0-4108-AFE1-9DA99F0DBCB8}"/>
               </a:ext>
             </a:extLst>
           </p:cNvPr>
@@ -7742,7 +7742,7 @@
           <p:cNvPr id="3" name="Slide Body Text">
             <a:extLst>
               <a:ext uri="{FF2B5EF4-FFF2-40B4-BE49-F238E27FC236}">
-                <a16:creationId xmlns:a16="http://schemas.microsoft.com/office/drawing/2014/main" xmlns="" id="{5A9D2960-6D42-439F-82E8-812822013A10}"/>
+                <a16:creationId xmlns="" xmlns:a16="http://schemas.microsoft.com/office/drawing/2014/main" id="{5A9D2960-6D42-439F-82E8-812822013A10}"/>
               </a:ext>
             </a:extLst>
           </p:cNvPr>
@@ -7820,7 +7820,7 @@
           <p:cNvPr id="13" name="Rectangle Top">
             <a:extLst>
               <a:ext uri="{FF2B5EF4-FFF2-40B4-BE49-F238E27FC236}">
-                <a16:creationId xmlns:a16="http://schemas.microsoft.com/office/drawing/2014/main" xmlns="" id="{391AFA4E-7870-4561-A1B8-AC956B0C8931}"/>
+                <a16:creationId xmlns="" xmlns:a16="http://schemas.microsoft.com/office/drawing/2014/main" id="{391AFA4E-7870-4561-A1B8-AC956B0C8931}"/>
               </a:ext>
             </a:extLst>
           </p:cNvPr>
@@ -7901,7 +7901,7 @@
           <p:cNvPr id="12" name="Logo Software University" descr="Software University logo">
             <a:extLst>
               <a:ext uri="{FF2B5EF4-FFF2-40B4-BE49-F238E27FC236}">
-                <a16:creationId xmlns:a16="http://schemas.microsoft.com/office/drawing/2014/main" xmlns="" id="{B1D3B425-B9BF-43ED-9DEC-C05002FBA22F}"/>
+                <a16:creationId xmlns="" xmlns:a16="http://schemas.microsoft.com/office/drawing/2014/main" id="{B1D3B425-B9BF-43ED-9DEC-C05002FBA22F}"/>
               </a:ext>
             </a:extLst>
           </p:cNvPr>
@@ -7914,7 +7914,7 @@
           <a:blip r:embed="rId2" cstate="print">
             <a:extLst>
               <a:ext uri="{28A0092B-C50C-407E-A947-70E740481C1C}">
-                <a14:useLocalDpi xmlns:a14="http://schemas.microsoft.com/office/drawing/2010/main" xmlns="" val="0"/>
+                <a14:useLocalDpi xmlns="" xmlns:a14="http://schemas.microsoft.com/office/drawing/2010/main" val="0"/>
               </a:ext>
             </a:extLst>
           </a:blip>
@@ -7937,7 +7937,7 @@
           <p:cNvPr id="6" name="Slide Title">
             <a:extLst>
               <a:ext uri="{FF2B5EF4-FFF2-40B4-BE49-F238E27FC236}">
-                <a16:creationId xmlns:a16="http://schemas.microsoft.com/office/drawing/2014/main" xmlns="" id="{19B5B676-7892-440F-8191-7109B2C59885}"/>
+                <a16:creationId xmlns="" xmlns:a16="http://schemas.microsoft.com/office/drawing/2014/main" id="{19B5B676-7892-440F-8191-7109B2C59885}"/>
               </a:ext>
             </a:extLst>
           </p:cNvPr>
@@ -7976,7 +7976,7 @@
     </p:spTree>
     <p:extLst>
       <p:ext uri="{BB962C8B-B14F-4D97-AF65-F5344CB8AC3E}">
-        <p14:creationId xmlns:p14="http://schemas.microsoft.com/office/powerpoint/2010/main" xmlns="" val="1102970716"/>
+        <p14:creationId xmlns="" xmlns:p14="http://schemas.microsoft.com/office/powerpoint/2010/main" val="1102970716"/>
       </p:ext>
     </p:extLst>
   </p:cSld>
@@ -7984,7 +7984,7 @@
     <a:masterClrMapping/>
   </p:clrMapOvr>
   <mc:AlternateContent xmlns:mc="http://schemas.openxmlformats.org/markup-compatibility/2006">
-    <mc:Choice xmlns:p14="http://schemas.microsoft.com/office/powerpoint/2010/main" xmlns="" Requires="p14">
+    <mc:Choice xmlns="" xmlns:p14="http://schemas.microsoft.com/office/powerpoint/2010/main" Requires="p14">
       <p:transition spd="slow" p14:dur="2000" advClick="0" advTm="5000"/>
     </mc:Choice>
     <mc:Fallback>
@@ -8016,7 +8016,7 @@
           <p:cNvPr id="9" name="Slide Number">
             <a:extLst>
               <a:ext uri="{FF2B5EF4-FFF2-40B4-BE49-F238E27FC236}">
-                <a16:creationId xmlns:a16="http://schemas.microsoft.com/office/drawing/2014/main" xmlns="" id="{0020EB61-2079-41A3-B356-B1D8D48D786E}"/>
+                <a16:creationId xmlns="" xmlns:a16="http://schemas.microsoft.com/office/drawing/2014/main" id="{0020EB61-2079-41A3-B356-B1D8D48D786E}"/>
               </a:ext>
             </a:extLst>
           </p:cNvPr>
@@ -8133,7 +8133,7 @@
           <p:cNvPr id="7" name="Slide Body Text">
             <a:extLst>
               <a:ext uri="{FF2B5EF4-FFF2-40B4-BE49-F238E27FC236}">
-                <a16:creationId xmlns:a16="http://schemas.microsoft.com/office/drawing/2014/main" xmlns="" id="{CB4CB13C-66A1-466B-A6C1-B0BABF5CFEC1}"/>
+                <a16:creationId xmlns="" xmlns:a16="http://schemas.microsoft.com/office/drawing/2014/main" id="{CB4CB13C-66A1-466B-A6C1-B0BABF5CFEC1}"/>
               </a:ext>
             </a:extLst>
           </p:cNvPr>
@@ -8231,7 +8231,7 @@
           <p:cNvPr id="3" name="Logo Software University" descr="Software University logo">
             <a:extLst>
               <a:ext uri="{FF2B5EF4-FFF2-40B4-BE49-F238E27FC236}">
-                <a16:creationId xmlns:a16="http://schemas.microsoft.com/office/drawing/2014/main" xmlns="" id="{5573C101-930B-47AC-967A-A64513DFFDEE}"/>
+                <a16:creationId xmlns="" xmlns:a16="http://schemas.microsoft.com/office/drawing/2014/main" id="{5573C101-930B-47AC-967A-A64513DFFDEE}"/>
               </a:ext>
             </a:extLst>
           </p:cNvPr>
@@ -8254,7 +8254,7 @@
             </a:clrChange>
             <a:extLst>
               <a:ext uri="{28A0092B-C50C-407E-A947-70E740481C1C}">
-                <a14:useLocalDpi xmlns:a14="http://schemas.microsoft.com/office/drawing/2010/main" xmlns="" val="0"/>
+                <a14:useLocalDpi xmlns="" xmlns:a14="http://schemas.microsoft.com/office/drawing/2010/main" val="0"/>
               </a:ext>
             </a:extLst>
           </a:blip>
@@ -8277,7 +8277,7 @@
           <p:cNvPr id="8" name="Slide Title">
             <a:extLst>
               <a:ext uri="{FF2B5EF4-FFF2-40B4-BE49-F238E27FC236}">
-                <a16:creationId xmlns:a16="http://schemas.microsoft.com/office/drawing/2014/main" xmlns="" id="{E2DA9691-CDF5-499C-94BB-AAA61DAC1BFB}"/>
+                <a16:creationId xmlns="" xmlns:a16="http://schemas.microsoft.com/office/drawing/2014/main" id="{E2DA9691-CDF5-499C-94BB-AAA61DAC1BFB}"/>
               </a:ext>
             </a:extLst>
           </p:cNvPr>
@@ -8314,7 +8314,7 @@
           <p:cNvPr id="10" name="Group 9">
             <a:extLst>
               <a:ext uri="{FF2B5EF4-FFF2-40B4-BE49-F238E27FC236}">
-                <a16:creationId xmlns:a16="http://schemas.microsoft.com/office/drawing/2014/main" xmlns="" id="{43CDBCC2-1C96-44BC-B992-7B0C49C34904}"/>
+                <a16:creationId xmlns="" xmlns:a16="http://schemas.microsoft.com/office/drawing/2014/main" id="{43CDBCC2-1C96-44BC-B992-7B0C49C34904}"/>
               </a:ext>
             </a:extLst>
           </p:cNvPr>
@@ -8334,7 +8334,7 @@
             <p:cNvPr id="11" name="Group 10">
               <a:extLst>
                 <a:ext uri="{FF2B5EF4-FFF2-40B4-BE49-F238E27FC236}">
-                  <a16:creationId xmlns:a16="http://schemas.microsoft.com/office/drawing/2014/main" xmlns="" id="{7D71B3A8-4D39-42CF-9255-81EA3A622DD6}"/>
+                  <a16:creationId xmlns="" xmlns:a16="http://schemas.microsoft.com/office/drawing/2014/main" id="{7D71B3A8-4D39-42CF-9255-81EA3A622DD6}"/>
                 </a:ext>
               </a:extLst>
             </p:cNvPr>
@@ -8354,7 +8354,7 @@
               <p:cNvPr id="25" name="Oval 24">
                 <a:extLst>
                   <a:ext uri="{FF2B5EF4-FFF2-40B4-BE49-F238E27FC236}">
-                    <a16:creationId xmlns:a16="http://schemas.microsoft.com/office/drawing/2014/main" xmlns="" id="{B98059F9-1874-426D-8AF7-A12C21F37DD9}"/>
+                    <a16:creationId xmlns="" xmlns:a16="http://schemas.microsoft.com/office/drawing/2014/main" id="{B98059F9-1874-426D-8AF7-A12C21F37DD9}"/>
                   </a:ext>
                 </a:extLst>
               </p:cNvPr>
@@ -8406,7 +8406,7 @@
               <p:cNvPr id="26" name="Rectangle 5">
                 <a:extLst>
                   <a:ext uri="{FF2B5EF4-FFF2-40B4-BE49-F238E27FC236}">
-                    <a16:creationId xmlns:a16="http://schemas.microsoft.com/office/drawing/2014/main" xmlns="" id="{A3A1E077-DBDF-48F0-A924-604984B940A2}"/>
+                    <a16:creationId xmlns="" xmlns:a16="http://schemas.microsoft.com/office/drawing/2014/main" id="{A3A1E077-DBDF-48F0-A924-604984B940A2}"/>
                   </a:ext>
                 </a:extLst>
               </p:cNvPr>
@@ -8551,7 +8551,7 @@
               <p:cNvPr id="27" name="Rectangle 5">
                 <a:extLst>
                   <a:ext uri="{FF2B5EF4-FFF2-40B4-BE49-F238E27FC236}">
-                    <a16:creationId xmlns:a16="http://schemas.microsoft.com/office/drawing/2014/main" xmlns="" id="{798B1F51-1FA4-4199-81C7-62356C936CC9}"/>
+                    <a16:creationId xmlns="" xmlns:a16="http://schemas.microsoft.com/office/drawing/2014/main" id="{798B1F51-1FA4-4199-81C7-62356C936CC9}"/>
                   </a:ext>
                 </a:extLst>
               </p:cNvPr>
@@ -8696,7 +8696,7 @@
               <p:cNvPr id="28" name="Arc 27">
                 <a:extLst>
                   <a:ext uri="{FF2B5EF4-FFF2-40B4-BE49-F238E27FC236}">
-                    <a16:creationId xmlns:a16="http://schemas.microsoft.com/office/drawing/2014/main" xmlns="" id="{40A224C8-1233-40F7-96AB-BFF79AF6CDCB}"/>
+                    <a16:creationId xmlns="" xmlns:a16="http://schemas.microsoft.com/office/drawing/2014/main" id="{40A224C8-1233-40F7-96AB-BFF79AF6CDCB}"/>
                   </a:ext>
                 </a:extLst>
               </p:cNvPr>
@@ -8755,7 +8755,7 @@
               <p:cNvPr id="29" name="Arc 28">
                 <a:extLst>
                   <a:ext uri="{FF2B5EF4-FFF2-40B4-BE49-F238E27FC236}">
-                    <a16:creationId xmlns:a16="http://schemas.microsoft.com/office/drawing/2014/main" xmlns="" id="{B57C7CCC-E218-4321-8C7B-3F0C5753C7A1}"/>
+                    <a16:creationId xmlns="" xmlns:a16="http://schemas.microsoft.com/office/drawing/2014/main" id="{B57C7CCC-E218-4321-8C7B-3F0C5753C7A1}"/>
                   </a:ext>
                 </a:extLst>
               </p:cNvPr>
@@ -8815,7 +8815,7 @@
             <p:cNvPr id="13" name="Rectangle: Rounded Corners 12">
               <a:extLst>
                 <a:ext uri="{FF2B5EF4-FFF2-40B4-BE49-F238E27FC236}">
-                  <a16:creationId xmlns:a16="http://schemas.microsoft.com/office/drawing/2014/main" xmlns="" id="{6AF309CA-A56C-4ABC-B293-420F4EB1A9B4}"/>
+                  <a16:creationId xmlns="" xmlns:a16="http://schemas.microsoft.com/office/drawing/2014/main" id="{6AF309CA-A56C-4ABC-B293-420F4EB1A9B4}"/>
                 </a:ext>
               </a:extLst>
             </p:cNvPr>
@@ -8869,7 +8869,7 @@
             <p:cNvPr id="14" name="Rectangle: Rounded Corners 13">
               <a:extLst>
                 <a:ext uri="{FF2B5EF4-FFF2-40B4-BE49-F238E27FC236}">
-                  <a16:creationId xmlns:a16="http://schemas.microsoft.com/office/drawing/2014/main" xmlns="" id="{07955808-2AC7-44EB-8B6D-82B974E53A3C}"/>
+                  <a16:creationId xmlns="" xmlns:a16="http://schemas.microsoft.com/office/drawing/2014/main" id="{07955808-2AC7-44EB-8B6D-82B974E53A3C}"/>
                 </a:ext>
               </a:extLst>
             </p:cNvPr>
@@ -8930,7 +8930,7 @@
             <p:cNvPr id="15" name="Straight Connector 14">
               <a:extLst>
                 <a:ext uri="{FF2B5EF4-FFF2-40B4-BE49-F238E27FC236}">
-                  <a16:creationId xmlns:a16="http://schemas.microsoft.com/office/drawing/2014/main" xmlns="" id="{AC6420D7-AEAB-45EF-8D46-11EB06E4AFEA}"/>
+                  <a16:creationId xmlns="" xmlns:a16="http://schemas.microsoft.com/office/drawing/2014/main" id="{AC6420D7-AEAB-45EF-8D46-11EB06E4AFEA}"/>
                 </a:ext>
               </a:extLst>
             </p:cNvPr>
@@ -8976,7 +8976,7 @@
             <p:cNvPr id="16" name="Straight Connector 15">
               <a:extLst>
                 <a:ext uri="{FF2B5EF4-FFF2-40B4-BE49-F238E27FC236}">
-                  <a16:creationId xmlns:a16="http://schemas.microsoft.com/office/drawing/2014/main" xmlns="" id="{76C7FABC-6773-44F6-990B-3EB082BE9B35}"/>
+                  <a16:creationId xmlns="" xmlns:a16="http://schemas.microsoft.com/office/drawing/2014/main" id="{76C7FABC-6773-44F6-990B-3EB082BE9B35}"/>
                 </a:ext>
               </a:extLst>
             </p:cNvPr>
@@ -9022,7 +9022,7 @@
             <p:cNvPr id="17" name="Group 16">
               <a:extLst>
                 <a:ext uri="{FF2B5EF4-FFF2-40B4-BE49-F238E27FC236}">
-                  <a16:creationId xmlns:a16="http://schemas.microsoft.com/office/drawing/2014/main" xmlns="" id="{1FAD48E1-DC45-4B3D-9CE5-613250708496}"/>
+                  <a16:creationId xmlns="" xmlns:a16="http://schemas.microsoft.com/office/drawing/2014/main" id="{1FAD48E1-DC45-4B3D-9CE5-613250708496}"/>
                 </a:ext>
               </a:extLst>
             </p:cNvPr>
@@ -9045,7 +9045,7 @@
               <p:cNvPr id="23" name="Straight Connector 22">
                 <a:extLst>
                   <a:ext uri="{FF2B5EF4-FFF2-40B4-BE49-F238E27FC236}">
-                    <a16:creationId xmlns:a16="http://schemas.microsoft.com/office/drawing/2014/main" xmlns="" id="{B01FD1D1-046F-457B-AB63-2702CE3E906E}"/>
+                    <a16:creationId xmlns="" xmlns:a16="http://schemas.microsoft.com/office/drawing/2014/main" id="{B01FD1D1-046F-457B-AB63-2702CE3E906E}"/>
                   </a:ext>
                 </a:extLst>
               </p:cNvPr>
@@ -9089,7 +9089,7 @@
               <p:cNvPr id="24" name="Straight Connector 23">
                 <a:extLst>
                   <a:ext uri="{FF2B5EF4-FFF2-40B4-BE49-F238E27FC236}">
-                    <a16:creationId xmlns:a16="http://schemas.microsoft.com/office/drawing/2014/main" xmlns="" id="{895660C3-C72C-43EE-9C4A-170F85E5BE08}"/>
+                    <a16:creationId xmlns="" xmlns:a16="http://schemas.microsoft.com/office/drawing/2014/main" id="{895660C3-C72C-43EE-9C4A-170F85E5BE08}"/>
                   </a:ext>
                 </a:extLst>
               </p:cNvPr>
@@ -9134,7 +9134,7 @@
             <p:cNvPr id="19" name="Straight Connector 18">
               <a:extLst>
                 <a:ext uri="{FF2B5EF4-FFF2-40B4-BE49-F238E27FC236}">
-                  <a16:creationId xmlns:a16="http://schemas.microsoft.com/office/drawing/2014/main" xmlns="" id="{A74EE503-8FC0-42A6-8860-CA4EE42272E4}"/>
+                  <a16:creationId xmlns="" xmlns:a16="http://schemas.microsoft.com/office/drawing/2014/main" id="{A74EE503-8FC0-42A6-8860-CA4EE42272E4}"/>
                 </a:ext>
               </a:extLst>
             </p:cNvPr>
@@ -9180,7 +9180,7 @@
             <p:cNvPr id="12" name="Rectangle: Rounded Corners 11">
               <a:extLst>
                 <a:ext uri="{FF2B5EF4-FFF2-40B4-BE49-F238E27FC236}">
-                  <a16:creationId xmlns:a16="http://schemas.microsoft.com/office/drawing/2014/main" xmlns="" id="{F4189FDA-9FE8-490B-8A70-2E941811021F}"/>
+                  <a16:creationId xmlns="" xmlns:a16="http://schemas.microsoft.com/office/drawing/2014/main" id="{F4189FDA-9FE8-490B-8A70-2E941811021F}"/>
                 </a:ext>
               </a:extLst>
             </p:cNvPr>
@@ -9234,7 +9234,7 @@
             <p:cNvPr id="18" name="Group 17">
               <a:extLst>
                 <a:ext uri="{FF2B5EF4-FFF2-40B4-BE49-F238E27FC236}">
-                  <a16:creationId xmlns:a16="http://schemas.microsoft.com/office/drawing/2014/main" xmlns="" id="{FDA3EFCD-0DF8-419D-8533-D781521E597E}"/>
+                  <a16:creationId xmlns="" xmlns:a16="http://schemas.microsoft.com/office/drawing/2014/main" id="{FDA3EFCD-0DF8-419D-8533-D781521E597E}"/>
                 </a:ext>
               </a:extLst>
             </p:cNvPr>
@@ -9257,7 +9257,7 @@
               <p:cNvPr id="21" name="Straight Connector 20">
                 <a:extLst>
                   <a:ext uri="{FF2B5EF4-FFF2-40B4-BE49-F238E27FC236}">
-                    <a16:creationId xmlns:a16="http://schemas.microsoft.com/office/drawing/2014/main" xmlns="" id="{C3CC6A5A-182E-4A09-9C04-EB191881D789}"/>
+                    <a16:creationId xmlns="" xmlns:a16="http://schemas.microsoft.com/office/drawing/2014/main" id="{C3CC6A5A-182E-4A09-9C04-EB191881D789}"/>
                   </a:ext>
                 </a:extLst>
               </p:cNvPr>
@@ -9301,7 +9301,7 @@
               <p:cNvPr id="22" name="Straight Connector 21">
                 <a:extLst>
                   <a:ext uri="{FF2B5EF4-FFF2-40B4-BE49-F238E27FC236}">
-                    <a16:creationId xmlns:a16="http://schemas.microsoft.com/office/drawing/2014/main" xmlns="" id="{440C8953-0555-48CC-8255-78F17E053EE7}"/>
+                    <a16:creationId xmlns="" xmlns:a16="http://schemas.microsoft.com/office/drawing/2014/main" id="{440C8953-0555-48CC-8255-78F17E053EE7}"/>
                   </a:ext>
                 </a:extLst>
               </p:cNvPr>
@@ -9347,7 +9347,7 @@
           <p:cNvPr id="34" name="Straight Connector 33">
             <a:extLst>
               <a:ext uri="{FF2B5EF4-FFF2-40B4-BE49-F238E27FC236}">
-                <a16:creationId xmlns:a16="http://schemas.microsoft.com/office/drawing/2014/main" xmlns="" id="{29B538CA-8CCB-43FB-B5E5-5FC04EBC1F54}"/>
+                <a16:creationId xmlns="" xmlns:a16="http://schemas.microsoft.com/office/drawing/2014/main" id="{29B538CA-8CCB-43FB-B5E5-5FC04EBC1F54}"/>
               </a:ext>
             </a:extLst>
           </p:cNvPr>
@@ -9392,7 +9392,7 @@
     </p:spTree>
     <p:extLst>
       <p:ext uri="{BB962C8B-B14F-4D97-AF65-F5344CB8AC3E}">
-        <p14:creationId xmlns:p14="http://schemas.microsoft.com/office/powerpoint/2010/main" xmlns="" val="743545348"/>
+        <p14:creationId xmlns="" xmlns:p14="http://schemas.microsoft.com/office/powerpoint/2010/main" val="743545348"/>
       </p:ext>
     </p:extLst>
   </p:cSld>
@@ -9400,7 +9400,7 @@
     <a:masterClrMapping/>
   </p:clrMapOvr>
   <mc:AlternateContent xmlns:mc="http://schemas.openxmlformats.org/markup-compatibility/2006">
-    <mc:Choice xmlns:p14="http://schemas.microsoft.com/office/powerpoint/2010/main" xmlns="" Requires="p14">
+    <mc:Choice xmlns="" xmlns:p14="http://schemas.microsoft.com/office/powerpoint/2010/main" Requires="p14">
       <p:transition spd="slow" p14:dur="2000" advClick="0" advTm="5000"/>
     </mc:Choice>
     <mc:Fallback>
@@ -9432,7 +9432,7 @@
           <p:cNvPr id="9" name="Slide Number">
             <a:extLst>
               <a:ext uri="{FF2B5EF4-FFF2-40B4-BE49-F238E27FC236}">
-                <a16:creationId xmlns:a16="http://schemas.microsoft.com/office/drawing/2014/main" xmlns="" id="{1865BF6B-7F07-4E9C-879F-80E36EEB3405}"/>
+                <a16:creationId xmlns="" xmlns:a16="http://schemas.microsoft.com/office/drawing/2014/main" id="{1865BF6B-7F07-4E9C-879F-80E36EEB3405}"/>
               </a:ext>
             </a:extLst>
           </p:cNvPr>
@@ -9474,7 +9474,7 @@
           <p:cNvPr id="12" name="Rectangle Left">
             <a:extLst>
               <a:ext uri="{FF2B5EF4-FFF2-40B4-BE49-F238E27FC236}">
-                <a16:creationId xmlns:a16="http://schemas.microsoft.com/office/drawing/2014/main" xmlns="" id="{345FB1C8-7F66-4D5C-ACCE-AE919936BCFD}"/>
+                <a16:creationId xmlns="" xmlns:a16="http://schemas.microsoft.com/office/drawing/2014/main" id="{345FB1C8-7F66-4D5C-ACCE-AE919936BCFD}"/>
               </a:ext>
             </a:extLst>
           </p:cNvPr>
@@ -9555,7 +9555,7 @@
           <p:cNvPr id="15" name="Slide Body Text">
             <a:extLst>
               <a:ext uri="{FF2B5EF4-FFF2-40B4-BE49-F238E27FC236}">
-                <a16:creationId xmlns:a16="http://schemas.microsoft.com/office/drawing/2014/main" xmlns="" id="{6157C8DE-E0AF-422B-BBB1-F0AF1264B5E9}"/>
+                <a16:creationId xmlns="" xmlns:a16="http://schemas.microsoft.com/office/drawing/2014/main" id="{6157C8DE-E0AF-422B-BBB1-F0AF1264B5E9}"/>
               </a:ext>
             </a:extLst>
           </p:cNvPr>
@@ -9653,7 +9653,7 @@
           <p:cNvPr id="16" name="Logo Software University" descr="Software University logo">
             <a:extLst>
               <a:ext uri="{FF2B5EF4-FFF2-40B4-BE49-F238E27FC236}">
-                <a16:creationId xmlns:a16="http://schemas.microsoft.com/office/drawing/2014/main" xmlns="" id="{EFEBB553-EACE-4B4F-8B4F-7629FDD910A4}"/>
+                <a16:creationId xmlns="" xmlns:a16="http://schemas.microsoft.com/office/drawing/2014/main" id="{EFEBB553-EACE-4B4F-8B4F-7629FDD910A4}"/>
               </a:ext>
             </a:extLst>
           </p:cNvPr>
@@ -9676,7 +9676,7 @@
             </a:clrChange>
             <a:extLst>
               <a:ext uri="{28A0092B-C50C-407E-A947-70E740481C1C}">
-                <a14:useLocalDpi xmlns:a14="http://schemas.microsoft.com/office/drawing/2010/main" xmlns="" val="0"/>
+                <a14:useLocalDpi xmlns="" xmlns:a14="http://schemas.microsoft.com/office/drawing/2010/main" val="0"/>
               </a:ext>
             </a:extLst>
           </a:blip>
@@ -9699,7 +9699,7 @@
           <p:cNvPr id="13" name="Slide Title">
             <a:extLst>
               <a:ext uri="{FF2B5EF4-FFF2-40B4-BE49-F238E27FC236}">
-                <a16:creationId xmlns:a16="http://schemas.microsoft.com/office/drawing/2014/main" xmlns="" id="{0D5CC956-5C4A-44BE-8F8B-327FAFA51E97}"/>
+                <a16:creationId xmlns="" xmlns:a16="http://schemas.microsoft.com/office/drawing/2014/main" id="{0D5CC956-5C4A-44BE-8F8B-327FAFA51E97}"/>
               </a:ext>
             </a:extLst>
           </p:cNvPr>
@@ -9736,7 +9736,7 @@
           <p:cNvPr id="33" name="Group 32">
             <a:extLst>
               <a:ext uri="{FF2B5EF4-FFF2-40B4-BE49-F238E27FC236}">
-                <a16:creationId xmlns:a16="http://schemas.microsoft.com/office/drawing/2014/main" xmlns="" id="{7CF60135-47AA-48F0-96BA-0E795668ABDB}"/>
+                <a16:creationId xmlns="" xmlns:a16="http://schemas.microsoft.com/office/drawing/2014/main" id="{7CF60135-47AA-48F0-96BA-0E795668ABDB}"/>
               </a:ext>
             </a:extLst>
           </p:cNvPr>
@@ -9756,7 +9756,7 @@
             <p:cNvPr id="34" name="Group 33">
               <a:extLst>
                 <a:ext uri="{FF2B5EF4-FFF2-40B4-BE49-F238E27FC236}">
-                  <a16:creationId xmlns:a16="http://schemas.microsoft.com/office/drawing/2014/main" xmlns="" id="{2823380E-3936-41AF-BDF7-DA54D75BBF6B}"/>
+                  <a16:creationId xmlns="" xmlns:a16="http://schemas.microsoft.com/office/drawing/2014/main" id="{2823380E-3936-41AF-BDF7-DA54D75BBF6B}"/>
                 </a:ext>
               </a:extLst>
             </p:cNvPr>
@@ -9776,7 +9776,7 @@
               <p:cNvPr id="47" name="Oval 46">
                 <a:extLst>
                   <a:ext uri="{FF2B5EF4-FFF2-40B4-BE49-F238E27FC236}">
-                    <a16:creationId xmlns:a16="http://schemas.microsoft.com/office/drawing/2014/main" xmlns="" id="{52B047D9-D8DD-45C7-9BC8-6D4F682F5182}"/>
+                    <a16:creationId xmlns="" xmlns:a16="http://schemas.microsoft.com/office/drawing/2014/main" id="{52B047D9-D8DD-45C7-9BC8-6D4F682F5182}"/>
                   </a:ext>
                 </a:extLst>
               </p:cNvPr>
@@ -9828,7 +9828,7 @@
               <p:cNvPr id="48" name="Rectangle 5">
                 <a:extLst>
                   <a:ext uri="{FF2B5EF4-FFF2-40B4-BE49-F238E27FC236}">
-                    <a16:creationId xmlns:a16="http://schemas.microsoft.com/office/drawing/2014/main" xmlns="" id="{4D84FE51-BD8E-47EA-9463-CE02FEA31766}"/>
+                    <a16:creationId xmlns="" xmlns:a16="http://schemas.microsoft.com/office/drawing/2014/main" id="{4D84FE51-BD8E-47EA-9463-CE02FEA31766}"/>
                   </a:ext>
                 </a:extLst>
               </p:cNvPr>
@@ -9973,7 +9973,7 @@
               <p:cNvPr id="49" name="Rectangle 5">
                 <a:extLst>
                   <a:ext uri="{FF2B5EF4-FFF2-40B4-BE49-F238E27FC236}">
-                    <a16:creationId xmlns:a16="http://schemas.microsoft.com/office/drawing/2014/main" xmlns="" id="{F5C8F037-C197-4219-AC87-3A81763512BC}"/>
+                    <a16:creationId xmlns="" xmlns:a16="http://schemas.microsoft.com/office/drawing/2014/main" id="{F5C8F037-C197-4219-AC87-3A81763512BC}"/>
                   </a:ext>
                 </a:extLst>
               </p:cNvPr>
@@ -10118,7 +10118,7 @@
               <p:cNvPr id="50" name="Arc 49">
                 <a:extLst>
                   <a:ext uri="{FF2B5EF4-FFF2-40B4-BE49-F238E27FC236}">
-                    <a16:creationId xmlns:a16="http://schemas.microsoft.com/office/drawing/2014/main" xmlns="" id="{786EE401-CF8E-439B-94A0-EE6F3A7D5798}"/>
+                    <a16:creationId xmlns="" xmlns:a16="http://schemas.microsoft.com/office/drawing/2014/main" id="{786EE401-CF8E-439B-94A0-EE6F3A7D5798}"/>
                   </a:ext>
                 </a:extLst>
               </p:cNvPr>
@@ -10177,7 +10177,7 @@
               <p:cNvPr id="51" name="Arc 50">
                 <a:extLst>
                   <a:ext uri="{FF2B5EF4-FFF2-40B4-BE49-F238E27FC236}">
-                    <a16:creationId xmlns:a16="http://schemas.microsoft.com/office/drawing/2014/main" xmlns="" id="{8D9ACD38-B3EB-4A63-9730-CBF0501BF235}"/>
+                    <a16:creationId xmlns="" xmlns:a16="http://schemas.microsoft.com/office/drawing/2014/main" id="{8D9ACD38-B3EB-4A63-9730-CBF0501BF235}"/>
                   </a:ext>
                 </a:extLst>
               </p:cNvPr>
@@ -10237,7 +10237,7 @@
             <p:cNvPr id="35" name="Rectangle: Rounded Corners 34">
               <a:extLst>
                 <a:ext uri="{FF2B5EF4-FFF2-40B4-BE49-F238E27FC236}">
-                  <a16:creationId xmlns:a16="http://schemas.microsoft.com/office/drawing/2014/main" xmlns="" id="{64EE493E-A353-4C75-A3B9-D48ABA2C57CC}"/>
+                  <a16:creationId xmlns="" xmlns:a16="http://schemas.microsoft.com/office/drawing/2014/main" id="{64EE493E-A353-4C75-A3B9-D48ABA2C57CC}"/>
                 </a:ext>
               </a:extLst>
             </p:cNvPr>
@@ -10291,7 +10291,7 @@
             <p:cNvPr id="36" name="Rectangle: Rounded Corners 35">
               <a:extLst>
                 <a:ext uri="{FF2B5EF4-FFF2-40B4-BE49-F238E27FC236}">
-                  <a16:creationId xmlns:a16="http://schemas.microsoft.com/office/drawing/2014/main" xmlns="" id="{718408B9-204E-42E3-9E79-33E047E869BC}"/>
+                  <a16:creationId xmlns="" xmlns:a16="http://schemas.microsoft.com/office/drawing/2014/main" id="{718408B9-204E-42E3-9E79-33E047E869BC}"/>
                 </a:ext>
               </a:extLst>
             </p:cNvPr>
@@ -10352,7 +10352,7 @@
             <p:cNvPr id="37" name="Straight Connector 36">
               <a:extLst>
                 <a:ext uri="{FF2B5EF4-FFF2-40B4-BE49-F238E27FC236}">
-                  <a16:creationId xmlns:a16="http://schemas.microsoft.com/office/drawing/2014/main" xmlns="" id="{0AB66D97-DF6F-4CD2-AF13-42B5C852F673}"/>
+                  <a16:creationId xmlns="" xmlns:a16="http://schemas.microsoft.com/office/drawing/2014/main" id="{0AB66D97-DF6F-4CD2-AF13-42B5C852F673}"/>
                 </a:ext>
               </a:extLst>
             </p:cNvPr>
@@ -10398,7 +10398,7 @@
             <p:cNvPr id="38" name="Straight Connector 37">
               <a:extLst>
                 <a:ext uri="{FF2B5EF4-FFF2-40B4-BE49-F238E27FC236}">
-                  <a16:creationId xmlns:a16="http://schemas.microsoft.com/office/drawing/2014/main" xmlns="" id="{F2AFBA69-C196-4703-8AAB-5F72A8EDCEB5}"/>
+                  <a16:creationId xmlns="" xmlns:a16="http://schemas.microsoft.com/office/drawing/2014/main" id="{F2AFBA69-C196-4703-8AAB-5F72A8EDCEB5}"/>
                 </a:ext>
               </a:extLst>
             </p:cNvPr>
@@ -10444,7 +10444,7 @@
             <p:cNvPr id="39" name="Group 38">
               <a:extLst>
                 <a:ext uri="{FF2B5EF4-FFF2-40B4-BE49-F238E27FC236}">
-                  <a16:creationId xmlns:a16="http://schemas.microsoft.com/office/drawing/2014/main" xmlns="" id="{9AFC66C1-0C1C-4332-9C4E-782574C896B8}"/>
+                  <a16:creationId xmlns="" xmlns:a16="http://schemas.microsoft.com/office/drawing/2014/main" id="{9AFC66C1-0C1C-4332-9C4E-782574C896B8}"/>
                 </a:ext>
               </a:extLst>
             </p:cNvPr>
@@ -10467,7 +10467,7 @@
               <p:cNvPr id="45" name="Straight Connector 44">
                 <a:extLst>
                   <a:ext uri="{FF2B5EF4-FFF2-40B4-BE49-F238E27FC236}">
-                    <a16:creationId xmlns:a16="http://schemas.microsoft.com/office/drawing/2014/main" xmlns="" id="{872CA8AD-EAF6-40BE-9DDE-ECDB4A980CA5}"/>
+                    <a16:creationId xmlns="" xmlns:a16="http://schemas.microsoft.com/office/drawing/2014/main" id="{872CA8AD-EAF6-40BE-9DDE-ECDB4A980CA5}"/>
                   </a:ext>
                 </a:extLst>
               </p:cNvPr>
@@ -10511,7 +10511,7 @@
               <p:cNvPr id="46" name="Straight Connector 45">
                 <a:extLst>
                   <a:ext uri="{FF2B5EF4-FFF2-40B4-BE49-F238E27FC236}">
-                    <a16:creationId xmlns:a16="http://schemas.microsoft.com/office/drawing/2014/main" xmlns="" id="{57DD3EC7-1A13-4AFE-BD6F-DA12C281FAFB}"/>
+                    <a16:creationId xmlns="" xmlns:a16="http://schemas.microsoft.com/office/drawing/2014/main" id="{57DD3EC7-1A13-4AFE-BD6F-DA12C281FAFB}"/>
                   </a:ext>
                 </a:extLst>
               </p:cNvPr>
@@ -10556,7 +10556,7 @@
             <p:cNvPr id="40" name="Straight Connector 39">
               <a:extLst>
                 <a:ext uri="{FF2B5EF4-FFF2-40B4-BE49-F238E27FC236}">
-                  <a16:creationId xmlns:a16="http://schemas.microsoft.com/office/drawing/2014/main" xmlns="" id="{E46151FA-19E9-4E84-A082-EDAC6F76EA9D}"/>
+                  <a16:creationId xmlns="" xmlns:a16="http://schemas.microsoft.com/office/drawing/2014/main" id="{E46151FA-19E9-4E84-A082-EDAC6F76EA9D}"/>
                 </a:ext>
               </a:extLst>
             </p:cNvPr>
@@ -10602,7 +10602,7 @@
             <p:cNvPr id="41" name="Rectangle: Rounded Corners 40">
               <a:extLst>
                 <a:ext uri="{FF2B5EF4-FFF2-40B4-BE49-F238E27FC236}">
-                  <a16:creationId xmlns:a16="http://schemas.microsoft.com/office/drawing/2014/main" xmlns="" id="{3423EEF0-5B70-4091-B2DA-0740D2609643}"/>
+                  <a16:creationId xmlns="" xmlns:a16="http://schemas.microsoft.com/office/drawing/2014/main" id="{3423EEF0-5B70-4091-B2DA-0740D2609643}"/>
                 </a:ext>
               </a:extLst>
             </p:cNvPr>
@@ -10656,7 +10656,7 @@
             <p:cNvPr id="42" name="Group 41">
               <a:extLst>
                 <a:ext uri="{FF2B5EF4-FFF2-40B4-BE49-F238E27FC236}">
-                  <a16:creationId xmlns:a16="http://schemas.microsoft.com/office/drawing/2014/main" xmlns="" id="{49A8AAA7-98E7-4224-B027-830FFCC285A3}"/>
+                  <a16:creationId xmlns="" xmlns:a16="http://schemas.microsoft.com/office/drawing/2014/main" id="{49A8AAA7-98E7-4224-B027-830FFCC285A3}"/>
                 </a:ext>
               </a:extLst>
             </p:cNvPr>
@@ -10679,7 +10679,7 @@
               <p:cNvPr id="43" name="Straight Connector 42">
                 <a:extLst>
                   <a:ext uri="{FF2B5EF4-FFF2-40B4-BE49-F238E27FC236}">
-                    <a16:creationId xmlns:a16="http://schemas.microsoft.com/office/drawing/2014/main" xmlns="" id="{2129EC38-471E-4685-973E-BA7A7F567C42}"/>
+                    <a16:creationId xmlns="" xmlns:a16="http://schemas.microsoft.com/office/drawing/2014/main" id="{2129EC38-471E-4685-973E-BA7A7F567C42}"/>
                   </a:ext>
                 </a:extLst>
               </p:cNvPr>
@@ -10723,7 +10723,7 @@
               <p:cNvPr id="44" name="Straight Connector 43">
                 <a:extLst>
                   <a:ext uri="{FF2B5EF4-FFF2-40B4-BE49-F238E27FC236}">
-                    <a16:creationId xmlns:a16="http://schemas.microsoft.com/office/drawing/2014/main" xmlns="" id="{678142BE-84C9-4834-B6CC-6623E401661C}"/>
+                    <a16:creationId xmlns="" xmlns:a16="http://schemas.microsoft.com/office/drawing/2014/main" id="{678142BE-84C9-4834-B6CC-6623E401661C}"/>
                   </a:ext>
                 </a:extLst>
               </p:cNvPr>
@@ -10767,7 +10767,7 @@
     </p:spTree>
     <p:extLst>
       <p:ext uri="{BB962C8B-B14F-4D97-AF65-F5344CB8AC3E}">
-        <p14:creationId xmlns:p14="http://schemas.microsoft.com/office/powerpoint/2010/main" xmlns="" val="1679651758"/>
+        <p14:creationId xmlns="" xmlns:p14="http://schemas.microsoft.com/office/powerpoint/2010/main" val="1679651758"/>
       </p:ext>
     </p:extLst>
   </p:cSld>
@@ -10775,7 +10775,7 @@
     <a:masterClrMapping/>
   </p:clrMapOvr>
   <mc:AlternateContent xmlns:mc="http://schemas.openxmlformats.org/markup-compatibility/2006">
-    <mc:Choice xmlns:p14="http://schemas.microsoft.com/office/powerpoint/2010/main" xmlns="" Requires="p14">
+    <mc:Choice xmlns="" xmlns:p14="http://schemas.microsoft.com/office/powerpoint/2010/main" Requires="p14">
       <p:transition spd="slow" p14:dur="2000" advClick="0" advTm="5000"/>
     </mc:Choice>
     <mc:Fallback>
@@ -10807,7 +10807,7 @@
           <p:cNvPr id="5" name="Slide Number">
             <a:extLst>
               <a:ext uri="{FF2B5EF4-FFF2-40B4-BE49-F238E27FC236}">
-                <a16:creationId xmlns:a16="http://schemas.microsoft.com/office/drawing/2014/main" xmlns="" id="{F0B8C963-1813-4B69-AD27-6D02EBBBB569}"/>
+                <a16:creationId xmlns="" xmlns:a16="http://schemas.microsoft.com/office/drawing/2014/main" id="{F0B8C963-1813-4B69-AD27-6D02EBBBB569}"/>
               </a:ext>
             </a:extLst>
           </p:cNvPr>
@@ -10849,7 +10849,7 @@
           <p:cNvPr id="3" name="Rectangle Left">
             <a:extLst>
               <a:ext uri="{FF2B5EF4-FFF2-40B4-BE49-F238E27FC236}">
-                <a16:creationId xmlns:a16="http://schemas.microsoft.com/office/drawing/2014/main" xmlns="" id="{345FB1C8-7F66-4D5C-ACCE-AE919936BCFD}"/>
+                <a16:creationId xmlns="" xmlns:a16="http://schemas.microsoft.com/office/drawing/2014/main" id="{345FB1C8-7F66-4D5C-ACCE-AE919936BCFD}"/>
               </a:ext>
             </a:extLst>
           </p:cNvPr>
@@ -10930,7 +10930,7 @@
           <p:cNvPr id="7" name="Slide Body Text">
             <a:extLst>
               <a:ext uri="{FF2B5EF4-FFF2-40B4-BE49-F238E27FC236}">
-                <a16:creationId xmlns:a16="http://schemas.microsoft.com/office/drawing/2014/main" xmlns="" id="{7296EDA7-D37D-4B31-A888-371F0804124F}"/>
+                <a16:creationId xmlns="" xmlns:a16="http://schemas.microsoft.com/office/drawing/2014/main" id="{7296EDA7-D37D-4B31-A888-371F0804124F}"/>
               </a:ext>
             </a:extLst>
           </p:cNvPr>
@@ -11028,7 +11028,7 @@
           <p:cNvPr id="6" name="Slide Title">
             <a:extLst>
               <a:ext uri="{FF2B5EF4-FFF2-40B4-BE49-F238E27FC236}">
-                <a16:creationId xmlns:a16="http://schemas.microsoft.com/office/drawing/2014/main" xmlns="" id="{55A88B09-3557-48A3-BF27-42699C269215}"/>
+                <a16:creationId xmlns="" xmlns:a16="http://schemas.microsoft.com/office/drawing/2014/main" id="{55A88B09-3557-48A3-BF27-42699C269215}"/>
               </a:ext>
             </a:extLst>
           </p:cNvPr>
@@ -11065,7 +11065,7 @@
           <p:cNvPr id="28" name="Group 27">
             <a:extLst>
               <a:ext uri="{FF2B5EF4-FFF2-40B4-BE49-F238E27FC236}">
-                <a16:creationId xmlns:a16="http://schemas.microsoft.com/office/drawing/2014/main" xmlns="" id="{C4248838-4E67-439E-AE0A-0043D2CB04D6}"/>
+                <a16:creationId xmlns="" xmlns:a16="http://schemas.microsoft.com/office/drawing/2014/main" id="{C4248838-4E67-439E-AE0A-0043D2CB04D6}"/>
               </a:ext>
             </a:extLst>
           </p:cNvPr>
@@ -11085,7 +11085,7 @@
             <p:cNvPr id="29" name="Group 28">
               <a:extLst>
                 <a:ext uri="{FF2B5EF4-FFF2-40B4-BE49-F238E27FC236}">
-                  <a16:creationId xmlns:a16="http://schemas.microsoft.com/office/drawing/2014/main" xmlns="" id="{810CFD6A-2427-49D5-846A-5F93601D4184}"/>
+                  <a16:creationId xmlns="" xmlns:a16="http://schemas.microsoft.com/office/drawing/2014/main" id="{810CFD6A-2427-49D5-846A-5F93601D4184}"/>
                 </a:ext>
               </a:extLst>
             </p:cNvPr>
@@ -11105,7 +11105,7 @@
               <p:cNvPr id="42" name="Oval 41">
                 <a:extLst>
                   <a:ext uri="{FF2B5EF4-FFF2-40B4-BE49-F238E27FC236}">
-                    <a16:creationId xmlns:a16="http://schemas.microsoft.com/office/drawing/2014/main" xmlns="" id="{017B1AE5-5C36-4839-BA1F-B404EA44E701}"/>
+                    <a16:creationId xmlns="" xmlns:a16="http://schemas.microsoft.com/office/drawing/2014/main" id="{017B1AE5-5C36-4839-BA1F-B404EA44E701}"/>
                   </a:ext>
                 </a:extLst>
               </p:cNvPr>
@@ -11157,7 +11157,7 @@
               <p:cNvPr id="43" name="Rectangle 5">
                 <a:extLst>
                   <a:ext uri="{FF2B5EF4-FFF2-40B4-BE49-F238E27FC236}">
-                    <a16:creationId xmlns:a16="http://schemas.microsoft.com/office/drawing/2014/main" xmlns="" id="{FB963D79-BB49-4A1D-BA66-EA0670C79BAE}"/>
+                    <a16:creationId xmlns="" xmlns:a16="http://schemas.microsoft.com/office/drawing/2014/main" id="{FB963D79-BB49-4A1D-BA66-EA0670C79BAE}"/>
                   </a:ext>
                 </a:extLst>
               </p:cNvPr>
@@ -11302,7 +11302,7 @@
               <p:cNvPr id="44" name="Rectangle 5">
                 <a:extLst>
                   <a:ext uri="{FF2B5EF4-FFF2-40B4-BE49-F238E27FC236}">
-                    <a16:creationId xmlns:a16="http://schemas.microsoft.com/office/drawing/2014/main" xmlns="" id="{6D7746D8-B913-493B-AAE9-25BC6893D40E}"/>
+                    <a16:creationId xmlns="" xmlns:a16="http://schemas.microsoft.com/office/drawing/2014/main" id="{6D7746D8-B913-493B-AAE9-25BC6893D40E}"/>
                   </a:ext>
                 </a:extLst>
               </p:cNvPr>
@@ -11447,7 +11447,7 @@
               <p:cNvPr id="45" name="Arc 44">
                 <a:extLst>
                   <a:ext uri="{FF2B5EF4-FFF2-40B4-BE49-F238E27FC236}">
-                    <a16:creationId xmlns:a16="http://schemas.microsoft.com/office/drawing/2014/main" xmlns="" id="{29031C02-E965-417B-8799-96061B14F30D}"/>
+                    <a16:creationId xmlns="" xmlns:a16="http://schemas.microsoft.com/office/drawing/2014/main" id="{29031C02-E965-417B-8799-96061B14F30D}"/>
                   </a:ext>
                 </a:extLst>
               </p:cNvPr>
@@ -11506,7 +11506,7 @@
               <p:cNvPr id="46" name="Arc 45">
                 <a:extLst>
                   <a:ext uri="{FF2B5EF4-FFF2-40B4-BE49-F238E27FC236}">
-                    <a16:creationId xmlns:a16="http://schemas.microsoft.com/office/drawing/2014/main" xmlns="" id="{26BFD8A6-BC99-4B16-BA10-08A9E5C681C0}"/>
+                    <a16:creationId xmlns="" xmlns:a16="http://schemas.microsoft.com/office/drawing/2014/main" id="{26BFD8A6-BC99-4B16-BA10-08A9E5C681C0}"/>
                   </a:ext>
                 </a:extLst>
               </p:cNvPr>
@@ -11566,7 +11566,7 @@
             <p:cNvPr id="30" name="Rectangle: Rounded Corners 29">
               <a:extLst>
                 <a:ext uri="{FF2B5EF4-FFF2-40B4-BE49-F238E27FC236}">
-                  <a16:creationId xmlns:a16="http://schemas.microsoft.com/office/drawing/2014/main" xmlns="" id="{B310277F-A78E-4FB9-9EA9-88BE4F1D585B}"/>
+                  <a16:creationId xmlns="" xmlns:a16="http://schemas.microsoft.com/office/drawing/2014/main" id="{B310277F-A78E-4FB9-9EA9-88BE4F1D585B}"/>
                 </a:ext>
               </a:extLst>
             </p:cNvPr>
@@ -11620,7 +11620,7 @@
             <p:cNvPr id="31" name="Rectangle: Rounded Corners 30">
               <a:extLst>
                 <a:ext uri="{FF2B5EF4-FFF2-40B4-BE49-F238E27FC236}">
-                  <a16:creationId xmlns:a16="http://schemas.microsoft.com/office/drawing/2014/main" xmlns="" id="{A92CF92B-C212-4542-83AE-A0058B5BB5EA}"/>
+                  <a16:creationId xmlns="" xmlns:a16="http://schemas.microsoft.com/office/drawing/2014/main" id="{A92CF92B-C212-4542-83AE-A0058B5BB5EA}"/>
                 </a:ext>
               </a:extLst>
             </p:cNvPr>
@@ -11681,7 +11681,7 @@
             <p:cNvPr id="32" name="Straight Connector 31">
               <a:extLst>
                 <a:ext uri="{FF2B5EF4-FFF2-40B4-BE49-F238E27FC236}">
-                  <a16:creationId xmlns:a16="http://schemas.microsoft.com/office/drawing/2014/main" xmlns="" id="{563B4374-5C0D-461F-B3BD-78D99614D365}"/>
+                  <a16:creationId xmlns="" xmlns:a16="http://schemas.microsoft.com/office/drawing/2014/main" id="{563B4374-5C0D-461F-B3BD-78D99614D365}"/>
                 </a:ext>
               </a:extLst>
             </p:cNvPr>
@@ -11727,7 +11727,7 @@
             <p:cNvPr id="33" name="Straight Connector 32">
               <a:extLst>
                 <a:ext uri="{FF2B5EF4-FFF2-40B4-BE49-F238E27FC236}">
-                  <a16:creationId xmlns:a16="http://schemas.microsoft.com/office/drawing/2014/main" xmlns="" id="{FBC6FDE7-AEA1-4230-8433-4C088A0FF5F9}"/>
+                  <a16:creationId xmlns="" xmlns:a16="http://schemas.microsoft.com/office/drawing/2014/main" id="{FBC6FDE7-AEA1-4230-8433-4C088A0FF5F9}"/>
                 </a:ext>
               </a:extLst>
             </p:cNvPr>
@@ -11773,7 +11773,7 @@
             <p:cNvPr id="34" name="Group 33">
               <a:extLst>
                 <a:ext uri="{FF2B5EF4-FFF2-40B4-BE49-F238E27FC236}">
-                  <a16:creationId xmlns:a16="http://schemas.microsoft.com/office/drawing/2014/main" xmlns="" id="{C4D1021D-07C7-4331-8FF6-36980A30978B}"/>
+                  <a16:creationId xmlns="" xmlns:a16="http://schemas.microsoft.com/office/drawing/2014/main" id="{C4D1021D-07C7-4331-8FF6-36980A30978B}"/>
                 </a:ext>
               </a:extLst>
             </p:cNvPr>
@@ -11796,7 +11796,7 @@
               <p:cNvPr id="40" name="Straight Connector 39">
                 <a:extLst>
                   <a:ext uri="{FF2B5EF4-FFF2-40B4-BE49-F238E27FC236}">
-                    <a16:creationId xmlns:a16="http://schemas.microsoft.com/office/drawing/2014/main" xmlns="" id="{13B7FE99-95CF-45D5-966B-87A979B93431}"/>
+                    <a16:creationId xmlns="" xmlns:a16="http://schemas.microsoft.com/office/drawing/2014/main" id="{13B7FE99-95CF-45D5-966B-87A979B93431}"/>
                   </a:ext>
                 </a:extLst>
               </p:cNvPr>
@@ -11840,7 +11840,7 @@
               <p:cNvPr id="41" name="Straight Connector 40">
                 <a:extLst>
                   <a:ext uri="{FF2B5EF4-FFF2-40B4-BE49-F238E27FC236}">
-                    <a16:creationId xmlns:a16="http://schemas.microsoft.com/office/drawing/2014/main" xmlns="" id="{71BBA69B-19FF-4ADB-A739-AD8136A5F0A6}"/>
+                    <a16:creationId xmlns="" xmlns:a16="http://schemas.microsoft.com/office/drawing/2014/main" id="{71BBA69B-19FF-4ADB-A739-AD8136A5F0A6}"/>
                   </a:ext>
                 </a:extLst>
               </p:cNvPr>
@@ -11885,7 +11885,7 @@
             <p:cNvPr id="35" name="Straight Connector 34">
               <a:extLst>
                 <a:ext uri="{FF2B5EF4-FFF2-40B4-BE49-F238E27FC236}">
-                  <a16:creationId xmlns:a16="http://schemas.microsoft.com/office/drawing/2014/main" xmlns="" id="{BFD1D86B-562B-40B2-8E46-34233EFEE7FC}"/>
+                  <a16:creationId xmlns="" xmlns:a16="http://schemas.microsoft.com/office/drawing/2014/main" id="{BFD1D86B-562B-40B2-8E46-34233EFEE7FC}"/>
                 </a:ext>
               </a:extLst>
             </p:cNvPr>
@@ -11931,7 +11931,7 @@
             <p:cNvPr id="36" name="Rectangle: Rounded Corners 35">
               <a:extLst>
                 <a:ext uri="{FF2B5EF4-FFF2-40B4-BE49-F238E27FC236}">
-                  <a16:creationId xmlns:a16="http://schemas.microsoft.com/office/drawing/2014/main" xmlns="" id="{388C17BD-16A1-43C5-BFFA-2FF9174719E1}"/>
+                  <a16:creationId xmlns="" xmlns:a16="http://schemas.microsoft.com/office/drawing/2014/main" id="{388C17BD-16A1-43C5-BFFA-2FF9174719E1}"/>
                 </a:ext>
               </a:extLst>
             </p:cNvPr>
@@ -11985,7 +11985,7 @@
             <p:cNvPr id="37" name="Group 36">
               <a:extLst>
                 <a:ext uri="{FF2B5EF4-FFF2-40B4-BE49-F238E27FC236}">
-                  <a16:creationId xmlns:a16="http://schemas.microsoft.com/office/drawing/2014/main" xmlns="" id="{1B3B910E-ACFC-4F28-8E28-F02E1588B87E}"/>
+                  <a16:creationId xmlns="" xmlns:a16="http://schemas.microsoft.com/office/drawing/2014/main" id="{1B3B910E-ACFC-4F28-8E28-F02E1588B87E}"/>
                 </a:ext>
               </a:extLst>
             </p:cNvPr>
@@ -12008,7 +12008,7 @@
               <p:cNvPr id="38" name="Straight Connector 37">
                 <a:extLst>
                   <a:ext uri="{FF2B5EF4-FFF2-40B4-BE49-F238E27FC236}">
-                    <a16:creationId xmlns:a16="http://schemas.microsoft.com/office/drawing/2014/main" xmlns="" id="{F57772B6-06C0-4F54-AA94-D3F92DA4716A}"/>
+                    <a16:creationId xmlns="" xmlns:a16="http://schemas.microsoft.com/office/drawing/2014/main" id="{F57772B6-06C0-4F54-AA94-D3F92DA4716A}"/>
                   </a:ext>
                 </a:extLst>
               </p:cNvPr>
@@ -12052,7 +12052,7 @@
               <p:cNvPr id="39" name="Straight Connector 38">
                 <a:extLst>
                   <a:ext uri="{FF2B5EF4-FFF2-40B4-BE49-F238E27FC236}">
-                    <a16:creationId xmlns:a16="http://schemas.microsoft.com/office/drawing/2014/main" xmlns="" id="{23370C1F-7876-4278-AB20-78F6CAA385E2}"/>
+                    <a16:creationId xmlns="" xmlns:a16="http://schemas.microsoft.com/office/drawing/2014/main" id="{23370C1F-7876-4278-AB20-78F6CAA385E2}"/>
                   </a:ext>
                 </a:extLst>
               </p:cNvPr>
@@ -12096,7 +12096,7 @@
     </p:spTree>
     <p:extLst>
       <p:ext uri="{BB962C8B-B14F-4D97-AF65-F5344CB8AC3E}">
-        <p14:creationId xmlns:p14="http://schemas.microsoft.com/office/powerpoint/2010/main" xmlns="" val="3284562556"/>
+        <p14:creationId xmlns="" xmlns:p14="http://schemas.microsoft.com/office/powerpoint/2010/main" val="3284562556"/>
       </p:ext>
     </p:extLst>
   </p:cSld>
@@ -12104,7 +12104,7 @@
     <a:masterClrMapping/>
   </p:clrMapOvr>
   <mc:AlternateContent xmlns:mc="http://schemas.openxmlformats.org/markup-compatibility/2006">
-    <mc:Choice xmlns:p14="http://schemas.microsoft.com/office/powerpoint/2010/main" xmlns="" Requires="p14">
+    <mc:Choice xmlns="" xmlns:p14="http://schemas.microsoft.com/office/powerpoint/2010/main" Requires="p14">
       <p:transition spd="slow" p14:dur="2000" advClick="0" advTm="5000"/>
     </mc:Choice>
     <mc:Fallback>
@@ -12136,7 +12136,7 @@
           <p:cNvPr id="8" name="Slide Number">
             <a:extLst>
               <a:ext uri="{FF2B5EF4-FFF2-40B4-BE49-F238E27FC236}">
-                <a16:creationId xmlns:a16="http://schemas.microsoft.com/office/drawing/2014/main" xmlns="" id="{509D954E-A844-4072-A556-DE584BEB9321}"/>
+                <a16:creationId xmlns="" xmlns:a16="http://schemas.microsoft.com/office/drawing/2014/main" id="{509D954E-A844-4072-A556-DE584BEB9321}"/>
               </a:ext>
             </a:extLst>
           </p:cNvPr>
@@ -12178,7 +12178,7 @@
           <p:cNvPr id="6" name="Code Box">
             <a:extLst>
               <a:ext uri="{FF2B5EF4-FFF2-40B4-BE49-F238E27FC236}">
-                <a16:creationId xmlns:a16="http://schemas.microsoft.com/office/drawing/2014/main" xmlns="" id="{3278A82F-5546-4977-9F75-2A933B415945}"/>
+                <a16:creationId xmlns="" xmlns:a16="http://schemas.microsoft.com/office/drawing/2014/main" id="{3278A82F-5546-4977-9F75-2A933B415945}"/>
               </a:ext>
             </a:extLst>
           </p:cNvPr>
@@ -12265,7 +12265,7 @@
           <p:cNvPr id="21" name="Slide Body Text">
             <a:extLst>
               <a:ext uri="{FF2B5EF4-FFF2-40B4-BE49-F238E27FC236}">
-                <a16:creationId xmlns:a16="http://schemas.microsoft.com/office/drawing/2014/main" xmlns="" id="{04F318BE-2BAD-4677-871C-D78A4BF0CBA6}"/>
+                <a16:creationId xmlns="" xmlns:a16="http://schemas.microsoft.com/office/drawing/2014/main" id="{04F318BE-2BAD-4677-871C-D78A4BF0CBA6}"/>
               </a:ext>
             </a:extLst>
           </p:cNvPr>
@@ -12312,7 +12312,7 @@
           <p:cNvPr id="9" name="Rectangle Top">
             <a:extLst>
               <a:ext uri="{FF2B5EF4-FFF2-40B4-BE49-F238E27FC236}">
-                <a16:creationId xmlns:a16="http://schemas.microsoft.com/office/drawing/2014/main" xmlns="" id="{A15CE03A-0933-4E5D-9EA1-718D4F802FFC}"/>
+                <a16:creationId xmlns="" xmlns:a16="http://schemas.microsoft.com/office/drawing/2014/main" id="{A15CE03A-0933-4E5D-9EA1-718D4F802FFC}"/>
               </a:ext>
             </a:extLst>
           </p:cNvPr>
@@ -12393,7 +12393,7 @@
           <p:cNvPr id="10" name="Logo Software University" descr="Software University logo">
             <a:extLst>
               <a:ext uri="{FF2B5EF4-FFF2-40B4-BE49-F238E27FC236}">
-                <a16:creationId xmlns:a16="http://schemas.microsoft.com/office/drawing/2014/main" xmlns="" id="{8C01D7AF-7CBD-46E1-99F3-8EB60E838D91}"/>
+                <a16:creationId xmlns="" xmlns:a16="http://schemas.microsoft.com/office/drawing/2014/main" id="{8C01D7AF-7CBD-46E1-99F3-8EB60E838D91}"/>
               </a:ext>
             </a:extLst>
           </p:cNvPr>
@@ -12406,7 +12406,7 @@
           <a:blip r:embed="rId2" cstate="print">
             <a:extLst>
               <a:ext uri="{28A0092B-C50C-407E-A947-70E740481C1C}">
-                <a14:useLocalDpi xmlns:a14="http://schemas.microsoft.com/office/drawing/2010/main" xmlns="" val="0"/>
+                <a14:useLocalDpi xmlns="" xmlns:a14="http://schemas.microsoft.com/office/drawing/2010/main" val="0"/>
               </a:ext>
             </a:extLst>
           </a:blip>
@@ -12429,7 +12429,7 @@
           <p:cNvPr id="11" name="Slide Title">
             <a:extLst>
               <a:ext uri="{FF2B5EF4-FFF2-40B4-BE49-F238E27FC236}">
-                <a16:creationId xmlns:a16="http://schemas.microsoft.com/office/drawing/2014/main" xmlns="" id="{47D60833-F0A9-4F29-8C06-A963A7C8BE93}"/>
+                <a16:creationId xmlns="" xmlns:a16="http://schemas.microsoft.com/office/drawing/2014/main" id="{47D60833-F0A9-4F29-8C06-A963A7C8BE93}"/>
               </a:ext>
             </a:extLst>
           </p:cNvPr>
@@ -12468,7 +12468,7 @@
     </p:spTree>
     <p:extLst>
       <p:ext uri="{BB962C8B-B14F-4D97-AF65-F5344CB8AC3E}">
-        <p14:creationId xmlns:p14="http://schemas.microsoft.com/office/powerpoint/2010/main" xmlns="" val="1000829826"/>
+        <p14:creationId xmlns="" xmlns:p14="http://schemas.microsoft.com/office/powerpoint/2010/main" val="1000829826"/>
       </p:ext>
     </p:extLst>
   </p:cSld>
@@ -12476,7 +12476,7 @@
     <a:masterClrMapping/>
   </p:clrMapOvr>
   <mc:AlternateContent xmlns:mc="http://schemas.openxmlformats.org/markup-compatibility/2006">
-    <mc:Choice xmlns:p14="http://schemas.microsoft.com/office/powerpoint/2010/main" xmlns="" Requires="p14">
+    <mc:Choice xmlns="" xmlns:p14="http://schemas.microsoft.com/office/powerpoint/2010/main" Requires="p14">
       <p:transition spd="slow" p14:dur="2000" advClick="0" advTm="5000"/>
     </mc:Choice>
     <mc:Fallback>
@@ -12508,7 +12508,7 @@
           <p:cNvPr id="10" name="Slide Number">
             <a:extLst>
               <a:ext uri="{FF2B5EF4-FFF2-40B4-BE49-F238E27FC236}">
-                <a16:creationId xmlns:a16="http://schemas.microsoft.com/office/drawing/2014/main" xmlns="" id="{39DDE17E-5472-41F3-AF5F-54DFF10DC63C}"/>
+                <a16:creationId xmlns="" xmlns:a16="http://schemas.microsoft.com/office/drawing/2014/main" id="{39DDE17E-5472-41F3-AF5F-54DFF10DC63C}"/>
               </a:ext>
             </a:extLst>
           </p:cNvPr>
@@ -12550,7 +12550,7 @@
           <p:cNvPr id="9" name="Picture SoftUni Mascot" descr="SoftUni mascot with laptop">
             <a:extLst>
               <a:ext uri="{FF2B5EF4-FFF2-40B4-BE49-F238E27FC236}">
-                <a16:creationId xmlns:a16="http://schemas.microsoft.com/office/drawing/2014/main" xmlns="" id="{DC4365F6-D2C1-47B4-8477-38FD2C7711AA}"/>
+                <a16:creationId xmlns="" xmlns:a16="http://schemas.microsoft.com/office/drawing/2014/main" id="{DC4365F6-D2C1-47B4-8477-38FD2C7711AA}"/>
               </a:ext>
             </a:extLst>
           </p:cNvPr>
@@ -12563,7 +12563,7 @@
           <a:blip r:embed="rId2" cstate="print">
             <a:extLst>
               <a:ext uri="{28A0092B-C50C-407E-A947-70E740481C1C}">
-                <a14:useLocalDpi xmlns:a14="http://schemas.microsoft.com/office/drawing/2010/main" xmlns="" val="0"/>
+                <a14:useLocalDpi xmlns="" xmlns:a14="http://schemas.microsoft.com/office/drawing/2010/main" val="0"/>
               </a:ext>
             </a:extLst>
           </a:blip>
@@ -12586,7 +12586,7 @@
           <p:cNvPr id="23" name="Slide Body Text">
             <a:extLst>
               <a:ext uri="{FF2B5EF4-FFF2-40B4-BE49-F238E27FC236}">
-                <a16:creationId xmlns:a16="http://schemas.microsoft.com/office/drawing/2014/main" xmlns="" id="{889D93F4-ABFA-46BF-8E5D-FE6562ACB20F}"/>
+                <a16:creationId xmlns="" xmlns:a16="http://schemas.microsoft.com/office/drawing/2014/main" id="{889D93F4-ABFA-46BF-8E5D-FE6562ACB20F}"/>
               </a:ext>
             </a:extLst>
           </p:cNvPr>
@@ -12677,7 +12677,7 @@
           <p:cNvPr id="8" name="Rectangle Top">
             <a:extLst>
               <a:ext uri="{FF2B5EF4-FFF2-40B4-BE49-F238E27FC236}">
-                <a16:creationId xmlns:a16="http://schemas.microsoft.com/office/drawing/2014/main" xmlns="" id="{930E0800-9260-4369-8330-8264DD33C5CE}"/>
+                <a16:creationId xmlns="" xmlns:a16="http://schemas.microsoft.com/office/drawing/2014/main" id="{930E0800-9260-4369-8330-8264DD33C5CE}"/>
               </a:ext>
             </a:extLst>
           </p:cNvPr>
@@ -12758,7 +12758,7 @@
           <p:cNvPr id="11" name="Logo Software University" descr="Software University logo">
             <a:extLst>
               <a:ext uri="{FF2B5EF4-FFF2-40B4-BE49-F238E27FC236}">
-                <a16:creationId xmlns:a16="http://schemas.microsoft.com/office/drawing/2014/main" xmlns="" id="{14F779A7-4A91-448B-BEFA-956C70A1C22F}"/>
+                <a16:creationId xmlns="" xmlns:a16="http://schemas.microsoft.com/office/drawing/2014/main" id="{14F779A7-4A91-448B-BEFA-956C70A1C22F}"/>
               </a:ext>
             </a:extLst>
           </p:cNvPr>
@@ -12771,7 +12771,7 @@
           <a:blip r:embed="rId3" cstate="print">
             <a:extLst>
               <a:ext uri="{28A0092B-C50C-407E-A947-70E740481C1C}">
-                <a14:useLocalDpi xmlns:a14="http://schemas.microsoft.com/office/drawing/2010/main" xmlns="" val="0"/>
+                <a14:useLocalDpi xmlns="" xmlns:a14="http://schemas.microsoft.com/office/drawing/2010/main" val="0"/>
               </a:ext>
             </a:extLst>
           </a:blip>
@@ -12794,7 +12794,7 @@
           <p:cNvPr id="13" name="Slide Title">
             <a:extLst>
               <a:ext uri="{FF2B5EF4-FFF2-40B4-BE49-F238E27FC236}">
-                <a16:creationId xmlns:a16="http://schemas.microsoft.com/office/drawing/2014/main" xmlns="" id="{357D7BE1-6358-42CC-94F3-7BCDD91DCB6D}"/>
+                <a16:creationId xmlns="" xmlns:a16="http://schemas.microsoft.com/office/drawing/2014/main" id="{357D7BE1-6358-42CC-94F3-7BCDD91DCB6D}"/>
               </a:ext>
             </a:extLst>
           </p:cNvPr>
@@ -12833,7 +12833,7 @@
     </p:spTree>
     <p:extLst>
       <p:ext uri="{BB962C8B-B14F-4D97-AF65-F5344CB8AC3E}">
-        <p14:creationId xmlns:p14="http://schemas.microsoft.com/office/powerpoint/2010/main" xmlns="" val="1028724482"/>
+        <p14:creationId xmlns="" xmlns:p14="http://schemas.microsoft.com/office/powerpoint/2010/main" val="1028724482"/>
       </p:ext>
     </p:extLst>
   </p:cSld>
@@ -12841,7 +12841,7 @@
     <a:masterClrMapping/>
   </p:clrMapOvr>
   <mc:AlternateContent xmlns:mc="http://schemas.openxmlformats.org/markup-compatibility/2006">
-    <mc:Choice xmlns:p14="http://schemas.microsoft.com/office/powerpoint/2010/main" xmlns="" Requires="p14">
+    <mc:Choice xmlns="" xmlns:p14="http://schemas.microsoft.com/office/powerpoint/2010/main" Requires="p14">
       <p:transition spd="slow" p14:dur="2000" advClick="0" advTm="5000"/>
     </mc:Choice>
     <mc:Fallback>
@@ -12953,7 +12953,7 @@
           <p:cNvPr id="11" name="Slide Number">
             <a:extLst>
               <a:ext uri="{FF2B5EF4-FFF2-40B4-BE49-F238E27FC236}">
-                <a16:creationId xmlns:a16="http://schemas.microsoft.com/office/drawing/2014/main" xmlns="" id="{6750ECE4-94E0-469B-B8E4-562792823B0F}"/>
+                <a16:creationId xmlns="" xmlns:a16="http://schemas.microsoft.com/office/drawing/2014/main" id="{6750ECE4-94E0-469B-B8E4-562792823B0F}"/>
               </a:ext>
             </a:extLst>
           </p:cNvPr>
@@ -13076,7 +13076,7 @@
           <p:cNvPr id="12" name="Logo Software University Down" descr="Software University logo">
             <a:extLst>
               <a:ext uri="{FF2B5EF4-FFF2-40B4-BE49-F238E27FC236}">
-                <a16:creationId xmlns:a16="http://schemas.microsoft.com/office/drawing/2014/main" xmlns="" id="{7028D2F0-1E67-414B-A93D-D3F8F131A132}"/>
+                <a16:creationId xmlns="" xmlns:a16="http://schemas.microsoft.com/office/drawing/2014/main" id="{7028D2F0-1E67-414B-A93D-D3F8F131A132}"/>
               </a:ext>
             </a:extLst>
           </p:cNvPr>
@@ -13089,7 +13089,7 @@
           <a:blip r:embed="rId2" cstate="print">
             <a:extLst>
               <a:ext uri="{28A0092B-C50C-407E-A947-70E740481C1C}">
-                <a14:useLocalDpi xmlns:a14="http://schemas.microsoft.com/office/drawing/2010/main" xmlns="" val="0"/>
+                <a14:useLocalDpi xmlns="" xmlns:a14="http://schemas.microsoft.com/office/drawing/2010/main" val="0"/>
               </a:ext>
             </a:extLst>
           </a:blip>
@@ -13112,7 +13112,7 @@
           <p:cNvPr id="10" name="Text Placeholder Right">
             <a:extLst>
               <a:ext uri="{FF2B5EF4-FFF2-40B4-BE49-F238E27FC236}">
-                <a16:creationId xmlns:a16="http://schemas.microsoft.com/office/drawing/2014/main" xmlns="" id="{AF69A59F-C564-4A04-B1CC-31C261499991}"/>
+                <a16:creationId xmlns="" xmlns:a16="http://schemas.microsoft.com/office/drawing/2014/main" id="{AF69A59F-C564-4A04-B1CC-31C261499991}"/>
               </a:ext>
             </a:extLst>
           </p:cNvPr>
@@ -13190,7 +13190,7 @@
           <p:cNvPr id="9" name="Text Placeholder Left">
             <a:extLst>
               <a:ext uri="{FF2B5EF4-FFF2-40B4-BE49-F238E27FC236}">
-                <a16:creationId xmlns:a16="http://schemas.microsoft.com/office/drawing/2014/main" xmlns="" id="{C8A626D2-456B-41EF-9818-EA8DD7E314DA}"/>
+                <a16:creationId xmlns="" xmlns:a16="http://schemas.microsoft.com/office/drawing/2014/main" id="{C8A626D2-456B-41EF-9818-EA8DD7E314DA}"/>
               </a:ext>
             </a:extLst>
           </p:cNvPr>
@@ -13268,7 +13268,7 @@
           <p:cNvPr id="13" name="Rectangle Top">
             <a:extLst>
               <a:ext uri="{FF2B5EF4-FFF2-40B4-BE49-F238E27FC236}">
-                <a16:creationId xmlns:a16="http://schemas.microsoft.com/office/drawing/2014/main" xmlns="" id="{E03301DA-D0AF-46FD-8740-2F761250203A}"/>
+                <a16:creationId xmlns="" xmlns:a16="http://schemas.microsoft.com/office/drawing/2014/main" id="{E03301DA-D0AF-46FD-8740-2F761250203A}"/>
               </a:ext>
             </a:extLst>
           </p:cNvPr>
@@ -13349,7 +13349,7 @@
           <p:cNvPr id="14" name="Logo Software University" descr="Software University logo">
             <a:extLst>
               <a:ext uri="{FF2B5EF4-FFF2-40B4-BE49-F238E27FC236}">
-                <a16:creationId xmlns:a16="http://schemas.microsoft.com/office/drawing/2014/main" xmlns="" id="{19A67BB9-D880-4EAD-B90E-89C4219BFC0B}"/>
+                <a16:creationId xmlns="" xmlns:a16="http://schemas.microsoft.com/office/drawing/2014/main" id="{19A67BB9-D880-4EAD-B90E-89C4219BFC0B}"/>
               </a:ext>
             </a:extLst>
           </p:cNvPr>
@@ -13362,7 +13362,7 @@
           <a:blip r:embed="rId3" cstate="print">
             <a:extLst>
               <a:ext uri="{28A0092B-C50C-407E-A947-70E740481C1C}">
-                <a14:useLocalDpi xmlns:a14="http://schemas.microsoft.com/office/drawing/2010/main" xmlns="" val="0"/>
+                <a14:useLocalDpi xmlns="" xmlns:a14="http://schemas.microsoft.com/office/drawing/2010/main" val="0"/>
               </a:ext>
             </a:extLst>
           </a:blip>
@@ -13385,7 +13385,7 @@
           <p:cNvPr id="15" name="Slide Title">
             <a:extLst>
               <a:ext uri="{FF2B5EF4-FFF2-40B4-BE49-F238E27FC236}">
-                <a16:creationId xmlns:a16="http://schemas.microsoft.com/office/drawing/2014/main" xmlns="" id="{EA9A94D1-F9F6-4D7B-85E3-896A987B6A4D}"/>
+                <a16:creationId xmlns="" xmlns:a16="http://schemas.microsoft.com/office/drawing/2014/main" id="{EA9A94D1-F9F6-4D7B-85E3-896A987B6A4D}"/>
               </a:ext>
             </a:extLst>
           </p:cNvPr>
@@ -13424,7 +13424,7 @@
     </p:spTree>
     <p:extLst>
       <p:ext uri="{BB962C8B-B14F-4D97-AF65-F5344CB8AC3E}">
-        <p14:creationId xmlns:p14="http://schemas.microsoft.com/office/powerpoint/2010/main" xmlns="" val="3044033461"/>
+        <p14:creationId xmlns="" xmlns:p14="http://schemas.microsoft.com/office/powerpoint/2010/main" val="3044033461"/>
       </p:ext>
     </p:extLst>
   </p:cSld>
@@ -13432,7 +13432,7 @@
     <a:masterClrMapping/>
   </p:clrMapOvr>
   <mc:AlternateContent xmlns:mc="http://schemas.openxmlformats.org/markup-compatibility/2006">
-    <mc:Choice xmlns:p14="http://schemas.microsoft.com/office/powerpoint/2010/main" xmlns="" Requires="p14">
+    <mc:Choice xmlns="" xmlns:p14="http://schemas.microsoft.com/office/powerpoint/2010/main" Requires="p14">
       <p:transition spd="slow" p14:dur="2000" advClick="0" advTm="5000"/>
     </mc:Choice>
     <mc:Fallback>
@@ -13441,7 +13441,7 @@
   </mc:AlternateContent>
   <p:extLst>
     <p:ext uri="{DCECCB84-F9BA-43D5-87BE-67443E8EF086}">
-      <p15:sldGuideLst xmlns:p15="http://schemas.microsoft.com/office/powerpoint/2012/main" xmlns="">
+      <p15:sldGuideLst xmlns="" xmlns:p15="http://schemas.microsoft.com/office/powerpoint/2012/main">
         <p15:guide id="1" orient="horz" pos="2160">
           <p15:clr>
             <a:srgbClr val="FBAE40"/>
@@ -13488,7 +13488,7 @@
           <p:cNvPr id="4" name="Picture Background" descr="SoftUni Background">
             <a:extLst>
               <a:ext uri="{FF2B5EF4-FFF2-40B4-BE49-F238E27FC236}">
-                <a16:creationId xmlns:a16="http://schemas.microsoft.com/office/drawing/2014/main" xmlns="" id="{5BE90A63-DDD9-4B3B-A234-DF69B9BC812F}"/>
+                <a16:creationId xmlns="" xmlns:a16="http://schemas.microsoft.com/office/drawing/2014/main" id="{5BE90A63-DDD9-4B3B-A234-DF69B9BC812F}"/>
               </a:ext>
             </a:extLst>
           </p:cNvPr>
@@ -13517,7 +13517,7 @@
           <p:cNvPr id="11" name="Slide Body Text">
             <a:extLst>
               <a:ext uri="{FF2B5EF4-FFF2-40B4-BE49-F238E27FC236}">
-                <a16:creationId xmlns:a16="http://schemas.microsoft.com/office/drawing/2014/main" xmlns="" id="{90CBFB32-9F46-4F2F-8A54-9EE8BED27855}"/>
+                <a16:creationId xmlns="" xmlns:a16="http://schemas.microsoft.com/office/drawing/2014/main" id="{90CBFB32-9F46-4F2F-8A54-9EE8BED27855}"/>
               </a:ext>
             </a:extLst>
           </p:cNvPr>
@@ -13585,7 +13585,7 @@
           <p:cNvPr id="10" name="Slide Title">
             <a:extLst>
               <a:ext uri="{FF2B5EF4-FFF2-40B4-BE49-F238E27FC236}">
-                <a16:creationId xmlns:a16="http://schemas.microsoft.com/office/drawing/2014/main" xmlns="" id="{B770C392-3003-4C35-9625-BB041F8257BA}"/>
+                <a16:creationId xmlns="" xmlns:a16="http://schemas.microsoft.com/office/drawing/2014/main" id="{B770C392-3003-4C35-9625-BB041F8257BA}"/>
               </a:ext>
             </a:extLst>
           </p:cNvPr>
@@ -13622,7 +13622,7 @@
     </p:spTree>
     <p:extLst>
       <p:ext uri="{BB962C8B-B14F-4D97-AF65-F5344CB8AC3E}">
-        <p14:creationId xmlns:p14="http://schemas.microsoft.com/office/powerpoint/2010/main" xmlns="" val="156789181"/>
+        <p14:creationId xmlns="" xmlns:p14="http://schemas.microsoft.com/office/powerpoint/2010/main" val="156789181"/>
       </p:ext>
     </p:extLst>
   </p:cSld>
@@ -13646,7 +13646,7 @@
     <p:sldLayoutId id="2147483696" r:id="rId16"/>
   </p:sldLayoutIdLst>
   <mc:AlternateContent xmlns:mc="http://schemas.openxmlformats.org/markup-compatibility/2006">
-    <mc:Choice xmlns:p14="http://schemas.microsoft.com/office/powerpoint/2010/main" xmlns="" Requires="p14">
+    <mc:Choice xmlns="" xmlns:p14="http://schemas.microsoft.com/office/powerpoint/2010/main" Requires="p14">
       <p:transition spd="slow" p14:dur="2000" advClick="0" advTm="5000"/>
     </mc:Choice>
     <mc:Fallback>
@@ -13936,7 +13936,7 @@
   </p:txStyles>
   <p:extLst>
     <p:ext uri="{27BBF7A9-308A-43DC-89C8-2F10F3537804}">
-      <p15:sldGuideLst xmlns:p15="http://schemas.microsoft.com/office/powerpoint/2012/main" xmlns="">
+      <p15:sldGuideLst xmlns="" xmlns:p15="http://schemas.microsoft.com/office/powerpoint/2012/main">
         <p15:guide id="1" orient="horz" pos="2160">
           <p15:clr>
             <a:srgbClr val="F26B43"/>
@@ -14032,7 +14032,7 @@
           <p:cNvPr id="10" name="Author Position">
             <a:extLst>
               <a:ext uri="{FF2B5EF4-FFF2-40B4-BE49-F238E27FC236}">
-                <a16:creationId xmlns:a16="http://schemas.microsoft.com/office/drawing/2014/main" xmlns="" id="{F585BC4C-0F13-4FD4-8F23-99FD46618370}"/>
+                <a16:creationId xmlns="" xmlns:a16="http://schemas.microsoft.com/office/drawing/2014/main" id="{F585BC4C-0F13-4FD4-8F23-99FD46618370}"/>
               </a:ext>
             </a:extLst>
           </p:cNvPr>
@@ -14065,7 +14065,7 @@
           <p:cNvPr id="9" name="Author Name">
             <a:extLst>
               <a:ext uri="{FF2B5EF4-FFF2-40B4-BE49-F238E27FC236}">
-                <a16:creationId xmlns:a16="http://schemas.microsoft.com/office/drawing/2014/main" xmlns="" id="{FA396BB6-2053-4690-9672-BC528007D370}"/>
+                <a16:creationId xmlns="" xmlns:a16="http://schemas.microsoft.com/office/drawing/2014/main" id="{FA396BB6-2053-4690-9672-BC528007D370}"/>
               </a:ext>
             </a:extLst>
           </p:cNvPr>
@@ -14098,7 +14098,7 @@
           <p:cNvPr id="3" name="Presentation Subtitle">
             <a:extLst>
               <a:ext uri="{FF2B5EF4-FFF2-40B4-BE49-F238E27FC236}">
-                <a16:creationId xmlns:a16="http://schemas.microsoft.com/office/drawing/2014/main" xmlns="" id="{A004DC04-DA2A-41C0-8578-4B8D2F08EA7D}"/>
+                <a16:creationId xmlns="" xmlns:a16="http://schemas.microsoft.com/office/drawing/2014/main" id="{A004DC04-DA2A-41C0-8578-4B8D2F08EA7D}"/>
               </a:ext>
             </a:extLst>
           </p:cNvPr>
@@ -14142,7 +14142,7 @@
           <p:cNvPr id="16" name="Title 15">
             <a:extLst>
               <a:ext uri="{FF2B5EF4-FFF2-40B4-BE49-F238E27FC236}">
-                <a16:creationId xmlns:a16="http://schemas.microsoft.com/office/drawing/2014/main" xmlns="" id="{09D526E5-16F9-CDC3-F025-1D308EB5C234}"/>
+                <a16:creationId xmlns="" xmlns:a16="http://schemas.microsoft.com/office/drawing/2014/main" id="{09D526E5-16F9-CDC3-F025-1D308EB5C234}"/>
               </a:ext>
             </a:extLst>
           </p:cNvPr>
@@ -14210,7 +14210,7 @@
     </p:spTree>
     <p:extLst>
       <p:ext uri="{BB962C8B-B14F-4D97-AF65-F5344CB8AC3E}">
-        <p14:creationId xmlns:p14="http://schemas.microsoft.com/office/powerpoint/2010/main" xmlns="" val="3666405375"/>
+        <p14:creationId xmlns="" xmlns:p14="http://schemas.microsoft.com/office/powerpoint/2010/main" val="3666405375"/>
       </p:ext>
     </p:extLst>
   </p:cSld>
@@ -14218,7 +14218,7 @@
     <a:masterClrMapping/>
   </p:clrMapOvr>
   <mc:AlternateContent xmlns:mc="http://schemas.openxmlformats.org/markup-compatibility/2006">
-    <mc:Choice xmlns:p14="http://schemas.microsoft.com/office/powerpoint/2010/main" xmlns="" Requires="p14">
+    <mc:Choice xmlns="" xmlns:p14="http://schemas.microsoft.com/office/powerpoint/2010/main" Requires="p14">
       <p:transition spd="slow" p14:dur="2000" advClick="0" advTm="5000"/>
     </mc:Choice>
     <mc:Fallback>
@@ -14509,7 +14509,7 @@
     </p:spTree>
     <p:extLst>
       <p:ext uri="{BB962C8B-B14F-4D97-AF65-F5344CB8AC3E}">
-        <p14:creationId xmlns="" xmlns:p14="http://schemas.microsoft.com/office/powerpoint/2010/main" val="3785417498"/>
+        <p14:creationId xmlns:p14="http://schemas.microsoft.com/office/powerpoint/2010/main" xmlns="" val="3785417498"/>
       </p:ext>
     </p:extLst>
   </p:cSld>
@@ -15104,7 +15104,7 @@
     </p:spTree>
     <p:extLst>
       <p:ext uri="{BB962C8B-B14F-4D97-AF65-F5344CB8AC3E}">
-        <p14:creationId xmlns="" xmlns:p14="http://schemas.microsoft.com/office/powerpoint/2010/main" val="2026340316"/>
+        <p14:creationId xmlns:p14="http://schemas.microsoft.com/office/powerpoint/2010/main" xmlns="" val="2026340316"/>
       </p:ext>
     </p:extLst>
   </p:cSld>
@@ -15372,7 +15372,7 @@
           <p:cNvPr id="4100" name="Picture 4" descr="Ð ÐµÐ·ÑÐ»ÑÐ°Ñ Ñ Ð¸Ð·Ð¾Ð±ÑÐ°Ð¶ÐµÐ½Ð¸Ðµ Ð·Ð° cascading png">
             <a:extLst>
               <a:ext uri="{FF2B5EF4-FFF2-40B4-BE49-F238E27FC236}">
-                <a16:creationId xmlns:a16="http://schemas.microsoft.com/office/drawing/2014/main" xmlns="" id="{3B56181C-1C35-44D5-AE7B-4DFA356A4D3F}"/>
+                <a16:creationId xmlns="" xmlns:a16="http://schemas.microsoft.com/office/drawing/2014/main" id="{3B56181C-1C35-44D5-AE7B-4DFA356A4D3F}"/>
               </a:ext>
             </a:extLst>
           </p:cNvPr>
@@ -15385,7 +15385,7 @@
           <a:blip r:embed="rId2" cstate="print">
             <a:extLst>
               <a:ext uri="{28A0092B-C50C-407E-A947-70E740481C1C}">
-                <a14:useLocalDpi xmlns:a14="http://schemas.microsoft.com/office/drawing/2010/main" xmlns="" val="0"/>
+                <a14:useLocalDpi xmlns="" xmlns:a14="http://schemas.microsoft.com/office/drawing/2010/main" val="0"/>
               </a:ext>
             </a:extLst>
           </a:blip>
@@ -15405,7 +15405,7 @@
           <a:noFill/>
           <a:extLst>
             <a:ext uri="{909E8E84-426E-40DD-AFC4-6F175D3DCCD1}">
-              <a14:hiddenFill xmlns:a14="http://schemas.microsoft.com/office/drawing/2010/main" xmlns="">
+              <a14:hiddenFill xmlns="" xmlns:a14="http://schemas.microsoft.com/office/drawing/2010/main">
                 <a:solidFill>
                   <a:srgbClr val="FFFFFF"/>
                 </a:solidFill>
@@ -15419,7 +15419,7 @@
           <p:cNvPr id="3" name="Title 2">
             <a:extLst>
               <a:ext uri="{FF2B5EF4-FFF2-40B4-BE49-F238E27FC236}">
-                <a16:creationId xmlns:a16="http://schemas.microsoft.com/office/drawing/2014/main" xmlns="" id="{DFB02FC4-7CB6-4AD9-B76E-D615EDB88939}"/>
+                <a16:creationId xmlns="" xmlns:a16="http://schemas.microsoft.com/office/drawing/2014/main" id="{DFB02FC4-7CB6-4AD9-B76E-D615EDB88939}"/>
               </a:ext>
             </a:extLst>
           </p:cNvPr>
@@ -15448,7 +15448,7 @@
           <p:cNvPr id="7" name="Subtitle 6">
             <a:extLst>
               <a:ext uri="{FF2B5EF4-FFF2-40B4-BE49-F238E27FC236}">
-                <a16:creationId xmlns:a16="http://schemas.microsoft.com/office/drawing/2014/main" xmlns="" id="{6E4B1920-6F4F-482A-A98E-6FB068F0057D}"/>
+                <a16:creationId xmlns="" xmlns:a16="http://schemas.microsoft.com/office/drawing/2014/main" id="{6E4B1920-6F4F-482A-A98E-6FB068F0057D}"/>
               </a:ext>
             </a:extLst>
           </p:cNvPr>
@@ -15465,28 +15465,8 @@
           <a:lstStyle/>
           <a:p>
             <a:r>
-              <a:rPr lang="en-GB" dirty="0"/>
-              <a:t>Cascade </a:t>
-            </a:r>
-            <a:r>
-              <a:rPr lang="en-GB" dirty="0" smtClean="0"/>
-              <a:t>Delete</a:t>
-            </a:r>
-            <a:r>
               <a:rPr lang="bg-BG" dirty="0" smtClean="0"/>
-              <a:t> </a:t>
-            </a:r>
-            <a:r>
-              <a:rPr lang="en-GB" dirty="0" smtClean="0"/>
-              <a:t>/</a:t>
-            </a:r>
-            <a:r>
-              <a:rPr lang="bg-BG" dirty="0" smtClean="0"/>
-              <a:t> </a:t>
-            </a:r>
-            <a:r>
-              <a:rPr lang="en-GB" dirty="0" smtClean="0"/>
-              <a:t>Update</a:t>
+              <a:t>Каскдано изтриване и променяне</a:t>
             </a:r>
             <a:endParaRPr lang="en-GB" dirty="0"/>
           </a:p>
@@ -15495,7 +15475,7 @@
     </p:spTree>
     <p:extLst>
       <p:ext uri="{BB962C8B-B14F-4D97-AF65-F5344CB8AC3E}">
-        <p14:creationId xmlns:p14="http://schemas.microsoft.com/office/powerpoint/2010/main" xmlns="" val="1714104901"/>
+        <p14:creationId xmlns="" xmlns:p14="http://schemas.microsoft.com/office/powerpoint/2010/main" val="1714104901"/>
       </p:ext>
     </p:extLst>
   </p:cSld>
@@ -15503,13 +15483,20 @@
     <a:masterClrMapping/>
   </p:clrMapOvr>
   <mc:AlternateContent xmlns:mc="http://schemas.openxmlformats.org/markup-compatibility/2006">
-    <mc:Choice xmlns:p14="http://schemas.microsoft.com/office/powerpoint/2010/main" xmlns="" Requires="p14">
+    <mc:Choice xmlns="" xmlns:p14="http://schemas.microsoft.com/office/powerpoint/2010/main" Requires="p14">
       <p:transition spd="slow" p14:dur="2000" advClick="0" advTm="5000"/>
     </mc:Choice>
     <mc:Fallback>
       <p:transition spd="slow" advClick="0" advTm="5000"/>
     </mc:Fallback>
   </mc:AlternateContent>
+  <p:timing>
+    <p:tnLst>
+      <p:par>
+        <p:cTn id="1" dur="indefinite" restart="never" nodeType="tmRoot"/>
+      </p:par>
+    </p:tnLst>
+  </p:timing>
 </p:sld>
 </file>
 
@@ -15539,7 +15526,7 @@
           <p:nvPr>
             <p:extLst>
               <p:ext uri="{D42A27DB-BD31-4B8C-83A1-F6EECF244321}">
-                <p14:modId xmlns:p14="http://schemas.microsoft.com/office/powerpoint/2010/main" xmlns="" val="733005367"/>
+                <p14:modId xmlns="" xmlns:p14="http://schemas.microsoft.com/office/powerpoint/2010/main" val="733005367"/>
               </p:ext>
             </p:extLst>
           </p:nvPr>
@@ -15558,14 +15545,14 @@
                 <a:gridCol w="2019300">
                   <a:extLst>
                     <a:ext uri="{9D8B030D-6E8A-4147-A177-3AD203B41FA5}">
-                      <a16:colId xmlns:a16="http://schemas.microsoft.com/office/drawing/2014/main" xmlns="" val="1594468805"/>
+                      <a16:colId xmlns="" xmlns:a16="http://schemas.microsoft.com/office/drawing/2014/main" val="1594468805"/>
                     </a:ext>
                   </a:extLst>
                 </a:gridCol>
                 <a:gridCol w="2019300">
                   <a:extLst>
                     <a:ext uri="{9D8B030D-6E8A-4147-A177-3AD203B41FA5}">
-                      <a16:colId xmlns:a16="http://schemas.microsoft.com/office/drawing/2014/main" xmlns="" val="683614382"/>
+                      <a16:colId xmlns="" xmlns:a16="http://schemas.microsoft.com/office/drawing/2014/main" val="683614382"/>
                     </a:ext>
                   </a:extLst>
                 </a:gridCol>
@@ -15620,7 +15607,7 @@
                 </a:tc>
                 <a:extLst>
                   <a:ext uri="{0D108BD9-81ED-4DB2-BD59-A6C34878D82A}">
-                    <a16:rowId xmlns:a16="http://schemas.microsoft.com/office/drawing/2014/main" xmlns="" val="1969825376"/>
+                    <a16:rowId xmlns="" xmlns:a16="http://schemas.microsoft.com/office/drawing/2014/main" val="1969825376"/>
                   </a:ext>
                 </a:extLst>
               </a:tr>
@@ -15663,7 +15650,7 @@
                 </a:tc>
                 <a:extLst>
                   <a:ext uri="{0D108BD9-81ED-4DB2-BD59-A6C34878D82A}">
-                    <a16:rowId xmlns:a16="http://schemas.microsoft.com/office/drawing/2014/main" xmlns="" val="2845318136"/>
+                    <a16:rowId xmlns="" xmlns:a16="http://schemas.microsoft.com/office/drawing/2014/main" val="2845318136"/>
                   </a:ext>
                 </a:extLst>
               </a:tr>
@@ -15710,7 +15697,7 @@
                 </a:tc>
                 <a:extLst>
                   <a:ext uri="{0D108BD9-81ED-4DB2-BD59-A6C34878D82A}">
-                    <a16:rowId xmlns:a16="http://schemas.microsoft.com/office/drawing/2014/main" xmlns="" val="690634117"/>
+                    <a16:rowId xmlns="" xmlns:a16="http://schemas.microsoft.com/office/drawing/2014/main" val="690634117"/>
                   </a:ext>
                 </a:extLst>
               </a:tr>
@@ -15753,7 +15740,7 @@
                 </a:tc>
                 <a:extLst>
                   <a:ext uri="{0D108BD9-81ED-4DB2-BD59-A6C34878D82A}">
-                    <a16:rowId xmlns:a16="http://schemas.microsoft.com/office/drawing/2014/main" xmlns="" val="3008099716"/>
+                    <a16:rowId xmlns="" xmlns:a16="http://schemas.microsoft.com/office/drawing/2014/main" val="3008099716"/>
                   </a:ext>
                 </a:extLst>
               </a:tr>
@@ -15770,7 +15757,7 @@
           <p:nvPr>
             <p:extLst>
               <p:ext uri="{D42A27DB-BD31-4B8C-83A1-F6EECF244321}">
-                <p14:modId xmlns:p14="http://schemas.microsoft.com/office/powerpoint/2010/main" xmlns="" val="458312001"/>
+                <p14:modId xmlns="" xmlns:p14="http://schemas.microsoft.com/office/powerpoint/2010/main" val="458312001"/>
               </p:ext>
             </p:extLst>
           </p:nvPr>
@@ -15789,14 +15776,14 @@
                 <a:gridCol w="1373852">
                   <a:extLst>
                     <a:ext uri="{9D8B030D-6E8A-4147-A177-3AD203B41FA5}">
-                      <a16:colId xmlns:a16="http://schemas.microsoft.com/office/drawing/2014/main" xmlns="" val="1594468805"/>
+                      <a16:colId xmlns="" xmlns:a16="http://schemas.microsoft.com/office/drawing/2014/main" val="1594468805"/>
                     </a:ext>
                   </a:extLst>
                 </a:gridCol>
                 <a:gridCol w="2003533">
                   <a:extLst>
                     <a:ext uri="{9D8B030D-6E8A-4147-A177-3AD203B41FA5}">
-                      <a16:colId xmlns:a16="http://schemas.microsoft.com/office/drawing/2014/main" xmlns="" val="683614382"/>
+                      <a16:colId xmlns="" xmlns:a16="http://schemas.microsoft.com/office/drawing/2014/main" val="683614382"/>
                     </a:ext>
                   </a:extLst>
                 </a:gridCol>
@@ -15846,7 +15833,7 @@
                 </a:tc>
                 <a:extLst>
                   <a:ext uri="{0D108BD9-81ED-4DB2-BD59-A6C34878D82A}">
-                    <a16:rowId xmlns:a16="http://schemas.microsoft.com/office/drawing/2014/main" xmlns="" val="1969825376"/>
+                    <a16:rowId xmlns="" xmlns:a16="http://schemas.microsoft.com/office/drawing/2014/main" val="1969825376"/>
                   </a:ext>
                 </a:extLst>
               </a:tr>
@@ -15889,7 +15876,7 @@
                 </a:tc>
                 <a:extLst>
                   <a:ext uri="{0D108BD9-81ED-4DB2-BD59-A6C34878D82A}">
-                    <a16:rowId xmlns:a16="http://schemas.microsoft.com/office/drawing/2014/main" xmlns="" val="2845318136"/>
+                    <a16:rowId xmlns="" xmlns:a16="http://schemas.microsoft.com/office/drawing/2014/main" val="2845318136"/>
                   </a:ext>
                 </a:extLst>
               </a:tr>
@@ -15932,7 +15919,7 @@
                 </a:tc>
                 <a:extLst>
                   <a:ext uri="{0D108BD9-81ED-4DB2-BD59-A6C34878D82A}">
-                    <a16:rowId xmlns:a16="http://schemas.microsoft.com/office/drawing/2014/main" xmlns="" val="2968156586"/>
+                    <a16:rowId xmlns="" xmlns:a16="http://schemas.microsoft.com/office/drawing/2014/main" val="2968156586"/>
                   </a:ext>
                 </a:extLst>
               </a:tr>
@@ -15950,30 +15937,65 @@
             <p:ph type="body" sz="quarter" idx="10"/>
           </p:nvPr>
         </p:nvSpPr>
-        <p:spPr/>
+        <p:spPr>
+          <a:xfrm>
+            <a:off x="1828800" y="990600"/>
+            <a:ext cx="10129234" cy="5546589"/>
+          </a:xfrm>
+        </p:spPr>
         <p:txBody>
           <a:bodyPr/>
           <a:lstStyle/>
           <a:p>
             <a:r>
-              <a:rPr lang="en-US" dirty="0"/>
-              <a:t>Cascading allows when a change is made to certain </a:t>
-            </a:r>
-            <a:br>
-              <a:rPr lang="en-US" dirty="0"/>
-            </a:br>
-            <a:r>
-              <a:rPr lang="en-US" dirty="0"/>
-              <a:t>entity, this change to apply to all related entities</a:t>
-            </a:r>
-            <a:endParaRPr lang="en-US" dirty="0">
-              <a:solidFill>
-                <a:schemeClr val="accent1"/>
-              </a:solidFill>
-            </a:endParaRPr>
-          </a:p>
-          <a:p>
-            <a:endParaRPr lang="bg-BG" dirty="0"/>
+              <a:rPr lang="ru-RU" b="1" dirty="0" smtClean="0"/>
+              <a:t>Каскадирането</a:t>
+            </a:r>
+            <a:r>
+              <a:rPr lang="ru-RU" dirty="0" smtClean="0"/>
+              <a:t> позволява, когато се направи </a:t>
+            </a:r>
+            <a:r>
+              <a:rPr lang="ru-RU" b="1" dirty="0" smtClean="0">
+                <a:solidFill>
+                  <a:schemeClr val="bg1"/>
+                </a:solidFill>
+              </a:rPr>
+              <a:t>промяна</a:t>
+            </a:r>
+            <a:r>
+              <a:rPr lang="ru-RU" dirty="0" smtClean="0"/>
+              <a:t> в определен обект, тази промяна да се приложи към </a:t>
+            </a:r>
+            <a:r>
+              <a:rPr lang="ru-RU" b="1" dirty="0" smtClean="0">
+                <a:solidFill>
+                  <a:schemeClr val="bg1"/>
+                </a:solidFill>
+              </a:rPr>
+              <a:t>всички</a:t>
+            </a:r>
+            <a:r>
+              <a:rPr lang="ru-RU" dirty="0" smtClean="0"/>
+              <a:t> </a:t>
+            </a:r>
+            <a:r>
+              <a:rPr lang="ru-RU" b="1" dirty="0" smtClean="0">
+                <a:solidFill>
+                  <a:schemeClr val="bg1"/>
+                </a:solidFill>
+              </a:rPr>
+              <a:t>свързани</a:t>
+            </a:r>
+            <a:r>
+              <a:rPr lang="ru-RU" dirty="0" smtClean="0"/>
+              <a:t> </a:t>
+            </a:r>
+            <a:r>
+              <a:rPr lang="ru-RU" dirty="0" smtClean="0"/>
+              <a:t>обекти</a:t>
+            </a:r>
+            <a:endParaRPr lang="ru-RU" dirty="0" smtClean="0"/>
           </a:p>
         </p:txBody>
       </p:sp>
@@ -15993,9 +16015,10 @@
           <a:lstStyle/>
           <a:p>
             <a:r>
-              <a:rPr lang="en-US" dirty="0"/>
-              <a:t>Definition</a:t>
-            </a:r>
+              <a:rPr lang="bg-BG" dirty="0" smtClean="0"/>
+              <a:t>Дефиниция</a:t>
+            </a:r>
+            <a:endParaRPr lang="en-US" dirty="0"/>
           </a:p>
         </p:txBody>
       </p:sp>
@@ -16287,8 +16310,8 @@
         </p:nvSpPr>
         <p:spPr bwMode="auto">
           <a:xfrm>
-            <a:off x="2129836" y="3130218"/>
-            <a:ext cx="1923770" cy="524718"/>
+            <a:off x="2129836" y="2895600"/>
+            <a:ext cx="1923770" cy="759336"/>
           </a:xfrm>
           <a:prstGeom prst="wedgeRoundRectCallout">
             <a:avLst>
@@ -16338,7 +16361,7 @@
           <a:p>
             <a:pPr algn="ctr"/>
             <a:r>
-              <a:rPr lang="en-US" sz="2400" b="1" dirty="0">
+              <a:rPr lang="bg-BG" sz="2400" b="1" dirty="0" smtClean="0">
                 <a:solidFill>
                   <a:srgbClr val="FFFFFF"/>
                 </a:solidFill>
@@ -16350,8 +16373,20 @@
                   </a:outerShdw>
                 </a:effectLst>
               </a:rPr>
-              <a:t>Primary key</a:t>
-            </a:r>
+              <a:t>Първичен ключ</a:t>
+            </a:r>
+            <a:endParaRPr lang="en-US" sz="2400" b="1" dirty="0">
+              <a:solidFill>
+                <a:srgbClr val="FFFFFF"/>
+              </a:solidFill>
+              <a:effectLst>
+                <a:outerShdw blurRad="38100" dist="38100" dir="2700000" algn="tl">
+                  <a:srgbClr val="000000">
+                    <a:alpha val="43137"/>
+                  </a:srgbClr>
+                </a:outerShdw>
+              </a:effectLst>
+            </a:endParaRPr>
           </a:p>
         </p:txBody>
       </p:sp>
@@ -16365,8 +16400,8 @@
         </p:nvSpPr>
         <p:spPr bwMode="auto">
           <a:xfrm>
-            <a:off x="6462111" y="2974430"/>
-            <a:ext cx="1923770" cy="524718"/>
+            <a:off x="6553200" y="2819400"/>
+            <a:ext cx="1923770" cy="755948"/>
           </a:xfrm>
           <a:prstGeom prst="wedgeRoundRectCallout">
             <a:avLst>
@@ -16416,7 +16451,7 @@
           <a:p>
             <a:pPr algn="ctr"/>
             <a:r>
-              <a:rPr lang="en-US" sz="2400" b="1" dirty="0">
+              <a:rPr lang="bg-BG" sz="2400" b="1" dirty="0" smtClean="0">
                 <a:solidFill>
                   <a:srgbClr val="FFFFFF"/>
                 </a:solidFill>
@@ -16428,8 +16463,20 @@
                   </a:outerShdw>
                 </a:effectLst>
               </a:rPr>
-              <a:t>Primary key</a:t>
-            </a:r>
+              <a:t>Първичен ключ</a:t>
+            </a:r>
+            <a:endParaRPr lang="en-US" sz="2400" b="1" dirty="0">
+              <a:solidFill>
+                <a:srgbClr val="FFFFFF"/>
+              </a:solidFill>
+              <a:effectLst>
+                <a:outerShdw blurRad="38100" dist="38100" dir="2700000" algn="tl">
+                  <a:srgbClr val="000000">
+                    <a:alpha val="43137"/>
+                  </a:srgbClr>
+                </a:outerShdw>
+              </a:effectLst>
+            </a:endParaRPr>
           </a:p>
         </p:txBody>
       </p:sp>
@@ -16443,13 +16490,13 @@
         </p:nvSpPr>
         <p:spPr bwMode="auto">
           <a:xfrm>
-            <a:off x="10343744" y="2915056"/>
-            <a:ext cx="1705606" cy="524718"/>
+            <a:off x="10134600" y="2819400"/>
+            <a:ext cx="1705606" cy="772774"/>
           </a:xfrm>
           <a:prstGeom prst="wedgeRoundRectCallout">
             <a:avLst>
-              <a:gd name="adj1" fmla="val -34969"/>
-              <a:gd name="adj2" fmla="val 126925"/>
+              <a:gd name="adj1" fmla="val -39995"/>
+              <a:gd name="adj2" fmla="val 102274"/>
               <a:gd name="adj3" fmla="val 16667"/>
             </a:avLst>
           </a:prstGeom>
@@ -16494,7 +16541,7 @@
           <a:p>
             <a:pPr algn="ctr"/>
             <a:r>
-              <a:rPr lang="en-US" sz="2400" b="1" dirty="0">
+              <a:rPr lang="bg-BG" sz="2400" b="1" dirty="0" smtClean="0">
                 <a:solidFill>
                   <a:srgbClr val="FFFFFF"/>
                 </a:solidFill>
@@ -16506,8 +16553,20 @@
                   </a:outerShdw>
                 </a:effectLst>
               </a:rPr>
-              <a:t>Foreign key</a:t>
-            </a:r>
+              <a:t>Външен ключ</a:t>
+            </a:r>
+            <a:endParaRPr lang="en-US" sz="2400" b="1" dirty="0">
+              <a:solidFill>
+                <a:srgbClr val="FFFFFF"/>
+              </a:solidFill>
+              <a:effectLst>
+                <a:outerShdw blurRad="38100" dist="38100" dir="2700000" algn="tl">
+                  <a:srgbClr val="000000">
+                    <a:alpha val="43137"/>
+                  </a:srgbClr>
+                </a:outerShdw>
+              </a:effectLst>
+            </a:endParaRPr>
           </a:p>
         </p:txBody>
       </p:sp>
@@ -16521,13 +16580,13 @@
         </p:nvSpPr>
         <p:spPr bwMode="auto">
           <a:xfrm>
-            <a:off x="4724400" y="5791200"/>
-            <a:ext cx="1923770" cy="726238"/>
+            <a:off x="4648200" y="5638800"/>
+            <a:ext cx="1999970" cy="878638"/>
           </a:xfrm>
           <a:prstGeom prst="wedgeRoundRectCallout">
             <a:avLst>
-              <a:gd name="adj1" fmla="val 35659"/>
-              <a:gd name="adj2" fmla="val -110043"/>
+              <a:gd name="adj1" fmla="val 34706"/>
+              <a:gd name="adj2" fmla="val -102455"/>
               <a:gd name="adj3" fmla="val 16667"/>
             </a:avLst>
           </a:prstGeom>
@@ -16572,7 +16631,7 @@
           <a:p>
             <a:pPr algn="ctr"/>
             <a:r>
-              <a:rPr lang="en-US" sz="2400" b="1" dirty="0">
+              <a:rPr lang="bg-BG" sz="2400" b="1" dirty="0" smtClean="0">
                 <a:solidFill>
                   <a:srgbClr val="FFFFFF"/>
                 </a:solidFill>
@@ -16584,8 +16643,20 @@
                   </a:outerShdw>
                 </a:effectLst>
               </a:rPr>
-              <a:t>Cascade delete</a:t>
-            </a:r>
+              <a:t>Каскадно изтриване</a:t>
+            </a:r>
+            <a:endParaRPr lang="en-US" sz="2400" b="1" dirty="0">
+              <a:solidFill>
+                <a:srgbClr val="FFFFFF"/>
+              </a:solidFill>
+              <a:effectLst>
+                <a:outerShdw blurRad="38100" dist="38100" dir="2700000" algn="tl">
+                  <a:srgbClr val="000000">
+                    <a:alpha val="43137"/>
+                  </a:srgbClr>
+                </a:outerShdw>
+              </a:effectLst>
+            </a:endParaRPr>
           </a:p>
         </p:txBody>
       </p:sp>
@@ -16594,7 +16665,7 @@
           <p:cNvPr id="21" name="Slide Number">
             <a:extLst>
               <a:ext uri="{FF2B5EF4-FFF2-40B4-BE49-F238E27FC236}">
-                <a16:creationId xmlns:a16="http://schemas.microsoft.com/office/drawing/2014/main" xmlns="" id="{D3EF8FBF-E19B-4398-8FC3-74D3D31791C2}"/>
+                <a16:creationId xmlns="" xmlns:a16="http://schemas.microsoft.com/office/drawing/2014/main" id="{D3EF8FBF-E19B-4398-8FC3-74D3D31791C2}"/>
               </a:ext>
             </a:extLst>
           </p:cNvPr>
@@ -16722,7 +16793,7 @@
     </p:spTree>
     <p:extLst>
       <p:ext uri="{BB962C8B-B14F-4D97-AF65-F5344CB8AC3E}">
-        <p14:creationId xmlns:p14="http://schemas.microsoft.com/office/powerpoint/2010/main" xmlns="" val="948057181"/>
+        <p14:creationId xmlns="" xmlns:p14="http://schemas.microsoft.com/office/powerpoint/2010/main" val="948057181"/>
       </p:ext>
     </p:extLst>
   </p:cSld>
@@ -16730,7 +16801,7 @@
     <a:masterClrMapping/>
   </p:clrMapOvr>
   <mc:AlternateContent xmlns:mc="http://schemas.openxmlformats.org/markup-compatibility/2006">
-    <mc:Choice xmlns:p14="http://schemas.microsoft.com/office/powerpoint/2010/main" xmlns="" Requires="p14">
+    <mc:Choice xmlns="" xmlns:p14="http://schemas.microsoft.com/office/powerpoint/2010/main" Requires="p14">
       <p:transition spd="slow" p14:dur="2000" advClick="0" advTm="5000"/>
     </mc:Choice>
     <mc:Fallback>
@@ -17142,9 +17213,16 @@
             <p:ph type="body" sz="quarter" idx="10"/>
           </p:nvPr>
         </p:nvSpPr>
-        <p:spPr/>
+        <p:spPr>
+          <a:xfrm>
+            <a:off x="190402" y="1176834"/>
+            <a:ext cx="12001598" cy="5528766"/>
+          </a:xfrm>
+        </p:spPr>
         <p:txBody>
-          <a:bodyPr/>
+          <a:bodyPr>
+            <a:normAutofit/>
+          </a:bodyPr>
           <a:lstStyle/>
           <a:p>
             <a:pPr>
@@ -17156,41 +17234,42 @@
               </a:buClr>
             </a:pPr>
             <a:r>
-              <a:rPr lang="en-US" b="1" dirty="0">
+              <a:rPr lang="bg-BG" b="1" dirty="0" smtClean="0">
                 <a:solidFill>
                   <a:schemeClr val="bg1"/>
                 </a:solidFill>
               </a:rPr>
-              <a:t>Cascade</a:t>
-            </a:r>
-            <a:r>
-              <a:rPr lang="en-US" dirty="0"/>
-              <a:t> can be either </a:t>
-            </a:r>
-            <a:r>
-              <a:rPr lang="en-US" b="1" dirty="0">
+              <a:t>Каскадно </a:t>
+            </a:r>
+            <a:r>
+              <a:rPr lang="bg-BG" dirty="0" smtClean="0"/>
+              <a:t>може да бъде или</a:t>
+            </a:r>
+            <a:r>
+              <a:rPr lang="en-US" dirty="0" smtClean="0"/>
+              <a:t> </a:t>
+            </a:r>
+            <a:r>
+              <a:rPr lang="bg-BG" b="1" dirty="0" smtClean="0">
                 <a:solidFill>
                   <a:schemeClr val="bg1"/>
                 </a:solidFill>
               </a:rPr>
-              <a:t>Delete</a:t>
-            </a:r>
-            <a:r>
-              <a:rPr lang="en-US" dirty="0"/>
-              <a:t> or </a:t>
-            </a:r>
-            <a:r>
-              <a:rPr lang="en-US" b="1" dirty="0">
+              <a:t>изтриването </a:t>
+            </a:r>
+            <a:r>
+              <a:rPr lang="bg-BG" dirty="0" smtClean="0"/>
+              <a:t>или </a:t>
+            </a:r>
+            <a:r>
+              <a:rPr lang="bg-BG" b="1" dirty="0" smtClean="0">
                 <a:solidFill>
                   <a:schemeClr val="bg1"/>
                 </a:solidFill>
               </a:rPr>
-              <a:t>Update</a:t>
-            </a:r>
-            <a:r>
-              <a:rPr lang="en-US" dirty="0"/>
-              <a:t>.</a:t>
-            </a:r>
+              <a:t>променянето</a:t>
+            </a:r>
+            <a:endParaRPr lang="en-US" dirty="0"/>
           </a:p>
           <a:p>
             <a:pPr>
@@ -17199,49 +17278,26 @@
               </a:lnSpc>
             </a:pPr>
             <a:r>
-              <a:rPr lang="en-US" dirty="0"/>
-              <a:t>Use </a:t>
-            </a:r>
-            <a:r>
-              <a:rPr lang="en-US" b="1" dirty="0">
+              <a:rPr lang="bg-BG" dirty="0" smtClean="0"/>
+              <a:t>Използвайте </a:t>
+            </a:r>
+            <a:r>
+              <a:rPr lang="bg-BG" b="1" dirty="0" smtClean="0">
                 <a:solidFill>
                   <a:schemeClr val="bg1"/>
                 </a:solidFill>
               </a:rPr>
-              <a:t>Cascade</a:t>
-            </a:r>
-            <a:r>
-              <a:rPr lang="en-US" dirty="0">
-                <a:solidFill>
-                  <a:schemeClr val="tx2">
-                    <a:lumMod val="75000"/>
-                  </a:schemeClr>
-                </a:solidFill>
-              </a:rPr>
-              <a:t> </a:t>
-            </a:r>
-            <a:r>
-              <a:rPr lang="en-US" b="1" dirty="0">
-                <a:solidFill>
-                  <a:schemeClr val="bg1"/>
-                </a:solidFill>
-              </a:rPr>
-              <a:t>Delete</a:t>
-            </a:r>
-            <a:r>
-              <a:rPr lang="en-US" dirty="0">
-                <a:solidFill>
-                  <a:schemeClr val="tx2">
-                    <a:lumMod val="75000"/>
-                  </a:schemeClr>
-                </a:solidFill>
-              </a:rPr>
-              <a:t> </a:t>
-            </a:r>
-            <a:r>
-              <a:rPr lang="en-US" dirty="0"/>
-              <a:t>when:</a:t>
-            </a:r>
+              <a:t>каскадно изтриване </a:t>
+            </a:r>
+            <a:r>
+              <a:rPr lang="bg-BG" dirty="0" smtClean="0"/>
+              <a:t>когато</a:t>
+            </a:r>
+            <a:r>
+              <a:rPr lang="en-US" dirty="0" smtClean="0"/>
+              <a:t>:</a:t>
+            </a:r>
+            <a:endParaRPr lang="en-US" dirty="0"/>
           </a:p>
           <a:p>
             <a:pPr lvl="1">
@@ -17250,55 +17306,67 @@
               </a:lnSpc>
             </a:pPr>
             <a:r>
-              <a:rPr lang="en-US" dirty="0"/>
-              <a:t>The related entities are </a:t>
-            </a:r>
-            <a:r>
-              <a:rPr lang="en-US" b="1" dirty="0">
+              <a:rPr lang="ru-RU" dirty="0" smtClean="0"/>
+              <a:t>Свързаните </a:t>
+            </a:r>
+            <a:r>
+              <a:rPr lang="ru-RU" dirty="0" smtClean="0"/>
+              <a:t>обекти са </a:t>
+            </a:r>
+            <a:r>
+              <a:rPr lang="ru-RU" b="1" dirty="0" smtClean="0">
                 <a:solidFill>
                   <a:schemeClr val="bg1"/>
                 </a:solidFill>
               </a:rPr>
-              <a:t>meaningless</a:t>
-            </a:r>
-            <a:r>
-              <a:rPr lang="en-US" dirty="0"/>
-              <a:t> without the "main" one</a:t>
-            </a:r>
+              <a:t>безсмислени</a:t>
+            </a:r>
+            <a:r>
+              <a:rPr lang="ru-RU" dirty="0" smtClean="0"/>
+              <a:t> без "</a:t>
+            </a:r>
+            <a:r>
+              <a:rPr lang="ru-RU" dirty="0" smtClean="0"/>
+              <a:t>главния"</a:t>
+            </a:r>
+            <a:endParaRPr lang="en-US" dirty="0" smtClean="0"/>
           </a:p>
           <a:p>
             <a:pPr>
               <a:lnSpc>
                 <a:spcPct val="100000"/>
               </a:lnSpc>
+              <a:buClr>
+                <a:srgbClr val="224464"/>
+              </a:buClr>
             </a:pPr>
             <a:r>
-              <a:rPr lang="en-US" dirty="0"/>
-              <a:t>Do </a:t>
-            </a:r>
-            <a:r>
-              <a:rPr lang="en-US" b="1" dirty="0">
+              <a:rPr lang="bg-BG" b="1" dirty="0" smtClean="0">
                 <a:solidFill>
                   <a:schemeClr val="bg1"/>
                 </a:solidFill>
               </a:rPr>
-              <a:t>not</a:t>
-            </a:r>
-            <a:r>
-              <a:rPr lang="en-US" dirty="0"/>
-              <a:t> use </a:t>
-            </a:r>
-            <a:r>
-              <a:rPr lang="en-US" b="1" dirty="0">
+              <a:t>Не </a:t>
+            </a:r>
+            <a:r>
+              <a:rPr lang="bg-BG" dirty="0" smtClean="0"/>
+              <a:t>използвайте </a:t>
+            </a:r>
+            <a:r>
+              <a:rPr lang="bg-BG" b="1" dirty="0" smtClean="0">
                 <a:solidFill>
                   <a:schemeClr val="bg1"/>
                 </a:solidFill>
               </a:rPr>
-              <a:t>Cascade Delete </a:t>
-            </a:r>
-            <a:r>
-              <a:rPr lang="en-US" dirty="0"/>
-              <a:t>when:</a:t>
+              <a:t>каскадно изтриване </a:t>
+            </a:r>
+            <a:r>
+              <a:rPr lang="bg-BG" dirty="0" smtClean="0"/>
+              <a:t>когато</a:t>
+            </a:r>
+            <a:r>
+              <a:rPr lang="en-US" dirty="0" smtClean="0"/>
+              <a:t>:</a:t>
             </a:r>
           </a:p>
           <a:p>
@@ -17308,39 +17376,18 @@
               </a:lnSpc>
             </a:pPr>
             <a:r>
-              <a:rPr lang="en-US" dirty="0"/>
-              <a:t>You perform a "</a:t>
-            </a:r>
-            <a:r>
-              <a:rPr lang="en-US" b="1" dirty="0">
+              <a:rPr lang="bg-BG" dirty="0" smtClean="0"/>
+              <a:t>Извършвате </a:t>
+            </a:r>
+            <a:r>
+              <a:rPr lang="bg-BG" b="1" dirty="0" smtClean="0">
                 <a:solidFill>
                   <a:schemeClr val="bg1"/>
                 </a:solidFill>
               </a:rPr>
-              <a:t>logical</a:t>
-            </a:r>
-            <a:r>
-              <a:rPr lang="en-US" dirty="0">
-                <a:solidFill>
-                  <a:schemeClr val="tx2">
-                    <a:lumMod val="75000"/>
-                  </a:schemeClr>
-                </a:solidFill>
-              </a:rPr>
-              <a:t> </a:t>
-            </a:r>
-            <a:r>
-              <a:rPr lang="en-US" b="1" dirty="0">
-                <a:solidFill>
-                  <a:schemeClr val="bg1"/>
-                </a:solidFill>
-              </a:rPr>
-              <a:t>delete</a:t>
-            </a:r>
-            <a:r>
-              <a:rPr lang="en-US" dirty="0"/>
-              <a:t>"</a:t>
-            </a:r>
+              <a:t>логическо изтриване</a:t>
+            </a:r>
+            <a:endParaRPr lang="en-US" dirty="0" smtClean="0"/>
           </a:p>
           <a:p>
             <a:pPr lvl="2">
@@ -17349,21 +17396,26 @@
               </a:lnSpc>
             </a:pPr>
             <a:r>
-              <a:rPr lang="en-US" dirty="0"/>
-              <a:t>Entities are </a:t>
-            </a:r>
-            <a:r>
-              <a:rPr lang="en-US" b="1" dirty="0">
+              <a:rPr lang="ru-RU" dirty="0" smtClean="0"/>
+              <a:t>Обектите са </a:t>
+            </a:r>
+            <a:r>
+              <a:rPr lang="ru-RU" b="1" dirty="0" smtClean="0">
                 <a:solidFill>
                   <a:schemeClr val="bg1"/>
                 </a:solidFill>
               </a:rPr>
-              <a:t>marked</a:t>
-            </a:r>
-            <a:r>
-              <a:rPr lang="en-US" dirty="0"/>
-              <a:t> as deleted (but not actually deleted)</a:t>
-            </a:r>
+              <a:t>маркирани</a:t>
+            </a:r>
+            <a:r>
+              <a:rPr lang="ru-RU" dirty="0" smtClean="0"/>
+              <a:t> като изтрити (но всъщност не </a:t>
+            </a:r>
+            <a:r>
+              <a:rPr lang="ru-RU" dirty="0" smtClean="0"/>
+              <a:t>са)</a:t>
+            </a:r>
+            <a:endParaRPr lang="en-US" dirty="0" smtClean="0"/>
           </a:p>
           <a:p>
             <a:pPr lvl="1">
@@ -17372,24 +17424,34 @@
               </a:lnSpc>
             </a:pPr>
             <a:r>
-              <a:rPr lang="en-US" dirty="0"/>
-              <a:t>In more complicated relations, cascade delete won't work with </a:t>
-            </a:r>
-            <a:br>
-              <a:rPr lang="en-US" dirty="0"/>
-            </a:br>
-            <a:r>
-              <a:rPr lang="en-US" b="1" dirty="0">
+              <a:rPr lang="ru-RU" dirty="0" smtClean="0"/>
+              <a:t>При по-сложни </a:t>
+            </a:r>
+            <a:r>
+              <a:rPr lang="ru-RU" dirty="0" smtClean="0"/>
+              <a:t>връзки каскадното </a:t>
+            </a:r>
+            <a:r>
+              <a:rPr lang="ru-RU" dirty="0" smtClean="0"/>
+              <a:t>изтриване няма да работи с </a:t>
+            </a:r>
+            <a:r>
+              <a:rPr lang="ru-RU" b="1" dirty="0" smtClean="0">
                 <a:solidFill>
                   <a:schemeClr val="bg1"/>
                 </a:solidFill>
               </a:rPr>
-              <a:t>circular</a:t>
-            </a:r>
-            <a:r>
-              <a:rPr lang="en-US" dirty="0"/>
-              <a:t> references</a:t>
-            </a:r>
+              <a:t>кръгови</a:t>
+            </a:r>
+            <a:r>
+              <a:rPr lang="ru-RU" dirty="0" smtClean="0"/>
+              <a:t> </a:t>
+            </a:r>
+            <a:r>
+              <a:rPr lang="ru-RU" dirty="0" smtClean="0"/>
+              <a:t>зависимости</a:t>
+            </a:r>
+            <a:endParaRPr lang="en-US" dirty="0"/>
           </a:p>
           <a:p>
             <a:endParaRPr lang="bg-BG" dirty="0"/>
@@ -17412,9 +17474,10 @@
           <a:lstStyle/>
           <a:p>
             <a:r>
-              <a:rPr lang="en-US" dirty="0"/>
-              <a:t>Cascade Delete</a:t>
-            </a:r>
+              <a:rPr lang="bg-BG" dirty="0" smtClean="0"/>
+              <a:t>Каскадно изтриване </a:t>
+            </a:r>
+            <a:endParaRPr lang="en-US" dirty="0"/>
           </a:p>
         </p:txBody>
       </p:sp>
@@ -17423,7 +17486,7 @@
           <p:cNvPr id="7" name="Slide Number">
             <a:extLst>
               <a:ext uri="{FF2B5EF4-FFF2-40B4-BE49-F238E27FC236}">
-                <a16:creationId xmlns:a16="http://schemas.microsoft.com/office/drawing/2014/main" xmlns="" id="{99DB0AC1-6C98-4A02-9B4F-3957D46660F2}"/>
+                <a16:creationId xmlns="" xmlns:a16="http://schemas.microsoft.com/office/drawing/2014/main" id="{99DB0AC1-6C98-4A02-9B4F-3957D46660F2}"/>
               </a:ext>
             </a:extLst>
           </p:cNvPr>
@@ -17463,7 +17526,7 @@
     </p:spTree>
     <p:extLst>
       <p:ext uri="{BB962C8B-B14F-4D97-AF65-F5344CB8AC3E}">
-        <p14:creationId xmlns:p14="http://schemas.microsoft.com/office/powerpoint/2010/main" xmlns="" val="2894805469"/>
+        <p14:creationId xmlns="" xmlns:p14="http://schemas.microsoft.com/office/powerpoint/2010/main" val="2894805469"/>
       </p:ext>
     </p:extLst>
   </p:cSld>
@@ -17471,7 +17534,7 @@
     <a:masterClrMapping/>
   </p:clrMapOvr>
   <mc:AlternateContent xmlns:mc="http://schemas.openxmlformats.org/markup-compatibility/2006">
-    <mc:Choice xmlns:p14="http://schemas.microsoft.com/office/powerpoint/2010/main" xmlns="" Requires="p14">
+    <mc:Choice xmlns="" xmlns:p14="http://schemas.microsoft.com/office/powerpoint/2010/main" Requires="p14">
       <p:transition spd="slow" p14:dur="2000" advClick="0" advTm="5000"/>
     </mc:Choice>
     <mc:Fallback>
@@ -17770,509 +17833,6 @@
       </p:grpSpPr>
       <p:sp>
         <p:nvSpPr>
-          <p:cNvPr id="5" name="Text Placeholder 4"/>
-          <p:cNvSpPr>
-            <a:spLocks noGrp="1"/>
-          </p:cNvSpPr>
-          <p:nvPr>
-            <p:ph type="body" sz="quarter" idx="10"/>
-          </p:nvPr>
-        </p:nvSpPr>
-        <p:spPr/>
-        <p:txBody>
-          <a:bodyPr/>
-          <a:lstStyle/>
-          <a:p>
-            <a:pPr>
-              <a:lnSpc>
-                <a:spcPct val="100000"/>
-              </a:lnSpc>
-            </a:pPr>
-            <a:r>
-              <a:rPr lang="en-US" dirty="0"/>
-              <a:t>Use </a:t>
-            </a:r>
-            <a:r>
-              <a:rPr lang="en-US" b="1" dirty="0">
-                <a:solidFill>
-                  <a:schemeClr val="bg1"/>
-                </a:solidFill>
-              </a:rPr>
-              <a:t>Cascade</a:t>
-            </a:r>
-            <a:r>
-              <a:rPr lang="en-US" dirty="0">
-                <a:solidFill>
-                  <a:schemeClr val="tx2">
-                    <a:lumMod val="75000"/>
-                  </a:schemeClr>
-                </a:solidFill>
-              </a:rPr>
-              <a:t> </a:t>
-            </a:r>
-            <a:r>
-              <a:rPr lang="en-US" b="1" dirty="0">
-                <a:solidFill>
-                  <a:schemeClr val="bg1"/>
-                </a:solidFill>
-              </a:rPr>
-              <a:t>Update</a:t>
-            </a:r>
-            <a:r>
-              <a:rPr lang="en-US" dirty="0">
-                <a:solidFill>
-                  <a:schemeClr val="tx2">
-                    <a:lumMod val="75000"/>
-                  </a:schemeClr>
-                </a:solidFill>
-              </a:rPr>
-              <a:t> </a:t>
-            </a:r>
-            <a:r>
-              <a:rPr lang="en-US" dirty="0"/>
-              <a:t>when:</a:t>
-            </a:r>
-          </a:p>
-          <a:p>
-            <a:pPr lvl="1">
-              <a:lnSpc>
-                <a:spcPct val="100000"/>
-              </a:lnSpc>
-            </a:pPr>
-            <a:r>
-              <a:rPr lang="en-US" dirty="0"/>
-              <a:t>The primary key is not identity (not auto-increment) and therefore it </a:t>
-            </a:r>
-            <a:r>
-              <a:rPr lang="en-US" b="1" dirty="0">
-                <a:solidFill>
-                  <a:schemeClr val="bg1"/>
-                </a:solidFill>
-              </a:rPr>
-              <a:t>can</a:t>
-            </a:r>
-            <a:r>
-              <a:rPr lang="en-US" dirty="0"/>
-              <a:t> be changed</a:t>
-            </a:r>
-          </a:p>
-          <a:p>
-            <a:pPr lvl="1">
-              <a:lnSpc>
-                <a:spcPct val="100000"/>
-              </a:lnSpc>
-            </a:pPr>
-            <a:r>
-              <a:rPr lang="en-US" dirty="0"/>
-              <a:t>Best used with unique constraint</a:t>
-            </a:r>
-          </a:p>
-          <a:p>
-            <a:pPr>
-              <a:lnSpc>
-                <a:spcPct val="100000"/>
-              </a:lnSpc>
-            </a:pPr>
-            <a:r>
-              <a:rPr lang="en-US" dirty="0"/>
-              <a:t>Do </a:t>
-            </a:r>
-            <a:r>
-              <a:rPr lang="en-US" b="1" dirty="0">
-                <a:solidFill>
-                  <a:schemeClr val="bg1"/>
-                </a:solidFill>
-              </a:rPr>
-              <a:t>not</a:t>
-            </a:r>
-            <a:r>
-              <a:rPr lang="en-US" dirty="0"/>
-              <a:t> use </a:t>
-            </a:r>
-            <a:r>
-              <a:rPr lang="en-US" b="1" dirty="0">
-                <a:solidFill>
-                  <a:schemeClr val="bg1"/>
-                </a:solidFill>
-              </a:rPr>
-              <a:t>Cascade Update </a:t>
-            </a:r>
-            <a:r>
-              <a:rPr lang="en-US" dirty="0"/>
-              <a:t>when:</a:t>
-            </a:r>
-          </a:p>
-          <a:p>
-            <a:pPr lvl="1">
-              <a:lnSpc>
-                <a:spcPct val="100000"/>
-              </a:lnSpc>
-            </a:pPr>
-            <a:r>
-              <a:rPr lang="en-US" dirty="0"/>
-              <a:t>The primary is identity (auto-increment)</a:t>
-            </a:r>
-          </a:p>
-          <a:p>
-            <a:pPr>
-              <a:lnSpc>
-                <a:spcPct val="100000"/>
-              </a:lnSpc>
-            </a:pPr>
-            <a:r>
-              <a:rPr lang="en-US" dirty="0"/>
-              <a:t>Cascading can be avoided using </a:t>
-            </a:r>
-            <a:r>
-              <a:rPr lang="en-US" b="1" dirty="0">
-                <a:solidFill>
-                  <a:schemeClr val="bg1"/>
-                </a:solidFill>
-              </a:rPr>
-              <a:t>triggers</a:t>
-            </a:r>
-            <a:r>
-              <a:rPr lang="en-US" dirty="0"/>
-              <a:t> or </a:t>
-            </a:r>
-            <a:r>
-              <a:rPr lang="en-US" b="1" dirty="0">
-                <a:solidFill>
-                  <a:schemeClr val="bg1"/>
-                </a:solidFill>
-              </a:rPr>
-              <a:t>procedures</a:t>
-            </a:r>
-            <a:r>
-              <a:rPr lang="en-US" dirty="0"/>
-              <a:t>.</a:t>
-            </a:r>
-          </a:p>
-          <a:p>
-            <a:pPr lvl="1">
-              <a:lnSpc>
-                <a:spcPct val="100000"/>
-              </a:lnSpc>
-            </a:pPr>
-            <a:endParaRPr lang="en-US" dirty="0"/>
-          </a:p>
-          <a:p>
-            <a:endParaRPr lang="bg-BG" dirty="0"/>
-          </a:p>
-        </p:txBody>
-      </p:sp>
-      <p:sp>
-        <p:nvSpPr>
-          <p:cNvPr id="4" name="Title 3"/>
-          <p:cNvSpPr>
-            <a:spLocks noGrp="1"/>
-          </p:cNvSpPr>
-          <p:nvPr>
-            <p:ph type="title"/>
-          </p:nvPr>
-        </p:nvSpPr>
-        <p:spPr/>
-        <p:txBody>
-          <a:bodyPr/>
-          <a:lstStyle/>
-          <a:p>
-            <a:r>
-              <a:rPr lang="en-US" dirty="0"/>
-              <a:t>Cascade Update</a:t>
-            </a:r>
-          </a:p>
-        </p:txBody>
-      </p:sp>
-      <p:sp>
-        <p:nvSpPr>
-          <p:cNvPr id="7" name="Slide Number">
-            <a:extLst>
-              <a:ext uri="{FF2B5EF4-FFF2-40B4-BE49-F238E27FC236}">
-                <a16:creationId xmlns:a16="http://schemas.microsoft.com/office/drawing/2014/main" xmlns="" id="{859131C5-00D1-4FB3-95AA-7614C6DCBCBA}"/>
-              </a:ext>
-            </a:extLst>
-          </p:cNvPr>
-          <p:cNvSpPr>
-            <a:spLocks noGrp="1"/>
-          </p:cNvSpPr>
-          <p:nvPr>
-            <p:ph type="sldNum" sz="quarter" idx="5"/>
-          </p:nvPr>
-        </p:nvSpPr>
-        <p:spPr>
-          <a:xfrm>
-            <a:off x="11753030" y="6507000"/>
-            <a:ext cx="367414" cy="297000"/>
-          </a:xfrm>
-          <a:prstGeom prst="rect">
-            <a:avLst/>
-          </a:prstGeom>
-        </p:spPr>
-        <p:txBody>
-          <a:bodyPr vert="horz" lIns="91440" tIns="45720" rIns="91440" bIns="45720" rtlCol="0" anchor="b"/>
-          <a:lstStyle>
-            <a:lvl1pPr algn="r">
-              <a:defRPr sz="1000"/>
-            </a:lvl1pPr>
-          </a:lstStyle>
-          <a:p>
-            <a:fld id="{2BF067CD-8E6B-4360-9AA8-C5DF2A48A6D1}" type="slidenum">
-              <a:rPr lang="en-US" noProof="0" smtClean="0"/>
-              <a:pPr/>
-              <a:t>15</a:t>
-            </a:fld>
-            <a:endParaRPr lang="en-US" noProof="0" dirty="0"/>
-          </a:p>
-        </p:txBody>
-      </p:sp>
-    </p:spTree>
-    <p:extLst>
-      <p:ext uri="{BB962C8B-B14F-4D97-AF65-F5344CB8AC3E}">
-        <p14:creationId xmlns:p14="http://schemas.microsoft.com/office/powerpoint/2010/main" xmlns="" val="3811782029"/>
-      </p:ext>
-    </p:extLst>
-  </p:cSld>
-  <p:clrMapOvr>
-    <a:masterClrMapping/>
-  </p:clrMapOvr>
-  <mc:AlternateContent xmlns:mc="http://schemas.openxmlformats.org/markup-compatibility/2006">
-    <mc:Choice xmlns:p14="http://schemas.microsoft.com/office/powerpoint/2010/main" xmlns="" Requires="p14">
-      <p:transition spd="slow" p14:dur="2000" advClick="0" advTm="5000"/>
-    </mc:Choice>
-    <mc:Fallback>
-      <p:transition spd="slow" advClick="0" advTm="5000"/>
-    </mc:Fallback>
-  </mc:AlternateContent>
-  <p:timing>
-    <p:tnLst>
-      <p:par>
-        <p:cTn id="1" dur="indefinite" restart="never" nodeType="tmRoot">
-          <p:childTnLst>
-            <p:seq concurrent="1" nextAc="seek">
-              <p:cTn id="2" dur="indefinite" nodeType="mainSeq">
-                <p:childTnLst>
-                  <p:par>
-                    <p:cTn id="3" fill="hold">
-                      <p:stCondLst>
-                        <p:cond delay="indefinite"/>
-                      </p:stCondLst>
-                      <p:childTnLst>
-                        <p:par>
-                          <p:cTn id="4" fill="hold">
-                            <p:stCondLst>
-                              <p:cond delay="0"/>
-                            </p:stCondLst>
-                            <p:childTnLst>
-                              <p:par>
-                                <p:cTn id="5" presetID="1" presetClass="entr" presetSubtype="0" fill="hold" nodeType="clickEffect">
-                                  <p:stCondLst>
-                                    <p:cond delay="0"/>
-                                  </p:stCondLst>
-                                  <p:childTnLst>
-                                    <p:set>
-                                      <p:cBhvr>
-                                        <p:cTn id="6" dur="1" fill="hold">
-                                          <p:stCondLst>
-                                            <p:cond delay="0"/>
-                                          </p:stCondLst>
-                                        </p:cTn>
-                                        <p:tgtEl>
-                                          <p:spTgt spid="5">
-                                            <p:txEl>
-                                              <p:pRg st="2" end="2"/>
-                                            </p:txEl>
-                                          </p:spTgt>
-                                        </p:tgtEl>
-                                        <p:attrNameLst>
-                                          <p:attrName>style.visibility</p:attrName>
-                                        </p:attrNameLst>
-                                      </p:cBhvr>
-                                      <p:to>
-                                        <p:strVal val="visible"/>
-                                      </p:to>
-                                    </p:set>
-                                  </p:childTnLst>
-                                </p:cTn>
-                              </p:par>
-                            </p:childTnLst>
-                          </p:cTn>
-                        </p:par>
-                      </p:childTnLst>
-                    </p:cTn>
-                  </p:par>
-                  <p:par>
-                    <p:cTn id="7" fill="hold">
-                      <p:stCondLst>
-                        <p:cond delay="indefinite"/>
-                      </p:stCondLst>
-                      <p:childTnLst>
-                        <p:par>
-                          <p:cTn id="8" fill="hold">
-                            <p:stCondLst>
-                              <p:cond delay="0"/>
-                            </p:stCondLst>
-                            <p:childTnLst>
-                              <p:par>
-                                <p:cTn id="9" presetID="1" presetClass="entr" presetSubtype="0" fill="hold" nodeType="clickEffect">
-                                  <p:stCondLst>
-                                    <p:cond delay="0"/>
-                                  </p:stCondLst>
-                                  <p:childTnLst>
-                                    <p:set>
-                                      <p:cBhvr>
-                                        <p:cTn id="10" dur="1" fill="hold">
-                                          <p:stCondLst>
-                                            <p:cond delay="0"/>
-                                          </p:stCondLst>
-                                        </p:cTn>
-                                        <p:tgtEl>
-                                          <p:spTgt spid="5">
-                                            <p:txEl>
-                                              <p:pRg st="3" end="3"/>
-                                            </p:txEl>
-                                          </p:spTgt>
-                                        </p:tgtEl>
-                                        <p:attrNameLst>
-                                          <p:attrName>style.visibility</p:attrName>
-                                        </p:attrNameLst>
-                                      </p:cBhvr>
-                                      <p:to>
-                                        <p:strVal val="visible"/>
-                                      </p:to>
-                                    </p:set>
-                                  </p:childTnLst>
-                                </p:cTn>
-                              </p:par>
-                              <p:par>
-                                <p:cTn id="11" presetID="1" presetClass="entr" presetSubtype="0" fill="hold" nodeType="withEffect">
-                                  <p:stCondLst>
-                                    <p:cond delay="0"/>
-                                  </p:stCondLst>
-                                  <p:childTnLst>
-                                    <p:set>
-                                      <p:cBhvr>
-                                        <p:cTn id="12" dur="1" fill="hold">
-                                          <p:stCondLst>
-                                            <p:cond delay="0"/>
-                                          </p:stCondLst>
-                                        </p:cTn>
-                                        <p:tgtEl>
-                                          <p:spTgt spid="5">
-                                            <p:txEl>
-                                              <p:pRg st="4" end="4"/>
-                                            </p:txEl>
-                                          </p:spTgt>
-                                        </p:tgtEl>
-                                        <p:attrNameLst>
-                                          <p:attrName>style.visibility</p:attrName>
-                                        </p:attrNameLst>
-                                      </p:cBhvr>
-                                      <p:to>
-                                        <p:strVal val="visible"/>
-                                      </p:to>
-                                    </p:set>
-                                  </p:childTnLst>
-                                </p:cTn>
-                              </p:par>
-                            </p:childTnLst>
-                          </p:cTn>
-                        </p:par>
-                      </p:childTnLst>
-                    </p:cTn>
-                  </p:par>
-                  <p:par>
-                    <p:cTn id="13" fill="hold">
-                      <p:stCondLst>
-                        <p:cond delay="indefinite"/>
-                      </p:stCondLst>
-                      <p:childTnLst>
-                        <p:par>
-                          <p:cTn id="14" fill="hold">
-                            <p:stCondLst>
-                              <p:cond delay="0"/>
-                            </p:stCondLst>
-                            <p:childTnLst>
-                              <p:par>
-                                <p:cTn id="15" presetID="1" presetClass="entr" presetSubtype="0" fill="hold" nodeType="clickEffect">
-                                  <p:stCondLst>
-                                    <p:cond delay="0"/>
-                                  </p:stCondLst>
-                                  <p:childTnLst>
-                                    <p:set>
-                                      <p:cBhvr>
-                                        <p:cTn id="16" dur="1" fill="hold">
-                                          <p:stCondLst>
-                                            <p:cond delay="0"/>
-                                          </p:stCondLst>
-                                        </p:cTn>
-                                        <p:tgtEl>
-                                          <p:spTgt spid="5">
-                                            <p:txEl>
-                                              <p:pRg st="5" end="5"/>
-                                            </p:txEl>
-                                          </p:spTgt>
-                                        </p:tgtEl>
-                                        <p:attrNameLst>
-                                          <p:attrName>style.visibility</p:attrName>
-                                        </p:attrNameLst>
-                                      </p:cBhvr>
-                                      <p:to>
-                                        <p:strVal val="visible"/>
-                                      </p:to>
-                                    </p:set>
-                                  </p:childTnLst>
-                                </p:cTn>
-                              </p:par>
-                            </p:childTnLst>
-                          </p:cTn>
-                        </p:par>
-                      </p:childTnLst>
-                    </p:cTn>
-                  </p:par>
-                </p:childTnLst>
-              </p:cTn>
-              <p:prevCondLst>
-                <p:cond evt="onPrev" delay="0">
-                  <p:tgtEl>
-                    <p:sldTgt/>
-                  </p:tgtEl>
-                </p:cond>
-              </p:prevCondLst>
-              <p:nextCondLst>
-                <p:cond evt="onNext" delay="0">
-                  <p:tgtEl>
-                    <p:sldTgt/>
-                  </p:tgtEl>
-                </p:cond>
-              </p:nextCondLst>
-            </p:seq>
-          </p:childTnLst>
-        </p:cTn>
-      </p:par>
-    </p:tnLst>
-  </p:timing>
-</p:sld>
-</file>
-
-<file path=ppt/slides/slide16.xml><?xml version="1.0" encoding="utf-8"?>
-<p:sld xmlns:a="http://schemas.openxmlformats.org/drawingml/2006/main" xmlns:r="http://schemas.openxmlformats.org/officeDocument/2006/relationships" xmlns:p="http://schemas.openxmlformats.org/presentationml/2006/main">
-  <p:cSld>
-    <p:spTree>
-      <p:nvGrpSpPr>
-        <p:cNvPr id="1" name=""/>
-        <p:cNvGrpSpPr/>
-        <p:nvPr/>
-      </p:nvGrpSpPr>
-      <p:grpSpPr>
-        <a:xfrm>
-          <a:off x="0" y="0"/>
-          <a:ext cx="0" cy="0"/>
-          <a:chOff x="0" y="0"/>
-          <a:chExt cx="0" cy="0"/>
-        </a:xfrm>
-      </p:grpSpPr>
-      <p:sp>
-        <p:nvSpPr>
           <p:cNvPr id="10" name="Rectangle 9"/>
           <p:cNvSpPr>
             <a:spLocks noChangeArrowheads="1"/>
@@ -18512,8 +18072,16 @@
           <a:lstStyle/>
           <a:p>
             <a:r>
-              <a:rPr lang="en-US" dirty="0"/>
-              <a:t>Cascade Delete: Example</a:t>
+              <a:rPr lang="bg-BG" dirty="0" smtClean="0"/>
+              <a:t>Каскадно изтриване</a:t>
+            </a:r>
+            <a:r>
+              <a:rPr lang="en-US" dirty="0" smtClean="0"/>
+              <a:t>: </a:t>
+            </a:r>
+            <a:r>
+              <a:rPr lang="bg-BG" dirty="0" smtClean="0"/>
+              <a:t>пример</a:t>
             </a:r>
             <a:endParaRPr lang="bg-BG" dirty="0"/>
           </a:p>
@@ -18580,7 +18148,7 @@
           <a:p>
             <a:pPr algn="ctr"/>
             <a:r>
-              <a:rPr lang="en-US" sz="2400" b="1" noProof="1">
+              <a:rPr lang="bg-BG" sz="2400" b="1" noProof="1" smtClean="0">
                 <a:solidFill>
                   <a:srgbClr val="FFFFFF"/>
                 </a:solidFill>
@@ -18592,8 +18160,20 @@
                   </a:outerShdw>
                 </a:effectLst>
               </a:rPr>
-              <a:t>Foreign Key</a:t>
-            </a:r>
+              <a:t>Външен ключ</a:t>
+            </a:r>
+            <a:endParaRPr lang="en-US" sz="2400" b="1" noProof="1">
+              <a:solidFill>
+                <a:srgbClr val="FFFFFF"/>
+              </a:solidFill>
+              <a:effectLst>
+                <a:outerShdw blurRad="38100" dist="38100" dir="2700000" algn="tl">
+                  <a:srgbClr val="000000">
+                    <a:alpha val="43137"/>
+                  </a:srgbClr>
+                </a:outerShdw>
+              </a:effectLst>
+            </a:endParaRPr>
           </a:p>
         </p:txBody>
       </p:sp>
@@ -18658,7 +18238,7 @@
           <a:p>
             <a:pPr algn="ctr"/>
             <a:r>
-              <a:rPr lang="en-US" sz="2400" b="1" noProof="1">
+              <a:rPr lang="bg-BG" sz="2400" b="1" noProof="1" smtClean="0">
                 <a:solidFill>
                   <a:srgbClr val="FFFFFF"/>
                 </a:solidFill>
@@ -18670,8 +18250,20 @@
                   </a:outerShdw>
                 </a:effectLst>
               </a:rPr>
-              <a:t>Cascade</a:t>
-            </a:r>
+              <a:t>Каскада</a:t>
+            </a:r>
+            <a:endParaRPr lang="en-US" sz="2400" b="1" noProof="1">
+              <a:solidFill>
+                <a:srgbClr val="FFFFFF"/>
+              </a:solidFill>
+              <a:effectLst>
+                <a:outerShdw blurRad="38100" dist="38100" dir="2700000" algn="tl">
+                  <a:srgbClr val="000000">
+                    <a:alpha val="43137"/>
+                  </a:srgbClr>
+                </a:outerShdw>
+              </a:effectLst>
+            </a:endParaRPr>
           </a:p>
         </p:txBody>
       </p:sp>
@@ -18680,7 +18272,7 @@
           <p:cNvPr id="8" name="Slide Number">
             <a:extLst>
               <a:ext uri="{FF2B5EF4-FFF2-40B4-BE49-F238E27FC236}">
-                <a16:creationId xmlns:a16="http://schemas.microsoft.com/office/drawing/2014/main" xmlns="" id="{0B8DB210-4898-4797-8B2A-15561707346A}"/>
+                <a16:creationId xmlns="" xmlns:a16="http://schemas.microsoft.com/office/drawing/2014/main" id="{0B8DB210-4898-4797-8B2A-15561707346A}"/>
               </a:ext>
             </a:extLst>
           </p:cNvPr>
@@ -18711,7 +18303,7 @@
             <a:fld id="{2BF067CD-8E6B-4360-9AA8-C5DF2A48A6D1}" type="slidenum">
               <a:rPr lang="en-US" noProof="0" smtClean="0"/>
               <a:pPr/>
-              <a:t>16</a:t>
+              <a:t>15</a:t>
             </a:fld>
             <a:endParaRPr lang="en-US" noProof="0" dirty="0"/>
           </a:p>
@@ -18720,7 +18312,7 @@
     </p:spTree>
     <p:extLst>
       <p:ext uri="{BB962C8B-B14F-4D97-AF65-F5344CB8AC3E}">
-        <p14:creationId xmlns:p14="http://schemas.microsoft.com/office/powerpoint/2010/main" xmlns="" val="3856663995"/>
+        <p14:creationId xmlns="" xmlns:p14="http://schemas.microsoft.com/office/powerpoint/2010/main" val="3856663995"/>
       </p:ext>
     </p:extLst>
   </p:cSld>
@@ -19028,6 +18620,457 @@
 </p:sld>
 </file>
 
+<file path=ppt/slides/slide16.xml><?xml version="1.0" encoding="utf-8"?>
+<p:sld xmlns:a="http://schemas.openxmlformats.org/drawingml/2006/main" xmlns:r="http://schemas.openxmlformats.org/officeDocument/2006/relationships" xmlns:p="http://schemas.openxmlformats.org/presentationml/2006/main">
+  <p:cSld>
+    <p:spTree>
+      <p:nvGrpSpPr>
+        <p:cNvPr id="1" name=""/>
+        <p:cNvGrpSpPr/>
+        <p:nvPr/>
+      </p:nvGrpSpPr>
+      <p:grpSpPr>
+        <a:xfrm>
+          <a:off x="0" y="0"/>
+          <a:ext cx="0" cy="0"/>
+          <a:chOff x="0" y="0"/>
+          <a:chExt cx="0" cy="0"/>
+        </a:xfrm>
+      </p:grpSpPr>
+      <p:sp>
+        <p:nvSpPr>
+          <p:cNvPr id="5" name="Text Placeholder 4"/>
+          <p:cNvSpPr>
+            <a:spLocks noGrp="1"/>
+          </p:cNvSpPr>
+          <p:nvPr>
+            <p:ph type="body" sz="quarter" idx="10"/>
+          </p:nvPr>
+        </p:nvSpPr>
+        <p:spPr/>
+        <p:txBody>
+          <a:bodyPr/>
+          <a:lstStyle/>
+          <a:p>
+            <a:pPr>
+              <a:lnSpc>
+                <a:spcPct val="100000"/>
+              </a:lnSpc>
+            </a:pPr>
+            <a:r>
+              <a:rPr lang="bg-BG" sz="3600" dirty="0" smtClean="0"/>
+              <a:t>Използвайте </a:t>
+            </a:r>
+            <a:r>
+              <a:rPr lang="bg-BG" sz="3600" b="1" dirty="0" smtClean="0">
+                <a:solidFill>
+                  <a:schemeClr val="bg1"/>
+                </a:solidFill>
+              </a:rPr>
+              <a:t>каскадно променяне </a:t>
+            </a:r>
+            <a:r>
+              <a:rPr lang="bg-BG" sz="3600" dirty="0" smtClean="0"/>
+              <a:t>когато</a:t>
+            </a:r>
+            <a:r>
+              <a:rPr lang="en-US" sz="3600" dirty="0" smtClean="0"/>
+              <a:t>:</a:t>
+            </a:r>
+            <a:endParaRPr lang="en-US" sz="3600" dirty="0"/>
+          </a:p>
+          <a:p>
+            <a:pPr lvl="1">
+              <a:lnSpc>
+                <a:spcPct val="100000"/>
+              </a:lnSpc>
+            </a:pPr>
+            <a:r>
+              <a:rPr lang="ru-RU" sz="3400" dirty="0" smtClean="0"/>
+              <a:t>Първичният ключ не е </a:t>
+            </a:r>
+            <a:r>
+              <a:rPr lang="ru-RU" sz="3400" dirty="0" smtClean="0"/>
+              <a:t>самонарастващ (</a:t>
+            </a:r>
+            <a:r>
+              <a:rPr lang="en-US" sz="3400" b="1" dirty="0" smtClean="0">
+                <a:solidFill>
+                  <a:schemeClr val="bg1"/>
+                </a:solidFill>
+              </a:rPr>
+              <a:t>Identity</a:t>
+            </a:r>
+            <a:r>
+              <a:rPr lang="en-US" sz="3400" dirty="0" smtClean="0"/>
+              <a:t>) </a:t>
+            </a:r>
+            <a:r>
+              <a:rPr lang="ru-RU" sz="3400" dirty="0" smtClean="0"/>
+              <a:t>и </a:t>
+            </a:r>
+            <a:r>
+              <a:rPr lang="ru-RU" sz="3400" dirty="0" smtClean="0"/>
+              <a:t>следователно </a:t>
+            </a:r>
+            <a:r>
+              <a:rPr lang="ru-RU" sz="3400" b="1" dirty="0" smtClean="0">
+                <a:solidFill>
+                  <a:schemeClr val="bg1"/>
+                </a:solidFill>
+              </a:rPr>
+              <a:t>може да бъде </a:t>
+            </a:r>
+            <a:r>
+              <a:rPr lang="ru-RU" sz="3400" dirty="0" smtClean="0"/>
+              <a:t>променен</a:t>
+            </a:r>
+            <a:endParaRPr lang="en-US" sz="3400" dirty="0"/>
+          </a:p>
+          <a:p>
+            <a:pPr lvl="1">
+              <a:lnSpc>
+                <a:spcPct val="100000"/>
+              </a:lnSpc>
+            </a:pPr>
+            <a:r>
+              <a:rPr lang="ru-RU" sz="3400" dirty="0" smtClean="0"/>
+              <a:t>Най-добре се използва с уникално </a:t>
+            </a:r>
+            <a:r>
+              <a:rPr lang="ru-RU" sz="3400" dirty="0" smtClean="0"/>
+              <a:t>ограничение</a:t>
+            </a:r>
+            <a:r>
+              <a:rPr lang="en-US" sz="3400" dirty="0" smtClean="0"/>
+              <a:t> (</a:t>
+            </a:r>
+            <a:r>
+              <a:rPr lang="en-US" sz="3400" b="1" dirty="0" smtClean="0">
+                <a:solidFill>
+                  <a:schemeClr val="bg1"/>
+                </a:solidFill>
+              </a:rPr>
+              <a:t>Unique</a:t>
+            </a:r>
+            <a:r>
+              <a:rPr lang="en-US" sz="3400" dirty="0" smtClean="0"/>
+              <a:t>)</a:t>
+            </a:r>
+            <a:endParaRPr lang="en-US" sz="3400" dirty="0" smtClean="0"/>
+          </a:p>
+          <a:p>
+            <a:pPr>
+              <a:lnSpc>
+                <a:spcPct val="100000"/>
+              </a:lnSpc>
+              <a:buClr>
+                <a:srgbClr val="224464"/>
+              </a:buClr>
+            </a:pPr>
+            <a:r>
+              <a:rPr lang="bg-BG" sz="3600" b="1" dirty="0" smtClean="0">
+                <a:solidFill>
+                  <a:schemeClr val="bg1"/>
+                </a:solidFill>
+              </a:rPr>
+              <a:t>Не </a:t>
+            </a:r>
+            <a:r>
+              <a:rPr lang="bg-BG" sz="3600" dirty="0" smtClean="0"/>
+              <a:t>използвайте </a:t>
+            </a:r>
+            <a:r>
+              <a:rPr lang="bg-BG" sz="3600" b="1" dirty="0" smtClean="0">
+                <a:solidFill>
+                  <a:schemeClr val="bg1"/>
+                </a:solidFill>
+              </a:rPr>
+              <a:t>каскадно променяне </a:t>
+            </a:r>
+            <a:r>
+              <a:rPr lang="bg-BG" sz="3600" dirty="0" smtClean="0"/>
+              <a:t>когато</a:t>
+            </a:r>
+            <a:r>
+              <a:rPr lang="en-US" sz="3600" dirty="0" smtClean="0"/>
+              <a:t>:</a:t>
+            </a:r>
+          </a:p>
+          <a:p>
+            <a:pPr lvl="1">
+              <a:lnSpc>
+                <a:spcPct val="100000"/>
+              </a:lnSpc>
+            </a:pPr>
+            <a:r>
+              <a:rPr lang="ru-RU" sz="3400" dirty="0" smtClean="0"/>
+              <a:t>Първичният </a:t>
+            </a:r>
+            <a:r>
+              <a:rPr lang="ru-RU" sz="3400" dirty="0" smtClean="0"/>
+              <a:t>ключ </a:t>
+            </a:r>
+            <a:r>
+              <a:rPr lang="ru-RU" sz="3400" dirty="0" smtClean="0"/>
+              <a:t>е </a:t>
+            </a:r>
+            <a:r>
+              <a:rPr lang="ru-RU" sz="3400" dirty="0" smtClean="0"/>
+              <a:t>самонарастващ</a:t>
+            </a:r>
+            <a:endParaRPr lang="en-US" sz="3400" dirty="0"/>
+          </a:p>
+          <a:p>
+            <a:endParaRPr lang="bg-BG" dirty="0"/>
+          </a:p>
+        </p:txBody>
+      </p:sp>
+      <p:sp>
+        <p:nvSpPr>
+          <p:cNvPr id="4" name="Title 3"/>
+          <p:cNvSpPr>
+            <a:spLocks noGrp="1"/>
+          </p:cNvSpPr>
+          <p:nvPr>
+            <p:ph type="title"/>
+          </p:nvPr>
+        </p:nvSpPr>
+        <p:spPr/>
+        <p:txBody>
+          <a:bodyPr/>
+          <a:lstStyle/>
+          <a:p>
+            <a:r>
+              <a:rPr lang="bg-BG" dirty="0" smtClean="0"/>
+              <a:t>Каскадно променяне</a:t>
+            </a:r>
+            <a:endParaRPr lang="en-US" dirty="0"/>
+          </a:p>
+        </p:txBody>
+      </p:sp>
+      <p:sp>
+        <p:nvSpPr>
+          <p:cNvPr id="7" name="Slide Number">
+            <a:extLst>
+              <a:ext uri="{FF2B5EF4-FFF2-40B4-BE49-F238E27FC236}">
+                <a16:creationId xmlns="" xmlns:a16="http://schemas.microsoft.com/office/drawing/2014/main" id="{859131C5-00D1-4FB3-95AA-7614C6DCBCBA}"/>
+              </a:ext>
+            </a:extLst>
+          </p:cNvPr>
+          <p:cNvSpPr>
+            <a:spLocks noGrp="1"/>
+          </p:cNvSpPr>
+          <p:nvPr>
+            <p:ph type="sldNum" sz="quarter" idx="5"/>
+          </p:nvPr>
+        </p:nvSpPr>
+        <p:spPr>
+          <a:xfrm>
+            <a:off x="11753030" y="6507000"/>
+            <a:ext cx="367414" cy="297000"/>
+          </a:xfrm>
+          <a:prstGeom prst="rect">
+            <a:avLst/>
+          </a:prstGeom>
+        </p:spPr>
+        <p:txBody>
+          <a:bodyPr vert="horz" lIns="91440" tIns="45720" rIns="91440" bIns="45720" rtlCol="0" anchor="b"/>
+          <a:lstStyle>
+            <a:lvl1pPr algn="r">
+              <a:defRPr sz="1000"/>
+            </a:lvl1pPr>
+          </a:lstStyle>
+          <a:p>
+            <a:fld id="{2BF067CD-8E6B-4360-9AA8-C5DF2A48A6D1}" type="slidenum">
+              <a:rPr lang="en-US" noProof="0" smtClean="0"/>
+              <a:pPr/>
+              <a:t>16</a:t>
+            </a:fld>
+            <a:endParaRPr lang="en-US" noProof="0" dirty="0"/>
+          </a:p>
+        </p:txBody>
+      </p:sp>
+    </p:spTree>
+    <p:extLst>
+      <p:ext uri="{BB962C8B-B14F-4D97-AF65-F5344CB8AC3E}">
+        <p14:creationId xmlns="" xmlns:p14="http://schemas.microsoft.com/office/powerpoint/2010/main" val="3811782029"/>
+      </p:ext>
+    </p:extLst>
+  </p:cSld>
+  <p:clrMapOvr>
+    <a:masterClrMapping/>
+  </p:clrMapOvr>
+  <mc:AlternateContent xmlns:mc="http://schemas.openxmlformats.org/markup-compatibility/2006">
+    <mc:Choice xmlns="" xmlns:p14="http://schemas.microsoft.com/office/powerpoint/2010/main" Requires="p14">
+      <p:transition spd="slow" p14:dur="2000" advClick="0" advTm="5000"/>
+    </mc:Choice>
+    <mc:Fallback>
+      <p:transition spd="slow" advClick="0" advTm="5000"/>
+    </mc:Fallback>
+  </mc:AlternateContent>
+  <p:timing>
+    <p:tnLst>
+      <p:par>
+        <p:cTn id="1" dur="indefinite" restart="never" nodeType="tmRoot">
+          <p:childTnLst>
+            <p:seq concurrent="1" nextAc="seek">
+              <p:cTn id="2" dur="indefinite" nodeType="mainSeq">
+                <p:childTnLst>
+                  <p:par>
+                    <p:cTn id="3" fill="hold">
+                      <p:stCondLst>
+                        <p:cond delay="indefinite"/>
+                      </p:stCondLst>
+                      <p:childTnLst>
+                        <p:par>
+                          <p:cTn id="4" fill="hold">
+                            <p:stCondLst>
+                              <p:cond delay="0"/>
+                            </p:stCondLst>
+                            <p:childTnLst>
+                              <p:par>
+                                <p:cTn id="5" presetID="1" presetClass="entr" presetSubtype="0" fill="hold" nodeType="clickEffect">
+                                  <p:stCondLst>
+                                    <p:cond delay="0"/>
+                                  </p:stCondLst>
+                                  <p:childTnLst>
+                                    <p:set>
+                                      <p:cBhvr>
+                                        <p:cTn id="6" dur="1" fill="hold">
+                                          <p:stCondLst>
+                                            <p:cond delay="0"/>
+                                          </p:stCondLst>
+                                        </p:cTn>
+                                        <p:tgtEl>
+                                          <p:spTgt spid="5">
+                                            <p:txEl>
+                                              <p:pRg st="2" end="2"/>
+                                            </p:txEl>
+                                          </p:spTgt>
+                                        </p:tgtEl>
+                                        <p:attrNameLst>
+                                          <p:attrName>style.visibility</p:attrName>
+                                        </p:attrNameLst>
+                                      </p:cBhvr>
+                                      <p:to>
+                                        <p:strVal val="visible"/>
+                                      </p:to>
+                                    </p:set>
+                                  </p:childTnLst>
+                                </p:cTn>
+                              </p:par>
+                            </p:childTnLst>
+                          </p:cTn>
+                        </p:par>
+                      </p:childTnLst>
+                    </p:cTn>
+                  </p:par>
+                  <p:par>
+                    <p:cTn id="7" fill="hold">
+                      <p:stCondLst>
+                        <p:cond delay="indefinite"/>
+                      </p:stCondLst>
+                      <p:childTnLst>
+                        <p:par>
+                          <p:cTn id="8" fill="hold">
+                            <p:stCondLst>
+                              <p:cond delay="0"/>
+                            </p:stCondLst>
+                            <p:childTnLst>
+                              <p:par>
+                                <p:cTn id="9" presetID="1" presetClass="entr" presetSubtype="0" fill="hold" nodeType="clickEffect">
+                                  <p:stCondLst>
+                                    <p:cond delay="0"/>
+                                  </p:stCondLst>
+                                  <p:childTnLst>
+                                    <p:set>
+                                      <p:cBhvr>
+                                        <p:cTn id="10" dur="1" fill="hold">
+                                          <p:stCondLst>
+                                            <p:cond delay="0"/>
+                                          </p:stCondLst>
+                                        </p:cTn>
+                                        <p:tgtEl>
+                                          <p:spTgt spid="5">
+                                            <p:txEl>
+                                              <p:pRg st="3" end="3"/>
+                                            </p:txEl>
+                                          </p:spTgt>
+                                        </p:tgtEl>
+                                        <p:attrNameLst>
+                                          <p:attrName>style.visibility</p:attrName>
+                                        </p:attrNameLst>
+                                      </p:cBhvr>
+                                      <p:to>
+                                        <p:strVal val="visible"/>
+                                      </p:to>
+                                    </p:set>
+                                  </p:childTnLst>
+                                </p:cTn>
+                              </p:par>
+                              <p:par>
+                                <p:cTn id="11" presetID="1" presetClass="entr" presetSubtype="0" fill="hold" nodeType="withEffect">
+                                  <p:stCondLst>
+                                    <p:cond delay="0"/>
+                                  </p:stCondLst>
+                                  <p:childTnLst>
+                                    <p:set>
+                                      <p:cBhvr>
+                                        <p:cTn id="12" dur="1" fill="hold">
+                                          <p:stCondLst>
+                                            <p:cond delay="0"/>
+                                          </p:stCondLst>
+                                        </p:cTn>
+                                        <p:tgtEl>
+                                          <p:spTgt spid="5">
+                                            <p:txEl>
+                                              <p:pRg st="4" end="4"/>
+                                            </p:txEl>
+                                          </p:spTgt>
+                                        </p:tgtEl>
+                                        <p:attrNameLst>
+                                          <p:attrName>style.visibility</p:attrName>
+                                        </p:attrNameLst>
+                                      </p:cBhvr>
+                                      <p:to>
+                                        <p:strVal val="visible"/>
+                                      </p:to>
+                                    </p:set>
+                                  </p:childTnLst>
+                                </p:cTn>
+                              </p:par>
+                            </p:childTnLst>
+                          </p:cTn>
+                        </p:par>
+                      </p:childTnLst>
+                    </p:cTn>
+                  </p:par>
+                </p:childTnLst>
+              </p:cTn>
+              <p:prevCondLst>
+                <p:cond evt="onPrev" delay="0">
+                  <p:tgtEl>
+                    <p:sldTgt/>
+                  </p:tgtEl>
+                </p:cond>
+              </p:prevCondLst>
+              <p:nextCondLst>
+                <p:cond evt="onNext" delay="0">
+                  <p:tgtEl>
+                    <p:sldTgt/>
+                  </p:tgtEl>
+                </p:cond>
+              </p:nextCondLst>
+            </p:seq>
+          </p:childTnLst>
+        </p:cTn>
+      </p:par>
+    </p:tnLst>
+  </p:timing>
+</p:sld>
+</file>
+
 <file path=ppt/slides/slide17.xml><?xml version="1.0" encoding="utf-8"?>
 <p:sld xmlns:a="http://schemas.openxmlformats.org/drawingml/2006/main" xmlns:r="http://schemas.openxmlformats.org/officeDocument/2006/relationships" xmlns:p="http://schemas.openxmlformats.org/presentationml/2006/main">
   <p:cSld>
@@ -19266,8 +19309,16 @@
           <a:lstStyle/>
           <a:p>
             <a:r>
-              <a:rPr lang="en-US" dirty="0"/>
-              <a:t>Cascade Update: Example</a:t>
+              <a:rPr lang="bg-BG" dirty="0" smtClean="0"/>
+              <a:t>Каскадно променяне</a:t>
+            </a:r>
+            <a:r>
+              <a:rPr lang="en-US" dirty="0" smtClean="0"/>
+              <a:t>: </a:t>
+            </a:r>
+            <a:r>
+              <a:rPr lang="bg-BG" dirty="0" smtClean="0"/>
+              <a:t>пример</a:t>
             </a:r>
             <a:endParaRPr lang="bg-BG" dirty="0"/>
           </a:p>
@@ -19283,7 +19334,7 @@
         </p:nvSpPr>
         <p:spPr bwMode="auto">
           <a:xfrm>
-            <a:off x="8458201" y="3962400"/>
+            <a:off x="8534400" y="4191000"/>
             <a:ext cx="2229557" cy="559968"/>
           </a:xfrm>
           <a:prstGeom prst="wedgeRoundRectCallout">
@@ -19334,7 +19385,7 @@
           <a:p>
             <a:pPr algn="ctr"/>
             <a:r>
-              <a:rPr lang="en-US" sz="2400" b="1" noProof="1">
+              <a:rPr lang="bg-BG" sz="2400" b="1" noProof="1" smtClean="0">
                 <a:solidFill>
                   <a:srgbClr val="FFFFFF"/>
                 </a:solidFill>
@@ -19346,8 +19397,20 @@
                   </a:outerShdw>
                 </a:effectLst>
               </a:rPr>
-              <a:t>Foreign Key</a:t>
-            </a:r>
+              <a:t>Външен ключ</a:t>
+            </a:r>
+            <a:endParaRPr lang="en-US" sz="2400" b="1" noProof="1">
+              <a:solidFill>
+                <a:srgbClr val="FFFFFF"/>
+              </a:solidFill>
+              <a:effectLst>
+                <a:outerShdw blurRad="38100" dist="38100" dir="2700000" algn="tl">
+                  <a:srgbClr val="000000">
+                    <a:alpha val="43137"/>
+                  </a:srgbClr>
+                </a:outerShdw>
+              </a:effectLst>
+            </a:endParaRPr>
           </a:p>
         </p:txBody>
       </p:sp>
@@ -19412,7 +19475,7 @@
           <a:p>
             <a:pPr algn="ctr"/>
             <a:r>
-              <a:rPr lang="en-US" sz="2400" b="1" noProof="1">
+              <a:rPr lang="bg-BG" sz="2400" b="1" noProof="1" smtClean="0">
                 <a:solidFill>
                   <a:srgbClr val="FFFFFF"/>
                 </a:solidFill>
@@ -19424,8 +19487,20 @@
                   </a:outerShdw>
                 </a:effectLst>
               </a:rPr>
-              <a:t>Cascade</a:t>
-            </a:r>
+              <a:t>Каскада</a:t>
+            </a:r>
+            <a:endParaRPr lang="en-US" sz="2400" b="1" noProof="1">
+              <a:solidFill>
+                <a:srgbClr val="FFFFFF"/>
+              </a:solidFill>
+              <a:effectLst>
+                <a:outerShdw blurRad="38100" dist="38100" dir="2700000" algn="tl">
+                  <a:srgbClr val="000000">
+                    <a:alpha val="43137"/>
+                  </a:srgbClr>
+                </a:outerShdw>
+              </a:effectLst>
+            </a:endParaRPr>
           </a:p>
         </p:txBody>
       </p:sp>
@@ -19434,7 +19509,7 @@
           <p:cNvPr id="8" name="Slide Number">
             <a:extLst>
               <a:ext uri="{FF2B5EF4-FFF2-40B4-BE49-F238E27FC236}">
-                <a16:creationId xmlns:a16="http://schemas.microsoft.com/office/drawing/2014/main" xmlns="" id="{2A3C680B-F8C7-4B51-848C-D9ED716A57E0}"/>
+                <a16:creationId xmlns="" xmlns:a16="http://schemas.microsoft.com/office/drawing/2014/main" id="{2A3C680B-F8C7-4B51-848C-D9ED716A57E0}"/>
               </a:ext>
             </a:extLst>
           </p:cNvPr>
@@ -19474,7 +19549,7 @@
     </p:spTree>
     <p:extLst>
       <p:ext uri="{BB962C8B-B14F-4D97-AF65-F5344CB8AC3E}">
-        <p14:creationId xmlns:p14="http://schemas.microsoft.com/office/powerpoint/2010/main" xmlns="" val="3836927599"/>
+        <p14:creationId xmlns="" xmlns:p14="http://schemas.microsoft.com/office/powerpoint/2010/main" val="3836927599"/>
       </p:ext>
     </p:extLst>
   </p:cSld>
@@ -19882,7 +19957,7 @@
     <a:masterClrMapping/>
   </p:clrMapOvr>
   <mc:AlternateContent xmlns:mc="http://schemas.openxmlformats.org/markup-compatibility/2006">
-    <mc:Choice xmlns:p14="http://schemas.microsoft.com/office/powerpoint/2010/main" xmlns="" Requires="p14">
+    <mc:Choice xmlns="" xmlns:p14="http://schemas.microsoft.com/office/powerpoint/2010/main" Requires="p14">
       <p:transition spd="slow" p14:dur="2000" advClick="0" advTm="5000"/>
     </mc:Choice>
     <mc:Fallback>
@@ -20048,7 +20123,7 @@
           <p:nvPr>
             <p:extLst>
               <p:ext uri="{D42A27DB-BD31-4B8C-83A1-F6EECF244321}">
-                <p14:modId xmlns:p14="http://schemas.microsoft.com/office/powerpoint/2010/main" xmlns="" val="1102571627"/>
+                <p14:modId xmlns="" xmlns:p14="http://schemas.microsoft.com/office/powerpoint/2010/main" val="1102571627"/>
               </p:ext>
             </p:extLst>
           </p:nvPr>
@@ -20067,14 +20142,14 @@
                 <a:gridCol w="2209799">
                   <a:extLst>
                     <a:ext uri="{9D8B030D-6E8A-4147-A177-3AD203B41FA5}">
-                      <a16:colId xmlns:a16="http://schemas.microsoft.com/office/drawing/2014/main" xmlns="" val="20000"/>
+                      <a16:colId xmlns="" xmlns:a16="http://schemas.microsoft.com/office/drawing/2014/main" val="20000"/>
                     </a:ext>
                   </a:extLst>
                 </a:gridCol>
                 <a:gridCol w="2057400">
                   <a:extLst>
                     <a:ext uri="{9D8B030D-6E8A-4147-A177-3AD203B41FA5}">
-                      <a16:colId xmlns:a16="http://schemas.microsoft.com/office/drawing/2014/main" xmlns="" val="20001"/>
+                      <a16:colId xmlns="" xmlns:a16="http://schemas.microsoft.com/office/drawing/2014/main" val="20001"/>
                     </a:ext>
                   </a:extLst>
                 </a:gridCol>
@@ -20428,7 +20503,7 @@
                 </a:tc>
                 <a:extLst>
                   <a:ext uri="{0D108BD9-81ED-4DB2-BD59-A6C34878D82A}">
-                    <a16:rowId xmlns:a16="http://schemas.microsoft.com/office/drawing/2014/main" xmlns="" val="10000"/>
+                    <a16:rowId xmlns="" xmlns:a16="http://schemas.microsoft.com/office/drawing/2014/main" val="10000"/>
                   </a:ext>
                 </a:extLst>
               </a:tr>
@@ -20720,7 +20795,7 @@
                 </a:tc>
                 <a:extLst>
                   <a:ext uri="{0D108BD9-81ED-4DB2-BD59-A6C34878D82A}">
-                    <a16:rowId xmlns:a16="http://schemas.microsoft.com/office/drawing/2014/main" xmlns="" val="10001"/>
+                    <a16:rowId xmlns="" xmlns:a16="http://schemas.microsoft.com/office/drawing/2014/main" val="10001"/>
                   </a:ext>
                 </a:extLst>
               </a:tr>
@@ -21012,7 +21087,7 @@
                 </a:tc>
                 <a:extLst>
                   <a:ext uri="{0D108BD9-81ED-4DB2-BD59-A6C34878D82A}">
-                    <a16:rowId xmlns:a16="http://schemas.microsoft.com/office/drawing/2014/main" xmlns="" val="10002"/>
+                    <a16:rowId xmlns="" xmlns:a16="http://schemas.microsoft.com/office/drawing/2014/main" val="10002"/>
                   </a:ext>
                 </a:extLst>
               </a:tr>
@@ -21637,7 +21712,7 @@
     </p:spTree>
     <p:extLst>
       <p:ext uri="{BB962C8B-B14F-4D97-AF65-F5344CB8AC3E}">
-        <p14:creationId xmlns="" xmlns:p14="http://schemas.microsoft.com/office/powerpoint/2010/main" val="1770196179"/>
+        <p14:creationId xmlns:p14="http://schemas.microsoft.com/office/powerpoint/2010/main" xmlns="" val="1770196179"/>
       </p:ext>
     </p:extLst>
   </p:cSld>
@@ -21645,7 +21720,7 @@
     <a:masterClrMapping/>
   </p:clrMapOvr>
   <mc:AlternateContent xmlns:mc="http://schemas.openxmlformats.org/markup-compatibility/2006">
-    <mc:Choice xmlns="" xmlns:p14="http://schemas.microsoft.com/office/powerpoint/2010/main" Requires="p14">
+    <mc:Choice xmlns:p14="http://schemas.microsoft.com/office/powerpoint/2010/main" xmlns="" Requires="p14">
       <p:transition p14:dur="0"/>
     </mc:Choice>
     <mc:Fallback>
@@ -21783,7 +21858,7 @@
           <p:cNvPr id="5" name="Slide Number">
             <a:extLst>
               <a:ext uri="{FF2B5EF4-FFF2-40B4-BE49-F238E27FC236}">
-                <a16:creationId xmlns:a16="http://schemas.microsoft.com/office/drawing/2014/main" xmlns="" id="{6A760D59-0056-4F39-B077-DBDBE3D2927E}"/>
+                <a16:creationId xmlns="" xmlns:a16="http://schemas.microsoft.com/office/drawing/2014/main" id="{6A760D59-0056-4F39-B077-DBDBE3D2927E}"/>
               </a:ext>
             </a:extLst>
           </p:cNvPr>
@@ -22065,7 +22140,7 @@
     </p:spTree>
     <p:extLst>
       <p:ext uri="{BB962C8B-B14F-4D97-AF65-F5344CB8AC3E}">
-        <p14:creationId xmlns:p14="http://schemas.microsoft.com/office/powerpoint/2010/main" xmlns="" val="1646986932"/>
+        <p14:creationId xmlns="" xmlns:p14="http://schemas.microsoft.com/office/powerpoint/2010/main" val="1646986932"/>
       </p:ext>
     </p:extLst>
   </p:cSld>
@@ -22073,7 +22148,7 @@
     <a:masterClrMapping/>
   </p:clrMapOvr>
   <mc:AlternateContent xmlns:mc="http://schemas.openxmlformats.org/markup-compatibility/2006">
-    <mc:Choice xmlns:p14="http://schemas.microsoft.com/office/powerpoint/2010/main" xmlns="" Requires="p14">
+    <mc:Choice xmlns="" xmlns:p14="http://schemas.microsoft.com/office/powerpoint/2010/main" Requires="p14">
       <p:transition spd="slow" p14:dur="2000" advClick="0" advTm="5000"/>
     </mc:Choice>
     <mc:Fallback>
@@ -22645,7 +22720,7 @@
           <p:nvPr>
             <p:extLst>
               <p:ext uri="{D42A27DB-BD31-4B8C-83A1-F6EECF244321}">
-                <p14:modId xmlns:p14="http://schemas.microsoft.com/office/powerpoint/2010/main" xmlns="" val="1102571627"/>
+                <p14:modId xmlns="" xmlns:p14="http://schemas.microsoft.com/office/powerpoint/2010/main" val="1102571627"/>
               </p:ext>
             </p:extLst>
           </p:nvPr>
@@ -22664,14 +22739,14 @@
                 <a:gridCol w="2209799">
                   <a:extLst>
                     <a:ext uri="{9D8B030D-6E8A-4147-A177-3AD203B41FA5}">
-                      <a16:colId xmlns:a16="http://schemas.microsoft.com/office/drawing/2014/main" xmlns="" val="20000"/>
+                      <a16:colId xmlns="" xmlns:a16="http://schemas.microsoft.com/office/drawing/2014/main" val="20000"/>
                     </a:ext>
                   </a:extLst>
                 </a:gridCol>
                 <a:gridCol w="1828801">
                   <a:extLst>
                     <a:ext uri="{9D8B030D-6E8A-4147-A177-3AD203B41FA5}">
-                      <a16:colId xmlns:a16="http://schemas.microsoft.com/office/drawing/2014/main" xmlns="" val="20001"/>
+                      <a16:colId xmlns="" xmlns:a16="http://schemas.microsoft.com/office/drawing/2014/main" val="20001"/>
                     </a:ext>
                   </a:extLst>
                 </a:gridCol>
@@ -22898,7 +22973,7 @@
                 </a:tc>
                 <a:extLst>
                   <a:ext uri="{0D108BD9-81ED-4DB2-BD59-A6C34878D82A}">
-                    <a16:rowId xmlns:a16="http://schemas.microsoft.com/office/drawing/2014/main" xmlns="" val="10000"/>
+                    <a16:rowId xmlns="" xmlns:a16="http://schemas.microsoft.com/office/drawing/2014/main" val="10000"/>
                   </a:ext>
                 </a:extLst>
               </a:tr>
@@ -23089,7 +23164,7 @@
                 </a:tc>
                 <a:extLst>
                   <a:ext uri="{0D108BD9-81ED-4DB2-BD59-A6C34878D82A}">
-                    <a16:rowId xmlns:a16="http://schemas.microsoft.com/office/drawing/2014/main" xmlns="" val="10001"/>
+                    <a16:rowId xmlns="" xmlns:a16="http://schemas.microsoft.com/office/drawing/2014/main" val="10001"/>
                   </a:ext>
                 </a:extLst>
               </a:tr>
@@ -23280,7 +23355,7 @@
                 </a:tc>
                 <a:extLst>
                   <a:ext uri="{0D108BD9-81ED-4DB2-BD59-A6C34878D82A}">
-                    <a16:rowId xmlns:a16="http://schemas.microsoft.com/office/drawing/2014/main" xmlns="" val="10002"/>
+                    <a16:rowId xmlns="" xmlns:a16="http://schemas.microsoft.com/office/drawing/2014/main" val="10002"/>
                   </a:ext>
                 </a:extLst>
               </a:tr>
@@ -23291,7 +23366,7 @@
     </p:spTree>
     <p:extLst>
       <p:ext uri="{BB962C8B-B14F-4D97-AF65-F5344CB8AC3E}">
-        <p14:creationId xmlns="" xmlns:p14="http://schemas.microsoft.com/office/powerpoint/2010/main" val="2792079449"/>
+        <p14:creationId xmlns:p14="http://schemas.microsoft.com/office/powerpoint/2010/main" xmlns="" val="2792079449"/>
       </p:ext>
     </p:extLst>
   </p:cSld>
@@ -23697,7 +23772,7 @@
           <p:nvPr>
             <p:extLst>
               <p:ext uri="{D42A27DB-BD31-4B8C-83A1-F6EECF244321}">
-                <p14:modId xmlns:p14="http://schemas.microsoft.com/office/powerpoint/2010/main" xmlns="" val="1102571627"/>
+                <p14:modId xmlns="" xmlns:p14="http://schemas.microsoft.com/office/powerpoint/2010/main" val="1102571627"/>
               </p:ext>
             </p:extLst>
           </p:nvPr>
@@ -23716,14 +23791,14 @@
                 <a:gridCol w="2209799">
                   <a:extLst>
                     <a:ext uri="{9D8B030D-6E8A-4147-A177-3AD203B41FA5}">
-                      <a16:colId xmlns:a16="http://schemas.microsoft.com/office/drawing/2014/main" xmlns="" val="20000"/>
+                      <a16:colId xmlns="" xmlns:a16="http://schemas.microsoft.com/office/drawing/2014/main" val="20000"/>
                     </a:ext>
                   </a:extLst>
                 </a:gridCol>
                 <a:gridCol w="1828801">
                   <a:extLst>
                     <a:ext uri="{9D8B030D-6E8A-4147-A177-3AD203B41FA5}">
-                      <a16:colId xmlns:a16="http://schemas.microsoft.com/office/drawing/2014/main" xmlns="" val="20001"/>
+                      <a16:colId xmlns="" xmlns:a16="http://schemas.microsoft.com/office/drawing/2014/main" val="20001"/>
                     </a:ext>
                   </a:extLst>
                 </a:gridCol>
@@ -23964,7 +24039,7 @@
                 </a:tc>
                 <a:extLst>
                   <a:ext uri="{0D108BD9-81ED-4DB2-BD59-A6C34878D82A}">
-                    <a16:rowId xmlns:a16="http://schemas.microsoft.com/office/drawing/2014/main" xmlns="" val="10000"/>
+                    <a16:rowId xmlns="" xmlns:a16="http://schemas.microsoft.com/office/drawing/2014/main" val="10000"/>
                   </a:ext>
                 </a:extLst>
               </a:tr>
@@ -24155,7 +24230,7 @@
                 </a:tc>
                 <a:extLst>
                   <a:ext uri="{0D108BD9-81ED-4DB2-BD59-A6C34878D82A}">
-                    <a16:rowId xmlns:a16="http://schemas.microsoft.com/office/drawing/2014/main" xmlns="" val="10001"/>
+                    <a16:rowId xmlns="" xmlns:a16="http://schemas.microsoft.com/office/drawing/2014/main" val="10001"/>
                   </a:ext>
                 </a:extLst>
               </a:tr>
@@ -24346,7 +24421,7 @@
                 </a:tc>
                 <a:extLst>
                   <a:ext uri="{0D108BD9-81ED-4DB2-BD59-A6C34878D82A}">
-                    <a16:rowId xmlns:a16="http://schemas.microsoft.com/office/drawing/2014/main" xmlns="" val="10002"/>
+                    <a16:rowId xmlns="" xmlns:a16="http://schemas.microsoft.com/office/drawing/2014/main" val="10002"/>
                   </a:ext>
                 </a:extLst>
               </a:tr>
@@ -24561,7 +24636,7 @@
     </p:spTree>
     <p:extLst>
       <p:ext uri="{BB962C8B-B14F-4D97-AF65-F5344CB8AC3E}">
-        <p14:creationId xmlns="" xmlns:p14="http://schemas.microsoft.com/office/powerpoint/2010/main" val="2811409073"/>
+        <p14:creationId xmlns:p14="http://schemas.microsoft.com/office/powerpoint/2010/main" xmlns="" val="2811409073"/>
       </p:ext>
     </p:extLst>
   </p:cSld>
@@ -24963,7 +25038,7 @@
           <p:nvPr>
             <p:extLst>
               <p:ext uri="{D42A27DB-BD31-4B8C-83A1-F6EECF244321}">
-                <p14:modId xmlns:p14="http://schemas.microsoft.com/office/powerpoint/2010/main" xmlns="" val="1102571627"/>
+                <p14:modId xmlns="" xmlns:p14="http://schemas.microsoft.com/office/powerpoint/2010/main" val="1102571627"/>
               </p:ext>
             </p:extLst>
           </p:nvPr>
@@ -24982,14 +25057,14 @@
                 <a:gridCol w="609600">
                   <a:extLst>
                     <a:ext uri="{9D8B030D-6E8A-4147-A177-3AD203B41FA5}">
-                      <a16:colId xmlns:a16="http://schemas.microsoft.com/office/drawing/2014/main" xmlns="" val="20000"/>
+                      <a16:colId xmlns="" xmlns:a16="http://schemas.microsoft.com/office/drawing/2014/main" val="20000"/>
                     </a:ext>
                   </a:extLst>
                 </a:gridCol>
                 <a:gridCol w="2743200">
                   <a:extLst>
                     <a:ext uri="{9D8B030D-6E8A-4147-A177-3AD203B41FA5}">
-                      <a16:colId xmlns:a16="http://schemas.microsoft.com/office/drawing/2014/main" xmlns="" val="20001"/>
+                      <a16:colId xmlns="" xmlns:a16="http://schemas.microsoft.com/office/drawing/2014/main" val="20001"/>
                     </a:ext>
                   </a:extLst>
                 </a:gridCol>
@@ -25381,7 +25456,7 @@
                 </a:tc>
                 <a:extLst>
                   <a:ext uri="{0D108BD9-81ED-4DB2-BD59-A6C34878D82A}">
-                    <a16:rowId xmlns:a16="http://schemas.microsoft.com/office/drawing/2014/main" xmlns="" val="10000"/>
+                    <a16:rowId xmlns="" xmlns:a16="http://schemas.microsoft.com/office/drawing/2014/main" val="10000"/>
                   </a:ext>
                 </a:extLst>
               </a:tr>
@@ -25719,7 +25794,7 @@
                 </a:tc>
                 <a:extLst>
                   <a:ext uri="{0D108BD9-81ED-4DB2-BD59-A6C34878D82A}">
-                    <a16:rowId xmlns:a16="http://schemas.microsoft.com/office/drawing/2014/main" xmlns="" val="10001"/>
+                    <a16:rowId xmlns="" xmlns:a16="http://schemas.microsoft.com/office/drawing/2014/main" val="10001"/>
                   </a:ext>
                 </a:extLst>
               </a:tr>
@@ -26057,7 +26132,7 @@
                 </a:tc>
                 <a:extLst>
                   <a:ext uri="{0D108BD9-81ED-4DB2-BD59-A6C34878D82A}">
-                    <a16:rowId xmlns:a16="http://schemas.microsoft.com/office/drawing/2014/main" xmlns="" val="10002"/>
+                    <a16:rowId xmlns="" xmlns:a16="http://schemas.microsoft.com/office/drawing/2014/main" val="10002"/>
                   </a:ext>
                 </a:extLst>
               </a:tr>
@@ -26776,7 +26851,7 @@
     </p:spTree>
     <p:extLst>
       <p:ext uri="{BB962C8B-B14F-4D97-AF65-F5344CB8AC3E}">
-        <p14:creationId xmlns="" xmlns:p14="http://schemas.microsoft.com/office/powerpoint/2010/main" val="3812561442"/>
+        <p14:creationId xmlns:p14="http://schemas.microsoft.com/office/powerpoint/2010/main" xmlns="" val="3812561442"/>
       </p:ext>
     </p:extLst>
   </p:cSld>
@@ -27076,7 +27151,7 @@
           <p:nvPr>
             <p:extLst>
               <p:ext uri="{D42A27DB-BD31-4B8C-83A1-F6EECF244321}">
-                <p14:modId xmlns:p14="http://schemas.microsoft.com/office/powerpoint/2010/main" xmlns="" val="1102571627"/>
+                <p14:modId xmlns="" xmlns:p14="http://schemas.microsoft.com/office/powerpoint/2010/main" val="1102571627"/>
               </p:ext>
             </p:extLst>
           </p:nvPr>
@@ -27095,14 +27170,14 @@
                 <a:gridCol w="891654">
                   <a:extLst>
                     <a:ext uri="{9D8B030D-6E8A-4147-A177-3AD203B41FA5}">
-                      <a16:colId xmlns:a16="http://schemas.microsoft.com/office/drawing/2014/main" xmlns="" val="20000"/>
+                      <a16:colId xmlns="" xmlns:a16="http://schemas.microsoft.com/office/drawing/2014/main" val="20000"/>
                     </a:ext>
                   </a:extLst>
                 </a:gridCol>
                 <a:gridCol w="2994546">
                   <a:extLst>
                     <a:ext uri="{9D8B030D-6E8A-4147-A177-3AD203B41FA5}">
-                      <a16:colId xmlns:a16="http://schemas.microsoft.com/office/drawing/2014/main" xmlns="" val="20001"/>
+                      <a16:colId xmlns="" xmlns:a16="http://schemas.microsoft.com/office/drawing/2014/main" val="20001"/>
                     </a:ext>
                   </a:extLst>
                 </a:gridCol>
@@ -27273,7 +27348,7 @@
                 </a:tc>
                 <a:extLst>
                   <a:ext uri="{0D108BD9-81ED-4DB2-BD59-A6C34878D82A}">
-                    <a16:rowId xmlns:a16="http://schemas.microsoft.com/office/drawing/2014/main" xmlns="" val="10000"/>
+                    <a16:rowId xmlns="" xmlns:a16="http://schemas.microsoft.com/office/drawing/2014/main" val="10000"/>
                   </a:ext>
                 </a:extLst>
               </a:tr>
@@ -27422,7 +27497,7 @@
                 </a:tc>
                 <a:extLst>
                   <a:ext uri="{0D108BD9-81ED-4DB2-BD59-A6C34878D82A}">
-                    <a16:rowId xmlns:a16="http://schemas.microsoft.com/office/drawing/2014/main" xmlns="" val="10001"/>
+                    <a16:rowId xmlns="" xmlns:a16="http://schemas.microsoft.com/office/drawing/2014/main" val="10001"/>
                   </a:ext>
                 </a:extLst>
               </a:tr>
@@ -27575,7 +27650,7 @@
                 </a:tc>
                 <a:extLst>
                   <a:ext uri="{0D108BD9-81ED-4DB2-BD59-A6C34878D82A}">
-                    <a16:rowId xmlns:a16="http://schemas.microsoft.com/office/drawing/2014/main" xmlns="" val="10002"/>
+                    <a16:rowId xmlns="" xmlns:a16="http://schemas.microsoft.com/office/drawing/2014/main" val="10002"/>
                   </a:ext>
                 </a:extLst>
               </a:tr>
@@ -27790,7 +27865,7 @@
     </p:spTree>
     <p:extLst>
       <p:ext uri="{BB962C8B-B14F-4D97-AF65-F5344CB8AC3E}">
-        <p14:creationId xmlns="" xmlns:p14="http://schemas.microsoft.com/office/powerpoint/2010/main" val="1192244738"/>
+        <p14:creationId xmlns:p14="http://schemas.microsoft.com/office/powerpoint/2010/main" xmlns="" val="1192244738"/>
       </p:ext>
     </p:extLst>
   </p:cSld>
@@ -28644,7 +28719,7 @@
           <p:nvPr>
             <p:extLst>
               <p:ext uri="{D42A27DB-BD31-4B8C-83A1-F6EECF244321}">
-                <p14:modId xmlns:p14="http://schemas.microsoft.com/office/powerpoint/2010/main" xmlns="" val="1102571627"/>
+                <p14:modId xmlns="" xmlns:p14="http://schemas.microsoft.com/office/powerpoint/2010/main" val="1102571627"/>
               </p:ext>
             </p:extLst>
           </p:nvPr>
@@ -28663,14 +28738,14 @@
                 <a:gridCol w="509551">
                   <a:extLst>
                     <a:ext uri="{9D8B030D-6E8A-4147-A177-3AD203B41FA5}">
-                      <a16:colId xmlns:a16="http://schemas.microsoft.com/office/drawing/2014/main" xmlns="" val="20000"/>
+                      <a16:colId xmlns="" xmlns:a16="http://schemas.microsoft.com/office/drawing/2014/main" val="20000"/>
                     </a:ext>
                   </a:extLst>
                 </a:gridCol>
                 <a:gridCol w="2137710">
                   <a:extLst>
                     <a:ext uri="{9D8B030D-6E8A-4147-A177-3AD203B41FA5}">
-                      <a16:colId xmlns:a16="http://schemas.microsoft.com/office/drawing/2014/main" xmlns="" val="20001"/>
+                      <a16:colId xmlns="" xmlns:a16="http://schemas.microsoft.com/office/drawing/2014/main" val="20001"/>
                     </a:ext>
                   </a:extLst>
                 </a:gridCol>
@@ -29062,7 +29137,7 @@
                 </a:tc>
                 <a:extLst>
                   <a:ext uri="{0D108BD9-81ED-4DB2-BD59-A6C34878D82A}">
-                    <a16:rowId xmlns:a16="http://schemas.microsoft.com/office/drawing/2014/main" xmlns="" val="10000"/>
+                    <a16:rowId xmlns="" xmlns:a16="http://schemas.microsoft.com/office/drawing/2014/main" val="10000"/>
                   </a:ext>
                 </a:extLst>
               </a:tr>
@@ -29394,7 +29469,7 @@
                 </a:tc>
                 <a:extLst>
                   <a:ext uri="{0D108BD9-81ED-4DB2-BD59-A6C34878D82A}">
-                    <a16:rowId xmlns:a16="http://schemas.microsoft.com/office/drawing/2014/main" xmlns="" val="10001"/>
+                    <a16:rowId xmlns="" xmlns:a16="http://schemas.microsoft.com/office/drawing/2014/main" val="10001"/>
                   </a:ext>
                 </a:extLst>
               </a:tr>
@@ -29726,7 +29801,7 @@
                 </a:tc>
                 <a:extLst>
                   <a:ext uri="{0D108BD9-81ED-4DB2-BD59-A6C34878D82A}">
-                    <a16:rowId xmlns:a16="http://schemas.microsoft.com/office/drawing/2014/main" xmlns="" val="10002"/>
+                    <a16:rowId xmlns="" xmlns:a16="http://schemas.microsoft.com/office/drawing/2014/main" val="10002"/>
                   </a:ext>
                 </a:extLst>
               </a:tr>
@@ -30439,7 +30514,7 @@
           <p:nvPr>
             <p:extLst>
               <p:ext uri="{D42A27DB-BD31-4B8C-83A1-F6EECF244321}">
-                <p14:modId xmlns:p14="http://schemas.microsoft.com/office/powerpoint/2010/main" xmlns="" val="1102571627"/>
+                <p14:modId xmlns="" xmlns:p14="http://schemas.microsoft.com/office/powerpoint/2010/main" val="1102571627"/>
               </p:ext>
             </p:extLst>
           </p:nvPr>
@@ -30458,14 +30533,14 @@
                 <a:gridCol w="462015">
                   <a:extLst>
                     <a:ext uri="{9D8B030D-6E8A-4147-A177-3AD203B41FA5}">
-                      <a16:colId xmlns:a16="http://schemas.microsoft.com/office/drawing/2014/main" xmlns="" val="20000"/>
+                      <a16:colId xmlns="" xmlns:a16="http://schemas.microsoft.com/office/drawing/2014/main" val="20000"/>
                     </a:ext>
                   </a:extLst>
                 </a:gridCol>
                 <a:gridCol w="1938284">
                   <a:extLst>
                     <a:ext uri="{9D8B030D-6E8A-4147-A177-3AD203B41FA5}">
-                      <a16:colId xmlns:a16="http://schemas.microsoft.com/office/drawing/2014/main" xmlns="" val="20001"/>
+                      <a16:colId xmlns="" xmlns:a16="http://schemas.microsoft.com/office/drawing/2014/main" val="20001"/>
                     </a:ext>
                   </a:extLst>
                 </a:gridCol>
@@ -30580,7 +30655,7 @@
                 </a:tc>
                 <a:extLst>
                   <a:ext uri="{0D108BD9-81ED-4DB2-BD59-A6C34878D82A}">
-                    <a16:rowId xmlns:a16="http://schemas.microsoft.com/office/drawing/2014/main" xmlns="" val="10000"/>
+                    <a16:rowId xmlns="" xmlns:a16="http://schemas.microsoft.com/office/drawing/2014/main" val="10000"/>
                   </a:ext>
                 </a:extLst>
               </a:tr>
@@ -30678,7 +30753,7 @@
                 </a:tc>
                 <a:extLst>
                   <a:ext uri="{0D108BD9-81ED-4DB2-BD59-A6C34878D82A}">
-                    <a16:rowId xmlns:a16="http://schemas.microsoft.com/office/drawing/2014/main" xmlns="" val="10001"/>
+                    <a16:rowId xmlns="" xmlns:a16="http://schemas.microsoft.com/office/drawing/2014/main" val="10001"/>
                   </a:ext>
                 </a:extLst>
               </a:tr>
@@ -30784,7 +30859,7 @@
                 </a:tc>
                 <a:extLst>
                   <a:ext uri="{0D108BD9-81ED-4DB2-BD59-A6C34878D82A}">
-                    <a16:rowId xmlns:a16="http://schemas.microsoft.com/office/drawing/2014/main" xmlns="" val="10002"/>
+                    <a16:rowId xmlns="" xmlns:a16="http://schemas.microsoft.com/office/drawing/2014/main" val="10002"/>
                   </a:ext>
                 </a:extLst>
               </a:tr>
@@ -30801,7 +30876,7 @@
           <p:nvPr>
             <p:extLst>
               <p:ext uri="{D42A27DB-BD31-4B8C-83A1-F6EECF244321}">
-                <p14:modId xmlns:p14="http://schemas.microsoft.com/office/powerpoint/2010/main" xmlns="" val="1102571627"/>
+                <p14:modId xmlns="" xmlns:p14="http://schemas.microsoft.com/office/powerpoint/2010/main" val="1102571627"/>
               </p:ext>
             </p:extLst>
           </p:nvPr>
@@ -30820,14 +30895,14 @@
                 <a:gridCol w="432681">
                   <a:extLst>
                     <a:ext uri="{9D8B030D-6E8A-4147-A177-3AD203B41FA5}">
-                      <a16:colId xmlns:a16="http://schemas.microsoft.com/office/drawing/2014/main" xmlns="" val="20000"/>
+                      <a16:colId xmlns="" xmlns:a16="http://schemas.microsoft.com/office/drawing/2014/main" val="20000"/>
                     </a:ext>
                   </a:extLst>
                 </a:gridCol>
                 <a:gridCol w="1815218">
                   <a:extLst>
                     <a:ext uri="{9D8B030D-6E8A-4147-A177-3AD203B41FA5}">
-                      <a16:colId xmlns:a16="http://schemas.microsoft.com/office/drawing/2014/main" xmlns="" val="20001"/>
+                      <a16:colId xmlns="" xmlns:a16="http://schemas.microsoft.com/office/drawing/2014/main" val="20001"/>
                     </a:ext>
                   </a:extLst>
                 </a:gridCol>
@@ -30942,7 +31017,7 @@
                 </a:tc>
                 <a:extLst>
                   <a:ext uri="{0D108BD9-81ED-4DB2-BD59-A6C34878D82A}">
-                    <a16:rowId xmlns:a16="http://schemas.microsoft.com/office/drawing/2014/main" xmlns="" val="10000"/>
+                    <a16:rowId xmlns="" xmlns:a16="http://schemas.microsoft.com/office/drawing/2014/main" val="10000"/>
                   </a:ext>
                 </a:extLst>
               </a:tr>
@@ -31040,7 +31115,7 @@
                 </a:tc>
                 <a:extLst>
                   <a:ext uri="{0D108BD9-81ED-4DB2-BD59-A6C34878D82A}">
-                    <a16:rowId xmlns:a16="http://schemas.microsoft.com/office/drawing/2014/main" xmlns="" val="10001"/>
+                    <a16:rowId xmlns="" xmlns:a16="http://schemas.microsoft.com/office/drawing/2014/main" val="10001"/>
                   </a:ext>
                 </a:extLst>
               </a:tr>
@@ -31138,7 +31213,7 @@
                 </a:tc>
                 <a:extLst>
                   <a:ext uri="{0D108BD9-81ED-4DB2-BD59-A6C34878D82A}">
-                    <a16:rowId xmlns:a16="http://schemas.microsoft.com/office/drawing/2014/main" xmlns="" val="10002"/>
+                    <a16:rowId xmlns="" xmlns:a16="http://schemas.microsoft.com/office/drawing/2014/main" val="10002"/>
                   </a:ext>
                 </a:extLst>
               </a:tr>
@@ -31155,7 +31230,7 @@
           <p:nvPr>
             <p:extLst>
               <p:ext uri="{D42A27DB-BD31-4B8C-83A1-F6EECF244321}">
-                <p14:modId xmlns:p14="http://schemas.microsoft.com/office/powerpoint/2010/main" xmlns="" val="1102571627"/>
+                <p14:modId xmlns="" xmlns:p14="http://schemas.microsoft.com/office/powerpoint/2010/main" val="1102571627"/>
               </p:ext>
             </p:extLst>
           </p:nvPr>
@@ -31174,14 +31249,14 @@
                 <a:gridCol w="454866">
                   <a:extLst>
                     <a:ext uri="{9D8B030D-6E8A-4147-A177-3AD203B41FA5}">
-                      <a16:colId xmlns:a16="http://schemas.microsoft.com/office/drawing/2014/main" xmlns="" val="20000"/>
+                      <a16:colId xmlns="" xmlns:a16="http://schemas.microsoft.com/office/drawing/2014/main" val="20000"/>
                     </a:ext>
                   </a:extLst>
                 </a:gridCol>
                 <a:gridCol w="1259633">
                   <a:extLst>
                     <a:ext uri="{9D8B030D-6E8A-4147-A177-3AD203B41FA5}">
-                      <a16:colId xmlns:a16="http://schemas.microsoft.com/office/drawing/2014/main" xmlns="" val="20001"/>
+                      <a16:colId xmlns="" xmlns:a16="http://schemas.microsoft.com/office/drawing/2014/main" val="20001"/>
                     </a:ext>
                   </a:extLst>
                 </a:gridCol>
@@ -31296,7 +31371,7 @@
                 </a:tc>
                 <a:extLst>
                   <a:ext uri="{0D108BD9-81ED-4DB2-BD59-A6C34878D82A}">
-                    <a16:rowId xmlns:a16="http://schemas.microsoft.com/office/drawing/2014/main" xmlns="" val="10000"/>
+                    <a16:rowId xmlns="" xmlns:a16="http://schemas.microsoft.com/office/drawing/2014/main" val="10000"/>
                   </a:ext>
                 </a:extLst>
               </a:tr>
@@ -31394,7 +31469,7 @@
                 </a:tc>
                 <a:extLst>
                   <a:ext uri="{0D108BD9-81ED-4DB2-BD59-A6C34878D82A}">
-                    <a16:rowId xmlns:a16="http://schemas.microsoft.com/office/drawing/2014/main" xmlns="" val="10001"/>
+                    <a16:rowId xmlns="" xmlns:a16="http://schemas.microsoft.com/office/drawing/2014/main" val="10001"/>
                   </a:ext>
                 </a:extLst>
               </a:tr>
@@ -31492,7 +31567,7 @@
                 </a:tc>
                 <a:extLst>
                   <a:ext uri="{0D108BD9-81ED-4DB2-BD59-A6C34878D82A}">
-                    <a16:rowId xmlns:a16="http://schemas.microsoft.com/office/drawing/2014/main" xmlns="" val="10002"/>
+                    <a16:rowId xmlns="" xmlns:a16="http://schemas.microsoft.com/office/drawing/2014/main" val="10002"/>
                   </a:ext>
                 </a:extLst>
               </a:tr>
@@ -31509,7 +31584,7 @@
           <p:nvPr>
             <p:extLst>
               <p:ext uri="{D42A27DB-BD31-4B8C-83A1-F6EECF244321}">
-                <p14:modId xmlns:p14="http://schemas.microsoft.com/office/powerpoint/2010/main" xmlns="" val="1102571627"/>
+                <p14:modId xmlns="" xmlns:p14="http://schemas.microsoft.com/office/powerpoint/2010/main" val="1102571627"/>
               </p:ext>
             </p:extLst>
           </p:nvPr>
@@ -31528,14 +31603,14 @@
                 <a:gridCol w="454866">
                   <a:extLst>
                     <a:ext uri="{9D8B030D-6E8A-4147-A177-3AD203B41FA5}">
-                      <a16:colId xmlns:a16="http://schemas.microsoft.com/office/drawing/2014/main" xmlns="" val="20000"/>
+                      <a16:colId xmlns="" xmlns:a16="http://schemas.microsoft.com/office/drawing/2014/main" val="20000"/>
                     </a:ext>
                   </a:extLst>
                 </a:gridCol>
                 <a:gridCol w="1259633">
                   <a:extLst>
                     <a:ext uri="{9D8B030D-6E8A-4147-A177-3AD203B41FA5}">
-                      <a16:colId xmlns:a16="http://schemas.microsoft.com/office/drawing/2014/main" xmlns="" val="20001"/>
+                      <a16:colId xmlns="" xmlns:a16="http://schemas.microsoft.com/office/drawing/2014/main" val="20001"/>
                     </a:ext>
                   </a:extLst>
                 </a:gridCol>
@@ -31650,7 +31725,7 @@
                 </a:tc>
                 <a:extLst>
                   <a:ext uri="{0D108BD9-81ED-4DB2-BD59-A6C34878D82A}">
-                    <a16:rowId xmlns:a16="http://schemas.microsoft.com/office/drawing/2014/main" xmlns="" val="10000"/>
+                    <a16:rowId xmlns="" xmlns:a16="http://schemas.microsoft.com/office/drawing/2014/main" val="10000"/>
                   </a:ext>
                 </a:extLst>
               </a:tr>
@@ -31748,7 +31823,7 @@
                 </a:tc>
                 <a:extLst>
                   <a:ext uri="{0D108BD9-81ED-4DB2-BD59-A6C34878D82A}">
-                    <a16:rowId xmlns:a16="http://schemas.microsoft.com/office/drawing/2014/main" xmlns="" val="10001"/>
+                    <a16:rowId xmlns="" xmlns:a16="http://schemas.microsoft.com/office/drawing/2014/main" val="10001"/>
                   </a:ext>
                 </a:extLst>
               </a:tr>
@@ -31846,7 +31921,7 @@
                 </a:tc>
                 <a:extLst>
                   <a:ext uri="{0D108BD9-81ED-4DB2-BD59-A6C34878D82A}">
-                    <a16:rowId xmlns:a16="http://schemas.microsoft.com/office/drawing/2014/main" xmlns="" val="10002"/>
+                    <a16:rowId xmlns="" xmlns:a16="http://schemas.microsoft.com/office/drawing/2014/main" val="10002"/>
                   </a:ext>
                 </a:extLst>
               </a:tr>
@@ -31857,7 +31932,7 @@
     </p:spTree>
     <p:extLst>
       <p:ext uri="{BB962C8B-B14F-4D97-AF65-F5344CB8AC3E}">
-        <p14:creationId xmlns="" xmlns:p14="http://schemas.microsoft.com/office/powerpoint/2010/main" val="3076055309"/>
+        <p14:creationId xmlns:p14="http://schemas.microsoft.com/office/powerpoint/2010/main" xmlns="" val="3076055309"/>
       </p:ext>
     </p:extLst>
   </p:cSld>
@@ -32312,7 +32387,7 @@
     <a:masterClrMapping/>
   </p:clrMapOvr>
   <mc:AlternateContent xmlns:mc="http://schemas.openxmlformats.org/markup-compatibility/2006">
-    <mc:Choice xmlns:p14="http://schemas.microsoft.com/office/powerpoint/2010/main" xmlns="" Requires="p14">
+    <mc:Choice xmlns="" xmlns:p14="http://schemas.microsoft.com/office/powerpoint/2010/main" Requires="p14">
       <p:transition spd="slow" p14:dur="2000" advClick="0" advTm="5000"/>
     </mc:Choice>
     <mc:Fallback>
@@ -32549,7 +32624,7 @@
     </p:spTree>
     <p:extLst>
       <p:ext uri="{BB962C8B-B14F-4D97-AF65-F5344CB8AC3E}">
-        <p14:creationId xmlns="" xmlns:p14="http://schemas.microsoft.com/office/powerpoint/2010/main" val="2732236339"/>
+        <p14:creationId xmlns:p14="http://schemas.microsoft.com/office/powerpoint/2010/main" xmlns="" val="2732236339"/>
       </p:ext>
     </p:extLst>
   </p:cSld>
@@ -33106,7 +33181,7 @@
     <a:masterClrMapping/>
   </p:clrMapOvr>
   <mc:AlternateContent xmlns:mc="http://schemas.openxmlformats.org/markup-compatibility/2006">
-    <mc:Choice xmlns:p14="http://schemas.microsoft.com/office/powerpoint/2010/main" xmlns="" Requires="p14">
+    <mc:Choice xmlns="" xmlns:p14="http://schemas.microsoft.com/office/powerpoint/2010/main" Requires="p14">
       <p:transition spd="slow" p14:dur="2000" advClick="0" advTm="5000"/>
     </mc:Choice>
     <mc:Fallback>
@@ -33439,7 +33514,7 @@
     </p:spTree>
     <p:extLst>
       <p:ext uri="{BB962C8B-B14F-4D97-AF65-F5344CB8AC3E}">
-        <p14:creationId xmlns="" xmlns:p14="http://schemas.microsoft.com/office/powerpoint/2010/main" val="3096612756"/>
+        <p14:creationId xmlns:p14="http://schemas.microsoft.com/office/powerpoint/2010/main" xmlns="" val="3096612756"/>
       </p:ext>
     </p:extLst>
   </p:cSld>
@@ -33479,7 +33554,7 @@
           <p:cNvPr id="9" name="Summary Box Group">
             <a:extLst>
               <a:ext uri="{FF2B5EF4-FFF2-40B4-BE49-F238E27FC236}">
-                <a16:creationId xmlns:a16="http://schemas.microsoft.com/office/drawing/2014/main" xmlns="" id="{EBAFE522-EB7D-4931-A015-9A7E8A98517D}"/>
+                <a16:creationId xmlns="" xmlns:a16="http://schemas.microsoft.com/office/drawing/2014/main" id="{EBAFE522-EB7D-4931-A015-9A7E8A98517D}"/>
               </a:ext>
             </a:extLst>
           </p:cNvPr>
@@ -33499,7 +33574,7 @@
             <p:cNvPr id="10" name="Rounded Rectangle Blue">
               <a:extLst>
                 <a:ext uri="{FF2B5EF4-FFF2-40B4-BE49-F238E27FC236}">
-                  <a16:creationId xmlns:a16="http://schemas.microsoft.com/office/drawing/2014/main" xmlns="" id="{18F78F23-3D09-4B63-8DF9-D49CFBB145EE}"/>
+                  <a16:creationId xmlns="" xmlns:a16="http://schemas.microsoft.com/office/drawing/2014/main" id="{18F78F23-3D09-4B63-8DF9-D49CFBB145EE}"/>
                 </a:ext>
               </a:extLst>
             </p:cNvPr>
@@ -33553,7 +33628,7 @@
             <p:cNvPr id="11" name="Rounded Rectangle Left">
               <a:extLst>
                 <a:ext uri="{FF2B5EF4-FFF2-40B4-BE49-F238E27FC236}">
-                  <a16:creationId xmlns:a16="http://schemas.microsoft.com/office/drawing/2014/main" xmlns="" id="{F12C06CE-2BBE-46C2-B718-813794C58DF9}"/>
+                  <a16:creationId xmlns="" xmlns:a16="http://schemas.microsoft.com/office/drawing/2014/main" id="{F12C06CE-2BBE-46C2-B718-813794C58DF9}"/>
                 </a:ext>
               </a:extLst>
             </p:cNvPr>
@@ -33613,7 +33688,7 @@
             <p:cNvPr id="12" name="Half Frame Top Right">
               <a:extLst>
                 <a:ext uri="{FF2B5EF4-FFF2-40B4-BE49-F238E27FC236}">
-                  <a16:creationId xmlns:a16="http://schemas.microsoft.com/office/drawing/2014/main" xmlns="" id="{66CDBB1E-AF3C-43FC-9F34-2DD691F81726}"/>
+                  <a16:creationId xmlns="" xmlns:a16="http://schemas.microsoft.com/office/drawing/2014/main" id="{66CDBB1E-AF3C-43FC-9F34-2DD691F81726}"/>
                 </a:ext>
               </a:extLst>
             </p:cNvPr>
@@ -33675,7 +33750,7 @@
           <p:cNvPr id="14" name="Text Placeholder Body">
             <a:extLst>
               <a:ext uri="{FF2B5EF4-FFF2-40B4-BE49-F238E27FC236}">
-                <a16:creationId xmlns:a16="http://schemas.microsoft.com/office/drawing/2014/main" xmlns="" id="{0E49D336-45B6-44D3-97C4-E28F8DEA2022}"/>
+                <a16:creationId xmlns="" xmlns:a16="http://schemas.microsoft.com/office/drawing/2014/main" id="{0E49D336-45B6-44D3-97C4-E28F8DEA2022}"/>
               </a:ext>
             </a:extLst>
           </p:cNvPr>
@@ -33757,11 +33832,7 @@
             </a:pPr>
             <a:r>
               <a:rPr lang="bg-BG" sz="2800" dirty="0" smtClean="0"/>
-              <a:t>Видоде </a:t>
-            </a:r>
-            <a:r>
-              <a:rPr lang="bg-BG" sz="2800" dirty="0" smtClean="0"/>
-              <a:t>връзки</a:t>
+              <a:t>Видоде връзки</a:t>
             </a:r>
           </a:p>
           <a:p>
@@ -33939,9 +34010,51 @@
               </a:buClr>
             </a:pPr>
             <a:r>
+              <a:rPr lang="en-US" sz="2800" dirty="0" smtClean="0"/>
+              <a:t>Cascade </a:t>
+            </a:r>
+            <a:r>
+              <a:rPr lang="en-US" sz="2800" b="1" dirty="0" smtClean="0">
+                <a:solidFill>
+                  <a:schemeClr val="bg1">
+                    <a:lumMod val="60000"/>
+                    <a:lumOff val="40000"/>
+                  </a:schemeClr>
+                </a:solidFill>
+              </a:rPr>
+              <a:t>Delete</a:t>
+            </a:r>
+            <a:r>
+              <a:rPr lang="en-US" sz="2800" dirty="0" smtClean="0"/>
+              <a:t> </a:t>
+            </a:r>
+            <a:r>
               <a:rPr lang="bg-BG" sz="2800" dirty="0" smtClean="0"/>
-              <a:t>Аномалии</a:t>
-            </a:r>
+              <a:t>/</a:t>
+            </a:r>
+            <a:r>
+              <a:rPr lang="bg-BG" sz="2800" dirty="0" smtClean="0"/>
+              <a:t> </a:t>
+            </a:r>
+            <a:r>
+              <a:rPr lang="en-US" sz="2800" b="1" dirty="0" smtClean="0">
+                <a:solidFill>
+                  <a:schemeClr val="bg1">
+                    <a:lumMod val="60000"/>
+                    <a:lumOff val="40000"/>
+                  </a:schemeClr>
+                </a:solidFill>
+              </a:rPr>
+              <a:t>Update</a:t>
+            </a:r>
+            <a:endParaRPr lang="bg-BG" sz="2800" b="1" dirty="0" smtClean="0">
+              <a:solidFill>
+                <a:schemeClr val="bg1">
+                  <a:lumMod val="60000"/>
+                  <a:lumOff val="40000"/>
+                </a:schemeClr>
+              </a:solidFill>
+            </a:endParaRPr>
           </a:p>
           <a:p>
             <a:pPr marL="360363" indent="-360000" fontAlgn="base">
@@ -34034,7 +34147,7 @@
           <p:cNvPr id="17" name="Slide Number">
             <a:extLst>
               <a:ext uri="{FF2B5EF4-FFF2-40B4-BE49-F238E27FC236}">
-                <a16:creationId xmlns:a16="http://schemas.microsoft.com/office/drawing/2014/main" xmlns="" id="{9DE5559F-55C2-47F1-A321-B593B1EC63C1}"/>
+                <a16:creationId xmlns="" xmlns:a16="http://schemas.microsoft.com/office/drawing/2014/main" id="{9DE5559F-55C2-47F1-A321-B593B1EC63C1}"/>
               </a:ext>
             </a:extLst>
           </p:cNvPr>
@@ -34076,7 +34189,7 @@
           <p:cNvPr id="13" name="Picture SoftUni Mascot">
             <a:extLst>
               <a:ext uri="{FF2B5EF4-FFF2-40B4-BE49-F238E27FC236}">
-                <a16:creationId xmlns:a16="http://schemas.microsoft.com/office/drawing/2014/main" xmlns="" id="{CCC3A316-993C-4741-8826-E104F27650A3}"/>
+                <a16:creationId xmlns="" xmlns:a16="http://schemas.microsoft.com/office/drawing/2014/main" id="{CCC3A316-993C-4741-8826-E104F27650A3}"/>
               </a:ext>
             </a:extLst>
           </p:cNvPr>
@@ -34089,7 +34202,7 @@
           <a:blip r:embed="rId3" cstate="print">
             <a:extLst>
               <a:ext uri="{28A0092B-C50C-407E-A947-70E740481C1C}">
-                <a14:useLocalDpi xmlns:a14="http://schemas.microsoft.com/office/drawing/2010/main" xmlns="" val="0"/>
+                <a14:useLocalDpi xmlns="" xmlns:a14="http://schemas.microsoft.com/office/drawing/2010/main" val="0"/>
               </a:ext>
             </a:extLst>
           </a:blip>
@@ -34134,7 +34247,7 @@
     </p:spTree>
     <p:extLst>
       <p:ext uri="{BB962C8B-B14F-4D97-AF65-F5344CB8AC3E}">
-        <p14:creationId xmlns:p14="http://schemas.microsoft.com/office/powerpoint/2010/main" xmlns="" val="2087190546"/>
+        <p14:creationId xmlns="" xmlns:p14="http://schemas.microsoft.com/office/powerpoint/2010/main" val="2087190546"/>
       </p:ext>
     </p:extLst>
   </p:cSld>
@@ -34142,7 +34255,7 @@
     <a:masterClrMapping/>
   </p:clrMapOvr>
   <mc:AlternateContent xmlns:mc="http://schemas.openxmlformats.org/markup-compatibility/2006">
-    <mc:Choice xmlns:p14="http://schemas.microsoft.com/office/powerpoint/2010/main" xmlns="" Requires="p14">
+    <mc:Choice xmlns="" xmlns:p14="http://schemas.microsoft.com/office/powerpoint/2010/main" Requires="p14">
       <p:transition spd="slow" p14:dur="2000" advClick="0" advTm="5000"/>
     </mc:Choice>
     <mc:Fallback>
@@ -34185,7 +34298,7 @@
                                         <p:tgtEl>
                                           <p:spTgt spid="14">
                                             <p:txEl>
-                                              <p:pRg st="0" end="0"/>
+                                              <p:pRg st="2" end="2"/>
                                             </p:txEl>
                                           </p:spTgt>
                                         </p:tgtEl>
@@ -34234,7 +34347,7 @@
                                         <p:tgtEl>
                                           <p:spTgt spid="14">
                                             <p:txEl>
-                                              <p:pRg st="1" end="1"/>
+                                              <p:pRg st="3" end="3"/>
                                             </p:txEl>
                                           </p:spTgt>
                                         </p:tgtEl>
@@ -34283,7 +34396,38 @@
                                         <p:tgtEl>
                                           <p:spTgt spid="14">
                                             <p:txEl>
-                                              <p:pRg st="2" end="2"/>
+                                              <p:pRg st="4" end="4"/>
+                                            </p:txEl>
+                                          </p:spTgt>
+                                        </p:tgtEl>
+                                        <p:attrNameLst>
+                                          <p:attrName>style.visibility</p:attrName>
+                                        </p:attrNameLst>
+                                      </p:cBhvr>
+                                      <p:to>
+                                        <p:strVal val="visible"/>
+                                      </p:to>
+                                    </p:set>
+                                  </p:childTnLst>
+                                </p:cTn>
+                              </p:par>
+                              <p:par>
+                                <p:cTn id="15" presetID="1" presetClass="entr" presetSubtype="0" fill="hold" nodeType="withEffect">
+                                  <p:stCondLst>
+                                    <p:cond delay="0"/>
+                                  </p:stCondLst>
+                                  <p:childTnLst>
+                                    <p:set>
+                                      <p:cBhvr>
+                                        <p:cTn id="16" dur="1" fill="hold">
+                                          <p:stCondLst>
+                                            <p:cond delay="0"/>
+                                          </p:stCondLst>
+                                        </p:cTn>
+                                        <p:tgtEl>
+                                          <p:spTgt spid="14">
+                                            <p:txEl>
+                                              <p:pRg st="5" end="5"/>
                                             </p:txEl>
                                           </p:spTgt>
                                         </p:tgtEl>
@@ -34305,26 +34449,26 @@
                     </p:cTn>
                   </p:par>
                   <p:par>
-                    <p:cTn id="15" fill="hold">
+                    <p:cTn id="17" fill="hold">
                       <p:stCondLst>
                         <p:cond delay="indefinite"/>
                       </p:stCondLst>
                       <p:childTnLst>
                         <p:par>
-                          <p:cTn id="16" fill="hold">
+                          <p:cTn id="18" fill="hold">
                             <p:stCondLst>
                               <p:cond delay="0"/>
                             </p:stCondLst>
                             <p:childTnLst>
                               <p:par>
-                                <p:cTn id="17" presetID="1" presetClass="entr" presetSubtype="0" fill="hold" nodeType="clickEffect">
+                                <p:cTn id="19" presetID="1" presetClass="entr" presetSubtype="0" fill="hold" nodeType="clickEffect">
                                   <p:stCondLst>
                                     <p:cond delay="0"/>
                                   </p:stCondLst>
                                   <p:childTnLst>
                                     <p:set>
                                       <p:cBhvr>
-                                        <p:cTn id="18" dur="1" fill="hold">
+                                        <p:cTn id="20" dur="1" fill="hold">
                                           <p:stCondLst>
                                             <p:cond delay="0"/>
                                           </p:stCondLst>
@@ -34332,7 +34476,7 @@
                                         <p:tgtEl>
                                           <p:spTgt spid="14">
                                             <p:txEl>
-                                              <p:pRg st="3" end="3"/>
+                                              <p:pRg st="6" end="6"/>
                                             </p:txEl>
                                           </p:spTgt>
                                         </p:tgtEl>
@@ -34347,26 +34491,8 @@
                                   </p:childTnLst>
                                 </p:cTn>
                               </p:par>
-                            </p:childTnLst>
-                          </p:cTn>
-                        </p:par>
-                      </p:childTnLst>
-                    </p:cTn>
-                  </p:par>
-                  <p:par>
-                    <p:cTn id="19" fill="hold">
-                      <p:stCondLst>
-                        <p:cond delay="indefinite"/>
-                      </p:stCondLst>
-                      <p:childTnLst>
-                        <p:par>
-                          <p:cTn id="20" fill="hold">
-                            <p:stCondLst>
-                              <p:cond delay="0"/>
-                            </p:stCondLst>
-                            <p:childTnLst>
                               <p:par>
-                                <p:cTn id="21" presetID="1" presetClass="entr" presetSubtype="0" fill="hold" nodeType="clickEffect">
+                                <p:cTn id="21" presetID="1" presetClass="entr" presetSubtype="0" fill="hold" nodeType="withEffect">
                                   <p:stCondLst>
                                     <p:cond delay="0"/>
                                   </p:stCondLst>
@@ -34381,7 +34507,7 @@
                                         <p:tgtEl>
                                           <p:spTgt spid="14">
                                             <p:txEl>
-                                              <p:pRg st="4" end="4"/>
+                                              <p:pRg st="7" end="7"/>
                                             </p:txEl>
                                           </p:spTgt>
                                         </p:tgtEl>
@@ -34430,7 +34556,7 @@
                                         <p:tgtEl>
                                           <p:spTgt spid="14">
                                             <p:txEl>
-                                              <p:pRg st="5" end="5"/>
+                                              <p:pRg st="8" end="8"/>
                                             </p:txEl>
                                           </p:spTgt>
                                         </p:tgtEl>
@@ -34479,7 +34605,7 @@
                                         <p:tgtEl>
                                           <p:spTgt spid="14">
                                             <p:txEl>
-                                              <p:pRg st="6" end="6"/>
+                                              <p:pRg st="9" end="9"/>
                                             </p:txEl>
                                           </p:spTgt>
                                         </p:tgtEl>
@@ -34521,153 +34647,6 @@
                                     <p:set>
                                       <p:cBhvr>
                                         <p:cTn id="34" dur="1" fill="hold">
-                                          <p:stCondLst>
-                                            <p:cond delay="0"/>
-                                          </p:stCondLst>
-                                        </p:cTn>
-                                        <p:tgtEl>
-                                          <p:spTgt spid="14">
-                                            <p:txEl>
-                                              <p:pRg st="7" end="7"/>
-                                            </p:txEl>
-                                          </p:spTgt>
-                                        </p:tgtEl>
-                                        <p:attrNameLst>
-                                          <p:attrName>style.visibility</p:attrName>
-                                        </p:attrNameLst>
-                                      </p:cBhvr>
-                                      <p:to>
-                                        <p:strVal val="visible"/>
-                                      </p:to>
-                                    </p:set>
-                                  </p:childTnLst>
-                                </p:cTn>
-                              </p:par>
-                            </p:childTnLst>
-                          </p:cTn>
-                        </p:par>
-                      </p:childTnLst>
-                    </p:cTn>
-                  </p:par>
-                  <p:par>
-                    <p:cTn id="35" fill="hold">
-                      <p:stCondLst>
-                        <p:cond delay="indefinite"/>
-                      </p:stCondLst>
-                      <p:childTnLst>
-                        <p:par>
-                          <p:cTn id="36" fill="hold">
-                            <p:stCondLst>
-                              <p:cond delay="0"/>
-                            </p:stCondLst>
-                            <p:childTnLst>
-                              <p:par>
-                                <p:cTn id="37" presetID="1" presetClass="entr" presetSubtype="0" fill="hold" nodeType="clickEffect">
-                                  <p:stCondLst>
-                                    <p:cond delay="0"/>
-                                  </p:stCondLst>
-                                  <p:childTnLst>
-                                    <p:set>
-                                      <p:cBhvr>
-                                        <p:cTn id="38" dur="1" fill="hold">
-                                          <p:stCondLst>
-                                            <p:cond delay="0"/>
-                                          </p:stCondLst>
-                                        </p:cTn>
-                                        <p:tgtEl>
-                                          <p:spTgt spid="14">
-                                            <p:txEl>
-                                              <p:pRg st="8" end="8"/>
-                                            </p:txEl>
-                                          </p:spTgt>
-                                        </p:tgtEl>
-                                        <p:attrNameLst>
-                                          <p:attrName>style.visibility</p:attrName>
-                                        </p:attrNameLst>
-                                      </p:cBhvr>
-                                      <p:to>
-                                        <p:strVal val="visible"/>
-                                      </p:to>
-                                    </p:set>
-                                  </p:childTnLst>
-                                </p:cTn>
-                              </p:par>
-                            </p:childTnLst>
-                          </p:cTn>
-                        </p:par>
-                      </p:childTnLst>
-                    </p:cTn>
-                  </p:par>
-                  <p:par>
-                    <p:cTn id="39" fill="hold">
-                      <p:stCondLst>
-                        <p:cond delay="indefinite"/>
-                      </p:stCondLst>
-                      <p:childTnLst>
-                        <p:par>
-                          <p:cTn id="40" fill="hold">
-                            <p:stCondLst>
-                              <p:cond delay="0"/>
-                            </p:stCondLst>
-                            <p:childTnLst>
-                              <p:par>
-                                <p:cTn id="41" presetID="1" presetClass="entr" presetSubtype="0" fill="hold" nodeType="clickEffect">
-                                  <p:stCondLst>
-                                    <p:cond delay="0"/>
-                                  </p:stCondLst>
-                                  <p:childTnLst>
-                                    <p:set>
-                                      <p:cBhvr>
-                                        <p:cTn id="42" dur="1" fill="hold">
-                                          <p:stCondLst>
-                                            <p:cond delay="0"/>
-                                          </p:stCondLst>
-                                        </p:cTn>
-                                        <p:tgtEl>
-                                          <p:spTgt spid="14">
-                                            <p:txEl>
-                                              <p:pRg st="9" end="9"/>
-                                            </p:txEl>
-                                          </p:spTgt>
-                                        </p:tgtEl>
-                                        <p:attrNameLst>
-                                          <p:attrName>style.visibility</p:attrName>
-                                        </p:attrNameLst>
-                                      </p:cBhvr>
-                                      <p:to>
-                                        <p:strVal val="visible"/>
-                                      </p:to>
-                                    </p:set>
-                                  </p:childTnLst>
-                                </p:cTn>
-                              </p:par>
-                            </p:childTnLst>
-                          </p:cTn>
-                        </p:par>
-                      </p:childTnLst>
-                    </p:cTn>
-                  </p:par>
-                  <p:par>
-                    <p:cTn id="43" fill="hold">
-                      <p:stCondLst>
-                        <p:cond delay="indefinite"/>
-                      </p:stCondLst>
-                      <p:childTnLst>
-                        <p:par>
-                          <p:cTn id="44" fill="hold">
-                            <p:stCondLst>
-                              <p:cond delay="0"/>
-                            </p:stCondLst>
-                            <p:childTnLst>
-                              <p:par>
-                                <p:cTn id="45" presetID="1" presetClass="entr" presetSubtype="0" fill="hold" nodeType="clickEffect">
-                                  <p:stCondLst>
-                                    <p:cond delay="0"/>
-                                  </p:stCondLst>
-                                  <p:childTnLst>
-                                    <p:set>
-                                      <p:cBhvr>
-                                        <p:cTn id="46" dur="1" fill="hold">
                                           <p:stCondLst>
                                             <p:cond delay="0"/>
                                           </p:stCondLst>
@@ -34798,7 +34777,7 @@
     <a:masterClrMapping/>
   </p:clrMapOvr>
   <mc:AlternateContent xmlns:mc="http://schemas.openxmlformats.org/markup-compatibility/2006">
-    <mc:Choice xmlns:p14="http://schemas.microsoft.com/office/powerpoint/2010/main" xmlns="" Requires="p14">
+    <mc:Choice xmlns="" xmlns:p14="http://schemas.microsoft.com/office/powerpoint/2010/main" Requires="p14">
       <p:transition spd="slow" p14:dur="2000" advClick="0" advTm="5000"/>
     </mc:Choice>
     <mc:Fallback>
@@ -34837,7 +34816,7 @@
           <p:cNvPr id="5" name="Group 4">
             <a:extLst>
               <a:ext uri="{FF2B5EF4-FFF2-40B4-BE49-F238E27FC236}">
-                <a16:creationId xmlns:a16="http://schemas.microsoft.com/office/drawing/2014/main" xmlns="" id="{1A67F800-7980-E3CA-7188-3C478C8E98B8}"/>
+                <a16:creationId xmlns="" xmlns:a16="http://schemas.microsoft.com/office/drawing/2014/main" id="{1A67F800-7980-E3CA-7188-3C478C8E98B8}"/>
               </a:ext>
             </a:extLst>
           </p:cNvPr>
@@ -34857,7 +34836,7 @@
             <p:cNvPr id="7" name="Picture 6" descr="A picture containing text, sign, vector graphics&#10;&#10;Description automatically generated">
               <a:extLst>
                 <a:ext uri="{FF2B5EF4-FFF2-40B4-BE49-F238E27FC236}">
-                  <a16:creationId xmlns:a16="http://schemas.microsoft.com/office/drawing/2014/main" xmlns="" id="{15CE28B1-02BA-4014-E149-BF1EE09447ED}"/>
+                  <a16:creationId xmlns="" xmlns:a16="http://schemas.microsoft.com/office/drawing/2014/main" id="{15CE28B1-02BA-4014-E149-BF1EE09447ED}"/>
                 </a:ext>
               </a:extLst>
             </p:cNvPr>
@@ -34887,7 +34866,7 @@
             <p:cNvPr id="9" name="Picture 8" descr="Logo&#10;&#10;Description automatically generated">
               <a:extLst>
                 <a:ext uri="{FF2B5EF4-FFF2-40B4-BE49-F238E27FC236}">
-                  <a16:creationId xmlns:a16="http://schemas.microsoft.com/office/drawing/2014/main" xmlns="" id="{5F82FF4F-4AD2-4B3B-1445-F3C6BA268522}"/>
+                  <a16:creationId xmlns="" xmlns:a16="http://schemas.microsoft.com/office/drawing/2014/main" id="{5F82FF4F-4AD2-4B3B-1445-F3C6BA268522}"/>
                 </a:ext>
               </a:extLst>
             </p:cNvPr>
@@ -34917,7 +34896,7 @@
             <p:cNvPr id="11" name="Picture 10" descr="Logo&#10;&#10;Description automatically generated">
               <a:extLst>
                 <a:ext uri="{FF2B5EF4-FFF2-40B4-BE49-F238E27FC236}">
-                  <a16:creationId xmlns:a16="http://schemas.microsoft.com/office/drawing/2014/main" xmlns="" id="{68CCA8DB-9EFC-F9BC-57AE-81E4F843E863}"/>
+                  <a16:creationId xmlns="" xmlns:a16="http://schemas.microsoft.com/office/drawing/2014/main" id="{68CCA8DB-9EFC-F9BC-57AE-81E4F843E863}"/>
                 </a:ext>
               </a:extLst>
             </p:cNvPr>
@@ -34947,7 +34926,7 @@
             <p:cNvPr id="13" name="Picture 12" descr="Logo&#10;&#10;Description automatically generated">
               <a:extLst>
                 <a:ext uri="{FF2B5EF4-FFF2-40B4-BE49-F238E27FC236}">
-                  <a16:creationId xmlns:a16="http://schemas.microsoft.com/office/drawing/2014/main" xmlns="" id="{3FDF9297-50FA-E866-B6CE-9D64B1E892BF}"/>
+                  <a16:creationId xmlns="" xmlns:a16="http://schemas.microsoft.com/office/drawing/2014/main" id="{3FDF9297-50FA-E866-B6CE-9D64B1E892BF}"/>
                 </a:ext>
               </a:extLst>
             </p:cNvPr>
@@ -34977,7 +34956,7 @@
             <p:cNvPr id="18" name="Graphic 17">
               <a:extLst>
                 <a:ext uri="{FF2B5EF4-FFF2-40B4-BE49-F238E27FC236}">
-                  <a16:creationId xmlns:a16="http://schemas.microsoft.com/office/drawing/2014/main" xmlns="" id="{2A1BC0C9-7A7B-9C5B-B457-3E86E59EF29E}"/>
+                  <a16:creationId xmlns="" xmlns:a16="http://schemas.microsoft.com/office/drawing/2014/main" id="{2A1BC0C9-7A7B-9C5B-B457-3E86E59EF29E}"/>
                 </a:ext>
               </a:extLst>
             </p:cNvPr>
@@ -34990,7 +34969,7 @@
             <a:blip r:embed="rId7" cstate="print">
               <a:extLst>
                 <a:ext uri="{96DAC541-7B7A-43D3-8B79-37D633B846F1}">
-                  <asvg:svgBlip xmlns:asvg="http://schemas.microsoft.com/office/drawing/2016/SVG/main" xmlns="" r:embed="rId8"/>
+                  <asvg:svgBlip xmlns="" xmlns:asvg="http://schemas.microsoft.com/office/drawing/2016/SVG/main" r:embed="rId8"/>
                 </a:ext>
               </a:extLst>
             </a:blip>
@@ -35013,7 +34992,7 @@
             <p:cNvPr id="20" name="Graphic 19">
               <a:extLst>
                 <a:ext uri="{FF2B5EF4-FFF2-40B4-BE49-F238E27FC236}">
-                  <a16:creationId xmlns:a16="http://schemas.microsoft.com/office/drawing/2014/main" xmlns="" id="{DBE174DA-A182-7E57-06D4-86AFA26D484D}"/>
+                  <a16:creationId xmlns="" xmlns:a16="http://schemas.microsoft.com/office/drawing/2014/main" id="{DBE174DA-A182-7E57-06D4-86AFA26D484D}"/>
                 </a:ext>
               </a:extLst>
             </p:cNvPr>
@@ -35026,7 +35005,7 @@
             <a:blip r:embed="rId9" cstate="print">
               <a:extLst>
                 <a:ext uri="{96DAC541-7B7A-43D3-8B79-37D633B846F1}">
-                  <asvg:svgBlip xmlns:asvg="http://schemas.microsoft.com/office/drawing/2016/SVG/main" xmlns="" r:embed="rId10"/>
+                  <asvg:svgBlip xmlns="" xmlns:asvg="http://schemas.microsoft.com/office/drawing/2016/SVG/main" r:embed="rId10"/>
                 </a:ext>
               </a:extLst>
             </a:blip>
@@ -35049,7 +35028,7 @@
             <p:cNvPr id="22" name="Picture 21" descr="Logo&#10;&#10;Description automatically generated">
               <a:extLst>
                 <a:ext uri="{FF2B5EF4-FFF2-40B4-BE49-F238E27FC236}">
-                  <a16:creationId xmlns:a16="http://schemas.microsoft.com/office/drawing/2014/main" xmlns="" id="{9B7FFC36-A4BC-7A53-AB82-82C398A47538}"/>
+                  <a16:creationId xmlns="" xmlns:a16="http://schemas.microsoft.com/office/drawing/2014/main" id="{9B7FFC36-A4BC-7A53-AB82-82C398A47538}"/>
                 </a:ext>
               </a:extLst>
             </p:cNvPr>
@@ -35079,7 +35058,7 @@
             <p:cNvPr id="36" name="Group 35">
               <a:extLst>
                 <a:ext uri="{FF2B5EF4-FFF2-40B4-BE49-F238E27FC236}">
-                  <a16:creationId xmlns:a16="http://schemas.microsoft.com/office/drawing/2014/main" xmlns="" id="{3FB2AEAC-BDEE-9D5F-67A3-17CEDA699052}"/>
+                  <a16:creationId xmlns="" xmlns:a16="http://schemas.microsoft.com/office/drawing/2014/main" id="{3FB2AEAC-BDEE-9D5F-67A3-17CEDA699052}"/>
                 </a:ext>
               </a:extLst>
             </p:cNvPr>
@@ -35099,7 +35078,7 @@
               <p:cNvPr id="31" name="Straight Connector 30">
                 <a:extLst>
                   <a:ext uri="{FF2B5EF4-FFF2-40B4-BE49-F238E27FC236}">
-                    <a16:creationId xmlns:a16="http://schemas.microsoft.com/office/drawing/2014/main" xmlns="" id="{AA38ABD5-1637-DC80-A922-DF10E4F75CDE}"/>
+                    <a16:creationId xmlns="" xmlns:a16="http://schemas.microsoft.com/office/drawing/2014/main" id="{AA38ABD5-1637-DC80-A922-DF10E4F75CDE}"/>
                   </a:ext>
                 </a:extLst>
               </p:cNvPr>
@@ -35142,7 +35121,7 @@
               <p:cNvPr id="33" name="Picture 32">
                 <a:extLst>
                   <a:ext uri="{FF2B5EF4-FFF2-40B4-BE49-F238E27FC236}">
-                    <a16:creationId xmlns:a16="http://schemas.microsoft.com/office/drawing/2014/main" xmlns="" id="{617B586A-0BC5-5E32-7E67-FD277547ED69}"/>
+                    <a16:creationId xmlns="" xmlns:a16="http://schemas.microsoft.com/office/drawing/2014/main" id="{617B586A-0BC5-5E32-7E67-FD277547ED69}"/>
                   </a:ext>
                 </a:extLst>
               </p:cNvPr>
@@ -35174,7 +35153,7 @@
           <p:cNvPr id="40" name="Picture 39" descr="Logo&#10;&#10;Description automatically generated">
             <a:extLst>
               <a:ext uri="{FF2B5EF4-FFF2-40B4-BE49-F238E27FC236}">
-                <a16:creationId xmlns:a16="http://schemas.microsoft.com/office/drawing/2014/main" xmlns="" id="{9C30DD70-D438-6D27-35D3-8BB874966D84}"/>
+                <a16:creationId xmlns="" xmlns:a16="http://schemas.microsoft.com/office/drawing/2014/main" id="{9C30DD70-D438-6D27-35D3-8BB874966D84}"/>
               </a:ext>
             </a:extLst>
           </p:cNvPr>
@@ -35204,7 +35183,7 @@
           <p:cNvPr id="2" name="Google Shape;441;p37">
             <a:extLst>
               <a:ext uri="{FF2B5EF4-FFF2-40B4-BE49-F238E27FC236}">
-                <a16:creationId xmlns:a16="http://schemas.microsoft.com/office/drawing/2014/main" xmlns="" id="{2AFB472C-93C2-241B-75FA-457782840F92}"/>
+                <a16:creationId xmlns="" xmlns:a16="http://schemas.microsoft.com/office/drawing/2014/main" id="{2AFB472C-93C2-241B-75FA-457782840F92}"/>
               </a:ext>
             </a:extLst>
           </p:cNvPr>
@@ -35509,7 +35488,7 @@
           <p:cNvPr id="14" name="Картина 13">
             <a:extLst>
               <a:ext uri="{FF2B5EF4-FFF2-40B4-BE49-F238E27FC236}">
-                <a16:creationId xmlns:a16="http://schemas.microsoft.com/office/drawing/2014/main" xmlns="" id="{54B365E9-8FD0-6D5B-2DFC-723EE5DDD555}"/>
+                <a16:creationId xmlns="" xmlns:a16="http://schemas.microsoft.com/office/drawing/2014/main" id="{54B365E9-8FD0-6D5B-2DFC-723EE5DDD555}"/>
               </a:ext>
             </a:extLst>
           </p:cNvPr>
@@ -35539,7 +35518,7 @@
           <p:cNvPr id="16" name="Картина 15">
             <a:extLst>
               <a:ext uri="{FF2B5EF4-FFF2-40B4-BE49-F238E27FC236}">
-                <a16:creationId xmlns:a16="http://schemas.microsoft.com/office/drawing/2014/main" xmlns="" id="{3BD6ABFC-02BF-2D42-B42B-6929222F37B6}"/>
+                <a16:creationId xmlns="" xmlns:a16="http://schemas.microsoft.com/office/drawing/2014/main" id="{3BD6ABFC-02BF-2D42-B42B-6929222F37B6}"/>
               </a:ext>
             </a:extLst>
           </p:cNvPr>
@@ -35567,7 +35546,7 @@
     </p:spTree>
     <p:extLst>
       <p:ext uri="{BB962C8B-B14F-4D97-AF65-F5344CB8AC3E}">
-        <p14:creationId xmlns:p14="http://schemas.microsoft.com/office/powerpoint/2010/main" xmlns="" val="2144060659"/>
+        <p14:creationId xmlns="" xmlns:p14="http://schemas.microsoft.com/office/powerpoint/2010/main" val="2144060659"/>
       </p:ext>
     </p:extLst>
   </p:cSld>
@@ -35606,7 +35585,7 @@
           <p:cNvPr id="5" name="Slide Number">
             <a:extLst>
               <a:ext uri="{FF2B5EF4-FFF2-40B4-BE49-F238E27FC236}">
-                <a16:creationId xmlns:a16="http://schemas.microsoft.com/office/drawing/2014/main" xmlns="" id="{F48C3C93-90A1-4D31-BEA6-B54D1106CE31}"/>
+                <a16:creationId xmlns="" xmlns:a16="http://schemas.microsoft.com/office/drawing/2014/main" id="{F48C3C93-90A1-4D31-BEA6-B54D1106CE31}"/>
               </a:ext>
             </a:extLst>
           </p:cNvPr>
@@ -35648,7 +35627,7 @@
           <p:cNvPr id="2" name="Slide Body">
             <a:extLst>
               <a:ext uri="{FF2B5EF4-FFF2-40B4-BE49-F238E27FC236}">
-                <a16:creationId xmlns:a16="http://schemas.microsoft.com/office/drawing/2014/main" xmlns="" id="{980F49B1-E4BE-4389-A747-7AB9B71AD920}"/>
+                <a16:creationId xmlns="" xmlns:a16="http://schemas.microsoft.com/office/drawing/2014/main" id="{980F49B1-E4BE-4389-A747-7AB9B71AD920}"/>
               </a:ext>
             </a:extLst>
           </p:cNvPr>
@@ -35782,7 +35761,7 @@
           <p:cNvPr id="6" name="Picture License" descr="License">
             <a:extLst>
               <a:ext uri="{FF2B5EF4-FFF2-40B4-BE49-F238E27FC236}">
-                <a16:creationId xmlns:a16="http://schemas.microsoft.com/office/drawing/2014/main" xmlns="" id="{A10A2585-858C-4B1E-8846-27CF1C15729E}"/>
+                <a16:creationId xmlns="" xmlns:a16="http://schemas.microsoft.com/office/drawing/2014/main" id="{A10A2585-858C-4B1E-8846-27CF1C15729E}"/>
               </a:ext>
             </a:extLst>
           </p:cNvPr>
@@ -35823,7 +35802,7 @@
           <p:cNvPr id="3" name="Slide Title">
             <a:extLst>
               <a:ext uri="{FF2B5EF4-FFF2-40B4-BE49-F238E27FC236}">
-                <a16:creationId xmlns:a16="http://schemas.microsoft.com/office/drawing/2014/main" xmlns="" id="{E5F1FB41-80C3-4816-BC47-CCC50632E6E8}"/>
+                <a16:creationId xmlns="" xmlns:a16="http://schemas.microsoft.com/office/drawing/2014/main" id="{E5F1FB41-80C3-4816-BC47-CCC50632E6E8}"/>
               </a:ext>
             </a:extLst>
           </p:cNvPr>
@@ -35849,7 +35828,7 @@
     </p:spTree>
     <p:extLst>
       <p:ext uri="{BB962C8B-B14F-4D97-AF65-F5344CB8AC3E}">
-        <p14:creationId xmlns:p14="http://schemas.microsoft.com/office/powerpoint/2010/main" xmlns="" val="3506533871"/>
+        <p14:creationId xmlns="" xmlns:p14="http://schemas.microsoft.com/office/powerpoint/2010/main" val="3506533871"/>
       </p:ext>
     </p:extLst>
   </p:cSld>
@@ -35857,7 +35836,7 @@
     <a:masterClrMapping/>
   </p:clrMapOvr>
   <mc:AlternateContent xmlns:mc="http://schemas.openxmlformats.org/markup-compatibility/2006">
-    <mc:Choice xmlns:p14="http://schemas.microsoft.com/office/powerpoint/2010/main" xmlns="" Requires="p14">
+    <mc:Choice xmlns="" xmlns:p14="http://schemas.microsoft.com/office/powerpoint/2010/main" Requires="p14">
       <p:transition spd="slow" p14:dur="2000" advClick="0" advTm="5000"/>
     </mc:Choice>
     <mc:Fallback>
@@ -36241,7 +36220,7 @@
     </p:spTree>
     <p:extLst>
       <p:ext uri="{BB962C8B-B14F-4D97-AF65-F5344CB8AC3E}">
-        <p14:creationId xmlns="" xmlns:p14="http://schemas.microsoft.com/office/powerpoint/2010/main" val="800074320"/>
+        <p14:creationId xmlns:p14="http://schemas.microsoft.com/office/powerpoint/2010/main" xmlns="" val="800074320"/>
       </p:ext>
     </p:extLst>
   </p:cSld>
@@ -37008,7 +36987,7 @@
           <p:nvPr>
             <p:extLst>
               <p:ext uri="{D42A27DB-BD31-4B8C-83A1-F6EECF244321}">
-                <p14:modId xmlns:p14="http://schemas.microsoft.com/office/powerpoint/2010/main" xmlns="" val="1102571627"/>
+                <p14:modId xmlns="" xmlns:p14="http://schemas.microsoft.com/office/powerpoint/2010/main" val="1102571627"/>
               </p:ext>
             </p:extLst>
           </p:nvPr>
@@ -37027,21 +37006,21 @@
                 <a:gridCol w="1046179">
                   <a:extLst>
                     <a:ext uri="{9D8B030D-6E8A-4147-A177-3AD203B41FA5}">
-                      <a16:colId xmlns:a16="http://schemas.microsoft.com/office/drawing/2014/main" xmlns="" val="20000"/>
+                      <a16:colId xmlns="" xmlns:a16="http://schemas.microsoft.com/office/drawing/2014/main" val="20000"/>
                     </a:ext>
                   </a:extLst>
                 </a:gridCol>
                 <a:gridCol w="1336419">
                   <a:extLst>
                     <a:ext uri="{9D8B030D-6E8A-4147-A177-3AD203B41FA5}">
-                      <a16:colId xmlns:a16="http://schemas.microsoft.com/office/drawing/2014/main" xmlns="" val="20001"/>
+                      <a16:colId xmlns="" xmlns:a16="http://schemas.microsoft.com/office/drawing/2014/main" val="20001"/>
                     </a:ext>
                   </a:extLst>
                 </a:gridCol>
                 <a:gridCol w="2646603">
                   <a:extLst>
                     <a:ext uri="{9D8B030D-6E8A-4147-A177-3AD203B41FA5}">
-                      <a16:colId xmlns:a16="http://schemas.microsoft.com/office/drawing/2014/main" xmlns="" val="20002"/>
+                      <a16:colId xmlns="" xmlns:a16="http://schemas.microsoft.com/office/drawing/2014/main" val="20002"/>
                     </a:ext>
                   </a:extLst>
                 </a:gridCol>
@@ -37438,7 +37417,7 @@
                 </a:tc>
                 <a:extLst>
                   <a:ext uri="{0D108BD9-81ED-4DB2-BD59-A6C34878D82A}">
-                    <a16:rowId xmlns:a16="http://schemas.microsoft.com/office/drawing/2014/main" xmlns="" val="10001"/>
+                    <a16:rowId xmlns="" xmlns:a16="http://schemas.microsoft.com/office/drawing/2014/main" val="10001"/>
                   </a:ext>
                 </a:extLst>
               </a:tr>
@@ -37622,7 +37601,7 @@
                 </a:tc>
                 <a:extLst>
                   <a:ext uri="{0D108BD9-81ED-4DB2-BD59-A6C34878D82A}">
-                    <a16:rowId xmlns:a16="http://schemas.microsoft.com/office/drawing/2014/main" xmlns="" val="10002"/>
+                    <a16:rowId xmlns="" xmlns:a16="http://schemas.microsoft.com/office/drawing/2014/main" val="10002"/>
                   </a:ext>
                 </a:extLst>
               </a:tr>
@@ -38176,7 +38155,7 @@
           <p:nvPr>
             <p:extLst>
               <p:ext uri="{D42A27DB-BD31-4B8C-83A1-F6EECF244321}">
-                <p14:modId xmlns:p14="http://schemas.microsoft.com/office/powerpoint/2010/main" xmlns="" val="1102571627"/>
+                <p14:modId xmlns="" xmlns:p14="http://schemas.microsoft.com/office/powerpoint/2010/main" val="1102571627"/>
               </p:ext>
             </p:extLst>
           </p:nvPr>
@@ -38195,14 +38174,14 @@
                 <a:gridCol w="914402">
                   <a:extLst>
                     <a:ext uri="{9D8B030D-6E8A-4147-A177-3AD203B41FA5}">
-                      <a16:colId xmlns:a16="http://schemas.microsoft.com/office/drawing/2014/main" xmlns="" val="20000"/>
+                      <a16:colId xmlns="" xmlns:a16="http://schemas.microsoft.com/office/drawing/2014/main" val="20000"/>
                     </a:ext>
                   </a:extLst>
                 </a:gridCol>
                 <a:gridCol w="1905000">
                   <a:extLst>
                     <a:ext uri="{9D8B030D-6E8A-4147-A177-3AD203B41FA5}">
-                      <a16:colId xmlns:a16="http://schemas.microsoft.com/office/drawing/2014/main" xmlns="" val="20001"/>
+                      <a16:colId xmlns="" xmlns:a16="http://schemas.microsoft.com/office/drawing/2014/main" val="20001"/>
                     </a:ext>
                   </a:extLst>
                 </a:gridCol>
@@ -38338,7 +38317,7 @@
                 </a:tc>
                 <a:extLst>
                   <a:ext uri="{0D108BD9-81ED-4DB2-BD59-A6C34878D82A}">
-                    <a16:rowId xmlns:a16="http://schemas.microsoft.com/office/drawing/2014/main" xmlns="" val="10000"/>
+                    <a16:rowId xmlns="" xmlns:a16="http://schemas.microsoft.com/office/drawing/2014/main" val="10000"/>
                   </a:ext>
                 </a:extLst>
               </a:tr>
@@ -38457,7 +38436,7 @@
                 </a:tc>
                 <a:extLst>
                   <a:ext uri="{0D108BD9-81ED-4DB2-BD59-A6C34878D82A}">
-                    <a16:rowId xmlns:a16="http://schemas.microsoft.com/office/drawing/2014/main" xmlns="" val="10001"/>
+                    <a16:rowId xmlns="" xmlns:a16="http://schemas.microsoft.com/office/drawing/2014/main" val="10001"/>
                   </a:ext>
                 </a:extLst>
               </a:tr>
@@ -38582,7 +38561,7 @@
                 </a:tc>
                 <a:extLst>
                   <a:ext uri="{0D108BD9-81ED-4DB2-BD59-A6C34878D82A}">
-                    <a16:rowId xmlns:a16="http://schemas.microsoft.com/office/drawing/2014/main" xmlns="" val="10002"/>
+                    <a16:rowId xmlns="" xmlns:a16="http://schemas.microsoft.com/office/drawing/2014/main" val="10002"/>
                   </a:ext>
                 </a:extLst>
               </a:tr>
@@ -38707,7 +38686,7 @@
     </p:spTree>
     <p:extLst>
       <p:ext uri="{BB962C8B-B14F-4D97-AF65-F5344CB8AC3E}">
-        <p14:creationId xmlns="" xmlns:p14="http://schemas.microsoft.com/office/powerpoint/2010/main" val="954313343"/>
+        <p14:creationId xmlns:p14="http://schemas.microsoft.com/office/powerpoint/2010/main" xmlns="" val="954313343"/>
       </p:ext>
     </p:extLst>
   </p:cSld>
@@ -39710,7 +39689,7 @@
           <p:nvPr>
             <p:extLst>
               <p:ext uri="{D42A27DB-BD31-4B8C-83A1-F6EECF244321}">
-                <p14:modId xmlns:p14="http://schemas.microsoft.com/office/powerpoint/2010/main" xmlns="" val="1102571627"/>
+                <p14:modId xmlns="" xmlns:p14="http://schemas.microsoft.com/office/powerpoint/2010/main" val="1102571627"/>
               </p:ext>
             </p:extLst>
           </p:nvPr>
@@ -39729,14 +39708,14 @@
                 <a:gridCol w="980302">
                   <a:extLst>
                     <a:ext uri="{9D8B030D-6E8A-4147-A177-3AD203B41FA5}">
-                      <a16:colId xmlns:a16="http://schemas.microsoft.com/office/drawing/2014/main" xmlns="" val="20000"/>
+                      <a16:colId xmlns="" xmlns:a16="http://schemas.microsoft.com/office/drawing/2014/main" val="20000"/>
                     </a:ext>
                   </a:extLst>
                 </a:gridCol>
                 <a:gridCol w="1610498">
                   <a:extLst>
                     <a:ext uri="{9D8B030D-6E8A-4147-A177-3AD203B41FA5}">
-                      <a16:colId xmlns:a16="http://schemas.microsoft.com/office/drawing/2014/main" xmlns="" val="20001"/>
+                      <a16:colId xmlns="" xmlns:a16="http://schemas.microsoft.com/office/drawing/2014/main" val="20001"/>
                     </a:ext>
                   </a:extLst>
                 </a:gridCol>
@@ -39872,7 +39851,7 @@
                 </a:tc>
                 <a:extLst>
                   <a:ext uri="{0D108BD9-81ED-4DB2-BD59-A6C34878D82A}">
-                    <a16:rowId xmlns:a16="http://schemas.microsoft.com/office/drawing/2014/main" xmlns="" val="10000"/>
+                    <a16:rowId xmlns="" xmlns:a16="http://schemas.microsoft.com/office/drawing/2014/main" val="10000"/>
                   </a:ext>
                 </a:extLst>
               </a:tr>
@@ -39991,7 +39970,7 @@
                 </a:tc>
                 <a:extLst>
                   <a:ext uri="{0D108BD9-81ED-4DB2-BD59-A6C34878D82A}">
-                    <a16:rowId xmlns:a16="http://schemas.microsoft.com/office/drawing/2014/main" xmlns="" val="10001"/>
+                    <a16:rowId xmlns="" xmlns:a16="http://schemas.microsoft.com/office/drawing/2014/main" val="10001"/>
                   </a:ext>
                 </a:extLst>
               </a:tr>
@@ -40116,7 +40095,7 @@
                 </a:tc>
                 <a:extLst>
                   <a:ext uri="{0D108BD9-81ED-4DB2-BD59-A6C34878D82A}">
-                    <a16:rowId xmlns:a16="http://schemas.microsoft.com/office/drawing/2014/main" xmlns="" val="10002"/>
+                    <a16:rowId xmlns="" xmlns:a16="http://schemas.microsoft.com/office/drawing/2014/main" val="10002"/>
                   </a:ext>
                 </a:extLst>
               </a:tr>
@@ -40434,7 +40413,7 @@
           <p:nvPr>
             <p:extLst>
               <p:ext uri="{D42A27DB-BD31-4B8C-83A1-F6EECF244321}">
-                <p14:modId xmlns:p14="http://schemas.microsoft.com/office/powerpoint/2010/main" xmlns="" val="1102571627"/>
+                <p14:modId xmlns="" xmlns:p14="http://schemas.microsoft.com/office/powerpoint/2010/main" val="1102571627"/>
               </p:ext>
             </p:extLst>
           </p:nvPr>
@@ -40453,14 +40432,14 @@
                 <a:gridCol w="1409700">
                   <a:extLst>
                     <a:ext uri="{9D8B030D-6E8A-4147-A177-3AD203B41FA5}">
-                      <a16:colId xmlns:a16="http://schemas.microsoft.com/office/drawing/2014/main" xmlns="" val="20000"/>
+                      <a16:colId xmlns="" xmlns:a16="http://schemas.microsoft.com/office/drawing/2014/main" val="20000"/>
                     </a:ext>
                   </a:extLst>
                 </a:gridCol>
                 <a:gridCol w="1409700">
                   <a:extLst>
                     <a:ext uri="{9D8B030D-6E8A-4147-A177-3AD203B41FA5}">
-                      <a16:colId xmlns:a16="http://schemas.microsoft.com/office/drawing/2014/main" xmlns="" val="20001"/>
+                      <a16:colId xmlns="" xmlns:a16="http://schemas.microsoft.com/office/drawing/2014/main" val="20001"/>
                     </a:ext>
                   </a:extLst>
                 </a:gridCol>
@@ -40612,7 +40591,7 @@
                 </a:tc>
                 <a:extLst>
                   <a:ext uri="{0D108BD9-81ED-4DB2-BD59-A6C34878D82A}">
-                    <a16:rowId xmlns:a16="http://schemas.microsoft.com/office/drawing/2014/main" xmlns="" val="10000"/>
+                    <a16:rowId xmlns="" xmlns:a16="http://schemas.microsoft.com/office/drawing/2014/main" val="10000"/>
                   </a:ext>
                 </a:extLst>
               </a:tr>
@@ -40699,7 +40678,7 @@
                 </a:tc>
                 <a:extLst>
                   <a:ext uri="{0D108BD9-81ED-4DB2-BD59-A6C34878D82A}">
-                    <a16:rowId xmlns:a16="http://schemas.microsoft.com/office/drawing/2014/main" xmlns="" val="10001"/>
+                    <a16:rowId xmlns="" xmlns:a16="http://schemas.microsoft.com/office/drawing/2014/main" val="10001"/>
                   </a:ext>
                 </a:extLst>
               </a:tr>
@@ -40792,7 +40771,7 @@
                 </a:tc>
                 <a:extLst>
                   <a:ext uri="{0D108BD9-81ED-4DB2-BD59-A6C34878D82A}">
-                    <a16:rowId xmlns:a16="http://schemas.microsoft.com/office/drawing/2014/main" xmlns="" val="10002"/>
+                    <a16:rowId xmlns="" xmlns:a16="http://schemas.microsoft.com/office/drawing/2014/main" val="10002"/>
                   </a:ext>
                 </a:extLst>
               </a:tr>
@@ -40989,7 +40968,7 @@
           <p:nvPr>
             <p:extLst>
               <p:ext uri="{D42A27DB-BD31-4B8C-83A1-F6EECF244321}">
-                <p14:modId xmlns:p14="http://schemas.microsoft.com/office/powerpoint/2010/main" xmlns="" val="1102571627"/>
+                <p14:modId xmlns="" xmlns:p14="http://schemas.microsoft.com/office/powerpoint/2010/main" val="1102571627"/>
               </p:ext>
             </p:extLst>
           </p:nvPr>
@@ -41008,14 +40987,14 @@
                 <a:gridCol w="1066800">
                   <a:extLst>
                     <a:ext uri="{9D8B030D-6E8A-4147-A177-3AD203B41FA5}">
-                      <a16:colId xmlns:a16="http://schemas.microsoft.com/office/drawing/2014/main" xmlns="" val="20000"/>
+                      <a16:colId xmlns="" xmlns:a16="http://schemas.microsoft.com/office/drawing/2014/main" val="20000"/>
                     </a:ext>
                   </a:extLst>
                 </a:gridCol>
                 <a:gridCol w="1600200">
                   <a:extLst>
                     <a:ext uri="{9D8B030D-6E8A-4147-A177-3AD203B41FA5}">
-                      <a16:colId xmlns:a16="http://schemas.microsoft.com/office/drawing/2014/main" xmlns="" val="20001"/>
+                      <a16:colId xmlns="" xmlns:a16="http://schemas.microsoft.com/office/drawing/2014/main" val="20001"/>
                     </a:ext>
                   </a:extLst>
                 </a:gridCol>
@@ -41147,7 +41126,7 @@
                 </a:tc>
                 <a:extLst>
                   <a:ext uri="{0D108BD9-81ED-4DB2-BD59-A6C34878D82A}">
-                    <a16:rowId xmlns:a16="http://schemas.microsoft.com/office/drawing/2014/main" xmlns="" val="10000"/>
+                    <a16:rowId xmlns="" xmlns:a16="http://schemas.microsoft.com/office/drawing/2014/main" val="10000"/>
                   </a:ext>
                 </a:extLst>
               </a:tr>
@@ -41252,7 +41231,7 @@
                 </a:tc>
                 <a:extLst>
                   <a:ext uri="{0D108BD9-81ED-4DB2-BD59-A6C34878D82A}">
-                    <a16:rowId xmlns:a16="http://schemas.microsoft.com/office/drawing/2014/main" xmlns="" val="10001"/>
+                    <a16:rowId xmlns="" xmlns:a16="http://schemas.microsoft.com/office/drawing/2014/main" val="10001"/>
                   </a:ext>
                 </a:extLst>
               </a:tr>
@@ -41345,7 +41324,7 @@
                 </a:tc>
                 <a:extLst>
                   <a:ext uri="{0D108BD9-81ED-4DB2-BD59-A6C34878D82A}">
-                    <a16:rowId xmlns:a16="http://schemas.microsoft.com/office/drawing/2014/main" xmlns="" val="10002"/>
+                    <a16:rowId xmlns="" xmlns:a16="http://schemas.microsoft.com/office/drawing/2014/main" val="10002"/>
                   </a:ext>
                 </a:extLst>
               </a:tr>
@@ -41450,7 +41429,7 @@
     </p:spTree>
     <p:extLst>
       <p:ext uri="{BB962C8B-B14F-4D97-AF65-F5344CB8AC3E}">
-        <p14:creationId xmlns="" xmlns:p14="http://schemas.microsoft.com/office/powerpoint/2010/main" val="2484399899"/>
+        <p14:creationId xmlns:p14="http://schemas.microsoft.com/office/powerpoint/2010/main" xmlns="" val="2484399899"/>
       </p:ext>
     </p:extLst>
   </p:cSld>
@@ -42305,7 +42284,7 @@
           <p:nvPr>
             <p:extLst>
               <p:ext uri="{D42A27DB-BD31-4B8C-83A1-F6EECF244321}">
-                <p14:modId xmlns:p14="http://schemas.microsoft.com/office/powerpoint/2010/main" xmlns="" val="1102571627"/>
+                <p14:modId xmlns="" xmlns:p14="http://schemas.microsoft.com/office/powerpoint/2010/main" val="1102571627"/>
               </p:ext>
             </p:extLst>
           </p:nvPr>
@@ -42324,14 +42303,14 @@
                 <a:gridCol w="871728">
                   <a:extLst>
                     <a:ext uri="{9D8B030D-6E8A-4147-A177-3AD203B41FA5}">
-                      <a16:colId xmlns:a16="http://schemas.microsoft.com/office/drawing/2014/main" xmlns="" val="20000"/>
+                      <a16:colId xmlns="" xmlns:a16="http://schemas.microsoft.com/office/drawing/2014/main" val="20000"/>
                     </a:ext>
                   </a:extLst>
                 </a:gridCol>
                 <a:gridCol w="1261872">
                   <a:extLst>
                     <a:ext uri="{9D8B030D-6E8A-4147-A177-3AD203B41FA5}">
-                      <a16:colId xmlns:a16="http://schemas.microsoft.com/office/drawing/2014/main" xmlns="" val="20001"/>
+                      <a16:colId xmlns="" xmlns:a16="http://schemas.microsoft.com/office/drawing/2014/main" val="20001"/>
                     </a:ext>
                   </a:extLst>
                 </a:gridCol>
@@ -42526,7 +42505,7 @@
                 </a:tc>
                 <a:extLst>
                   <a:ext uri="{0D108BD9-81ED-4DB2-BD59-A6C34878D82A}">
-                    <a16:rowId xmlns:a16="http://schemas.microsoft.com/office/drawing/2014/main" xmlns="" val="10000"/>
+                    <a16:rowId xmlns="" xmlns:a16="http://schemas.microsoft.com/office/drawing/2014/main" val="10000"/>
                   </a:ext>
                 </a:extLst>
               </a:tr>
@@ -42676,7 +42655,7 @@
                 </a:tc>
                 <a:extLst>
                   <a:ext uri="{0D108BD9-81ED-4DB2-BD59-A6C34878D82A}">
-                    <a16:rowId xmlns:a16="http://schemas.microsoft.com/office/drawing/2014/main" xmlns="" val="10001"/>
+                    <a16:rowId xmlns="" xmlns:a16="http://schemas.microsoft.com/office/drawing/2014/main" val="10001"/>
                   </a:ext>
                 </a:extLst>
               </a:tr>
@@ -42832,7 +42811,7 @@
                 </a:tc>
                 <a:extLst>
                   <a:ext uri="{0D108BD9-81ED-4DB2-BD59-A6C34878D82A}">
-                    <a16:rowId xmlns:a16="http://schemas.microsoft.com/office/drawing/2014/main" xmlns="" val="10002"/>
+                    <a16:rowId xmlns="" xmlns:a16="http://schemas.microsoft.com/office/drawing/2014/main" val="10002"/>
                   </a:ext>
                 </a:extLst>
               </a:tr>
@@ -43155,7 +43134,7 @@
           <p:nvPr>
             <p:extLst>
               <p:ext uri="{D42A27DB-BD31-4B8C-83A1-F6EECF244321}">
-                <p14:modId xmlns:p14="http://schemas.microsoft.com/office/powerpoint/2010/main" xmlns="" val="1102571627"/>
+                <p14:modId xmlns="" xmlns:p14="http://schemas.microsoft.com/office/powerpoint/2010/main" val="1102571627"/>
               </p:ext>
             </p:extLst>
           </p:nvPr>
@@ -43174,14 +43153,14 @@
                 <a:gridCol w="1098176">
                   <a:extLst>
                     <a:ext uri="{9D8B030D-6E8A-4147-A177-3AD203B41FA5}">
-                      <a16:colId xmlns:a16="http://schemas.microsoft.com/office/drawing/2014/main" xmlns="" val="20000"/>
+                      <a16:colId xmlns="" xmlns:a16="http://schemas.microsoft.com/office/drawing/2014/main" val="20000"/>
                     </a:ext>
                   </a:extLst>
                 </a:gridCol>
                 <a:gridCol w="2635624">
                   <a:extLst>
                     <a:ext uri="{9D8B030D-6E8A-4147-A177-3AD203B41FA5}">
-                      <a16:colId xmlns:a16="http://schemas.microsoft.com/office/drawing/2014/main" xmlns="" val="20001"/>
+                      <a16:colId xmlns="" xmlns:a16="http://schemas.microsoft.com/office/drawing/2014/main" val="20001"/>
                     </a:ext>
                   </a:extLst>
                 </a:gridCol>
@@ -43313,7 +43292,7 @@
                 </a:tc>
                 <a:extLst>
                   <a:ext uri="{0D108BD9-81ED-4DB2-BD59-A6C34878D82A}">
-                    <a16:rowId xmlns:a16="http://schemas.microsoft.com/office/drawing/2014/main" xmlns="" val="10000"/>
+                    <a16:rowId xmlns="" xmlns:a16="http://schemas.microsoft.com/office/drawing/2014/main" val="10000"/>
                   </a:ext>
                 </a:extLst>
               </a:tr>
@@ -43407,7 +43386,7 @@
                 </a:tc>
                 <a:extLst>
                   <a:ext uri="{0D108BD9-81ED-4DB2-BD59-A6C34878D82A}">
-                    <a16:rowId xmlns:a16="http://schemas.microsoft.com/office/drawing/2014/main" xmlns="" val="10001"/>
+                    <a16:rowId xmlns="" xmlns:a16="http://schemas.microsoft.com/office/drawing/2014/main" val="10001"/>
                   </a:ext>
                 </a:extLst>
               </a:tr>
@@ -43500,7 +43479,7 @@
                 </a:tc>
                 <a:extLst>
                   <a:ext uri="{0D108BD9-81ED-4DB2-BD59-A6C34878D82A}">
-                    <a16:rowId xmlns:a16="http://schemas.microsoft.com/office/drawing/2014/main" xmlns="" val="10002"/>
+                    <a16:rowId xmlns="" xmlns:a16="http://schemas.microsoft.com/office/drawing/2014/main" val="10002"/>
                   </a:ext>
                 </a:extLst>
               </a:tr>
@@ -43663,7 +43642,7 @@
           <p:nvPr>
             <p:extLst>
               <p:ext uri="{D42A27DB-BD31-4B8C-83A1-F6EECF244321}">
-                <p14:modId xmlns:p14="http://schemas.microsoft.com/office/powerpoint/2010/main" xmlns="" val="1102571627"/>
+                <p14:modId xmlns="" xmlns:p14="http://schemas.microsoft.com/office/powerpoint/2010/main" val="1102571627"/>
               </p:ext>
             </p:extLst>
           </p:nvPr>
@@ -43682,14 +43661,14 @@
                 <a:gridCol w="1219200">
                   <a:extLst>
                     <a:ext uri="{9D8B030D-6E8A-4147-A177-3AD203B41FA5}">
-                      <a16:colId xmlns:a16="http://schemas.microsoft.com/office/drawing/2014/main" xmlns="" val="20000"/>
+                      <a16:colId xmlns="" xmlns:a16="http://schemas.microsoft.com/office/drawing/2014/main" val="20000"/>
                     </a:ext>
                   </a:extLst>
                 </a:gridCol>
                 <a:gridCol w="1219200">
                   <a:extLst>
                     <a:ext uri="{9D8B030D-6E8A-4147-A177-3AD203B41FA5}">
-                      <a16:colId xmlns:a16="http://schemas.microsoft.com/office/drawing/2014/main" xmlns="" val="20001"/>
+                      <a16:colId xmlns="" xmlns:a16="http://schemas.microsoft.com/office/drawing/2014/main" val="20001"/>
                     </a:ext>
                   </a:extLst>
                 </a:gridCol>
@@ -43821,7 +43800,7 @@
                 </a:tc>
                 <a:extLst>
                   <a:ext uri="{0D108BD9-81ED-4DB2-BD59-A6C34878D82A}">
-                    <a16:rowId xmlns:a16="http://schemas.microsoft.com/office/drawing/2014/main" xmlns="" val="10000"/>
+                    <a16:rowId xmlns="" xmlns:a16="http://schemas.microsoft.com/office/drawing/2014/main" val="10000"/>
                   </a:ext>
                 </a:extLst>
               </a:tr>
@@ -43922,7 +43901,7 @@
                 </a:tc>
                 <a:extLst>
                   <a:ext uri="{0D108BD9-81ED-4DB2-BD59-A6C34878D82A}">
-                    <a16:rowId xmlns:a16="http://schemas.microsoft.com/office/drawing/2014/main" xmlns="" val="10001"/>
+                    <a16:rowId xmlns="" xmlns:a16="http://schemas.microsoft.com/office/drawing/2014/main" val="10001"/>
                   </a:ext>
                 </a:extLst>
               </a:tr>
@@ -44010,7 +43989,7 @@
     </p:spTree>
     <p:extLst>
       <p:ext uri="{BB962C8B-B14F-4D97-AF65-F5344CB8AC3E}">
-        <p14:creationId xmlns="" xmlns:p14="http://schemas.microsoft.com/office/powerpoint/2010/main" val="335306271"/>
+        <p14:creationId xmlns:p14="http://schemas.microsoft.com/office/powerpoint/2010/main" xmlns="" val="335306271"/>
       </p:ext>
     </p:extLst>
   </p:cSld>
@@ -44787,7 +44766,7 @@
           <p:nvPr>
             <p:extLst>
               <p:ext uri="{D42A27DB-BD31-4B8C-83A1-F6EECF244321}">
-                <p14:modId xmlns:p14="http://schemas.microsoft.com/office/powerpoint/2010/main" xmlns="" val="1102571627"/>
+                <p14:modId xmlns="" xmlns:p14="http://schemas.microsoft.com/office/powerpoint/2010/main" val="1102571627"/>
               </p:ext>
             </p:extLst>
           </p:nvPr>
@@ -44806,14 +44785,14 @@
                 <a:gridCol w="990600">
                   <a:extLst>
                     <a:ext uri="{9D8B030D-6E8A-4147-A177-3AD203B41FA5}">
-                      <a16:colId xmlns:a16="http://schemas.microsoft.com/office/drawing/2014/main" xmlns="" val="20000"/>
+                      <a16:colId xmlns="" xmlns:a16="http://schemas.microsoft.com/office/drawing/2014/main" val="20000"/>
                     </a:ext>
                   </a:extLst>
                 </a:gridCol>
                 <a:gridCol w="2052402">
                   <a:extLst>
                     <a:ext uri="{9D8B030D-6E8A-4147-A177-3AD203B41FA5}">
-                      <a16:colId xmlns:a16="http://schemas.microsoft.com/office/drawing/2014/main" xmlns="" val="20001"/>
+                      <a16:colId xmlns="" xmlns:a16="http://schemas.microsoft.com/office/drawing/2014/main" val="20001"/>
                     </a:ext>
                   </a:extLst>
                 </a:gridCol>
@@ -45008,7 +44987,7 @@
                 </a:tc>
                 <a:extLst>
                   <a:ext uri="{0D108BD9-81ED-4DB2-BD59-A6C34878D82A}">
-                    <a16:rowId xmlns:a16="http://schemas.microsoft.com/office/drawing/2014/main" xmlns="" val="10000"/>
+                    <a16:rowId xmlns="" xmlns:a16="http://schemas.microsoft.com/office/drawing/2014/main" val="10000"/>
                   </a:ext>
                 </a:extLst>
               </a:tr>
@@ -45158,7 +45137,7 @@
                 </a:tc>
                 <a:extLst>
                   <a:ext uri="{0D108BD9-81ED-4DB2-BD59-A6C34878D82A}">
-                    <a16:rowId xmlns:a16="http://schemas.microsoft.com/office/drawing/2014/main" xmlns="" val="10001"/>
+                    <a16:rowId xmlns="" xmlns:a16="http://schemas.microsoft.com/office/drawing/2014/main" val="10001"/>
                   </a:ext>
                 </a:extLst>
               </a:tr>
@@ -45314,7 +45293,7 @@
                 </a:tc>
                 <a:extLst>
                   <a:ext uri="{0D108BD9-81ED-4DB2-BD59-A6C34878D82A}">
-                    <a16:rowId xmlns:a16="http://schemas.microsoft.com/office/drawing/2014/main" xmlns="" val="10002"/>
+                    <a16:rowId xmlns="" xmlns:a16="http://schemas.microsoft.com/office/drawing/2014/main" val="10002"/>
                   </a:ext>
                 </a:extLst>
               </a:tr>
@@ -46111,7 +46090,7 @@
     </p:spTree>
     <p:extLst>
       <p:ext uri="{BB962C8B-B14F-4D97-AF65-F5344CB8AC3E}">
-        <p14:creationId xmlns="" xmlns:p14="http://schemas.microsoft.com/office/powerpoint/2010/main" val="1285283744"/>
+        <p14:creationId xmlns:p14="http://schemas.microsoft.com/office/powerpoint/2010/main" xmlns="" val="1285283744"/>
       </p:ext>
     </p:extLst>
   </p:cSld>
@@ -46552,7 +46531,7 @@
     <a:masterClrMapping/>
   </p:clrMapOvr>
   <mc:AlternateContent xmlns:mc="http://schemas.openxmlformats.org/markup-compatibility/2006">
-    <mc:Choice xmlns:p14="http://schemas.microsoft.com/office/powerpoint/2010/main" xmlns="" Requires="p14">
+    <mc:Choice xmlns="" xmlns:p14="http://schemas.microsoft.com/office/powerpoint/2010/main" Requires="p14">
       <p:transition spd="slow" p14:dur="2000" advClick="0" advTm="5000"/>
     </mc:Choice>
     <mc:Fallback>
@@ -46885,7 +46864,7 @@
   <a:extraClrSchemeLst/>
   <a:extLst>
     <a:ext uri="{05A4C25C-085E-4340-85A3-A5531E510DB2}">
-      <thm15:themeFamily xmlns:thm15="http://schemas.microsoft.com/office/thememl/2012/main" xmlns="" name="SoftUni" id="{D61FAD9B-6E74-4E03-BFE4-B363D484F1DA}" vid="{7089C1A3-635B-4B03-A017-DAF10A3A396B}"/>
+      <thm15:themeFamily xmlns="" xmlns:thm15="http://schemas.microsoft.com/office/thememl/2012/main" name="SoftUni" id="{D61FAD9B-6E74-4E03-BFE4-B363D484F1DA}" vid="{7089C1A3-635B-4B03-A017-DAF10A3A396B}"/>
     </a:ext>
   </a:extLst>
 </a:theme>
@@ -47180,7 +47159,7 @@
   <a:extraClrSchemeLst/>
   <a:extLst>
     <a:ext uri="{05A4C25C-085E-4340-85A3-A5531E510DB2}">
-      <thm15:themeFamily xmlns:thm15="http://schemas.microsoft.com/office/thememl/2012/main" xmlns="" name="Office Theme" id="{62F939B6-93AF-4DB8-9C6B-D6C7DFDC589F}" vid="{4A3C46E8-61CC-4603-A589-7422A47A8E4A}"/>
+      <thm15:themeFamily xmlns="" xmlns:thm15="http://schemas.microsoft.com/office/thememl/2012/main" name="Office Theme" id="{62F939B6-93AF-4DB8-9C6B-D6C7DFDC589F}" vid="{4A3C46E8-61CC-4603-A589-7422A47A8E4A}"/>
     </a:ext>
   </a:extLst>
 </a:theme>
@@ -47475,16 +47454,19 @@
   <a:extraClrSchemeLst/>
   <a:extLst>
     <a:ext uri="{05A4C25C-085E-4340-85A3-A5531E510DB2}">
-      <thm15:themeFamily xmlns:thm15="http://schemas.microsoft.com/office/thememl/2012/main" xmlns="" name="Office Theme" id="{62F939B6-93AF-4DB8-9C6B-D6C7DFDC589F}" vid="{4A3C46E8-61CC-4603-A589-7422A47A8E4A}"/>
+      <thm15:themeFamily xmlns="" xmlns:thm15="http://schemas.microsoft.com/office/thememl/2012/main" name="Office Theme" id="{62F939B6-93AF-4DB8-9C6B-D6C7DFDC589F}" vid="{4A3C46E8-61CC-4603-A589-7422A47A8E4A}"/>
     </a:ext>
   </a:extLst>
 </a:theme>
 </file>
 
 <file path=customXml/item1.xml><?xml version="1.0" encoding="utf-8"?>
-<p:properties xmlns:p="http://schemas.microsoft.com/office/2006/metadata/properties" xmlns:xsi="http://www.w3.org/2001/XMLSchema-instance" xmlns:pc="http://schemas.microsoft.com/office/infopath/2007/PartnerControls">
-  <documentManagement/>
-</p:properties>
+<?mso-contentType ?>
+<FormTemplates xmlns="http://schemas.microsoft.com/sharepoint/v3/contenttype/forms">
+  <Display>DocumentLibraryForm</Display>
+  <Edit>DocumentLibraryForm</Edit>
+  <New>DocumentLibraryForm</New>
+</FormTemplates>
 </file>
 
 <file path=customXml/item2.xml><?xml version="1.0" encoding="utf-8"?>
@@ -47660,26 +47642,15 @@
 </file>
 
 <file path=customXml/item3.xml><?xml version="1.0" encoding="utf-8"?>
-<?mso-contentType ?>
-<FormTemplates xmlns="http://schemas.microsoft.com/sharepoint/v3/contenttype/forms">
-  <Display>DocumentLibraryForm</Display>
-  <Edit>DocumentLibraryForm</Edit>
-  <New>DocumentLibraryForm</New>
-</FormTemplates>
+<p:properties xmlns:p="http://schemas.microsoft.com/office/2006/metadata/properties" xmlns:xsi="http://www.w3.org/2001/XMLSchema-instance" xmlns:pc="http://schemas.microsoft.com/office/infopath/2007/PartnerControls">
+  <documentManagement/>
+</p:properties>
 </file>
 
 <file path=customXml/itemProps1.xml><?xml version="1.0" encoding="utf-8"?>
-<ds:datastoreItem xmlns:ds="http://schemas.openxmlformats.org/officeDocument/2006/customXml" ds:itemID="{5E2F4A33-1866-4BB8-8A35-8D6BDFE8D9F5}">
+<ds:datastoreItem xmlns:ds="http://schemas.openxmlformats.org/officeDocument/2006/customXml" ds:itemID="{68A20BEC-F81B-49CD-951D-E62C4BAE7796}">
   <ds:schemaRefs>
-    <ds:schemaRef ds:uri="http://schemas.microsoft.com/office/infopath/2007/PartnerControls"/>
-    <ds:schemaRef ds:uri="http://purl.org/dc/dcmitype/"/>
-    <ds:schemaRef ds:uri="http://schemas.microsoft.com/office/2006/documentManagement/types"/>
-    <ds:schemaRef ds:uri="http://schemas.microsoft.com/office/2006/metadata/properties"/>
-    <ds:schemaRef ds:uri="http://www.w3.org/XML/1998/namespace"/>
-    <ds:schemaRef ds:uri="4f985cec-e092-4bcf-a1e1-b816bd0221d8"/>
-    <ds:schemaRef ds:uri="http://schemas.openxmlformats.org/package/2006/metadata/core-properties"/>
-    <ds:schemaRef ds:uri="http://purl.org/dc/terms/"/>
-    <ds:schemaRef ds:uri="http://purl.org/dc/elements/1.1/"/>
+    <ds:schemaRef ds:uri="http://schemas.microsoft.com/sharepoint/v3/contenttype/forms"/>
   </ds:schemaRefs>
 </ds:datastoreItem>
 </file>
@@ -47703,9 +47674,17 @@
 </file>
 
 <file path=customXml/itemProps3.xml><?xml version="1.0" encoding="utf-8"?>
-<ds:datastoreItem xmlns:ds="http://schemas.openxmlformats.org/officeDocument/2006/customXml" ds:itemID="{68A20BEC-F81B-49CD-951D-E62C4BAE7796}">
+<ds:datastoreItem xmlns:ds="http://schemas.openxmlformats.org/officeDocument/2006/customXml" ds:itemID="{5E2F4A33-1866-4BB8-8A35-8D6BDFE8D9F5}">
   <ds:schemaRefs>
-    <ds:schemaRef ds:uri="http://schemas.microsoft.com/sharepoint/v3/contenttype/forms"/>
+    <ds:schemaRef ds:uri="http://schemas.microsoft.com/office/infopath/2007/PartnerControls"/>
+    <ds:schemaRef ds:uri="http://purl.org/dc/dcmitype/"/>
+    <ds:schemaRef ds:uri="http://schemas.microsoft.com/office/2006/documentManagement/types"/>
+    <ds:schemaRef ds:uri="http://schemas.microsoft.com/office/2006/metadata/properties"/>
+    <ds:schemaRef ds:uri="http://www.w3.org/XML/1998/namespace"/>
+    <ds:schemaRef ds:uri="4f985cec-e092-4bcf-a1e1-b816bd0221d8"/>
+    <ds:schemaRef ds:uri="http://schemas.openxmlformats.org/package/2006/metadata/core-properties"/>
+    <ds:schemaRef ds:uri="http://purl.org/dc/terms/"/>
+    <ds:schemaRef ds:uri="http://purl.org/dc/elements/1.1/"/>
   </ds:schemaRefs>
 </ds:datastoreItem>
 </file>
--- a/Courses/Software-Sciences/Module-3-Databases-New/07-Relationships-and-ER-Diagrams/07-Relationships-ER-Diagrams.pptx
+++ b/Courses/Software-Sciences/Module-3-Databases-New/07-Relationships-and-ER-Diagrams/07-Relationships-ER-Diagrams.pptx
@@ -143,14 +143,14 @@
   </p:defaultTextStyle>
   <p:extLst>
     <p:ext uri="{521415D9-36F7-43E2-AB2F-B90AF26B5E84}">
-      <p14:sectionLst xmlns:p14="http://schemas.microsoft.com/office/powerpoint/2010/main">
+      <p14:sectionLst xmlns:p14="http://schemas.microsoft.com/office/powerpoint/2010/main" xmlns="">
         <p14:section name="Въведение" id="{A0C7653D-1924-4F56-9E27-AA2B21F1DA92}">
           <p14:sldIdLst>
             <p14:sldId id="503"/>
             <p14:sldId id="276"/>
           </p14:sldIdLst>
         </p14:section>
-        <p14:section name="Видове връзки&#13;" id="{12370640-ABFE-CA45-BD93-8C491885DFB9}">
+        <p14:section name="Видове връзки&#10;" id="{12370640-ABFE-CA45-BD93-8C491885DFB9}">
           <p14:sldIdLst>
             <p14:sldId id="520"/>
             <p14:sldId id="522"/>
@@ -160,14 +160,14 @@
             <p14:sldId id="526"/>
           </p14:sldIdLst>
         </p14:section>
-        <p14:section name="Ограничения на целостта&#13;" id="{BFAE36EB-683B-8848-8076-A744F507B256}">
+        <p14:section name="Ограничения на целостта&#10;" id="{BFAE36EB-683B-8848-8076-A744F507B256}">
           <p14:sldIdLst>
             <p14:sldId id="527"/>
             <p14:sldId id="528"/>
             <p14:sldId id="529"/>
           </p14:sldIdLst>
         </p14:section>
-        <p14:section name="Каскадни операции&#13;" id="{CB1102E2-3982-8049-86F5-5DB3F7BD09CA}">
+        <p14:section name="Каскадни операции&#10;" id="{CB1102E2-3982-8049-86F5-5DB3F7BD09CA}">
           <p14:sldIdLst>
             <p14:sldId id="535"/>
             <p14:sldId id="541"/>
@@ -178,7 +178,7 @@
             <p14:sldId id="540"/>
           </p14:sldIdLst>
         </p14:section>
-        <p14:section name="Нормализиране на БД&#13;" id="{9CB1CE64-60E7-574E-B2F5-A61040A3DFA9}">
+        <p14:section name="Нормализиране на БД&#10;" id="{9CB1CE64-60E7-574E-B2F5-A61040A3DFA9}">
           <p14:sldIdLst>
             <p14:sldId id="530"/>
             <p14:sldId id="511"/>
@@ -207,7 +207,7 @@
       </p14:sectionLst>
     </p:ext>
     <p:ext uri="{EFAFB233-063F-42B5-8137-9DF3F51BA10A}">
-      <p15:sldGuideLst xmlns:p15="http://schemas.microsoft.com/office/powerpoint/2012/main">
+      <p15:sldGuideLst xmlns:p15="http://schemas.microsoft.com/office/powerpoint/2012/main" xmlns="">
         <p15:guide id="1" orient="horz" pos="2184" userDrawn="1">
           <p15:clr>
             <a:srgbClr val="A4A3A4"/>
@@ -221,7 +221,7 @@
       </p15:sldGuideLst>
     </p:ext>
     <p:ext uri="{2D200454-40CA-4A62-9FC3-DE9A4176ACB9}">
-      <p15:notesGuideLst xmlns:p15="http://schemas.microsoft.com/office/powerpoint/2012/main"/>
+      <p15:notesGuideLst xmlns:p15="http://schemas.microsoft.com/office/powerpoint/2012/main" xmlns=""/>
     </p:ext>
   </p:extLst>
 </p:presentation>
@@ -254,7 +254,7 @@
           <p:cNvPr id="2" name="Header Placeholder 1">
             <a:extLst>
               <a:ext uri="{FF2B5EF4-FFF2-40B4-BE49-F238E27FC236}">
-                <a16:creationId xmlns:a16="http://schemas.microsoft.com/office/drawing/2014/main" id="{56F20103-83CC-4A54-8FDE-9D37FC2629C0}"/>
+                <a16:creationId xmlns:a16="http://schemas.microsoft.com/office/drawing/2014/main" xmlns="" id="{56F20103-83CC-4A54-8FDE-9D37FC2629C0}"/>
               </a:ext>
             </a:extLst>
           </p:cNvPr>
@@ -291,7 +291,7 @@
           <p:cNvPr id="3" name="Date Placeholder 2">
             <a:extLst>
               <a:ext uri="{FF2B5EF4-FFF2-40B4-BE49-F238E27FC236}">
-                <a16:creationId xmlns:a16="http://schemas.microsoft.com/office/drawing/2014/main" id="{27A53962-26EF-44E4-9E69-61B1727AB1C2}"/>
+                <a16:creationId xmlns:a16="http://schemas.microsoft.com/office/drawing/2014/main" xmlns="" id="{27A53962-26EF-44E4-9E69-61B1727AB1C2}"/>
               </a:ext>
             </a:extLst>
           </p:cNvPr>
@@ -322,7 +322,7 @@
             <a:fld id="{4E087215-0C8F-4762-A664-737A353EC9A4}" type="datetimeFigureOut">
               <a:rPr lang="bg-BG" smtClean="0"/>
               <a:pPr/>
-              <a:t>21.08.23 г.</a:t>
+              <a:t>21.8.2023 г.</a:t>
             </a:fld>
             <a:endParaRPr lang="bg-BG" dirty="0"/>
           </a:p>
@@ -333,7 +333,7 @@
           <p:cNvPr id="4" name="Footer Placeholder 3">
             <a:extLst>
               <a:ext uri="{FF2B5EF4-FFF2-40B4-BE49-F238E27FC236}">
-                <a16:creationId xmlns:a16="http://schemas.microsoft.com/office/drawing/2014/main" id="{28A6967E-448F-4887-8FCB-34482EFBCC74}"/>
+                <a16:creationId xmlns:a16="http://schemas.microsoft.com/office/drawing/2014/main" xmlns="" id="{28A6967E-448F-4887-8FCB-34482EFBCC74}"/>
               </a:ext>
             </a:extLst>
           </p:cNvPr>
@@ -383,7 +383,7 @@
           <p:cNvPr id="5" name="Slide Number Placeholder 4">
             <a:extLst>
               <a:ext uri="{FF2B5EF4-FFF2-40B4-BE49-F238E27FC236}">
-                <a16:creationId xmlns:a16="http://schemas.microsoft.com/office/drawing/2014/main" id="{8B6554C2-DDBA-40E2-9536-53A07EC50274}"/>
+                <a16:creationId xmlns:a16="http://schemas.microsoft.com/office/drawing/2014/main" xmlns="" id="{8B6554C2-DDBA-40E2-9536-53A07EC50274}"/>
               </a:ext>
             </a:extLst>
           </p:cNvPr>
@@ -423,7 +423,7 @@
     </p:spTree>
     <p:extLst>
       <p:ext uri="{BB962C8B-B14F-4D97-AF65-F5344CB8AC3E}">
-        <p14:creationId xmlns:p14="http://schemas.microsoft.com/office/powerpoint/2010/main" val="4150602968"/>
+        <p14:creationId xmlns:p14="http://schemas.microsoft.com/office/powerpoint/2010/main" xmlns="" val="4150602968"/>
       </p:ext>
     </p:extLst>
   </p:cSld>
@@ -515,7 +515,7 @@
             <a:fld id="{72D84649-876A-46C9-8472-14CB09C070D8}" type="datetimeFigureOut">
               <a:rPr lang="en-US" smtClean="0"/>
               <a:pPr/>
-              <a:t>8/21/23</a:t>
+              <a:t>8/21/2023</a:t>
             </a:fld>
             <a:endParaRPr lang="en-US" dirty="0"/>
           </a:p>
@@ -654,7 +654,7 @@
           <p:cNvPr id="8" name="Footer Placeholder 7">
             <a:extLst>
               <a:ext uri="{FF2B5EF4-FFF2-40B4-BE49-F238E27FC236}">
-                <a16:creationId xmlns:a16="http://schemas.microsoft.com/office/drawing/2014/main" id="{CAC3A49B-3196-44DF-AC28-085C72EFBFF0}"/>
+                <a16:creationId xmlns:a16="http://schemas.microsoft.com/office/drawing/2014/main" xmlns="" id="{CAC3A49B-3196-44DF-AC28-085C72EFBFF0}"/>
               </a:ext>
             </a:extLst>
           </p:cNvPr>
@@ -702,7 +702,7 @@
     </p:spTree>
     <p:extLst>
       <p:ext uri="{BB962C8B-B14F-4D97-AF65-F5344CB8AC3E}">
-        <p14:creationId xmlns:p14="http://schemas.microsoft.com/office/powerpoint/2010/main" val="1530847692"/>
+        <p14:creationId xmlns:p14="http://schemas.microsoft.com/office/powerpoint/2010/main" xmlns="" val="1530847692"/>
       </p:ext>
     </p:extLst>
   </p:cSld>
@@ -849,7 +849,7 @@
           <p:cNvPr id="8" name="Slide Image Placeholder 7">
             <a:extLst>
               <a:ext uri="{FF2B5EF4-FFF2-40B4-BE49-F238E27FC236}">
-                <a16:creationId xmlns:a16="http://schemas.microsoft.com/office/drawing/2014/main" id="{78811095-27E9-49AB-972B-D4E20B3963A6}"/>
+                <a16:creationId xmlns:a16="http://schemas.microsoft.com/office/drawing/2014/main" xmlns="" id="{78811095-27E9-49AB-972B-D4E20B3963A6}"/>
               </a:ext>
             </a:extLst>
           </p:cNvPr>
@@ -867,7 +867,7 @@
           <p:cNvPr id="9" name="Notes Placeholder 8">
             <a:extLst>
               <a:ext uri="{FF2B5EF4-FFF2-40B4-BE49-F238E27FC236}">
-                <a16:creationId xmlns:a16="http://schemas.microsoft.com/office/drawing/2014/main" id="{E923224B-0CC3-475A-8628-8A90751AE61A}"/>
+                <a16:creationId xmlns:a16="http://schemas.microsoft.com/office/drawing/2014/main" xmlns="" id="{E923224B-0CC3-475A-8628-8A90751AE61A}"/>
               </a:ext>
             </a:extLst>
           </p:cNvPr>
@@ -892,7 +892,7 @@
           <p:cNvPr id="2" name="Footer Placeholder 1">
             <a:extLst>
               <a:ext uri="{FF2B5EF4-FFF2-40B4-BE49-F238E27FC236}">
-                <a16:creationId xmlns:a16="http://schemas.microsoft.com/office/drawing/2014/main" id="{3288A3F3-90B1-4930-8D00-5603BDABEF10}"/>
+                <a16:creationId xmlns:a16="http://schemas.microsoft.com/office/drawing/2014/main" xmlns="" id="{3288A3F3-90B1-4930-8D00-5603BDABEF10}"/>
               </a:ext>
             </a:extLst>
           </p:cNvPr>
@@ -928,7 +928,7 @@
     </p:spTree>
     <p:extLst>
       <p:ext uri="{BB962C8B-B14F-4D97-AF65-F5344CB8AC3E}">
-        <p14:creationId xmlns:p14="http://schemas.microsoft.com/office/powerpoint/2010/main" val="2594489433"/>
+        <p14:creationId xmlns:p14="http://schemas.microsoft.com/office/powerpoint/2010/main" xmlns="" val="2594489433"/>
       </p:ext>
     </p:extLst>
   </p:cSld>
@@ -1178,7 +1178,7 @@
     </p:spTree>
     <p:extLst>
       <p:ext uri="{BB962C8B-B14F-4D97-AF65-F5344CB8AC3E}">
-        <p14:creationId xmlns:p14="http://schemas.microsoft.com/office/powerpoint/2010/main" val="2003455129"/>
+        <p14:creationId xmlns:p14="http://schemas.microsoft.com/office/powerpoint/2010/main" xmlns="" val="2003455129"/>
       </p:ext>
     </p:extLst>
   </p:cSld>
@@ -1241,7 +1241,7 @@
           <p:cNvPr id="7" name="Slide Number Placeholder 5">
             <a:extLst>
               <a:ext uri="{FF2B5EF4-FFF2-40B4-BE49-F238E27FC236}">
-                <a16:creationId xmlns:a16="http://schemas.microsoft.com/office/drawing/2014/main" id="{E65F1CA9-65DC-416B-8882-B3A5E415CE67}"/>
+                <a16:creationId xmlns:a16="http://schemas.microsoft.com/office/drawing/2014/main" xmlns="" id="{E65F1CA9-65DC-416B-8882-B3A5E415CE67}"/>
               </a:ext>
             </a:extLst>
           </p:cNvPr>
@@ -1371,7 +1371,7 @@
           <p:cNvPr id="4" name="Footer Placeholder 3">
             <a:extLst>
               <a:ext uri="{FF2B5EF4-FFF2-40B4-BE49-F238E27FC236}">
-                <a16:creationId xmlns:a16="http://schemas.microsoft.com/office/drawing/2014/main" id="{C5BD11C3-9FCD-4EAE-876D-E766924FAFF2}"/>
+                <a16:creationId xmlns:a16="http://schemas.microsoft.com/office/drawing/2014/main" xmlns="" id="{C5BD11C3-9FCD-4EAE-876D-E766924FAFF2}"/>
               </a:ext>
             </a:extLst>
           </p:cNvPr>
@@ -1407,7 +1407,7 @@
     </p:spTree>
     <p:extLst>
       <p:ext uri="{BB962C8B-B14F-4D97-AF65-F5344CB8AC3E}">
-        <p14:creationId xmlns:p14="http://schemas.microsoft.com/office/powerpoint/2010/main" val="1860974293"/>
+        <p14:creationId xmlns:p14="http://schemas.microsoft.com/office/powerpoint/2010/main" xmlns="" val="1860974293"/>
       </p:ext>
     </p:extLst>
   </p:cSld>
@@ -1492,7 +1492,7 @@
     </p:spTree>
     <p:extLst>
       <p:ext uri="{BB962C8B-B14F-4D97-AF65-F5344CB8AC3E}">
-        <p14:creationId xmlns:p14="http://schemas.microsoft.com/office/powerpoint/2010/main" val="1201445929"/>
+        <p14:creationId xmlns:p14="http://schemas.microsoft.com/office/powerpoint/2010/main" xmlns="" val="1201445929"/>
       </p:ext>
     </p:extLst>
   </p:cSld>
@@ -1555,7 +1555,7 @@
           <p:cNvPr id="6" name="Slide Number Placeholder 5">
             <a:extLst>
               <a:ext uri="{FF2B5EF4-FFF2-40B4-BE49-F238E27FC236}">
-                <a16:creationId xmlns:a16="http://schemas.microsoft.com/office/drawing/2014/main" id="{6627548A-4D3C-449B-81A5-FA4BE4628490}"/>
+                <a16:creationId xmlns:a16="http://schemas.microsoft.com/office/drawing/2014/main" xmlns="" id="{6627548A-4D3C-449B-81A5-FA4BE4628490}"/>
               </a:ext>
             </a:extLst>
           </p:cNvPr>
@@ -1685,7 +1685,7 @@
           <p:cNvPr id="4" name="Footer Placeholder 3">
             <a:extLst>
               <a:ext uri="{FF2B5EF4-FFF2-40B4-BE49-F238E27FC236}">
-                <a16:creationId xmlns:a16="http://schemas.microsoft.com/office/drawing/2014/main" id="{D2472CE7-61C1-4B7B-B0C8-5A45F0178717}"/>
+                <a16:creationId xmlns:a16="http://schemas.microsoft.com/office/drawing/2014/main" xmlns="" id="{D2472CE7-61C1-4B7B-B0C8-5A45F0178717}"/>
               </a:ext>
             </a:extLst>
           </p:cNvPr>
@@ -1721,7 +1721,7 @@
     </p:spTree>
     <p:extLst>
       <p:ext uri="{BB962C8B-B14F-4D97-AF65-F5344CB8AC3E}">
-        <p14:creationId xmlns:p14="http://schemas.microsoft.com/office/powerpoint/2010/main" val="729041308"/>
+        <p14:creationId xmlns:p14="http://schemas.microsoft.com/office/powerpoint/2010/main" xmlns="" val="729041308"/>
       </p:ext>
     </p:extLst>
   </p:cSld>
@@ -1753,7 +1753,7 @@
           <p:cNvPr id="14" name="Slide Image Placeholder 13">
             <a:extLst>
               <a:ext uri="{FF2B5EF4-FFF2-40B4-BE49-F238E27FC236}">
-                <a16:creationId xmlns:a16="http://schemas.microsoft.com/office/drawing/2014/main" id="{A1F0B3C6-2E53-4CA3-86D1-53D46EC35267}"/>
+                <a16:creationId xmlns:a16="http://schemas.microsoft.com/office/drawing/2014/main" xmlns="" id="{A1F0B3C6-2E53-4CA3-86D1-53D46EC35267}"/>
               </a:ext>
             </a:extLst>
           </p:cNvPr>
@@ -1771,7 +1771,7 @@
           <p:cNvPr id="15" name="Notes Placeholder 14">
             <a:extLst>
               <a:ext uri="{FF2B5EF4-FFF2-40B4-BE49-F238E27FC236}">
-                <a16:creationId xmlns:a16="http://schemas.microsoft.com/office/drawing/2014/main" id="{149CC699-A079-49A5-A4D6-73B7F849A7DC}"/>
+                <a16:creationId xmlns:a16="http://schemas.microsoft.com/office/drawing/2014/main" xmlns="" id="{149CC699-A079-49A5-A4D6-73B7F849A7DC}"/>
               </a:ext>
             </a:extLst>
           </p:cNvPr>
@@ -1796,7 +1796,7 @@
           <p:cNvPr id="19" name="Slide Number Placeholder 5">
             <a:extLst>
               <a:ext uri="{FF2B5EF4-FFF2-40B4-BE49-F238E27FC236}">
-                <a16:creationId xmlns:a16="http://schemas.microsoft.com/office/drawing/2014/main" id="{121F4233-7E9A-40D2-9066-2DB14E2FA5AD}"/>
+                <a16:creationId xmlns:a16="http://schemas.microsoft.com/office/drawing/2014/main" xmlns="" id="{121F4233-7E9A-40D2-9066-2DB14E2FA5AD}"/>
               </a:ext>
             </a:extLst>
           </p:cNvPr>
@@ -1926,7 +1926,7 @@
           <p:cNvPr id="2" name="Footer Placeholder 1">
             <a:extLst>
               <a:ext uri="{FF2B5EF4-FFF2-40B4-BE49-F238E27FC236}">
-                <a16:creationId xmlns:a16="http://schemas.microsoft.com/office/drawing/2014/main" id="{D18F1DFF-B3E7-4ABF-97EE-0BBF3A961EC5}"/>
+                <a16:creationId xmlns:a16="http://schemas.microsoft.com/office/drawing/2014/main" xmlns="" id="{D18F1DFF-B3E7-4ABF-97EE-0BBF3A961EC5}"/>
               </a:ext>
             </a:extLst>
           </p:cNvPr>
@@ -1962,7 +1962,7 @@
     </p:spTree>
     <p:extLst>
       <p:ext uri="{BB962C8B-B14F-4D97-AF65-F5344CB8AC3E}">
-        <p14:creationId xmlns:p14="http://schemas.microsoft.com/office/powerpoint/2010/main" val="4028530743"/>
+        <p14:creationId xmlns:p14="http://schemas.microsoft.com/office/powerpoint/2010/main" xmlns="" val="4028530743"/>
       </p:ext>
     </p:extLst>
   </p:cSld>
@@ -2131,7 +2131,7 @@
           <a:bodyPr/>
           <a:lstStyle/>
           <a:p>
-            <a:endParaRPr lang="en-BG" dirty="0"/>
+            <a:endParaRPr lang="x-none" dirty="0"/>
           </a:p>
         </p:txBody>
       </p:sp>
@@ -2195,7 +2195,7 @@
     </p:spTree>
     <p:extLst>
       <p:ext uri="{BB962C8B-B14F-4D97-AF65-F5344CB8AC3E}">
-        <p14:creationId xmlns:p14="http://schemas.microsoft.com/office/powerpoint/2010/main" val="2076008154"/>
+        <p14:creationId xmlns:p14="http://schemas.microsoft.com/office/powerpoint/2010/main" xmlns="" val="2076008154"/>
       </p:ext>
     </p:extLst>
   </p:cSld>
@@ -2330,7 +2330,7 @@
     </p:spTree>
     <p:extLst>
       <p:ext uri="{BB962C8B-B14F-4D97-AF65-F5344CB8AC3E}">
-        <p14:creationId xmlns:p14="http://schemas.microsoft.com/office/powerpoint/2010/main" val="1162354248"/>
+        <p14:creationId xmlns:p14="http://schemas.microsoft.com/office/powerpoint/2010/main" xmlns="" val="1162354248"/>
       </p:ext>
     </p:extLst>
   </p:cSld>
@@ -2417,7 +2417,7 @@
           <p:cNvPr id="7" name="Footer Placeholder 7">
             <a:extLst>
               <a:ext uri="{FF2B5EF4-FFF2-40B4-BE49-F238E27FC236}">
-                <a16:creationId xmlns:a16="http://schemas.microsoft.com/office/drawing/2014/main" id="{5D8943ED-62FC-43CF-9220-3EBB34288175}"/>
+                <a16:creationId xmlns:a16="http://schemas.microsoft.com/office/drawing/2014/main" xmlns="" id="{5D8943ED-62FC-43CF-9220-3EBB34288175}"/>
               </a:ext>
             </a:extLst>
           </p:cNvPr>
@@ -2465,7 +2465,7 @@
     </p:spTree>
     <p:extLst>
       <p:ext uri="{BB962C8B-B14F-4D97-AF65-F5344CB8AC3E}">
-        <p14:creationId xmlns:p14="http://schemas.microsoft.com/office/powerpoint/2010/main" val="1661868776"/>
+        <p14:creationId xmlns:p14="http://schemas.microsoft.com/office/powerpoint/2010/main" xmlns="" val="1661868776"/>
       </p:ext>
     </p:extLst>
   </p:cSld>
@@ -2552,7 +2552,7 @@
           <p:cNvPr id="7" name="Footer Placeholder 7">
             <a:extLst>
               <a:ext uri="{FF2B5EF4-FFF2-40B4-BE49-F238E27FC236}">
-                <a16:creationId xmlns:a16="http://schemas.microsoft.com/office/drawing/2014/main" id="{B1181F38-7E25-4CF0-8477-2E5E9629196E}"/>
+                <a16:creationId xmlns:a16="http://schemas.microsoft.com/office/drawing/2014/main" xmlns="" id="{B1181F38-7E25-4CF0-8477-2E5E9629196E}"/>
               </a:ext>
             </a:extLst>
           </p:cNvPr>
@@ -2600,7 +2600,7 @@
     </p:spTree>
     <p:extLst>
       <p:ext uri="{BB962C8B-B14F-4D97-AF65-F5344CB8AC3E}">
-        <p14:creationId xmlns:p14="http://schemas.microsoft.com/office/powerpoint/2010/main" val="1076401627"/>
+        <p14:creationId xmlns:p14="http://schemas.microsoft.com/office/powerpoint/2010/main" xmlns="" val="1076401627"/>
       </p:ext>
     </p:extLst>
   </p:cSld>
@@ -2687,7 +2687,7 @@
           <p:cNvPr id="7" name="Footer Placeholder 7">
             <a:extLst>
               <a:ext uri="{FF2B5EF4-FFF2-40B4-BE49-F238E27FC236}">
-                <a16:creationId xmlns:a16="http://schemas.microsoft.com/office/drawing/2014/main" id="{FE55E717-ED34-4F6A-893D-66C42190586B}"/>
+                <a16:creationId xmlns:a16="http://schemas.microsoft.com/office/drawing/2014/main" xmlns="" id="{FE55E717-ED34-4F6A-893D-66C42190586B}"/>
               </a:ext>
             </a:extLst>
           </p:cNvPr>
@@ -2735,7 +2735,7 @@
     </p:spTree>
     <p:extLst>
       <p:ext uri="{BB962C8B-B14F-4D97-AF65-F5344CB8AC3E}">
-        <p14:creationId xmlns:p14="http://schemas.microsoft.com/office/powerpoint/2010/main" val="4193284810"/>
+        <p14:creationId xmlns:p14="http://schemas.microsoft.com/office/powerpoint/2010/main" xmlns="" val="4193284810"/>
       </p:ext>
     </p:extLst>
   </p:cSld>
@@ -2822,7 +2822,7 @@
           <p:cNvPr id="7" name="Footer Placeholder 7">
             <a:extLst>
               <a:ext uri="{FF2B5EF4-FFF2-40B4-BE49-F238E27FC236}">
-                <a16:creationId xmlns:a16="http://schemas.microsoft.com/office/drawing/2014/main" id="{B80D8324-A1E3-4093-A148-79A57C1E1C9A}"/>
+                <a16:creationId xmlns:a16="http://schemas.microsoft.com/office/drawing/2014/main" xmlns="" id="{B80D8324-A1E3-4093-A148-79A57C1E1C9A}"/>
               </a:ext>
             </a:extLst>
           </p:cNvPr>
@@ -2870,7 +2870,7 @@
     </p:spTree>
     <p:extLst>
       <p:ext uri="{BB962C8B-B14F-4D97-AF65-F5344CB8AC3E}">
-        <p14:creationId xmlns:p14="http://schemas.microsoft.com/office/powerpoint/2010/main" val="4004989242"/>
+        <p14:creationId xmlns:p14="http://schemas.microsoft.com/office/powerpoint/2010/main" xmlns="" val="4004989242"/>
       </p:ext>
     </p:extLst>
   </p:cSld>
@@ -2902,7 +2902,7 @@
           <p:cNvPr id="16" name="Rectangle Bottom">
             <a:extLst>
               <a:ext uri="{FF2B5EF4-FFF2-40B4-BE49-F238E27FC236}">
-                <a16:creationId xmlns:a16="http://schemas.microsoft.com/office/drawing/2014/main" id="{6854D183-0374-4B3E-B2CE-32F308A81591}"/>
+                <a16:creationId xmlns:a16="http://schemas.microsoft.com/office/drawing/2014/main" xmlns="" id="{6854D183-0374-4B3E-B2CE-32F308A81591}"/>
               </a:ext>
             </a:extLst>
           </p:cNvPr>
@@ -2983,7 +2983,7 @@
           <p:cNvPr id="14" name="Picture Logo SoftUni" descr="SoftUni logo">
             <a:extLst>
               <a:ext uri="{FF2B5EF4-FFF2-40B4-BE49-F238E27FC236}">
-                <a16:creationId xmlns:a16="http://schemas.microsoft.com/office/drawing/2014/main" id="{C4D6B2A2-DFF0-4712-BFEC-6676BEC99FEC}"/>
+                <a16:creationId xmlns:a16="http://schemas.microsoft.com/office/drawing/2014/main" xmlns="" id="{C4D6B2A2-DFF0-4712-BFEC-6676BEC99FEC}"/>
               </a:ext>
             </a:extLst>
           </p:cNvPr>
@@ -3006,7 +3006,7 @@
             </a:clrChange>
             <a:extLst>
               <a:ext uri="{28A0092B-C50C-407E-A947-70E740481C1C}">
-                <a14:useLocalDpi xmlns:a14="http://schemas.microsoft.com/office/drawing/2010/main" val="0"/>
+                <a14:useLocalDpi xmlns:a14="http://schemas.microsoft.com/office/drawing/2010/main" xmlns="" val="0"/>
               </a:ext>
             </a:extLst>
           </a:blip>
@@ -3029,7 +3029,7 @@
           <p:cNvPr id="31" name="Text Placeholder Company Site">
             <a:extLst>
               <a:ext uri="{FF2B5EF4-FFF2-40B4-BE49-F238E27FC236}">
-                <a16:creationId xmlns:a16="http://schemas.microsoft.com/office/drawing/2014/main" id="{3E6B87B7-9D33-4EBB-BD4F-C0436BA3FD72}"/>
+                <a16:creationId xmlns:a16="http://schemas.microsoft.com/office/drawing/2014/main" xmlns="" id="{3E6B87B7-9D33-4EBB-BD4F-C0436BA3FD72}"/>
               </a:ext>
             </a:extLst>
           </p:cNvPr>
@@ -3091,7 +3091,7 @@
           <p:cNvPr id="30" name="Text Placeholder Company Name">
             <a:extLst>
               <a:ext uri="{FF2B5EF4-FFF2-40B4-BE49-F238E27FC236}">
-                <a16:creationId xmlns:a16="http://schemas.microsoft.com/office/drawing/2014/main" id="{2EA92DCA-4DB5-4D03-ACD3-A6A296592D0C}"/>
+                <a16:creationId xmlns:a16="http://schemas.microsoft.com/office/drawing/2014/main" xmlns="" id="{2EA92DCA-4DB5-4D03-ACD3-A6A296592D0C}"/>
               </a:ext>
             </a:extLst>
           </p:cNvPr>
@@ -3153,7 +3153,7 @@
           <p:cNvPr id="35" name="Picture SoftUni Mascot" descr="SoftUni mascot">
             <a:extLst>
               <a:ext uri="{FF2B5EF4-FFF2-40B4-BE49-F238E27FC236}">
-                <a16:creationId xmlns:a16="http://schemas.microsoft.com/office/drawing/2014/main" id="{951E7DA9-C5F0-43D9-B013-3BDF9EEF029D}"/>
+                <a16:creationId xmlns:a16="http://schemas.microsoft.com/office/drawing/2014/main" xmlns="" id="{951E7DA9-C5F0-43D9-B013-3BDF9EEF029D}"/>
               </a:ext>
             </a:extLst>
           </p:cNvPr>
@@ -3166,7 +3166,7 @@
           <a:blip r:embed="rId3" cstate="print">
             <a:extLst>
               <a:ext uri="{28A0092B-C50C-407E-A947-70E740481C1C}">
-                <a14:useLocalDpi xmlns:a14="http://schemas.microsoft.com/office/drawing/2010/main" val="0"/>
+                <a14:useLocalDpi xmlns:a14="http://schemas.microsoft.com/office/drawing/2010/main" xmlns="" val="0"/>
               </a:ext>
             </a:extLst>
           </a:blip>
@@ -3189,7 +3189,7 @@
             <a:hlinkClick r:id="rId4"/>
             <a:extLst>
               <a:ext uri="{FF2B5EF4-FFF2-40B4-BE49-F238E27FC236}">
-                <a16:creationId xmlns:a16="http://schemas.microsoft.com/office/drawing/2014/main" id="{F2315EB3-3FE4-4D3B-921E-5F209CEC13CB}"/>
+                <a16:creationId xmlns:a16="http://schemas.microsoft.com/office/drawing/2014/main" xmlns="" id="{F2315EB3-3FE4-4D3B-921E-5F209CEC13CB}"/>
               </a:ext>
             </a:extLst>
           </p:cNvPr>
@@ -3212,7 +3212,7 @@
             </a:clrChange>
             <a:extLst>
               <a:ext uri="{28A0092B-C50C-407E-A947-70E740481C1C}">
-                <a14:useLocalDpi xmlns:a14="http://schemas.microsoft.com/office/drawing/2010/main" val="0"/>
+                <a14:useLocalDpi xmlns:a14="http://schemas.microsoft.com/office/drawing/2010/main" xmlns="" val="0"/>
               </a:ext>
             </a:extLst>
           </a:blip>
@@ -3235,7 +3235,7 @@
           <p:cNvPr id="40" name="Text Placeholder Author Position">
             <a:extLst>
               <a:ext uri="{FF2B5EF4-FFF2-40B4-BE49-F238E27FC236}">
-                <a16:creationId xmlns:a16="http://schemas.microsoft.com/office/drawing/2014/main" id="{CD940256-851E-46C8-8BFB-A5ECA6C7DA07}"/>
+                <a16:creationId xmlns:a16="http://schemas.microsoft.com/office/drawing/2014/main" xmlns="" id="{CD940256-851E-46C8-8BFB-A5ECA6C7DA07}"/>
               </a:ext>
             </a:extLst>
           </p:cNvPr>
@@ -3295,7 +3295,7 @@
           <p:cNvPr id="36" name="Text Placeholder Author Name">
             <a:extLst>
               <a:ext uri="{FF2B5EF4-FFF2-40B4-BE49-F238E27FC236}">
-                <a16:creationId xmlns:a16="http://schemas.microsoft.com/office/drawing/2014/main" id="{3B21F47B-DE1F-442D-A2B7-6866F8786704}"/>
+                <a16:creationId xmlns:a16="http://schemas.microsoft.com/office/drawing/2014/main" xmlns="" id="{3B21F47B-DE1F-442D-A2B7-6866F8786704}"/>
               </a:ext>
             </a:extLst>
           </p:cNvPr>
@@ -3355,7 +3355,7 @@
           <p:cNvPr id="33" name="Picture Placeholder Title Image">
             <a:extLst>
               <a:ext uri="{FF2B5EF4-FFF2-40B4-BE49-F238E27FC236}">
-                <a16:creationId xmlns:a16="http://schemas.microsoft.com/office/drawing/2014/main" id="{A04D819A-89E2-4714-8C56-1838BF467EF7}"/>
+                <a16:creationId xmlns:a16="http://schemas.microsoft.com/office/drawing/2014/main" xmlns="" id="{A04D819A-89E2-4714-8C56-1838BF467EF7}"/>
               </a:ext>
             </a:extLst>
           </p:cNvPr>
@@ -3397,7 +3397,7 @@
           <p:cNvPr id="43" name="Presentation Subtitle">
             <a:extLst>
               <a:ext uri="{FF2B5EF4-FFF2-40B4-BE49-F238E27FC236}">
-                <a16:creationId xmlns:a16="http://schemas.microsoft.com/office/drawing/2014/main" id="{37BDB812-1395-4B02-ABCF-6A331EEE23E5}"/>
+                <a16:creationId xmlns:a16="http://schemas.microsoft.com/office/drawing/2014/main" xmlns="" id="{37BDB812-1395-4B02-ABCF-6A331EEE23E5}"/>
               </a:ext>
             </a:extLst>
           </p:cNvPr>
@@ -3441,7 +3441,7 @@
           <p:cNvPr id="2" name="Presentation Title">
             <a:extLst>
               <a:ext uri="{FF2B5EF4-FFF2-40B4-BE49-F238E27FC236}">
-                <a16:creationId xmlns:a16="http://schemas.microsoft.com/office/drawing/2014/main" id="{A4DF3AB8-E6E3-4FCE-8A4A-ECD147720A5D}"/>
+                <a16:creationId xmlns:a16="http://schemas.microsoft.com/office/drawing/2014/main" xmlns="" id="{A4DF3AB8-E6E3-4FCE-8A4A-ECD147720A5D}"/>
               </a:ext>
             </a:extLst>
           </p:cNvPr>
@@ -3476,24 +3476,24 @@
     </p:spTree>
     <p:extLst>
       <p:ext uri="{BB962C8B-B14F-4D97-AF65-F5344CB8AC3E}">
-        <p14:creationId xmlns:p14="http://schemas.microsoft.com/office/powerpoint/2010/main" val="970179299"/>
+        <p14:creationId xmlns:p14="http://schemas.microsoft.com/office/powerpoint/2010/main" xmlns="" val="970179299"/>
       </p:ext>
     </p:extLst>
   </p:cSld>
   <p:clrMapOvr>
     <a:masterClrMapping/>
   </p:clrMapOvr>
-  <mc:AlternateContent xmlns:mc="http://schemas.openxmlformats.org/markup-compatibility/2006" xmlns:p14="http://schemas.microsoft.com/office/powerpoint/2010/main">
-    <mc:Choice Requires="p14">
+  <mc:AlternateContent xmlns:mc="http://schemas.openxmlformats.org/markup-compatibility/2006">
+    <mc:Choice xmlns:p14="http://schemas.microsoft.com/office/powerpoint/2010/main" xmlns="" Requires="p14">
       <p:transition spd="slow" p14:dur="2000" advClick="0" advTm="5000"/>
     </mc:Choice>
-    <mc:Fallback xmlns="">
+    <mc:Fallback>
       <p:transition spd="slow" advClick="0" advTm="5000"/>
     </mc:Fallback>
   </mc:AlternateContent>
   <p:extLst>
     <p:ext uri="{DCECCB84-F9BA-43D5-87BE-67443E8EF086}">
-      <p15:sldGuideLst xmlns:p15="http://schemas.microsoft.com/office/powerpoint/2012/main">
+      <p15:sldGuideLst xmlns:p15="http://schemas.microsoft.com/office/powerpoint/2012/main" xmlns="">
         <p15:guide id="1" orient="horz" pos="2160">
           <p15:clr>
             <a:srgbClr val="FBAE40"/>
@@ -3532,7 +3532,7 @@
           <p:cNvPr id="15" name="Slide Number">
             <a:extLst>
               <a:ext uri="{FF2B5EF4-FFF2-40B4-BE49-F238E27FC236}">
-                <a16:creationId xmlns:a16="http://schemas.microsoft.com/office/drawing/2014/main" id="{F888EE71-82B3-40F1-A63F-7417422FB4A4}"/>
+                <a16:creationId xmlns:a16="http://schemas.microsoft.com/office/drawing/2014/main" xmlns="" id="{F888EE71-82B3-40F1-A63F-7417422FB4A4}"/>
               </a:ext>
             </a:extLst>
           </p:cNvPr>
@@ -3574,7 +3574,7 @@
           <p:cNvPr id="14" name="Text Placeholder Body">
             <a:extLst>
               <a:ext uri="{FF2B5EF4-FFF2-40B4-BE49-F238E27FC236}">
-                <a16:creationId xmlns:a16="http://schemas.microsoft.com/office/drawing/2014/main" id="{A2ABE920-240F-4CF6-AD45-23ED489FAD6E}"/>
+                <a16:creationId xmlns:a16="http://schemas.microsoft.com/office/drawing/2014/main" xmlns="" id="{A2ABE920-240F-4CF6-AD45-23ED489FAD6E}"/>
               </a:ext>
             </a:extLst>
           </p:cNvPr>
@@ -3880,7 +3880,7 @@
           <p:cNvPr id="10" name="Rectangle Down">
             <a:extLst>
               <a:ext uri="{FF2B5EF4-FFF2-40B4-BE49-F238E27FC236}">
-                <a16:creationId xmlns:a16="http://schemas.microsoft.com/office/drawing/2014/main" id="{E9B994EC-35A8-4A11-98CB-25DC28852F94}"/>
+                <a16:creationId xmlns:a16="http://schemas.microsoft.com/office/drawing/2014/main" xmlns="" id="{E9B994EC-35A8-4A11-98CB-25DC28852F94}"/>
               </a:ext>
             </a:extLst>
           </p:cNvPr>
@@ -3961,7 +3961,7 @@
           <p:cNvPr id="11" name="Rectangle Top">
             <a:extLst>
               <a:ext uri="{FF2B5EF4-FFF2-40B4-BE49-F238E27FC236}">
-                <a16:creationId xmlns:a16="http://schemas.microsoft.com/office/drawing/2014/main" id="{274B8F05-DFCE-47BD-BAFD-DF93E1A63BDD}"/>
+                <a16:creationId xmlns:a16="http://schemas.microsoft.com/office/drawing/2014/main" xmlns="" id="{274B8F05-DFCE-47BD-BAFD-DF93E1A63BDD}"/>
               </a:ext>
             </a:extLst>
           </p:cNvPr>
@@ -4042,7 +4042,7 @@
           <p:cNvPr id="12" name="Logo Software University" descr="Software University logo">
             <a:extLst>
               <a:ext uri="{FF2B5EF4-FFF2-40B4-BE49-F238E27FC236}">
-                <a16:creationId xmlns:a16="http://schemas.microsoft.com/office/drawing/2014/main" id="{233CBB95-791E-4630-B3D9-FADFCE7BCF52}"/>
+                <a16:creationId xmlns:a16="http://schemas.microsoft.com/office/drawing/2014/main" xmlns="" id="{233CBB95-791E-4630-B3D9-FADFCE7BCF52}"/>
               </a:ext>
             </a:extLst>
           </p:cNvPr>
@@ -4055,7 +4055,7 @@
           <a:blip r:embed="rId2" cstate="print">
             <a:extLst>
               <a:ext uri="{28A0092B-C50C-407E-A947-70E740481C1C}">
-                <a14:useLocalDpi xmlns:a14="http://schemas.microsoft.com/office/drawing/2010/main" val="0"/>
+                <a14:useLocalDpi xmlns:a14="http://schemas.microsoft.com/office/drawing/2010/main" xmlns="" val="0"/>
               </a:ext>
             </a:extLst>
           </a:blip>
@@ -4078,7 +4078,7 @@
           <p:cNvPr id="13" name="Slide Title">
             <a:extLst>
               <a:ext uri="{FF2B5EF4-FFF2-40B4-BE49-F238E27FC236}">
-                <a16:creationId xmlns:a16="http://schemas.microsoft.com/office/drawing/2014/main" id="{3F218E34-55D7-4290-BFE4-80F31F941551}"/>
+                <a16:creationId xmlns:a16="http://schemas.microsoft.com/office/drawing/2014/main" xmlns="" id="{3F218E34-55D7-4290-BFE4-80F31F941551}"/>
               </a:ext>
             </a:extLst>
           </p:cNvPr>
@@ -4117,18 +4117,18 @@
     </p:spTree>
     <p:extLst>
       <p:ext uri="{BB962C8B-B14F-4D97-AF65-F5344CB8AC3E}">
-        <p14:creationId xmlns:p14="http://schemas.microsoft.com/office/powerpoint/2010/main" val="3774019400"/>
+        <p14:creationId xmlns:p14="http://schemas.microsoft.com/office/powerpoint/2010/main" xmlns="" val="3774019400"/>
       </p:ext>
     </p:extLst>
   </p:cSld>
   <p:clrMapOvr>
     <a:masterClrMapping/>
   </p:clrMapOvr>
-  <mc:AlternateContent xmlns:mc="http://schemas.openxmlformats.org/markup-compatibility/2006" xmlns:p14="http://schemas.microsoft.com/office/powerpoint/2010/main">
-    <mc:Choice Requires="p14">
+  <mc:AlternateContent xmlns:mc="http://schemas.openxmlformats.org/markup-compatibility/2006">
+    <mc:Choice xmlns:p14="http://schemas.microsoft.com/office/powerpoint/2010/main" xmlns="" Requires="p14">
       <p:transition spd="slow" p14:dur="2000" advClick="0" advTm="5000"/>
     </mc:Choice>
-    <mc:Fallback xmlns="">
+    <mc:Fallback>
       <p:transition spd="slow" advClick="0" advTm="5000"/>
     </mc:Fallback>
   </mc:AlternateContent>
@@ -4165,7 +4165,7 @@
           <p:cNvPr id="35" name="Rectangle Bottom">
             <a:extLst>
               <a:ext uri="{FF2B5EF4-FFF2-40B4-BE49-F238E27FC236}">
-                <a16:creationId xmlns:a16="http://schemas.microsoft.com/office/drawing/2014/main" id="{550A59F9-9A9D-4956-95B4-F78CC0DB1D59}"/>
+                <a16:creationId xmlns:a16="http://schemas.microsoft.com/office/drawing/2014/main" xmlns="" id="{550A59F9-9A9D-4956-95B4-F78CC0DB1D59}"/>
               </a:ext>
             </a:extLst>
           </p:cNvPr>
@@ -4246,7 +4246,7 @@
           <p:cNvPr id="53" name="Rectangle Bottom Copyright">
             <a:extLst>
               <a:ext uri="{FF2B5EF4-FFF2-40B4-BE49-F238E27FC236}">
-                <a16:creationId xmlns:a16="http://schemas.microsoft.com/office/drawing/2014/main" id="{B07FB7FB-DA6C-4F5D-B068-357F0FCE27D8}"/>
+                <a16:creationId xmlns:a16="http://schemas.microsoft.com/office/drawing/2014/main" xmlns="" id="{B07FB7FB-DA6C-4F5D-B068-357F0FCE27D8}"/>
               </a:ext>
             </a:extLst>
           </p:cNvPr>
@@ -4303,7 +4303,7 @@
                 <a:hlinkClick r:id="rId2">
                   <a:extLst>
                     <a:ext uri="{A12FA001-AC4F-418D-AE19-62706E023703}">
-                      <ahyp:hlinkClr xmlns:ahyp="http://schemas.microsoft.com/office/drawing/2018/hyperlinkcolor" val="tx"/>
+                      <ahyp:hlinkClr xmlns:ahyp="http://schemas.microsoft.com/office/drawing/2018/hyperlinkcolor" xmlns="" val="tx"/>
                     </a:ext>
                   </a:extLst>
                 </a:hlinkClick>
@@ -4339,7 +4339,7 @@
           <p:cNvPr id="26" name="Picture SoftUni Mascot" descr="SoftUni mascot with open hand">
             <a:extLst>
               <a:ext uri="{FF2B5EF4-FFF2-40B4-BE49-F238E27FC236}">
-                <a16:creationId xmlns:a16="http://schemas.microsoft.com/office/drawing/2014/main" id="{247CFF3C-C4FA-493D-8505-DF469F4D36A4}"/>
+                <a16:creationId xmlns:a16="http://schemas.microsoft.com/office/drawing/2014/main" xmlns="" id="{247CFF3C-C4FA-493D-8505-DF469F4D36A4}"/>
               </a:ext>
             </a:extLst>
           </p:cNvPr>
@@ -4352,7 +4352,7 @@
           <a:blip r:embed="rId3" cstate="print">
             <a:extLst>
               <a:ext uri="{28A0092B-C50C-407E-A947-70E740481C1C}">
-                <a14:useLocalDpi xmlns:a14="http://schemas.microsoft.com/office/drawing/2010/main" val="0"/>
+                <a14:useLocalDpi xmlns:a14="http://schemas.microsoft.com/office/drawing/2010/main" xmlns="" val="0"/>
               </a:ext>
             </a:extLst>
           </a:blip>
@@ -4375,7 +4375,7 @@
           <p:cNvPr id="2" name="Group SoftUni Brands">
             <a:extLst>
               <a:ext uri="{FF2B5EF4-FFF2-40B4-BE49-F238E27FC236}">
-                <a16:creationId xmlns:a16="http://schemas.microsoft.com/office/drawing/2014/main" id="{418FAE34-C1F8-46C7-A4AE-F270D1E70F25}"/>
+                <a16:creationId xmlns:a16="http://schemas.microsoft.com/office/drawing/2014/main" xmlns="" id="{418FAE34-C1F8-46C7-A4AE-F270D1E70F25}"/>
               </a:ext>
             </a:extLst>
           </p:cNvPr>
@@ -4395,7 +4395,7 @@
             <p:cNvPr id="24" name="Picture SoftUni Kids Logo" descr="SoftUni Kids logo">
               <a:extLst>
                 <a:ext uri="{FF2B5EF4-FFF2-40B4-BE49-F238E27FC236}">
-                  <a16:creationId xmlns:a16="http://schemas.microsoft.com/office/drawing/2014/main" id="{B0812936-74B6-4265-8C08-AEDC8C798702}"/>
+                  <a16:creationId xmlns:a16="http://schemas.microsoft.com/office/drawing/2014/main" xmlns="" id="{B0812936-74B6-4265-8C08-AEDC8C798702}"/>
                 </a:ext>
               </a:extLst>
             </p:cNvPr>
@@ -4408,7 +4408,7 @@
             <a:blip r:embed="rId4" cstate="print">
               <a:extLst>
                 <a:ext uri="{28A0092B-C50C-407E-A947-70E740481C1C}">
-                  <a14:useLocalDpi xmlns:a14="http://schemas.microsoft.com/office/drawing/2010/main" val="0"/>
+                  <a14:useLocalDpi xmlns:a14="http://schemas.microsoft.com/office/drawing/2010/main" xmlns="" val="0"/>
                 </a:ext>
               </a:extLst>
             </a:blip>
@@ -4431,7 +4431,7 @@
             <p:cNvPr id="23" name="Picture SoftUni Foundation Logo" descr="SoftUni Foundation logo">
               <a:extLst>
                 <a:ext uri="{FF2B5EF4-FFF2-40B4-BE49-F238E27FC236}">
-                  <a16:creationId xmlns:a16="http://schemas.microsoft.com/office/drawing/2014/main" id="{6643F71A-2013-433A-8322-FBAAED3162D8}"/>
+                  <a16:creationId xmlns:a16="http://schemas.microsoft.com/office/drawing/2014/main" xmlns="" id="{6643F71A-2013-433A-8322-FBAAED3162D8}"/>
                 </a:ext>
               </a:extLst>
             </p:cNvPr>
@@ -4444,7 +4444,7 @@
             <a:blip r:embed="rId5" cstate="print">
               <a:extLst>
                 <a:ext uri="{28A0092B-C50C-407E-A947-70E740481C1C}">
-                  <a14:useLocalDpi xmlns:a14="http://schemas.microsoft.com/office/drawing/2010/main" val="0"/>
+                  <a14:useLocalDpi xmlns:a14="http://schemas.microsoft.com/office/drawing/2010/main" xmlns="" val="0"/>
                 </a:ext>
               </a:extLst>
             </a:blip>
@@ -4467,7 +4467,7 @@
             <p:cNvPr id="22" name="Picture SoftUni Digital Logo" descr="SoftUni Digital logo">
               <a:extLst>
                 <a:ext uri="{FF2B5EF4-FFF2-40B4-BE49-F238E27FC236}">
-                  <a16:creationId xmlns:a16="http://schemas.microsoft.com/office/drawing/2014/main" id="{0A83D66F-855B-463B-920B-BF239B01A206}"/>
+                  <a16:creationId xmlns:a16="http://schemas.microsoft.com/office/drawing/2014/main" xmlns="" id="{0A83D66F-855B-463B-920B-BF239B01A206}"/>
                 </a:ext>
               </a:extLst>
             </p:cNvPr>
@@ -4480,7 +4480,7 @@
             <a:blip r:embed="rId6" cstate="print">
               <a:extLst>
                 <a:ext uri="{28A0092B-C50C-407E-A947-70E740481C1C}">
-                  <a14:useLocalDpi xmlns:a14="http://schemas.microsoft.com/office/drawing/2010/main" val="0"/>
+                  <a14:useLocalDpi xmlns:a14="http://schemas.microsoft.com/office/drawing/2010/main" xmlns="" val="0"/>
                 </a:ext>
               </a:extLst>
             </a:blip>
@@ -4503,7 +4503,7 @@
             <p:cNvPr id="21" name="Picture SoftUni Creative Logo" descr="SoftUni Creative logo">
               <a:extLst>
                 <a:ext uri="{FF2B5EF4-FFF2-40B4-BE49-F238E27FC236}">
-                  <a16:creationId xmlns:a16="http://schemas.microsoft.com/office/drawing/2014/main" id="{EA755AAE-BA08-481C-9224-0061170EE4B8}"/>
+                  <a16:creationId xmlns:a16="http://schemas.microsoft.com/office/drawing/2014/main" xmlns="" id="{EA755AAE-BA08-481C-9224-0061170EE4B8}"/>
                 </a:ext>
               </a:extLst>
             </p:cNvPr>
@@ -4516,7 +4516,7 @@
             <a:blip r:embed="rId7" cstate="print">
               <a:extLst>
                 <a:ext uri="{28A0092B-C50C-407E-A947-70E740481C1C}">
-                  <a14:useLocalDpi xmlns:a14="http://schemas.microsoft.com/office/drawing/2010/main" val="0"/>
+                  <a14:useLocalDpi xmlns:a14="http://schemas.microsoft.com/office/drawing/2010/main" xmlns="" val="0"/>
                 </a:ext>
               </a:extLst>
             </a:blip>
@@ -4539,7 +4539,7 @@
             <p:cNvPr id="20" name="Picture SoftUni Svetlina Logo" descr="SoftUni Svetlina logo">
               <a:extLst>
                 <a:ext uri="{FF2B5EF4-FFF2-40B4-BE49-F238E27FC236}">
-                  <a16:creationId xmlns:a16="http://schemas.microsoft.com/office/drawing/2014/main" id="{827D15FD-4C66-4B85-98E6-7826AA8F61C6}"/>
+                  <a16:creationId xmlns:a16="http://schemas.microsoft.com/office/drawing/2014/main" xmlns="" id="{827D15FD-4C66-4B85-98E6-7826AA8F61C6}"/>
                 </a:ext>
               </a:extLst>
             </p:cNvPr>
@@ -4552,7 +4552,7 @@
             <a:blip r:embed="rId8" cstate="print">
               <a:extLst>
                 <a:ext uri="{28A0092B-C50C-407E-A947-70E740481C1C}">
-                  <a14:useLocalDpi xmlns:a14="http://schemas.microsoft.com/office/drawing/2010/main" val="0"/>
+                  <a14:useLocalDpi xmlns:a14="http://schemas.microsoft.com/office/drawing/2010/main" xmlns="" val="0"/>
                 </a:ext>
               </a:extLst>
             </a:blip>
@@ -4575,7 +4575,7 @@
             <p:cNvPr id="25" name="Picture Software University Logo" descr="Software University logo">
               <a:extLst>
                 <a:ext uri="{FF2B5EF4-FFF2-40B4-BE49-F238E27FC236}">
-                  <a16:creationId xmlns:a16="http://schemas.microsoft.com/office/drawing/2014/main" id="{C74C190C-5856-41B9-8819-AE8DE0E10980}"/>
+                  <a16:creationId xmlns:a16="http://schemas.microsoft.com/office/drawing/2014/main" xmlns="" id="{C74C190C-5856-41B9-8819-AE8DE0E10980}"/>
                 </a:ext>
               </a:extLst>
             </p:cNvPr>
@@ -4588,7 +4588,7 @@
             <a:blip r:embed="rId9" cstate="print">
               <a:extLst>
                 <a:ext uri="{28A0092B-C50C-407E-A947-70E740481C1C}">
-                  <a14:useLocalDpi xmlns:a14="http://schemas.microsoft.com/office/drawing/2010/main" val="0"/>
+                  <a14:useLocalDpi xmlns:a14="http://schemas.microsoft.com/office/drawing/2010/main" xmlns="" val="0"/>
                 </a:ext>
               </a:extLst>
             </a:blip>
@@ -4611,7 +4611,7 @@
             <p:cNvPr id="33" name="Straight Connector 6">
               <a:extLst>
                 <a:ext uri="{FF2B5EF4-FFF2-40B4-BE49-F238E27FC236}">
-                  <a16:creationId xmlns:a16="http://schemas.microsoft.com/office/drawing/2014/main" id="{5C63D1E8-4A92-4691-8A24-A2FC7E8008E5}"/>
+                  <a16:creationId xmlns:a16="http://schemas.microsoft.com/office/drawing/2014/main" xmlns="" id="{5C63D1E8-4A92-4691-8A24-A2FC7E8008E5}"/>
                 </a:ext>
               </a:extLst>
             </p:cNvPr>
@@ -4650,7 +4650,7 @@
             <p:cNvPr id="32" name="Straight Connector 5">
               <a:extLst>
                 <a:ext uri="{FF2B5EF4-FFF2-40B4-BE49-F238E27FC236}">
-                  <a16:creationId xmlns:a16="http://schemas.microsoft.com/office/drawing/2014/main" id="{6E91D320-3732-40B8-864D-142D0A277ED1}"/>
+                  <a16:creationId xmlns:a16="http://schemas.microsoft.com/office/drawing/2014/main" xmlns="" id="{6E91D320-3732-40B8-864D-142D0A277ED1}"/>
                 </a:ext>
               </a:extLst>
             </p:cNvPr>
@@ -4689,7 +4689,7 @@
             <p:cNvPr id="31" name="Straight Connector 4">
               <a:extLst>
                 <a:ext uri="{FF2B5EF4-FFF2-40B4-BE49-F238E27FC236}">
-                  <a16:creationId xmlns:a16="http://schemas.microsoft.com/office/drawing/2014/main" id="{299ABE09-E33C-46B7-A80D-7BF4A6956211}"/>
+                  <a16:creationId xmlns:a16="http://schemas.microsoft.com/office/drawing/2014/main" xmlns="" id="{299ABE09-E33C-46B7-A80D-7BF4A6956211}"/>
                 </a:ext>
               </a:extLst>
             </p:cNvPr>
@@ -4726,7 +4726,7 @@
             <p:cNvPr id="30" name="Straight Connector 3">
               <a:extLst>
                 <a:ext uri="{FF2B5EF4-FFF2-40B4-BE49-F238E27FC236}">
-                  <a16:creationId xmlns:a16="http://schemas.microsoft.com/office/drawing/2014/main" id="{93DDBF37-0764-47AA-94E3-9A44F3ED8FB5}"/>
+                  <a16:creationId xmlns:a16="http://schemas.microsoft.com/office/drawing/2014/main" xmlns="" id="{93DDBF37-0764-47AA-94E3-9A44F3ED8FB5}"/>
                 </a:ext>
               </a:extLst>
             </p:cNvPr>
@@ -4763,7 +4763,7 @@
             <p:cNvPr id="29" name="Straight Connector 2">
               <a:extLst>
                 <a:ext uri="{FF2B5EF4-FFF2-40B4-BE49-F238E27FC236}">
-                  <a16:creationId xmlns:a16="http://schemas.microsoft.com/office/drawing/2014/main" id="{72BFE2F3-0845-4E5B-9375-E9D4027DD675}"/>
+                  <a16:creationId xmlns:a16="http://schemas.microsoft.com/office/drawing/2014/main" xmlns="" id="{72BFE2F3-0845-4E5B-9375-E9D4027DD675}"/>
                 </a:ext>
               </a:extLst>
             </p:cNvPr>
@@ -4800,7 +4800,7 @@
             <p:cNvPr id="28" name="Straight Connector 1">
               <a:extLst>
                 <a:ext uri="{FF2B5EF4-FFF2-40B4-BE49-F238E27FC236}">
-                  <a16:creationId xmlns:a16="http://schemas.microsoft.com/office/drawing/2014/main" id="{D4E5982E-3110-47E1-A5BB-91B7BECC3093}"/>
+                  <a16:creationId xmlns:a16="http://schemas.microsoft.com/office/drawing/2014/main" xmlns="" id="{D4E5982E-3110-47E1-A5BB-91B7BECC3093}"/>
                 </a:ext>
               </a:extLst>
             </p:cNvPr>
@@ -4837,7 +4837,7 @@
             <p:cNvPr id="27" name="Straight Connector Horizontal">
               <a:extLst>
                 <a:ext uri="{FF2B5EF4-FFF2-40B4-BE49-F238E27FC236}">
-                  <a16:creationId xmlns:a16="http://schemas.microsoft.com/office/drawing/2014/main" id="{5F62FB7C-BD6E-4383-98C1-2CF30F34CAFD}"/>
+                  <a16:creationId xmlns:a16="http://schemas.microsoft.com/office/drawing/2014/main" xmlns="" id="{5F62FB7C-BD6E-4383-98C1-2CF30F34CAFD}"/>
                 </a:ext>
               </a:extLst>
             </p:cNvPr>
@@ -4876,7 +4876,7 @@
             <p:cNvPr id="34" name="Straight Connector 0">
               <a:extLst>
                 <a:ext uri="{FF2B5EF4-FFF2-40B4-BE49-F238E27FC236}">
-                  <a16:creationId xmlns:a16="http://schemas.microsoft.com/office/drawing/2014/main" id="{C84A0FE1-723D-4682-8682-77BAD950EE15}"/>
+                  <a16:creationId xmlns:a16="http://schemas.microsoft.com/office/drawing/2014/main" xmlns="" id="{C84A0FE1-723D-4682-8682-77BAD950EE15}"/>
                 </a:ext>
               </a:extLst>
             </p:cNvPr>
@@ -4913,7 +4913,7 @@
             <p:cNvPr id="18" name="Picture SoftUni Logo" descr="SoftUni logo">
               <a:extLst>
                 <a:ext uri="{FF2B5EF4-FFF2-40B4-BE49-F238E27FC236}">
-                  <a16:creationId xmlns:a16="http://schemas.microsoft.com/office/drawing/2014/main" id="{A0675455-B7FA-4569-A5FD-A3B0F20B2A26}"/>
+                  <a16:creationId xmlns:a16="http://schemas.microsoft.com/office/drawing/2014/main" xmlns="" id="{A0675455-B7FA-4569-A5FD-A3B0F20B2A26}"/>
                 </a:ext>
               </a:extLst>
             </p:cNvPr>
@@ -4926,7 +4926,7 @@
             <a:blip r:embed="rId10" cstate="print">
               <a:extLst>
                 <a:ext uri="{28A0092B-C50C-407E-A947-70E740481C1C}">
-                  <a14:useLocalDpi xmlns:a14="http://schemas.microsoft.com/office/drawing/2010/main" val="0"/>
+                  <a14:useLocalDpi xmlns:a14="http://schemas.microsoft.com/office/drawing/2010/main" xmlns="" val="0"/>
                 </a:ext>
               </a:extLst>
             </a:blip>
@@ -4950,7 +4950,7 @@
           <p:cNvPr id="19" name="Slide Title">
             <a:extLst>
               <a:ext uri="{FF2B5EF4-FFF2-40B4-BE49-F238E27FC236}">
-                <a16:creationId xmlns:a16="http://schemas.microsoft.com/office/drawing/2014/main" id="{7CFDBB16-985C-4CC7-B6DB-B81B36037922}"/>
+                <a16:creationId xmlns:a16="http://schemas.microsoft.com/office/drawing/2014/main" xmlns="" id="{7CFDBB16-985C-4CC7-B6DB-B81B36037922}"/>
               </a:ext>
             </a:extLst>
           </p:cNvPr>
@@ -5053,7 +5053,7 @@
           <p:cNvPr id="36" name="Logo Software University" descr="Software University logo">
             <a:extLst>
               <a:ext uri="{FF2B5EF4-FFF2-40B4-BE49-F238E27FC236}">
-                <a16:creationId xmlns:a16="http://schemas.microsoft.com/office/drawing/2014/main" id="{67FC4D2E-913D-432A-B658-F0D82839FA5E}"/>
+                <a16:creationId xmlns:a16="http://schemas.microsoft.com/office/drawing/2014/main" xmlns="" id="{67FC4D2E-913D-432A-B658-F0D82839FA5E}"/>
               </a:ext>
             </a:extLst>
           </p:cNvPr>
@@ -5076,7 +5076,7 @@
             </a:clrChange>
             <a:extLst>
               <a:ext uri="{28A0092B-C50C-407E-A947-70E740481C1C}">
-                <a14:useLocalDpi xmlns:a14="http://schemas.microsoft.com/office/drawing/2010/main" val="0"/>
+                <a14:useLocalDpi xmlns:a14="http://schemas.microsoft.com/office/drawing/2010/main" xmlns="" val="0"/>
               </a:ext>
             </a:extLst>
           </a:blip>
@@ -5097,24 +5097,24 @@
     </p:spTree>
     <p:extLst>
       <p:ext uri="{BB962C8B-B14F-4D97-AF65-F5344CB8AC3E}">
-        <p14:creationId xmlns:p14="http://schemas.microsoft.com/office/powerpoint/2010/main" val="4192061223"/>
+        <p14:creationId xmlns:p14="http://schemas.microsoft.com/office/powerpoint/2010/main" xmlns="" val="4192061223"/>
       </p:ext>
     </p:extLst>
   </p:cSld>
   <p:clrMapOvr>
     <a:masterClrMapping/>
   </p:clrMapOvr>
-  <mc:AlternateContent xmlns:mc="http://schemas.openxmlformats.org/markup-compatibility/2006" xmlns:p14="http://schemas.microsoft.com/office/powerpoint/2010/main">
-    <mc:Choice Requires="p14">
+  <mc:AlternateContent xmlns:mc="http://schemas.openxmlformats.org/markup-compatibility/2006">
+    <mc:Choice xmlns:p14="http://schemas.microsoft.com/office/powerpoint/2010/main" xmlns="" Requires="p14">
       <p:transition spd="slow" p14:dur="2000" advClick="0" advTm="5000"/>
     </mc:Choice>
-    <mc:Fallback xmlns="">
+    <mc:Fallback>
       <p:transition spd="slow" advClick="0" advTm="5000"/>
     </mc:Fallback>
   </mc:AlternateContent>
   <p:extLst>
     <p:ext uri="{DCECCB84-F9BA-43D5-87BE-67443E8EF086}">
-      <p15:sldGuideLst xmlns:p15="http://schemas.microsoft.com/office/powerpoint/2012/main">
+      <p15:sldGuideLst xmlns:p15="http://schemas.microsoft.com/office/powerpoint/2012/main" xmlns="">
         <p15:guide id="1" orient="horz" pos="2160">
           <p15:clr>
             <a:srgbClr val="FBAE40"/>
@@ -5153,7 +5153,7 @@
           <p:cNvPr id="13" name="Slide Number">
             <a:extLst>
               <a:ext uri="{FF2B5EF4-FFF2-40B4-BE49-F238E27FC236}">
-                <a16:creationId xmlns:a16="http://schemas.microsoft.com/office/drawing/2014/main" id="{5B8761D8-B42F-4A70-A0CE-682CEB2AE31B}"/>
+                <a16:creationId xmlns:a16="http://schemas.microsoft.com/office/drawing/2014/main" xmlns="" id="{5B8761D8-B42F-4A70-A0CE-682CEB2AE31B}"/>
               </a:ext>
             </a:extLst>
           </p:cNvPr>
@@ -5196,7 +5196,7 @@
             <a:hlinkClick r:id="rId2" tooltip="Software University Discussion Forum"/>
             <a:extLst>
               <a:ext uri="{FF2B5EF4-FFF2-40B4-BE49-F238E27FC236}">
-                <a16:creationId xmlns:a16="http://schemas.microsoft.com/office/drawing/2014/main" id="{98C579AD-FAF5-4B28-9B52-5457F1E90061}"/>
+                <a16:creationId xmlns:a16="http://schemas.microsoft.com/office/drawing/2014/main" xmlns="" id="{98C579AD-FAF5-4B28-9B52-5457F1E90061}"/>
               </a:ext>
             </a:extLst>
           </p:cNvPr>
@@ -5209,7 +5209,7 @@
           <a:blip r:embed="rId3" cstate="print">
             <a:extLst>
               <a:ext uri="{28A0092B-C50C-407E-A947-70E740481C1C}">
-                <a14:useLocalDpi xmlns:a14="http://schemas.microsoft.com/office/drawing/2010/main"/>
+                <a14:useLocalDpi xmlns:a14="http://schemas.microsoft.com/office/drawing/2010/main" xmlns=""/>
               </a:ext>
             </a:extLst>
           </a:blip>
@@ -5233,7 +5233,7 @@
             <a:hlinkClick r:id="rId4" tooltip="Software University @ Facebook"/>
             <a:extLst>
               <a:ext uri="{FF2B5EF4-FFF2-40B4-BE49-F238E27FC236}">
-                <a16:creationId xmlns:a16="http://schemas.microsoft.com/office/drawing/2014/main" id="{6B2C510E-5EF2-49F6-B926-2BD74CD3C7F8}"/>
+                <a16:creationId xmlns:a16="http://schemas.microsoft.com/office/drawing/2014/main" xmlns="" id="{6B2C510E-5EF2-49F6-B926-2BD74CD3C7F8}"/>
               </a:ext>
             </a:extLst>
           </p:cNvPr>
@@ -5246,7 +5246,7 @@
           <a:blip r:embed="rId5" cstate="print">
             <a:extLst>
               <a:ext uri="{28A0092B-C50C-407E-A947-70E740481C1C}">
-                <a14:useLocalDpi xmlns:a14="http://schemas.microsoft.com/office/drawing/2010/main"/>
+                <a14:useLocalDpi xmlns:a14="http://schemas.microsoft.com/office/drawing/2010/main" xmlns=""/>
               </a:ext>
             </a:extLst>
           </a:blip>
@@ -5264,7 +5264,7 @@
           <a:noFill/>
           <a:extLst>
             <a:ext uri="{909E8E84-426E-40DD-AFC4-6F175D3DCCD1}">
-              <a14:hiddenFill xmlns:a14="http://schemas.microsoft.com/office/drawing/2010/main">
+              <a14:hiddenFill xmlns:a14="http://schemas.microsoft.com/office/drawing/2010/main" xmlns="">
                 <a:solidFill>
                   <a:srgbClr val="FFFFFF"/>
                 </a:solidFill>
@@ -5279,7 +5279,7 @@
             <a:hlinkClick r:id="rId6"/>
             <a:extLst>
               <a:ext uri="{FF2B5EF4-FFF2-40B4-BE49-F238E27FC236}">
-                <a16:creationId xmlns:a16="http://schemas.microsoft.com/office/drawing/2014/main" id="{F4604840-E810-44B7-9FF1-3B28CD68B758}"/>
+                <a16:creationId xmlns:a16="http://schemas.microsoft.com/office/drawing/2014/main" xmlns="" id="{F4604840-E810-44B7-9FF1-3B28CD68B758}"/>
               </a:ext>
             </a:extLst>
           </p:cNvPr>
@@ -5292,7 +5292,7 @@
           <a:blip r:embed="rId7" cstate="print">
             <a:extLst>
               <a:ext uri="{28A0092B-C50C-407E-A947-70E740481C1C}">
-                <a14:useLocalDpi xmlns:a14="http://schemas.microsoft.com/office/drawing/2010/main" val="0"/>
+                <a14:useLocalDpi xmlns:a14="http://schemas.microsoft.com/office/drawing/2010/main" xmlns="" val="0"/>
               </a:ext>
             </a:extLst>
           </a:blip>
@@ -5316,7 +5316,7 @@
             <a:hlinkClick r:id="rId8"/>
             <a:extLst>
               <a:ext uri="{FF2B5EF4-FFF2-40B4-BE49-F238E27FC236}">
-                <a16:creationId xmlns:a16="http://schemas.microsoft.com/office/drawing/2014/main" id="{07C965FA-A87E-4824-AFA8-C67AF548A76A}"/>
+                <a16:creationId xmlns:a16="http://schemas.microsoft.com/office/drawing/2014/main" xmlns="" id="{07C965FA-A87E-4824-AFA8-C67AF548A76A}"/>
               </a:ext>
             </a:extLst>
           </p:cNvPr>
@@ -5329,7 +5329,7 @@
           <a:blip r:embed="rId9" cstate="print">
             <a:extLst>
               <a:ext uri="{28A0092B-C50C-407E-A947-70E740481C1C}">
-                <a14:useLocalDpi xmlns:a14="http://schemas.microsoft.com/office/drawing/2010/main" val="0"/>
+                <a14:useLocalDpi xmlns:a14="http://schemas.microsoft.com/office/drawing/2010/main" xmlns="" val="0"/>
               </a:ext>
             </a:extLst>
           </a:blip>
@@ -5351,7 +5351,7 @@
           <p:cNvPr id="12" name="Slide Body Text">
             <a:extLst>
               <a:ext uri="{FF2B5EF4-FFF2-40B4-BE49-F238E27FC236}">
-                <a16:creationId xmlns:a16="http://schemas.microsoft.com/office/drawing/2014/main" id="{0C1F9416-8B6E-46DE-973C-777785E27A26}"/>
+                <a16:creationId xmlns:a16="http://schemas.microsoft.com/office/drawing/2014/main" xmlns="" id="{0C1F9416-8B6E-46DE-973C-777785E27A26}"/>
               </a:ext>
             </a:extLst>
           </p:cNvPr>
@@ -5476,7 +5476,7 @@
           <p:cNvPr id="10" name="Rectangle Top">
             <a:extLst>
               <a:ext uri="{FF2B5EF4-FFF2-40B4-BE49-F238E27FC236}">
-                <a16:creationId xmlns:a16="http://schemas.microsoft.com/office/drawing/2014/main" id="{86646B95-5E3B-4DE8-9118-031C2C296D8C}"/>
+                <a16:creationId xmlns:a16="http://schemas.microsoft.com/office/drawing/2014/main" xmlns="" id="{86646B95-5E3B-4DE8-9118-031C2C296D8C}"/>
               </a:ext>
             </a:extLst>
           </p:cNvPr>
@@ -5557,7 +5557,7 @@
           <p:cNvPr id="11" name="Logo Software University" descr="Software University logo">
             <a:extLst>
               <a:ext uri="{FF2B5EF4-FFF2-40B4-BE49-F238E27FC236}">
-                <a16:creationId xmlns:a16="http://schemas.microsoft.com/office/drawing/2014/main" id="{58AB1944-B146-4E89-B2D9-426EB610F319}"/>
+                <a16:creationId xmlns:a16="http://schemas.microsoft.com/office/drawing/2014/main" xmlns="" id="{58AB1944-B146-4E89-B2D9-426EB610F319}"/>
               </a:ext>
             </a:extLst>
           </p:cNvPr>
@@ -5570,7 +5570,7 @@
           <a:blip r:embed="rId11" cstate="print">
             <a:extLst>
               <a:ext uri="{28A0092B-C50C-407E-A947-70E740481C1C}">
-                <a14:useLocalDpi xmlns:a14="http://schemas.microsoft.com/office/drawing/2010/main" val="0"/>
+                <a14:useLocalDpi xmlns:a14="http://schemas.microsoft.com/office/drawing/2010/main" xmlns="" val="0"/>
               </a:ext>
             </a:extLst>
           </a:blip>
@@ -5593,7 +5593,7 @@
           <p:cNvPr id="18" name="Slide Title">
             <a:extLst>
               <a:ext uri="{FF2B5EF4-FFF2-40B4-BE49-F238E27FC236}">
-                <a16:creationId xmlns:a16="http://schemas.microsoft.com/office/drawing/2014/main" id="{AE87ED9C-76E1-4D85-9B06-3AF44AABB668}"/>
+                <a16:creationId xmlns:a16="http://schemas.microsoft.com/office/drawing/2014/main" xmlns="" id="{AE87ED9C-76E1-4D85-9B06-3AF44AABB668}"/>
               </a:ext>
             </a:extLst>
           </p:cNvPr>
@@ -5632,18 +5632,18 @@
     </p:spTree>
     <p:extLst>
       <p:ext uri="{BB962C8B-B14F-4D97-AF65-F5344CB8AC3E}">
-        <p14:creationId xmlns:p14="http://schemas.microsoft.com/office/powerpoint/2010/main" val="2196466322"/>
+        <p14:creationId xmlns:p14="http://schemas.microsoft.com/office/powerpoint/2010/main" xmlns="" val="2196466322"/>
       </p:ext>
     </p:extLst>
   </p:cSld>
   <p:clrMapOvr>
     <a:masterClrMapping/>
   </p:clrMapOvr>
-  <mc:AlternateContent xmlns:mc="http://schemas.openxmlformats.org/markup-compatibility/2006" xmlns:p14="http://schemas.microsoft.com/office/powerpoint/2010/main">
-    <mc:Choice Requires="p14">
+  <mc:AlternateContent xmlns:mc="http://schemas.openxmlformats.org/markup-compatibility/2006">
+    <mc:Choice xmlns:p14="http://schemas.microsoft.com/office/powerpoint/2010/main" xmlns="" Requires="p14">
       <p:transition spd="slow" p14:dur="2000" advClick="0" advTm="5000"/>
     </mc:Choice>
-    <mc:Fallback xmlns="">
+    <mc:Fallback>
       <p:transition spd="slow" advClick="0" advTm="5000"/>
     </mc:Fallback>
   </mc:AlternateContent>
@@ -5672,7 +5672,7 @@
           <p:cNvPr id="9" name="Oval Center Icon">
             <a:extLst>
               <a:ext uri="{FF2B5EF4-FFF2-40B4-BE49-F238E27FC236}">
-                <a16:creationId xmlns:a16="http://schemas.microsoft.com/office/drawing/2014/main" id="{13B9A8FE-2718-4F2C-98D4-CBF86AD69D58}"/>
+                <a16:creationId xmlns:a16="http://schemas.microsoft.com/office/drawing/2014/main" xmlns="" id="{13B9A8FE-2718-4F2C-98D4-CBF86AD69D58}"/>
               </a:ext>
             </a:extLst>
           </p:cNvPr>
@@ -5753,7 +5753,7 @@
           <p:cNvPr id="8" name="Slide Subtitle">
             <a:extLst>
               <a:ext uri="{FF2B5EF4-FFF2-40B4-BE49-F238E27FC236}">
-                <a16:creationId xmlns:a16="http://schemas.microsoft.com/office/drawing/2014/main" id="{588387B4-E99E-4145-9D1D-F17CA5190DFD}"/>
+                <a16:creationId xmlns:a16="http://schemas.microsoft.com/office/drawing/2014/main" xmlns="" id="{588387B4-E99E-4145-9D1D-F17CA5190DFD}"/>
               </a:ext>
             </a:extLst>
           </p:cNvPr>
@@ -5803,7 +5803,7 @@
           <p:cNvPr id="13" name="Slide Title">
             <a:extLst>
               <a:ext uri="{FF2B5EF4-FFF2-40B4-BE49-F238E27FC236}">
-                <a16:creationId xmlns:a16="http://schemas.microsoft.com/office/drawing/2014/main" id="{8A28C56F-AE84-49D0-9AD1-1F0CEEABF710}"/>
+                <a16:creationId xmlns:a16="http://schemas.microsoft.com/office/drawing/2014/main" xmlns="" id="{8A28C56F-AE84-49D0-9AD1-1F0CEEABF710}"/>
               </a:ext>
             </a:extLst>
           </p:cNvPr>
@@ -5848,18 +5848,18 @@
     </p:spTree>
     <p:extLst>
       <p:ext uri="{BB962C8B-B14F-4D97-AF65-F5344CB8AC3E}">
-        <p14:creationId xmlns:p14="http://schemas.microsoft.com/office/powerpoint/2010/main" val="475389923"/>
+        <p14:creationId xmlns:p14="http://schemas.microsoft.com/office/powerpoint/2010/main" xmlns="" val="475389923"/>
       </p:ext>
     </p:extLst>
   </p:cSld>
   <p:clrMapOvr>
     <a:masterClrMapping/>
   </p:clrMapOvr>
-  <mc:AlternateContent xmlns:mc="http://schemas.openxmlformats.org/markup-compatibility/2006" xmlns:p14="http://schemas.microsoft.com/office/powerpoint/2010/main">
-    <mc:Choice Requires="p14">
+  <mc:AlternateContent xmlns:mc="http://schemas.openxmlformats.org/markup-compatibility/2006">
+    <mc:Choice xmlns:p14="http://schemas.microsoft.com/office/powerpoint/2010/main" xmlns="" Requires="p14">
       <p:transition spd="slow" p14:dur="2000" advClick="0" advTm="5000"/>
     </mc:Choice>
-    <mc:Fallback xmlns="">
+    <mc:Fallback>
       <p:transition spd="slow" advClick="0" advTm="5000"/>
     </mc:Fallback>
   </mc:AlternateContent>
@@ -5889,7 +5889,7 @@
           <p:cNvPr id="2" name="Title 1">
             <a:extLst>
               <a:ext uri="{FF2B5EF4-FFF2-40B4-BE49-F238E27FC236}">
-                <a16:creationId xmlns:a16="http://schemas.microsoft.com/office/drawing/2014/main" id="{5213C145-EA12-94EF-AA17-5F628EA0AD2D}"/>
+                <a16:creationId xmlns:a16="http://schemas.microsoft.com/office/drawing/2014/main" xmlns="" id="{5213C145-EA12-94EF-AA17-5F628EA0AD2D}"/>
               </a:ext>
             </a:extLst>
           </p:cNvPr>
@@ -5927,7 +5927,7 @@
           <p:cNvPr id="3" name="Subtitle 2">
             <a:extLst>
               <a:ext uri="{FF2B5EF4-FFF2-40B4-BE49-F238E27FC236}">
-                <a16:creationId xmlns:a16="http://schemas.microsoft.com/office/drawing/2014/main" id="{5F55E72E-5B45-B6EE-75AE-03B188AD9A08}"/>
+                <a16:creationId xmlns:a16="http://schemas.microsoft.com/office/drawing/2014/main" xmlns="" id="{5F55E72E-5B45-B6EE-75AE-03B188AD9A08}"/>
               </a:ext>
             </a:extLst>
           </p:cNvPr>
@@ -5998,7 +5998,7 @@
           <p:cNvPr id="4" name="Date Placeholder 3">
             <a:extLst>
               <a:ext uri="{FF2B5EF4-FFF2-40B4-BE49-F238E27FC236}">
-                <a16:creationId xmlns:a16="http://schemas.microsoft.com/office/drawing/2014/main" id="{30C6A8EA-0240-01AB-A7C2-BD1CD885E1C1}"/>
+                <a16:creationId xmlns:a16="http://schemas.microsoft.com/office/drawing/2014/main" xmlns="" id="{30C6A8EA-0240-01AB-A7C2-BD1CD885E1C1}"/>
               </a:ext>
             </a:extLst>
           </p:cNvPr>
@@ -6017,7 +6017,7 @@
             <a:fld id="{1CF2F75B-1C4E-1E47-AE31-5B79E79ADF4F}" type="datetimeFigureOut">
               <a:rPr lang="x-none" smtClean="0"/>
               <a:pPr/>
-              <a:t>21.08.23</a:t>
+              <a:t>21.8.2023 г.</a:t>
             </a:fld>
             <a:endParaRPr lang="x-none"/>
           </a:p>
@@ -6028,7 +6028,7 @@
           <p:cNvPr id="5" name="Footer Placeholder 4">
             <a:extLst>
               <a:ext uri="{FF2B5EF4-FFF2-40B4-BE49-F238E27FC236}">
-                <a16:creationId xmlns:a16="http://schemas.microsoft.com/office/drawing/2014/main" id="{F95CBF96-4249-1541-E44E-FBCECA233B3C}"/>
+                <a16:creationId xmlns:a16="http://schemas.microsoft.com/office/drawing/2014/main" xmlns="" id="{F95CBF96-4249-1541-E44E-FBCECA233B3C}"/>
               </a:ext>
             </a:extLst>
           </p:cNvPr>
@@ -6053,7 +6053,7 @@
           <p:cNvPr id="6" name="Slide Number Placeholder 5">
             <a:extLst>
               <a:ext uri="{FF2B5EF4-FFF2-40B4-BE49-F238E27FC236}">
-                <a16:creationId xmlns:a16="http://schemas.microsoft.com/office/drawing/2014/main" id="{7ACB54F2-814F-F79B-8CD7-FA3133365CBC}"/>
+                <a16:creationId xmlns:a16="http://schemas.microsoft.com/office/drawing/2014/main" xmlns="" id="{7ACB54F2-814F-F79B-8CD7-FA3133365CBC}"/>
               </a:ext>
             </a:extLst>
           </p:cNvPr>
@@ -6081,7 +6081,7 @@
     </p:spTree>
     <p:extLst>
       <p:ext uri="{BB962C8B-B14F-4D97-AF65-F5344CB8AC3E}">
-        <p14:creationId xmlns:p14="http://schemas.microsoft.com/office/powerpoint/2010/main" val="2773863354"/>
+        <p14:creationId xmlns:p14="http://schemas.microsoft.com/office/powerpoint/2010/main" xmlns="" val="2773863354"/>
       </p:ext>
     </p:extLst>
   </p:cSld>
@@ -6113,7 +6113,7 @@
           <p:cNvPr id="8" name="Rectangle Top">
             <a:extLst>
               <a:ext uri="{FF2B5EF4-FFF2-40B4-BE49-F238E27FC236}">
-                <a16:creationId xmlns:a16="http://schemas.microsoft.com/office/drawing/2014/main" id="{454BD9C2-93A6-4860-A758-846ED0E1C8FA}"/>
+                <a16:creationId xmlns:a16="http://schemas.microsoft.com/office/drawing/2014/main" xmlns="" id="{454BD9C2-93A6-4860-A758-846ED0E1C8FA}"/>
               </a:ext>
             </a:extLst>
           </p:cNvPr>
@@ -6194,7 +6194,7 @@
           <p:cNvPr id="7" name="Slide Number">
             <a:extLst>
               <a:ext uri="{FF2B5EF4-FFF2-40B4-BE49-F238E27FC236}">
-                <a16:creationId xmlns:a16="http://schemas.microsoft.com/office/drawing/2014/main" id="{C1780DB1-0AF0-4108-AFE1-9DA99F0DBCB8}"/>
+                <a16:creationId xmlns:a16="http://schemas.microsoft.com/office/drawing/2014/main" xmlns="" id="{C1780DB1-0AF0-4108-AFE1-9DA99F0DBCB8}"/>
               </a:ext>
             </a:extLst>
           </p:cNvPr>
@@ -6236,7 +6236,7 @@
           <p:cNvPr id="3" name="Slide Body Text">
             <a:extLst>
               <a:ext uri="{FF2B5EF4-FFF2-40B4-BE49-F238E27FC236}">
-                <a16:creationId xmlns:a16="http://schemas.microsoft.com/office/drawing/2014/main" id="{5A9D2960-6D42-439F-82E8-812822013A10}"/>
+                <a16:creationId xmlns:a16="http://schemas.microsoft.com/office/drawing/2014/main" xmlns="" id="{5A9D2960-6D42-439F-82E8-812822013A10}"/>
               </a:ext>
             </a:extLst>
           </p:cNvPr>
@@ -6314,7 +6314,7 @@
           <p:cNvPr id="13" name="Rectangle Top">
             <a:extLst>
               <a:ext uri="{FF2B5EF4-FFF2-40B4-BE49-F238E27FC236}">
-                <a16:creationId xmlns:a16="http://schemas.microsoft.com/office/drawing/2014/main" id="{391AFA4E-7870-4561-A1B8-AC956B0C8931}"/>
+                <a16:creationId xmlns:a16="http://schemas.microsoft.com/office/drawing/2014/main" xmlns="" id="{391AFA4E-7870-4561-A1B8-AC956B0C8931}"/>
               </a:ext>
             </a:extLst>
           </p:cNvPr>
@@ -6395,7 +6395,7 @@
           <p:cNvPr id="12" name="Logo Software University" descr="Software University logo">
             <a:extLst>
               <a:ext uri="{FF2B5EF4-FFF2-40B4-BE49-F238E27FC236}">
-                <a16:creationId xmlns:a16="http://schemas.microsoft.com/office/drawing/2014/main" id="{B1D3B425-B9BF-43ED-9DEC-C05002FBA22F}"/>
+                <a16:creationId xmlns:a16="http://schemas.microsoft.com/office/drawing/2014/main" xmlns="" id="{B1D3B425-B9BF-43ED-9DEC-C05002FBA22F}"/>
               </a:ext>
             </a:extLst>
           </p:cNvPr>
@@ -6408,7 +6408,7 @@
           <a:blip r:embed="rId2" cstate="print">
             <a:extLst>
               <a:ext uri="{28A0092B-C50C-407E-A947-70E740481C1C}">
-                <a14:useLocalDpi xmlns:a14="http://schemas.microsoft.com/office/drawing/2010/main" val="0"/>
+                <a14:useLocalDpi xmlns:a14="http://schemas.microsoft.com/office/drawing/2010/main" xmlns="" val="0"/>
               </a:ext>
             </a:extLst>
           </a:blip>
@@ -6431,7 +6431,7 @@
           <p:cNvPr id="6" name="Slide Title">
             <a:extLst>
               <a:ext uri="{FF2B5EF4-FFF2-40B4-BE49-F238E27FC236}">
-                <a16:creationId xmlns:a16="http://schemas.microsoft.com/office/drawing/2014/main" id="{19B5B676-7892-440F-8191-7109B2C59885}"/>
+                <a16:creationId xmlns:a16="http://schemas.microsoft.com/office/drawing/2014/main" xmlns="" id="{19B5B676-7892-440F-8191-7109B2C59885}"/>
               </a:ext>
             </a:extLst>
           </p:cNvPr>
@@ -6470,18 +6470,18 @@
     </p:spTree>
     <p:extLst>
       <p:ext uri="{BB962C8B-B14F-4D97-AF65-F5344CB8AC3E}">
-        <p14:creationId xmlns:p14="http://schemas.microsoft.com/office/powerpoint/2010/main" val="2685365194"/>
+        <p14:creationId xmlns:p14="http://schemas.microsoft.com/office/powerpoint/2010/main" xmlns="" val="2685365194"/>
       </p:ext>
     </p:extLst>
   </p:cSld>
   <p:clrMapOvr>
     <a:masterClrMapping/>
   </p:clrMapOvr>
-  <mc:AlternateContent xmlns:mc="http://schemas.openxmlformats.org/markup-compatibility/2006" xmlns:p14="http://schemas.microsoft.com/office/powerpoint/2010/main">
-    <mc:Choice Requires="p14">
+  <mc:AlternateContent xmlns:mc="http://schemas.openxmlformats.org/markup-compatibility/2006">
+    <mc:Choice xmlns:p14="http://schemas.microsoft.com/office/powerpoint/2010/main" xmlns="" Requires="p14">
       <p:transition spd="slow" p14:dur="2000" advClick="0" advTm="5000"/>
     </mc:Choice>
-    <mc:Fallback xmlns="">
+    <mc:Fallback>
       <p:transition spd="slow" advClick="0" advTm="5000"/>
     </mc:Fallback>
   </mc:AlternateContent>
@@ -7528,7 +7528,7 @@
             <a:fld id="{1D8BD707-D9CF-40AE-B4C6-C98DA3205C09}" type="datetimeFigureOut">
               <a:rPr lang="en-US"/>
               <a:pPr/>
-              <a:t>8/21/23</a:t>
+              <a:t>8/21/2023</a:t>
             </a:fld>
             <a:endParaRPr lang="en-US" dirty="0"/>
           </a:p>
@@ -7588,7 +7588,7 @@
     </p:spTree>
     <p:extLst>
       <p:ext uri="{BB962C8B-B14F-4D97-AF65-F5344CB8AC3E}">
-        <p14:creationId xmlns:p14="http://schemas.microsoft.com/office/powerpoint/2010/main" val="2531485629"/>
+        <p14:creationId xmlns:p14="http://schemas.microsoft.com/office/powerpoint/2010/main" xmlns="" val="2531485629"/>
       </p:ext>
     </p:extLst>
   </p:cSld>
@@ -7784,18 +7784,18 @@
     </p:spTree>
     <p:extLst>
       <p:ext uri="{BB962C8B-B14F-4D97-AF65-F5344CB8AC3E}">
-        <p14:creationId xmlns:p14="http://schemas.microsoft.com/office/powerpoint/2010/main" val="3529216409"/>
+        <p14:creationId xmlns:p14="http://schemas.microsoft.com/office/powerpoint/2010/main" xmlns="" val="3529216409"/>
       </p:ext>
     </p:extLst>
   </p:cSld>
   <p:clrMapOvr>
     <a:masterClrMapping/>
   </p:clrMapOvr>
-  <mc:AlternateContent xmlns:mc="http://schemas.openxmlformats.org/markup-compatibility/2006" xmlns:p14="http://schemas.microsoft.com/office/powerpoint/2010/main">
-    <mc:Choice Requires="p14">
+  <mc:AlternateContent xmlns:mc="http://schemas.openxmlformats.org/markup-compatibility/2006">
+    <mc:Choice xmlns:p14="http://schemas.microsoft.com/office/powerpoint/2010/main" xmlns="" Requires="p14">
       <p:transition spd="slow" p14:dur="2000" advClick="0" advTm="5000"/>
     </mc:Choice>
-    <mc:Fallback xmlns="">
+    <mc:Fallback>
       <p:transition spd="slow" advClick="0" advTm="5000"/>
     </mc:Fallback>
   </mc:AlternateContent>
@@ -7824,7 +7824,7 @@
           <p:cNvPr id="7" name="Slide Number">
             <a:extLst>
               <a:ext uri="{FF2B5EF4-FFF2-40B4-BE49-F238E27FC236}">
-                <a16:creationId xmlns:a16="http://schemas.microsoft.com/office/drawing/2014/main" id="{C1780DB1-0AF0-4108-AFE1-9DA99F0DBCB8}"/>
+                <a16:creationId xmlns:a16="http://schemas.microsoft.com/office/drawing/2014/main" xmlns="" id="{C1780DB1-0AF0-4108-AFE1-9DA99F0DBCB8}"/>
               </a:ext>
             </a:extLst>
           </p:cNvPr>
@@ -7866,7 +7866,7 @@
           <p:cNvPr id="3" name="Slide Body Text">
             <a:extLst>
               <a:ext uri="{FF2B5EF4-FFF2-40B4-BE49-F238E27FC236}">
-                <a16:creationId xmlns:a16="http://schemas.microsoft.com/office/drawing/2014/main" id="{5A9D2960-6D42-439F-82E8-812822013A10}"/>
+                <a16:creationId xmlns:a16="http://schemas.microsoft.com/office/drawing/2014/main" xmlns="" id="{5A9D2960-6D42-439F-82E8-812822013A10}"/>
               </a:ext>
             </a:extLst>
           </p:cNvPr>
@@ -7944,7 +7944,7 @@
           <p:cNvPr id="13" name="Rectangle Top">
             <a:extLst>
               <a:ext uri="{FF2B5EF4-FFF2-40B4-BE49-F238E27FC236}">
-                <a16:creationId xmlns:a16="http://schemas.microsoft.com/office/drawing/2014/main" id="{391AFA4E-7870-4561-A1B8-AC956B0C8931}"/>
+                <a16:creationId xmlns:a16="http://schemas.microsoft.com/office/drawing/2014/main" xmlns="" id="{391AFA4E-7870-4561-A1B8-AC956B0C8931}"/>
               </a:ext>
             </a:extLst>
           </p:cNvPr>
@@ -8025,7 +8025,7 @@
           <p:cNvPr id="12" name="Logo Software University" descr="Software University logo">
             <a:extLst>
               <a:ext uri="{FF2B5EF4-FFF2-40B4-BE49-F238E27FC236}">
-                <a16:creationId xmlns:a16="http://schemas.microsoft.com/office/drawing/2014/main" id="{B1D3B425-B9BF-43ED-9DEC-C05002FBA22F}"/>
+                <a16:creationId xmlns:a16="http://schemas.microsoft.com/office/drawing/2014/main" xmlns="" id="{B1D3B425-B9BF-43ED-9DEC-C05002FBA22F}"/>
               </a:ext>
             </a:extLst>
           </p:cNvPr>
@@ -8038,7 +8038,7 @@
           <a:blip r:embed="rId2" cstate="print">
             <a:extLst>
               <a:ext uri="{28A0092B-C50C-407E-A947-70E740481C1C}">
-                <a14:useLocalDpi xmlns:a14="http://schemas.microsoft.com/office/drawing/2010/main" val="0"/>
+                <a14:useLocalDpi xmlns:a14="http://schemas.microsoft.com/office/drawing/2010/main" xmlns="" val="0"/>
               </a:ext>
             </a:extLst>
           </a:blip>
@@ -8061,7 +8061,7 @@
           <p:cNvPr id="6" name="Slide Title">
             <a:extLst>
               <a:ext uri="{FF2B5EF4-FFF2-40B4-BE49-F238E27FC236}">
-                <a16:creationId xmlns:a16="http://schemas.microsoft.com/office/drawing/2014/main" id="{19B5B676-7892-440F-8191-7109B2C59885}"/>
+                <a16:creationId xmlns:a16="http://schemas.microsoft.com/office/drawing/2014/main" xmlns="" id="{19B5B676-7892-440F-8191-7109B2C59885}"/>
               </a:ext>
             </a:extLst>
           </p:cNvPr>
@@ -8100,18 +8100,18 @@
     </p:spTree>
     <p:extLst>
       <p:ext uri="{BB962C8B-B14F-4D97-AF65-F5344CB8AC3E}">
-        <p14:creationId xmlns:p14="http://schemas.microsoft.com/office/powerpoint/2010/main" val="1102970716"/>
+        <p14:creationId xmlns:p14="http://schemas.microsoft.com/office/powerpoint/2010/main" xmlns="" val="1102970716"/>
       </p:ext>
     </p:extLst>
   </p:cSld>
   <p:clrMapOvr>
     <a:masterClrMapping/>
   </p:clrMapOvr>
-  <mc:AlternateContent xmlns:mc="http://schemas.openxmlformats.org/markup-compatibility/2006" xmlns:p14="http://schemas.microsoft.com/office/powerpoint/2010/main">
-    <mc:Choice Requires="p14">
+  <mc:AlternateContent xmlns:mc="http://schemas.openxmlformats.org/markup-compatibility/2006">
+    <mc:Choice xmlns:p14="http://schemas.microsoft.com/office/powerpoint/2010/main" xmlns="" Requires="p14">
       <p:transition spd="slow" p14:dur="2000" advClick="0" advTm="5000"/>
     </mc:Choice>
-    <mc:Fallback xmlns="">
+    <mc:Fallback>
       <p:transition spd="slow" advClick="0" advTm="5000"/>
     </mc:Fallback>
   </mc:AlternateContent>
@@ -8140,7 +8140,7 @@
           <p:cNvPr id="9" name="Slide Number">
             <a:extLst>
               <a:ext uri="{FF2B5EF4-FFF2-40B4-BE49-F238E27FC236}">
-                <a16:creationId xmlns:a16="http://schemas.microsoft.com/office/drawing/2014/main" id="{0020EB61-2079-41A3-B356-B1D8D48D786E}"/>
+                <a16:creationId xmlns:a16="http://schemas.microsoft.com/office/drawing/2014/main" xmlns="" id="{0020EB61-2079-41A3-B356-B1D8D48D786E}"/>
               </a:ext>
             </a:extLst>
           </p:cNvPr>
@@ -8257,7 +8257,7 @@
           <p:cNvPr id="7" name="Slide Body Text">
             <a:extLst>
               <a:ext uri="{FF2B5EF4-FFF2-40B4-BE49-F238E27FC236}">
-                <a16:creationId xmlns:a16="http://schemas.microsoft.com/office/drawing/2014/main" id="{CB4CB13C-66A1-466B-A6C1-B0BABF5CFEC1}"/>
+                <a16:creationId xmlns:a16="http://schemas.microsoft.com/office/drawing/2014/main" xmlns="" id="{CB4CB13C-66A1-466B-A6C1-B0BABF5CFEC1}"/>
               </a:ext>
             </a:extLst>
           </p:cNvPr>
@@ -8355,7 +8355,7 @@
           <p:cNvPr id="3" name="Logo Software University" descr="Software University logo">
             <a:extLst>
               <a:ext uri="{FF2B5EF4-FFF2-40B4-BE49-F238E27FC236}">
-                <a16:creationId xmlns:a16="http://schemas.microsoft.com/office/drawing/2014/main" id="{5573C101-930B-47AC-967A-A64513DFFDEE}"/>
+                <a16:creationId xmlns:a16="http://schemas.microsoft.com/office/drawing/2014/main" xmlns="" id="{5573C101-930B-47AC-967A-A64513DFFDEE}"/>
               </a:ext>
             </a:extLst>
           </p:cNvPr>
@@ -8378,7 +8378,7 @@
             </a:clrChange>
             <a:extLst>
               <a:ext uri="{28A0092B-C50C-407E-A947-70E740481C1C}">
-                <a14:useLocalDpi xmlns:a14="http://schemas.microsoft.com/office/drawing/2010/main" val="0"/>
+                <a14:useLocalDpi xmlns:a14="http://schemas.microsoft.com/office/drawing/2010/main" xmlns="" val="0"/>
               </a:ext>
             </a:extLst>
           </a:blip>
@@ -8401,7 +8401,7 @@
           <p:cNvPr id="8" name="Slide Title">
             <a:extLst>
               <a:ext uri="{FF2B5EF4-FFF2-40B4-BE49-F238E27FC236}">
-                <a16:creationId xmlns:a16="http://schemas.microsoft.com/office/drawing/2014/main" id="{E2DA9691-CDF5-499C-94BB-AAA61DAC1BFB}"/>
+                <a16:creationId xmlns:a16="http://schemas.microsoft.com/office/drawing/2014/main" xmlns="" id="{E2DA9691-CDF5-499C-94BB-AAA61DAC1BFB}"/>
               </a:ext>
             </a:extLst>
           </p:cNvPr>
@@ -8438,7 +8438,7 @@
           <p:cNvPr id="10" name="Group 9">
             <a:extLst>
               <a:ext uri="{FF2B5EF4-FFF2-40B4-BE49-F238E27FC236}">
-                <a16:creationId xmlns:a16="http://schemas.microsoft.com/office/drawing/2014/main" id="{43CDBCC2-1C96-44BC-B992-7B0C49C34904}"/>
+                <a16:creationId xmlns:a16="http://schemas.microsoft.com/office/drawing/2014/main" xmlns="" id="{43CDBCC2-1C96-44BC-B992-7B0C49C34904}"/>
               </a:ext>
             </a:extLst>
           </p:cNvPr>
@@ -8458,7 +8458,7 @@
             <p:cNvPr id="11" name="Group 10">
               <a:extLst>
                 <a:ext uri="{FF2B5EF4-FFF2-40B4-BE49-F238E27FC236}">
-                  <a16:creationId xmlns:a16="http://schemas.microsoft.com/office/drawing/2014/main" id="{7D71B3A8-4D39-42CF-9255-81EA3A622DD6}"/>
+                  <a16:creationId xmlns:a16="http://schemas.microsoft.com/office/drawing/2014/main" xmlns="" id="{7D71B3A8-4D39-42CF-9255-81EA3A622DD6}"/>
                 </a:ext>
               </a:extLst>
             </p:cNvPr>
@@ -8478,7 +8478,7 @@
               <p:cNvPr id="25" name="Oval 24">
                 <a:extLst>
                   <a:ext uri="{FF2B5EF4-FFF2-40B4-BE49-F238E27FC236}">
-                    <a16:creationId xmlns:a16="http://schemas.microsoft.com/office/drawing/2014/main" id="{B98059F9-1874-426D-8AF7-A12C21F37DD9}"/>
+                    <a16:creationId xmlns:a16="http://schemas.microsoft.com/office/drawing/2014/main" xmlns="" id="{B98059F9-1874-426D-8AF7-A12C21F37DD9}"/>
                   </a:ext>
                 </a:extLst>
               </p:cNvPr>
@@ -8530,7 +8530,7 @@
               <p:cNvPr id="26" name="Rectangle 5">
                 <a:extLst>
                   <a:ext uri="{FF2B5EF4-FFF2-40B4-BE49-F238E27FC236}">
-                    <a16:creationId xmlns:a16="http://schemas.microsoft.com/office/drawing/2014/main" id="{A3A1E077-DBDF-48F0-A924-604984B940A2}"/>
+                    <a16:creationId xmlns:a16="http://schemas.microsoft.com/office/drawing/2014/main" xmlns="" id="{A3A1E077-DBDF-48F0-A924-604984B940A2}"/>
                   </a:ext>
                 </a:extLst>
               </p:cNvPr>
@@ -8675,7 +8675,7 @@
               <p:cNvPr id="27" name="Rectangle 5">
                 <a:extLst>
                   <a:ext uri="{FF2B5EF4-FFF2-40B4-BE49-F238E27FC236}">
-                    <a16:creationId xmlns:a16="http://schemas.microsoft.com/office/drawing/2014/main" id="{798B1F51-1FA4-4199-81C7-62356C936CC9}"/>
+                    <a16:creationId xmlns:a16="http://schemas.microsoft.com/office/drawing/2014/main" xmlns="" id="{798B1F51-1FA4-4199-81C7-62356C936CC9}"/>
                   </a:ext>
                 </a:extLst>
               </p:cNvPr>
@@ -8820,7 +8820,7 @@
               <p:cNvPr id="28" name="Arc 27">
                 <a:extLst>
                   <a:ext uri="{FF2B5EF4-FFF2-40B4-BE49-F238E27FC236}">
-                    <a16:creationId xmlns:a16="http://schemas.microsoft.com/office/drawing/2014/main" id="{40A224C8-1233-40F7-96AB-BFF79AF6CDCB}"/>
+                    <a16:creationId xmlns:a16="http://schemas.microsoft.com/office/drawing/2014/main" xmlns="" id="{40A224C8-1233-40F7-96AB-BFF79AF6CDCB}"/>
                   </a:ext>
                 </a:extLst>
               </p:cNvPr>
@@ -8879,7 +8879,7 @@
               <p:cNvPr id="29" name="Arc 28">
                 <a:extLst>
                   <a:ext uri="{FF2B5EF4-FFF2-40B4-BE49-F238E27FC236}">
-                    <a16:creationId xmlns:a16="http://schemas.microsoft.com/office/drawing/2014/main" id="{B57C7CCC-E218-4321-8C7B-3F0C5753C7A1}"/>
+                    <a16:creationId xmlns:a16="http://schemas.microsoft.com/office/drawing/2014/main" xmlns="" id="{B57C7CCC-E218-4321-8C7B-3F0C5753C7A1}"/>
                   </a:ext>
                 </a:extLst>
               </p:cNvPr>
@@ -8939,7 +8939,7 @@
             <p:cNvPr id="13" name="Rectangle: Rounded Corners 12">
               <a:extLst>
                 <a:ext uri="{FF2B5EF4-FFF2-40B4-BE49-F238E27FC236}">
-                  <a16:creationId xmlns:a16="http://schemas.microsoft.com/office/drawing/2014/main" id="{6AF309CA-A56C-4ABC-B293-420F4EB1A9B4}"/>
+                  <a16:creationId xmlns:a16="http://schemas.microsoft.com/office/drawing/2014/main" xmlns="" id="{6AF309CA-A56C-4ABC-B293-420F4EB1A9B4}"/>
                 </a:ext>
               </a:extLst>
             </p:cNvPr>
@@ -8993,7 +8993,7 @@
             <p:cNvPr id="14" name="Rectangle: Rounded Corners 13">
               <a:extLst>
                 <a:ext uri="{FF2B5EF4-FFF2-40B4-BE49-F238E27FC236}">
-                  <a16:creationId xmlns:a16="http://schemas.microsoft.com/office/drawing/2014/main" id="{07955808-2AC7-44EB-8B6D-82B974E53A3C}"/>
+                  <a16:creationId xmlns:a16="http://schemas.microsoft.com/office/drawing/2014/main" xmlns="" id="{07955808-2AC7-44EB-8B6D-82B974E53A3C}"/>
                 </a:ext>
               </a:extLst>
             </p:cNvPr>
@@ -9054,7 +9054,7 @@
             <p:cNvPr id="15" name="Straight Connector 14">
               <a:extLst>
                 <a:ext uri="{FF2B5EF4-FFF2-40B4-BE49-F238E27FC236}">
-                  <a16:creationId xmlns:a16="http://schemas.microsoft.com/office/drawing/2014/main" id="{AC6420D7-AEAB-45EF-8D46-11EB06E4AFEA}"/>
+                  <a16:creationId xmlns:a16="http://schemas.microsoft.com/office/drawing/2014/main" xmlns="" id="{AC6420D7-AEAB-45EF-8D46-11EB06E4AFEA}"/>
                 </a:ext>
               </a:extLst>
             </p:cNvPr>
@@ -9100,7 +9100,7 @@
             <p:cNvPr id="16" name="Straight Connector 15">
               <a:extLst>
                 <a:ext uri="{FF2B5EF4-FFF2-40B4-BE49-F238E27FC236}">
-                  <a16:creationId xmlns:a16="http://schemas.microsoft.com/office/drawing/2014/main" id="{76C7FABC-6773-44F6-990B-3EB082BE9B35}"/>
+                  <a16:creationId xmlns:a16="http://schemas.microsoft.com/office/drawing/2014/main" xmlns="" id="{76C7FABC-6773-44F6-990B-3EB082BE9B35}"/>
                 </a:ext>
               </a:extLst>
             </p:cNvPr>
@@ -9146,7 +9146,7 @@
             <p:cNvPr id="17" name="Group 16">
               <a:extLst>
                 <a:ext uri="{FF2B5EF4-FFF2-40B4-BE49-F238E27FC236}">
-                  <a16:creationId xmlns:a16="http://schemas.microsoft.com/office/drawing/2014/main" id="{1FAD48E1-DC45-4B3D-9CE5-613250708496}"/>
+                  <a16:creationId xmlns:a16="http://schemas.microsoft.com/office/drawing/2014/main" xmlns="" id="{1FAD48E1-DC45-4B3D-9CE5-613250708496}"/>
                 </a:ext>
               </a:extLst>
             </p:cNvPr>
@@ -9169,7 +9169,7 @@
               <p:cNvPr id="23" name="Straight Connector 22">
                 <a:extLst>
                   <a:ext uri="{FF2B5EF4-FFF2-40B4-BE49-F238E27FC236}">
-                    <a16:creationId xmlns:a16="http://schemas.microsoft.com/office/drawing/2014/main" id="{B01FD1D1-046F-457B-AB63-2702CE3E906E}"/>
+                    <a16:creationId xmlns:a16="http://schemas.microsoft.com/office/drawing/2014/main" xmlns="" id="{B01FD1D1-046F-457B-AB63-2702CE3E906E}"/>
                   </a:ext>
                 </a:extLst>
               </p:cNvPr>
@@ -9213,7 +9213,7 @@
               <p:cNvPr id="24" name="Straight Connector 23">
                 <a:extLst>
                   <a:ext uri="{FF2B5EF4-FFF2-40B4-BE49-F238E27FC236}">
-                    <a16:creationId xmlns:a16="http://schemas.microsoft.com/office/drawing/2014/main" id="{895660C3-C72C-43EE-9C4A-170F85E5BE08}"/>
+                    <a16:creationId xmlns:a16="http://schemas.microsoft.com/office/drawing/2014/main" xmlns="" id="{895660C3-C72C-43EE-9C4A-170F85E5BE08}"/>
                   </a:ext>
                 </a:extLst>
               </p:cNvPr>
@@ -9258,7 +9258,7 @@
             <p:cNvPr id="19" name="Straight Connector 18">
               <a:extLst>
                 <a:ext uri="{FF2B5EF4-FFF2-40B4-BE49-F238E27FC236}">
-                  <a16:creationId xmlns:a16="http://schemas.microsoft.com/office/drawing/2014/main" id="{A74EE503-8FC0-42A6-8860-CA4EE42272E4}"/>
+                  <a16:creationId xmlns:a16="http://schemas.microsoft.com/office/drawing/2014/main" xmlns="" id="{A74EE503-8FC0-42A6-8860-CA4EE42272E4}"/>
                 </a:ext>
               </a:extLst>
             </p:cNvPr>
@@ -9304,7 +9304,7 @@
             <p:cNvPr id="12" name="Rectangle: Rounded Corners 11">
               <a:extLst>
                 <a:ext uri="{FF2B5EF4-FFF2-40B4-BE49-F238E27FC236}">
-                  <a16:creationId xmlns:a16="http://schemas.microsoft.com/office/drawing/2014/main" id="{F4189FDA-9FE8-490B-8A70-2E941811021F}"/>
+                  <a16:creationId xmlns:a16="http://schemas.microsoft.com/office/drawing/2014/main" xmlns="" id="{F4189FDA-9FE8-490B-8A70-2E941811021F}"/>
                 </a:ext>
               </a:extLst>
             </p:cNvPr>
@@ -9358,7 +9358,7 @@
             <p:cNvPr id="18" name="Group 17">
               <a:extLst>
                 <a:ext uri="{FF2B5EF4-FFF2-40B4-BE49-F238E27FC236}">
-                  <a16:creationId xmlns:a16="http://schemas.microsoft.com/office/drawing/2014/main" id="{FDA3EFCD-0DF8-419D-8533-D781521E597E}"/>
+                  <a16:creationId xmlns:a16="http://schemas.microsoft.com/office/drawing/2014/main" xmlns="" id="{FDA3EFCD-0DF8-419D-8533-D781521E597E}"/>
                 </a:ext>
               </a:extLst>
             </p:cNvPr>
@@ -9381,7 +9381,7 @@
               <p:cNvPr id="21" name="Straight Connector 20">
                 <a:extLst>
                   <a:ext uri="{FF2B5EF4-FFF2-40B4-BE49-F238E27FC236}">
-                    <a16:creationId xmlns:a16="http://schemas.microsoft.com/office/drawing/2014/main" id="{C3CC6A5A-182E-4A09-9C04-EB191881D789}"/>
+                    <a16:creationId xmlns:a16="http://schemas.microsoft.com/office/drawing/2014/main" xmlns="" id="{C3CC6A5A-182E-4A09-9C04-EB191881D789}"/>
                   </a:ext>
                 </a:extLst>
               </p:cNvPr>
@@ -9425,7 +9425,7 @@
               <p:cNvPr id="22" name="Straight Connector 21">
                 <a:extLst>
                   <a:ext uri="{FF2B5EF4-FFF2-40B4-BE49-F238E27FC236}">
-                    <a16:creationId xmlns:a16="http://schemas.microsoft.com/office/drawing/2014/main" id="{440C8953-0555-48CC-8255-78F17E053EE7}"/>
+                    <a16:creationId xmlns:a16="http://schemas.microsoft.com/office/drawing/2014/main" xmlns="" id="{440C8953-0555-48CC-8255-78F17E053EE7}"/>
                   </a:ext>
                 </a:extLst>
               </p:cNvPr>
@@ -9471,7 +9471,7 @@
           <p:cNvPr id="34" name="Straight Connector 33">
             <a:extLst>
               <a:ext uri="{FF2B5EF4-FFF2-40B4-BE49-F238E27FC236}">
-                <a16:creationId xmlns:a16="http://schemas.microsoft.com/office/drawing/2014/main" id="{29B538CA-8CCB-43FB-B5E5-5FC04EBC1F54}"/>
+                <a16:creationId xmlns:a16="http://schemas.microsoft.com/office/drawing/2014/main" xmlns="" id="{29B538CA-8CCB-43FB-B5E5-5FC04EBC1F54}"/>
               </a:ext>
             </a:extLst>
           </p:cNvPr>
@@ -9516,18 +9516,18 @@
     </p:spTree>
     <p:extLst>
       <p:ext uri="{BB962C8B-B14F-4D97-AF65-F5344CB8AC3E}">
-        <p14:creationId xmlns:p14="http://schemas.microsoft.com/office/powerpoint/2010/main" val="743545348"/>
+        <p14:creationId xmlns:p14="http://schemas.microsoft.com/office/powerpoint/2010/main" xmlns="" val="743545348"/>
       </p:ext>
     </p:extLst>
   </p:cSld>
   <p:clrMapOvr>
     <a:masterClrMapping/>
   </p:clrMapOvr>
-  <mc:AlternateContent xmlns:mc="http://schemas.openxmlformats.org/markup-compatibility/2006" xmlns:p14="http://schemas.microsoft.com/office/powerpoint/2010/main">
-    <mc:Choice Requires="p14">
+  <mc:AlternateContent xmlns:mc="http://schemas.openxmlformats.org/markup-compatibility/2006">
+    <mc:Choice xmlns:p14="http://schemas.microsoft.com/office/powerpoint/2010/main" xmlns="" Requires="p14">
       <p:transition spd="slow" p14:dur="2000" advClick="0" advTm="5000"/>
     </mc:Choice>
-    <mc:Fallback xmlns="">
+    <mc:Fallback>
       <p:transition spd="slow" advClick="0" advTm="5000"/>
     </mc:Fallback>
   </mc:AlternateContent>
@@ -9556,7 +9556,7 @@
           <p:cNvPr id="9" name="Slide Number">
             <a:extLst>
               <a:ext uri="{FF2B5EF4-FFF2-40B4-BE49-F238E27FC236}">
-                <a16:creationId xmlns:a16="http://schemas.microsoft.com/office/drawing/2014/main" id="{1865BF6B-7F07-4E9C-879F-80E36EEB3405}"/>
+                <a16:creationId xmlns:a16="http://schemas.microsoft.com/office/drawing/2014/main" xmlns="" id="{1865BF6B-7F07-4E9C-879F-80E36EEB3405}"/>
               </a:ext>
             </a:extLst>
           </p:cNvPr>
@@ -9598,7 +9598,7 @@
           <p:cNvPr id="12" name="Rectangle Left">
             <a:extLst>
               <a:ext uri="{FF2B5EF4-FFF2-40B4-BE49-F238E27FC236}">
-                <a16:creationId xmlns:a16="http://schemas.microsoft.com/office/drawing/2014/main" id="{345FB1C8-7F66-4D5C-ACCE-AE919936BCFD}"/>
+                <a16:creationId xmlns:a16="http://schemas.microsoft.com/office/drawing/2014/main" xmlns="" id="{345FB1C8-7F66-4D5C-ACCE-AE919936BCFD}"/>
               </a:ext>
             </a:extLst>
           </p:cNvPr>
@@ -9679,7 +9679,7 @@
           <p:cNvPr id="15" name="Slide Body Text">
             <a:extLst>
               <a:ext uri="{FF2B5EF4-FFF2-40B4-BE49-F238E27FC236}">
-                <a16:creationId xmlns:a16="http://schemas.microsoft.com/office/drawing/2014/main" id="{6157C8DE-E0AF-422B-BBB1-F0AF1264B5E9}"/>
+                <a16:creationId xmlns:a16="http://schemas.microsoft.com/office/drawing/2014/main" xmlns="" id="{6157C8DE-E0AF-422B-BBB1-F0AF1264B5E9}"/>
               </a:ext>
             </a:extLst>
           </p:cNvPr>
@@ -9777,7 +9777,7 @@
           <p:cNvPr id="16" name="Logo Software University" descr="Software University logo">
             <a:extLst>
               <a:ext uri="{FF2B5EF4-FFF2-40B4-BE49-F238E27FC236}">
-                <a16:creationId xmlns:a16="http://schemas.microsoft.com/office/drawing/2014/main" id="{EFEBB553-EACE-4B4F-8B4F-7629FDD910A4}"/>
+                <a16:creationId xmlns:a16="http://schemas.microsoft.com/office/drawing/2014/main" xmlns="" id="{EFEBB553-EACE-4B4F-8B4F-7629FDD910A4}"/>
               </a:ext>
             </a:extLst>
           </p:cNvPr>
@@ -9800,7 +9800,7 @@
             </a:clrChange>
             <a:extLst>
               <a:ext uri="{28A0092B-C50C-407E-A947-70E740481C1C}">
-                <a14:useLocalDpi xmlns:a14="http://schemas.microsoft.com/office/drawing/2010/main" val="0"/>
+                <a14:useLocalDpi xmlns:a14="http://schemas.microsoft.com/office/drawing/2010/main" xmlns="" val="0"/>
               </a:ext>
             </a:extLst>
           </a:blip>
@@ -9823,7 +9823,7 @@
           <p:cNvPr id="13" name="Slide Title">
             <a:extLst>
               <a:ext uri="{FF2B5EF4-FFF2-40B4-BE49-F238E27FC236}">
-                <a16:creationId xmlns:a16="http://schemas.microsoft.com/office/drawing/2014/main" id="{0D5CC956-5C4A-44BE-8F8B-327FAFA51E97}"/>
+                <a16:creationId xmlns:a16="http://schemas.microsoft.com/office/drawing/2014/main" xmlns="" id="{0D5CC956-5C4A-44BE-8F8B-327FAFA51E97}"/>
               </a:ext>
             </a:extLst>
           </p:cNvPr>
@@ -9860,7 +9860,7 @@
           <p:cNvPr id="33" name="Group 32">
             <a:extLst>
               <a:ext uri="{FF2B5EF4-FFF2-40B4-BE49-F238E27FC236}">
-                <a16:creationId xmlns:a16="http://schemas.microsoft.com/office/drawing/2014/main" id="{7CF60135-47AA-48F0-96BA-0E795668ABDB}"/>
+                <a16:creationId xmlns:a16="http://schemas.microsoft.com/office/drawing/2014/main" xmlns="" id="{7CF60135-47AA-48F0-96BA-0E795668ABDB}"/>
               </a:ext>
             </a:extLst>
           </p:cNvPr>
@@ -9880,7 +9880,7 @@
             <p:cNvPr id="34" name="Group 33">
               <a:extLst>
                 <a:ext uri="{FF2B5EF4-FFF2-40B4-BE49-F238E27FC236}">
-                  <a16:creationId xmlns:a16="http://schemas.microsoft.com/office/drawing/2014/main" id="{2823380E-3936-41AF-BDF7-DA54D75BBF6B}"/>
+                  <a16:creationId xmlns:a16="http://schemas.microsoft.com/office/drawing/2014/main" xmlns="" id="{2823380E-3936-41AF-BDF7-DA54D75BBF6B}"/>
                 </a:ext>
               </a:extLst>
             </p:cNvPr>
@@ -9900,7 +9900,7 @@
               <p:cNvPr id="47" name="Oval 46">
                 <a:extLst>
                   <a:ext uri="{FF2B5EF4-FFF2-40B4-BE49-F238E27FC236}">
-                    <a16:creationId xmlns:a16="http://schemas.microsoft.com/office/drawing/2014/main" id="{52B047D9-D8DD-45C7-9BC8-6D4F682F5182}"/>
+                    <a16:creationId xmlns:a16="http://schemas.microsoft.com/office/drawing/2014/main" xmlns="" id="{52B047D9-D8DD-45C7-9BC8-6D4F682F5182}"/>
                   </a:ext>
                 </a:extLst>
               </p:cNvPr>
@@ -9952,7 +9952,7 @@
               <p:cNvPr id="48" name="Rectangle 5">
                 <a:extLst>
                   <a:ext uri="{FF2B5EF4-FFF2-40B4-BE49-F238E27FC236}">
-                    <a16:creationId xmlns:a16="http://schemas.microsoft.com/office/drawing/2014/main" id="{4D84FE51-BD8E-47EA-9463-CE02FEA31766}"/>
+                    <a16:creationId xmlns:a16="http://schemas.microsoft.com/office/drawing/2014/main" xmlns="" id="{4D84FE51-BD8E-47EA-9463-CE02FEA31766}"/>
                   </a:ext>
                 </a:extLst>
               </p:cNvPr>
@@ -10097,7 +10097,7 @@
               <p:cNvPr id="49" name="Rectangle 5">
                 <a:extLst>
                   <a:ext uri="{FF2B5EF4-FFF2-40B4-BE49-F238E27FC236}">
-                    <a16:creationId xmlns:a16="http://schemas.microsoft.com/office/drawing/2014/main" id="{F5C8F037-C197-4219-AC87-3A81763512BC}"/>
+                    <a16:creationId xmlns:a16="http://schemas.microsoft.com/office/drawing/2014/main" xmlns="" id="{F5C8F037-C197-4219-AC87-3A81763512BC}"/>
                   </a:ext>
                 </a:extLst>
               </p:cNvPr>
@@ -10242,7 +10242,7 @@
               <p:cNvPr id="50" name="Arc 49">
                 <a:extLst>
                   <a:ext uri="{FF2B5EF4-FFF2-40B4-BE49-F238E27FC236}">
-                    <a16:creationId xmlns:a16="http://schemas.microsoft.com/office/drawing/2014/main" id="{786EE401-CF8E-439B-94A0-EE6F3A7D5798}"/>
+                    <a16:creationId xmlns:a16="http://schemas.microsoft.com/office/drawing/2014/main" xmlns="" id="{786EE401-CF8E-439B-94A0-EE6F3A7D5798}"/>
                   </a:ext>
                 </a:extLst>
               </p:cNvPr>
@@ -10301,7 +10301,7 @@
               <p:cNvPr id="51" name="Arc 50">
                 <a:extLst>
                   <a:ext uri="{FF2B5EF4-FFF2-40B4-BE49-F238E27FC236}">
-                    <a16:creationId xmlns:a16="http://schemas.microsoft.com/office/drawing/2014/main" id="{8D9ACD38-B3EB-4A63-9730-CBF0501BF235}"/>
+                    <a16:creationId xmlns:a16="http://schemas.microsoft.com/office/drawing/2014/main" xmlns="" id="{8D9ACD38-B3EB-4A63-9730-CBF0501BF235}"/>
                   </a:ext>
                 </a:extLst>
               </p:cNvPr>
@@ -10361,7 +10361,7 @@
             <p:cNvPr id="35" name="Rectangle: Rounded Corners 34">
               <a:extLst>
                 <a:ext uri="{FF2B5EF4-FFF2-40B4-BE49-F238E27FC236}">
-                  <a16:creationId xmlns:a16="http://schemas.microsoft.com/office/drawing/2014/main" id="{64EE493E-A353-4C75-A3B9-D48ABA2C57CC}"/>
+                  <a16:creationId xmlns:a16="http://schemas.microsoft.com/office/drawing/2014/main" xmlns="" id="{64EE493E-A353-4C75-A3B9-D48ABA2C57CC}"/>
                 </a:ext>
               </a:extLst>
             </p:cNvPr>
@@ -10415,7 +10415,7 @@
             <p:cNvPr id="36" name="Rectangle: Rounded Corners 35">
               <a:extLst>
                 <a:ext uri="{FF2B5EF4-FFF2-40B4-BE49-F238E27FC236}">
-                  <a16:creationId xmlns:a16="http://schemas.microsoft.com/office/drawing/2014/main" id="{718408B9-204E-42E3-9E79-33E047E869BC}"/>
+                  <a16:creationId xmlns:a16="http://schemas.microsoft.com/office/drawing/2014/main" xmlns="" id="{718408B9-204E-42E3-9E79-33E047E869BC}"/>
                 </a:ext>
               </a:extLst>
             </p:cNvPr>
@@ -10476,7 +10476,7 @@
             <p:cNvPr id="37" name="Straight Connector 36">
               <a:extLst>
                 <a:ext uri="{FF2B5EF4-FFF2-40B4-BE49-F238E27FC236}">
-                  <a16:creationId xmlns:a16="http://schemas.microsoft.com/office/drawing/2014/main" id="{0AB66D97-DF6F-4CD2-AF13-42B5C852F673}"/>
+                  <a16:creationId xmlns:a16="http://schemas.microsoft.com/office/drawing/2014/main" xmlns="" id="{0AB66D97-DF6F-4CD2-AF13-42B5C852F673}"/>
                 </a:ext>
               </a:extLst>
             </p:cNvPr>
@@ -10522,7 +10522,7 @@
             <p:cNvPr id="38" name="Straight Connector 37">
               <a:extLst>
                 <a:ext uri="{FF2B5EF4-FFF2-40B4-BE49-F238E27FC236}">
-                  <a16:creationId xmlns:a16="http://schemas.microsoft.com/office/drawing/2014/main" id="{F2AFBA69-C196-4703-8AAB-5F72A8EDCEB5}"/>
+                  <a16:creationId xmlns:a16="http://schemas.microsoft.com/office/drawing/2014/main" xmlns="" id="{F2AFBA69-C196-4703-8AAB-5F72A8EDCEB5}"/>
                 </a:ext>
               </a:extLst>
             </p:cNvPr>
@@ -10568,7 +10568,7 @@
             <p:cNvPr id="39" name="Group 38">
               <a:extLst>
                 <a:ext uri="{FF2B5EF4-FFF2-40B4-BE49-F238E27FC236}">
-                  <a16:creationId xmlns:a16="http://schemas.microsoft.com/office/drawing/2014/main" id="{9AFC66C1-0C1C-4332-9C4E-782574C896B8}"/>
+                  <a16:creationId xmlns:a16="http://schemas.microsoft.com/office/drawing/2014/main" xmlns="" id="{9AFC66C1-0C1C-4332-9C4E-782574C896B8}"/>
                 </a:ext>
               </a:extLst>
             </p:cNvPr>
@@ -10591,7 +10591,7 @@
               <p:cNvPr id="45" name="Straight Connector 44">
                 <a:extLst>
                   <a:ext uri="{FF2B5EF4-FFF2-40B4-BE49-F238E27FC236}">
-                    <a16:creationId xmlns:a16="http://schemas.microsoft.com/office/drawing/2014/main" id="{872CA8AD-EAF6-40BE-9DDE-ECDB4A980CA5}"/>
+                    <a16:creationId xmlns:a16="http://schemas.microsoft.com/office/drawing/2014/main" xmlns="" id="{872CA8AD-EAF6-40BE-9DDE-ECDB4A980CA5}"/>
                   </a:ext>
                 </a:extLst>
               </p:cNvPr>
@@ -10635,7 +10635,7 @@
               <p:cNvPr id="46" name="Straight Connector 45">
                 <a:extLst>
                   <a:ext uri="{FF2B5EF4-FFF2-40B4-BE49-F238E27FC236}">
-                    <a16:creationId xmlns:a16="http://schemas.microsoft.com/office/drawing/2014/main" id="{57DD3EC7-1A13-4AFE-BD6F-DA12C281FAFB}"/>
+                    <a16:creationId xmlns:a16="http://schemas.microsoft.com/office/drawing/2014/main" xmlns="" id="{57DD3EC7-1A13-4AFE-BD6F-DA12C281FAFB}"/>
                   </a:ext>
                 </a:extLst>
               </p:cNvPr>
@@ -10680,7 +10680,7 @@
             <p:cNvPr id="40" name="Straight Connector 39">
               <a:extLst>
                 <a:ext uri="{FF2B5EF4-FFF2-40B4-BE49-F238E27FC236}">
-                  <a16:creationId xmlns:a16="http://schemas.microsoft.com/office/drawing/2014/main" id="{E46151FA-19E9-4E84-A082-EDAC6F76EA9D}"/>
+                  <a16:creationId xmlns:a16="http://schemas.microsoft.com/office/drawing/2014/main" xmlns="" id="{E46151FA-19E9-4E84-A082-EDAC6F76EA9D}"/>
                 </a:ext>
               </a:extLst>
             </p:cNvPr>
@@ -10726,7 +10726,7 @@
             <p:cNvPr id="41" name="Rectangle: Rounded Corners 40">
               <a:extLst>
                 <a:ext uri="{FF2B5EF4-FFF2-40B4-BE49-F238E27FC236}">
-                  <a16:creationId xmlns:a16="http://schemas.microsoft.com/office/drawing/2014/main" id="{3423EEF0-5B70-4091-B2DA-0740D2609643}"/>
+                  <a16:creationId xmlns:a16="http://schemas.microsoft.com/office/drawing/2014/main" xmlns="" id="{3423EEF0-5B70-4091-B2DA-0740D2609643}"/>
                 </a:ext>
               </a:extLst>
             </p:cNvPr>
@@ -10780,7 +10780,7 @@
             <p:cNvPr id="42" name="Group 41">
               <a:extLst>
                 <a:ext uri="{FF2B5EF4-FFF2-40B4-BE49-F238E27FC236}">
-                  <a16:creationId xmlns:a16="http://schemas.microsoft.com/office/drawing/2014/main" id="{49A8AAA7-98E7-4224-B027-830FFCC285A3}"/>
+                  <a16:creationId xmlns:a16="http://schemas.microsoft.com/office/drawing/2014/main" xmlns="" id="{49A8AAA7-98E7-4224-B027-830FFCC285A3}"/>
                 </a:ext>
               </a:extLst>
             </p:cNvPr>
@@ -10803,7 +10803,7 @@
               <p:cNvPr id="43" name="Straight Connector 42">
                 <a:extLst>
                   <a:ext uri="{FF2B5EF4-FFF2-40B4-BE49-F238E27FC236}">
-                    <a16:creationId xmlns:a16="http://schemas.microsoft.com/office/drawing/2014/main" id="{2129EC38-471E-4685-973E-BA7A7F567C42}"/>
+                    <a16:creationId xmlns:a16="http://schemas.microsoft.com/office/drawing/2014/main" xmlns="" id="{2129EC38-471E-4685-973E-BA7A7F567C42}"/>
                   </a:ext>
                 </a:extLst>
               </p:cNvPr>
@@ -10847,7 +10847,7 @@
               <p:cNvPr id="44" name="Straight Connector 43">
                 <a:extLst>
                   <a:ext uri="{FF2B5EF4-FFF2-40B4-BE49-F238E27FC236}">
-                    <a16:creationId xmlns:a16="http://schemas.microsoft.com/office/drawing/2014/main" id="{678142BE-84C9-4834-B6CC-6623E401661C}"/>
+                    <a16:creationId xmlns:a16="http://schemas.microsoft.com/office/drawing/2014/main" xmlns="" id="{678142BE-84C9-4834-B6CC-6623E401661C}"/>
                   </a:ext>
                 </a:extLst>
               </p:cNvPr>
@@ -10891,18 +10891,18 @@
     </p:spTree>
     <p:extLst>
       <p:ext uri="{BB962C8B-B14F-4D97-AF65-F5344CB8AC3E}">
-        <p14:creationId xmlns:p14="http://schemas.microsoft.com/office/powerpoint/2010/main" val="1679651758"/>
+        <p14:creationId xmlns:p14="http://schemas.microsoft.com/office/powerpoint/2010/main" xmlns="" val="1679651758"/>
       </p:ext>
     </p:extLst>
   </p:cSld>
   <p:clrMapOvr>
     <a:masterClrMapping/>
   </p:clrMapOvr>
-  <mc:AlternateContent xmlns:mc="http://schemas.openxmlformats.org/markup-compatibility/2006" xmlns:p14="http://schemas.microsoft.com/office/powerpoint/2010/main">
-    <mc:Choice Requires="p14">
+  <mc:AlternateContent xmlns:mc="http://schemas.openxmlformats.org/markup-compatibility/2006">
+    <mc:Choice xmlns:p14="http://schemas.microsoft.com/office/powerpoint/2010/main" xmlns="" Requires="p14">
       <p:transition spd="slow" p14:dur="2000" advClick="0" advTm="5000"/>
     </mc:Choice>
-    <mc:Fallback xmlns="">
+    <mc:Fallback>
       <p:transition spd="slow" advClick="0" advTm="5000"/>
     </mc:Fallback>
   </mc:AlternateContent>
@@ -10931,7 +10931,7 @@
           <p:cNvPr id="5" name="Slide Number">
             <a:extLst>
               <a:ext uri="{FF2B5EF4-FFF2-40B4-BE49-F238E27FC236}">
-                <a16:creationId xmlns:a16="http://schemas.microsoft.com/office/drawing/2014/main" id="{F0B8C963-1813-4B69-AD27-6D02EBBBB569}"/>
+                <a16:creationId xmlns:a16="http://schemas.microsoft.com/office/drawing/2014/main" xmlns="" id="{F0B8C963-1813-4B69-AD27-6D02EBBBB569}"/>
               </a:ext>
             </a:extLst>
           </p:cNvPr>
@@ -10973,7 +10973,7 @@
           <p:cNvPr id="3" name="Rectangle Left">
             <a:extLst>
               <a:ext uri="{FF2B5EF4-FFF2-40B4-BE49-F238E27FC236}">
-                <a16:creationId xmlns:a16="http://schemas.microsoft.com/office/drawing/2014/main" id="{345FB1C8-7F66-4D5C-ACCE-AE919936BCFD}"/>
+                <a16:creationId xmlns:a16="http://schemas.microsoft.com/office/drawing/2014/main" xmlns="" id="{345FB1C8-7F66-4D5C-ACCE-AE919936BCFD}"/>
               </a:ext>
             </a:extLst>
           </p:cNvPr>
@@ -11054,7 +11054,7 @@
           <p:cNvPr id="7" name="Slide Body Text">
             <a:extLst>
               <a:ext uri="{FF2B5EF4-FFF2-40B4-BE49-F238E27FC236}">
-                <a16:creationId xmlns:a16="http://schemas.microsoft.com/office/drawing/2014/main" id="{7296EDA7-D37D-4B31-A888-371F0804124F}"/>
+                <a16:creationId xmlns:a16="http://schemas.microsoft.com/office/drawing/2014/main" xmlns="" id="{7296EDA7-D37D-4B31-A888-371F0804124F}"/>
               </a:ext>
             </a:extLst>
           </p:cNvPr>
@@ -11152,7 +11152,7 @@
           <p:cNvPr id="6" name="Slide Title">
             <a:extLst>
               <a:ext uri="{FF2B5EF4-FFF2-40B4-BE49-F238E27FC236}">
-                <a16:creationId xmlns:a16="http://schemas.microsoft.com/office/drawing/2014/main" id="{55A88B09-3557-48A3-BF27-42699C269215}"/>
+                <a16:creationId xmlns:a16="http://schemas.microsoft.com/office/drawing/2014/main" xmlns="" id="{55A88B09-3557-48A3-BF27-42699C269215}"/>
               </a:ext>
             </a:extLst>
           </p:cNvPr>
@@ -11189,7 +11189,7 @@
           <p:cNvPr id="28" name="Group 27">
             <a:extLst>
               <a:ext uri="{FF2B5EF4-FFF2-40B4-BE49-F238E27FC236}">
-                <a16:creationId xmlns:a16="http://schemas.microsoft.com/office/drawing/2014/main" id="{C4248838-4E67-439E-AE0A-0043D2CB04D6}"/>
+                <a16:creationId xmlns:a16="http://schemas.microsoft.com/office/drawing/2014/main" xmlns="" id="{C4248838-4E67-439E-AE0A-0043D2CB04D6}"/>
               </a:ext>
             </a:extLst>
           </p:cNvPr>
@@ -11209,7 +11209,7 @@
             <p:cNvPr id="29" name="Group 28">
               <a:extLst>
                 <a:ext uri="{FF2B5EF4-FFF2-40B4-BE49-F238E27FC236}">
-                  <a16:creationId xmlns:a16="http://schemas.microsoft.com/office/drawing/2014/main" id="{810CFD6A-2427-49D5-846A-5F93601D4184}"/>
+                  <a16:creationId xmlns:a16="http://schemas.microsoft.com/office/drawing/2014/main" xmlns="" id="{810CFD6A-2427-49D5-846A-5F93601D4184}"/>
                 </a:ext>
               </a:extLst>
             </p:cNvPr>
@@ -11229,7 +11229,7 @@
               <p:cNvPr id="42" name="Oval 41">
                 <a:extLst>
                   <a:ext uri="{FF2B5EF4-FFF2-40B4-BE49-F238E27FC236}">
-                    <a16:creationId xmlns:a16="http://schemas.microsoft.com/office/drawing/2014/main" id="{017B1AE5-5C36-4839-BA1F-B404EA44E701}"/>
+                    <a16:creationId xmlns:a16="http://schemas.microsoft.com/office/drawing/2014/main" xmlns="" id="{017B1AE5-5C36-4839-BA1F-B404EA44E701}"/>
                   </a:ext>
                 </a:extLst>
               </p:cNvPr>
@@ -11281,7 +11281,7 @@
               <p:cNvPr id="43" name="Rectangle 5">
                 <a:extLst>
                   <a:ext uri="{FF2B5EF4-FFF2-40B4-BE49-F238E27FC236}">
-                    <a16:creationId xmlns:a16="http://schemas.microsoft.com/office/drawing/2014/main" id="{FB963D79-BB49-4A1D-BA66-EA0670C79BAE}"/>
+                    <a16:creationId xmlns:a16="http://schemas.microsoft.com/office/drawing/2014/main" xmlns="" id="{FB963D79-BB49-4A1D-BA66-EA0670C79BAE}"/>
                   </a:ext>
                 </a:extLst>
               </p:cNvPr>
@@ -11426,7 +11426,7 @@
               <p:cNvPr id="44" name="Rectangle 5">
                 <a:extLst>
                   <a:ext uri="{FF2B5EF4-FFF2-40B4-BE49-F238E27FC236}">
-                    <a16:creationId xmlns:a16="http://schemas.microsoft.com/office/drawing/2014/main" id="{6D7746D8-B913-493B-AAE9-25BC6893D40E}"/>
+                    <a16:creationId xmlns:a16="http://schemas.microsoft.com/office/drawing/2014/main" xmlns="" id="{6D7746D8-B913-493B-AAE9-25BC6893D40E}"/>
                   </a:ext>
                 </a:extLst>
               </p:cNvPr>
@@ -11571,7 +11571,7 @@
               <p:cNvPr id="45" name="Arc 44">
                 <a:extLst>
                   <a:ext uri="{FF2B5EF4-FFF2-40B4-BE49-F238E27FC236}">
-                    <a16:creationId xmlns:a16="http://schemas.microsoft.com/office/drawing/2014/main" id="{29031C02-E965-417B-8799-96061B14F30D}"/>
+                    <a16:creationId xmlns:a16="http://schemas.microsoft.com/office/drawing/2014/main" xmlns="" id="{29031C02-E965-417B-8799-96061B14F30D}"/>
                   </a:ext>
                 </a:extLst>
               </p:cNvPr>
@@ -11630,7 +11630,7 @@
               <p:cNvPr id="46" name="Arc 45">
                 <a:extLst>
                   <a:ext uri="{FF2B5EF4-FFF2-40B4-BE49-F238E27FC236}">
-                    <a16:creationId xmlns:a16="http://schemas.microsoft.com/office/drawing/2014/main" id="{26BFD8A6-BC99-4B16-BA10-08A9E5C681C0}"/>
+                    <a16:creationId xmlns:a16="http://schemas.microsoft.com/office/drawing/2014/main" xmlns="" id="{26BFD8A6-BC99-4B16-BA10-08A9E5C681C0}"/>
                   </a:ext>
                 </a:extLst>
               </p:cNvPr>
@@ -11690,7 +11690,7 @@
             <p:cNvPr id="30" name="Rectangle: Rounded Corners 29">
               <a:extLst>
                 <a:ext uri="{FF2B5EF4-FFF2-40B4-BE49-F238E27FC236}">
-                  <a16:creationId xmlns:a16="http://schemas.microsoft.com/office/drawing/2014/main" id="{B310277F-A78E-4FB9-9EA9-88BE4F1D585B}"/>
+                  <a16:creationId xmlns:a16="http://schemas.microsoft.com/office/drawing/2014/main" xmlns="" id="{B310277F-A78E-4FB9-9EA9-88BE4F1D585B}"/>
                 </a:ext>
               </a:extLst>
             </p:cNvPr>
@@ -11744,7 +11744,7 @@
             <p:cNvPr id="31" name="Rectangle: Rounded Corners 30">
               <a:extLst>
                 <a:ext uri="{FF2B5EF4-FFF2-40B4-BE49-F238E27FC236}">
-                  <a16:creationId xmlns:a16="http://schemas.microsoft.com/office/drawing/2014/main" id="{A92CF92B-C212-4542-83AE-A0058B5BB5EA}"/>
+                  <a16:creationId xmlns:a16="http://schemas.microsoft.com/office/drawing/2014/main" xmlns="" id="{A92CF92B-C212-4542-83AE-A0058B5BB5EA}"/>
                 </a:ext>
               </a:extLst>
             </p:cNvPr>
@@ -11805,7 +11805,7 @@
             <p:cNvPr id="32" name="Straight Connector 31">
               <a:extLst>
                 <a:ext uri="{FF2B5EF4-FFF2-40B4-BE49-F238E27FC236}">
-                  <a16:creationId xmlns:a16="http://schemas.microsoft.com/office/drawing/2014/main" id="{563B4374-5C0D-461F-B3BD-78D99614D365}"/>
+                  <a16:creationId xmlns:a16="http://schemas.microsoft.com/office/drawing/2014/main" xmlns="" id="{563B4374-5C0D-461F-B3BD-78D99614D365}"/>
                 </a:ext>
               </a:extLst>
             </p:cNvPr>
@@ -11851,7 +11851,7 @@
             <p:cNvPr id="33" name="Straight Connector 32">
               <a:extLst>
                 <a:ext uri="{FF2B5EF4-FFF2-40B4-BE49-F238E27FC236}">
-                  <a16:creationId xmlns:a16="http://schemas.microsoft.com/office/drawing/2014/main" id="{FBC6FDE7-AEA1-4230-8433-4C088A0FF5F9}"/>
+                  <a16:creationId xmlns:a16="http://schemas.microsoft.com/office/drawing/2014/main" xmlns="" id="{FBC6FDE7-AEA1-4230-8433-4C088A0FF5F9}"/>
                 </a:ext>
               </a:extLst>
             </p:cNvPr>
@@ -11897,7 +11897,7 @@
             <p:cNvPr id="34" name="Group 33">
               <a:extLst>
                 <a:ext uri="{FF2B5EF4-FFF2-40B4-BE49-F238E27FC236}">
-                  <a16:creationId xmlns:a16="http://schemas.microsoft.com/office/drawing/2014/main" id="{C4D1021D-07C7-4331-8FF6-36980A30978B}"/>
+                  <a16:creationId xmlns:a16="http://schemas.microsoft.com/office/drawing/2014/main" xmlns="" id="{C4D1021D-07C7-4331-8FF6-36980A30978B}"/>
                 </a:ext>
               </a:extLst>
             </p:cNvPr>
@@ -11920,7 +11920,7 @@
               <p:cNvPr id="40" name="Straight Connector 39">
                 <a:extLst>
                   <a:ext uri="{FF2B5EF4-FFF2-40B4-BE49-F238E27FC236}">
-                    <a16:creationId xmlns:a16="http://schemas.microsoft.com/office/drawing/2014/main" id="{13B7FE99-95CF-45D5-966B-87A979B93431}"/>
+                    <a16:creationId xmlns:a16="http://schemas.microsoft.com/office/drawing/2014/main" xmlns="" id="{13B7FE99-95CF-45D5-966B-87A979B93431}"/>
                   </a:ext>
                 </a:extLst>
               </p:cNvPr>
@@ -11964,7 +11964,7 @@
               <p:cNvPr id="41" name="Straight Connector 40">
                 <a:extLst>
                   <a:ext uri="{FF2B5EF4-FFF2-40B4-BE49-F238E27FC236}">
-                    <a16:creationId xmlns:a16="http://schemas.microsoft.com/office/drawing/2014/main" id="{71BBA69B-19FF-4ADB-A739-AD8136A5F0A6}"/>
+                    <a16:creationId xmlns:a16="http://schemas.microsoft.com/office/drawing/2014/main" xmlns="" id="{71BBA69B-19FF-4ADB-A739-AD8136A5F0A6}"/>
                   </a:ext>
                 </a:extLst>
               </p:cNvPr>
@@ -12009,7 +12009,7 @@
             <p:cNvPr id="35" name="Straight Connector 34">
               <a:extLst>
                 <a:ext uri="{FF2B5EF4-FFF2-40B4-BE49-F238E27FC236}">
-                  <a16:creationId xmlns:a16="http://schemas.microsoft.com/office/drawing/2014/main" id="{BFD1D86B-562B-40B2-8E46-34233EFEE7FC}"/>
+                  <a16:creationId xmlns:a16="http://schemas.microsoft.com/office/drawing/2014/main" xmlns="" id="{BFD1D86B-562B-40B2-8E46-34233EFEE7FC}"/>
                 </a:ext>
               </a:extLst>
             </p:cNvPr>
@@ -12055,7 +12055,7 @@
             <p:cNvPr id="36" name="Rectangle: Rounded Corners 35">
               <a:extLst>
                 <a:ext uri="{FF2B5EF4-FFF2-40B4-BE49-F238E27FC236}">
-                  <a16:creationId xmlns:a16="http://schemas.microsoft.com/office/drawing/2014/main" id="{388C17BD-16A1-43C5-BFFA-2FF9174719E1}"/>
+                  <a16:creationId xmlns:a16="http://schemas.microsoft.com/office/drawing/2014/main" xmlns="" id="{388C17BD-16A1-43C5-BFFA-2FF9174719E1}"/>
                 </a:ext>
               </a:extLst>
             </p:cNvPr>
@@ -12109,7 +12109,7 @@
             <p:cNvPr id="37" name="Group 36">
               <a:extLst>
                 <a:ext uri="{FF2B5EF4-FFF2-40B4-BE49-F238E27FC236}">
-                  <a16:creationId xmlns:a16="http://schemas.microsoft.com/office/drawing/2014/main" id="{1B3B910E-ACFC-4F28-8E28-F02E1588B87E}"/>
+                  <a16:creationId xmlns:a16="http://schemas.microsoft.com/office/drawing/2014/main" xmlns="" id="{1B3B910E-ACFC-4F28-8E28-F02E1588B87E}"/>
                 </a:ext>
               </a:extLst>
             </p:cNvPr>
@@ -12132,7 +12132,7 @@
               <p:cNvPr id="38" name="Straight Connector 37">
                 <a:extLst>
                   <a:ext uri="{FF2B5EF4-FFF2-40B4-BE49-F238E27FC236}">
-                    <a16:creationId xmlns:a16="http://schemas.microsoft.com/office/drawing/2014/main" id="{F57772B6-06C0-4F54-AA94-D3F92DA4716A}"/>
+                    <a16:creationId xmlns:a16="http://schemas.microsoft.com/office/drawing/2014/main" xmlns="" id="{F57772B6-06C0-4F54-AA94-D3F92DA4716A}"/>
                   </a:ext>
                 </a:extLst>
               </p:cNvPr>
@@ -12176,7 +12176,7 @@
               <p:cNvPr id="39" name="Straight Connector 38">
                 <a:extLst>
                   <a:ext uri="{FF2B5EF4-FFF2-40B4-BE49-F238E27FC236}">
-                    <a16:creationId xmlns:a16="http://schemas.microsoft.com/office/drawing/2014/main" id="{23370C1F-7876-4278-AB20-78F6CAA385E2}"/>
+                    <a16:creationId xmlns:a16="http://schemas.microsoft.com/office/drawing/2014/main" xmlns="" id="{23370C1F-7876-4278-AB20-78F6CAA385E2}"/>
                   </a:ext>
                 </a:extLst>
               </p:cNvPr>
@@ -12220,18 +12220,18 @@
     </p:spTree>
     <p:extLst>
       <p:ext uri="{BB962C8B-B14F-4D97-AF65-F5344CB8AC3E}">
-        <p14:creationId xmlns:p14="http://schemas.microsoft.com/office/powerpoint/2010/main" val="3284562556"/>
+        <p14:creationId xmlns:p14="http://schemas.microsoft.com/office/powerpoint/2010/main" xmlns="" val="3284562556"/>
       </p:ext>
     </p:extLst>
   </p:cSld>
   <p:clrMapOvr>
     <a:masterClrMapping/>
   </p:clrMapOvr>
-  <mc:AlternateContent xmlns:mc="http://schemas.openxmlformats.org/markup-compatibility/2006" xmlns:p14="http://schemas.microsoft.com/office/powerpoint/2010/main">
-    <mc:Choice Requires="p14">
+  <mc:AlternateContent xmlns:mc="http://schemas.openxmlformats.org/markup-compatibility/2006">
+    <mc:Choice xmlns:p14="http://schemas.microsoft.com/office/powerpoint/2010/main" xmlns="" Requires="p14">
       <p:transition spd="slow" p14:dur="2000" advClick="0" advTm="5000"/>
     </mc:Choice>
-    <mc:Fallback xmlns="">
+    <mc:Fallback>
       <p:transition spd="slow" advClick="0" advTm="5000"/>
     </mc:Fallback>
   </mc:AlternateContent>
@@ -12260,7 +12260,7 @@
           <p:cNvPr id="8" name="Slide Number">
             <a:extLst>
               <a:ext uri="{FF2B5EF4-FFF2-40B4-BE49-F238E27FC236}">
-                <a16:creationId xmlns:a16="http://schemas.microsoft.com/office/drawing/2014/main" id="{509D954E-A844-4072-A556-DE584BEB9321}"/>
+                <a16:creationId xmlns:a16="http://schemas.microsoft.com/office/drawing/2014/main" xmlns="" id="{509D954E-A844-4072-A556-DE584BEB9321}"/>
               </a:ext>
             </a:extLst>
           </p:cNvPr>
@@ -12302,7 +12302,7 @@
           <p:cNvPr id="6" name="Code Box">
             <a:extLst>
               <a:ext uri="{FF2B5EF4-FFF2-40B4-BE49-F238E27FC236}">
-                <a16:creationId xmlns:a16="http://schemas.microsoft.com/office/drawing/2014/main" id="{3278A82F-5546-4977-9F75-2A933B415945}"/>
+                <a16:creationId xmlns:a16="http://schemas.microsoft.com/office/drawing/2014/main" xmlns="" id="{3278A82F-5546-4977-9F75-2A933B415945}"/>
               </a:ext>
             </a:extLst>
           </p:cNvPr>
@@ -12389,7 +12389,7 @@
           <p:cNvPr id="21" name="Slide Body Text">
             <a:extLst>
               <a:ext uri="{FF2B5EF4-FFF2-40B4-BE49-F238E27FC236}">
-                <a16:creationId xmlns:a16="http://schemas.microsoft.com/office/drawing/2014/main" id="{04F318BE-2BAD-4677-871C-D78A4BF0CBA6}"/>
+                <a16:creationId xmlns:a16="http://schemas.microsoft.com/office/drawing/2014/main" xmlns="" id="{04F318BE-2BAD-4677-871C-D78A4BF0CBA6}"/>
               </a:ext>
             </a:extLst>
           </p:cNvPr>
@@ -12436,7 +12436,7 @@
           <p:cNvPr id="9" name="Rectangle Top">
             <a:extLst>
               <a:ext uri="{FF2B5EF4-FFF2-40B4-BE49-F238E27FC236}">
-                <a16:creationId xmlns:a16="http://schemas.microsoft.com/office/drawing/2014/main" id="{A15CE03A-0933-4E5D-9EA1-718D4F802FFC}"/>
+                <a16:creationId xmlns:a16="http://schemas.microsoft.com/office/drawing/2014/main" xmlns="" id="{A15CE03A-0933-4E5D-9EA1-718D4F802FFC}"/>
               </a:ext>
             </a:extLst>
           </p:cNvPr>
@@ -12517,7 +12517,7 @@
           <p:cNvPr id="10" name="Logo Software University" descr="Software University logo">
             <a:extLst>
               <a:ext uri="{FF2B5EF4-FFF2-40B4-BE49-F238E27FC236}">
-                <a16:creationId xmlns:a16="http://schemas.microsoft.com/office/drawing/2014/main" id="{8C01D7AF-7CBD-46E1-99F3-8EB60E838D91}"/>
+                <a16:creationId xmlns:a16="http://schemas.microsoft.com/office/drawing/2014/main" xmlns="" id="{8C01D7AF-7CBD-46E1-99F3-8EB60E838D91}"/>
               </a:ext>
             </a:extLst>
           </p:cNvPr>
@@ -12530,7 +12530,7 @@
           <a:blip r:embed="rId2" cstate="print">
             <a:extLst>
               <a:ext uri="{28A0092B-C50C-407E-A947-70E740481C1C}">
-                <a14:useLocalDpi xmlns:a14="http://schemas.microsoft.com/office/drawing/2010/main" val="0"/>
+                <a14:useLocalDpi xmlns:a14="http://schemas.microsoft.com/office/drawing/2010/main" xmlns="" val="0"/>
               </a:ext>
             </a:extLst>
           </a:blip>
@@ -12553,7 +12553,7 @@
           <p:cNvPr id="11" name="Slide Title">
             <a:extLst>
               <a:ext uri="{FF2B5EF4-FFF2-40B4-BE49-F238E27FC236}">
-                <a16:creationId xmlns:a16="http://schemas.microsoft.com/office/drawing/2014/main" id="{47D60833-F0A9-4F29-8C06-A963A7C8BE93}"/>
+                <a16:creationId xmlns:a16="http://schemas.microsoft.com/office/drawing/2014/main" xmlns="" id="{47D60833-F0A9-4F29-8C06-A963A7C8BE93}"/>
               </a:ext>
             </a:extLst>
           </p:cNvPr>
@@ -12592,18 +12592,18 @@
     </p:spTree>
     <p:extLst>
       <p:ext uri="{BB962C8B-B14F-4D97-AF65-F5344CB8AC3E}">
-        <p14:creationId xmlns:p14="http://schemas.microsoft.com/office/powerpoint/2010/main" val="1000829826"/>
+        <p14:creationId xmlns:p14="http://schemas.microsoft.com/office/powerpoint/2010/main" xmlns="" val="1000829826"/>
       </p:ext>
     </p:extLst>
   </p:cSld>
   <p:clrMapOvr>
     <a:masterClrMapping/>
   </p:clrMapOvr>
-  <mc:AlternateContent xmlns:mc="http://schemas.openxmlformats.org/markup-compatibility/2006" xmlns:p14="http://schemas.microsoft.com/office/powerpoint/2010/main">
-    <mc:Choice Requires="p14">
+  <mc:AlternateContent xmlns:mc="http://schemas.openxmlformats.org/markup-compatibility/2006">
+    <mc:Choice xmlns:p14="http://schemas.microsoft.com/office/powerpoint/2010/main" xmlns="" Requires="p14">
       <p:transition spd="slow" p14:dur="2000" advClick="0" advTm="5000"/>
     </mc:Choice>
-    <mc:Fallback xmlns="">
+    <mc:Fallback>
       <p:transition spd="slow" advClick="0" advTm="5000"/>
     </mc:Fallback>
   </mc:AlternateContent>
@@ -12632,7 +12632,7 @@
           <p:cNvPr id="10" name="Slide Number">
             <a:extLst>
               <a:ext uri="{FF2B5EF4-FFF2-40B4-BE49-F238E27FC236}">
-                <a16:creationId xmlns:a16="http://schemas.microsoft.com/office/drawing/2014/main" id="{39DDE17E-5472-41F3-AF5F-54DFF10DC63C}"/>
+                <a16:creationId xmlns:a16="http://schemas.microsoft.com/office/drawing/2014/main" xmlns="" id="{39DDE17E-5472-41F3-AF5F-54DFF10DC63C}"/>
               </a:ext>
             </a:extLst>
           </p:cNvPr>
@@ -12674,7 +12674,7 @@
           <p:cNvPr id="9" name="Picture SoftUni Mascot" descr="SoftUni mascot with laptop">
             <a:extLst>
               <a:ext uri="{FF2B5EF4-FFF2-40B4-BE49-F238E27FC236}">
-                <a16:creationId xmlns:a16="http://schemas.microsoft.com/office/drawing/2014/main" id="{DC4365F6-D2C1-47B4-8477-38FD2C7711AA}"/>
+                <a16:creationId xmlns:a16="http://schemas.microsoft.com/office/drawing/2014/main" xmlns="" id="{DC4365F6-D2C1-47B4-8477-38FD2C7711AA}"/>
               </a:ext>
             </a:extLst>
           </p:cNvPr>
@@ -12687,7 +12687,7 @@
           <a:blip r:embed="rId2" cstate="print">
             <a:extLst>
               <a:ext uri="{28A0092B-C50C-407E-A947-70E740481C1C}">
-                <a14:useLocalDpi xmlns:a14="http://schemas.microsoft.com/office/drawing/2010/main" val="0"/>
+                <a14:useLocalDpi xmlns:a14="http://schemas.microsoft.com/office/drawing/2010/main" xmlns="" val="0"/>
               </a:ext>
             </a:extLst>
           </a:blip>
@@ -12710,7 +12710,7 @@
           <p:cNvPr id="23" name="Slide Body Text">
             <a:extLst>
               <a:ext uri="{FF2B5EF4-FFF2-40B4-BE49-F238E27FC236}">
-                <a16:creationId xmlns:a16="http://schemas.microsoft.com/office/drawing/2014/main" id="{889D93F4-ABFA-46BF-8E5D-FE6562ACB20F}"/>
+                <a16:creationId xmlns:a16="http://schemas.microsoft.com/office/drawing/2014/main" xmlns="" id="{889D93F4-ABFA-46BF-8E5D-FE6562ACB20F}"/>
               </a:ext>
             </a:extLst>
           </p:cNvPr>
@@ -12801,7 +12801,7 @@
           <p:cNvPr id="8" name="Rectangle Top">
             <a:extLst>
               <a:ext uri="{FF2B5EF4-FFF2-40B4-BE49-F238E27FC236}">
-                <a16:creationId xmlns:a16="http://schemas.microsoft.com/office/drawing/2014/main" id="{930E0800-9260-4369-8330-8264DD33C5CE}"/>
+                <a16:creationId xmlns:a16="http://schemas.microsoft.com/office/drawing/2014/main" xmlns="" id="{930E0800-9260-4369-8330-8264DD33C5CE}"/>
               </a:ext>
             </a:extLst>
           </p:cNvPr>
@@ -12882,7 +12882,7 @@
           <p:cNvPr id="11" name="Logo Software University" descr="Software University logo">
             <a:extLst>
               <a:ext uri="{FF2B5EF4-FFF2-40B4-BE49-F238E27FC236}">
-                <a16:creationId xmlns:a16="http://schemas.microsoft.com/office/drawing/2014/main" id="{14F779A7-4A91-448B-BEFA-956C70A1C22F}"/>
+                <a16:creationId xmlns:a16="http://schemas.microsoft.com/office/drawing/2014/main" xmlns="" id="{14F779A7-4A91-448B-BEFA-956C70A1C22F}"/>
               </a:ext>
             </a:extLst>
           </p:cNvPr>
@@ -12895,7 +12895,7 @@
           <a:blip r:embed="rId3" cstate="print">
             <a:extLst>
               <a:ext uri="{28A0092B-C50C-407E-A947-70E740481C1C}">
-                <a14:useLocalDpi xmlns:a14="http://schemas.microsoft.com/office/drawing/2010/main" val="0"/>
+                <a14:useLocalDpi xmlns:a14="http://schemas.microsoft.com/office/drawing/2010/main" xmlns="" val="0"/>
               </a:ext>
             </a:extLst>
           </a:blip>
@@ -12918,7 +12918,7 @@
           <p:cNvPr id="13" name="Slide Title">
             <a:extLst>
               <a:ext uri="{FF2B5EF4-FFF2-40B4-BE49-F238E27FC236}">
-                <a16:creationId xmlns:a16="http://schemas.microsoft.com/office/drawing/2014/main" id="{357D7BE1-6358-42CC-94F3-7BCDD91DCB6D}"/>
+                <a16:creationId xmlns:a16="http://schemas.microsoft.com/office/drawing/2014/main" xmlns="" id="{357D7BE1-6358-42CC-94F3-7BCDD91DCB6D}"/>
               </a:ext>
             </a:extLst>
           </p:cNvPr>
@@ -12957,18 +12957,18 @@
     </p:spTree>
     <p:extLst>
       <p:ext uri="{BB962C8B-B14F-4D97-AF65-F5344CB8AC3E}">
-        <p14:creationId xmlns:p14="http://schemas.microsoft.com/office/powerpoint/2010/main" val="1028724482"/>
+        <p14:creationId xmlns:p14="http://schemas.microsoft.com/office/powerpoint/2010/main" xmlns="" val="1028724482"/>
       </p:ext>
     </p:extLst>
   </p:cSld>
   <p:clrMapOvr>
     <a:masterClrMapping/>
   </p:clrMapOvr>
-  <mc:AlternateContent xmlns:mc="http://schemas.openxmlformats.org/markup-compatibility/2006" xmlns:p14="http://schemas.microsoft.com/office/powerpoint/2010/main">
-    <mc:Choice Requires="p14">
+  <mc:AlternateContent xmlns:mc="http://schemas.openxmlformats.org/markup-compatibility/2006">
+    <mc:Choice xmlns:p14="http://schemas.microsoft.com/office/powerpoint/2010/main" xmlns="" Requires="p14">
       <p:transition spd="slow" p14:dur="2000" advClick="0" advTm="5000"/>
     </mc:Choice>
-    <mc:Fallback xmlns="">
+    <mc:Fallback>
       <p:transition spd="slow" advClick="0" advTm="5000"/>
     </mc:Fallback>
   </mc:AlternateContent>
@@ -13077,7 +13077,7 @@
           <p:cNvPr id="11" name="Slide Number">
             <a:extLst>
               <a:ext uri="{FF2B5EF4-FFF2-40B4-BE49-F238E27FC236}">
-                <a16:creationId xmlns:a16="http://schemas.microsoft.com/office/drawing/2014/main" id="{6750ECE4-94E0-469B-B8E4-562792823B0F}"/>
+                <a16:creationId xmlns:a16="http://schemas.microsoft.com/office/drawing/2014/main" xmlns="" id="{6750ECE4-94E0-469B-B8E4-562792823B0F}"/>
               </a:ext>
             </a:extLst>
           </p:cNvPr>
@@ -13200,7 +13200,7 @@
           <p:cNvPr id="12" name="Logo Software University Down" descr="Software University logo">
             <a:extLst>
               <a:ext uri="{FF2B5EF4-FFF2-40B4-BE49-F238E27FC236}">
-                <a16:creationId xmlns:a16="http://schemas.microsoft.com/office/drawing/2014/main" id="{7028D2F0-1E67-414B-A93D-D3F8F131A132}"/>
+                <a16:creationId xmlns:a16="http://schemas.microsoft.com/office/drawing/2014/main" xmlns="" id="{7028D2F0-1E67-414B-A93D-D3F8F131A132}"/>
               </a:ext>
             </a:extLst>
           </p:cNvPr>
@@ -13213,7 +13213,7 @@
           <a:blip r:embed="rId2" cstate="print">
             <a:extLst>
               <a:ext uri="{28A0092B-C50C-407E-A947-70E740481C1C}">
-                <a14:useLocalDpi xmlns:a14="http://schemas.microsoft.com/office/drawing/2010/main" val="0"/>
+                <a14:useLocalDpi xmlns:a14="http://schemas.microsoft.com/office/drawing/2010/main" xmlns="" val="0"/>
               </a:ext>
             </a:extLst>
           </a:blip>
@@ -13236,7 +13236,7 @@
           <p:cNvPr id="10" name="Text Placeholder Right">
             <a:extLst>
               <a:ext uri="{FF2B5EF4-FFF2-40B4-BE49-F238E27FC236}">
-                <a16:creationId xmlns:a16="http://schemas.microsoft.com/office/drawing/2014/main" id="{AF69A59F-C564-4A04-B1CC-31C261499991}"/>
+                <a16:creationId xmlns:a16="http://schemas.microsoft.com/office/drawing/2014/main" xmlns="" id="{AF69A59F-C564-4A04-B1CC-31C261499991}"/>
               </a:ext>
             </a:extLst>
           </p:cNvPr>
@@ -13314,7 +13314,7 @@
           <p:cNvPr id="9" name="Text Placeholder Left">
             <a:extLst>
               <a:ext uri="{FF2B5EF4-FFF2-40B4-BE49-F238E27FC236}">
-                <a16:creationId xmlns:a16="http://schemas.microsoft.com/office/drawing/2014/main" id="{C8A626D2-456B-41EF-9818-EA8DD7E314DA}"/>
+                <a16:creationId xmlns:a16="http://schemas.microsoft.com/office/drawing/2014/main" xmlns="" id="{C8A626D2-456B-41EF-9818-EA8DD7E314DA}"/>
               </a:ext>
             </a:extLst>
           </p:cNvPr>
@@ -13392,7 +13392,7 @@
           <p:cNvPr id="13" name="Rectangle Top">
             <a:extLst>
               <a:ext uri="{FF2B5EF4-FFF2-40B4-BE49-F238E27FC236}">
-                <a16:creationId xmlns:a16="http://schemas.microsoft.com/office/drawing/2014/main" id="{E03301DA-D0AF-46FD-8740-2F761250203A}"/>
+                <a16:creationId xmlns:a16="http://schemas.microsoft.com/office/drawing/2014/main" xmlns="" id="{E03301DA-D0AF-46FD-8740-2F761250203A}"/>
               </a:ext>
             </a:extLst>
           </p:cNvPr>
@@ -13473,7 +13473,7 @@
           <p:cNvPr id="14" name="Logo Software University" descr="Software University logo">
             <a:extLst>
               <a:ext uri="{FF2B5EF4-FFF2-40B4-BE49-F238E27FC236}">
-                <a16:creationId xmlns:a16="http://schemas.microsoft.com/office/drawing/2014/main" id="{19A67BB9-D880-4EAD-B90E-89C4219BFC0B}"/>
+                <a16:creationId xmlns:a16="http://schemas.microsoft.com/office/drawing/2014/main" xmlns="" id="{19A67BB9-D880-4EAD-B90E-89C4219BFC0B}"/>
               </a:ext>
             </a:extLst>
           </p:cNvPr>
@@ -13486,7 +13486,7 @@
           <a:blip r:embed="rId3" cstate="print">
             <a:extLst>
               <a:ext uri="{28A0092B-C50C-407E-A947-70E740481C1C}">
-                <a14:useLocalDpi xmlns:a14="http://schemas.microsoft.com/office/drawing/2010/main" val="0"/>
+                <a14:useLocalDpi xmlns:a14="http://schemas.microsoft.com/office/drawing/2010/main" xmlns="" val="0"/>
               </a:ext>
             </a:extLst>
           </a:blip>
@@ -13509,7 +13509,7 @@
           <p:cNvPr id="15" name="Slide Title">
             <a:extLst>
               <a:ext uri="{FF2B5EF4-FFF2-40B4-BE49-F238E27FC236}">
-                <a16:creationId xmlns:a16="http://schemas.microsoft.com/office/drawing/2014/main" id="{EA9A94D1-F9F6-4D7B-85E3-896A987B6A4D}"/>
+                <a16:creationId xmlns:a16="http://schemas.microsoft.com/office/drawing/2014/main" xmlns="" id="{EA9A94D1-F9F6-4D7B-85E3-896A987B6A4D}"/>
               </a:ext>
             </a:extLst>
           </p:cNvPr>
@@ -13548,24 +13548,24 @@
     </p:spTree>
     <p:extLst>
       <p:ext uri="{BB962C8B-B14F-4D97-AF65-F5344CB8AC3E}">
-        <p14:creationId xmlns:p14="http://schemas.microsoft.com/office/powerpoint/2010/main" val="3044033461"/>
+        <p14:creationId xmlns:p14="http://schemas.microsoft.com/office/powerpoint/2010/main" xmlns="" val="3044033461"/>
       </p:ext>
     </p:extLst>
   </p:cSld>
   <p:clrMapOvr>
     <a:masterClrMapping/>
   </p:clrMapOvr>
-  <mc:AlternateContent xmlns:mc="http://schemas.openxmlformats.org/markup-compatibility/2006" xmlns:p14="http://schemas.microsoft.com/office/powerpoint/2010/main">
-    <mc:Choice Requires="p14">
+  <mc:AlternateContent xmlns:mc="http://schemas.openxmlformats.org/markup-compatibility/2006">
+    <mc:Choice xmlns:p14="http://schemas.microsoft.com/office/powerpoint/2010/main" xmlns="" Requires="p14">
       <p:transition spd="slow" p14:dur="2000" advClick="0" advTm="5000"/>
     </mc:Choice>
-    <mc:Fallback xmlns="">
+    <mc:Fallback>
       <p:transition spd="slow" advClick="0" advTm="5000"/>
     </mc:Fallback>
   </mc:AlternateContent>
   <p:extLst>
     <p:ext uri="{DCECCB84-F9BA-43D5-87BE-67443E8EF086}">
-      <p15:sldGuideLst xmlns:p15="http://schemas.microsoft.com/office/powerpoint/2012/main">
+      <p15:sldGuideLst xmlns:p15="http://schemas.microsoft.com/office/powerpoint/2012/main" xmlns="">
         <p15:guide id="1" orient="horz" pos="2160">
           <p15:clr>
             <a:srgbClr val="FBAE40"/>
@@ -13612,7 +13612,7 @@
           <p:cNvPr id="4" name="Picture Background" descr="SoftUni Background">
             <a:extLst>
               <a:ext uri="{FF2B5EF4-FFF2-40B4-BE49-F238E27FC236}">
-                <a16:creationId xmlns:a16="http://schemas.microsoft.com/office/drawing/2014/main" id="{5BE90A63-DDD9-4B3B-A234-DF69B9BC812F}"/>
+                <a16:creationId xmlns:a16="http://schemas.microsoft.com/office/drawing/2014/main" xmlns="" id="{5BE90A63-DDD9-4B3B-A234-DF69B9BC812F}"/>
               </a:ext>
             </a:extLst>
           </p:cNvPr>
@@ -13641,7 +13641,7 @@
           <p:cNvPr id="11" name="Slide Body Text">
             <a:extLst>
               <a:ext uri="{FF2B5EF4-FFF2-40B4-BE49-F238E27FC236}">
-                <a16:creationId xmlns:a16="http://schemas.microsoft.com/office/drawing/2014/main" id="{90CBFB32-9F46-4F2F-8A54-9EE8BED27855}"/>
+                <a16:creationId xmlns:a16="http://schemas.microsoft.com/office/drawing/2014/main" xmlns="" id="{90CBFB32-9F46-4F2F-8A54-9EE8BED27855}"/>
               </a:ext>
             </a:extLst>
           </p:cNvPr>
@@ -13709,7 +13709,7 @@
           <p:cNvPr id="10" name="Slide Title">
             <a:extLst>
               <a:ext uri="{FF2B5EF4-FFF2-40B4-BE49-F238E27FC236}">
-                <a16:creationId xmlns:a16="http://schemas.microsoft.com/office/drawing/2014/main" id="{B770C392-3003-4C35-9625-BB041F8257BA}"/>
+                <a16:creationId xmlns:a16="http://schemas.microsoft.com/office/drawing/2014/main" xmlns="" id="{B770C392-3003-4C35-9625-BB041F8257BA}"/>
               </a:ext>
             </a:extLst>
           </p:cNvPr>
@@ -13746,7 +13746,7 @@
     </p:spTree>
     <p:extLst>
       <p:ext uri="{BB962C8B-B14F-4D97-AF65-F5344CB8AC3E}">
-        <p14:creationId xmlns:p14="http://schemas.microsoft.com/office/powerpoint/2010/main" val="156789181"/>
+        <p14:creationId xmlns:p14="http://schemas.microsoft.com/office/powerpoint/2010/main" xmlns="" val="156789181"/>
       </p:ext>
     </p:extLst>
   </p:cSld>
@@ -13769,11 +13769,11 @@
     <p:sldLayoutId id="2147483695" r:id="rId15"/>
     <p:sldLayoutId id="2147483696" r:id="rId16"/>
   </p:sldLayoutIdLst>
-  <mc:AlternateContent xmlns:mc="http://schemas.openxmlformats.org/markup-compatibility/2006" xmlns:p14="http://schemas.microsoft.com/office/powerpoint/2010/main">
-    <mc:Choice Requires="p14">
+  <mc:AlternateContent xmlns:mc="http://schemas.openxmlformats.org/markup-compatibility/2006">
+    <mc:Choice xmlns:p14="http://schemas.microsoft.com/office/powerpoint/2010/main" xmlns="" Requires="p14">
       <p:transition spd="slow" p14:dur="2000" advClick="0" advTm="5000"/>
     </mc:Choice>
-    <mc:Fallback xmlns="">
+    <mc:Fallback>
       <p:transition spd="slow" advClick="0" advTm="5000"/>
     </mc:Fallback>
   </mc:AlternateContent>
@@ -14060,7 +14060,7 @@
   </p:txStyles>
   <p:extLst>
     <p:ext uri="{27BBF7A9-308A-43DC-89C8-2F10F3537804}">
-      <p15:sldGuideLst xmlns:p15="http://schemas.microsoft.com/office/powerpoint/2012/main">
+      <p15:sldGuideLst xmlns:p15="http://schemas.microsoft.com/office/powerpoint/2012/main" xmlns="">
         <p15:guide id="1" orient="horz" pos="2160">
           <p15:clr>
             <a:srgbClr val="F26B43"/>
@@ -14156,7 +14156,7 @@
           <p:cNvPr id="10" name="Author Position">
             <a:extLst>
               <a:ext uri="{FF2B5EF4-FFF2-40B4-BE49-F238E27FC236}">
-                <a16:creationId xmlns:a16="http://schemas.microsoft.com/office/drawing/2014/main" id="{F585BC4C-0F13-4FD4-8F23-99FD46618370}"/>
+                <a16:creationId xmlns:a16="http://schemas.microsoft.com/office/drawing/2014/main" xmlns="" id="{F585BC4C-0F13-4FD4-8F23-99FD46618370}"/>
               </a:ext>
             </a:extLst>
           </p:cNvPr>
@@ -14189,7 +14189,7 @@
           <p:cNvPr id="9" name="Author Name">
             <a:extLst>
               <a:ext uri="{FF2B5EF4-FFF2-40B4-BE49-F238E27FC236}">
-                <a16:creationId xmlns:a16="http://schemas.microsoft.com/office/drawing/2014/main" id="{FA396BB6-2053-4690-9672-BC528007D370}"/>
+                <a16:creationId xmlns:a16="http://schemas.microsoft.com/office/drawing/2014/main" xmlns="" id="{FA396BB6-2053-4690-9672-BC528007D370}"/>
               </a:ext>
             </a:extLst>
           </p:cNvPr>
@@ -14222,7 +14222,7 @@
           <p:cNvPr id="3" name="Presentation Subtitle">
             <a:extLst>
               <a:ext uri="{FF2B5EF4-FFF2-40B4-BE49-F238E27FC236}">
-                <a16:creationId xmlns:a16="http://schemas.microsoft.com/office/drawing/2014/main" id="{A004DC04-DA2A-41C0-8578-4B8D2F08EA7D}"/>
+                <a16:creationId xmlns:a16="http://schemas.microsoft.com/office/drawing/2014/main" xmlns="" id="{A004DC04-DA2A-41C0-8578-4B8D2F08EA7D}"/>
               </a:ext>
             </a:extLst>
           </p:cNvPr>
@@ -14266,7 +14266,7 @@
           <p:cNvPr id="16" name="Title 15">
             <a:extLst>
               <a:ext uri="{FF2B5EF4-FFF2-40B4-BE49-F238E27FC236}">
-                <a16:creationId xmlns:a16="http://schemas.microsoft.com/office/drawing/2014/main" id="{09D526E5-16F9-CDC3-F025-1D308EB5C234}"/>
+                <a16:creationId xmlns:a16="http://schemas.microsoft.com/office/drawing/2014/main" xmlns="" id="{09D526E5-16F9-CDC3-F025-1D308EB5C234}"/>
               </a:ext>
             </a:extLst>
           </p:cNvPr>
@@ -14333,18 +14333,18 @@
     </p:spTree>
     <p:extLst>
       <p:ext uri="{BB962C8B-B14F-4D97-AF65-F5344CB8AC3E}">
-        <p14:creationId xmlns:p14="http://schemas.microsoft.com/office/powerpoint/2010/main" val="3666405375"/>
+        <p14:creationId xmlns:p14="http://schemas.microsoft.com/office/powerpoint/2010/main" xmlns="" val="3666405375"/>
       </p:ext>
     </p:extLst>
   </p:cSld>
   <p:clrMapOvr>
     <a:masterClrMapping/>
   </p:clrMapOvr>
-  <mc:AlternateContent xmlns:mc="http://schemas.openxmlformats.org/markup-compatibility/2006" xmlns:p14="http://schemas.microsoft.com/office/powerpoint/2010/main">
-    <mc:Choice Requires="p14">
+  <mc:AlternateContent xmlns:mc="http://schemas.openxmlformats.org/markup-compatibility/2006">
+    <mc:Choice xmlns:p14="http://schemas.microsoft.com/office/powerpoint/2010/main" xmlns="" Requires="p14">
       <p:transition spd="slow" p14:dur="2000" advClick="0" advTm="5000"/>
     </mc:Choice>
-    <mc:Fallback xmlns="">
+    <mc:Fallback>
       <p:transition spd="slow" advClick="0" advTm="5000"/>
     </mc:Fallback>
   </mc:AlternateContent>
@@ -14627,7 +14627,7 @@
     </p:spTree>
     <p:extLst>
       <p:ext uri="{BB962C8B-B14F-4D97-AF65-F5344CB8AC3E}">
-        <p14:creationId xmlns:p14="http://schemas.microsoft.com/office/powerpoint/2010/main" val="3785417498"/>
+        <p14:creationId xmlns:p14="http://schemas.microsoft.com/office/powerpoint/2010/main" xmlns="" val="3785417498"/>
       </p:ext>
     </p:extLst>
   </p:cSld>
@@ -15185,7 +15185,7 @@
     </p:spTree>
     <p:extLst>
       <p:ext uri="{BB962C8B-B14F-4D97-AF65-F5344CB8AC3E}">
-        <p14:creationId xmlns:p14="http://schemas.microsoft.com/office/powerpoint/2010/main" val="2026340316"/>
+        <p14:creationId xmlns:p14="http://schemas.microsoft.com/office/powerpoint/2010/main" xmlns="" val="2026340316"/>
       </p:ext>
     </p:extLst>
   </p:cSld>
@@ -15453,7 +15453,7 @@
           <p:cNvPr id="4100" name="Picture 4" descr="Ð ÐµÐ·ÑÐ»ÑÐ°Ñ Ñ Ð¸Ð·Ð¾Ð±ÑÐ°Ð¶ÐµÐ½Ð¸Ðµ Ð·Ð° cascading png">
             <a:extLst>
               <a:ext uri="{FF2B5EF4-FFF2-40B4-BE49-F238E27FC236}">
-                <a16:creationId xmlns:a16="http://schemas.microsoft.com/office/drawing/2014/main" id="{3B56181C-1C35-44D5-AE7B-4DFA356A4D3F}"/>
+                <a16:creationId xmlns:a16="http://schemas.microsoft.com/office/drawing/2014/main" xmlns="" id="{3B56181C-1C35-44D5-AE7B-4DFA356A4D3F}"/>
               </a:ext>
             </a:extLst>
           </p:cNvPr>
@@ -15466,7 +15466,7 @@
           <a:blip r:embed="rId2" cstate="print">
             <a:extLst>
               <a:ext uri="{28A0092B-C50C-407E-A947-70E740481C1C}">
-                <a14:useLocalDpi xmlns:a14="http://schemas.microsoft.com/office/drawing/2010/main" val="0"/>
+                <a14:useLocalDpi xmlns:a14="http://schemas.microsoft.com/office/drawing/2010/main" xmlns="" val="0"/>
               </a:ext>
             </a:extLst>
           </a:blip>
@@ -15486,7 +15486,7 @@
           <a:noFill/>
           <a:extLst>
             <a:ext uri="{909E8E84-426E-40DD-AFC4-6F175D3DCCD1}">
-              <a14:hiddenFill xmlns:a14="http://schemas.microsoft.com/office/drawing/2010/main">
+              <a14:hiddenFill xmlns:a14="http://schemas.microsoft.com/office/drawing/2010/main" xmlns="">
                 <a:solidFill>
                   <a:srgbClr val="FFFFFF"/>
                 </a:solidFill>
@@ -15500,7 +15500,7 @@
           <p:cNvPr id="3" name="Title 2">
             <a:extLst>
               <a:ext uri="{FF2B5EF4-FFF2-40B4-BE49-F238E27FC236}">
-                <a16:creationId xmlns:a16="http://schemas.microsoft.com/office/drawing/2014/main" id="{DFB02FC4-7CB6-4AD9-B76E-D615EDB88939}"/>
+                <a16:creationId xmlns:a16="http://schemas.microsoft.com/office/drawing/2014/main" xmlns="" id="{DFB02FC4-7CB6-4AD9-B76E-D615EDB88939}"/>
               </a:ext>
             </a:extLst>
           </p:cNvPr>
@@ -15529,7 +15529,7 @@
           <p:cNvPr id="7" name="Subtitle 6">
             <a:extLst>
               <a:ext uri="{FF2B5EF4-FFF2-40B4-BE49-F238E27FC236}">
-                <a16:creationId xmlns:a16="http://schemas.microsoft.com/office/drawing/2014/main" id="{6E4B1920-6F4F-482A-A98E-6FB068F0057D}"/>
+                <a16:creationId xmlns:a16="http://schemas.microsoft.com/office/drawing/2014/main" xmlns="" id="{6E4B1920-6F4F-482A-A98E-6FB068F0057D}"/>
               </a:ext>
             </a:extLst>
           </p:cNvPr>
@@ -15556,18 +15556,18 @@
     </p:spTree>
     <p:extLst>
       <p:ext uri="{BB962C8B-B14F-4D97-AF65-F5344CB8AC3E}">
-        <p14:creationId xmlns:p14="http://schemas.microsoft.com/office/powerpoint/2010/main" val="1714104901"/>
+        <p14:creationId xmlns:p14="http://schemas.microsoft.com/office/powerpoint/2010/main" xmlns="" val="1714104901"/>
       </p:ext>
     </p:extLst>
   </p:cSld>
   <p:clrMapOvr>
     <a:masterClrMapping/>
   </p:clrMapOvr>
-  <mc:AlternateContent xmlns:mc="http://schemas.openxmlformats.org/markup-compatibility/2006" xmlns:p14="http://schemas.microsoft.com/office/powerpoint/2010/main">
-    <mc:Choice Requires="p14">
+  <mc:AlternateContent xmlns:mc="http://schemas.openxmlformats.org/markup-compatibility/2006">
+    <mc:Choice xmlns:p14="http://schemas.microsoft.com/office/powerpoint/2010/main" xmlns="" Requires="p14">
       <p:transition spd="slow" p14:dur="2000" advClick="0" advTm="5000"/>
     </mc:Choice>
-    <mc:Fallback xmlns="">
+    <mc:Fallback>
       <p:transition spd="slow" advClick="0" advTm="5000"/>
     </mc:Fallback>
   </mc:AlternateContent>
@@ -15763,7 +15763,7 @@
           <p:cNvPr id="21" name="Slide Number">
             <a:extLst>
               <a:ext uri="{FF2B5EF4-FFF2-40B4-BE49-F238E27FC236}">
-                <a16:creationId xmlns:a16="http://schemas.microsoft.com/office/drawing/2014/main" id="{D3EF8FBF-E19B-4398-8FC3-74D3D31791C2}"/>
+                <a16:creationId xmlns:a16="http://schemas.microsoft.com/office/drawing/2014/main" xmlns="" id="{D3EF8FBF-E19B-4398-8FC3-74D3D31791C2}"/>
               </a:ext>
             </a:extLst>
           </p:cNvPr>
@@ -15888,74 +15888,36 @@
           </a:p>
         </p:txBody>
       </p:sp>
-      <p:sp>
-        <p:nvSpPr>
-          <p:cNvPr id="9" name="Rectangle 8">
-            <a:extLst>
-              <a:ext uri="{FF2B5EF4-FFF2-40B4-BE49-F238E27FC236}">
-                <a16:creationId xmlns:a16="http://schemas.microsoft.com/office/drawing/2014/main" id="{70C493A1-D12D-A304-727D-E1BDC172AF7D}"/>
-              </a:ext>
-            </a:extLst>
-          </p:cNvPr>
-          <p:cNvSpPr/>
+      <p:pic>
+        <p:nvPicPr>
+          <p:cNvPr id="30722" name="Picture 2" descr="database-schema-1895779 - American Nonsmokers' Rights Foundation |  no-smoke.org"/>
+          <p:cNvPicPr>
+            <a:picLocks noChangeAspect="1" noChangeArrowheads="1"/>
+          </p:cNvPicPr>
           <p:nvPr/>
-        </p:nvSpPr>
+        </p:nvPicPr>
+        <p:blipFill>
+          <a:blip r:embed="rId2" cstate="print"/>
+          <a:srcRect/>
+          <a:stretch>
+            <a:fillRect/>
+          </a:stretch>
+        </p:blipFill>
         <p:spPr bwMode="auto">
           <a:xfrm>
-            <a:off x="5029200" y="4572000"/>
-            <a:ext cx="4495800" cy="1600200"/>
+            <a:off x="6019800" y="3581400"/>
+            <a:ext cx="3552774" cy="3103126"/>
           </a:xfrm>
           <a:prstGeom prst="rect">
             <a:avLst/>
           </a:prstGeom>
-          <a:ln/>
+          <a:noFill/>
         </p:spPr>
-        <p:style>
-          <a:lnRef idx="2">
-            <a:schemeClr val="accent2"/>
-          </a:lnRef>
-          <a:fillRef idx="1">
-            <a:schemeClr val="lt1"/>
-          </a:fillRef>
-          <a:effectRef idx="0">
-            <a:schemeClr val="accent2"/>
-          </a:effectRef>
-          <a:fontRef idx="minor">
-            <a:schemeClr val="dk1"/>
-          </a:fontRef>
-        </p:style>
-        <p:txBody>
-          <a:bodyPr rot="0" spcFirstLastPara="0" vertOverflow="overflow" horzOverflow="overflow" vert="horz" wrap="square" lIns="91440" tIns="45720" rIns="91440" bIns="45720" numCol="1" spcCol="0" rtlCol="0" fromWordArt="0" anchor="ctr" anchorCtr="0" forceAA="0" compatLnSpc="1">
-            <a:prstTxWarp prst="textNoShape">
-              <a:avLst/>
-            </a:prstTxWarp>
-            <a:noAutofit/>
-          </a:bodyPr>
-          <a:lstStyle/>
-          <a:p>
-            <a:pPr algn="ctr"/>
-            <a:r>
-              <a:rPr lang="en-BG" sz="2800" b="1" dirty="0">
-                <a:solidFill>
-                  <a:srgbClr val="FFFFFF"/>
-                </a:solidFill>
-                <a:effectLst>
-                  <a:outerShdw blurRad="38100" dist="38100" dir="2700000" algn="tl">
-                    <a:srgbClr val="000000">
-                      <a:alpha val="43137"/>
-                    </a:srgbClr>
-                  </a:outerShdw>
-                </a:effectLst>
-              </a:rPr>
-              <a:t>TODO: add image (simple abstract scheme)</a:t>
-            </a:r>
-          </a:p>
-        </p:txBody>
-      </p:sp>
+      </p:pic>
     </p:spTree>
     <p:extLst>
       <p:ext uri="{BB962C8B-B14F-4D97-AF65-F5344CB8AC3E}">
-        <p14:creationId xmlns:p14="http://schemas.microsoft.com/office/powerpoint/2010/main" val="2152665980"/>
+        <p14:creationId xmlns:p14="http://schemas.microsoft.com/office/powerpoint/2010/main" xmlns="" val="2152665980"/>
       </p:ext>
     </p:extLst>
   </p:cSld>
@@ -15963,13 +15925,92 @@
     <a:masterClrMapping/>
   </p:clrMapOvr>
   <mc:AlternateContent xmlns:mc="http://schemas.openxmlformats.org/markup-compatibility/2006">
-    <mc:Choice xmlns:p14="http://schemas.microsoft.com/office/powerpoint/2010/main" Requires="p14">
+    <mc:Choice xmlns:p14="http://schemas.microsoft.com/office/powerpoint/2010/main" xmlns="" Requires="p14">
       <p:transition spd="slow" p14:dur="2000" advClick="0" advTm="5000"/>
     </mc:Choice>
     <mc:Fallback>
       <p:transition spd="slow" advClick="0" advTm="5000"/>
     </mc:Fallback>
   </mc:AlternateContent>
+  <p:timing>
+    <p:tnLst>
+      <p:par>
+        <p:cTn id="1" dur="indefinite" restart="never" nodeType="tmRoot">
+          <p:childTnLst>
+            <p:seq concurrent="1" nextAc="seek">
+              <p:cTn id="2" dur="indefinite" nodeType="mainSeq">
+                <p:childTnLst>
+                  <p:par>
+                    <p:cTn id="3" fill="hold">
+                      <p:stCondLst>
+                        <p:cond delay="indefinite"/>
+                      </p:stCondLst>
+                      <p:childTnLst>
+                        <p:par>
+                          <p:cTn id="4" fill="hold">
+                            <p:stCondLst>
+                              <p:cond delay="0"/>
+                            </p:stCondLst>
+                            <p:childTnLst>
+                              <p:par>
+                                <p:cTn id="5" presetID="1" presetClass="entr" presetSubtype="0" fill="hold" nodeType="clickEffect">
+                                  <p:stCondLst>
+                                    <p:cond delay="0"/>
+                                  </p:stCondLst>
+                                  <p:childTnLst>
+                                    <p:set>
+                                      <p:cBhvr>
+                                        <p:cTn id="6" dur="1" fill="hold">
+                                          <p:stCondLst>
+                                            <p:cond delay="0"/>
+                                          </p:stCondLst>
+                                        </p:cTn>
+                                        <p:tgtEl>
+                                          <p:spTgt spid="5">
+                                            <p:txEl>
+                                              <p:pRg st="1" end="1"/>
+                                            </p:txEl>
+                                          </p:spTgt>
+                                        </p:tgtEl>
+                                        <p:attrNameLst>
+                                          <p:attrName>style.visibility</p:attrName>
+                                        </p:attrNameLst>
+                                      </p:cBhvr>
+                                      <p:to>
+                                        <p:strVal val="visible"/>
+                                      </p:to>
+                                    </p:set>
+                                  </p:childTnLst>
+                                </p:cTn>
+                              </p:par>
+                            </p:childTnLst>
+                          </p:cTn>
+                        </p:par>
+                      </p:childTnLst>
+                    </p:cTn>
+                  </p:par>
+                </p:childTnLst>
+              </p:cTn>
+              <p:prevCondLst>
+                <p:cond evt="onPrev" delay="0">
+                  <p:tgtEl>
+                    <p:sldTgt/>
+                  </p:tgtEl>
+                </p:cond>
+              </p:prevCondLst>
+              <p:nextCondLst>
+                <p:cond evt="onNext" delay="0">
+                  <p:tgtEl>
+                    <p:sldTgt/>
+                  </p:tgtEl>
+                </p:cond>
+              </p:nextCondLst>
+            </p:seq>
+          </p:childTnLst>
+        </p:cTn>
+      </p:par>
+    </p:tnLst>
+  </p:timing>
 </p:sld>
 </file>
 
@@ -15999,7 +16040,7 @@
           <p:nvPr>
             <p:extLst>
               <p:ext uri="{D42A27DB-BD31-4B8C-83A1-F6EECF244321}">
-                <p14:modId xmlns:p14="http://schemas.microsoft.com/office/powerpoint/2010/main" val="1993607901"/>
+                <p14:modId xmlns:p14="http://schemas.microsoft.com/office/powerpoint/2010/main" xmlns="" val="1993607901"/>
               </p:ext>
             </p:extLst>
           </p:nvPr>
@@ -16018,14 +16059,14 @@
                 <a:gridCol w="2171296">
                   <a:extLst>
                     <a:ext uri="{9D8B030D-6E8A-4147-A177-3AD203B41FA5}">
-                      <a16:colId xmlns:a16="http://schemas.microsoft.com/office/drawing/2014/main" val="1594468805"/>
+                      <a16:colId xmlns:a16="http://schemas.microsoft.com/office/drawing/2014/main" xmlns="" val="1594468805"/>
                     </a:ext>
                   </a:extLst>
                 </a:gridCol>
                 <a:gridCol w="2171296">
                   <a:extLst>
                     <a:ext uri="{9D8B030D-6E8A-4147-A177-3AD203B41FA5}">
-                      <a16:colId xmlns:a16="http://schemas.microsoft.com/office/drawing/2014/main" val="683614382"/>
+                      <a16:colId xmlns:a16="http://schemas.microsoft.com/office/drawing/2014/main" xmlns="" val="683614382"/>
                     </a:ext>
                   </a:extLst>
                 </a:gridCol>
@@ -16080,7 +16121,7 @@
                 </a:tc>
                 <a:extLst>
                   <a:ext uri="{0D108BD9-81ED-4DB2-BD59-A6C34878D82A}">
-                    <a16:rowId xmlns:a16="http://schemas.microsoft.com/office/drawing/2014/main" val="1969825376"/>
+                    <a16:rowId xmlns:a16="http://schemas.microsoft.com/office/drawing/2014/main" xmlns="" val="1969825376"/>
                   </a:ext>
                 </a:extLst>
               </a:tr>
@@ -16123,7 +16164,7 @@
                 </a:tc>
                 <a:extLst>
                   <a:ext uri="{0D108BD9-81ED-4DB2-BD59-A6C34878D82A}">
-                    <a16:rowId xmlns:a16="http://schemas.microsoft.com/office/drawing/2014/main" val="2845318136"/>
+                    <a16:rowId xmlns:a16="http://schemas.microsoft.com/office/drawing/2014/main" xmlns="" val="2845318136"/>
                   </a:ext>
                 </a:extLst>
               </a:tr>
@@ -16170,7 +16211,7 @@
                 </a:tc>
                 <a:extLst>
                   <a:ext uri="{0D108BD9-81ED-4DB2-BD59-A6C34878D82A}">
-                    <a16:rowId xmlns:a16="http://schemas.microsoft.com/office/drawing/2014/main" val="690634117"/>
+                    <a16:rowId xmlns:a16="http://schemas.microsoft.com/office/drawing/2014/main" xmlns="" val="690634117"/>
                   </a:ext>
                 </a:extLst>
               </a:tr>
@@ -16213,7 +16254,7 @@
                 </a:tc>
                 <a:extLst>
                   <a:ext uri="{0D108BD9-81ED-4DB2-BD59-A6C34878D82A}">
-                    <a16:rowId xmlns:a16="http://schemas.microsoft.com/office/drawing/2014/main" val="3008099716"/>
+                    <a16:rowId xmlns:a16="http://schemas.microsoft.com/office/drawing/2014/main" xmlns="" val="3008099716"/>
                   </a:ext>
                 </a:extLst>
               </a:tr>
@@ -16230,7 +16271,7 @@
           <p:nvPr>
             <p:extLst>
               <p:ext uri="{D42A27DB-BD31-4B8C-83A1-F6EECF244321}">
-                <p14:modId xmlns:p14="http://schemas.microsoft.com/office/powerpoint/2010/main" val="2897279702"/>
+                <p14:modId xmlns:p14="http://schemas.microsoft.com/office/powerpoint/2010/main" xmlns="" val="2897279702"/>
               </p:ext>
             </p:extLst>
           </p:nvPr>
@@ -16249,14 +16290,14 @@
                 <a:gridCol w="1487366">
                   <a:extLst>
                     <a:ext uri="{9D8B030D-6E8A-4147-A177-3AD203B41FA5}">
-                      <a16:colId xmlns:a16="http://schemas.microsoft.com/office/drawing/2014/main" val="1594468805"/>
+                      <a16:colId xmlns:a16="http://schemas.microsoft.com/office/drawing/2014/main" xmlns="" val="1594468805"/>
                     </a:ext>
                   </a:extLst>
                 </a:gridCol>
                 <a:gridCol w="2169075">
                   <a:extLst>
                     <a:ext uri="{9D8B030D-6E8A-4147-A177-3AD203B41FA5}">
-                      <a16:colId xmlns:a16="http://schemas.microsoft.com/office/drawing/2014/main" val="683614382"/>
+                      <a16:colId xmlns:a16="http://schemas.microsoft.com/office/drawing/2014/main" xmlns="" val="683614382"/>
                     </a:ext>
                   </a:extLst>
                 </a:gridCol>
@@ -16306,7 +16347,7 @@
                 </a:tc>
                 <a:extLst>
                   <a:ext uri="{0D108BD9-81ED-4DB2-BD59-A6C34878D82A}">
-                    <a16:rowId xmlns:a16="http://schemas.microsoft.com/office/drawing/2014/main" val="1969825376"/>
+                    <a16:rowId xmlns:a16="http://schemas.microsoft.com/office/drawing/2014/main" xmlns="" val="1969825376"/>
                   </a:ext>
                 </a:extLst>
               </a:tr>
@@ -16349,7 +16390,7 @@
                 </a:tc>
                 <a:extLst>
                   <a:ext uri="{0D108BD9-81ED-4DB2-BD59-A6C34878D82A}">
-                    <a16:rowId xmlns:a16="http://schemas.microsoft.com/office/drawing/2014/main" val="2845318136"/>
+                    <a16:rowId xmlns:a16="http://schemas.microsoft.com/office/drawing/2014/main" xmlns="" val="2845318136"/>
                   </a:ext>
                 </a:extLst>
               </a:tr>
@@ -16392,7 +16433,7 @@
                 </a:tc>
                 <a:extLst>
                   <a:ext uri="{0D108BD9-81ED-4DB2-BD59-A6C34878D82A}">
-                    <a16:rowId xmlns:a16="http://schemas.microsoft.com/office/drawing/2014/main" val="2968156586"/>
+                    <a16:rowId xmlns:a16="http://schemas.microsoft.com/office/drawing/2014/main" xmlns="" val="2968156586"/>
                   </a:ext>
                 </a:extLst>
               </a:tr>
@@ -17066,7 +17107,7 @@
           <p:cNvPr id="21" name="Slide Number">
             <a:extLst>
               <a:ext uri="{FF2B5EF4-FFF2-40B4-BE49-F238E27FC236}">
-                <a16:creationId xmlns:a16="http://schemas.microsoft.com/office/drawing/2014/main" id="{D3EF8FBF-E19B-4398-8FC3-74D3D31791C2}"/>
+                <a16:creationId xmlns:a16="http://schemas.microsoft.com/office/drawing/2014/main" xmlns="" id="{D3EF8FBF-E19B-4398-8FC3-74D3D31791C2}"/>
               </a:ext>
             </a:extLst>
           </p:cNvPr>
@@ -17194,18 +17235,18 @@
     </p:spTree>
     <p:extLst>
       <p:ext uri="{BB962C8B-B14F-4D97-AF65-F5344CB8AC3E}">
-        <p14:creationId xmlns:p14="http://schemas.microsoft.com/office/powerpoint/2010/main" val="948057181"/>
+        <p14:creationId xmlns:p14="http://schemas.microsoft.com/office/powerpoint/2010/main" xmlns="" val="948057181"/>
       </p:ext>
     </p:extLst>
   </p:cSld>
   <p:clrMapOvr>
     <a:masterClrMapping/>
   </p:clrMapOvr>
-  <mc:AlternateContent xmlns:mc="http://schemas.openxmlformats.org/markup-compatibility/2006" xmlns:p14="http://schemas.microsoft.com/office/powerpoint/2010/main">
-    <mc:Choice Requires="p14">
+  <mc:AlternateContent xmlns:mc="http://schemas.openxmlformats.org/markup-compatibility/2006">
+    <mc:Choice xmlns:p14="http://schemas.microsoft.com/office/powerpoint/2010/main" xmlns="" Requires="p14">
       <p:transition spd="slow" p14:dur="2000" advClick="0" advTm="5000"/>
     </mc:Choice>
-    <mc:Fallback xmlns="">
+    <mc:Fallback>
       <p:transition spd="slow" advClick="0" advTm="5000"/>
     </mc:Fallback>
   </mc:AlternateContent>
@@ -17824,7 +17865,7 @@
           <p:cNvPr id="7" name="Slide Number">
             <a:extLst>
               <a:ext uri="{FF2B5EF4-FFF2-40B4-BE49-F238E27FC236}">
-                <a16:creationId xmlns:a16="http://schemas.microsoft.com/office/drawing/2014/main" id="{99DB0AC1-6C98-4A02-9B4F-3957D46660F2}"/>
+                <a16:creationId xmlns:a16="http://schemas.microsoft.com/office/drawing/2014/main" xmlns="" id="{99DB0AC1-6C98-4A02-9B4F-3957D46660F2}"/>
               </a:ext>
             </a:extLst>
           </p:cNvPr>
@@ -17864,18 +17905,18 @@
     </p:spTree>
     <p:extLst>
       <p:ext uri="{BB962C8B-B14F-4D97-AF65-F5344CB8AC3E}">
-        <p14:creationId xmlns:p14="http://schemas.microsoft.com/office/powerpoint/2010/main" val="2894805469"/>
+        <p14:creationId xmlns:p14="http://schemas.microsoft.com/office/powerpoint/2010/main" xmlns="" val="2894805469"/>
       </p:ext>
     </p:extLst>
   </p:cSld>
   <p:clrMapOvr>
     <a:masterClrMapping/>
   </p:clrMapOvr>
-  <mc:AlternateContent xmlns:mc="http://schemas.openxmlformats.org/markup-compatibility/2006" xmlns:p14="http://schemas.microsoft.com/office/powerpoint/2010/main">
-    <mc:Choice Requires="p14">
+  <mc:AlternateContent xmlns:mc="http://schemas.openxmlformats.org/markup-compatibility/2006">
+    <mc:Choice xmlns:p14="http://schemas.microsoft.com/office/powerpoint/2010/main" xmlns="" Requires="p14">
       <p:transition spd="slow" p14:dur="2000" advClick="0" advTm="5000"/>
     </mc:Choice>
-    <mc:Fallback xmlns="">
+    <mc:Fallback>
       <p:transition spd="slow" advClick="0" advTm="5000"/>
     </mc:Fallback>
   </mc:AlternateContent>
@@ -18359,6 +18400,15 @@
               </a:rPr>
               <a:t>DELETE CASCADE</a:t>
             </a:r>
+            <a:r>
+              <a:rPr lang="en-US" sz="3000" b="1" noProof="1">
+                <a:solidFill>
+                  <a:schemeClr val="tx2"/>
+                </a:solidFill>
+                <a:latin typeface="Consolas" panose="020B0609020204030204" pitchFamily="49" charset="0"/>
+              </a:rPr>
+              <a:t/>
+            </a:r>
             <a:br>
               <a:rPr lang="en-US" sz="3000" b="1" noProof="1">
                 <a:solidFill>
@@ -18600,7 +18650,7 @@
           <p:cNvPr id="8" name="Slide Number">
             <a:extLst>
               <a:ext uri="{FF2B5EF4-FFF2-40B4-BE49-F238E27FC236}">
-                <a16:creationId xmlns:a16="http://schemas.microsoft.com/office/drawing/2014/main" id="{0B8DB210-4898-4797-8B2A-15561707346A}"/>
+                <a16:creationId xmlns:a16="http://schemas.microsoft.com/office/drawing/2014/main" xmlns="" id="{0B8DB210-4898-4797-8B2A-15561707346A}"/>
               </a:ext>
             </a:extLst>
           </p:cNvPr>
@@ -18640,7 +18690,7 @@
     </p:spTree>
     <p:extLst>
       <p:ext uri="{BB962C8B-B14F-4D97-AF65-F5344CB8AC3E}">
-        <p14:creationId xmlns:p14="http://schemas.microsoft.com/office/powerpoint/2010/main" val="3856663995"/>
+        <p14:creationId xmlns:p14="http://schemas.microsoft.com/office/powerpoint/2010/main" xmlns="" val="3856663995"/>
       </p:ext>
     </p:extLst>
   </p:cSld>
@@ -19177,7 +19227,7 @@
           <p:cNvPr id="7" name="Slide Number">
             <a:extLst>
               <a:ext uri="{FF2B5EF4-FFF2-40B4-BE49-F238E27FC236}">
-                <a16:creationId xmlns:a16="http://schemas.microsoft.com/office/drawing/2014/main" id="{859131C5-00D1-4FB3-95AA-7614C6DCBCBA}"/>
+                <a16:creationId xmlns:a16="http://schemas.microsoft.com/office/drawing/2014/main" xmlns="" id="{859131C5-00D1-4FB3-95AA-7614C6DCBCBA}"/>
               </a:ext>
             </a:extLst>
           </p:cNvPr>
@@ -19217,18 +19267,18 @@
     </p:spTree>
     <p:extLst>
       <p:ext uri="{BB962C8B-B14F-4D97-AF65-F5344CB8AC3E}">
-        <p14:creationId xmlns:p14="http://schemas.microsoft.com/office/powerpoint/2010/main" val="3811782029"/>
+        <p14:creationId xmlns:p14="http://schemas.microsoft.com/office/powerpoint/2010/main" xmlns="" val="3811782029"/>
       </p:ext>
     </p:extLst>
   </p:cSld>
   <p:clrMapOvr>
     <a:masterClrMapping/>
   </p:clrMapOvr>
-  <mc:AlternateContent xmlns:mc="http://schemas.openxmlformats.org/markup-compatibility/2006" xmlns:p14="http://schemas.microsoft.com/office/powerpoint/2010/main">
-    <mc:Choice Requires="p14">
+  <mc:AlternateContent xmlns:mc="http://schemas.openxmlformats.org/markup-compatibility/2006">
+    <mc:Choice xmlns:p14="http://schemas.microsoft.com/office/powerpoint/2010/main" xmlns="" Requires="p14">
       <p:transition spd="slow" p14:dur="2000" advClick="0" advTm="5000"/>
     </mc:Choice>
-    <mc:Fallback xmlns="">
+    <mc:Fallback>
       <p:transition spd="slow" advClick="0" advTm="5000"/>
     </mc:Fallback>
   </mc:AlternateContent>
@@ -19581,6 +19631,15 @@
               </a:rPr>
               <a:t>ON UPDATE CASCADE</a:t>
             </a:r>
+            <a:r>
+              <a:rPr lang="en-US" sz="3000" b="1" noProof="1">
+                <a:solidFill>
+                  <a:schemeClr val="tx2"/>
+                </a:solidFill>
+                <a:latin typeface="Consolas" panose="020B0609020204030204" pitchFamily="49" charset="0"/>
+              </a:rPr>
+              <a:t/>
+            </a:r>
             <a:br>
               <a:rPr lang="en-US" sz="3000" b="1" noProof="1">
                 <a:solidFill>
@@ -19822,7 +19881,7 @@
           <p:cNvPr id="8" name="Slide Number">
             <a:extLst>
               <a:ext uri="{FF2B5EF4-FFF2-40B4-BE49-F238E27FC236}">
-                <a16:creationId xmlns:a16="http://schemas.microsoft.com/office/drawing/2014/main" id="{2A3C680B-F8C7-4B51-848C-D9ED716A57E0}"/>
+                <a16:creationId xmlns:a16="http://schemas.microsoft.com/office/drawing/2014/main" xmlns="" id="{2A3C680B-F8C7-4B51-848C-D9ED716A57E0}"/>
               </a:ext>
             </a:extLst>
           </p:cNvPr>
@@ -19862,7 +19921,7 @@
     </p:spTree>
     <p:extLst>
       <p:ext uri="{BB962C8B-B14F-4D97-AF65-F5344CB8AC3E}">
-        <p14:creationId xmlns:p14="http://schemas.microsoft.com/office/powerpoint/2010/main" val="3836927599"/>
+        <p14:creationId xmlns:p14="http://schemas.microsoft.com/office/powerpoint/2010/main" xmlns="" val="3836927599"/>
       </p:ext>
     </p:extLst>
   </p:cSld>
@@ -20269,11 +20328,11 @@
   <p:clrMapOvr>
     <a:masterClrMapping/>
   </p:clrMapOvr>
-  <mc:AlternateContent xmlns:mc="http://schemas.openxmlformats.org/markup-compatibility/2006" xmlns:p14="http://schemas.microsoft.com/office/powerpoint/2010/main">
-    <mc:Choice Requires="p14">
+  <mc:AlternateContent xmlns:mc="http://schemas.openxmlformats.org/markup-compatibility/2006">
+    <mc:Choice xmlns:p14="http://schemas.microsoft.com/office/powerpoint/2010/main" xmlns="" Requires="p14">
       <p:transition spd="slow" p14:dur="2000" advClick="0" advTm="5000"/>
     </mc:Choice>
-    <mc:Fallback xmlns="">
+    <mc:Fallback>
       <p:transition spd="slow" advClick="0" advTm="5000"/>
     </mc:Fallback>
   </mc:AlternateContent>
@@ -20302,7 +20361,7 @@
           <p:cNvPr id="5" name="Slide Number">
             <a:extLst>
               <a:ext uri="{FF2B5EF4-FFF2-40B4-BE49-F238E27FC236}">
-                <a16:creationId xmlns:a16="http://schemas.microsoft.com/office/drawing/2014/main" id="{6A760D59-0056-4F39-B077-DBDBE3D2927E}"/>
+                <a16:creationId xmlns:a16="http://schemas.microsoft.com/office/drawing/2014/main" xmlns="" id="{6A760D59-0056-4F39-B077-DBDBE3D2927E}"/>
               </a:ext>
             </a:extLst>
           </p:cNvPr>
@@ -20560,18 +20619,18 @@
     </p:spTree>
     <p:extLst>
       <p:ext uri="{BB962C8B-B14F-4D97-AF65-F5344CB8AC3E}">
-        <p14:creationId xmlns:p14="http://schemas.microsoft.com/office/powerpoint/2010/main" val="1646986932"/>
+        <p14:creationId xmlns:p14="http://schemas.microsoft.com/office/powerpoint/2010/main" xmlns="" val="1646986932"/>
       </p:ext>
     </p:extLst>
   </p:cSld>
   <p:clrMapOvr>
     <a:masterClrMapping/>
   </p:clrMapOvr>
-  <mc:AlternateContent xmlns:mc="http://schemas.openxmlformats.org/markup-compatibility/2006" xmlns:p14="http://schemas.microsoft.com/office/powerpoint/2010/main">
-    <mc:Choice Requires="p14">
+  <mc:AlternateContent xmlns:mc="http://schemas.openxmlformats.org/markup-compatibility/2006">
+    <mc:Choice xmlns:p14="http://schemas.microsoft.com/office/powerpoint/2010/main" xmlns="" Requires="p14">
       <p:transition spd="slow" p14:dur="2000" advClick="0" advTm="5000"/>
     </mc:Choice>
-    <mc:Fallback xmlns="">
+    <mc:Fallback>
       <p:transition spd="slow" advClick="0" advTm="5000"/>
     </mc:Fallback>
   </mc:AlternateContent>
@@ -21065,7 +21124,7 @@
           <p:nvPr>
             <p:extLst>
               <p:ext uri="{D42A27DB-BD31-4B8C-83A1-F6EECF244321}">
-                <p14:modId xmlns:p14="http://schemas.microsoft.com/office/powerpoint/2010/main" val="1102571627"/>
+                <p14:modId xmlns:p14="http://schemas.microsoft.com/office/powerpoint/2010/main" xmlns="" val="1102571627"/>
               </p:ext>
             </p:extLst>
           </p:nvPr>
@@ -21084,42 +21143,42 @@
                 <a:gridCol w="2209799">
                   <a:extLst>
                     <a:ext uri="{9D8B030D-6E8A-4147-A177-3AD203B41FA5}">
-                      <a16:colId xmlns:a16="http://schemas.microsoft.com/office/drawing/2014/main" val="20000"/>
+                      <a16:colId xmlns:a16="http://schemas.microsoft.com/office/drawing/2014/main" xmlns="" val="20000"/>
                     </a:ext>
                   </a:extLst>
                 </a:gridCol>
                 <a:gridCol w="2057400">
                   <a:extLst>
                     <a:ext uri="{9D8B030D-6E8A-4147-A177-3AD203B41FA5}">
-                      <a16:colId xmlns:a16="http://schemas.microsoft.com/office/drawing/2014/main" val="20001"/>
+                      <a16:colId xmlns:a16="http://schemas.microsoft.com/office/drawing/2014/main" xmlns="" val="20001"/>
                     </a:ext>
                   </a:extLst>
                 </a:gridCol>
                 <a:gridCol w="762000">
                   <a:extLst>
                     <a:ext uri="{9D8B030D-6E8A-4147-A177-3AD203B41FA5}">
-                      <a16:colId xmlns:a16="http://schemas.microsoft.com/office/drawing/2014/main" val="20002"/>
+                      <a16:colId xmlns:a16="http://schemas.microsoft.com/office/drawing/2014/main" xmlns="" val="20002"/>
                     </a:ext>
                   </a:extLst>
                 </a:gridCol>
                 <a:gridCol w="1371600">
                   <a:extLst>
                     <a:ext uri="{9D8B030D-6E8A-4147-A177-3AD203B41FA5}">
-                      <a16:colId xmlns:a16="http://schemas.microsoft.com/office/drawing/2014/main" val="20003"/>
+                      <a16:colId xmlns:a16="http://schemas.microsoft.com/office/drawing/2014/main" xmlns="" val="20003"/>
                     </a:ext>
                   </a:extLst>
                 </a:gridCol>
                 <a:gridCol w="1981200">
                   <a:extLst>
                     <a:ext uri="{9D8B030D-6E8A-4147-A177-3AD203B41FA5}">
-                      <a16:colId xmlns:a16="http://schemas.microsoft.com/office/drawing/2014/main" val="20004"/>
+                      <a16:colId xmlns:a16="http://schemas.microsoft.com/office/drawing/2014/main" xmlns="" val="20004"/>
                     </a:ext>
                   </a:extLst>
                 </a:gridCol>
                 <a:gridCol w="990601">
                   <a:extLst>
                     <a:ext uri="{9D8B030D-6E8A-4147-A177-3AD203B41FA5}">
-                      <a16:colId xmlns:a16="http://schemas.microsoft.com/office/drawing/2014/main" val="20005"/>
+                      <a16:colId xmlns:a16="http://schemas.microsoft.com/office/drawing/2014/main" xmlns="" val="20005"/>
                     </a:ext>
                   </a:extLst>
                 </a:gridCol>
@@ -21469,7 +21528,7 @@
                 </a:tc>
                 <a:extLst>
                   <a:ext uri="{0D108BD9-81ED-4DB2-BD59-A6C34878D82A}">
-                    <a16:rowId xmlns:a16="http://schemas.microsoft.com/office/drawing/2014/main" val="10000"/>
+                    <a16:rowId xmlns:a16="http://schemas.microsoft.com/office/drawing/2014/main" xmlns="" val="10000"/>
                   </a:ext>
                 </a:extLst>
               </a:tr>
@@ -21757,7 +21816,7 @@
                 </a:tc>
                 <a:extLst>
                   <a:ext uri="{0D108BD9-81ED-4DB2-BD59-A6C34878D82A}">
-                    <a16:rowId xmlns:a16="http://schemas.microsoft.com/office/drawing/2014/main" val="10001"/>
+                    <a16:rowId xmlns:a16="http://schemas.microsoft.com/office/drawing/2014/main" xmlns="" val="10001"/>
                   </a:ext>
                 </a:extLst>
               </a:tr>
@@ -22045,7 +22104,7 @@
                 </a:tc>
                 <a:extLst>
                   <a:ext uri="{0D108BD9-81ED-4DB2-BD59-A6C34878D82A}">
-                    <a16:rowId xmlns:a16="http://schemas.microsoft.com/office/drawing/2014/main" val="10002"/>
+                    <a16:rowId xmlns:a16="http://schemas.microsoft.com/office/drawing/2014/main" xmlns="" val="10002"/>
                   </a:ext>
                 </a:extLst>
               </a:tr>
@@ -22351,7 +22410,7 @@
                 </a:tc>
                 <a:extLst>
                   <a:ext uri="{0D108BD9-81ED-4DB2-BD59-A6C34878D82A}">
-                    <a16:rowId xmlns:a16="http://schemas.microsoft.com/office/drawing/2014/main" val="10003"/>
+                    <a16:rowId xmlns:a16="http://schemas.microsoft.com/office/drawing/2014/main" xmlns="" val="10003"/>
                   </a:ext>
                 </a:extLst>
               </a:tr>
@@ -22662,7 +22721,7 @@
                 </a:tc>
                 <a:extLst>
                   <a:ext uri="{0D108BD9-81ED-4DB2-BD59-A6C34878D82A}">
-                    <a16:rowId xmlns:a16="http://schemas.microsoft.com/office/drawing/2014/main" val="10004"/>
+                    <a16:rowId xmlns:a16="http://schemas.microsoft.com/office/drawing/2014/main" xmlns="" val="10004"/>
                   </a:ext>
                 </a:extLst>
               </a:tr>
@@ -22673,18 +22732,18 @@
     </p:spTree>
     <p:extLst>
       <p:ext uri="{BB962C8B-B14F-4D97-AF65-F5344CB8AC3E}">
-        <p14:creationId xmlns:p14="http://schemas.microsoft.com/office/powerpoint/2010/main" val="1770196179"/>
+        <p14:creationId xmlns:p14="http://schemas.microsoft.com/office/powerpoint/2010/main" xmlns="" val="1770196179"/>
       </p:ext>
     </p:extLst>
   </p:cSld>
   <p:clrMapOvr>
     <a:masterClrMapping/>
   </p:clrMapOvr>
-  <mc:AlternateContent xmlns:mc="http://schemas.openxmlformats.org/markup-compatibility/2006" xmlns:p14="http://schemas.microsoft.com/office/powerpoint/2010/main">
-    <mc:Choice Requires="p14">
+  <mc:AlternateContent xmlns:mc="http://schemas.openxmlformats.org/markup-compatibility/2006">
+    <mc:Choice xmlns:p14="http://schemas.microsoft.com/office/powerpoint/2010/main" xmlns="" Requires="p14">
       <p:transition p14:dur="0"/>
     </mc:Choice>
-    <mc:Fallback xmlns="">
+    <mc:Fallback>
       <p:transition/>
     </mc:Fallback>
   </mc:AlternateContent>
@@ -23015,7 +23074,7 @@
           <p:nvPr>
             <p:extLst>
               <p:ext uri="{D42A27DB-BD31-4B8C-83A1-F6EECF244321}">
-                <p14:modId xmlns:p14="http://schemas.microsoft.com/office/powerpoint/2010/main" val="1102571627"/>
+                <p14:modId xmlns:p14="http://schemas.microsoft.com/office/powerpoint/2010/main" xmlns="" val="1102571627"/>
               </p:ext>
             </p:extLst>
           </p:nvPr>
@@ -23034,28 +23093,28 @@
                 <a:gridCol w="2209799">
                   <a:extLst>
                     <a:ext uri="{9D8B030D-6E8A-4147-A177-3AD203B41FA5}">
-                      <a16:colId xmlns:a16="http://schemas.microsoft.com/office/drawing/2014/main" val="20000"/>
+                      <a16:colId xmlns:a16="http://schemas.microsoft.com/office/drawing/2014/main" xmlns="" val="20000"/>
                     </a:ext>
                   </a:extLst>
                 </a:gridCol>
                 <a:gridCol w="1828801">
                   <a:extLst>
                     <a:ext uri="{9D8B030D-6E8A-4147-A177-3AD203B41FA5}">
-                      <a16:colId xmlns:a16="http://schemas.microsoft.com/office/drawing/2014/main" val="20001"/>
+                      <a16:colId xmlns:a16="http://schemas.microsoft.com/office/drawing/2014/main" xmlns="" val="20001"/>
                     </a:ext>
                   </a:extLst>
                 </a:gridCol>
                 <a:gridCol w="1676400">
                   <a:extLst>
                     <a:ext uri="{9D8B030D-6E8A-4147-A177-3AD203B41FA5}">
-                      <a16:colId xmlns:a16="http://schemas.microsoft.com/office/drawing/2014/main" val="20002"/>
+                      <a16:colId xmlns:a16="http://schemas.microsoft.com/office/drawing/2014/main" xmlns="" val="20002"/>
                     </a:ext>
                   </a:extLst>
                 </a:gridCol>
                 <a:gridCol w="3276600">
                   <a:extLst>
                     <a:ext uri="{9D8B030D-6E8A-4147-A177-3AD203B41FA5}">
-                      <a16:colId xmlns:a16="http://schemas.microsoft.com/office/drawing/2014/main" val="20003"/>
+                      <a16:colId xmlns:a16="http://schemas.microsoft.com/office/drawing/2014/main" xmlns="" val="20003"/>
                     </a:ext>
                   </a:extLst>
                 </a:gridCol>
@@ -23264,7 +23323,7 @@
                 </a:tc>
                 <a:extLst>
                   <a:ext uri="{0D108BD9-81ED-4DB2-BD59-A6C34878D82A}">
-                    <a16:rowId xmlns:a16="http://schemas.microsoft.com/office/drawing/2014/main" val="10000"/>
+                    <a16:rowId xmlns:a16="http://schemas.microsoft.com/office/drawing/2014/main" xmlns="" val="10000"/>
                   </a:ext>
                 </a:extLst>
               </a:tr>
@@ -23451,7 +23510,7 @@
                 </a:tc>
                 <a:extLst>
                   <a:ext uri="{0D108BD9-81ED-4DB2-BD59-A6C34878D82A}">
-                    <a16:rowId xmlns:a16="http://schemas.microsoft.com/office/drawing/2014/main" val="10001"/>
+                    <a16:rowId xmlns:a16="http://schemas.microsoft.com/office/drawing/2014/main" xmlns="" val="10001"/>
                   </a:ext>
                 </a:extLst>
               </a:tr>
@@ -23638,7 +23697,7 @@
                 </a:tc>
                 <a:extLst>
                   <a:ext uri="{0D108BD9-81ED-4DB2-BD59-A6C34878D82A}">
-                    <a16:rowId xmlns:a16="http://schemas.microsoft.com/office/drawing/2014/main" val="10002"/>
+                    <a16:rowId xmlns:a16="http://schemas.microsoft.com/office/drawing/2014/main" xmlns="" val="10002"/>
                   </a:ext>
                 </a:extLst>
               </a:tr>
@@ -23649,7 +23708,7 @@
     </p:spTree>
     <p:extLst>
       <p:ext uri="{BB962C8B-B14F-4D97-AF65-F5344CB8AC3E}">
-        <p14:creationId xmlns:p14="http://schemas.microsoft.com/office/powerpoint/2010/main" val="2792079449"/>
+        <p14:creationId xmlns:p14="http://schemas.microsoft.com/office/powerpoint/2010/main" xmlns="" val="2792079449"/>
       </p:ext>
     </p:extLst>
   </p:cSld>
@@ -24054,7 +24113,7 @@
           <p:nvPr>
             <p:extLst>
               <p:ext uri="{D42A27DB-BD31-4B8C-83A1-F6EECF244321}">
-                <p14:modId xmlns:p14="http://schemas.microsoft.com/office/powerpoint/2010/main" val="1102571627"/>
+                <p14:modId xmlns:p14="http://schemas.microsoft.com/office/powerpoint/2010/main" xmlns="" val="1102571627"/>
               </p:ext>
             </p:extLst>
           </p:nvPr>
@@ -24073,28 +24132,28 @@
                 <a:gridCol w="2209799">
                   <a:extLst>
                     <a:ext uri="{9D8B030D-6E8A-4147-A177-3AD203B41FA5}">
-                      <a16:colId xmlns:a16="http://schemas.microsoft.com/office/drawing/2014/main" val="20000"/>
+                      <a16:colId xmlns:a16="http://schemas.microsoft.com/office/drawing/2014/main" xmlns="" val="20000"/>
                     </a:ext>
                   </a:extLst>
                 </a:gridCol>
                 <a:gridCol w="1828801">
                   <a:extLst>
                     <a:ext uri="{9D8B030D-6E8A-4147-A177-3AD203B41FA5}">
-                      <a16:colId xmlns:a16="http://schemas.microsoft.com/office/drawing/2014/main" val="20001"/>
+                      <a16:colId xmlns:a16="http://schemas.microsoft.com/office/drawing/2014/main" xmlns="" val="20001"/>
                     </a:ext>
                   </a:extLst>
                 </a:gridCol>
                 <a:gridCol w="1676400">
                   <a:extLst>
                     <a:ext uri="{9D8B030D-6E8A-4147-A177-3AD203B41FA5}">
-                      <a16:colId xmlns:a16="http://schemas.microsoft.com/office/drawing/2014/main" val="20002"/>
+                      <a16:colId xmlns:a16="http://schemas.microsoft.com/office/drawing/2014/main" xmlns="" val="20002"/>
                     </a:ext>
                   </a:extLst>
                 </a:gridCol>
                 <a:gridCol w="3276600">
                   <a:extLst>
                     <a:ext uri="{9D8B030D-6E8A-4147-A177-3AD203B41FA5}">
-                      <a16:colId xmlns:a16="http://schemas.microsoft.com/office/drawing/2014/main" val="20003"/>
+                      <a16:colId xmlns:a16="http://schemas.microsoft.com/office/drawing/2014/main" xmlns="" val="20003"/>
                     </a:ext>
                   </a:extLst>
                 </a:gridCol>
@@ -24321,7 +24380,7 @@
                 </a:tc>
                 <a:extLst>
                   <a:ext uri="{0D108BD9-81ED-4DB2-BD59-A6C34878D82A}">
-                    <a16:rowId xmlns:a16="http://schemas.microsoft.com/office/drawing/2014/main" val="10000"/>
+                    <a16:rowId xmlns:a16="http://schemas.microsoft.com/office/drawing/2014/main" xmlns="" val="10000"/>
                   </a:ext>
                 </a:extLst>
               </a:tr>
@@ -24508,7 +24567,7 @@
                 </a:tc>
                 <a:extLst>
                   <a:ext uri="{0D108BD9-81ED-4DB2-BD59-A6C34878D82A}">
-                    <a16:rowId xmlns:a16="http://schemas.microsoft.com/office/drawing/2014/main" val="10001"/>
+                    <a16:rowId xmlns:a16="http://schemas.microsoft.com/office/drawing/2014/main" xmlns="" val="10001"/>
                   </a:ext>
                 </a:extLst>
               </a:tr>
@@ -24695,7 +24754,7 @@
                 </a:tc>
                 <a:extLst>
                   <a:ext uri="{0D108BD9-81ED-4DB2-BD59-A6C34878D82A}">
-                    <a16:rowId xmlns:a16="http://schemas.microsoft.com/office/drawing/2014/main" val="10002"/>
+                    <a16:rowId xmlns:a16="http://schemas.microsoft.com/office/drawing/2014/main" xmlns="" val="10002"/>
                   </a:ext>
                 </a:extLst>
               </a:tr>
@@ -24910,7 +24969,7 @@
     </p:spTree>
     <p:extLst>
       <p:ext uri="{BB962C8B-B14F-4D97-AF65-F5344CB8AC3E}">
-        <p14:creationId xmlns:p14="http://schemas.microsoft.com/office/powerpoint/2010/main" val="2811409073"/>
+        <p14:creationId xmlns:p14="http://schemas.microsoft.com/office/powerpoint/2010/main" xmlns="" val="2811409073"/>
       </p:ext>
     </p:extLst>
   </p:cSld>
@@ -25311,7 +25370,7 @@
           <p:nvPr>
             <p:extLst>
               <p:ext uri="{D42A27DB-BD31-4B8C-83A1-F6EECF244321}">
-                <p14:modId xmlns:p14="http://schemas.microsoft.com/office/powerpoint/2010/main" val="1102571627"/>
+                <p14:modId xmlns:p14="http://schemas.microsoft.com/office/powerpoint/2010/main" xmlns="" val="1102571627"/>
               </p:ext>
             </p:extLst>
           </p:nvPr>
@@ -25330,49 +25389,49 @@
                 <a:gridCol w="609600">
                   <a:extLst>
                     <a:ext uri="{9D8B030D-6E8A-4147-A177-3AD203B41FA5}">
-                      <a16:colId xmlns:a16="http://schemas.microsoft.com/office/drawing/2014/main" val="20000"/>
+                      <a16:colId xmlns:a16="http://schemas.microsoft.com/office/drawing/2014/main" xmlns="" val="20000"/>
                     </a:ext>
                   </a:extLst>
                 </a:gridCol>
                 <a:gridCol w="2743200">
                   <a:extLst>
                     <a:ext uri="{9D8B030D-6E8A-4147-A177-3AD203B41FA5}">
-                      <a16:colId xmlns:a16="http://schemas.microsoft.com/office/drawing/2014/main" val="20001"/>
+                      <a16:colId xmlns:a16="http://schemas.microsoft.com/office/drawing/2014/main" xmlns="" val="20001"/>
                     </a:ext>
                   </a:extLst>
                 </a:gridCol>
                 <a:gridCol w="1752600">
                   <a:extLst>
                     <a:ext uri="{9D8B030D-6E8A-4147-A177-3AD203B41FA5}">
-                      <a16:colId xmlns:a16="http://schemas.microsoft.com/office/drawing/2014/main" val="20002"/>
+                      <a16:colId xmlns:a16="http://schemas.microsoft.com/office/drawing/2014/main" xmlns="" val="20002"/>
                     </a:ext>
                   </a:extLst>
                 </a:gridCol>
                 <a:gridCol w="1219200">
                   <a:extLst>
                     <a:ext uri="{9D8B030D-6E8A-4147-A177-3AD203B41FA5}">
-                      <a16:colId xmlns:a16="http://schemas.microsoft.com/office/drawing/2014/main" val="20003"/>
+                      <a16:colId xmlns:a16="http://schemas.microsoft.com/office/drawing/2014/main" xmlns="" val="20003"/>
                     </a:ext>
                   </a:extLst>
                 </a:gridCol>
                 <a:gridCol w="1447800">
                   <a:extLst>
                     <a:ext uri="{9D8B030D-6E8A-4147-A177-3AD203B41FA5}">
-                      <a16:colId xmlns:a16="http://schemas.microsoft.com/office/drawing/2014/main" val="20004"/>
+                      <a16:colId xmlns:a16="http://schemas.microsoft.com/office/drawing/2014/main" xmlns="" val="20004"/>
                     </a:ext>
                   </a:extLst>
                 </a:gridCol>
                 <a:gridCol w="1066800">
                   <a:extLst>
                     <a:ext uri="{9D8B030D-6E8A-4147-A177-3AD203B41FA5}">
-                      <a16:colId xmlns:a16="http://schemas.microsoft.com/office/drawing/2014/main" val="20005"/>
+                      <a16:colId xmlns:a16="http://schemas.microsoft.com/office/drawing/2014/main" xmlns="" val="20005"/>
                     </a:ext>
                   </a:extLst>
                 </a:gridCol>
                 <a:gridCol w="1143000">
                   <a:extLst>
                     <a:ext uri="{9D8B030D-6E8A-4147-A177-3AD203B41FA5}">
-                      <a16:colId xmlns:a16="http://schemas.microsoft.com/office/drawing/2014/main" val="20006"/>
+                      <a16:colId xmlns:a16="http://schemas.microsoft.com/office/drawing/2014/main" xmlns="" val="20006"/>
                     </a:ext>
                   </a:extLst>
                 </a:gridCol>
@@ -25731,7 +25790,7 @@
                 </a:tc>
                 <a:extLst>
                   <a:ext uri="{0D108BD9-81ED-4DB2-BD59-A6C34878D82A}">
-                    <a16:rowId xmlns:a16="http://schemas.microsoft.com/office/drawing/2014/main" val="10000"/>
+                    <a16:rowId xmlns:a16="http://schemas.microsoft.com/office/drawing/2014/main" xmlns="" val="10000"/>
                   </a:ext>
                 </a:extLst>
               </a:tr>
@@ -26062,7 +26121,7 @@
                 </a:tc>
                 <a:extLst>
                   <a:ext uri="{0D108BD9-81ED-4DB2-BD59-A6C34878D82A}">
-                    <a16:rowId xmlns:a16="http://schemas.microsoft.com/office/drawing/2014/main" val="10001"/>
+                    <a16:rowId xmlns:a16="http://schemas.microsoft.com/office/drawing/2014/main" xmlns="" val="10001"/>
                   </a:ext>
                 </a:extLst>
               </a:tr>
@@ -26393,7 +26452,7 @@
                 </a:tc>
                 <a:extLst>
                   <a:ext uri="{0D108BD9-81ED-4DB2-BD59-A6C34878D82A}">
-                    <a16:rowId xmlns:a16="http://schemas.microsoft.com/office/drawing/2014/main" val="10002"/>
+                    <a16:rowId xmlns:a16="http://schemas.microsoft.com/office/drawing/2014/main" xmlns="" val="10002"/>
                   </a:ext>
                 </a:extLst>
               </a:tr>
@@ -26745,7 +26804,7 @@
                 </a:tc>
                 <a:extLst>
                   <a:ext uri="{0D108BD9-81ED-4DB2-BD59-A6C34878D82A}">
-                    <a16:rowId xmlns:a16="http://schemas.microsoft.com/office/drawing/2014/main" val="10003"/>
+                    <a16:rowId xmlns:a16="http://schemas.microsoft.com/office/drawing/2014/main" xmlns="" val="10003"/>
                   </a:ext>
                 </a:extLst>
               </a:tr>
@@ -27097,7 +27156,7 @@
                 </a:tc>
                 <a:extLst>
                   <a:ext uri="{0D108BD9-81ED-4DB2-BD59-A6C34878D82A}">
-                    <a16:rowId xmlns:a16="http://schemas.microsoft.com/office/drawing/2014/main" val="10004"/>
+                    <a16:rowId xmlns:a16="http://schemas.microsoft.com/office/drawing/2014/main" xmlns="" val="10004"/>
                   </a:ext>
                 </a:extLst>
               </a:tr>
@@ -27108,7 +27167,7 @@
     </p:spTree>
     <p:extLst>
       <p:ext uri="{BB962C8B-B14F-4D97-AF65-F5344CB8AC3E}">
-        <p14:creationId xmlns:p14="http://schemas.microsoft.com/office/powerpoint/2010/main" val="3812561442"/>
+        <p14:creationId xmlns:p14="http://schemas.microsoft.com/office/powerpoint/2010/main" xmlns="" val="3812561442"/>
       </p:ext>
     </p:extLst>
   </p:cSld>
@@ -27408,7 +27467,7 @@
           <p:nvPr>
             <p:extLst>
               <p:ext uri="{D42A27DB-BD31-4B8C-83A1-F6EECF244321}">
-                <p14:modId xmlns:p14="http://schemas.microsoft.com/office/powerpoint/2010/main" val="1102571627"/>
+                <p14:modId xmlns:p14="http://schemas.microsoft.com/office/powerpoint/2010/main" xmlns="" val="1102571627"/>
               </p:ext>
             </p:extLst>
           </p:nvPr>
@@ -27427,21 +27486,21 @@
                 <a:gridCol w="891654">
                   <a:extLst>
                     <a:ext uri="{9D8B030D-6E8A-4147-A177-3AD203B41FA5}">
-                      <a16:colId xmlns:a16="http://schemas.microsoft.com/office/drawing/2014/main" val="20000"/>
+                      <a16:colId xmlns:a16="http://schemas.microsoft.com/office/drawing/2014/main" xmlns="" val="20000"/>
                     </a:ext>
                   </a:extLst>
                 </a:gridCol>
                 <a:gridCol w="2994546">
                   <a:extLst>
                     <a:ext uri="{9D8B030D-6E8A-4147-A177-3AD203B41FA5}">
-                      <a16:colId xmlns:a16="http://schemas.microsoft.com/office/drawing/2014/main" val="20001"/>
+                      <a16:colId xmlns:a16="http://schemas.microsoft.com/office/drawing/2014/main" xmlns="" val="20001"/>
                     </a:ext>
                   </a:extLst>
                 </a:gridCol>
                 <a:gridCol w="3581400">
                   <a:extLst>
                     <a:ext uri="{9D8B030D-6E8A-4147-A177-3AD203B41FA5}">
-                      <a16:colId xmlns:a16="http://schemas.microsoft.com/office/drawing/2014/main" val="20002"/>
+                      <a16:colId xmlns:a16="http://schemas.microsoft.com/office/drawing/2014/main" xmlns="" val="20002"/>
                     </a:ext>
                   </a:extLst>
                 </a:gridCol>
@@ -27599,7 +27658,7 @@
                 </a:tc>
                 <a:extLst>
                   <a:ext uri="{0D108BD9-81ED-4DB2-BD59-A6C34878D82A}">
-                    <a16:rowId xmlns:a16="http://schemas.microsoft.com/office/drawing/2014/main" val="10000"/>
+                    <a16:rowId xmlns:a16="http://schemas.microsoft.com/office/drawing/2014/main" xmlns="" val="10000"/>
                   </a:ext>
                 </a:extLst>
               </a:tr>
@@ -27746,7 +27805,7 @@
                 </a:tc>
                 <a:extLst>
                   <a:ext uri="{0D108BD9-81ED-4DB2-BD59-A6C34878D82A}">
-                    <a16:rowId xmlns:a16="http://schemas.microsoft.com/office/drawing/2014/main" val="10001"/>
+                    <a16:rowId xmlns:a16="http://schemas.microsoft.com/office/drawing/2014/main" xmlns="" val="10001"/>
                   </a:ext>
                 </a:extLst>
               </a:tr>
@@ -27898,7 +27957,7 @@
                 </a:tc>
                 <a:extLst>
                   <a:ext uri="{0D108BD9-81ED-4DB2-BD59-A6C34878D82A}">
-                    <a16:rowId xmlns:a16="http://schemas.microsoft.com/office/drawing/2014/main" val="10002"/>
+                    <a16:rowId xmlns:a16="http://schemas.microsoft.com/office/drawing/2014/main" xmlns="" val="10002"/>
                   </a:ext>
                 </a:extLst>
               </a:tr>
@@ -28113,7 +28172,7 @@
     </p:spTree>
     <p:extLst>
       <p:ext uri="{BB962C8B-B14F-4D97-AF65-F5344CB8AC3E}">
-        <p14:creationId xmlns:p14="http://schemas.microsoft.com/office/powerpoint/2010/main" val="1192244738"/>
+        <p14:creationId xmlns:p14="http://schemas.microsoft.com/office/powerpoint/2010/main" xmlns="" val="1192244738"/>
       </p:ext>
     </p:extLst>
   </p:cSld>
@@ -28967,7 +29026,7 @@
           <p:nvPr>
             <p:extLst>
               <p:ext uri="{D42A27DB-BD31-4B8C-83A1-F6EECF244321}">
-                <p14:modId xmlns:p14="http://schemas.microsoft.com/office/powerpoint/2010/main" val="1102571627"/>
+                <p14:modId xmlns:p14="http://schemas.microsoft.com/office/powerpoint/2010/main" xmlns="" val="1102571627"/>
               </p:ext>
             </p:extLst>
           </p:nvPr>
@@ -28986,49 +29045,49 @@
                 <a:gridCol w="509551">
                   <a:extLst>
                     <a:ext uri="{9D8B030D-6E8A-4147-A177-3AD203B41FA5}">
-                      <a16:colId xmlns:a16="http://schemas.microsoft.com/office/drawing/2014/main" val="20000"/>
+                      <a16:colId xmlns:a16="http://schemas.microsoft.com/office/drawing/2014/main" xmlns="" val="20000"/>
                     </a:ext>
                   </a:extLst>
                 </a:gridCol>
                 <a:gridCol w="2137710">
                   <a:extLst>
                     <a:ext uri="{9D8B030D-6E8A-4147-A177-3AD203B41FA5}">
-                      <a16:colId xmlns:a16="http://schemas.microsoft.com/office/drawing/2014/main" val="20001"/>
+                      <a16:colId xmlns:a16="http://schemas.microsoft.com/office/drawing/2014/main" xmlns="" val="20001"/>
                     </a:ext>
                   </a:extLst>
                 </a:gridCol>
                 <a:gridCol w="1429439">
                   <a:extLst>
                     <a:ext uri="{9D8B030D-6E8A-4147-A177-3AD203B41FA5}">
-                      <a16:colId xmlns:a16="http://schemas.microsoft.com/office/drawing/2014/main" val="20002"/>
+                      <a16:colId xmlns:a16="http://schemas.microsoft.com/office/drawing/2014/main" xmlns="" val="20002"/>
                     </a:ext>
                   </a:extLst>
                 </a:gridCol>
                 <a:gridCol w="838200">
                   <a:extLst>
                     <a:ext uri="{9D8B030D-6E8A-4147-A177-3AD203B41FA5}">
-                      <a16:colId xmlns:a16="http://schemas.microsoft.com/office/drawing/2014/main" val="20003"/>
+                      <a16:colId xmlns:a16="http://schemas.microsoft.com/office/drawing/2014/main" xmlns="" val="20003"/>
                     </a:ext>
                   </a:extLst>
                 </a:gridCol>
                 <a:gridCol w="1371600">
                   <a:extLst>
                     <a:ext uri="{9D8B030D-6E8A-4147-A177-3AD203B41FA5}">
-                      <a16:colId xmlns:a16="http://schemas.microsoft.com/office/drawing/2014/main" val="20004"/>
+                      <a16:colId xmlns:a16="http://schemas.microsoft.com/office/drawing/2014/main" xmlns="" val="20004"/>
                     </a:ext>
                   </a:extLst>
                 </a:gridCol>
                 <a:gridCol w="1101991">
                   <a:extLst>
                     <a:ext uri="{9D8B030D-6E8A-4147-A177-3AD203B41FA5}">
-                      <a16:colId xmlns:a16="http://schemas.microsoft.com/office/drawing/2014/main" val="20005"/>
+                      <a16:colId xmlns:a16="http://schemas.microsoft.com/office/drawing/2014/main" xmlns="" val="20005"/>
                     </a:ext>
                   </a:extLst>
                 </a:gridCol>
                 <a:gridCol w="955408">
                   <a:extLst>
                     <a:ext uri="{9D8B030D-6E8A-4147-A177-3AD203B41FA5}">
-                      <a16:colId xmlns:a16="http://schemas.microsoft.com/office/drawing/2014/main" val="20006"/>
+                      <a16:colId xmlns:a16="http://schemas.microsoft.com/office/drawing/2014/main" xmlns="" val="20006"/>
                     </a:ext>
                   </a:extLst>
                 </a:gridCol>
@@ -29387,7 +29446,7 @@
                 </a:tc>
                 <a:extLst>
                   <a:ext uri="{0D108BD9-81ED-4DB2-BD59-A6C34878D82A}">
-                    <a16:rowId xmlns:a16="http://schemas.microsoft.com/office/drawing/2014/main" val="10000"/>
+                    <a16:rowId xmlns:a16="http://schemas.microsoft.com/office/drawing/2014/main" xmlns="" val="10000"/>
                   </a:ext>
                 </a:extLst>
               </a:tr>
@@ -29712,7 +29771,7 @@
                 </a:tc>
                 <a:extLst>
                   <a:ext uri="{0D108BD9-81ED-4DB2-BD59-A6C34878D82A}">
-                    <a16:rowId xmlns:a16="http://schemas.microsoft.com/office/drawing/2014/main" val="10001"/>
+                    <a16:rowId xmlns:a16="http://schemas.microsoft.com/office/drawing/2014/main" xmlns="" val="10001"/>
                   </a:ext>
                 </a:extLst>
               </a:tr>
@@ -30037,7 +30096,7 @@
                 </a:tc>
                 <a:extLst>
                   <a:ext uri="{0D108BD9-81ED-4DB2-BD59-A6C34878D82A}">
-                    <a16:rowId xmlns:a16="http://schemas.microsoft.com/office/drawing/2014/main" val="10002"/>
+                    <a16:rowId xmlns:a16="http://schemas.microsoft.com/office/drawing/2014/main" xmlns="" val="10002"/>
                   </a:ext>
                 </a:extLst>
               </a:tr>
@@ -30383,7 +30442,7 @@
                 </a:tc>
                 <a:extLst>
                   <a:ext uri="{0D108BD9-81ED-4DB2-BD59-A6C34878D82A}">
-                    <a16:rowId xmlns:a16="http://schemas.microsoft.com/office/drawing/2014/main" val="10003"/>
+                    <a16:rowId xmlns:a16="http://schemas.microsoft.com/office/drawing/2014/main" xmlns="" val="10003"/>
                   </a:ext>
                 </a:extLst>
               </a:tr>
@@ -30729,7 +30788,7 @@
                 </a:tc>
                 <a:extLst>
                   <a:ext uri="{0D108BD9-81ED-4DB2-BD59-A6C34878D82A}">
-                    <a16:rowId xmlns:a16="http://schemas.microsoft.com/office/drawing/2014/main" val="10004"/>
+                    <a16:rowId xmlns:a16="http://schemas.microsoft.com/office/drawing/2014/main" xmlns="" val="10004"/>
                   </a:ext>
                 </a:extLst>
               </a:tr>
@@ -30746,7 +30805,7 @@
           <p:nvPr>
             <p:extLst>
               <p:ext uri="{D42A27DB-BD31-4B8C-83A1-F6EECF244321}">
-                <p14:modId xmlns:p14="http://schemas.microsoft.com/office/powerpoint/2010/main" val="1102571627"/>
+                <p14:modId xmlns:p14="http://schemas.microsoft.com/office/powerpoint/2010/main" xmlns="" val="1102571627"/>
               </p:ext>
             </p:extLst>
           </p:nvPr>
@@ -30765,14 +30824,14 @@
                 <a:gridCol w="462015">
                   <a:extLst>
                     <a:ext uri="{9D8B030D-6E8A-4147-A177-3AD203B41FA5}">
-                      <a16:colId xmlns:a16="http://schemas.microsoft.com/office/drawing/2014/main" val="20000"/>
+                      <a16:colId xmlns:a16="http://schemas.microsoft.com/office/drawing/2014/main" xmlns="" val="20000"/>
                     </a:ext>
                   </a:extLst>
                 </a:gridCol>
                 <a:gridCol w="1938284">
                   <a:extLst>
                     <a:ext uri="{9D8B030D-6E8A-4147-A177-3AD203B41FA5}">
-                      <a16:colId xmlns:a16="http://schemas.microsoft.com/office/drawing/2014/main" val="20001"/>
+                      <a16:colId xmlns:a16="http://schemas.microsoft.com/office/drawing/2014/main" xmlns="" val="20001"/>
                     </a:ext>
                   </a:extLst>
                 </a:gridCol>
@@ -30879,7 +30938,7 @@
                 </a:tc>
                 <a:extLst>
                   <a:ext uri="{0D108BD9-81ED-4DB2-BD59-A6C34878D82A}">
-                    <a16:rowId xmlns:a16="http://schemas.microsoft.com/office/drawing/2014/main" val="10000"/>
+                    <a16:rowId xmlns:a16="http://schemas.microsoft.com/office/drawing/2014/main" xmlns="" val="10000"/>
                   </a:ext>
                 </a:extLst>
               </a:tr>
@@ -30975,7 +31034,7 @@
                 </a:tc>
                 <a:extLst>
                   <a:ext uri="{0D108BD9-81ED-4DB2-BD59-A6C34878D82A}">
-                    <a16:rowId xmlns:a16="http://schemas.microsoft.com/office/drawing/2014/main" val="10001"/>
+                    <a16:rowId xmlns:a16="http://schemas.microsoft.com/office/drawing/2014/main" xmlns="" val="10001"/>
                   </a:ext>
                 </a:extLst>
               </a:tr>
@@ -31079,7 +31138,7 @@
                 </a:tc>
                 <a:extLst>
                   <a:ext uri="{0D108BD9-81ED-4DB2-BD59-A6C34878D82A}">
-                    <a16:rowId xmlns:a16="http://schemas.microsoft.com/office/drawing/2014/main" val="10002"/>
+                    <a16:rowId xmlns:a16="http://schemas.microsoft.com/office/drawing/2014/main" xmlns="" val="10002"/>
                   </a:ext>
                 </a:extLst>
               </a:tr>
@@ -31096,7 +31155,7 @@
           <p:nvPr>
             <p:extLst>
               <p:ext uri="{D42A27DB-BD31-4B8C-83A1-F6EECF244321}">
-                <p14:modId xmlns:p14="http://schemas.microsoft.com/office/powerpoint/2010/main" val="1102571627"/>
+                <p14:modId xmlns:p14="http://schemas.microsoft.com/office/powerpoint/2010/main" xmlns="" val="1102571627"/>
               </p:ext>
             </p:extLst>
           </p:nvPr>
@@ -31115,14 +31174,14 @@
                 <a:gridCol w="432681">
                   <a:extLst>
                     <a:ext uri="{9D8B030D-6E8A-4147-A177-3AD203B41FA5}">
-                      <a16:colId xmlns:a16="http://schemas.microsoft.com/office/drawing/2014/main" val="20000"/>
+                      <a16:colId xmlns:a16="http://schemas.microsoft.com/office/drawing/2014/main" xmlns="" val="20000"/>
                     </a:ext>
                   </a:extLst>
                 </a:gridCol>
                 <a:gridCol w="1815218">
                   <a:extLst>
                     <a:ext uri="{9D8B030D-6E8A-4147-A177-3AD203B41FA5}">
-                      <a16:colId xmlns:a16="http://schemas.microsoft.com/office/drawing/2014/main" val="20001"/>
+                      <a16:colId xmlns:a16="http://schemas.microsoft.com/office/drawing/2014/main" xmlns="" val="20001"/>
                     </a:ext>
                   </a:extLst>
                 </a:gridCol>
@@ -31229,7 +31288,7 @@
                 </a:tc>
                 <a:extLst>
                   <a:ext uri="{0D108BD9-81ED-4DB2-BD59-A6C34878D82A}">
-                    <a16:rowId xmlns:a16="http://schemas.microsoft.com/office/drawing/2014/main" val="10000"/>
+                    <a16:rowId xmlns:a16="http://schemas.microsoft.com/office/drawing/2014/main" xmlns="" val="10000"/>
                   </a:ext>
                 </a:extLst>
               </a:tr>
@@ -31325,7 +31384,7 @@
                 </a:tc>
                 <a:extLst>
                   <a:ext uri="{0D108BD9-81ED-4DB2-BD59-A6C34878D82A}">
-                    <a16:rowId xmlns:a16="http://schemas.microsoft.com/office/drawing/2014/main" val="10001"/>
+                    <a16:rowId xmlns:a16="http://schemas.microsoft.com/office/drawing/2014/main" xmlns="" val="10001"/>
                   </a:ext>
                 </a:extLst>
               </a:tr>
@@ -31422,7 +31481,7 @@
                 </a:tc>
                 <a:extLst>
                   <a:ext uri="{0D108BD9-81ED-4DB2-BD59-A6C34878D82A}">
-                    <a16:rowId xmlns:a16="http://schemas.microsoft.com/office/drawing/2014/main" val="10002"/>
+                    <a16:rowId xmlns:a16="http://schemas.microsoft.com/office/drawing/2014/main" xmlns="" val="10002"/>
                   </a:ext>
                 </a:extLst>
               </a:tr>
@@ -31439,7 +31498,7 @@
           <p:nvPr>
             <p:extLst>
               <p:ext uri="{D42A27DB-BD31-4B8C-83A1-F6EECF244321}">
-                <p14:modId xmlns:p14="http://schemas.microsoft.com/office/powerpoint/2010/main" val="1102571627"/>
+                <p14:modId xmlns:p14="http://schemas.microsoft.com/office/powerpoint/2010/main" xmlns="" val="1102571627"/>
               </p:ext>
             </p:extLst>
           </p:nvPr>
@@ -31458,14 +31517,14 @@
                 <a:gridCol w="454866">
                   <a:extLst>
                     <a:ext uri="{9D8B030D-6E8A-4147-A177-3AD203B41FA5}">
-                      <a16:colId xmlns:a16="http://schemas.microsoft.com/office/drawing/2014/main" val="20000"/>
+                      <a16:colId xmlns:a16="http://schemas.microsoft.com/office/drawing/2014/main" xmlns="" val="20000"/>
                     </a:ext>
                   </a:extLst>
                 </a:gridCol>
                 <a:gridCol w="1259633">
                   <a:extLst>
                     <a:ext uri="{9D8B030D-6E8A-4147-A177-3AD203B41FA5}">
-                      <a16:colId xmlns:a16="http://schemas.microsoft.com/office/drawing/2014/main" val="20001"/>
+                      <a16:colId xmlns:a16="http://schemas.microsoft.com/office/drawing/2014/main" xmlns="" val="20001"/>
                     </a:ext>
                   </a:extLst>
                 </a:gridCol>
@@ -31572,7 +31631,7 @@
                 </a:tc>
                 <a:extLst>
                   <a:ext uri="{0D108BD9-81ED-4DB2-BD59-A6C34878D82A}">
-                    <a16:rowId xmlns:a16="http://schemas.microsoft.com/office/drawing/2014/main" val="10000"/>
+                    <a16:rowId xmlns:a16="http://schemas.microsoft.com/office/drawing/2014/main" xmlns="" val="10000"/>
                   </a:ext>
                 </a:extLst>
               </a:tr>
@@ -31669,7 +31728,7 @@
                 </a:tc>
                 <a:extLst>
                   <a:ext uri="{0D108BD9-81ED-4DB2-BD59-A6C34878D82A}">
-                    <a16:rowId xmlns:a16="http://schemas.microsoft.com/office/drawing/2014/main" val="10001"/>
+                    <a16:rowId xmlns:a16="http://schemas.microsoft.com/office/drawing/2014/main" xmlns="" val="10001"/>
                   </a:ext>
                 </a:extLst>
               </a:tr>
@@ -31766,7 +31825,7 @@
                 </a:tc>
                 <a:extLst>
                   <a:ext uri="{0D108BD9-81ED-4DB2-BD59-A6C34878D82A}">
-                    <a16:rowId xmlns:a16="http://schemas.microsoft.com/office/drawing/2014/main" val="10002"/>
+                    <a16:rowId xmlns:a16="http://schemas.microsoft.com/office/drawing/2014/main" xmlns="" val="10002"/>
                   </a:ext>
                 </a:extLst>
               </a:tr>
@@ -31783,7 +31842,7 @@
           <p:nvPr>
             <p:extLst>
               <p:ext uri="{D42A27DB-BD31-4B8C-83A1-F6EECF244321}">
-                <p14:modId xmlns:p14="http://schemas.microsoft.com/office/powerpoint/2010/main" val="1102571627"/>
+                <p14:modId xmlns:p14="http://schemas.microsoft.com/office/powerpoint/2010/main" xmlns="" val="1102571627"/>
               </p:ext>
             </p:extLst>
           </p:nvPr>
@@ -31802,14 +31861,14 @@
                 <a:gridCol w="454866">
                   <a:extLst>
                     <a:ext uri="{9D8B030D-6E8A-4147-A177-3AD203B41FA5}">
-                      <a16:colId xmlns:a16="http://schemas.microsoft.com/office/drawing/2014/main" val="20000"/>
+                      <a16:colId xmlns:a16="http://schemas.microsoft.com/office/drawing/2014/main" xmlns="" val="20000"/>
                     </a:ext>
                   </a:extLst>
                 </a:gridCol>
                 <a:gridCol w="1259633">
                   <a:extLst>
                     <a:ext uri="{9D8B030D-6E8A-4147-A177-3AD203B41FA5}">
-                      <a16:colId xmlns:a16="http://schemas.microsoft.com/office/drawing/2014/main" val="20001"/>
+                      <a16:colId xmlns:a16="http://schemas.microsoft.com/office/drawing/2014/main" xmlns="" val="20001"/>
                     </a:ext>
                   </a:extLst>
                 </a:gridCol>
@@ -31916,7 +31975,7 @@
                 </a:tc>
                 <a:extLst>
                   <a:ext uri="{0D108BD9-81ED-4DB2-BD59-A6C34878D82A}">
-                    <a16:rowId xmlns:a16="http://schemas.microsoft.com/office/drawing/2014/main" val="10000"/>
+                    <a16:rowId xmlns:a16="http://schemas.microsoft.com/office/drawing/2014/main" xmlns="" val="10000"/>
                   </a:ext>
                 </a:extLst>
               </a:tr>
@@ -32013,7 +32072,7 @@
                 </a:tc>
                 <a:extLst>
                   <a:ext uri="{0D108BD9-81ED-4DB2-BD59-A6C34878D82A}">
-                    <a16:rowId xmlns:a16="http://schemas.microsoft.com/office/drawing/2014/main" val="10001"/>
+                    <a16:rowId xmlns:a16="http://schemas.microsoft.com/office/drawing/2014/main" xmlns="" val="10001"/>
                   </a:ext>
                 </a:extLst>
               </a:tr>
@@ -32110,7 +32169,7 @@
                 </a:tc>
                 <a:extLst>
                   <a:ext uri="{0D108BD9-81ED-4DB2-BD59-A6C34878D82A}">
-                    <a16:rowId xmlns:a16="http://schemas.microsoft.com/office/drawing/2014/main" val="10002"/>
+                    <a16:rowId xmlns:a16="http://schemas.microsoft.com/office/drawing/2014/main" xmlns="" val="10002"/>
                   </a:ext>
                 </a:extLst>
               </a:tr>
@@ -32121,7 +32180,7 @@
     </p:spTree>
     <p:extLst>
       <p:ext uri="{BB962C8B-B14F-4D97-AF65-F5344CB8AC3E}">
-        <p14:creationId xmlns:p14="http://schemas.microsoft.com/office/powerpoint/2010/main" val="3076055309"/>
+        <p14:creationId xmlns:p14="http://schemas.microsoft.com/office/powerpoint/2010/main" xmlns="" val="3076055309"/>
       </p:ext>
     </p:extLst>
   </p:cSld>
@@ -32575,11 +32634,11 @@
   <p:clrMapOvr>
     <a:masterClrMapping/>
   </p:clrMapOvr>
-  <mc:AlternateContent xmlns:mc="http://schemas.openxmlformats.org/markup-compatibility/2006" xmlns:p14="http://schemas.microsoft.com/office/powerpoint/2010/main">
-    <mc:Choice Requires="p14">
+  <mc:AlternateContent xmlns:mc="http://schemas.openxmlformats.org/markup-compatibility/2006">
+    <mc:Choice xmlns:p14="http://schemas.microsoft.com/office/powerpoint/2010/main" xmlns="" Requires="p14">
       <p:transition spd="slow" p14:dur="2000" advClick="0" advTm="5000"/>
     </mc:Choice>
-    <mc:Fallback xmlns="">
+    <mc:Fallback>
       <p:transition spd="slow" advClick="0" advTm="5000"/>
     </mc:Fallback>
   </mc:AlternateContent>
@@ -32798,7 +32857,7 @@
     </p:spTree>
     <p:extLst>
       <p:ext uri="{BB962C8B-B14F-4D97-AF65-F5344CB8AC3E}">
-        <p14:creationId xmlns:p14="http://schemas.microsoft.com/office/powerpoint/2010/main" val="2732236339"/>
+        <p14:creationId xmlns:p14="http://schemas.microsoft.com/office/powerpoint/2010/main" xmlns="" val="2732236339"/>
       </p:ext>
     </p:extLst>
   </p:cSld>
@@ -33361,11 +33420,11 @@
   <p:clrMapOvr>
     <a:masterClrMapping/>
   </p:clrMapOvr>
-  <mc:AlternateContent xmlns:mc="http://schemas.openxmlformats.org/markup-compatibility/2006" xmlns:p14="http://schemas.microsoft.com/office/powerpoint/2010/main">
-    <mc:Choice Requires="p14">
+  <mc:AlternateContent xmlns:mc="http://schemas.openxmlformats.org/markup-compatibility/2006">
+    <mc:Choice xmlns:p14="http://schemas.microsoft.com/office/powerpoint/2010/main" xmlns="" Requires="p14">
       <p:transition spd="slow" p14:dur="2000" advClick="0" advTm="5000"/>
     </mc:Choice>
-    <mc:Fallback xmlns="">
+    <mc:Fallback>
       <p:transition spd="slow" advClick="0" advTm="5000"/>
     </mc:Fallback>
   </mc:AlternateContent>
@@ -33694,7 +33753,7 @@
     </p:spTree>
     <p:extLst>
       <p:ext uri="{BB962C8B-B14F-4D97-AF65-F5344CB8AC3E}">
-        <p14:creationId xmlns:p14="http://schemas.microsoft.com/office/powerpoint/2010/main" val="3096612756"/>
+        <p14:creationId xmlns:p14="http://schemas.microsoft.com/office/powerpoint/2010/main" xmlns="" val="3096612756"/>
       </p:ext>
     </p:extLst>
   </p:cSld>
@@ -33781,11 +33840,11 @@
   <p:clrMapOvr>
     <a:masterClrMapping/>
   </p:clrMapOvr>
-  <mc:AlternateContent xmlns:mc="http://schemas.openxmlformats.org/markup-compatibility/2006" xmlns:p14="http://schemas.microsoft.com/office/powerpoint/2010/main">
-    <mc:Choice Requires="p14">
+  <mc:AlternateContent xmlns:mc="http://schemas.openxmlformats.org/markup-compatibility/2006">
+    <mc:Choice xmlns:p14="http://schemas.microsoft.com/office/powerpoint/2010/main" xmlns="" Requires="p14">
       <p:transition spd="slow" p14:dur="2000" advClick="0" advTm="5000"/>
     </mc:Choice>
-    <mc:Fallback xmlns="">
+    <mc:Fallback>
       <p:transition spd="slow" advClick="0" advTm="5000"/>
     </mc:Fallback>
   </mc:AlternateContent>
@@ -33814,7 +33873,7 @@
           <p:cNvPr id="9" name="Summary Box Group">
             <a:extLst>
               <a:ext uri="{FF2B5EF4-FFF2-40B4-BE49-F238E27FC236}">
-                <a16:creationId xmlns:a16="http://schemas.microsoft.com/office/drawing/2014/main" id="{EBAFE522-EB7D-4931-A015-9A7E8A98517D}"/>
+                <a16:creationId xmlns:a16="http://schemas.microsoft.com/office/drawing/2014/main" xmlns="" id="{EBAFE522-EB7D-4931-A015-9A7E8A98517D}"/>
               </a:ext>
             </a:extLst>
           </p:cNvPr>
@@ -33834,7 +33893,7 @@
             <p:cNvPr id="10" name="Rounded Rectangle Blue">
               <a:extLst>
                 <a:ext uri="{FF2B5EF4-FFF2-40B4-BE49-F238E27FC236}">
-                  <a16:creationId xmlns:a16="http://schemas.microsoft.com/office/drawing/2014/main" id="{18F78F23-3D09-4B63-8DF9-D49CFBB145EE}"/>
+                  <a16:creationId xmlns:a16="http://schemas.microsoft.com/office/drawing/2014/main" xmlns="" id="{18F78F23-3D09-4B63-8DF9-D49CFBB145EE}"/>
                 </a:ext>
               </a:extLst>
             </p:cNvPr>
@@ -33888,7 +33947,7 @@
             <p:cNvPr id="11" name="Rounded Rectangle Left">
               <a:extLst>
                 <a:ext uri="{FF2B5EF4-FFF2-40B4-BE49-F238E27FC236}">
-                  <a16:creationId xmlns:a16="http://schemas.microsoft.com/office/drawing/2014/main" id="{F12C06CE-2BBE-46C2-B718-813794C58DF9}"/>
+                  <a16:creationId xmlns:a16="http://schemas.microsoft.com/office/drawing/2014/main" xmlns="" id="{F12C06CE-2BBE-46C2-B718-813794C58DF9}"/>
                 </a:ext>
               </a:extLst>
             </p:cNvPr>
@@ -33948,7 +34007,7 @@
             <p:cNvPr id="12" name="Half Frame Top Right">
               <a:extLst>
                 <a:ext uri="{FF2B5EF4-FFF2-40B4-BE49-F238E27FC236}">
-                  <a16:creationId xmlns:a16="http://schemas.microsoft.com/office/drawing/2014/main" id="{66CDBB1E-AF3C-43FC-9F34-2DD691F81726}"/>
+                  <a16:creationId xmlns:a16="http://schemas.microsoft.com/office/drawing/2014/main" xmlns="" id="{66CDBB1E-AF3C-43FC-9F34-2DD691F81726}"/>
                 </a:ext>
               </a:extLst>
             </p:cNvPr>
@@ -34010,7 +34069,7 @@
           <p:cNvPr id="14" name="Text Placeholder Body">
             <a:extLst>
               <a:ext uri="{FF2B5EF4-FFF2-40B4-BE49-F238E27FC236}">
-                <a16:creationId xmlns:a16="http://schemas.microsoft.com/office/drawing/2014/main" id="{0E49D336-45B6-44D3-97C4-E28F8DEA2022}"/>
+                <a16:creationId xmlns:a16="http://schemas.microsoft.com/office/drawing/2014/main" xmlns="" id="{0E49D336-45B6-44D3-97C4-E28F8DEA2022}"/>
               </a:ext>
             </a:extLst>
           </p:cNvPr>
@@ -34469,7 +34528,7 @@
           <p:cNvPr id="17" name="Slide Number">
             <a:extLst>
               <a:ext uri="{FF2B5EF4-FFF2-40B4-BE49-F238E27FC236}">
-                <a16:creationId xmlns:a16="http://schemas.microsoft.com/office/drawing/2014/main" id="{9DE5559F-55C2-47F1-A321-B593B1EC63C1}"/>
+                <a16:creationId xmlns:a16="http://schemas.microsoft.com/office/drawing/2014/main" xmlns="" id="{9DE5559F-55C2-47F1-A321-B593B1EC63C1}"/>
               </a:ext>
             </a:extLst>
           </p:cNvPr>
@@ -34511,7 +34570,7 @@
           <p:cNvPr id="13" name="Picture SoftUni Mascot">
             <a:extLst>
               <a:ext uri="{FF2B5EF4-FFF2-40B4-BE49-F238E27FC236}">
-                <a16:creationId xmlns:a16="http://schemas.microsoft.com/office/drawing/2014/main" id="{CCC3A316-993C-4741-8826-E104F27650A3}"/>
+                <a16:creationId xmlns:a16="http://schemas.microsoft.com/office/drawing/2014/main" xmlns="" id="{CCC3A316-993C-4741-8826-E104F27650A3}"/>
               </a:ext>
             </a:extLst>
           </p:cNvPr>
@@ -34524,7 +34583,7 @@
           <a:blip r:embed="rId3" cstate="print">
             <a:extLst>
               <a:ext uri="{28A0092B-C50C-407E-A947-70E740481C1C}">
-                <a14:useLocalDpi xmlns:a14="http://schemas.microsoft.com/office/drawing/2010/main" val="0"/>
+                <a14:useLocalDpi xmlns:a14="http://schemas.microsoft.com/office/drawing/2010/main" xmlns="" val="0"/>
               </a:ext>
             </a:extLst>
           </a:blip>
@@ -34569,18 +34628,18 @@
     </p:spTree>
     <p:extLst>
       <p:ext uri="{BB962C8B-B14F-4D97-AF65-F5344CB8AC3E}">
-        <p14:creationId xmlns:p14="http://schemas.microsoft.com/office/powerpoint/2010/main" val="2087190546"/>
+        <p14:creationId xmlns:p14="http://schemas.microsoft.com/office/powerpoint/2010/main" xmlns="" val="2087190546"/>
       </p:ext>
     </p:extLst>
   </p:cSld>
   <p:clrMapOvr>
     <a:masterClrMapping/>
   </p:clrMapOvr>
-  <mc:AlternateContent xmlns:mc="http://schemas.openxmlformats.org/markup-compatibility/2006" xmlns:p14="http://schemas.microsoft.com/office/powerpoint/2010/main">
-    <mc:Choice Requires="p14">
+  <mc:AlternateContent xmlns:mc="http://schemas.openxmlformats.org/markup-compatibility/2006">
+    <mc:Choice xmlns:p14="http://schemas.microsoft.com/office/powerpoint/2010/main" xmlns="" Requires="p14">
       <p:transition spd="slow" p14:dur="2000" advClick="0" advTm="5000"/>
     </mc:Choice>
-    <mc:Fallback xmlns="">
+    <mc:Fallback>
       <p:transition spd="slow" advClick="0" advTm="5000"/>
     </mc:Fallback>
   </mc:AlternateContent>
@@ -35013,7 +35072,7 @@
           <p:cNvPr id="5" name="Group 4">
             <a:extLst>
               <a:ext uri="{FF2B5EF4-FFF2-40B4-BE49-F238E27FC236}">
-                <a16:creationId xmlns:a16="http://schemas.microsoft.com/office/drawing/2014/main" id="{1A67F800-7980-E3CA-7188-3C478C8E98B8}"/>
+                <a16:creationId xmlns:a16="http://schemas.microsoft.com/office/drawing/2014/main" xmlns="" id="{1A67F800-7980-E3CA-7188-3C478C8E98B8}"/>
               </a:ext>
             </a:extLst>
           </p:cNvPr>
@@ -35033,7 +35092,7 @@
             <p:cNvPr id="7" name="Picture 6" descr="A picture containing text, sign, vector graphics&#10;&#10;Description automatically generated">
               <a:extLst>
                 <a:ext uri="{FF2B5EF4-FFF2-40B4-BE49-F238E27FC236}">
-                  <a16:creationId xmlns:a16="http://schemas.microsoft.com/office/drawing/2014/main" id="{15CE28B1-02BA-4014-E149-BF1EE09447ED}"/>
+                  <a16:creationId xmlns:a16="http://schemas.microsoft.com/office/drawing/2014/main" xmlns="" id="{15CE28B1-02BA-4014-E149-BF1EE09447ED}"/>
                 </a:ext>
               </a:extLst>
             </p:cNvPr>
@@ -35063,7 +35122,7 @@
             <p:cNvPr id="9" name="Picture 8" descr="Logo&#10;&#10;Description automatically generated">
               <a:extLst>
                 <a:ext uri="{FF2B5EF4-FFF2-40B4-BE49-F238E27FC236}">
-                  <a16:creationId xmlns:a16="http://schemas.microsoft.com/office/drawing/2014/main" id="{5F82FF4F-4AD2-4B3B-1445-F3C6BA268522}"/>
+                  <a16:creationId xmlns:a16="http://schemas.microsoft.com/office/drawing/2014/main" xmlns="" id="{5F82FF4F-4AD2-4B3B-1445-F3C6BA268522}"/>
                 </a:ext>
               </a:extLst>
             </p:cNvPr>
@@ -35093,7 +35152,7 @@
             <p:cNvPr id="11" name="Picture 10" descr="Logo&#10;&#10;Description automatically generated">
               <a:extLst>
                 <a:ext uri="{FF2B5EF4-FFF2-40B4-BE49-F238E27FC236}">
-                  <a16:creationId xmlns:a16="http://schemas.microsoft.com/office/drawing/2014/main" id="{68CCA8DB-9EFC-F9BC-57AE-81E4F843E863}"/>
+                  <a16:creationId xmlns:a16="http://schemas.microsoft.com/office/drawing/2014/main" xmlns="" id="{68CCA8DB-9EFC-F9BC-57AE-81E4F843E863}"/>
                 </a:ext>
               </a:extLst>
             </p:cNvPr>
@@ -35123,7 +35182,7 @@
             <p:cNvPr id="13" name="Picture 12" descr="Logo&#10;&#10;Description automatically generated">
               <a:extLst>
                 <a:ext uri="{FF2B5EF4-FFF2-40B4-BE49-F238E27FC236}">
-                  <a16:creationId xmlns:a16="http://schemas.microsoft.com/office/drawing/2014/main" id="{3FDF9297-50FA-E866-B6CE-9D64B1E892BF}"/>
+                  <a16:creationId xmlns:a16="http://schemas.microsoft.com/office/drawing/2014/main" xmlns="" id="{3FDF9297-50FA-E866-B6CE-9D64B1E892BF}"/>
                 </a:ext>
               </a:extLst>
             </p:cNvPr>
@@ -35153,7 +35212,7 @@
             <p:cNvPr id="18" name="Graphic 17">
               <a:extLst>
                 <a:ext uri="{FF2B5EF4-FFF2-40B4-BE49-F238E27FC236}">
-                  <a16:creationId xmlns:a16="http://schemas.microsoft.com/office/drawing/2014/main" id="{2A1BC0C9-7A7B-9C5B-B457-3E86E59EF29E}"/>
+                  <a16:creationId xmlns:a16="http://schemas.microsoft.com/office/drawing/2014/main" xmlns="" id="{2A1BC0C9-7A7B-9C5B-B457-3E86E59EF29E}"/>
                 </a:ext>
               </a:extLst>
             </p:cNvPr>
@@ -35166,7 +35225,7 @@
             <a:blip r:embed="rId7" cstate="print">
               <a:extLst>
                 <a:ext uri="{96DAC541-7B7A-43D3-8B79-37D633B846F1}">
-                  <asvg:svgBlip xmlns:asvg="http://schemas.microsoft.com/office/drawing/2016/SVG/main" r:embed="rId8"/>
+                  <asvg:svgBlip xmlns:asvg="http://schemas.microsoft.com/office/drawing/2016/SVG/main" xmlns="" r:embed="rId8"/>
                 </a:ext>
               </a:extLst>
             </a:blip>
@@ -35189,7 +35248,7 @@
             <p:cNvPr id="20" name="Graphic 19">
               <a:extLst>
                 <a:ext uri="{FF2B5EF4-FFF2-40B4-BE49-F238E27FC236}">
-                  <a16:creationId xmlns:a16="http://schemas.microsoft.com/office/drawing/2014/main" id="{DBE174DA-A182-7E57-06D4-86AFA26D484D}"/>
+                  <a16:creationId xmlns:a16="http://schemas.microsoft.com/office/drawing/2014/main" xmlns="" id="{DBE174DA-A182-7E57-06D4-86AFA26D484D}"/>
                 </a:ext>
               </a:extLst>
             </p:cNvPr>
@@ -35202,7 +35261,7 @@
             <a:blip r:embed="rId9" cstate="print">
               <a:extLst>
                 <a:ext uri="{96DAC541-7B7A-43D3-8B79-37D633B846F1}">
-                  <asvg:svgBlip xmlns:asvg="http://schemas.microsoft.com/office/drawing/2016/SVG/main" r:embed="rId10"/>
+                  <asvg:svgBlip xmlns:asvg="http://schemas.microsoft.com/office/drawing/2016/SVG/main" xmlns="" r:embed="rId10"/>
                 </a:ext>
               </a:extLst>
             </a:blip>
@@ -35225,7 +35284,7 @@
             <p:cNvPr id="22" name="Picture 21" descr="Logo&#10;&#10;Description automatically generated">
               <a:extLst>
                 <a:ext uri="{FF2B5EF4-FFF2-40B4-BE49-F238E27FC236}">
-                  <a16:creationId xmlns:a16="http://schemas.microsoft.com/office/drawing/2014/main" id="{9B7FFC36-A4BC-7A53-AB82-82C398A47538}"/>
+                  <a16:creationId xmlns:a16="http://schemas.microsoft.com/office/drawing/2014/main" xmlns="" id="{9B7FFC36-A4BC-7A53-AB82-82C398A47538}"/>
                 </a:ext>
               </a:extLst>
             </p:cNvPr>
@@ -35255,7 +35314,7 @@
             <p:cNvPr id="36" name="Group 35">
               <a:extLst>
                 <a:ext uri="{FF2B5EF4-FFF2-40B4-BE49-F238E27FC236}">
-                  <a16:creationId xmlns:a16="http://schemas.microsoft.com/office/drawing/2014/main" id="{3FB2AEAC-BDEE-9D5F-67A3-17CEDA699052}"/>
+                  <a16:creationId xmlns:a16="http://schemas.microsoft.com/office/drawing/2014/main" xmlns="" id="{3FB2AEAC-BDEE-9D5F-67A3-17CEDA699052}"/>
                 </a:ext>
               </a:extLst>
             </p:cNvPr>
@@ -35275,7 +35334,7 @@
               <p:cNvPr id="31" name="Straight Connector 30">
                 <a:extLst>
                   <a:ext uri="{FF2B5EF4-FFF2-40B4-BE49-F238E27FC236}">
-                    <a16:creationId xmlns:a16="http://schemas.microsoft.com/office/drawing/2014/main" id="{AA38ABD5-1637-DC80-A922-DF10E4F75CDE}"/>
+                    <a16:creationId xmlns:a16="http://schemas.microsoft.com/office/drawing/2014/main" xmlns="" id="{AA38ABD5-1637-DC80-A922-DF10E4F75CDE}"/>
                   </a:ext>
                 </a:extLst>
               </p:cNvPr>
@@ -35318,7 +35377,7 @@
               <p:cNvPr id="33" name="Picture 32">
                 <a:extLst>
                   <a:ext uri="{FF2B5EF4-FFF2-40B4-BE49-F238E27FC236}">
-                    <a16:creationId xmlns:a16="http://schemas.microsoft.com/office/drawing/2014/main" id="{617B586A-0BC5-5E32-7E67-FD277547ED69}"/>
+                    <a16:creationId xmlns:a16="http://schemas.microsoft.com/office/drawing/2014/main" xmlns="" id="{617B586A-0BC5-5E32-7E67-FD277547ED69}"/>
                   </a:ext>
                 </a:extLst>
               </p:cNvPr>
@@ -35350,7 +35409,7 @@
           <p:cNvPr id="40" name="Picture 39" descr="Logo&#10;&#10;Description automatically generated">
             <a:extLst>
               <a:ext uri="{FF2B5EF4-FFF2-40B4-BE49-F238E27FC236}">
-                <a16:creationId xmlns:a16="http://schemas.microsoft.com/office/drawing/2014/main" id="{9C30DD70-D438-6D27-35D3-8BB874966D84}"/>
+                <a16:creationId xmlns:a16="http://schemas.microsoft.com/office/drawing/2014/main" xmlns="" id="{9C30DD70-D438-6D27-35D3-8BB874966D84}"/>
               </a:ext>
             </a:extLst>
           </p:cNvPr>
@@ -35380,7 +35439,7 @@
           <p:cNvPr id="2" name="Google Shape;441;p37">
             <a:extLst>
               <a:ext uri="{FF2B5EF4-FFF2-40B4-BE49-F238E27FC236}">
-                <a16:creationId xmlns:a16="http://schemas.microsoft.com/office/drawing/2014/main" id="{2AFB472C-93C2-241B-75FA-457782840F92}"/>
+                <a16:creationId xmlns:a16="http://schemas.microsoft.com/office/drawing/2014/main" xmlns="" id="{2AFB472C-93C2-241B-75FA-457782840F92}"/>
               </a:ext>
             </a:extLst>
           </p:cNvPr>
@@ -35685,7 +35744,7 @@
           <p:cNvPr id="14" name="Картина 13">
             <a:extLst>
               <a:ext uri="{FF2B5EF4-FFF2-40B4-BE49-F238E27FC236}">
-                <a16:creationId xmlns:a16="http://schemas.microsoft.com/office/drawing/2014/main" id="{54B365E9-8FD0-6D5B-2DFC-723EE5DDD555}"/>
+                <a16:creationId xmlns:a16="http://schemas.microsoft.com/office/drawing/2014/main" xmlns="" id="{54B365E9-8FD0-6D5B-2DFC-723EE5DDD555}"/>
               </a:ext>
             </a:extLst>
           </p:cNvPr>
@@ -35715,7 +35774,7 @@
           <p:cNvPr id="16" name="Картина 15">
             <a:extLst>
               <a:ext uri="{FF2B5EF4-FFF2-40B4-BE49-F238E27FC236}">
-                <a16:creationId xmlns:a16="http://schemas.microsoft.com/office/drawing/2014/main" id="{3BD6ABFC-02BF-2D42-B42B-6929222F37B6}"/>
+                <a16:creationId xmlns:a16="http://schemas.microsoft.com/office/drawing/2014/main" xmlns="" id="{3BD6ABFC-02BF-2D42-B42B-6929222F37B6}"/>
               </a:ext>
             </a:extLst>
           </p:cNvPr>
@@ -35743,7 +35802,7 @@
     </p:spTree>
     <p:extLst>
       <p:ext uri="{BB962C8B-B14F-4D97-AF65-F5344CB8AC3E}">
-        <p14:creationId xmlns:p14="http://schemas.microsoft.com/office/powerpoint/2010/main" val="2144060659"/>
+        <p14:creationId xmlns:p14="http://schemas.microsoft.com/office/powerpoint/2010/main" xmlns="" val="2144060659"/>
       </p:ext>
     </p:extLst>
   </p:cSld>
@@ -35775,7 +35834,7 @@
           <p:cNvPr id="5" name="Slide Number">
             <a:extLst>
               <a:ext uri="{FF2B5EF4-FFF2-40B4-BE49-F238E27FC236}">
-                <a16:creationId xmlns:a16="http://schemas.microsoft.com/office/drawing/2014/main" id="{F48C3C93-90A1-4D31-BEA6-B54D1106CE31}"/>
+                <a16:creationId xmlns:a16="http://schemas.microsoft.com/office/drawing/2014/main" xmlns="" id="{F48C3C93-90A1-4D31-BEA6-B54D1106CE31}"/>
               </a:ext>
             </a:extLst>
           </p:cNvPr>
@@ -35817,7 +35876,7 @@
           <p:cNvPr id="2" name="Slide Body">
             <a:extLst>
               <a:ext uri="{FF2B5EF4-FFF2-40B4-BE49-F238E27FC236}">
-                <a16:creationId xmlns:a16="http://schemas.microsoft.com/office/drawing/2014/main" id="{980F49B1-E4BE-4389-A747-7AB9B71AD920}"/>
+                <a16:creationId xmlns:a16="http://schemas.microsoft.com/office/drawing/2014/main" xmlns="" id="{980F49B1-E4BE-4389-A747-7AB9B71AD920}"/>
               </a:ext>
             </a:extLst>
           </p:cNvPr>
@@ -35951,7 +36010,7 @@
           <p:cNvPr id="6" name="Picture License" descr="License">
             <a:extLst>
               <a:ext uri="{FF2B5EF4-FFF2-40B4-BE49-F238E27FC236}">
-                <a16:creationId xmlns:a16="http://schemas.microsoft.com/office/drawing/2014/main" id="{A10A2585-858C-4B1E-8846-27CF1C15729E}"/>
+                <a16:creationId xmlns:a16="http://schemas.microsoft.com/office/drawing/2014/main" xmlns="" id="{A10A2585-858C-4B1E-8846-27CF1C15729E}"/>
               </a:ext>
             </a:extLst>
           </p:cNvPr>
@@ -35992,7 +36051,7 @@
           <p:cNvPr id="3" name="Slide Title">
             <a:extLst>
               <a:ext uri="{FF2B5EF4-FFF2-40B4-BE49-F238E27FC236}">
-                <a16:creationId xmlns:a16="http://schemas.microsoft.com/office/drawing/2014/main" id="{E5F1FB41-80C3-4816-BC47-CCC50632E6E8}"/>
+                <a16:creationId xmlns:a16="http://schemas.microsoft.com/office/drawing/2014/main" xmlns="" id="{E5F1FB41-80C3-4816-BC47-CCC50632E6E8}"/>
               </a:ext>
             </a:extLst>
           </p:cNvPr>
@@ -36018,18 +36077,18 @@
     </p:spTree>
     <p:extLst>
       <p:ext uri="{BB962C8B-B14F-4D97-AF65-F5344CB8AC3E}">
-        <p14:creationId xmlns:p14="http://schemas.microsoft.com/office/powerpoint/2010/main" val="3506533871"/>
+        <p14:creationId xmlns:p14="http://schemas.microsoft.com/office/powerpoint/2010/main" xmlns="" val="3506533871"/>
       </p:ext>
     </p:extLst>
   </p:cSld>
   <p:clrMapOvr>
     <a:masterClrMapping/>
   </p:clrMapOvr>
-  <mc:AlternateContent xmlns:mc="http://schemas.openxmlformats.org/markup-compatibility/2006" xmlns:p14="http://schemas.microsoft.com/office/powerpoint/2010/main">
-    <mc:Choice Requires="p14">
+  <mc:AlternateContent xmlns:mc="http://schemas.openxmlformats.org/markup-compatibility/2006">
+    <mc:Choice xmlns:p14="http://schemas.microsoft.com/office/powerpoint/2010/main" xmlns="" Requires="p14">
       <p:transition spd="slow" p14:dur="2000" advClick="0" advTm="5000"/>
     </mc:Choice>
-    <mc:Fallback xmlns="">
+    <mc:Fallback>
       <p:transition spd="slow" advClick="0" advTm="5000"/>
     </mc:Fallback>
   </mc:AlternateContent>
@@ -36374,7 +36433,7 @@
     </p:spTree>
     <p:extLst>
       <p:ext uri="{BB962C8B-B14F-4D97-AF65-F5344CB8AC3E}">
-        <p14:creationId xmlns:p14="http://schemas.microsoft.com/office/powerpoint/2010/main" val="800074320"/>
+        <p14:creationId xmlns:p14="http://schemas.microsoft.com/office/powerpoint/2010/main" xmlns="" val="800074320"/>
       </p:ext>
     </p:extLst>
   </p:cSld>
@@ -37116,7 +37175,7 @@
           <p:nvPr>
             <p:extLst>
               <p:ext uri="{D42A27DB-BD31-4B8C-83A1-F6EECF244321}">
-                <p14:modId xmlns:p14="http://schemas.microsoft.com/office/powerpoint/2010/main" val="1157345507"/>
+                <p14:modId xmlns:p14="http://schemas.microsoft.com/office/powerpoint/2010/main" xmlns="" val="1157345507"/>
               </p:ext>
             </p:extLst>
           </p:nvPr>
@@ -37135,21 +37194,21 @@
                 <a:gridCol w="1093732">
                   <a:extLst>
                     <a:ext uri="{9D8B030D-6E8A-4147-A177-3AD203B41FA5}">
-                      <a16:colId xmlns:a16="http://schemas.microsoft.com/office/drawing/2014/main" val="20000"/>
+                      <a16:colId xmlns:a16="http://schemas.microsoft.com/office/drawing/2014/main" xmlns="" val="20000"/>
                     </a:ext>
                   </a:extLst>
                 </a:gridCol>
                 <a:gridCol w="1397165">
                   <a:extLst>
                     <a:ext uri="{9D8B030D-6E8A-4147-A177-3AD203B41FA5}">
-                      <a16:colId xmlns:a16="http://schemas.microsoft.com/office/drawing/2014/main" val="20001"/>
+                      <a16:colId xmlns:a16="http://schemas.microsoft.com/office/drawing/2014/main" xmlns="" val="20001"/>
                     </a:ext>
                   </a:extLst>
                 </a:gridCol>
                 <a:gridCol w="2766903">
                   <a:extLst>
                     <a:ext uri="{9D8B030D-6E8A-4147-A177-3AD203B41FA5}">
-                      <a16:colId xmlns:a16="http://schemas.microsoft.com/office/drawing/2014/main" val="20002"/>
+                      <a16:colId xmlns:a16="http://schemas.microsoft.com/office/drawing/2014/main" xmlns="" val="20002"/>
                     </a:ext>
                   </a:extLst>
                 </a:gridCol>
@@ -37355,7 +37414,7 @@
                 </a:tc>
                 <a:extLst>
                   <a:ext uri="{0D108BD9-81ED-4DB2-BD59-A6C34878D82A}">
-                    <a16:rowId xmlns:a16="http://schemas.microsoft.com/office/drawing/2014/main" val="10000"/>
+                    <a16:rowId xmlns:a16="http://schemas.microsoft.com/office/drawing/2014/main" xmlns="" val="10000"/>
                   </a:ext>
                 </a:extLst>
               </a:tr>
@@ -37551,7 +37610,7 @@
                 </a:tc>
                 <a:extLst>
                   <a:ext uri="{0D108BD9-81ED-4DB2-BD59-A6C34878D82A}">
-                    <a16:rowId xmlns:a16="http://schemas.microsoft.com/office/drawing/2014/main" val="10001"/>
+                    <a16:rowId xmlns:a16="http://schemas.microsoft.com/office/drawing/2014/main" xmlns="" val="10001"/>
                   </a:ext>
                 </a:extLst>
               </a:tr>
@@ -37735,7 +37794,7 @@
                 </a:tc>
                 <a:extLst>
                   <a:ext uri="{0D108BD9-81ED-4DB2-BD59-A6C34878D82A}">
-                    <a16:rowId xmlns:a16="http://schemas.microsoft.com/office/drawing/2014/main" val="10002"/>
+                    <a16:rowId xmlns:a16="http://schemas.microsoft.com/office/drawing/2014/main" xmlns="" val="10002"/>
                   </a:ext>
                 </a:extLst>
               </a:tr>
@@ -37922,7 +37981,7 @@
                 </a:tc>
                 <a:extLst>
                   <a:ext uri="{0D108BD9-81ED-4DB2-BD59-A6C34878D82A}">
-                    <a16:rowId xmlns:a16="http://schemas.microsoft.com/office/drawing/2014/main" val="10003"/>
+                    <a16:rowId xmlns:a16="http://schemas.microsoft.com/office/drawing/2014/main" xmlns="" val="10003"/>
                   </a:ext>
                 </a:extLst>
               </a:tr>
@@ -38109,7 +38168,7 @@
                 </a:tc>
                 <a:extLst>
                   <a:ext uri="{0D108BD9-81ED-4DB2-BD59-A6C34878D82A}">
-                    <a16:rowId xmlns:a16="http://schemas.microsoft.com/office/drawing/2014/main" val="10004"/>
+                    <a16:rowId xmlns:a16="http://schemas.microsoft.com/office/drawing/2014/main" xmlns="" val="10004"/>
                   </a:ext>
                 </a:extLst>
               </a:tr>
@@ -38287,7 +38346,7 @@
                 </a:tc>
                 <a:extLst>
                   <a:ext uri="{0D108BD9-81ED-4DB2-BD59-A6C34878D82A}">
-                    <a16:rowId xmlns:a16="http://schemas.microsoft.com/office/drawing/2014/main" val="10005"/>
+                    <a16:rowId xmlns:a16="http://schemas.microsoft.com/office/drawing/2014/main" xmlns="" val="10005"/>
                   </a:ext>
                 </a:extLst>
               </a:tr>
@@ -38304,7 +38363,7 @@
           <p:nvPr>
             <p:extLst>
               <p:ext uri="{D42A27DB-BD31-4B8C-83A1-F6EECF244321}">
-                <p14:modId xmlns:p14="http://schemas.microsoft.com/office/powerpoint/2010/main" val="3093635694"/>
+                <p14:modId xmlns:p14="http://schemas.microsoft.com/office/powerpoint/2010/main" xmlns="" val="3093635694"/>
               </p:ext>
             </p:extLst>
           </p:nvPr>
@@ -38323,14 +38382,14 @@
                 <a:gridCol w="955966">
                   <a:extLst>
                     <a:ext uri="{9D8B030D-6E8A-4147-A177-3AD203B41FA5}">
-                      <a16:colId xmlns:a16="http://schemas.microsoft.com/office/drawing/2014/main" val="20000"/>
+                      <a16:colId xmlns:a16="http://schemas.microsoft.com/office/drawing/2014/main" xmlns="" val="20000"/>
                     </a:ext>
                   </a:extLst>
                 </a:gridCol>
                 <a:gridCol w="1991590">
                   <a:extLst>
                     <a:ext uri="{9D8B030D-6E8A-4147-A177-3AD203B41FA5}">
-                      <a16:colId xmlns:a16="http://schemas.microsoft.com/office/drawing/2014/main" val="20001"/>
+                      <a16:colId xmlns:a16="http://schemas.microsoft.com/office/drawing/2014/main" xmlns="" val="20001"/>
                     </a:ext>
                   </a:extLst>
                 </a:gridCol>
@@ -38466,7 +38525,7 @@
                 </a:tc>
                 <a:extLst>
                   <a:ext uri="{0D108BD9-81ED-4DB2-BD59-A6C34878D82A}">
-                    <a16:rowId xmlns:a16="http://schemas.microsoft.com/office/drawing/2014/main" val="10000"/>
+                    <a16:rowId xmlns:a16="http://schemas.microsoft.com/office/drawing/2014/main" xmlns="" val="10000"/>
                   </a:ext>
                 </a:extLst>
               </a:tr>
@@ -38585,7 +38644,7 @@
                 </a:tc>
                 <a:extLst>
                   <a:ext uri="{0D108BD9-81ED-4DB2-BD59-A6C34878D82A}">
-                    <a16:rowId xmlns:a16="http://schemas.microsoft.com/office/drawing/2014/main" val="10001"/>
+                    <a16:rowId xmlns:a16="http://schemas.microsoft.com/office/drawing/2014/main" xmlns="" val="10001"/>
                   </a:ext>
                 </a:extLst>
               </a:tr>
@@ -38710,7 +38769,7 @@
                 </a:tc>
                 <a:extLst>
                   <a:ext uri="{0D108BD9-81ED-4DB2-BD59-A6C34878D82A}">
-                    <a16:rowId xmlns:a16="http://schemas.microsoft.com/office/drawing/2014/main" val="10002"/>
+                    <a16:rowId xmlns:a16="http://schemas.microsoft.com/office/drawing/2014/main" xmlns="" val="10002"/>
                   </a:ext>
                 </a:extLst>
               </a:tr>
@@ -38829,7 +38888,7 @@
                 </a:tc>
                 <a:extLst>
                   <a:ext uri="{0D108BD9-81ED-4DB2-BD59-A6C34878D82A}">
-                    <a16:rowId xmlns:a16="http://schemas.microsoft.com/office/drawing/2014/main" val="10003"/>
+                    <a16:rowId xmlns:a16="http://schemas.microsoft.com/office/drawing/2014/main" xmlns="" val="10003"/>
                   </a:ext>
                 </a:extLst>
               </a:tr>
@@ -38840,7 +38899,7 @@
     </p:spTree>
     <p:extLst>
       <p:ext uri="{BB962C8B-B14F-4D97-AF65-F5344CB8AC3E}">
-        <p14:creationId xmlns:p14="http://schemas.microsoft.com/office/powerpoint/2010/main" val="954313343"/>
+        <p14:creationId xmlns:p14="http://schemas.microsoft.com/office/powerpoint/2010/main" xmlns="" val="954313343"/>
       </p:ext>
     </p:extLst>
   </p:cSld>
@@ -39818,7 +39877,7 @@
           <p:nvPr>
             <p:extLst>
               <p:ext uri="{D42A27DB-BD31-4B8C-83A1-F6EECF244321}">
-                <p14:modId xmlns:p14="http://schemas.microsoft.com/office/powerpoint/2010/main" val="1267441557"/>
+                <p14:modId xmlns:p14="http://schemas.microsoft.com/office/powerpoint/2010/main" xmlns="" val="1267441557"/>
               </p:ext>
             </p:extLst>
           </p:nvPr>
@@ -39837,14 +39896,14 @@
                 <a:gridCol w="980302">
                   <a:extLst>
                     <a:ext uri="{9D8B030D-6E8A-4147-A177-3AD203B41FA5}">
-                      <a16:colId xmlns:a16="http://schemas.microsoft.com/office/drawing/2014/main" val="20000"/>
+                      <a16:colId xmlns:a16="http://schemas.microsoft.com/office/drawing/2014/main" xmlns="" val="20000"/>
                     </a:ext>
                   </a:extLst>
                 </a:gridCol>
                 <a:gridCol w="1610498">
                   <a:extLst>
                     <a:ext uri="{9D8B030D-6E8A-4147-A177-3AD203B41FA5}">
-                      <a16:colId xmlns:a16="http://schemas.microsoft.com/office/drawing/2014/main" val="20001"/>
+                      <a16:colId xmlns:a16="http://schemas.microsoft.com/office/drawing/2014/main" xmlns="" val="20001"/>
                     </a:ext>
                   </a:extLst>
                 </a:gridCol>
@@ -39980,7 +40039,7 @@
                 </a:tc>
                 <a:extLst>
                   <a:ext uri="{0D108BD9-81ED-4DB2-BD59-A6C34878D82A}">
-                    <a16:rowId xmlns:a16="http://schemas.microsoft.com/office/drawing/2014/main" val="10000"/>
+                    <a16:rowId xmlns:a16="http://schemas.microsoft.com/office/drawing/2014/main" xmlns="" val="10000"/>
                   </a:ext>
                 </a:extLst>
               </a:tr>
@@ -40099,7 +40158,7 @@
                 </a:tc>
                 <a:extLst>
                   <a:ext uri="{0D108BD9-81ED-4DB2-BD59-A6C34878D82A}">
-                    <a16:rowId xmlns:a16="http://schemas.microsoft.com/office/drawing/2014/main" val="10001"/>
+                    <a16:rowId xmlns:a16="http://schemas.microsoft.com/office/drawing/2014/main" xmlns="" val="10001"/>
                   </a:ext>
                 </a:extLst>
               </a:tr>
@@ -40224,7 +40283,7 @@
                 </a:tc>
                 <a:extLst>
                   <a:ext uri="{0D108BD9-81ED-4DB2-BD59-A6C34878D82A}">
-                    <a16:rowId xmlns:a16="http://schemas.microsoft.com/office/drawing/2014/main" val="10002"/>
+                    <a16:rowId xmlns:a16="http://schemas.microsoft.com/office/drawing/2014/main" xmlns="" val="10002"/>
                   </a:ext>
                 </a:extLst>
               </a:tr>
@@ -40349,7 +40408,7 @@
                 </a:tc>
                 <a:extLst>
                   <a:ext uri="{0D108BD9-81ED-4DB2-BD59-A6C34878D82A}">
-                    <a16:rowId xmlns:a16="http://schemas.microsoft.com/office/drawing/2014/main" val="10003"/>
+                    <a16:rowId xmlns:a16="http://schemas.microsoft.com/office/drawing/2014/main" xmlns="" val="10003"/>
                   </a:ext>
                 </a:extLst>
               </a:tr>
@@ -40468,7 +40527,7 @@
                 </a:tc>
                 <a:extLst>
                   <a:ext uri="{0D108BD9-81ED-4DB2-BD59-A6C34878D82A}">
-                    <a16:rowId xmlns:a16="http://schemas.microsoft.com/office/drawing/2014/main" val="10004"/>
+                    <a16:rowId xmlns:a16="http://schemas.microsoft.com/office/drawing/2014/main" xmlns="" val="10004"/>
                   </a:ext>
                 </a:extLst>
               </a:tr>
@@ -40552,7 +40611,7 @@
           <p:nvPr>
             <p:extLst>
               <p:ext uri="{D42A27DB-BD31-4B8C-83A1-F6EECF244321}">
-                <p14:modId xmlns:p14="http://schemas.microsoft.com/office/powerpoint/2010/main" val="1906951290"/>
+                <p14:modId xmlns:p14="http://schemas.microsoft.com/office/powerpoint/2010/main" xmlns="" val="1906951290"/>
               </p:ext>
             </p:extLst>
           </p:nvPr>
@@ -40571,14 +40630,14 @@
                 <a:gridCol w="1409700">
                   <a:extLst>
                     <a:ext uri="{9D8B030D-6E8A-4147-A177-3AD203B41FA5}">
-                      <a16:colId xmlns:a16="http://schemas.microsoft.com/office/drawing/2014/main" val="20000"/>
+                      <a16:colId xmlns:a16="http://schemas.microsoft.com/office/drawing/2014/main" xmlns="" val="20000"/>
                     </a:ext>
                   </a:extLst>
                 </a:gridCol>
                 <a:gridCol w="1409700">
                   <a:extLst>
                     <a:ext uri="{9D8B030D-6E8A-4147-A177-3AD203B41FA5}">
-                      <a16:colId xmlns:a16="http://schemas.microsoft.com/office/drawing/2014/main" val="20001"/>
+                      <a16:colId xmlns:a16="http://schemas.microsoft.com/office/drawing/2014/main" xmlns="" val="20001"/>
                     </a:ext>
                   </a:extLst>
                 </a:gridCol>
@@ -40730,7 +40789,7 @@
                 </a:tc>
                 <a:extLst>
                   <a:ext uri="{0D108BD9-81ED-4DB2-BD59-A6C34878D82A}">
-                    <a16:rowId xmlns:a16="http://schemas.microsoft.com/office/drawing/2014/main" val="10000"/>
+                    <a16:rowId xmlns:a16="http://schemas.microsoft.com/office/drawing/2014/main" xmlns="" val="10000"/>
                   </a:ext>
                 </a:extLst>
               </a:tr>
@@ -40815,7 +40874,7 @@
                 </a:tc>
                 <a:extLst>
                   <a:ext uri="{0D108BD9-81ED-4DB2-BD59-A6C34878D82A}">
-                    <a16:rowId xmlns:a16="http://schemas.microsoft.com/office/drawing/2014/main" val="10001"/>
+                    <a16:rowId xmlns:a16="http://schemas.microsoft.com/office/drawing/2014/main" xmlns="" val="10001"/>
                   </a:ext>
                 </a:extLst>
               </a:tr>
@@ -40906,7 +40965,7 @@
                 </a:tc>
                 <a:extLst>
                   <a:ext uri="{0D108BD9-81ED-4DB2-BD59-A6C34878D82A}">
-                    <a16:rowId xmlns:a16="http://schemas.microsoft.com/office/drawing/2014/main" val="10002"/>
+                    <a16:rowId xmlns:a16="http://schemas.microsoft.com/office/drawing/2014/main" xmlns="" val="10002"/>
                   </a:ext>
                 </a:extLst>
               </a:tr>
@@ -41003,7 +41062,7 @@
                 </a:tc>
                 <a:extLst>
                   <a:ext uri="{0D108BD9-81ED-4DB2-BD59-A6C34878D82A}">
-                    <a16:rowId xmlns:a16="http://schemas.microsoft.com/office/drawing/2014/main" val="10003"/>
+                    <a16:rowId xmlns:a16="http://schemas.microsoft.com/office/drawing/2014/main" xmlns="" val="10003"/>
                   </a:ext>
                 </a:extLst>
               </a:tr>
@@ -41094,7 +41153,7 @@
                 </a:tc>
                 <a:extLst>
                   <a:ext uri="{0D108BD9-81ED-4DB2-BD59-A6C34878D82A}">
-                    <a16:rowId xmlns:a16="http://schemas.microsoft.com/office/drawing/2014/main" val="10004"/>
+                    <a16:rowId xmlns:a16="http://schemas.microsoft.com/office/drawing/2014/main" xmlns="" val="10004"/>
                   </a:ext>
                 </a:extLst>
               </a:tr>
@@ -41111,7 +41170,7 @@
           <p:nvPr>
             <p:extLst>
               <p:ext uri="{D42A27DB-BD31-4B8C-83A1-F6EECF244321}">
-                <p14:modId xmlns:p14="http://schemas.microsoft.com/office/powerpoint/2010/main" val="2051134192"/>
+                <p14:modId xmlns:p14="http://schemas.microsoft.com/office/powerpoint/2010/main" xmlns="" val="2051134192"/>
               </p:ext>
             </p:extLst>
           </p:nvPr>
@@ -41130,14 +41189,14 @@
                 <a:gridCol w="1066800">
                   <a:extLst>
                     <a:ext uri="{9D8B030D-6E8A-4147-A177-3AD203B41FA5}">
-                      <a16:colId xmlns:a16="http://schemas.microsoft.com/office/drawing/2014/main" val="20000"/>
+                      <a16:colId xmlns:a16="http://schemas.microsoft.com/office/drawing/2014/main" xmlns="" val="20000"/>
                     </a:ext>
                   </a:extLst>
                 </a:gridCol>
                 <a:gridCol w="1600200">
                   <a:extLst>
                     <a:ext uri="{9D8B030D-6E8A-4147-A177-3AD203B41FA5}">
-                      <a16:colId xmlns:a16="http://schemas.microsoft.com/office/drawing/2014/main" val="20001"/>
+                      <a16:colId xmlns:a16="http://schemas.microsoft.com/office/drawing/2014/main" xmlns="" val="20001"/>
                     </a:ext>
                   </a:extLst>
                 </a:gridCol>
@@ -41269,7 +41328,7 @@
                 </a:tc>
                 <a:extLst>
                   <a:ext uri="{0D108BD9-81ED-4DB2-BD59-A6C34878D82A}">
-                    <a16:rowId xmlns:a16="http://schemas.microsoft.com/office/drawing/2014/main" val="10000"/>
+                    <a16:rowId xmlns:a16="http://schemas.microsoft.com/office/drawing/2014/main" xmlns="" val="10000"/>
                   </a:ext>
                 </a:extLst>
               </a:tr>
@@ -41365,7 +41424,7 @@
                 </a:tc>
                 <a:extLst>
                   <a:ext uri="{0D108BD9-81ED-4DB2-BD59-A6C34878D82A}">
-                    <a16:rowId xmlns:a16="http://schemas.microsoft.com/office/drawing/2014/main" val="10001"/>
+                    <a16:rowId xmlns:a16="http://schemas.microsoft.com/office/drawing/2014/main" xmlns="" val="10001"/>
                   </a:ext>
                 </a:extLst>
               </a:tr>
@@ -41456,7 +41515,7 @@
                 </a:tc>
                 <a:extLst>
                   <a:ext uri="{0D108BD9-81ED-4DB2-BD59-A6C34878D82A}">
-                    <a16:rowId xmlns:a16="http://schemas.microsoft.com/office/drawing/2014/main" val="10002"/>
+                    <a16:rowId xmlns:a16="http://schemas.microsoft.com/office/drawing/2014/main" xmlns="" val="10002"/>
                   </a:ext>
                 </a:extLst>
               </a:tr>
@@ -41553,7 +41612,7 @@
                 </a:tc>
                 <a:extLst>
                   <a:ext uri="{0D108BD9-81ED-4DB2-BD59-A6C34878D82A}">
-                    <a16:rowId xmlns:a16="http://schemas.microsoft.com/office/drawing/2014/main" val="10003"/>
+                    <a16:rowId xmlns:a16="http://schemas.microsoft.com/office/drawing/2014/main" xmlns="" val="10003"/>
                   </a:ext>
                 </a:extLst>
               </a:tr>
@@ -41564,7 +41623,7 @@
     </p:spTree>
     <p:extLst>
       <p:ext uri="{BB962C8B-B14F-4D97-AF65-F5344CB8AC3E}">
-        <p14:creationId xmlns:p14="http://schemas.microsoft.com/office/powerpoint/2010/main" val="2484399899"/>
+        <p14:creationId xmlns:p14="http://schemas.microsoft.com/office/powerpoint/2010/main" xmlns="" val="2484399899"/>
       </p:ext>
     </p:extLst>
   </p:cSld>
@@ -42417,7 +42476,7 @@
           <p:nvPr>
             <p:extLst>
               <p:ext uri="{D42A27DB-BD31-4B8C-83A1-F6EECF244321}">
-                <p14:modId xmlns:p14="http://schemas.microsoft.com/office/powerpoint/2010/main" val="1102571627"/>
+                <p14:modId xmlns:p14="http://schemas.microsoft.com/office/powerpoint/2010/main" xmlns="" val="1102571627"/>
               </p:ext>
             </p:extLst>
           </p:nvPr>
@@ -42436,21 +42495,21 @@
                 <a:gridCol w="871728">
                   <a:extLst>
                     <a:ext uri="{9D8B030D-6E8A-4147-A177-3AD203B41FA5}">
-                      <a16:colId xmlns:a16="http://schemas.microsoft.com/office/drawing/2014/main" val="20000"/>
+                      <a16:colId xmlns:a16="http://schemas.microsoft.com/office/drawing/2014/main" xmlns="" val="20000"/>
                     </a:ext>
                   </a:extLst>
                 </a:gridCol>
                 <a:gridCol w="1261872">
                   <a:extLst>
                     <a:ext uri="{9D8B030D-6E8A-4147-A177-3AD203B41FA5}">
-                      <a16:colId xmlns:a16="http://schemas.microsoft.com/office/drawing/2014/main" val="20001"/>
+                      <a16:colId xmlns:a16="http://schemas.microsoft.com/office/drawing/2014/main" xmlns="" val="20001"/>
                     </a:ext>
                   </a:extLst>
                 </a:gridCol>
                 <a:gridCol w="1219200">
                   <a:extLst>
                     <a:ext uri="{9D8B030D-6E8A-4147-A177-3AD203B41FA5}">
-                      <a16:colId xmlns:a16="http://schemas.microsoft.com/office/drawing/2014/main" val="20002"/>
+                      <a16:colId xmlns:a16="http://schemas.microsoft.com/office/drawing/2014/main" xmlns="" val="20002"/>
                     </a:ext>
                   </a:extLst>
                 </a:gridCol>
@@ -42644,7 +42703,7 @@
                 </a:tc>
                 <a:extLst>
                   <a:ext uri="{0D108BD9-81ED-4DB2-BD59-A6C34878D82A}">
-                    <a16:rowId xmlns:a16="http://schemas.microsoft.com/office/drawing/2014/main" val="10000"/>
+                    <a16:rowId xmlns:a16="http://schemas.microsoft.com/office/drawing/2014/main" xmlns="" val="10000"/>
                   </a:ext>
                 </a:extLst>
               </a:tr>
@@ -42784,7 +42843,7 @@
                 </a:tc>
                 <a:extLst>
                   <a:ext uri="{0D108BD9-81ED-4DB2-BD59-A6C34878D82A}">
-                    <a16:rowId xmlns:a16="http://schemas.microsoft.com/office/drawing/2014/main" val="10001"/>
+                    <a16:rowId xmlns:a16="http://schemas.microsoft.com/office/drawing/2014/main" xmlns="" val="10001"/>
                   </a:ext>
                 </a:extLst>
               </a:tr>
@@ -42931,7 +42990,7 @@
                 </a:tc>
                 <a:extLst>
                   <a:ext uri="{0D108BD9-81ED-4DB2-BD59-A6C34878D82A}">
-                    <a16:rowId xmlns:a16="http://schemas.microsoft.com/office/drawing/2014/main" val="10002"/>
+                    <a16:rowId xmlns:a16="http://schemas.microsoft.com/office/drawing/2014/main" xmlns="" val="10002"/>
                   </a:ext>
                 </a:extLst>
               </a:tr>
@@ -43086,7 +43145,7 @@
                 </a:tc>
                 <a:extLst>
                   <a:ext uri="{0D108BD9-81ED-4DB2-BD59-A6C34878D82A}">
-                    <a16:rowId xmlns:a16="http://schemas.microsoft.com/office/drawing/2014/main" val="10003"/>
+                    <a16:rowId xmlns:a16="http://schemas.microsoft.com/office/drawing/2014/main" xmlns="" val="10003"/>
                   </a:ext>
                 </a:extLst>
               </a:tr>
@@ -43249,7 +43308,7 @@
           <p:nvPr>
             <p:extLst>
               <p:ext uri="{D42A27DB-BD31-4B8C-83A1-F6EECF244321}">
-                <p14:modId xmlns:p14="http://schemas.microsoft.com/office/powerpoint/2010/main" val="1102571627"/>
+                <p14:modId xmlns:p14="http://schemas.microsoft.com/office/powerpoint/2010/main" xmlns="" val="1102571627"/>
               </p:ext>
             </p:extLst>
           </p:nvPr>
@@ -43268,14 +43327,14 @@
                 <a:gridCol w="1098176">
                   <a:extLst>
                     <a:ext uri="{9D8B030D-6E8A-4147-A177-3AD203B41FA5}">
-                      <a16:colId xmlns:a16="http://schemas.microsoft.com/office/drawing/2014/main" val="20000"/>
+                      <a16:colId xmlns:a16="http://schemas.microsoft.com/office/drawing/2014/main" xmlns="" val="20000"/>
                     </a:ext>
                   </a:extLst>
                 </a:gridCol>
                 <a:gridCol w="2635624">
                   <a:extLst>
                     <a:ext uri="{9D8B030D-6E8A-4147-A177-3AD203B41FA5}">
-                      <a16:colId xmlns:a16="http://schemas.microsoft.com/office/drawing/2014/main" val="20001"/>
+                      <a16:colId xmlns:a16="http://schemas.microsoft.com/office/drawing/2014/main" xmlns="" val="20001"/>
                     </a:ext>
                   </a:extLst>
                 </a:gridCol>
@@ -43407,7 +43466,7 @@
                 </a:tc>
                 <a:extLst>
                   <a:ext uri="{0D108BD9-81ED-4DB2-BD59-A6C34878D82A}">
-                    <a16:rowId xmlns:a16="http://schemas.microsoft.com/office/drawing/2014/main" val="10000"/>
+                    <a16:rowId xmlns:a16="http://schemas.microsoft.com/office/drawing/2014/main" xmlns="" val="10000"/>
                   </a:ext>
                 </a:extLst>
               </a:tr>
@@ -43500,7 +43559,7 @@
                 </a:tc>
                 <a:extLst>
                   <a:ext uri="{0D108BD9-81ED-4DB2-BD59-A6C34878D82A}">
-                    <a16:rowId xmlns:a16="http://schemas.microsoft.com/office/drawing/2014/main" val="10001"/>
+                    <a16:rowId xmlns:a16="http://schemas.microsoft.com/office/drawing/2014/main" xmlns="" val="10001"/>
                   </a:ext>
                 </a:extLst>
               </a:tr>
@@ -43591,7 +43650,7 @@
                 </a:tc>
                 <a:extLst>
                   <a:ext uri="{0D108BD9-81ED-4DB2-BD59-A6C34878D82A}">
-                    <a16:rowId xmlns:a16="http://schemas.microsoft.com/office/drawing/2014/main" val="10002"/>
+                    <a16:rowId xmlns:a16="http://schemas.microsoft.com/office/drawing/2014/main" xmlns="" val="10002"/>
                   </a:ext>
                 </a:extLst>
               </a:tr>
@@ -43754,7 +43813,7 @@
           <p:nvPr>
             <p:extLst>
               <p:ext uri="{D42A27DB-BD31-4B8C-83A1-F6EECF244321}">
-                <p14:modId xmlns:p14="http://schemas.microsoft.com/office/powerpoint/2010/main" val="1315327295"/>
+                <p14:modId xmlns:p14="http://schemas.microsoft.com/office/powerpoint/2010/main" xmlns="" val="1315327295"/>
               </p:ext>
             </p:extLst>
           </p:nvPr>
@@ -43773,14 +43832,14 @@
                 <a:gridCol w="1219200">
                   <a:extLst>
                     <a:ext uri="{9D8B030D-6E8A-4147-A177-3AD203B41FA5}">
-                      <a16:colId xmlns:a16="http://schemas.microsoft.com/office/drawing/2014/main" val="20000"/>
+                      <a16:colId xmlns:a16="http://schemas.microsoft.com/office/drawing/2014/main" xmlns="" val="20000"/>
                     </a:ext>
                   </a:extLst>
                 </a:gridCol>
                 <a:gridCol w="1219200">
                   <a:extLst>
                     <a:ext uri="{9D8B030D-6E8A-4147-A177-3AD203B41FA5}">
-                      <a16:colId xmlns:a16="http://schemas.microsoft.com/office/drawing/2014/main" val="20001"/>
+                      <a16:colId xmlns:a16="http://schemas.microsoft.com/office/drawing/2014/main" xmlns="" val="20001"/>
                     </a:ext>
                   </a:extLst>
                 </a:gridCol>
@@ -43912,7 +43971,7 @@
                 </a:tc>
                 <a:extLst>
                   <a:ext uri="{0D108BD9-81ED-4DB2-BD59-A6C34878D82A}">
-                    <a16:rowId xmlns:a16="http://schemas.microsoft.com/office/drawing/2014/main" val="10000"/>
+                    <a16:rowId xmlns:a16="http://schemas.microsoft.com/office/drawing/2014/main" xmlns="" val="10000"/>
                   </a:ext>
                 </a:extLst>
               </a:tr>
@@ -44004,7 +44063,7 @@
                 </a:tc>
                 <a:extLst>
                   <a:ext uri="{0D108BD9-81ED-4DB2-BD59-A6C34878D82A}">
-                    <a16:rowId xmlns:a16="http://schemas.microsoft.com/office/drawing/2014/main" val="10001"/>
+                    <a16:rowId xmlns:a16="http://schemas.microsoft.com/office/drawing/2014/main" xmlns="" val="10001"/>
                   </a:ext>
                 </a:extLst>
               </a:tr>
@@ -44092,7 +44151,7 @@
     </p:spTree>
     <p:extLst>
       <p:ext uri="{BB962C8B-B14F-4D97-AF65-F5344CB8AC3E}">
-        <p14:creationId xmlns:p14="http://schemas.microsoft.com/office/powerpoint/2010/main" val="335306271"/>
+        <p14:creationId xmlns:p14="http://schemas.microsoft.com/office/powerpoint/2010/main" xmlns="" val="335306271"/>
       </p:ext>
     </p:extLst>
   </p:cSld>
@@ -44864,7 +44923,7 @@
           <p:nvPr>
             <p:extLst>
               <p:ext uri="{D42A27DB-BD31-4B8C-83A1-F6EECF244321}">
-                <p14:modId xmlns:p14="http://schemas.microsoft.com/office/powerpoint/2010/main" val="414988250"/>
+                <p14:modId xmlns:p14="http://schemas.microsoft.com/office/powerpoint/2010/main" xmlns="" val="414988250"/>
               </p:ext>
             </p:extLst>
           </p:nvPr>
@@ -44883,21 +44942,21 @@
                 <a:gridCol w="990600">
                   <a:extLst>
                     <a:ext uri="{9D8B030D-6E8A-4147-A177-3AD203B41FA5}">
-                      <a16:colId xmlns:a16="http://schemas.microsoft.com/office/drawing/2014/main" val="20000"/>
+                      <a16:colId xmlns:a16="http://schemas.microsoft.com/office/drawing/2014/main" xmlns="" val="20000"/>
                     </a:ext>
                   </a:extLst>
                 </a:gridCol>
                 <a:gridCol w="2052402">
                   <a:extLst>
                     <a:ext uri="{9D8B030D-6E8A-4147-A177-3AD203B41FA5}">
-                      <a16:colId xmlns:a16="http://schemas.microsoft.com/office/drawing/2014/main" val="20001"/>
+                      <a16:colId xmlns:a16="http://schemas.microsoft.com/office/drawing/2014/main" xmlns="" val="20001"/>
                     </a:ext>
                   </a:extLst>
                 </a:gridCol>
                 <a:gridCol w="1376598">
                   <a:extLst>
                     <a:ext uri="{9D8B030D-6E8A-4147-A177-3AD203B41FA5}">
-                      <a16:colId xmlns:a16="http://schemas.microsoft.com/office/drawing/2014/main" val="20002"/>
+                      <a16:colId xmlns:a16="http://schemas.microsoft.com/office/drawing/2014/main" xmlns="" val="20002"/>
                     </a:ext>
                   </a:extLst>
                 </a:gridCol>
@@ -45091,7 +45150,7 @@
                 </a:tc>
                 <a:extLst>
                   <a:ext uri="{0D108BD9-81ED-4DB2-BD59-A6C34878D82A}">
-                    <a16:rowId xmlns:a16="http://schemas.microsoft.com/office/drawing/2014/main" val="10000"/>
+                    <a16:rowId xmlns:a16="http://schemas.microsoft.com/office/drawing/2014/main" xmlns="" val="10000"/>
                   </a:ext>
                 </a:extLst>
               </a:tr>
@@ -45231,7 +45290,7 @@
                 </a:tc>
                 <a:extLst>
                   <a:ext uri="{0D108BD9-81ED-4DB2-BD59-A6C34878D82A}">
-                    <a16:rowId xmlns:a16="http://schemas.microsoft.com/office/drawing/2014/main" val="10001"/>
+                    <a16:rowId xmlns:a16="http://schemas.microsoft.com/office/drawing/2014/main" xmlns="" val="10001"/>
                   </a:ext>
                 </a:extLst>
               </a:tr>
@@ -45378,7 +45437,7 @@
                 </a:tc>
                 <a:extLst>
                   <a:ext uri="{0D108BD9-81ED-4DB2-BD59-A6C34878D82A}">
-                    <a16:rowId xmlns:a16="http://schemas.microsoft.com/office/drawing/2014/main" val="10002"/>
+                    <a16:rowId xmlns:a16="http://schemas.microsoft.com/office/drawing/2014/main" xmlns="" val="10002"/>
                   </a:ext>
                 </a:extLst>
               </a:tr>
@@ -45533,7 +45592,7 @@
                 </a:tc>
                 <a:extLst>
                   <a:ext uri="{0D108BD9-81ED-4DB2-BD59-A6C34878D82A}">
-                    <a16:rowId xmlns:a16="http://schemas.microsoft.com/office/drawing/2014/main" val="10003"/>
+                    <a16:rowId xmlns:a16="http://schemas.microsoft.com/office/drawing/2014/main" xmlns="" val="10003"/>
                   </a:ext>
                 </a:extLst>
               </a:tr>
@@ -45693,7 +45752,7 @@
                 </a:tc>
                 <a:extLst>
                   <a:ext uri="{0D108BD9-81ED-4DB2-BD59-A6C34878D82A}">
-                    <a16:rowId xmlns:a16="http://schemas.microsoft.com/office/drawing/2014/main" val="10004"/>
+                    <a16:rowId xmlns:a16="http://schemas.microsoft.com/office/drawing/2014/main" xmlns="" val="10004"/>
                   </a:ext>
                 </a:extLst>
               </a:tr>
@@ -46166,7 +46225,7 @@
     </p:spTree>
     <p:extLst>
       <p:ext uri="{BB962C8B-B14F-4D97-AF65-F5344CB8AC3E}">
-        <p14:creationId xmlns:p14="http://schemas.microsoft.com/office/powerpoint/2010/main" val="1285283744"/>
+        <p14:creationId xmlns:p14="http://schemas.microsoft.com/office/powerpoint/2010/main" xmlns="" val="1285283744"/>
       </p:ext>
     </p:extLst>
   </p:cSld>
@@ -46606,11 +46665,11 @@
   <p:clrMapOvr>
     <a:masterClrMapping/>
   </p:clrMapOvr>
-  <mc:AlternateContent xmlns:mc="http://schemas.openxmlformats.org/markup-compatibility/2006" xmlns:p14="http://schemas.microsoft.com/office/powerpoint/2010/main">
-    <mc:Choice Requires="p14">
+  <mc:AlternateContent xmlns:mc="http://schemas.openxmlformats.org/markup-compatibility/2006">
+    <mc:Choice xmlns:p14="http://schemas.microsoft.com/office/powerpoint/2010/main" xmlns="" Requires="p14">
       <p:transition spd="slow" p14:dur="2000" advClick="0" advTm="5000"/>
     </mc:Choice>
-    <mc:Fallback xmlns="">
+    <mc:Fallback>
       <p:transition spd="slow" advClick="0" advTm="5000"/>
     </mc:Fallback>
   </mc:AlternateContent>
@@ -46933,7 +46992,7 @@
   <a:extraClrSchemeLst/>
   <a:extLst>
     <a:ext uri="{05A4C25C-085E-4340-85A3-A5531E510DB2}">
-      <thm15:themeFamily xmlns:thm15="http://schemas.microsoft.com/office/thememl/2012/main" name="SoftUni" id="{D61FAD9B-6E74-4E03-BFE4-B363D484F1DA}" vid="{7089C1A3-635B-4B03-A017-DAF10A3A396B}"/>
+      <thm15:themeFamily xmlns:thm15="http://schemas.microsoft.com/office/thememl/2012/main" xmlns="" name="SoftUni" id="{D61FAD9B-6E74-4E03-BFE4-B363D484F1DA}" vid="{7089C1A3-635B-4B03-A017-DAF10A3A396B}"/>
     </a:ext>
   </a:extLst>
 </a:theme>
@@ -47228,7 +47287,7 @@
   <a:extraClrSchemeLst/>
   <a:extLst>
     <a:ext uri="{05A4C25C-085E-4340-85A3-A5531E510DB2}">
-      <thm15:themeFamily xmlns:thm15="http://schemas.microsoft.com/office/thememl/2012/main" name="Office Theme" id="{62F939B6-93AF-4DB8-9C6B-D6C7DFDC589F}" vid="{4A3C46E8-61CC-4603-A589-7422A47A8E4A}"/>
+      <thm15:themeFamily xmlns:thm15="http://schemas.microsoft.com/office/thememl/2012/main" xmlns="" name="Office Theme" id="{62F939B6-93AF-4DB8-9C6B-D6C7DFDC589F}" vid="{4A3C46E8-61CC-4603-A589-7422A47A8E4A}"/>
     </a:ext>
   </a:extLst>
 </a:theme>
@@ -47523,13 +47582,28 @@
   <a:extraClrSchemeLst/>
   <a:extLst>
     <a:ext uri="{05A4C25C-085E-4340-85A3-A5531E510DB2}">
-      <thm15:themeFamily xmlns:thm15="http://schemas.microsoft.com/office/thememl/2012/main" name="Office Theme" id="{62F939B6-93AF-4DB8-9C6B-D6C7DFDC589F}" vid="{4A3C46E8-61CC-4603-A589-7422A47A8E4A}"/>
+      <thm15:themeFamily xmlns:thm15="http://schemas.microsoft.com/office/thememl/2012/main" xmlns="" name="Office Theme" id="{62F939B6-93AF-4DB8-9C6B-D6C7DFDC589F}" vid="{4A3C46E8-61CC-4603-A589-7422A47A8E4A}"/>
     </a:ext>
   </a:extLst>
 </a:theme>
 </file>
 
 <file path=customXml/item1.xml><?xml version="1.0" encoding="utf-8"?>
+<p:properties xmlns:p="http://schemas.microsoft.com/office/2006/metadata/properties" xmlns:xsi="http://www.w3.org/2001/XMLSchema-instance" xmlns:pc="http://schemas.microsoft.com/office/infopath/2007/PartnerControls">
+  <documentManagement/>
+</p:properties>
+</file>
+
+<file path=customXml/item2.xml><?xml version="1.0" encoding="utf-8"?>
+<?mso-contentType ?>
+<FormTemplates xmlns="http://schemas.microsoft.com/sharepoint/v3/contenttype/forms">
+  <Display>DocumentLibraryForm</Display>
+  <Edit>DocumentLibraryForm</Edit>
+  <New>DocumentLibraryForm</New>
+</FormTemplates>
+</file>
+
+<file path=customXml/item3.xml><?xml version="1.0" encoding="utf-8"?>
 <ct:contentTypeSchema xmlns:ct="http://schemas.microsoft.com/office/2006/metadata/contentType" xmlns:ma="http://schemas.microsoft.com/office/2006/metadata/properties/metaAttributes" ct:_="" ma:_="" ma:contentTypeName="Документ" ma:contentTypeID="0x010100B6C18B0EB80FEC43B96FC4929E3ACDFF" ma:contentTypeVersion="8" ma:contentTypeDescription="Създаване на нов документ" ma:contentTypeScope="" ma:versionID="5e73c28b7fde86b7f49c9d6b9be21d41">
   <xsd:schema xmlns:xsd="http://www.w3.org/2001/XMLSchema" xmlns:xs="http://www.w3.org/2001/XMLSchema" xmlns:p="http://schemas.microsoft.com/office/2006/metadata/properties" xmlns:ns2="4f985cec-e092-4bcf-a1e1-b816bd0221d8" targetNamespace="http://schemas.microsoft.com/office/2006/metadata/properties" ma:root="true" ma:fieldsID="f7a640d6aa79659634b3275499e0d9c9" ns2:_="">
     <xsd:import namespace="4f985cec-e092-4bcf-a1e1-b816bd0221d8"/>
@@ -47701,22 +47775,31 @@
 </ct:contentTypeSchema>
 </file>
 
-<file path=customXml/item2.xml><?xml version="1.0" encoding="utf-8"?>
-<?mso-contentType ?>
-<FormTemplates xmlns="http://schemas.microsoft.com/sharepoint/v3/contenttype/forms">
-  <Display>DocumentLibraryForm</Display>
-  <Edit>DocumentLibraryForm</Edit>
-  <New>DocumentLibraryForm</New>
-</FormTemplates>
+<file path=customXml/itemProps1.xml><?xml version="1.0" encoding="utf-8"?>
+<ds:datastoreItem xmlns:ds="http://schemas.openxmlformats.org/officeDocument/2006/customXml" ds:itemID="{5E2F4A33-1866-4BB8-8A35-8D6BDFE8D9F5}">
+  <ds:schemaRefs>
+    <ds:schemaRef ds:uri="http://schemas.microsoft.com/office/infopath/2007/PartnerControls"/>
+    <ds:schemaRef ds:uri="http://purl.org/dc/dcmitype/"/>
+    <ds:schemaRef ds:uri="http://schemas.microsoft.com/office/2006/documentManagement/types"/>
+    <ds:schemaRef ds:uri="http://schemas.microsoft.com/office/2006/metadata/properties"/>
+    <ds:schemaRef ds:uri="http://www.w3.org/XML/1998/namespace"/>
+    <ds:schemaRef ds:uri="4f985cec-e092-4bcf-a1e1-b816bd0221d8"/>
+    <ds:schemaRef ds:uri="http://schemas.openxmlformats.org/package/2006/metadata/core-properties"/>
+    <ds:schemaRef ds:uri="http://purl.org/dc/terms/"/>
+    <ds:schemaRef ds:uri="http://purl.org/dc/elements/1.1/"/>
+  </ds:schemaRefs>
+</ds:datastoreItem>
 </file>
 
-<file path=customXml/item3.xml><?xml version="1.0" encoding="utf-8"?>
-<p:properties xmlns:p="http://schemas.microsoft.com/office/2006/metadata/properties" xmlns:xsi="http://www.w3.org/2001/XMLSchema-instance" xmlns:pc="http://schemas.microsoft.com/office/infopath/2007/PartnerControls">
-  <documentManagement/>
-</p:properties>
+<file path=customXml/itemProps2.xml><?xml version="1.0" encoding="utf-8"?>
+<ds:datastoreItem xmlns:ds="http://schemas.openxmlformats.org/officeDocument/2006/customXml" ds:itemID="{68A20BEC-F81B-49CD-951D-E62C4BAE7796}">
+  <ds:schemaRefs>
+    <ds:schemaRef ds:uri="http://schemas.microsoft.com/sharepoint/v3/contenttype/forms"/>
+  </ds:schemaRefs>
+</ds:datastoreItem>
 </file>
 
-<file path=customXml/itemProps1.xml><?xml version="1.0" encoding="utf-8"?>
+<file path=customXml/itemProps3.xml><?xml version="1.0" encoding="utf-8"?>
 <ds:datastoreItem xmlns:ds="http://schemas.openxmlformats.org/officeDocument/2006/customXml" ds:itemID="{4443A303-689A-4436-B140-8B2DF827EBE9}">
   <ds:schemaRefs>
     <ds:schemaRef ds:uri="http://schemas.microsoft.com/office/2006/metadata/contentType"/>
@@ -47732,28 +47815,4 @@
     <ds:schemaRef ds:uri="http://schemas.microsoft.com/internal/obd"/>
   </ds:schemaRefs>
 </ds:datastoreItem>
-</file>
-
-<file path=customXml/itemProps2.xml><?xml version="1.0" encoding="utf-8"?>
-<ds:datastoreItem xmlns:ds="http://schemas.openxmlformats.org/officeDocument/2006/customXml" ds:itemID="{68A20BEC-F81B-49CD-951D-E62C4BAE7796}">
-  <ds:schemaRefs>
-    <ds:schemaRef ds:uri="http://schemas.microsoft.com/sharepoint/v3/contenttype/forms"/>
-  </ds:schemaRefs>
-</ds:datastoreItem>
-</file>
-
-<file path=customXml/itemProps3.xml><?xml version="1.0" encoding="utf-8"?>
-<ds:datastoreItem xmlns:ds="http://schemas.openxmlformats.org/officeDocument/2006/customXml" ds:itemID="{5E2F4A33-1866-4BB8-8A35-8D6BDFE8D9F5}">
-  <ds:schemaRefs>
-    <ds:schemaRef ds:uri="http://schemas.microsoft.com/office/infopath/2007/PartnerControls"/>
-    <ds:schemaRef ds:uri="http://purl.org/dc/dcmitype/"/>
-    <ds:schemaRef ds:uri="http://schemas.microsoft.com/office/2006/documentManagement/types"/>
-    <ds:schemaRef ds:uri="http://schemas.microsoft.com/office/2006/metadata/properties"/>
-    <ds:schemaRef ds:uri="http://www.w3.org/XML/1998/namespace"/>
-    <ds:schemaRef ds:uri="4f985cec-e092-4bcf-a1e1-b816bd0221d8"/>
-    <ds:schemaRef ds:uri="http://schemas.openxmlformats.org/package/2006/metadata/core-properties"/>
-    <ds:schemaRef ds:uri="http://purl.org/dc/terms/"/>
-    <ds:schemaRef ds:uri="http://purl.org/dc/elements/1.1/"/>
-  </ds:schemaRefs>
-</ds:datastoreItem>
 </file>
--- a/Courses/Software-Sciences/Module-3-Databases-New/07-Relationships-and-ER-Diagrams/07-Relationships-ER-Diagrams.pptx
+++ b/Courses/Software-Sciences/Module-3-Databases-New/07-Relationships-and-ER-Diagrams/07-Relationships-ER-Diagrams.pptx
@@ -5,10 +5,10 @@
     <p:sldMasterId id="2147483675" r:id="rId4"/>
   </p:sldMasterIdLst>
   <p:notesMasterIdLst>
-    <p:notesMasterId r:id="rId37"/>
+    <p:notesMasterId r:id="rId38"/>
   </p:notesMasterIdLst>
   <p:handoutMasterIdLst>
-    <p:handoutMasterId r:id="rId38"/>
+    <p:handoutMasterId r:id="rId39"/>
   </p:handoutMasterIdLst>
   <p:sldIdLst>
     <p:sldId id="503" r:id="rId5"/>
@@ -23,26 +23,27 @@
     <p:sldId id="528" r:id="rId14"/>
     <p:sldId id="529" r:id="rId15"/>
     <p:sldId id="535" r:id="rId16"/>
-    <p:sldId id="541" r:id="rId17"/>
-    <p:sldId id="536" r:id="rId18"/>
-    <p:sldId id="537" r:id="rId19"/>
-    <p:sldId id="539" r:id="rId20"/>
-    <p:sldId id="538" r:id="rId21"/>
-    <p:sldId id="540" r:id="rId22"/>
-    <p:sldId id="530" r:id="rId23"/>
-    <p:sldId id="511" r:id="rId24"/>
-    <p:sldId id="512" r:id="rId25"/>
-    <p:sldId id="513" r:id="rId26"/>
-    <p:sldId id="514" r:id="rId27"/>
-    <p:sldId id="515" r:id="rId28"/>
-    <p:sldId id="516" r:id="rId29"/>
-    <p:sldId id="531" r:id="rId30"/>
-    <p:sldId id="532" r:id="rId31"/>
-    <p:sldId id="534" r:id="rId32"/>
-    <p:sldId id="533" r:id="rId33"/>
-    <p:sldId id="349" r:id="rId34"/>
-    <p:sldId id="256" r:id="rId35"/>
-    <p:sldId id="493" r:id="rId36"/>
+    <p:sldId id="542" r:id="rId17"/>
+    <p:sldId id="541" r:id="rId18"/>
+    <p:sldId id="536" r:id="rId19"/>
+    <p:sldId id="537" r:id="rId20"/>
+    <p:sldId id="539" r:id="rId21"/>
+    <p:sldId id="538" r:id="rId22"/>
+    <p:sldId id="540" r:id="rId23"/>
+    <p:sldId id="530" r:id="rId24"/>
+    <p:sldId id="511" r:id="rId25"/>
+    <p:sldId id="512" r:id="rId26"/>
+    <p:sldId id="513" r:id="rId27"/>
+    <p:sldId id="514" r:id="rId28"/>
+    <p:sldId id="515" r:id="rId29"/>
+    <p:sldId id="516" r:id="rId30"/>
+    <p:sldId id="531" r:id="rId31"/>
+    <p:sldId id="532" r:id="rId32"/>
+    <p:sldId id="534" r:id="rId33"/>
+    <p:sldId id="533" r:id="rId34"/>
+    <p:sldId id="349" r:id="rId35"/>
+    <p:sldId id="256" r:id="rId36"/>
+    <p:sldId id="493" r:id="rId37"/>
   </p:sldIdLst>
   <p:sldSz cx="12192000" cy="6858000"/>
   <p:notesSz cx="6858000" cy="9144000"/>
@@ -143,7 +144,7 @@
   </p:defaultTextStyle>
   <p:extLst>
     <p:ext uri="{521415D9-36F7-43E2-AB2F-B90AF26B5E84}">
-      <p14:sectionLst xmlns:p14="http://schemas.microsoft.com/office/powerpoint/2010/main" xmlns="">
+      <p14:sectionLst xmlns="" xmlns:p14="http://schemas.microsoft.com/office/powerpoint/2010/main">
         <p14:section name="Въведение" id="{A0C7653D-1924-4F56-9E27-AA2B21F1DA92}">
           <p14:sldIdLst>
             <p14:sldId id="503"/>
@@ -207,7 +208,7 @@
       </p14:sectionLst>
     </p:ext>
     <p:ext uri="{EFAFB233-063F-42B5-8137-9DF3F51BA10A}">
-      <p15:sldGuideLst xmlns:p15="http://schemas.microsoft.com/office/powerpoint/2012/main" xmlns="">
+      <p15:sldGuideLst xmlns="" xmlns:p15="http://schemas.microsoft.com/office/powerpoint/2012/main">
         <p15:guide id="1" orient="horz" pos="2184" userDrawn="1">
           <p15:clr>
             <a:srgbClr val="A4A3A4"/>
@@ -221,7 +222,7 @@
       </p15:sldGuideLst>
     </p:ext>
     <p:ext uri="{2D200454-40CA-4A62-9FC3-DE9A4176ACB9}">
-      <p15:notesGuideLst xmlns:p15="http://schemas.microsoft.com/office/powerpoint/2012/main" xmlns=""/>
+      <p15:notesGuideLst xmlns="" xmlns:p15="http://schemas.microsoft.com/office/powerpoint/2012/main"/>
     </p:ext>
   </p:extLst>
 </p:presentation>
@@ -254,7 +255,7 @@
           <p:cNvPr id="2" name="Header Placeholder 1">
             <a:extLst>
               <a:ext uri="{FF2B5EF4-FFF2-40B4-BE49-F238E27FC236}">
-                <a16:creationId xmlns:a16="http://schemas.microsoft.com/office/drawing/2014/main" xmlns="" id="{56F20103-83CC-4A54-8FDE-9D37FC2629C0}"/>
+                <a16:creationId xmlns="" xmlns:a16="http://schemas.microsoft.com/office/drawing/2014/main" id="{56F20103-83CC-4A54-8FDE-9D37FC2629C0}"/>
               </a:ext>
             </a:extLst>
           </p:cNvPr>
@@ -291,7 +292,7 @@
           <p:cNvPr id="3" name="Date Placeholder 2">
             <a:extLst>
               <a:ext uri="{FF2B5EF4-FFF2-40B4-BE49-F238E27FC236}">
-                <a16:creationId xmlns:a16="http://schemas.microsoft.com/office/drawing/2014/main" xmlns="" id="{27A53962-26EF-44E4-9E69-61B1727AB1C2}"/>
+                <a16:creationId xmlns="" xmlns:a16="http://schemas.microsoft.com/office/drawing/2014/main" id="{27A53962-26EF-44E4-9E69-61B1727AB1C2}"/>
               </a:ext>
             </a:extLst>
           </p:cNvPr>
@@ -333,7 +334,7 @@
           <p:cNvPr id="4" name="Footer Placeholder 3">
             <a:extLst>
               <a:ext uri="{FF2B5EF4-FFF2-40B4-BE49-F238E27FC236}">
-                <a16:creationId xmlns:a16="http://schemas.microsoft.com/office/drawing/2014/main" xmlns="" id="{28A6967E-448F-4887-8FCB-34482EFBCC74}"/>
+                <a16:creationId xmlns="" xmlns:a16="http://schemas.microsoft.com/office/drawing/2014/main" id="{28A6967E-448F-4887-8FCB-34482EFBCC74}"/>
               </a:ext>
             </a:extLst>
           </p:cNvPr>
@@ -383,7 +384,7 @@
           <p:cNvPr id="5" name="Slide Number Placeholder 4">
             <a:extLst>
               <a:ext uri="{FF2B5EF4-FFF2-40B4-BE49-F238E27FC236}">
-                <a16:creationId xmlns:a16="http://schemas.microsoft.com/office/drawing/2014/main" xmlns="" id="{8B6554C2-DDBA-40E2-9536-53A07EC50274}"/>
+                <a16:creationId xmlns="" xmlns:a16="http://schemas.microsoft.com/office/drawing/2014/main" id="{8B6554C2-DDBA-40E2-9536-53A07EC50274}"/>
               </a:ext>
             </a:extLst>
           </p:cNvPr>
@@ -423,7 +424,7 @@
     </p:spTree>
     <p:extLst>
       <p:ext uri="{BB962C8B-B14F-4D97-AF65-F5344CB8AC3E}">
-        <p14:creationId xmlns:p14="http://schemas.microsoft.com/office/powerpoint/2010/main" xmlns="" val="4150602968"/>
+        <p14:creationId xmlns="" xmlns:p14="http://schemas.microsoft.com/office/powerpoint/2010/main" val="4150602968"/>
       </p:ext>
     </p:extLst>
   </p:cSld>
@@ -654,7 +655,7 @@
           <p:cNvPr id="8" name="Footer Placeholder 7">
             <a:extLst>
               <a:ext uri="{FF2B5EF4-FFF2-40B4-BE49-F238E27FC236}">
-                <a16:creationId xmlns:a16="http://schemas.microsoft.com/office/drawing/2014/main" xmlns="" id="{CAC3A49B-3196-44DF-AC28-085C72EFBFF0}"/>
+                <a16:creationId xmlns="" xmlns:a16="http://schemas.microsoft.com/office/drawing/2014/main" id="{CAC3A49B-3196-44DF-AC28-085C72EFBFF0}"/>
               </a:ext>
             </a:extLst>
           </p:cNvPr>
@@ -702,7 +703,7 @@
     </p:spTree>
     <p:extLst>
       <p:ext uri="{BB962C8B-B14F-4D97-AF65-F5344CB8AC3E}">
-        <p14:creationId xmlns:p14="http://schemas.microsoft.com/office/powerpoint/2010/main" xmlns="" val="1530847692"/>
+        <p14:creationId xmlns="" xmlns:p14="http://schemas.microsoft.com/office/powerpoint/2010/main" val="1530847692"/>
       </p:ext>
     </p:extLst>
   </p:cSld>
@@ -849,7 +850,7 @@
           <p:cNvPr id="8" name="Slide Image Placeholder 7">
             <a:extLst>
               <a:ext uri="{FF2B5EF4-FFF2-40B4-BE49-F238E27FC236}">
-                <a16:creationId xmlns:a16="http://schemas.microsoft.com/office/drawing/2014/main" xmlns="" id="{78811095-27E9-49AB-972B-D4E20B3963A6}"/>
+                <a16:creationId xmlns="" xmlns:a16="http://schemas.microsoft.com/office/drawing/2014/main" id="{78811095-27E9-49AB-972B-D4E20B3963A6}"/>
               </a:ext>
             </a:extLst>
           </p:cNvPr>
@@ -867,7 +868,7 @@
           <p:cNvPr id="9" name="Notes Placeholder 8">
             <a:extLst>
               <a:ext uri="{FF2B5EF4-FFF2-40B4-BE49-F238E27FC236}">
-                <a16:creationId xmlns:a16="http://schemas.microsoft.com/office/drawing/2014/main" xmlns="" id="{E923224B-0CC3-475A-8628-8A90751AE61A}"/>
+                <a16:creationId xmlns="" xmlns:a16="http://schemas.microsoft.com/office/drawing/2014/main" id="{E923224B-0CC3-475A-8628-8A90751AE61A}"/>
               </a:ext>
             </a:extLst>
           </p:cNvPr>
@@ -892,7 +893,7 @@
           <p:cNvPr id="2" name="Footer Placeholder 1">
             <a:extLst>
               <a:ext uri="{FF2B5EF4-FFF2-40B4-BE49-F238E27FC236}">
-                <a16:creationId xmlns:a16="http://schemas.microsoft.com/office/drawing/2014/main" xmlns="" id="{3288A3F3-90B1-4930-8D00-5603BDABEF10}"/>
+                <a16:creationId xmlns="" xmlns:a16="http://schemas.microsoft.com/office/drawing/2014/main" id="{3288A3F3-90B1-4930-8D00-5603BDABEF10}"/>
               </a:ext>
             </a:extLst>
           </p:cNvPr>
@@ -928,7 +929,7 @@
     </p:spTree>
     <p:extLst>
       <p:ext uri="{BB962C8B-B14F-4D97-AF65-F5344CB8AC3E}">
-        <p14:creationId xmlns:p14="http://schemas.microsoft.com/office/powerpoint/2010/main" xmlns="" val="2594489433"/>
+        <p14:creationId xmlns="" xmlns:p14="http://schemas.microsoft.com/office/powerpoint/2010/main" val="2594489433"/>
       </p:ext>
     </p:extLst>
   </p:cSld>
@@ -1006,7 +1007,7 @@
             <a:fld id="{2BF067CD-8E6B-4360-9AA8-C5DF2A48A6D1}" type="slidenum">
               <a:rPr lang="en-US" smtClean="0"/>
               <a:pPr/>
-              <a:t>28</a:t>
+              <a:t>29</a:t>
             </a:fld>
             <a:endParaRPr lang="en-US" dirty="0"/>
           </a:p>
@@ -1169,7 +1170,7 @@
             <a:fld id="{3EBA5BD7-F043-4D1B-AA17-CD412FC534DE}" type="slidenum">
               <a:rPr lang="en-US" smtClean="0"/>
               <a:pPr/>
-              <a:t>29</a:t>
+              <a:t>30</a:t>
             </a:fld>
             <a:endParaRPr lang="en-US" dirty="0"/>
           </a:p>
@@ -1178,7 +1179,7 @@
     </p:spTree>
     <p:extLst>
       <p:ext uri="{BB962C8B-B14F-4D97-AF65-F5344CB8AC3E}">
-        <p14:creationId xmlns:p14="http://schemas.microsoft.com/office/powerpoint/2010/main" xmlns="" val="2003455129"/>
+        <p14:creationId xmlns="" xmlns:p14="http://schemas.microsoft.com/office/powerpoint/2010/main" val="2003455129"/>
       </p:ext>
     </p:extLst>
   </p:cSld>
@@ -1241,7 +1242,7 @@
           <p:cNvPr id="7" name="Slide Number Placeholder 5">
             <a:extLst>
               <a:ext uri="{FF2B5EF4-FFF2-40B4-BE49-F238E27FC236}">
-                <a16:creationId xmlns:a16="http://schemas.microsoft.com/office/drawing/2014/main" xmlns="" id="{E65F1CA9-65DC-416B-8882-B3A5E415CE67}"/>
+                <a16:creationId xmlns="" xmlns:a16="http://schemas.microsoft.com/office/drawing/2014/main" id="{E65F1CA9-65DC-416B-8882-B3A5E415CE67}"/>
               </a:ext>
             </a:extLst>
           </p:cNvPr>
@@ -1360,7 +1361,7 @@
             <a:fld id="{3EBA5BD7-F043-4D1B-AA17-CD412FC534DE}" type="slidenum">
               <a:rPr lang="en-US" smtClean="0"/>
               <a:pPr/>
-              <a:t>30</a:t>
+              <a:t>31</a:t>
             </a:fld>
             <a:endParaRPr lang="en-US" dirty="0"/>
           </a:p>
@@ -1371,7 +1372,7 @@
           <p:cNvPr id="4" name="Footer Placeholder 3">
             <a:extLst>
               <a:ext uri="{FF2B5EF4-FFF2-40B4-BE49-F238E27FC236}">
-                <a16:creationId xmlns:a16="http://schemas.microsoft.com/office/drawing/2014/main" xmlns="" id="{C5BD11C3-9FCD-4EAE-876D-E766924FAFF2}"/>
+                <a16:creationId xmlns="" xmlns:a16="http://schemas.microsoft.com/office/drawing/2014/main" id="{C5BD11C3-9FCD-4EAE-876D-E766924FAFF2}"/>
               </a:ext>
             </a:extLst>
           </p:cNvPr>
@@ -1407,7 +1408,7 @@
     </p:spTree>
     <p:extLst>
       <p:ext uri="{BB962C8B-B14F-4D97-AF65-F5344CB8AC3E}">
-        <p14:creationId xmlns:p14="http://schemas.microsoft.com/office/powerpoint/2010/main" xmlns="" val="1860974293"/>
+        <p14:creationId xmlns="" xmlns:p14="http://schemas.microsoft.com/office/powerpoint/2010/main" val="1860974293"/>
       </p:ext>
     </p:extLst>
   </p:cSld>
@@ -1483,7 +1484,7 @@
             <a:fld id="{85C0F205-FB23-4B4A-AA1E-CC80DEDB9B7E}" type="slidenum">
               <a:rPr lang="x-none" smtClean="0"/>
               <a:pPr/>
-              <a:t>31</a:t>
+              <a:t>32</a:t>
             </a:fld>
             <a:endParaRPr lang="x-none"/>
           </a:p>
@@ -1492,7 +1493,7 @@
     </p:spTree>
     <p:extLst>
       <p:ext uri="{BB962C8B-B14F-4D97-AF65-F5344CB8AC3E}">
-        <p14:creationId xmlns:p14="http://schemas.microsoft.com/office/powerpoint/2010/main" xmlns="" val="1201445929"/>
+        <p14:creationId xmlns="" xmlns:p14="http://schemas.microsoft.com/office/powerpoint/2010/main" val="1201445929"/>
       </p:ext>
     </p:extLst>
   </p:cSld>
@@ -1555,7 +1556,7 @@
           <p:cNvPr id="6" name="Slide Number Placeholder 5">
             <a:extLst>
               <a:ext uri="{FF2B5EF4-FFF2-40B4-BE49-F238E27FC236}">
-                <a16:creationId xmlns:a16="http://schemas.microsoft.com/office/drawing/2014/main" xmlns="" id="{6627548A-4D3C-449B-81A5-FA4BE4628490}"/>
+                <a16:creationId xmlns="" xmlns:a16="http://schemas.microsoft.com/office/drawing/2014/main" id="{6627548A-4D3C-449B-81A5-FA4BE4628490}"/>
               </a:ext>
             </a:extLst>
           </p:cNvPr>
@@ -1674,7 +1675,7 @@
             <a:fld id="{3EBA5BD7-F043-4D1B-AA17-CD412FC534DE}" type="slidenum">
               <a:rPr lang="en-US" smtClean="0"/>
               <a:pPr/>
-              <a:t>32</a:t>
+              <a:t>33</a:t>
             </a:fld>
             <a:endParaRPr lang="en-US" dirty="0"/>
           </a:p>
@@ -1685,7 +1686,7 @@
           <p:cNvPr id="4" name="Footer Placeholder 3">
             <a:extLst>
               <a:ext uri="{FF2B5EF4-FFF2-40B4-BE49-F238E27FC236}">
-                <a16:creationId xmlns:a16="http://schemas.microsoft.com/office/drawing/2014/main" xmlns="" id="{D2472CE7-61C1-4B7B-B0C8-5A45F0178717}"/>
+                <a16:creationId xmlns="" xmlns:a16="http://schemas.microsoft.com/office/drawing/2014/main" id="{D2472CE7-61C1-4B7B-B0C8-5A45F0178717}"/>
               </a:ext>
             </a:extLst>
           </p:cNvPr>
@@ -1721,7 +1722,7 @@
     </p:spTree>
     <p:extLst>
       <p:ext uri="{BB962C8B-B14F-4D97-AF65-F5344CB8AC3E}">
-        <p14:creationId xmlns:p14="http://schemas.microsoft.com/office/powerpoint/2010/main" xmlns="" val="729041308"/>
+        <p14:creationId xmlns="" xmlns:p14="http://schemas.microsoft.com/office/powerpoint/2010/main" val="729041308"/>
       </p:ext>
     </p:extLst>
   </p:cSld>
@@ -1753,7 +1754,7 @@
           <p:cNvPr id="14" name="Slide Image Placeholder 13">
             <a:extLst>
               <a:ext uri="{FF2B5EF4-FFF2-40B4-BE49-F238E27FC236}">
-                <a16:creationId xmlns:a16="http://schemas.microsoft.com/office/drawing/2014/main" xmlns="" id="{A1F0B3C6-2E53-4CA3-86D1-53D46EC35267}"/>
+                <a16:creationId xmlns="" xmlns:a16="http://schemas.microsoft.com/office/drawing/2014/main" id="{A1F0B3C6-2E53-4CA3-86D1-53D46EC35267}"/>
               </a:ext>
             </a:extLst>
           </p:cNvPr>
@@ -1771,7 +1772,7 @@
           <p:cNvPr id="15" name="Notes Placeholder 14">
             <a:extLst>
               <a:ext uri="{FF2B5EF4-FFF2-40B4-BE49-F238E27FC236}">
-                <a16:creationId xmlns:a16="http://schemas.microsoft.com/office/drawing/2014/main" xmlns="" id="{149CC699-A079-49A5-A4D6-73B7F849A7DC}"/>
+                <a16:creationId xmlns="" xmlns:a16="http://schemas.microsoft.com/office/drawing/2014/main" id="{149CC699-A079-49A5-A4D6-73B7F849A7DC}"/>
               </a:ext>
             </a:extLst>
           </p:cNvPr>
@@ -1796,7 +1797,7 @@
           <p:cNvPr id="19" name="Slide Number Placeholder 5">
             <a:extLst>
               <a:ext uri="{FF2B5EF4-FFF2-40B4-BE49-F238E27FC236}">
-                <a16:creationId xmlns:a16="http://schemas.microsoft.com/office/drawing/2014/main" xmlns="" id="{121F4233-7E9A-40D2-9066-2DB14E2FA5AD}"/>
+                <a16:creationId xmlns="" xmlns:a16="http://schemas.microsoft.com/office/drawing/2014/main" id="{121F4233-7E9A-40D2-9066-2DB14E2FA5AD}"/>
               </a:ext>
             </a:extLst>
           </p:cNvPr>
@@ -1926,7 +1927,7 @@
           <p:cNvPr id="2" name="Footer Placeholder 1">
             <a:extLst>
               <a:ext uri="{FF2B5EF4-FFF2-40B4-BE49-F238E27FC236}">
-                <a16:creationId xmlns:a16="http://schemas.microsoft.com/office/drawing/2014/main" xmlns="" id="{D18F1DFF-B3E7-4ABF-97EE-0BBF3A961EC5}"/>
+                <a16:creationId xmlns="" xmlns:a16="http://schemas.microsoft.com/office/drawing/2014/main" id="{D18F1DFF-B3E7-4ABF-97EE-0BBF3A961EC5}"/>
               </a:ext>
             </a:extLst>
           </p:cNvPr>
@@ -1962,7 +1963,7 @@
     </p:spTree>
     <p:extLst>
       <p:ext uri="{BB962C8B-B14F-4D97-AF65-F5344CB8AC3E}">
-        <p14:creationId xmlns:p14="http://schemas.microsoft.com/office/powerpoint/2010/main" xmlns="" val="4028530743"/>
+        <p14:creationId xmlns="" xmlns:p14="http://schemas.microsoft.com/office/powerpoint/2010/main" val="4028530743"/>
       </p:ext>
     </p:extLst>
   </p:cSld>
@@ -2195,7 +2196,7 @@
     </p:spTree>
     <p:extLst>
       <p:ext uri="{BB962C8B-B14F-4D97-AF65-F5344CB8AC3E}">
-        <p14:creationId xmlns:p14="http://schemas.microsoft.com/office/powerpoint/2010/main" xmlns="" val="2076008154"/>
+        <p14:creationId xmlns="" xmlns:p14="http://schemas.microsoft.com/office/powerpoint/2010/main" val="2076008154"/>
       </p:ext>
     </p:extLst>
   </p:cSld>
@@ -2330,7 +2331,7 @@
     </p:spTree>
     <p:extLst>
       <p:ext uri="{BB962C8B-B14F-4D97-AF65-F5344CB8AC3E}">
-        <p14:creationId xmlns:p14="http://schemas.microsoft.com/office/powerpoint/2010/main" xmlns="" val="1162354248"/>
+        <p14:creationId xmlns="" xmlns:p14="http://schemas.microsoft.com/office/powerpoint/2010/main" val="1162354248"/>
       </p:ext>
     </p:extLst>
   </p:cSld>
@@ -2406,7 +2407,7 @@
             <a:fld id="{3EBA5BD7-F043-4D1B-AA17-CD412FC534DE}" type="slidenum">
               <a:rPr lang="en-US" smtClean="0"/>
               <a:pPr/>
-              <a:t>15</a:t>
+              <a:t>16</a:t>
             </a:fld>
             <a:endParaRPr lang="en-US" dirty="0"/>
           </a:p>
@@ -2417,7 +2418,7 @@
           <p:cNvPr id="7" name="Footer Placeholder 7">
             <a:extLst>
               <a:ext uri="{FF2B5EF4-FFF2-40B4-BE49-F238E27FC236}">
-                <a16:creationId xmlns:a16="http://schemas.microsoft.com/office/drawing/2014/main" xmlns="" id="{5D8943ED-62FC-43CF-9220-3EBB34288175}"/>
+                <a16:creationId xmlns="" xmlns:a16="http://schemas.microsoft.com/office/drawing/2014/main" id="{5D8943ED-62FC-43CF-9220-3EBB34288175}"/>
               </a:ext>
             </a:extLst>
           </p:cNvPr>
@@ -2465,7 +2466,7 @@
     </p:spTree>
     <p:extLst>
       <p:ext uri="{BB962C8B-B14F-4D97-AF65-F5344CB8AC3E}">
-        <p14:creationId xmlns:p14="http://schemas.microsoft.com/office/powerpoint/2010/main" xmlns="" val="1661868776"/>
+        <p14:creationId xmlns="" xmlns:p14="http://schemas.microsoft.com/office/powerpoint/2010/main" val="1661868776"/>
       </p:ext>
     </p:extLst>
   </p:cSld>
@@ -2541,7 +2542,7 @@
             <a:fld id="{3EBA5BD7-F043-4D1B-AA17-CD412FC534DE}" type="slidenum">
               <a:rPr lang="en-US" smtClean="0"/>
               <a:pPr/>
-              <a:t>16</a:t>
+              <a:t>17</a:t>
             </a:fld>
             <a:endParaRPr lang="en-US" dirty="0"/>
           </a:p>
@@ -2552,7 +2553,7 @@
           <p:cNvPr id="7" name="Footer Placeholder 7">
             <a:extLst>
               <a:ext uri="{FF2B5EF4-FFF2-40B4-BE49-F238E27FC236}">
-                <a16:creationId xmlns:a16="http://schemas.microsoft.com/office/drawing/2014/main" xmlns="" id="{B1181F38-7E25-4CF0-8477-2E5E9629196E}"/>
+                <a16:creationId xmlns="" xmlns:a16="http://schemas.microsoft.com/office/drawing/2014/main" id="{B1181F38-7E25-4CF0-8477-2E5E9629196E}"/>
               </a:ext>
             </a:extLst>
           </p:cNvPr>
@@ -2600,7 +2601,7 @@
     </p:spTree>
     <p:extLst>
       <p:ext uri="{BB962C8B-B14F-4D97-AF65-F5344CB8AC3E}">
-        <p14:creationId xmlns:p14="http://schemas.microsoft.com/office/powerpoint/2010/main" xmlns="" val="1076401627"/>
+        <p14:creationId xmlns="" xmlns:p14="http://schemas.microsoft.com/office/powerpoint/2010/main" val="1076401627"/>
       </p:ext>
     </p:extLst>
   </p:cSld>
@@ -2676,7 +2677,7 @@
             <a:fld id="{3EBA5BD7-F043-4D1B-AA17-CD412FC534DE}" type="slidenum">
               <a:rPr lang="en-US" smtClean="0"/>
               <a:pPr/>
-              <a:t>17</a:t>
+              <a:t>18</a:t>
             </a:fld>
             <a:endParaRPr lang="en-US" dirty="0"/>
           </a:p>
@@ -2687,7 +2688,7 @@
           <p:cNvPr id="7" name="Footer Placeholder 7">
             <a:extLst>
               <a:ext uri="{FF2B5EF4-FFF2-40B4-BE49-F238E27FC236}">
-                <a16:creationId xmlns:a16="http://schemas.microsoft.com/office/drawing/2014/main" xmlns="" id="{FE55E717-ED34-4F6A-893D-66C42190586B}"/>
+                <a16:creationId xmlns="" xmlns:a16="http://schemas.microsoft.com/office/drawing/2014/main" id="{FE55E717-ED34-4F6A-893D-66C42190586B}"/>
               </a:ext>
             </a:extLst>
           </p:cNvPr>
@@ -2735,7 +2736,7 @@
     </p:spTree>
     <p:extLst>
       <p:ext uri="{BB962C8B-B14F-4D97-AF65-F5344CB8AC3E}">
-        <p14:creationId xmlns:p14="http://schemas.microsoft.com/office/powerpoint/2010/main" xmlns="" val="4193284810"/>
+        <p14:creationId xmlns="" xmlns:p14="http://schemas.microsoft.com/office/powerpoint/2010/main" val="4193284810"/>
       </p:ext>
     </p:extLst>
   </p:cSld>
@@ -2811,7 +2812,7 @@
             <a:fld id="{3EBA5BD7-F043-4D1B-AA17-CD412FC534DE}" type="slidenum">
               <a:rPr lang="en-US" smtClean="0"/>
               <a:pPr/>
-              <a:t>18</a:t>
+              <a:t>19</a:t>
             </a:fld>
             <a:endParaRPr lang="en-US" dirty="0"/>
           </a:p>
@@ -2822,7 +2823,7 @@
           <p:cNvPr id="7" name="Footer Placeholder 7">
             <a:extLst>
               <a:ext uri="{FF2B5EF4-FFF2-40B4-BE49-F238E27FC236}">
-                <a16:creationId xmlns:a16="http://schemas.microsoft.com/office/drawing/2014/main" xmlns="" id="{B80D8324-A1E3-4093-A148-79A57C1E1C9A}"/>
+                <a16:creationId xmlns="" xmlns:a16="http://schemas.microsoft.com/office/drawing/2014/main" id="{B80D8324-A1E3-4093-A148-79A57C1E1C9A}"/>
               </a:ext>
             </a:extLst>
           </p:cNvPr>
@@ -2870,7 +2871,7 @@
     </p:spTree>
     <p:extLst>
       <p:ext uri="{BB962C8B-B14F-4D97-AF65-F5344CB8AC3E}">
-        <p14:creationId xmlns:p14="http://schemas.microsoft.com/office/powerpoint/2010/main" xmlns="" val="4004989242"/>
+        <p14:creationId xmlns="" xmlns:p14="http://schemas.microsoft.com/office/powerpoint/2010/main" val="4004989242"/>
       </p:ext>
     </p:extLst>
   </p:cSld>
@@ -2902,7 +2903,7 @@
           <p:cNvPr id="16" name="Rectangle Bottom">
             <a:extLst>
               <a:ext uri="{FF2B5EF4-FFF2-40B4-BE49-F238E27FC236}">
-                <a16:creationId xmlns:a16="http://schemas.microsoft.com/office/drawing/2014/main" xmlns="" id="{6854D183-0374-4B3E-B2CE-32F308A81591}"/>
+                <a16:creationId xmlns="" xmlns:a16="http://schemas.microsoft.com/office/drawing/2014/main" id="{6854D183-0374-4B3E-B2CE-32F308A81591}"/>
               </a:ext>
             </a:extLst>
           </p:cNvPr>
@@ -2983,7 +2984,7 @@
           <p:cNvPr id="14" name="Picture Logo SoftUni" descr="SoftUni logo">
             <a:extLst>
               <a:ext uri="{FF2B5EF4-FFF2-40B4-BE49-F238E27FC236}">
-                <a16:creationId xmlns:a16="http://schemas.microsoft.com/office/drawing/2014/main" xmlns="" id="{C4D6B2A2-DFF0-4712-BFEC-6676BEC99FEC}"/>
+                <a16:creationId xmlns="" xmlns:a16="http://schemas.microsoft.com/office/drawing/2014/main" id="{C4D6B2A2-DFF0-4712-BFEC-6676BEC99FEC}"/>
               </a:ext>
             </a:extLst>
           </p:cNvPr>
@@ -3006,7 +3007,7 @@
             </a:clrChange>
             <a:extLst>
               <a:ext uri="{28A0092B-C50C-407E-A947-70E740481C1C}">
-                <a14:useLocalDpi xmlns:a14="http://schemas.microsoft.com/office/drawing/2010/main" xmlns="" val="0"/>
+                <a14:useLocalDpi xmlns="" xmlns:a14="http://schemas.microsoft.com/office/drawing/2010/main" val="0"/>
               </a:ext>
             </a:extLst>
           </a:blip>
@@ -3029,7 +3030,7 @@
           <p:cNvPr id="31" name="Text Placeholder Company Site">
             <a:extLst>
               <a:ext uri="{FF2B5EF4-FFF2-40B4-BE49-F238E27FC236}">
-                <a16:creationId xmlns:a16="http://schemas.microsoft.com/office/drawing/2014/main" xmlns="" id="{3E6B87B7-9D33-4EBB-BD4F-C0436BA3FD72}"/>
+                <a16:creationId xmlns="" xmlns:a16="http://schemas.microsoft.com/office/drawing/2014/main" id="{3E6B87B7-9D33-4EBB-BD4F-C0436BA3FD72}"/>
               </a:ext>
             </a:extLst>
           </p:cNvPr>
@@ -3091,7 +3092,7 @@
           <p:cNvPr id="30" name="Text Placeholder Company Name">
             <a:extLst>
               <a:ext uri="{FF2B5EF4-FFF2-40B4-BE49-F238E27FC236}">
-                <a16:creationId xmlns:a16="http://schemas.microsoft.com/office/drawing/2014/main" xmlns="" id="{2EA92DCA-4DB5-4D03-ACD3-A6A296592D0C}"/>
+                <a16:creationId xmlns="" xmlns:a16="http://schemas.microsoft.com/office/drawing/2014/main" id="{2EA92DCA-4DB5-4D03-ACD3-A6A296592D0C}"/>
               </a:ext>
             </a:extLst>
           </p:cNvPr>
@@ -3153,7 +3154,7 @@
           <p:cNvPr id="35" name="Picture SoftUni Mascot" descr="SoftUni mascot">
             <a:extLst>
               <a:ext uri="{FF2B5EF4-FFF2-40B4-BE49-F238E27FC236}">
-                <a16:creationId xmlns:a16="http://schemas.microsoft.com/office/drawing/2014/main" xmlns="" id="{951E7DA9-C5F0-43D9-B013-3BDF9EEF029D}"/>
+                <a16:creationId xmlns="" xmlns:a16="http://schemas.microsoft.com/office/drawing/2014/main" id="{951E7DA9-C5F0-43D9-B013-3BDF9EEF029D}"/>
               </a:ext>
             </a:extLst>
           </p:cNvPr>
@@ -3166,7 +3167,7 @@
           <a:blip r:embed="rId3" cstate="print">
             <a:extLst>
               <a:ext uri="{28A0092B-C50C-407E-A947-70E740481C1C}">
-                <a14:useLocalDpi xmlns:a14="http://schemas.microsoft.com/office/drawing/2010/main" xmlns="" val="0"/>
+                <a14:useLocalDpi xmlns="" xmlns:a14="http://schemas.microsoft.com/office/drawing/2010/main" val="0"/>
               </a:ext>
             </a:extLst>
           </a:blip>
@@ -3189,7 +3190,7 @@
             <a:hlinkClick r:id="rId4"/>
             <a:extLst>
               <a:ext uri="{FF2B5EF4-FFF2-40B4-BE49-F238E27FC236}">
-                <a16:creationId xmlns:a16="http://schemas.microsoft.com/office/drawing/2014/main" xmlns="" id="{F2315EB3-3FE4-4D3B-921E-5F209CEC13CB}"/>
+                <a16:creationId xmlns="" xmlns:a16="http://schemas.microsoft.com/office/drawing/2014/main" id="{F2315EB3-3FE4-4D3B-921E-5F209CEC13CB}"/>
               </a:ext>
             </a:extLst>
           </p:cNvPr>
@@ -3212,7 +3213,7 @@
             </a:clrChange>
             <a:extLst>
               <a:ext uri="{28A0092B-C50C-407E-A947-70E740481C1C}">
-                <a14:useLocalDpi xmlns:a14="http://schemas.microsoft.com/office/drawing/2010/main" xmlns="" val="0"/>
+                <a14:useLocalDpi xmlns="" xmlns:a14="http://schemas.microsoft.com/office/drawing/2010/main" val="0"/>
               </a:ext>
             </a:extLst>
           </a:blip>
@@ -3235,7 +3236,7 @@
           <p:cNvPr id="40" name="Text Placeholder Author Position">
             <a:extLst>
               <a:ext uri="{FF2B5EF4-FFF2-40B4-BE49-F238E27FC236}">
-                <a16:creationId xmlns:a16="http://schemas.microsoft.com/office/drawing/2014/main" xmlns="" id="{CD940256-851E-46C8-8BFB-A5ECA6C7DA07}"/>
+                <a16:creationId xmlns="" xmlns:a16="http://schemas.microsoft.com/office/drawing/2014/main" id="{CD940256-851E-46C8-8BFB-A5ECA6C7DA07}"/>
               </a:ext>
             </a:extLst>
           </p:cNvPr>
@@ -3295,7 +3296,7 @@
           <p:cNvPr id="36" name="Text Placeholder Author Name">
             <a:extLst>
               <a:ext uri="{FF2B5EF4-FFF2-40B4-BE49-F238E27FC236}">
-                <a16:creationId xmlns:a16="http://schemas.microsoft.com/office/drawing/2014/main" xmlns="" id="{3B21F47B-DE1F-442D-A2B7-6866F8786704}"/>
+                <a16:creationId xmlns="" xmlns:a16="http://schemas.microsoft.com/office/drawing/2014/main" id="{3B21F47B-DE1F-442D-A2B7-6866F8786704}"/>
               </a:ext>
             </a:extLst>
           </p:cNvPr>
@@ -3355,7 +3356,7 @@
           <p:cNvPr id="33" name="Picture Placeholder Title Image">
             <a:extLst>
               <a:ext uri="{FF2B5EF4-FFF2-40B4-BE49-F238E27FC236}">
-                <a16:creationId xmlns:a16="http://schemas.microsoft.com/office/drawing/2014/main" xmlns="" id="{A04D819A-89E2-4714-8C56-1838BF467EF7}"/>
+                <a16:creationId xmlns="" xmlns:a16="http://schemas.microsoft.com/office/drawing/2014/main" id="{A04D819A-89E2-4714-8C56-1838BF467EF7}"/>
               </a:ext>
             </a:extLst>
           </p:cNvPr>
@@ -3397,7 +3398,7 @@
           <p:cNvPr id="43" name="Presentation Subtitle">
             <a:extLst>
               <a:ext uri="{FF2B5EF4-FFF2-40B4-BE49-F238E27FC236}">
-                <a16:creationId xmlns:a16="http://schemas.microsoft.com/office/drawing/2014/main" xmlns="" id="{37BDB812-1395-4B02-ABCF-6A331EEE23E5}"/>
+                <a16:creationId xmlns="" xmlns:a16="http://schemas.microsoft.com/office/drawing/2014/main" id="{37BDB812-1395-4B02-ABCF-6A331EEE23E5}"/>
               </a:ext>
             </a:extLst>
           </p:cNvPr>
@@ -3441,7 +3442,7 @@
           <p:cNvPr id="2" name="Presentation Title">
             <a:extLst>
               <a:ext uri="{FF2B5EF4-FFF2-40B4-BE49-F238E27FC236}">
-                <a16:creationId xmlns:a16="http://schemas.microsoft.com/office/drawing/2014/main" xmlns="" id="{A4DF3AB8-E6E3-4FCE-8A4A-ECD147720A5D}"/>
+                <a16:creationId xmlns="" xmlns:a16="http://schemas.microsoft.com/office/drawing/2014/main" id="{A4DF3AB8-E6E3-4FCE-8A4A-ECD147720A5D}"/>
               </a:ext>
             </a:extLst>
           </p:cNvPr>
@@ -3476,7 +3477,7 @@
     </p:spTree>
     <p:extLst>
       <p:ext uri="{BB962C8B-B14F-4D97-AF65-F5344CB8AC3E}">
-        <p14:creationId xmlns:p14="http://schemas.microsoft.com/office/powerpoint/2010/main" xmlns="" val="970179299"/>
+        <p14:creationId xmlns="" xmlns:p14="http://schemas.microsoft.com/office/powerpoint/2010/main" val="970179299"/>
       </p:ext>
     </p:extLst>
   </p:cSld>
@@ -3484,7 +3485,7 @@
     <a:masterClrMapping/>
   </p:clrMapOvr>
   <mc:AlternateContent xmlns:mc="http://schemas.openxmlformats.org/markup-compatibility/2006">
-    <mc:Choice xmlns:p14="http://schemas.microsoft.com/office/powerpoint/2010/main" xmlns="" Requires="p14">
+    <mc:Choice xmlns="" xmlns:p14="http://schemas.microsoft.com/office/powerpoint/2010/main" Requires="p14">
       <p:transition spd="slow" p14:dur="2000" advClick="0" advTm="5000"/>
     </mc:Choice>
     <mc:Fallback>
@@ -3493,7 +3494,7 @@
   </mc:AlternateContent>
   <p:extLst>
     <p:ext uri="{DCECCB84-F9BA-43D5-87BE-67443E8EF086}">
-      <p15:sldGuideLst xmlns:p15="http://schemas.microsoft.com/office/powerpoint/2012/main" xmlns="">
+      <p15:sldGuideLst xmlns="" xmlns:p15="http://schemas.microsoft.com/office/powerpoint/2012/main">
         <p15:guide id="1" orient="horz" pos="2160">
           <p15:clr>
             <a:srgbClr val="FBAE40"/>
@@ -3532,7 +3533,7 @@
           <p:cNvPr id="15" name="Slide Number">
             <a:extLst>
               <a:ext uri="{FF2B5EF4-FFF2-40B4-BE49-F238E27FC236}">
-                <a16:creationId xmlns:a16="http://schemas.microsoft.com/office/drawing/2014/main" xmlns="" id="{F888EE71-82B3-40F1-A63F-7417422FB4A4}"/>
+                <a16:creationId xmlns="" xmlns:a16="http://schemas.microsoft.com/office/drawing/2014/main" id="{F888EE71-82B3-40F1-A63F-7417422FB4A4}"/>
               </a:ext>
             </a:extLst>
           </p:cNvPr>
@@ -3574,7 +3575,7 @@
           <p:cNvPr id="14" name="Text Placeholder Body">
             <a:extLst>
               <a:ext uri="{FF2B5EF4-FFF2-40B4-BE49-F238E27FC236}">
-                <a16:creationId xmlns:a16="http://schemas.microsoft.com/office/drawing/2014/main" xmlns="" id="{A2ABE920-240F-4CF6-AD45-23ED489FAD6E}"/>
+                <a16:creationId xmlns="" xmlns:a16="http://schemas.microsoft.com/office/drawing/2014/main" id="{A2ABE920-240F-4CF6-AD45-23ED489FAD6E}"/>
               </a:ext>
             </a:extLst>
           </p:cNvPr>
@@ -3880,7 +3881,7 @@
           <p:cNvPr id="10" name="Rectangle Down">
             <a:extLst>
               <a:ext uri="{FF2B5EF4-FFF2-40B4-BE49-F238E27FC236}">
-                <a16:creationId xmlns:a16="http://schemas.microsoft.com/office/drawing/2014/main" xmlns="" id="{E9B994EC-35A8-4A11-98CB-25DC28852F94}"/>
+                <a16:creationId xmlns="" xmlns:a16="http://schemas.microsoft.com/office/drawing/2014/main" id="{E9B994EC-35A8-4A11-98CB-25DC28852F94}"/>
               </a:ext>
             </a:extLst>
           </p:cNvPr>
@@ -3961,7 +3962,7 @@
           <p:cNvPr id="11" name="Rectangle Top">
             <a:extLst>
               <a:ext uri="{FF2B5EF4-FFF2-40B4-BE49-F238E27FC236}">
-                <a16:creationId xmlns:a16="http://schemas.microsoft.com/office/drawing/2014/main" xmlns="" id="{274B8F05-DFCE-47BD-BAFD-DF93E1A63BDD}"/>
+                <a16:creationId xmlns="" xmlns:a16="http://schemas.microsoft.com/office/drawing/2014/main" id="{274B8F05-DFCE-47BD-BAFD-DF93E1A63BDD}"/>
               </a:ext>
             </a:extLst>
           </p:cNvPr>
@@ -4042,7 +4043,7 @@
           <p:cNvPr id="12" name="Logo Software University" descr="Software University logo">
             <a:extLst>
               <a:ext uri="{FF2B5EF4-FFF2-40B4-BE49-F238E27FC236}">
-                <a16:creationId xmlns:a16="http://schemas.microsoft.com/office/drawing/2014/main" xmlns="" id="{233CBB95-791E-4630-B3D9-FADFCE7BCF52}"/>
+                <a16:creationId xmlns="" xmlns:a16="http://schemas.microsoft.com/office/drawing/2014/main" id="{233CBB95-791E-4630-B3D9-FADFCE7BCF52}"/>
               </a:ext>
             </a:extLst>
           </p:cNvPr>
@@ -4055,7 +4056,7 @@
           <a:blip r:embed="rId2" cstate="print">
             <a:extLst>
               <a:ext uri="{28A0092B-C50C-407E-A947-70E740481C1C}">
-                <a14:useLocalDpi xmlns:a14="http://schemas.microsoft.com/office/drawing/2010/main" xmlns="" val="0"/>
+                <a14:useLocalDpi xmlns="" xmlns:a14="http://schemas.microsoft.com/office/drawing/2010/main" val="0"/>
               </a:ext>
             </a:extLst>
           </a:blip>
@@ -4078,7 +4079,7 @@
           <p:cNvPr id="13" name="Slide Title">
             <a:extLst>
               <a:ext uri="{FF2B5EF4-FFF2-40B4-BE49-F238E27FC236}">
-                <a16:creationId xmlns:a16="http://schemas.microsoft.com/office/drawing/2014/main" xmlns="" id="{3F218E34-55D7-4290-BFE4-80F31F941551}"/>
+                <a16:creationId xmlns="" xmlns:a16="http://schemas.microsoft.com/office/drawing/2014/main" id="{3F218E34-55D7-4290-BFE4-80F31F941551}"/>
               </a:ext>
             </a:extLst>
           </p:cNvPr>
@@ -4117,7 +4118,7 @@
     </p:spTree>
     <p:extLst>
       <p:ext uri="{BB962C8B-B14F-4D97-AF65-F5344CB8AC3E}">
-        <p14:creationId xmlns:p14="http://schemas.microsoft.com/office/powerpoint/2010/main" xmlns="" val="3774019400"/>
+        <p14:creationId xmlns="" xmlns:p14="http://schemas.microsoft.com/office/powerpoint/2010/main" val="3774019400"/>
       </p:ext>
     </p:extLst>
   </p:cSld>
@@ -4125,7 +4126,7 @@
     <a:masterClrMapping/>
   </p:clrMapOvr>
   <mc:AlternateContent xmlns:mc="http://schemas.openxmlformats.org/markup-compatibility/2006">
-    <mc:Choice xmlns:p14="http://schemas.microsoft.com/office/powerpoint/2010/main" xmlns="" Requires="p14">
+    <mc:Choice xmlns="" xmlns:p14="http://schemas.microsoft.com/office/powerpoint/2010/main" Requires="p14">
       <p:transition spd="slow" p14:dur="2000" advClick="0" advTm="5000"/>
     </mc:Choice>
     <mc:Fallback>
@@ -4165,7 +4166,7 @@
           <p:cNvPr id="35" name="Rectangle Bottom">
             <a:extLst>
               <a:ext uri="{FF2B5EF4-FFF2-40B4-BE49-F238E27FC236}">
-                <a16:creationId xmlns:a16="http://schemas.microsoft.com/office/drawing/2014/main" xmlns="" id="{550A59F9-9A9D-4956-95B4-F78CC0DB1D59}"/>
+                <a16:creationId xmlns="" xmlns:a16="http://schemas.microsoft.com/office/drawing/2014/main" id="{550A59F9-9A9D-4956-95B4-F78CC0DB1D59}"/>
               </a:ext>
             </a:extLst>
           </p:cNvPr>
@@ -4246,7 +4247,7 @@
           <p:cNvPr id="53" name="Rectangle Bottom Copyright">
             <a:extLst>
               <a:ext uri="{FF2B5EF4-FFF2-40B4-BE49-F238E27FC236}">
-                <a16:creationId xmlns:a16="http://schemas.microsoft.com/office/drawing/2014/main" xmlns="" id="{B07FB7FB-DA6C-4F5D-B068-357F0FCE27D8}"/>
+                <a16:creationId xmlns="" xmlns:a16="http://schemas.microsoft.com/office/drawing/2014/main" id="{B07FB7FB-DA6C-4F5D-B068-357F0FCE27D8}"/>
               </a:ext>
             </a:extLst>
           </p:cNvPr>
@@ -4303,7 +4304,7 @@
                 <a:hlinkClick r:id="rId2">
                   <a:extLst>
                     <a:ext uri="{A12FA001-AC4F-418D-AE19-62706E023703}">
-                      <ahyp:hlinkClr xmlns:ahyp="http://schemas.microsoft.com/office/drawing/2018/hyperlinkcolor" xmlns="" val="tx"/>
+                      <ahyp:hlinkClr xmlns="" xmlns:ahyp="http://schemas.microsoft.com/office/drawing/2018/hyperlinkcolor" val="tx"/>
                     </a:ext>
                   </a:extLst>
                 </a:hlinkClick>
@@ -4339,7 +4340,7 @@
           <p:cNvPr id="26" name="Picture SoftUni Mascot" descr="SoftUni mascot with open hand">
             <a:extLst>
               <a:ext uri="{FF2B5EF4-FFF2-40B4-BE49-F238E27FC236}">
-                <a16:creationId xmlns:a16="http://schemas.microsoft.com/office/drawing/2014/main" xmlns="" id="{247CFF3C-C4FA-493D-8505-DF469F4D36A4}"/>
+                <a16:creationId xmlns="" xmlns:a16="http://schemas.microsoft.com/office/drawing/2014/main" id="{247CFF3C-C4FA-493D-8505-DF469F4D36A4}"/>
               </a:ext>
             </a:extLst>
           </p:cNvPr>
@@ -4352,7 +4353,7 @@
           <a:blip r:embed="rId3" cstate="print">
             <a:extLst>
               <a:ext uri="{28A0092B-C50C-407E-A947-70E740481C1C}">
-                <a14:useLocalDpi xmlns:a14="http://schemas.microsoft.com/office/drawing/2010/main" xmlns="" val="0"/>
+                <a14:useLocalDpi xmlns="" xmlns:a14="http://schemas.microsoft.com/office/drawing/2010/main" val="0"/>
               </a:ext>
             </a:extLst>
           </a:blip>
@@ -4375,7 +4376,7 @@
           <p:cNvPr id="2" name="Group SoftUni Brands">
             <a:extLst>
               <a:ext uri="{FF2B5EF4-FFF2-40B4-BE49-F238E27FC236}">
-                <a16:creationId xmlns:a16="http://schemas.microsoft.com/office/drawing/2014/main" xmlns="" id="{418FAE34-C1F8-46C7-A4AE-F270D1E70F25}"/>
+                <a16:creationId xmlns="" xmlns:a16="http://schemas.microsoft.com/office/drawing/2014/main" id="{418FAE34-C1F8-46C7-A4AE-F270D1E70F25}"/>
               </a:ext>
             </a:extLst>
           </p:cNvPr>
@@ -4395,7 +4396,7 @@
             <p:cNvPr id="24" name="Picture SoftUni Kids Logo" descr="SoftUni Kids logo">
               <a:extLst>
                 <a:ext uri="{FF2B5EF4-FFF2-40B4-BE49-F238E27FC236}">
-                  <a16:creationId xmlns:a16="http://schemas.microsoft.com/office/drawing/2014/main" xmlns="" id="{B0812936-74B6-4265-8C08-AEDC8C798702}"/>
+                  <a16:creationId xmlns="" xmlns:a16="http://schemas.microsoft.com/office/drawing/2014/main" id="{B0812936-74B6-4265-8C08-AEDC8C798702}"/>
                 </a:ext>
               </a:extLst>
             </p:cNvPr>
@@ -4408,7 +4409,7 @@
             <a:blip r:embed="rId4" cstate="print">
               <a:extLst>
                 <a:ext uri="{28A0092B-C50C-407E-A947-70E740481C1C}">
-                  <a14:useLocalDpi xmlns:a14="http://schemas.microsoft.com/office/drawing/2010/main" xmlns="" val="0"/>
+                  <a14:useLocalDpi xmlns="" xmlns:a14="http://schemas.microsoft.com/office/drawing/2010/main" val="0"/>
                 </a:ext>
               </a:extLst>
             </a:blip>
@@ -4431,7 +4432,7 @@
             <p:cNvPr id="23" name="Picture SoftUni Foundation Logo" descr="SoftUni Foundation logo">
               <a:extLst>
                 <a:ext uri="{FF2B5EF4-FFF2-40B4-BE49-F238E27FC236}">
-                  <a16:creationId xmlns:a16="http://schemas.microsoft.com/office/drawing/2014/main" xmlns="" id="{6643F71A-2013-433A-8322-FBAAED3162D8}"/>
+                  <a16:creationId xmlns="" xmlns:a16="http://schemas.microsoft.com/office/drawing/2014/main" id="{6643F71A-2013-433A-8322-FBAAED3162D8}"/>
                 </a:ext>
               </a:extLst>
             </p:cNvPr>
@@ -4444,7 +4445,7 @@
             <a:blip r:embed="rId5" cstate="print">
               <a:extLst>
                 <a:ext uri="{28A0092B-C50C-407E-A947-70E740481C1C}">
-                  <a14:useLocalDpi xmlns:a14="http://schemas.microsoft.com/office/drawing/2010/main" xmlns="" val="0"/>
+                  <a14:useLocalDpi xmlns="" xmlns:a14="http://schemas.microsoft.com/office/drawing/2010/main" val="0"/>
                 </a:ext>
               </a:extLst>
             </a:blip>
@@ -4467,7 +4468,7 @@
             <p:cNvPr id="22" name="Picture SoftUni Digital Logo" descr="SoftUni Digital logo">
               <a:extLst>
                 <a:ext uri="{FF2B5EF4-FFF2-40B4-BE49-F238E27FC236}">
-                  <a16:creationId xmlns:a16="http://schemas.microsoft.com/office/drawing/2014/main" xmlns="" id="{0A83D66F-855B-463B-920B-BF239B01A206}"/>
+                  <a16:creationId xmlns="" xmlns:a16="http://schemas.microsoft.com/office/drawing/2014/main" id="{0A83D66F-855B-463B-920B-BF239B01A206}"/>
                 </a:ext>
               </a:extLst>
             </p:cNvPr>
@@ -4480,7 +4481,7 @@
             <a:blip r:embed="rId6" cstate="print">
               <a:extLst>
                 <a:ext uri="{28A0092B-C50C-407E-A947-70E740481C1C}">
-                  <a14:useLocalDpi xmlns:a14="http://schemas.microsoft.com/office/drawing/2010/main" xmlns="" val="0"/>
+                  <a14:useLocalDpi xmlns="" xmlns:a14="http://schemas.microsoft.com/office/drawing/2010/main" val="0"/>
                 </a:ext>
               </a:extLst>
             </a:blip>
@@ -4503,7 +4504,7 @@
             <p:cNvPr id="21" name="Picture SoftUni Creative Logo" descr="SoftUni Creative logo">
               <a:extLst>
                 <a:ext uri="{FF2B5EF4-FFF2-40B4-BE49-F238E27FC236}">
-                  <a16:creationId xmlns:a16="http://schemas.microsoft.com/office/drawing/2014/main" xmlns="" id="{EA755AAE-BA08-481C-9224-0061170EE4B8}"/>
+                  <a16:creationId xmlns="" xmlns:a16="http://schemas.microsoft.com/office/drawing/2014/main" id="{EA755AAE-BA08-481C-9224-0061170EE4B8}"/>
                 </a:ext>
               </a:extLst>
             </p:cNvPr>
@@ -4516,7 +4517,7 @@
             <a:blip r:embed="rId7" cstate="print">
               <a:extLst>
                 <a:ext uri="{28A0092B-C50C-407E-A947-70E740481C1C}">
-                  <a14:useLocalDpi xmlns:a14="http://schemas.microsoft.com/office/drawing/2010/main" xmlns="" val="0"/>
+                  <a14:useLocalDpi xmlns="" xmlns:a14="http://schemas.microsoft.com/office/drawing/2010/main" val="0"/>
                 </a:ext>
               </a:extLst>
             </a:blip>
@@ -4539,7 +4540,7 @@
             <p:cNvPr id="20" name="Picture SoftUni Svetlina Logo" descr="SoftUni Svetlina logo">
               <a:extLst>
                 <a:ext uri="{FF2B5EF4-FFF2-40B4-BE49-F238E27FC236}">
-                  <a16:creationId xmlns:a16="http://schemas.microsoft.com/office/drawing/2014/main" xmlns="" id="{827D15FD-4C66-4B85-98E6-7826AA8F61C6}"/>
+                  <a16:creationId xmlns="" xmlns:a16="http://schemas.microsoft.com/office/drawing/2014/main" id="{827D15FD-4C66-4B85-98E6-7826AA8F61C6}"/>
                 </a:ext>
               </a:extLst>
             </p:cNvPr>
@@ -4552,7 +4553,7 @@
             <a:blip r:embed="rId8" cstate="print">
               <a:extLst>
                 <a:ext uri="{28A0092B-C50C-407E-A947-70E740481C1C}">
-                  <a14:useLocalDpi xmlns:a14="http://schemas.microsoft.com/office/drawing/2010/main" xmlns="" val="0"/>
+                  <a14:useLocalDpi xmlns="" xmlns:a14="http://schemas.microsoft.com/office/drawing/2010/main" val="0"/>
                 </a:ext>
               </a:extLst>
             </a:blip>
@@ -4575,7 +4576,7 @@
             <p:cNvPr id="25" name="Picture Software University Logo" descr="Software University logo">
               <a:extLst>
                 <a:ext uri="{FF2B5EF4-FFF2-40B4-BE49-F238E27FC236}">
-                  <a16:creationId xmlns:a16="http://schemas.microsoft.com/office/drawing/2014/main" xmlns="" id="{C74C190C-5856-41B9-8819-AE8DE0E10980}"/>
+                  <a16:creationId xmlns="" xmlns:a16="http://schemas.microsoft.com/office/drawing/2014/main" id="{C74C190C-5856-41B9-8819-AE8DE0E10980}"/>
                 </a:ext>
               </a:extLst>
             </p:cNvPr>
@@ -4588,7 +4589,7 @@
             <a:blip r:embed="rId9" cstate="print">
               <a:extLst>
                 <a:ext uri="{28A0092B-C50C-407E-A947-70E740481C1C}">
-                  <a14:useLocalDpi xmlns:a14="http://schemas.microsoft.com/office/drawing/2010/main" xmlns="" val="0"/>
+                  <a14:useLocalDpi xmlns="" xmlns:a14="http://schemas.microsoft.com/office/drawing/2010/main" val="0"/>
                 </a:ext>
               </a:extLst>
             </a:blip>
@@ -4611,7 +4612,7 @@
             <p:cNvPr id="33" name="Straight Connector 6">
               <a:extLst>
                 <a:ext uri="{FF2B5EF4-FFF2-40B4-BE49-F238E27FC236}">
-                  <a16:creationId xmlns:a16="http://schemas.microsoft.com/office/drawing/2014/main" xmlns="" id="{5C63D1E8-4A92-4691-8A24-A2FC7E8008E5}"/>
+                  <a16:creationId xmlns="" xmlns:a16="http://schemas.microsoft.com/office/drawing/2014/main" id="{5C63D1E8-4A92-4691-8A24-A2FC7E8008E5}"/>
                 </a:ext>
               </a:extLst>
             </p:cNvPr>
@@ -4650,7 +4651,7 @@
             <p:cNvPr id="32" name="Straight Connector 5">
               <a:extLst>
                 <a:ext uri="{FF2B5EF4-FFF2-40B4-BE49-F238E27FC236}">
-                  <a16:creationId xmlns:a16="http://schemas.microsoft.com/office/drawing/2014/main" xmlns="" id="{6E91D320-3732-40B8-864D-142D0A277ED1}"/>
+                  <a16:creationId xmlns="" xmlns:a16="http://schemas.microsoft.com/office/drawing/2014/main" id="{6E91D320-3732-40B8-864D-142D0A277ED1}"/>
                 </a:ext>
               </a:extLst>
             </p:cNvPr>
@@ -4689,7 +4690,7 @@
             <p:cNvPr id="31" name="Straight Connector 4">
               <a:extLst>
                 <a:ext uri="{FF2B5EF4-FFF2-40B4-BE49-F238E27FC236}">
-                  <a16:creationId xmlns:a16="http://schemas.microsoft.com/office/drawing/2014/main" xmlns="" id="{299ABE09-E33C-46B7-A80D-7BF4A6956211}"/>
+                  <a16:creationId xmlns="" xmlns:a16="http://schemas.microsoft.com/office/drawing/2014/main" id="{299ABE09-E33C-46B7-A80D-7BF4A6956211}"/>
                 </a:ext>
               </a:extLst>
             </p:cNvPr>
@@ -4726,7 +4727,7 @@
             <p:cNvPr id="30" name="Straight Connector 3">
               <a:extLst>
                 <a:ext uri="{FF2B5EF4-FFF2-40B4-BE49-F238E27FC236}">
-                  <a16:creationId xmlns:a16="http://schemas.microsoft.com/office/drawing/2014/main" xmlns="" id="{93DDBF37-0764-47AA-94E3-9A44F3ED8FB5}"/>
+                  <a16:creationId xmlns="" xmlns:a16="http://schemas.microsoft.com/office/drawing/2014/main" id="{93DDBF37-0764-47AA-94E3-9A44F3ED8FB5}"/>
                 </a:ext>
               </a:extLst>
             </p:cNvPr>
@@ -4763,7 +4764,7 @@
             <p:cNvPr id="29" name="Straight Connector 2">
               <a:extLst>
                 <a:ext uri="{FF2B5EF4-FFF2-40B4-BE49-F238E27FC236}">
-                  <a16:creationId xmlns:a16="http://schemas.microsoft.com/office/drawing/2014/main" xmlns="" id="{72BFE2F3-0845-4E5B-9375-E9D4027DD675}"/>
+                  <a16:creationId xmlns="" xmlns:a16="http://schemas.microsoft.com/office/drawing/2014/main" id="{72BFE2F3-0845-4E5B-9375-E9D4027DD675}"/>
                 </a:ext>
               </a:extLst>
             </p:cNvPr>
@@ -4800,7 +4801,7 @@
             <p:cNvPr id="28" name="Straight Connector 1">
               <a:extLst>
                 <a:ext uri="{FF2B5EF4-FFF2-40B4-BE49-F238E27FC236}">
-                  <a16:creationId xmlns:a16="http://schemas.microsoft.com/office/drawing/2014/main" xmlns="" id="{D4E5982E-3110-47E1-A5BB-91B7BECC3093}"/>
+                  <a16:creationId xmlns="" xmlns:a16="http://schemas.microsoft.com/office/drawing/2014/main" id="{D4E5982E-3110-47E1-A5BB-91B7BECC3093}"/>
                 </a:ext>
               </a:extLst>
             </p:cNvPr>
@@ -4837,7 +4838,7 @@
             <p:cNvPr id="27" name="Straight Connector Horizontal">
               <a:extLst>
                 <a:ext uri="{FF2B5EF4-FFF2-40B4-BE49-F238E27FC236}">
-                  <a16:creationId xmlns:a16="http://schemas.microsoft.com/office/drawing/2014/main" xmlns="" id="{5F62FB7C-BD6E-4383-98C1-2CF30F34CAFD}"/>
+                  <a16:creationId xmlns="" xmlns:a16="http://schemas.microsoft.com/office/drawing/2014/main" id="{5F62FB7C-BD6E-4383-98C1-2CF30F34CAFD}"/>
                 </a:ext>
               </a:extLst>
             </p:cNvPr>
@@ -4876,7 +4877,7 @@
             <p:cNvPr id="34" name="Straight Connector 0">
               <a:extLst>
                 <a:ext uri="{FF2B5EF4-FFF2-40B4-BE49-F238E27FC236}">
-                  <a16:creationId xmlns:a16="http://schemas.microsoft.com/office/drawing/2014/main" xmlns="" id="{C84A0FE1-723D-4682-8682-77BAD950EE15}"/>
+                  <a16:creationId xmlns="" xmlns:a16="http://schemas.microsoft.com/office/drawing/2014/main" id="{C84A0FE1-723D-4682-8682-77BAD950EE15}"/>
                 </a:ext>
               </a:extLst>
             </p:cNvPr>
@@ -4913,7 +4914,7 @@
             <p:cNvPr id="18" name="Picture SoftUni Logo" descr="SoftUni logo">
               <a:extLst>
                 <a:ext uri="{FF2B5EF4-FFF2-40B4-BE49-F238E27FC236}">
-                  <a16:creationId xmlns:a16="http://schemas.microsoft.com/office/drawing/2014/main" xmlns="" id="{A0675455-B7FA-4569-A5FD-A3B0F20B2A26}"/>
+                  <a16:creationId xmlns="" xmlns:a16="http://schemas.microsoft.com/office/drawing/2014/main" id="{A0675455-B7FA-4569-A5FD-A3B0F20B2A26}"/>
                 </a:ext>
               </a:extLst>
             </p:cNvPr>
@@ -4926,7 +4927,7 @@
             <a:blip r:embed="rId10" cstate="print">
               <a:extLst>
                 <a:ext uri="{28A0092B-C50C-407E-A947-70E740481C1C}">
-                  <a14:useLocalDpi xmlns:a14="http://schemas.microsoft.com/office/drawing/2010/main" xmlns="" val="0"/>
+                  <a14:useLocalDpi xmlns="" xmlns:a14="http://schemas.microsoft.com/office/drawing/2010/main" val="0"/>
                 </a:ext>
               </a:extLst>
             </a:blip>
@@ -4950,7 +4951,7 @@
           <p:cNvPr id="19" name="Slide Title">
             <a:extLst>
               <a:ext uri="{FF2B5EF4-FFF2-40B4-BE49-F238E27FC236}">
-                <a16:creationId xmlns:a16="http://schemas.microsoft.com/office/drawing/2014/main" xmlns="" id="{7CFDBB16-985C-4CC7-B6DB-B81B36037922}"/>
+                <a16:creationId xmlns="" xmlns:a16="http://schemas.microsoft.com/office/drawing/2014/main" id="{7CFDBB16-985C-4CC7-B6DB-B81B36037922}"/>
               </a:ext>
             </a:extLst>
           </p:cNvPr>
@@ -5053,7 +5054,7 @@
           <p:cNvPr id="36" name="Logo Software University" descr="Software University logo">
             <a:extLst>
               <a:ext uri="{FF2B5EF4-FFF2-40B4-BE49-F238E27FC236}">
-                <a16:creationId xmlns:a16="http://schemas.microsoft.com/office/drawing/2014/main" xmlns="" id="{67FC4D2E-913D-432A-B658-F0D82839FA5E}"/>
+                <a16:creationId xmlns="" xmlns:a16="http://schemas.microsoft.com/office/drawing/2014/main" id="{67FC4D2E-913D-432A-B658-F0D82839FA5E}"/>
               </a:ext>
             </a:extLst>
           </p:cNvPr>
@@ -5076,7 +5077,7 @@
             </a:clrChange>
             <a:extLst>
               <a:ext uri="{28A0092B-C50C-407E-A947-70E740481C1C}">
-                <a14:useLocalDpi xmlns:a14="http://schemas.microsoft.com/office/drawing/2010/main" xmlns="" val="0"/>
+                <a14:useLocalDpi xmlns="" xmlns:a14="http://schemas.microsoft.com/office/drawing/2010/main" val="0"/>
               </a:ext>
             </a:extLst>
           </a:blip>
@@ -5097,7 +5098,7 @@
     </p:spTree>
     <p:extLst>
       <p:ext uri="{BB962C8B-B14F-4D97-AF65-F5344CB8AC3E}">
-        <p14:creationId xmlns:p14="http://schemas.microsoft.com/office/powerpoint/2010/main" xmlns="" val="4192061223"/>
+        <p14:creationId xmlns="" xmlns:p14="http://schemas.microsoft.com/office/powerpoint/2010/main" val="4192061223"/>
       </p:ext>
     </p:extLst>
   </p:cSld>
@@ -5105,7 +5106,7 @@
     <a:masterClrMapping/>
   </p:clrMapOvr>
   <mc:AlternateContent xmlns:mc="http://schemas.openxmlformats.org/markup-compatibility/2006">
-    <mc:Choice xmlns:p14="http://schemas.microsoft.com/office/powerpoint/2010/main" xmlns="" Requires="p14">
+    <mc:Choice xmlns="" xmlns:p14="http://schemas.microsoft.com/office/powerpoint/2010/main" Requires="p14">
       <p:transition spd="slow" p14:dur="2000" advClick="0" advTm="5000"/>
     </mc:Choice>
     <mc:Fallback>
@@ -5114,7 +5115,7 @@
   </mc:AlternateContent>
   <p:extLst>
     <p:ext uri="{DCECCB84-F9BA-43D5-87BE-67443E8EF086}">
-      <p15:sldGuideLst xmlns:p15="http://schemas.microsoft.com/office/powerpoint/2012/main" xmlns="">
+      <p15:sldGuideLst xmlns="" xmlns:p15="http://schemas.microsoft.com/office/powerpoint/2012/main">
         <p15:guide id="1" orient="horz" pos="2160">
           <p15:clr>
             <a:srgbClr val="FBAE40"/>
@@ -5153,7 +5154,7 @@
           <p:cNvPr id="13" name="Slide Number">
             <a:extLst>
               <a:ext uri="{FF2B5EF4-FFF2-40B4-BE49-F238E27FC236}">
-                <a16:creationId xmlns:a16="http://schemas.microsoft.com/office/drawing/2014/main" xmlns="" id="{5B8761D8-B42F-4A70-A0CE-682CEB2AE31B}"/>
+                <a16:creationId xmlns="" xmlns:a16="http://schemas.microsoft.com/office/drawing/2014/main" id="{5B8761D8-B42F-4A70-A0CE-682CEB2AE31B}"/>
               </a:ext>
             </a:extLst>
           </p:cNvPr>
@@ -5196,7 +5197,7 @@
             <a:hlinkClick r:id="rId2" tooltip="Software University Discussion Forum"/>
             <a:extLst>
               <a:ext uri="{FF2B5EF4-FFF2-40B4-BE49-F238E27FC236}">
-                <a16:creationId xmlns:a16="http://schemas.microsoft.com/office/drawing/2014/main" xmlns="" id="{98C579AD-FAF5-4B28-9B52-5457F1E90061}"/>
+                <a16:creationId xmlns="" xmlns:a16="http://schemas.microsoft.com/office/drawing/2014/main" id="{98C579AD-FAF5-4B28-9B52-5457F1E90061}"/>
               </a:ext>
             </a:extLst>
           </p:cNvPr>
@@ -5209,7 +5210,7 @@
           <a:blip r:embed="rId3" cstate="print">
             <a:extLst>
               <a:ext uri="{28A0092B-C50C-407E-A947-70E740481C1C}">
-                <a14:useLocalDpi xmlns:a14="http://schemas.microsoft.com/office/drawing/2010/main" xmlns=""/>
+                <a14:useLocalDpi xmlns="" xmlns:a14="http://schemas.microsoft.com/office/drawing/2010/main"/>
               </a:ext>
             </a:extLst>
           </a:blip>
@@ -5233,7 +5234,7 @@
             <a:hlinkClick r:id="rId4" tooltip="Software University @ Facebook"/>
             <a:extLst>
               <a:ext uri="{FF2B5EF4-FFF2-40B4-BE49-F238E27FC236}">
-                <a16:creationId xmlns:a16="http://schemas.microsoft.com/office/drawing/2014/main" xmlns="" id="{6B2C510E-5EF2-49F6-B926-2BD74CD3C7F8}"/>
+                <a16:creationId xmlns="" xmlns:a16="http://schemas.microsoft.com/office/drawing/2014/main" id="{6B2C510E-5EF2-49F6-B926-2BD74CD3C7F8}"/>
               </a:ext>
             </a:extLst>
           </p:cNvPr>
@@ -5246,7 +5247,7 @@
           <a:blip r:embed="rId5" cstate="print">
             <a:extLst>
               <a:ext uri="{28A0092B-C50C-407E-A947-70E740481C1C}">
-                <a14:useLocalDpi xmlns:a14="http://schemas.microsoft.com/office/drawing/2010/main" xmlns=""/>
+                <a14:useLocalDpi xmlns="" xmlns:a14="http://schemas.microsoft.com/office/drawing/2010/main"/>
               </a:ext>
             </a:extLst>
           </a:blip>
@@ -5264,7 +5265,7 @@
           <a:noFill/>
           <a:extLst>
             <a:ext uri="{909E8E84-426E-40DD-AFC4-6F175D3DCCD1}">
-              <a14:hiddenFill xmlns:a14="http://schemas.microsoft.com/office/drawing/2010/main" xmlns="">
+              <a14:hiddenFill xmlns="" xmlns:a14="http://schemas.microsoft.com/office/drawing/2010/main">
                 <a:solidFill>
                   <a:srgbClr val="FFFFFF"/>
                 </a:solidFill>
@@ -5279,7 +5280,7 @@
             <a:hlinkClick r:id="rId6"/>
             <a:extLst>
               <a:ext uri="{FF2B5EF4-FFF2-40B4-BE49-F238E27FC236}">
-                <a16:creationId xmlns:a16="http://schemas.microsoft.com/office/drawing/2014/main" xmlns="" id="{F4604840-E810-44B7-9FF1-3B28CD68B758}"/>
+                <a16:creationId xmlns="" xmlns:a16="http://schemas.microsoft.com/office/drawing/2014/main" id="{F4604840-E810-44B7-9FF1-3B28CD68B758}"/>
               </a:ext>
             </a:extLst>
           </p:cNvPr>
@@ -5292,7 +5293,7 @@
           <a:blip r:embed="rId7" cstate="print">
             <a:extLst>
               <a:ext uri="{28A0092B-C50C-407E-A947-70E740481C1C}">
-                <a14:useLocalDpi xmlns:a14="http://schemas.microsoft.com/office/drawing/2010/main" xmlns="" val="0"/>
+                <a14:useLocalDpi xmlns="" xmlns:a14="http://schemas.microsoft.com/office/drawing/2010/main" val="0"/>
               </a:ext>
             </a:extLst>
           </a:blip>
@@ -5316,7 +5317,7 @@
             <a:hlinkClick r:id="rId8"/>
             <a:extLst>
               <a:ext uri="{FF2B5EF4-FFF2-40B4-BE49-F238E27FC236}">
-                <a16:creationId xmlns:a16="http://schemas.microsoft.com/office/drawing/2014/main" xmlns="" id="{07C965FA-A87E-4824-AFA8-C67AF548A76A}"/>
+                <a16:creationId xmlns="" xmlns:a16="http://schemas.microsoft.com/office/drawing/2014/main" id="{07C965FA-A87E-4824-AFA8-C67AF548A76A}"/>
               </a:ext>
             </a:extLst>
           </p:cNvPr>
@@ -5329,7 +5330,7 @@
           <a:blip r:embed="rId9" cstate="print">
             <a:extLst>
               <a:ext uri="{28A0092B-C50C-407E-A947-70E740481C1C}">
-                <a14:useLocalDpi xmlns:a14="http://schemas.microsoft.com/office/drawing/2010/main" xmlns="" val="0"/>
+                <a14:useLocalDpi xmlns="" xmlns:a14="http://schemas.microsoft.com/office/drawing/2010/main" val="0"/>
               </a:ext>
             </a:extLst>
           </a:blip>
@@ -5351,7 +5352,7 @@
           <p:cNvPr id="12" name="Slide Body Text">
             <a:extLst>
               <a:ext uri="{FF2B5EF4-FFF2-40B4-BE49-F238E27FC236}">
-                <a16:creationId xmlns:a16="http://schemas.microsoft.com/office/drawing/2014/main" xmlns="" id="{0C1F9416-8B6E-46DE-973C-777785E27A26}"/>
+                <a16:creationId xmlns="" xmlns:a16="http://schemas.microsoft.com/office/drawing/2014/main" id="{0C1F9416-8B6E-46DE-973C-777785E27A26}"/>
               </a:ext>
             </a:extLst>
           </p:cNvPr>
@@ -5476,7 +5477,7 @@
           <p:cNvPr id="10" name="Rectangle Top">
             <a:extLst>
               <a:ext uri="{FF2B5EF4-FFF2-40B4-BE49-F238E27FC236}">
-                <a16:creationId xmlns:a16="http://schemas.microsoft.com/office/drawing/2014/main" xmlns="" id="{86646B95-5E3B-4DE8-9118-031C2C296D8C}"/>
+                <a16:creationId xmlns="" xmlns:a16="http://schemas.microsoft.com/office/drawing/2014/main" id="{86646B95-5E3B-4DE8-9118-031C2C296D8C}"/>
               </a:ext>
             </a:extLst>
           </p:cNvPr>
@@ -5557,7 +5558,7 @@
           <p:cNvPr id="11" name="Logo Software University" descr="Software University logo">
             <a:extLst>
               <a:ext uri="{FF2B5EF4-FFF2-40B4-BE49-F238E27FC236}">
-                <a16:creationId xmlns:a16="http://schemas.microsoft.com/office/drawing/2014/main" xmlns="" id="{58AB1944-B146-4E89-B2D9-426EB610F319}"/>
+                <a16:creationId xmlns="" xmlns:a16="http://schemas.microsoft.com/office/drawing/2014/main" id="{58AB1944-B146-4E89-B2D9-426EB610F319}"/>
               </a:ext>
             </a:extLst>
           </p:cNvPr>
@@ -5570,7 +5571,7 @@
           <a:blip r:embed="rId11" cstate="print">
             <a:extLst>
               <a:ext uri="{28A0092B-C50C-407E-A947-70E740481C1C}">
-                <a14:useLocalDpi xmlns:a14="http://schemas.microsoft.com/office/drawing/2010/main" xmlns="" val="0"/>
+                <a14:useLocalDpi xmlns="" xmlns:a14="http://schemas.microsoft.com/office/drawing/2010/main" val="0"/>
               </a:ext>
             </a:extLst>
           </a:blip>
@@ -5593,7 +5594,7 @@
           <p:cNvPr id="18" name="Slide Title">
             <a:extLst>
               <a:ext uri="{FF2B5EF4-FFF2-40B4-BE49-F238E27FC236}">
-                <a16:creationId xmlns:a16="http://schemas.microsoft.com/office/drawing/2014/main" xmlns="" id="{AE87ED9C-76E1-4D85-9B06-3AF44AABB668}"/>
+                <a16:creationId xmlns="" xmlns:a16="http://schemas.microsoft.com/office/drawing/2014/main" id="{AE87ED9C-76E1-4D85-9B06-3AF44AABB668}"/>
               </a:ext>
             </a:extLst>
           </p:cNvPr>
@@ -5632,7 +5633,7 @@
     </p:spTree>
     <p:extLst>
       <p:ext uri="{BB962C8B-B14F-4D97-AF65-F5344CB8AC3E}">
-        <p14:creationId xmlns:p14="http://schemas.microsoft.com/office/powerpoint/2010/main" xmlns="" val="2196466322"/>
+        <p14:creationId xmlns="" xmlns:p14="http://schemas.microsoft.com/office/powerpoint/2010/main" val="2196466322"/>
       </p:ext>
     </p:extLst>
   </p:cSld>
@@ -5640,7 +5641,7 @@
     <a:masterClrMapping/>
   </p:clrMapOvr>
   <mc:AlternateContent xmlns:mc="http://schemas.openxmlformats.org/markup-compatibility/2006">
-    <mc:Choice xmlns:p14="http://schemas.microsoft.com/office/powerpoint/2010/main" xmlns="" Requires="p14">
+    <mc:Choice xmlns="" xmlns:p14="http://schemas.microsoft.com/office/powerpoint/2010/main" Requires="p14">
       <p:transition spd="slow" p14:dur="2000" advClick="0" advTm="5000"/>
     </mc:Choice>
     <mc:Fallback>
@@ -5672,7 +5673,7 @@
           <p:cNvPr id="9" name="Oval Center Icon">
             <a:extLst>
               <a:ext uri="{FF2B5EF4-FFF2-40B4-BE49-F238E27FC236}">
-                <a16:creationId xmlns:a16="http://schemas.microsoft.com/office/drawing/2014/main" xmlns="" id="{13B9A8FE-2718-4F2C-98D4-CBF86AD69D58}"/>
+                <a16:creationId xmlns="" xmlns:a16="http://schemas.microsoft.com/office/drawing/2014/main" id="{13B9A8FE-2718-4F2C-98D4-CBF86AD69D58}"/>
               </a:ext>
             </a:extLst>
           </p:cNvPr>
@@ -5753,7 +5754,7 @@
           <p:cNvPr id="8" name="Slide Subtitle">
             <a:extLst>
               <a:ext uri="{FF2B5EF4-FFF2-40B4-BE49-F238E27FC236}">
-                <a16:creationId xmlns:a16="http://schemas.microsoft.com/office/drawing/2014/main" xmlns="" id="{588387B4-E99E-4145-9D1D-F17CA5190DFD}"/>
+                <a16:creationId xmlns="" xmlns:a16="http://schemas.microsoft.com/office/drawing/2014/main" id="{588387B4-E99E-4145-9D1D-F17CA5190DFD}"/>
               </a:ext>
             </a:extLst>
           </p:cNvPr>
@@ -5803,7 +5804,7 @@
           <p:cNvPr id="13" name="Slide Title">
             <a:extLst>
               <a:ext uri="{FF2B5EF4-FFF2-40B4-BE49-F238E27FC236}">
-                <a16:creationId xmlns:a16="http://schemas.microsoft.com/office/drawing/2014/main" xmlns="" id="{8A28C56F-AE84-49D0-9AD1-1F0CEEABF710}"/>
+                <a16:creationId xmlns="" xmlns:a16="http://schemas.microsoft.com/office/drawing/2014/main" id="{8A28C56F-AE84-49D0-9AD1-1F0CEEABF710}"/>
               </a:ext>
             </a:extLst>
           </p:cNvPr>
@@ -5848,7 +5849,7 @@
     </p:spTree>
     <p:extLst>
       <p:ext uri="{BB962C8B-B14F-4D97-AF65-F5344CB8AC3E}">
-        <p14:creationId xmlns:p14="http://schemas.microsoft.com/office/powerpoint/2010/main" xmlns="" val="475389923"/>
+        <p14:creationId xmlns="" xmlns:p14="http://schemas.microsoft.com/office/powerpoint/2010/main" val="475389923"/>
       </p:ext>
     </p:extLst>
   </p:cSld>
@@ -5856,7 +5857,7 @@
     <a:masterClrMapping/>
   </p:clrMapOvr>
   <mc:AlternateContent xmlns:mc="http://schemas.openxmlformats.org/markup-compatibility/2006">
-    <mc:Choice xmlns:p14="http://schemas.microsoft.com/office/powerpoint/2010/main" xmlns="" Requires="p14">
+    <mc:Choice xmlns="" xmlns:p14="http://schemas.microsoft.com/office/powerpoint/2010/main" Requires="p14">
       <p:transition spd="slow" p14:dur="2000" advClick="0" advTm="5000"/>
     </mc:Choice>
     <mc:Fallback>
@@ -5889,7 +5890,7 @@
           <p:cNvPr id="2" name="Title 1">
             <a:extLst>
               <a:ext uri="{FF2B5EF4-FFF2-40B4-BE49-F238E27FC236}">
-                <a16:creationId xmlns:a16="http://schemas.microsoft.com/office/drawing/2014/main" xmlns="" id="{5213C145-EA12-94EF-AA17-5F628EA0AD2D}"/>
+                <a16:creationId xmlns="" xmlns:a16="http://schemas.microsoft.com/office/drawing/2014/main" id="{5213C145-EA12-94EF-AA17-5F628EA0AD2D}"/>
               </a:ext>
             </a:extLst>
           </p:cNvPr>
@@ -5927,7 +5928,7 @@
           <p:cNvPr id="3" name="Subtitle 2">
             <a:extLst>
               <a:ext uri="{FF2B5EF4-FFF2-40B4-BE49-F238E27FC236}">
-                <a16:creationId xmlns:a16="http://schemas.microsoft.com/office/drawing/2014/main" xmlns="" id="{5F55E72E-5B45-B6EE-75AE-03B188AD9A08}"/>
+                <a16:creationId xmlns="" xmlns:a16="http://schemas.microsoft.com/office/drawing/2014/main" id="{5F55E72E-5B45-B6EE-75AE-03B188AD9A08}"/>
               </a:ext>
             </a:extLst>
           </p:cNvPr>
@@ -5998,7 +5999,7 @@
           <p:cNvPr id="4" name="Date Placeholder 3">
             <a:extLst>
               <a:ext uri="{FF2B5EF4-FFF2-40B4-BE49-F238E27FC236}">
-                <a16:creationId xmlns:a16="http://schemas.microsoft.com/office/drawing/2014/main" xmlns="" id="{30C6A8EA-0240-01AB-A7C2-BD1CD885E1C1}"/>
+                <a16:creationId xmlns="" xmlns:a16="http://schemas.microsoft.com/office/drawing/2014/main" id="{30C6A8EA-0240-01AB-A7C2-BD1CD885E1C1}"/>
               </a:ext>
             </a:extLst>
           </p:cNvPr>
@@ -6028,7 +6029,7 @@
           <p:cNvPr id="5" name="Footer Placeholder 4">
             <a:extLst>
               <a:ext uri="{FF2B5EF4-FFF2-40B4-BE49-F238E27FC236}">
-                <a16:creationId xmlns:a16="http://schemas.microsoft.com/office/drawing/2014/main" xmlns="" id="{F95CBF96-4249-1541-E44E-FBCECA233B3C}"/>
+                <a16:creationId xmlns="" xmlns:a16="http://schemas.microsoft.com/office/drawing/2014/main" id="{F95CBF96-4249-1541-E44E-FBCECA233B3C}"/>
               </a:ext>
             </a:extLst>
           </p:cNvPr>
@@ -6053,7 +6054,7 @@
           <p:cNvPr id="6" name="Slide Number Placeholder 5">
             <a:extLst>
               <a:ext uri="{FF2B5EF4-FFF2-40B4-BE49-F238E27FC236}">
-                <a16:creationId xmlns:a16="http://schemas.microsoft.com/office/drawing/2014/main" xmlns="" id="{7ACB54F2-814F-F79B-8CD7-FA3133365CBC}"/>
+                <a16:creationId xmlns="" xmlns:a16="http://schemas.microsoft.com/office/drawing/2014/main" id="{7ACB54F2-814F-F79B-8CD7-FA3133365CBC}"/>
               </a:ext>
             </a:extLst>
           </p:cNvPr>
@@ -6081,7 +6082,7 @@
     </p:spTree>
     <p:extLst>
       <p:ext uri="{BB962C8B-B14F-4D97-AF65-F5344CB8AC3E}">
-        <p14:creationId xmlns:p14="http://schemas.microsoft.com/office/powerpoint/2010/main" xmlns="" val="2773863354"/>
+        <p14:creationId xmlns="" xmlns:p14="http://schemas.microsoft.com/office/powerpoint/2010/main" val="2773863354"/>
       </p:ext>
     </p:extLst>
   </p:cSld>
@@ -6113,7 +6114,7 @@
           <p:cNvPr id="8" name="Rectangle Top">
             <a:extLst>
               <a:ext uri="{FF2B5EF4-FFF2-40B4-BE49-F238E27FC236}">
-                <a16:creationId xmlns:a16="http://schemas.microsoft.com/office/drawing/2014/main" xmlns="" id="{454BD9C2-93A6-4860-A758-846ED0E1C8FA}"/>
+                <a16:creationId xmlns="" xmlns:a16="http://schemas.microsoft.com/office/drawing/2014/main" id="{454BD9C2-93A6-4860-A758-846ED0E1C8FA}"/>
               </a:ext>
             </a:extLst>
           </p:cNvPr>
@@ -6194,7 +6195,7 @@
           <p:cNvPr id="7" name="Slide Number">
             <a:extLst>
               <a:ext uri="{FF2B5EF4-FFF2-40B4-BE49-F238E27FC236}">
-                <a16:creationId xmlns:a16="http://schemas.microsoft.com/office/drawing/2014/main" xmlns="" id="{C1780DB1-0AF0-4108-AFE1-9DA99F0DBCB8}"/>
+                <a16:creationId xmlns="" xmlns:a16="http://schemas.microsoft.com/office/drawing/2014/main" id="{C1780DB1-0AF0-4108-AFE1-9DA99F0DBCB8}"/>
               </a:ext>
             </a:extLst>
           </p:cNvPr>
@@ -6236,7 +6237,7 @@
           <p:cNvPr id="3" name="Slide Body Text">
             <a:extLst>
               <a:ext uri="{FF2B5EF4-FFF2-40B4-BE49-F238E27FC236}">
-                <a16:creationId xmlns:a16="http://schemas.microsoft.com/office/drawing/2014/main" xmlns="" id="{5A9D2960-6D42-439F-82E8-812822013A10}"/>
+                <a16:creationId xmlns="" xmlns:a16="http://schemas.microsoft.com/office/drawing/2014/main" id="{5A9D2960-6D42-439F-82E8-812822013A10}"/>
               </a:ext>
             </a:extLst>
           </p:cNvPr>
@@ -6314,7 +6315,7 @@
           <p:cNvPr id="13" name="Rectangle Top">
             <a:extLst>
               <a:ext uri="{FF2B5EF4-FFF2-40B4-BE49-F238E27FC236}">
-                <a16:creationId xmlns:a16="http://schemas.microsoft.com/office/drawing/2014/main" xmlns="" id="{391AFA4E-7870-4561-A1B8-AC956B0C8931}"/>
+                <a16:creationId xmlns="" xmlns:a16="http://schemas.microsoft.com/office/drawing/2014/main" id="{391AFA4E-7870-4561-A1B8-AC956B0C8931}"/>
               </a:ext>
             </a:extLst>
           </p:cNvPr>
@@ -6395,7 +6396,7 @@
           <p:cNvPr id="12" name="Logo Software University" descr="Software University logo">
             <a:extLst>
               <a:ext uri="{FF2B5EF4-FFF2-40B4-BE49-F238E27FC236}">
-                <a16:creationId xmlns:a16="http://schemas.microsoft.com/office/drawing/2014/main" xmlns="" id="{B1D3B425-B9BF-43ED-9DEC-C05002FBA22F}"/>
+                <a16:creationId xmlns="" xmlns:a16="http://schemas.microsoft.com/office/drawing/2014/main" id="{B1D3B425-B9BF-43ED-9DEC-C05002FBA22F}"/>
               </a:ext>
             </a:extLst>
           </p:cNvPr>
@@ -6408,7 +6409,7 @@
           <a:blip r:embed="rId2" cstate="print">
             <a:extLst>
               <a:ext uri="{28A0092B-C50C-407E-A947-70E740481C1C}">
-                <a14:useLocalDpi xmlns:a14="http://schemas.microsoft.com/office/drawing/2010/main" xmlns="" val="0"/>
+                <a14:useLocalDpi xmlns="" xmlns:a14="http://schemas.microsoft.com/office/drawing/2010/main" val="0"/>
               </a:ext>
             </a:extLst>
           </a:blip>
@@ -6431,7 +6432,7 @@
           <p:cNvPr id="6" name="Slide Title">
             <a:extLst>
               <a:ext uri="{FF2B5EF4-FFF2-40B4-BE49-F238E27FC236}">
-                <a16:creationId xmlns:a16="http://schemas.microsoft.com/office/drawing/2014/main" xmlns="" id="{19B5B676-7892-440F-8191-7109B2C59885}"/>
+                <a16:creationId xmlns="" xmlns:a16="http://schemas.microsoft.com/office/drawing/2014/main" id="{19B5B676-7892-440F-8191-7109B2C59885}"/>
               </a:ext>
             </a:extLst>
           </p:cNvPr>
@@ -6470,7 +6471,7 @@
     </p:spTree>
     <p:extLst>
       <p:ext uri="{BB962C8B-B14F-4D97-AF65-F5344CB8AC3E}">
-        <p14:creationId xmlns:p14="http://schemas.microsoft.com/office/powerpoint/2010/main" xmlns="" val="2685365194"/>
+        <p14:creationId xmlns="" xmlns:p14="http://schemas.microsoft.com/office/powerpoint/2010/main" val="2685365194"/>
       </p:ext>
     </p:extLst>
   </p:cSld>
@@ -6478,7 +6479,7 @@
     <a:masterClrMapping/>
   </p:clrMapOvr>
   <mc:AlternateContent xmlns:mc="http://schemas.openxmlformats.org/markup-compatibility/2006">
-    <mc:Choice xmlns:p14="http://schemas.microsoft.com/office/powerpoint/2010/main" xmlns="" Requires="p14">
+    <mc:Choice xmlns="" xmlns:p14="http://schemas.microsoft.com/office/powerpoint/2010/main" Requires="p14">
       <p:transition spd="slow" p14:dur="2000" advClick="0" advTm="5000"/>
     </mc:Choice>
     <mc:Fallback>
@@ -7588,7 +7589,7 @@
     </p:spTree>
     <p:extLst>
       <p:ext uri="{BB962C8B-B14F-4D97-AF65-F5344CB8AC3E}">
-        <p14:creationId xmlns:p14="http://schemas.microsoft.com/office/powerpoint/2010/main" xmlns="" val="2531485629"/>
+        <p14:creationId xmlns="" xmlns:p14="http://schemas.microsoft.com/office/powerpoint/2010/main" val="2531485629"/>
       </p:ext>
     </p:extLst>
   </p:cSld>
@@ -7784,7 +7785,7 @@
     </p:spTree>
     <p:extLst>
       <p:ext uri="{BB962C8B-B14F-4D97-AF65-F5344CB8AC3E}">
-        <p14:creationId xmlns:p14="http://schemas.microsoft.com/office/powerpoint/2010/main" xmlns="" val="3529216409"/>
+        <p14:creationId xmlns="" xmlns:p14="http://schemas.microsoft.com/office/powerpoint/2010/main" val="3529216409"/>
       </p:ext>
     </p:extLst>
   </p:cSld>
@@ -7792,7 +7793,7 @@
     <a:masterClrMapping/>
   </p:clrMapOvr>
   <mc:AlternateContent xmlns:mc="http://schemas.openxmlformats.org/markup-compatibility/2006">
-    <mc:Choice xmlns:p14="http://schemas.microsoft.com/office/powerpoint/2010/main" xmlns="" Requires="p14">
+    <mc:Choice xmlns="" xmlns:p14="http://schemas.microsoft.com/office/powerpoint/2010/main" Requires="p14">
       <p:transition spd="slow" p14:dur="2000" advClick="0" advTm="5000"/>
     </mc:Choice>
     <mc:Fallback>
@@ -7824,7 +7825,7 @@
           <p:cNvPr id="7" name="Slide Number">
             <a:extLst>
               <a:ext uri="{FF2B5EF4-FFF2-40B4-BE49-F238E27FC236}">
-                <a16:creationId xmlns:a16="http://schemas.microsoft.com/office/drawing/2014/main" xmlns="" id="{C1780DB1-0AF0-4108-AFE1-9DA99F0DBCB8}"/>
+                <a16:creationId xmlns="" xmlns:a16="http://schemas.microsoft.com/office/drawing/2014/main" id="{C1780DB1-0AF0-4108-AFE1-9DA99F0DBCB8}"/>
               </a:ext>
             </a:extLst>
           </p:cNvPr>
@@ -7866,7 +7867,7 @@
           <p:cNvPr id="3" name="Slide Body Text">
             <a:extLst>
               <a:ext uri="{FF2B5EF4-FFF2-40B4-BE49-F238E27FC236}">
-                <a16:creationId xmlns:a16="http://schemas.microsoft.com/office/drawing/2014/main" xmlns="" id="{5A9D2960-6D42-439F-82E8-812822013A10}"/>
+                <a16:creationId xmlns="" xmlns:a16="http://schemas.microsoft.com/office/drawing/2014/main" id="{5A9D2960-6D42-439F-82E8-812822013A10}"/>
               </a:ext>
             </a:extLst>
           </p:cNvPr>
@@ -7944,7 +7945,7 @@
           <p:cNvPr id="13" name="Rectangle Top">
             <a:extLst>
               <a:ext uri="{FF2B5EF4-FFF2-40B4-BE49-F238E27FC236}">
-                <a16:creationId xmlns:a16="http://schemas.microsoft.com/office/drawing/2014/main" xmlns="" id="{391AFA4E-7870-4561-A1B8-AC956B0C8931}"/>
+                <a16:creationId xmlns="" xmlns:a16="http://schemas.microsoft.com/office/drawing/2014/main" id="{391AFA4E-7870-4561-A1B8-AC956B0C8931}"/>
               </a:ext>
             </a:extLst>
           </p:cNvPr>
@@ -8025,7 +8026,7 @@
           <p:cNvPr id="12" name="Logo Software University" descr="Software University logo">
             <a:extLst>
               <a:ext uri="{FF2B5EF4-FFF2-40B4-BE49-F238E27FC236}">
-                <a16:creationId xmlns:a16="http://schemas.microsoft.com/office/drawing/2014/main" xmlns="" id="{B1D3B425-B9BF-43ED-9DEC-C05002FBA22F}"/>
+                <a16:creationId xmlns="" xmlns:a16="http://schemas.microsoft.com/office/drawing/2014/main" id="{B1D3B425-B9BF-43ED-9DEC-C05002FBA22F}"/>
               </a:ext>
             </a:extLst>
           </p:cNvPr>
@@ -8038,7 +8039,7 @@
           <a:blip r:embed="rId2" cstate="print">
             <a:extLst>
               <a:ext uri="{28A0092B-C50C-407E-A947-70E740481C1C}">
-                <a14:useLocalDpi xmlns:a14="http://schemas.microsoft.com/office/drawing/2010/main" xmlns="" val="0"/>
+                <a14:useLocalDpi xmlns="" xmlns:a14="http://schemas.microsoft.com/office/drawing/2010/main" val="0"/>
               </a:ext>
             </a:extLst>
           </a:blip>
@@ -8061,7 +8062,7 @@
           <p:cNvPr id="6" name="Slide Title">
             <a:extLst>
               <a:ext uri="{FF2B5EF4-FFF2-40B4-BE49-F238E27FC236}">
-                <a16:creationId xmlns:a16="http://schemas.microsoft.com/office/drawing/2014/main" xmlns="" id="{19B5B676-7892-440F-8191-7109B2C59885}"/>
+                <a16:creationId xmlns="" xmlns:a16="http://schemas.microsoft.com/office/drawing/2014/main" id="{19B5B676-7892-440F-8191-7109B2C59885}"/>
               </a:ext>
             </a:extLst>
           </p:cNvPr>
@@ -8100,7 +8101,7 @@
     </p:spTree>
     <p:extLst>
       <p:ext uri="{BB962C8B-B14F-4D97-AF65-F5344CB8AC3E}">
-        <p14:creationId xmlns:p14="http://schemas.microsoft.com/office/powerpoint/2010/main" xmlns="" val="1102970716"/>
+        <p14:creationId xmlns="" xmlns:p14="http://schemas.microsoft.com/office/powerpoint/2010/main" val="1102970716"/>
       </p:ext>
     </p:extLst>
   </p:cSld>
@@ -8108,7 +8109,7 @@
     <a:masterClrMapping/>
   </p:clrMapOvr>
   <mc:AlternateContent xmlns:mc="http://schemas.openxmlformats.org/markup-compatibility/2006">
-    <mc:Choice xmlns:p14="http://schemas.microsoft.com/office/powerpoint/2010/main" xmlns="" Requires="p14">
+    <mc:Choice xmlns="" xmlns:p14="http://schemas.microsoft.com/office/powerpoint/2010/main" Requires="p14">
       <p:transition spd="slow" p14:dur="2000" advClick="0" advTm="5000"/>
     </mc:Choice>
     <mc:Fallback>
@@ -8140,7 +8141,7 @@
           <p:cNvPr id="9" name="Slide Number">
             <a:extLst>
               <a:ext uri="{FF2B5EF4-FFF2-40B4-BE49-F238E27FC236}">
-                <a16:creationId xmlns:a16="http://schemas.microsoft.com/office/drawing/2014/main" xmlns="" id="{0020EB61-2079-41A3-B356-B1D8D48D786E}"/>
+                <a16:creationId xmlns="" xmlns:a16="http://schemas.microsoft.com/office/drawing/2014/main" id="{0020EB61-2079-41A3-B356-B1D8D48D786E}"/>
               </a:ext>
             </a:extLst>
           </p:cNvPr>
@@ -8257,7 +8258,7 @@
           <p:cNvPr id="7" name="Slide Body Text">
             <a:extLst>
               <a:ext uri="{FF2B5EF4-FFF2-40B4-BE49-F238E27FC236}">
-                <a16:creationId xmlns:a16="http://schemas.microsoft.com/office/drawing/2014/main" xmlns="" id="{CB4CB13C-66A1-466B-A6C1-B0BABF5CFEC1}"/>
+                <a16:creationId xmlns="" xmlns:a16="http://schemas.microsoft.com/office/drawing/2014/main" id="{CB4CB13C-66A1-466B-A6C1-B0BABF5CFEC1}"/>
               </a:ext>
             </a:extLst>
           </p:cNvPr>
@@ -8355,7 +8356,7 @@
           <p:cNvPr id="3" name="Logo Software University" descr="Software University logo">
             <a:extLst>
               <a:ext uri="{FF2B5EF4-FFF2-40B4-BE49-F238E27FC236}">
-                <a16:creationId xmlns:a16="http://schemas.microsoft.com/office/drawing/2014/main" xmlns="" id="{5573C101-930B-47AC-967A-A64513DFFDEE}"/>
+                <a16:creationId xmlns="" xmlns:a16="http://schemas.microsoft.com/office/drawing/2014/main" id="{5573C101-930B-47AC-967A-A64513DFFDEE}"/>
               </a:ext>
             </a:extLst>
           </p:cNvPr>
@@ -8378,7 +8379,7 @@
             </a:clrChange>
             <a:extLst>
               <a:ext uri="{28A0092B-C50C-407E-A947-70E740481C1C}">
-                <a14:useLocalDpi xmlns:a14="http://schemas.microsoft.com/office/drawing/2010/main" xmlns="" val="0"/>
+                <a14:useLocalDpi xmlns="" xmlns:a14="http://schemas.microsoft.com/office/drawing/2010/main" val="0"/>
               </a:ext>
             </a:extLst>
           </a:blip>
@@ -8401,7 +8402,7 @@
           <p:cNvPr id="8" name="Slide Title">
             <a:extLst>
               <a:ext uri="{FF2B5EF4-FFF2-40B4-BE49-F238E27FC236}">
-                <a16:creationId xmlns:a16="http://schemas.microsoft.com/office/drawing/2014/main" xmlns="" id="{E2DA9691-CDF5-499C-94BB-AAA61DAC1BFB}"/>
+                <a16:creationId xmlns="" xmlns:a16="http://schemas.microsoft.com/office/drawing/2014/main" id="{E2DA9691-CDF5-499C-94BB-AAA61DAC1BFB}"/>
               </a:ext>
             </a:extLst>
           </p:cNvPr>
@@ -8438,7 +8439,7 @@
           <p:cNvPr id="10" name="Group 9">
             <a:extLst>
               <a:ext uri="{FF2B5EF4-FFF2-40B4-BE49-F238E27FC236}">
-                <a16:creationId xmlns:a16="http://schemas.microsoft.com/office/drawing/2014/main" xmlns="" id="{43CDBCC2-1C96-44BC-B992-7B0C49C34904}"/>
+                <a16:creationId xmlns="" xmlns:a16="http://schemas.microsoft.com/office/drawing/2014/main" id="{43CDBCC2-1C96-44BC-B992-7B0C49C34904}"/>
               </a:ext>
             </a:extLst>
           </p:cNvPr>
@@ -8458,7 +8459,7 @@
             <p:cNvPr id="11" name="Group 10">
               <a:extLst>
                 <a:ext uri="{FF2B5EF4-FFF2-40B4-BE49-F238E27FC236}">
-                  <a16:creationId xmlns:a16="http://schemas.microsoft.com/office/drawing/2014/main" xmlns="" id="{7D71B3A8-4D39-42CF-9255-81EA3A622DD6}"/>
+                  <a16:creationId xmlns="" xmlns:a16="http://schemas.microsoft.com/office/drawing/2014/main" id="{7D71B3A8-4D39-42CF-9255-81EA3A622DD6}"/>
                 </a:ext>
               </a:extLst>
             </p:cNvPr>
@@ -8478,7 +8479,7 @@
               <p:cNvPr id="25" name="Oval 24">
                 <a:extLst>
                   <a:ext uri="{FF2B5EF4-FFF2-40B4-BE49-F238E27FC236}">
-                    <a16:creationId xmlns:a16="http://schemas.microsoft.com/office/drawing/2014/main" xmlns="" id="{B98059F9-1874-426D-8AF7-A12C21F37DD9}"/>
+                    <a16:creationId xmlns="" xmlns:a16="http://schemas.microsoft.com/office/drawing/2014/main" id="{B98059F9-1874-426D-8AF7-A12C21F37DD9}"/>
                   </a:ext>
                 </a:extLst>
               </p:cNvPr>
@@ -8530,7 +8531,7 @@
               <p:cNvPr id="26" name="Rectangle 5">
                 <a:extLst>
                   <a:ext uri="{FF2B5EF4-FFF2-40B4-BE49-F238E27FC236}">
-                    <a16:creationId xmlns:a16="http://schemas.microsoft.com/office/drawing/2014/main" xmlns="" id="{A3A1E077-DBDF-48F0-A924-604984B940A2}"/>
+                    <a16:creationId xmlns="" xmlns:a16="http://schemas.microsoft.com/office/drawing/2014/main" id="{A3A1E077-DBDF-48F0-A924-604984B940A2}"/>
                   </a:ext>
                 </a:extLst>
               </p:cNvPr>
@@ -8675,7 +8676,7 @@
               <p:cNvPr id="27" name="Rectangle 5">
                 <a:extLst>
                   <a:ext uri="{FF2B5EF4-FFF2-40B4-BE49-F238E27FC236}">
-                    <a16:creationId xmlns:a16="http://schemas.microsoft.com/office/drawing/2014/main" xmlns="" id="{798B1F51-1FA4-4199-81C7-62356C936CC9}"/>
+                    <a16:creationId xmlns="" xmlns:a16="http://schemas.microsoft.com/office/drawing/2014/main" id="{798B1F51-1FA4-4199-81C7-62356C936CC9}"/>
                   </a:ext>
                 </a:extLst>
               </p:cNvPr>
@@ -8820,7 +8821,7 @@
               <p:cNvPr id="28" name="Arc 27">
                 <a:extLst>
                   <a:ext uri="{FF2B5EF4-FFF2-40B4-BE49-F238E27FC236}">
-                    <a16:creationId xmlns:a16="http://schemas.microsoft.com/office/drawing/2014/main" xmlns="" id="{40A224C8-1233-40F7-96AB-BFF79AF6CDCB}"/>
+                    <a16:creationId xmlns="" xmlns:a16="http://schemas.microsoft.com/office/drawing/2014/main" id="{40A224C8-1233-40F7-96AB-BFF79AF6CDCB}"/>
                   </a:ext>
                 </a:extLst>
               </p:cNvPr>
@@ -8879,7 +8880,7 @@
               <p:cNvPr id="29" name="Arc 28">
                 <a:extLst>
                   <a:ext uri="{FF2B5EF4-FFF2-40B4-BE49-F238E27FC236}">
-                    <a16:creationId xmlns:a16="http://schemas.microsoft.com/office/drawing/2014/main" xmlns="" id="{B57C7CCC-E218-4321-8C7B-3F0C5753C7A1}"/>
+                    <a16:creationId xmlns="" xmlns:a16="http://schemas.microsoft.com/office/drawing/2014/main" id="{B57C7CCC-E218-4321-8C7B-3F0C5753C7A1}"/>
                   </a:ext>
                 </a:extLst>
               </p:cNvPr>
@@ -8939,7 +8940,7 @@
             <p:cNvPr id="13" name="Rectangle: Rounded Corners 12">
               <a:extLst>
                 <a:ext uri="{FF2B5EF4-FFF2-40B4-BE49-F238E27FC236}">
-                  <a16:creationId xmlns:a16="http://schemas.microsoft.com/office/drawing/2014/main" xmlns="" id="{6AF309CA-A56C-4ABC-B293-420F4EB1A9B4}"/>
+                  <a16:creationId xmlns="" xmlns:a16="http://schemas.microsoft.com/office/drawing/2014/main" id="{6AF309CA-A56C-4ABC-B293-420F4EB1A9B4}"/>
                 </a:ext>
               </a:extLst>
             </p:cNvPr>
@@ -8993,7 +8994,7 @@
             <p:cNvPr id="14" name="Rectangle: Rounded Corners 13">
               <a:extLst>
                 <a:ext uri="{FF2B5EF4-FFF2-40B4-BE49-F238E27FC236}">
-                  <a16:creationId xmlns:a16="http://schemas.microsoft.com/office/drawing/2014/main" xmlns="" id="{07955808-2AC7-44EB-8B6D-82B974E53A3C}"/>
+                  <a16:creationId xmlns="" xmlns:a16="http://schemas.microsoft.com/office/drawing/2014/main" id="{07955808-2AC7-44EB-8B6D-82B974E53A3C}"/>
                 </a:ext>
               </a:extLst>
             </p:cNvPr>
@@ -9054,7 +9055,7 @@
             <p:cNvPr id="15" name="Straight Connector 14">
               <a:extLst>
                 <a:ext uri="{FF2B5EF4-FFF2-40B4-BE49-F238E27FC236}">
-                  <a16:creationId xmlns:a16="http://schemas.microsoft.com/office/drawing/2014/main" xmlns="" id="{AC6420D7-AEAB-45EF-8D46-11EB06E4AFEA}"/>
+                  <a16:creationId xmlns="" xmlns:a16="http://schemas.microsoft.com/office/drawing/2014/main" id="{AC6420D7-AEAB-45EF-8D46-11EB06E4AFEA}"/>
                 </a:ext>
               </a:extLst>
             </p:cNvPr>
@@ -9100,7 +9101,7 @@
             <p:cNvPr id="16" name="Straight Connector 15">
               <a:extLst>
                 <a:ext uri="{FF2B5EF4-FFF2-40B4-BE49-F238E27FC236}">
-                  <a16:creationId xmlns:a16="http://schemas.microsoft.com/office/drawing/2014/main" xmlns="" id="{76C7FABC-6773-44F6-990B-3EB082BE9B35}"/>
+                  <a16:creationId xmlns="" xmlns:a16="http://schemas.microsoft.com/office/drawing/2014/main" id="{76C7FABC-6773-44F6-990B-3EB082BE9B35}"/>
                 </a:ext>
               </a:extLst>
             </p:cNvPr>
@@ -9146,7 +9147,7 @@
             <p:cNvPr id="17" name="Group 16">
               <a:extLst>
                 <a:ext uri="{FF2B5EF4-FFF2-40B4-BE49-F238E27FC236}">
-                  <a16:creationId xmlns:a16="http://schemas.microsoft.com/office/drawing/2014/main" xmlns="" id="{1FAD48E1-DC45-4B3D-9CE5-613250708496}"/>
+                  <a16:creationId xmlns="" xmlns:a16="http://schemas.microsoft.com/office/drawing/2014/main" id="{1FAD48E1-DC45-4B3D-9CE5-613250708496}"/>
                 </a:ext>
               </a:extLst>
             </p:cNvPr>
@@ -9169,7 +9170,7 @@
               <p:cNvPr id="23" name="Straight Connector 22">
                 <a:extLst>
                   <a:ext uri="{FF2B5EF4-FFF2-40B4-BE49-F238E27FC236}">
-                    <a16:creationId xmlns:a16="http://schemas.microsoft.com/office/drawing/2014/main" xmlns="" id="{B01FD1D1-046F-457B-AB63-2702CE3E906E}"/>
+                    <a16:creationId xmlns="" xmlns:a16="http://schemas.microsoft.com/office/drawing/2014/main" id="{B01FD1D1-046F-457B-AB63-2702CE3E906E}"/>
                   </a:ext>
                 </a:extLst>
               </p:cNvPr>
@@ -9213,7 +9214,7 @@
               <p:cNvPr id="24" name="Straight Connector 23">
                 <a:extLst>
                   <a:ext uri="{FF2B5EF4-FFF2-40B4-BE49-F238E27FC236}">
-                    <a16:creationId xmlns:a16="http://schemas.microsoft.com/office/drawing/2014/main" xmlns="" id="{895660C3-C72C-43EE-9C4A-170F85E5BE08}"/>
+                    <a16:creationId xmlns="" xmlns:a16="http://schemas.microsoft.com/office/drawing/2014/main" id="{895660C3-C72C-43EE-9C4A-170F85E5BE08}"/>
                   </a:ext>
                 </a:extLst>
               </p:cNvPr>
@@ -9258,7 +9259,7 @@
             <p:cNvPr id="19" name="Straight Connector 18">
               <a:extLst>
                 <a:ext uri="{FF2B5EF4-FFF2-40B4-BE49-F238E27FC236}">
-                  <a16:creationId xmlns:a16="http://schemas.microsoft.com/office/drawing/2014/main" xmlns="" id="{A74EE503-8FC0-42A6-8860-CA4EE42272E4}"/>
+                  <a16:creationId xmlns="" xmlns:a16="http://schemas.microsoft.com/office/drawing/2014/main" id="{A74EE503-8FC0-42A6-8860-CA4EE42272E4}"/>
                 </a:ext>
               </a:extLst>
             </p:cNvPr>
@@ -9304,7 +9305,7 @@
             <p:cNvPr id="12" name="Rectangle: Rounded Corners 11">
               <a:extLst>
                 <a:ext uri="{FF2B5EF4-FFF2-40B4-BE49-F238E27FC236}">
-                  <a16:creationId xmlns:a16="http://schemas.microsoft.com/office/drawing/2014/main" xmlns="" id="{F4189FDA-9FE8-490B-8A70-2E941811021F}"/>
+                  <a16:creationId xmlns="" xmlns:a16="http://schemas.microsoft.com/office/drawing/2014/main" id="{F4189FDA-9FE8-490B-8A70-2E941811021F}"/>
                 </a:ext>
               </a:extLst>
             </p:cNvPr>
@@ -9358,7 +9359,7 @@
             <p:cNvPr id="18" name="Group 17">
               <a:extLst>
                 <a:ext uri="{FF2B5EF4-FFF2-40B4-BE49-F238E27FC236}">
-                  <a16:creationId xmlns:a16="http://schemas.microsoft.com/office/drawing/2014/main" xmlns="" id="{FDA3EFCD-0DF8-419D-8533-D781521E597E}"/>
+                  <a16:creationId xmlns="" xmlns:a16="http://schemas.microsoft.com/office/drawing/2014/main" id="{FDA3EFCD-0DF8-419D-8533-D781521E597E}"/>
                 </a:ext>
               </a:extLst>
             </p:cNvPr>
@@ -9381,7 +9382,7 @@
               <p:cNvPr id="21" name="Straight Connector 20">
                 <a:extLst>
                   <a:ext uri="{FF2B5EF4-FFF2-40B4-BE49-F238E27FC236}">
-                    <a16:creationId xmlns:a16="http://schemas.microsoft.com/office/drawing/2014/main" xmlns="" id="{C3CC6A5A-182E-4A09-9C04-EB191881D789}"/>
+                    <a16:creationId xmlns="" xmlns:a16="http://schemas.microsoft.com/office/drawing/2014/main" id="{C3CC6A5A-182E-4A09-9C04-EB191881D789}"/>
                   </a:ext>
                 </a:extLst>
               </p:cNvPr>
@@ -9425,7 +9426,7 @@
               <p:cNvPr id="22" name="Straight Connector 21">
                 <a:extLst>
                   <a:ext uri="{FF2B5EF4-FFF2-40B4-BE49-F238E27FC236}">
-                    <a16:creationId xmlns:a16="http://schemas.microsoft.com/office/drawing/2014/main" xmlns="" id="{440C8953-0555-48CC-8255-78F17E053EE7}"/>
+                    <a16:creationId xmlns="" xmlns:a16="http://schemas.microsoft.com/office/drawing/2014/main" id="{440C8953-0555-48CC-8255-78F17E053EE7}"/>
                   </a:ext>
                 </a:extLst>
               </p:cNvPr>
@@ -9471,7 +9472,7 @@
           <p:cNvPr id="34" name="Straight Connector 33">
             <a:extLst>
               <a:ext uri="{FF2B5EF4-FFF2-40B4-BE49-F238E27FC236}">
-                <a16:creationId xmlns:a16="http://schemas.microsoft.com/office/drawing/2014/main" xmlns="" id="{29B538CA-8CCB-43FB-B5E5-5FC04EBC1F54}"/>
+                <a16:creationId xmlns="" xmlns:a16="http://schemas.microsoft.com/office/drawing/2014/main" id="{29B538CA-8CCB-43FB-B5E5-5FC04EBC1F54}"/>
               </a:ext>
             </a:extLst>
           </p:cNvPr>
@@ -9516,7 +9517,7 @@
     </p:spTree>
     <p:extLst>
       <p:ext uri="{BB962C8B-B14F-4D97-AF65-F5344CB8AC3E}">
-        <p14:creationId xmlns:p14="http://schemas.microsoft.com/office/powerpoint/2010/main" xmlns="" val="743545348"/>
+        <p14:creationId xmlns="" xmlns:p14="http://schemas.microsoft.com/office/powerpoint/2010/main" val="743545348"/>
       </p:ext>
     </p:extLst>
   </p:cSld>
@@ -9524,7 +9525,7 @@
     <a:masterClrMapping/>
   </p:clrMapOvr>
   <mc:AlternateContent xmlns:mc="http://schemas.openxmlformats.org/markup-compatibility/2006">
-    <mc:Choice xmlns:p14="http://schemas.microsoft.com/office/powerpoint/2010/main" xmlns="" Requires="p14">
+    <mc:Choice xmlns="" xmlns:p14="http://schemas.microsoft.com/office/powerpoint/2010/main" Requires="p14">
       <p:transition spd="slow" p14:dur="2000" advClick="0" advTm="5000"/>
     </mc:Choice>
     <mc:Fallback>
@@ -9556,7 +9557,7 @@
           <p:cNvPr id="9" name="Slide Number">
             <a:extLst>
               <a:ext uri="{FF2B5EF4-FFF2-40B4-BE49-F238E27FC236}">
-                <a16:creationId xmlns:a16="http://schemas.microsoft.com/office/drawing/2014/main" xmlns="" id="{1865BF6B-7F07-4E9C-879F-80E36EEB3405}"/>
+                <a16:creationId xmlns="" xmlns:a16="http://schemas.microsoft.com/office/drawing/2014/main" id="{1865BF6B-7F07-4E9C-879F-80E36EEB3405}"/>
               </a:ext>
             </a:extLst>
           </p:cNvPr>
@@ -9598,7 +9599,7 @@
           <p:cNvPr id="12" name="Rectangle Left">
             <a:extLst>
               <a:ext uri="{FF2B5EF4-FFF2-40B4-BE49-F238E27FC236}">
-                <a16:creationId xmlns:a16="http://schemas.microsoft.com/office/drawing/2014/main" xmlns="" id="{345FB1C8-7F66-4D5C-ACCE-AE919936BCFD}"/>
+                <a16:creationId xmlns="" xmlns:a16="http://schemas.microsoft.com/office/drawing/2014/main" id="{345FB1C8-7F66-4D5C-ACCE-AE919936BCFD}"/>
               </a:ext>
             </a:extLst>
           </p:cNvPr>
@@ -9679,7 +9680,7 @@
           <p:cNvPr id="15" name="Slide Body Text">
             <a:extLst>
               <a:ext uri="{FF2B5EF4-FFF2-40B4-BE49-F238E27FC236}">
-                <a16:creationId xmlns:a16="http://schemas.microsoft.com/office/drawing/2014/main" xmlns="" id="{6157C8DE-E0AF-422B-BBB1-F0AF1264B5E9}"/>
+                <a16:creationId xmlns="" xmlns:a16="http://schemas.microsoft.com/office/drawing/2014/main" id="{6157C8DE-E0AF-422B-BBB1-F0AF1264B5E9}"/>
               </a:ext>
             </a:extLst>
           </p:cNvPr>
@@ -9777,7 +9778,7 @@
           <p:cNvPr id="16" name="Logo Software University" descr="Software University logo">
             <a:extLst>
               <a:ext uri="{FF2B5EF4-FFF2-40B4-BE49-F238E27FC236}">
-                <a16:creationId xmlns:a16="http://schemas.microsoft.com/office/drawing/2014/main" xmlns="" id="{EFEBB553-EACE-4B4F-8B4F-7629FDD910A4}"/>
+                <a16:creationId xmlns="" xmlns:a16="http://schemas.microsoft.com/office/drawing/2014/main" id="{EFEBB553-EACE-4B4F-8B4F-7629FDD910A4}"/>
               </a:ext>
             </a:extLst>
           </p:cNvPr>
@@ -9800,7 +9801,7 @@
             </a:clrChange>
             <a:extLst>
               <a:ext uri="{28A0092B-C50C-407E-A947-70E740481C1C}">
-                <a14:useLocalDpi xmlns:a14="http://schemas.microsoft.com/office/drawing/2010/main" xmlns="" val="0"/>
+                <a14:useLocalDpi xmlns="" xmlns:a14="http://schemas.microsoft.com/office/drawing/2010/main" val="0"/>
               </a:ext>
             </a:extLst>
           </a:blip>
@@ -9823,7 +9824,7 @@
           <p:cNvPr id="13" name="Slide Title">
             <a:extLst>
               <a:ext uri="{FF2B5EF4-FFF2-40B4-BE49-F238E27FC236}">
-                <a16:creationId xmlns:a16="http://schemas.microsoft.com/office/drawing/2014/main" xmlns="" id="{0D5CC956-5C4A-44BE-8F8B-327FAFA51E97}"/>
+                <a16:creationId xmlns="" xmlns:a16="http://schemas.microsoft.com/office/drawing/2014/main" id="{0D5CC956-5C4A-44BE-8F8B-327FAFA51E97}"/>
               </a:ext>
             </a:extLst>
           </p:cNvPr>
@@ -9860,7 +9861,7 @@
           <p:cNvPr id="33" name="Group 32">
             <a:extLst>
               <a:ext uri="{FF2B5EF4-FFF2-40B4-BE49-F238E27FC236}">
-                <a16:creationId xmlns:a16="http://schemas.microsoft.com/office/drawing/2014/main" xmlns="" id="{7CF60135-47AA-48F0-96BA-0E795668ABDB}"/>
+                <a16:creationId xmlns="" xmlns:a16="http://schemas.microsoft.com/office/drawing/2014/main" id="{7CF60135-47AA-48F0-96BA-0E795668ABDB}"/>
               </a:ext>
             </a:extLst>
           </p:cNvPr>
@@ -9880,7 +9881,7 @@
             <p:cNvPr id="34" name="Group 33">
               <a:extLst>
                 <a:ext uri="{FF2B5EF4-FFF2-40B4-BE49-F238E27FC236}">
-                  <a16:creationId xmlns:a16="http://schemas.microsoft.com/office/drawing/2014/main" xmlns="" id="{2823380E-3936-41AF-BDF7-DA54D75BBF6B}"/>
+                  <a16:creationId xmlns="" xmlns:a16="http://schemas.microsoft.com/office/drawing/2014/main" id="{2823380E-3936-41AF-BDF7-DA54D75BBF6B}"/>
                 </a:ext>
               </a:extLst>
             </p:cNvPr>
@@ -9900,7 +9901,7 @@
               <p:cNvPr id="47" name="Oval 46">
                 <a:extLst>
                   <a:ext uri="{FF2B5EF4-FFF2-40B4-BE49-F238E27FC236}">
-                    <a16:creationId xmlns:a16="http://schemas.microsoft.com/office/drawing/2014/main" xmlns="" id="{52B047D9-D8DD-45C7-9BC8-6D4F682F5182}"/>
+                    <a16:creationId xmlns="" xmlns:a16="http://schemas.microsoft.com/office/drawing/2014/main" id="{52B047D9-D8DD-45C7-9BC8-6D4F682F5182}"/>
                   </a:ext>
                 </a:extLst>
               </p:cNvPr>
@@ -9952,7 +9953,7 @@
               <p:cNvPr id="48" name="Rectangle 5">
                 <a:extLst>
                   <a:ext uri="{FF2B5EF4-FFF2-40B4-BE49-F238E27FC236}">
-                    <a16:creationId xmlns:a16="http://schemas.microsoft.com/office/drawing/2014/main" xmlns="" id="{4D84FE51-BD8E-47EA-9463-CE02FEA31766}"/>
+                    <a16:creationId xmlns="" xmlns:a16="http://schemas.microsoft.com/office/drawing/2014/main" id="{4D84FE51-BD8E-47EA-9463-CE02FEA31766}"/>
                   </a:ext>
                 </a:extLst>
               </p:cNvPr>
@@ -10097,7 +10098,7 @@
               <p:cNvPr id="49" name="Rectangle 5">
                 <a:extLst>
                   <a:ext uri="{FF2B5EF4-FFF2-40B4-BE49-F238E27FC236}">
-                    <a16:creationId xmlns:a16="http://schemas.microsoft.com/office/drawing/2014/main" xmlns="" id="{F5C8F037-C197-4219-AC87-3A81763512BC}"/>
+                    <a16:creationId xmlns="" xmlns:a16="http://schemas.microsoft.com/office/drawing/2014/main" id="{F5C8F037-C197-4219-AC87-3A81763512BC}"/>
                   </a:ext>
                 </a:extLst>
               </p:cNvPr>
@@ -10242,7 +10243,7 @@
               <p:cNvPr id="50" name="Arc 49">
                 <a:extLst>
                   <a:ext uri="{FF2B5EF4-FFF2-40B4-BE49-F238E27FC236}">
-                    <a16:creationId xmlns:a16="http://schemas.microsoft.com/office/drawing/2014/main" xmlns="" id="{786EE401-CF8E-439B-94A0-EE6F3A7D5798}"/>
+                    <a16:creationId xmlns="" xmlns:a16="http://schemas.microsoft.com/office/drawing/2014/main" id="{786EE401-CF8E-439B-94A0-EE6F3A7D5798}"/>
                   </a:ext>
                 </a:extLst>
               </p:cNvPr>
@@ -10301,7 +10302,7 @@
               <p:cNvPr id="51" name="Arc 50">
                 <a:extLst>
                   <a:ext uri="{FF2B5EF4-FFF2-40B4-BE49-F238E27FC236}">
-                    <a16:creationId xmlns:a16="http://schemas.microsoft.com/office/drawing/2014/main" xmlns="" id="{8D9ACD38-B3EB-4A63-9730-CBF0501BF235}"/>
+                    <a16:creationId xmlns="" xmlns:a16="http://schemas.microsoft.com/office/drawing/2014/main" id="{8D9ACD38-B3EB-4A63-9730-CBF0501BF235}"/>
                   </a:ext>
                 </a:extLst>
               </p:cNvPr>
@@ -10361,7 +10362,7 @@
             <p:cNvPr id="35" name="Rectangle: Rounded Corners 34">
               <a:extLst>
                 <a:ext uri="{FF2B5EF4-FFF2-40B4-BE49-F238E27FC236}">
-                  <a16:creationId xmlns:a16="http://schemas.microsoft.com/office/drawing/2014/main" xmlns="" id="{64EE493E-A353-4C75-A3B9-D48ABA2C57CC}"/>
+                  <a16:creationId xmlns="" xmlns:a16="http://schemas.microsoft.com/office/drawing/2014/main" id="{64EE493E-A353-4C75-A3B9-D48ABA2C57CC}"/>
                 </a:ext>
               </a:extLst>
             </p:cNvPr>
@@ -10415,7 +10416,7 @@
             <p:cNvPr id="36" name="Rectangle: Rounded Corners 35">
               <a:extLst>
                 <a:ext uri="{FF2B5EF4-FFF2-40B4-BE49-F238E27FC236}">
-                  <a16:creationId xmlns:a16="http://schemas.microsoft.com/office/drawing/2014/main" xmlns="" id="{718408B9-204E-42E3-9E79-33E047E869BC}"/>
+                  <a16:creationId xmlns="" xmlns:a16="http://schemas.microsoft.com/office/drawing/2014/main" id="{718408B9-204E-42E3-9E79-33E047E869BC}"/>
                 </a:ext>
               </a:extLst>
             </p:cNvPr>
@@ -10476,7 +10477,7 @@
             <p:cNvPr id="37" name="Straight Connector 36">
               <a:extLst>
                 <a:ext uri="{FF2B5EF4-FFF2-40B4-BE49-F238E27FC236}">
-                  <a16:creationId xmlns:a16="http://schemas.microsoft.com/office/drawing/2014/main" xmlns="" id="{0AB66D97-DF6F-4CD2-AF13-42B5C852F673}"/>
+                  <a16:creationId xmlns="" xmlns:a16="http://schemas.microsoft.com/office/drawing/2014/main" id="{0AB66D97-DF6F-4CD2-AF13-42B5C852F673}"/>
                 </a:ext>
               </a:extLst>
             </p:cNvPr>
@@ -10522,7 +10523,7 @@
             <p:cNvPr id="38" name="Straight Connector 37">
               <a:extLst>
                 <a:ext uri="{FF2B5EF4-FFF2-40B4-BE49-F238E27FC236}">
-                  <a16:creationId xmlns:a16="http://schemas.microsoft.com/office/drawing/2014/main" xmlns="" id="{F2AFBA69-C196-4703-8AAB-5F72A8EDCEB5}"/>
+                  <a16:creationId xmlns="" xmlns:a16="http://schemas.microsoft.com/office/drawing/2014/main" id="{F2AFBA69-C196-4703-8AAB-5F72A8EDCEB5}"/>
                 </a:ext>
               </a:extLst>
             </p:cNvPr>
@@ -10568,7 +10569,7 @@
             <p:cNvPr id="39" name="Group 38">
               <a:extLst>
                 <a:ext uri="{FF2B5EF4-FFF2-40B4-BE49-F238E27FC236}">
-                  <a16:creationId xmlns:a16="http://schemas.microsoft.com/office/drawing/2014/main" xmlns="" id="{9AFC66C1-0C1C-4332-9C4E-782574C896B8}"/>
+                  <a16:creationId xmlns="" xmlns:a16="http://schemas.microsoft.com/office/drawing/2014/main" id="{9AFC66C1-0C1C-4332-9C4E-782574C896B8}"/>
                 </a:ext>
               </a:extLst>
             </p:cNvPr>
@@ -10591,7 +10592,7 @@
               <p:cNvPr id="45" name="Straight Connector 44">
                 <a:extLst>
                   <a:ext uri="{FF2B5EF4-FFF2-40B4-BE49-F238E27FC236}">
-                    <a16:creationId xmlns:a16="http://schemas.microsoft.com/office/drawing/2014/main" xmlns="" id="{872CA8AD-EAF6-40BE-9DDE-ECDB4A980CA5}"/>
+                    <a16:creationId xmlns="" xmlns:a16="http://schemas.microsoft.com/office/drawing/2014/main" id="{872CA8AD-EAF6-40BE-9DDE-ECDB4A980CA5}"/>
                   </a:ext>
                 </a:extLst>
               </p:cNvPr>
@@ -10635,7 +10636,7 @@
               <p:cNvPr id="46" name="Straight Connector 45">
                 <a:extLst>
                   <a:ext uri="{FF2B5EF4-FFF2-40B4-BE49-F238E27FC236}">
-                    <a16:creationId xmlns:a16="http://schemas.microsoft.com/office/drawing/2014/main" xmlns="" id="{57DD3EC7-1A13-4AFE-BD6F-DA12C281FAFB}"/>
+                    <a16:creationId xmlns="" xmlns:a16="http://schemas.microsoft.com/office/drawing/2014/main" id="{57DD3EC7-1A13-4AFE-BD6F-DA12C281FAFB}"/>
                   </a:ext>
                 </a:extLst>
               </p:cNvPr>
@@ -10680,7 +10681,7 @@
             <p:cNvPr id="40" name="Straight Connector 39">
               <a:extLst>
                 <a:ext uri="{FF2B5EF4-FFF2-40B4-BE49-F238E27FC236}">
-                  <a16:creationId xmlns:a16="http://schemas.microsoft.com/office/drawing/2014/main" xmlns="" id="{E46151FA-19E9-4E84-A082-EDAC6F76EA9D}"/>
+                  <a16:creationId xmlns="" xmlns:a16="http://schemas.microsoft.com/office/drawing/2014/main" id="{E46151FA-19E9-4E84-A082-EDAC6F76EA9D}"/>
                 </a:ext>
               </a:extLst>
             </p:cNvPr>
@@ -10726,7 +10727,7 @@
             <p:cNvPr id="41" name="Rectangle: Rounded Corners 40">
               <a:extLst>
                 <a:ext uri="{FF2B5EF4-FFF2-40B4-BE49-F238E27FC236}">
-                  <a16:creationId xmlns:a16="http://schemas.microsoft.com/office/drawing/2014/main" xmlns="" id="{3423EEF0-5B70-4091-B2DA-0740D2609643}"/>
+                  <a16:creationId xmlns="" xmlns:a16="http://schemas.microsoft.com/office/drawing/2014/main" id="{3423EEF0-5B70-4091-B2DA-0740D2609643}"/>
                 </a:ext>
               </a:extLst>
             </p:cNvPr>
@@ -10780,7 +10781,7 @@
             <p:cNvPr id="42" name="Group 41">
               <a:extLst>
                 <a:ext uri="{FF2B5EF4-FFF2-40B4-BE49-F238E27FC236}">
-                  <a16:creationId xmlns:a16="http://schemas.microsoft.com/office/drawing/2014/main" xmlns="" id="{49A8AAA7-98E7-4224-B027-830FFCC285A3}"/>
+                  <a16:creationId xmlns="" xmlns:a16="http://schemas.microsoft.com/office/drawing/2014/main" id="{49A8AAA7-98E7-4224-B027-830FFCC285A3}"/>
                 </a:ext>
               </a:extLst>
             </p:cNvPr>
@@ -10803,7 +10804,7 @@
               <p:cNvPr id="43" name="Straight Connector 42">
                 <a:extLst>
                   <a:ext uri="{FF2B5EF4-FFF2-40B4-BE49-F238E27FC236}">
-                    <a16:creationId xmlns:a16="http://schemas.microsoft.com/office/drawing/2014/main" xmlns="" id="{2129EC38-471E-4685-973E-BA7A7F567C42}"/>
+                    <a16:creationId xmlns="" xmlns:a16="http://schemas.microsoft.com/office/drawing/2014/main" id="{2129EC38-471E-4685-973E-BA7A7F567C42}"/>
                   </a:ext>
                 </a:extLst>
               </p:cNvPr>
@@ -10847,7 +10848,7 @@
               <p:cNvPr id="44" name="Straight Connector 43">
                 <a:extLst>
                   <a:ext uri="{FF2B5EF4-FFF2-40B4-BE49-F238E27FC236}">
-                    <a16:creationId xmlns:a16="http://schemas.microsoft.com/office/drawing/2014/main" xmlns="" id="{678142BE-84C9-4834-B6CC-6623E401661C}"/>
+                    <a16:creationId xmlns="" xmlns:a16="http://schemas.microsoft.com/office/drawing/2014/main" id="{678142BE-84C9-4834-B6CC-6623E401661C}"/>
                   </a:ext>
                 </a:extLst>
               </p:cNvPr>
@@ -10891,7 +10892,7 @@
     </p:spTree>
     <p:extLst>
       <p:ext uri="{BB962C8B-B14F-4D97-AF65-F5344CB8AC3E}">
-        <p14:creationId xmlns:p14="http://schemas.microsoft.com/office/powerpoint/2010/main" xmlns="" val="1679651758"/>
+        <p14:creationId xmlns="" xmlns:p14="http://schemas.microsoft.com/office/powerpoint/2010/main" val="1679651758"/>
       </p:ext>
     </p:extLst>
   </p:cSld>
@@ -10899,7 +10900,7 @@
     <a:masterClrMapping/>
   </p:clrMapOvr>
   <mc:AlternateContent xmlns:mc="http://schemas.openxmlformats.org/markup-compatibility/2006">
-    <mc:Choice xmlns:p14="http://schemas.microsoft.com/office/powerpoint/2010/main" xmlns="" Requires="p14">
+    <mc:Choice xmlns="" xmlns:p14="http://schemas.microsoft.com/office/powerpoint/2010/main" Requires="p14">
       <p:transition spd="slow" p14:dur="2000" advClick="0" advTm="5000"/>
     </mc:Choice>
     <mc:Fallback>
@@ -10931,7 +10932,7 @@
           <p:cNvPr id="5" name="Slide Number">
             <a:extLst>
               <a:ext uri="{FF2B5EF4-FFF2-40B4-BE49-F238E27FC236}">
-                <a16:creationId xmlns:a16="http://schemas.microsoft.com/office/drawing/2014/main" xmlns="" id="{F0B8C963-1813-4B69-AD27-6D02EBBBB569}"/>
+                <a16:creationId xmlns="" xmlns:a16="http://schemas.microsoft.com/office/drawing/2014/main" id="{F0B8C963-1813-4B69-AD27-6D02EBBBB569}"/>
               </a:ext>
             </a:extLst>
           </p:cNvPr>
@@ -10973,7 +10974,7 @@
           <p:cNvPr id="3" name="Rectangle Left">
             <a:extLst>
               <a:ext uri="{FF2B5EF4-FFF2-40B4-BE49-F238E27FC236}">
-                <a16:creationId xmlns:a16="http://schemas.microsoft.com/office/drawing/2014/main" xmlns="" id="{345FB1C8-7F66-4D5C-ACCE-AE919936BCFD}"/>
+                <a16:creationId xmlns="" xmlns:a16="http://schemas.microsoft.com/office/drawing/2014/main" id="{345FB1C8-7F66-4D5C-ACCE-AE919936BCFD}"/>
               </a:ext>
             </a:extLst>
           </p:cNvPr>
@@ -11054,7 +11055,7 @@
           <p:cNvPr id="7" name="Slide Body Text">
             <a:extLst>
               <a:ext uri="{FF2B5EF4-FFF2-40B4-BE49-F238E27FC236}">
-                <a16:creationId xmlns:a16="http://schemas.microsoft.com/office/drawing/2014/main" xmlns="" id="{7296EDA7-D37D-4B31-A888-371F0804124F}"/>
+                <a16:creationId xmlns="" xmlns:a16="http://schemas.microsoft.com/office/drawing/2014/main" id="{7296EDA7-D37D-4B31-A888-371F0804124F}"/>
               </a:ext>
             </a:extLst>
           </p:cNvPr>
@@ -11152,7 +11153,7 @@
           <p:cNvPr id="6" name="Slide Title">
             <a:extLst>
               <a:ext uri="{FF2B5EF4-FFF2-40B4-BE49-F238E27FC236}">
-                <a16:creationId xmlns:a16="http://schemas.microsoft.com/office/drawing/2014/main" xmlns="" id="{55A88B09-3557-48A3-BF27-42699C269215}"/>
+                <a16:creationId xmlns="" xmlns:a16="http://schemas.microsoft.com/office/drawing/2014/main" id="{55A88B09-3557-48A3-BF27-42699C269215}"/>
               </a:ext>
             </a:extLst>
           </p:cNvPr>
@@ -11189,7 +11190,7 @@
           <p:cNvPr id="28" name="Group 27">
             <a:extLst>
               <a:ext uri="{FF2B5EF4-FFF2-40B4-BE49-F238E27FC236}">
-                <a16:creationId xmlns:a16="http://schemas.microsoft.com/office/drawing/2014/main" xmlns="" id="{C4248838-4E67-439E-AE0A-0043D2CB04D6}"/>
+                <a16:creationId xmlns="" xmlns:a16="http://schemas.microsoft.com/office/drawing/2014/main" id="{C4248838-4E67-439E-AE0A-0043D2CB04D6}"/>
               </a:ext>
             </a:extLst>
           </p:cNvPr>
@@ -11209,7 +11210,7 @@
             <p:cNvPr id="29" name="Group 28">
               <a:extLst>
                 <a:ext uri="{FF2B5EF4-FFF2-40B4-BE49-F238E27FC236}">
-                  <a16:creationId xmlns:a16="http://schemas.microsoft.com/office/drawing/2014/main" xmlns="" id="{810CFD6A-2427-49D5-846A-5F93601D4184}"/>
+                  <a16:creationId xmlns="" xmlns:a16="http://schemas.microsoft.com/office/drawing/2014/main" id="{810CFD6A-2427-49D5-846A-5F93601D4184}"/>
                 </a:ext>
               </a:extLst>
             </p:cNvPr>
@@ -11229,7 +11230,7 @@
               <p:cNvPr id="42" name="Oval 41">
                 <a:extLst>
                   <a:ext uri="{FF2B5EF4-FFF2-40B4-BE49-F238E27FC236}">
-                    <a16:creationId xmlns:a16="http://schemas.microsoft.com/office/drawing/2014/main" xmlns="" id="{017B1AE5-5C36-4839-BA1F-B404EA44E701}"/>
+                    <a16:creationId xmlns="" xmlns:a16="http://schemas.microsoft.com/office/drawing/2014/main" id="{017B1AE5-5C36-4839-BA1F-B404EA44E701}"/>
                   </a:ext>
                 </a:extLst>
               </p:cNvPr>
@@ -11281,7 +11282,7 @@
               <p:cNvPr id="43" name="Rectangle 5">
                 <a:extLst>
                   <a:ext uri="{FF2B5EF4-FFF2-40B4-BE49-F238E27FC236}">
-                    <a16:creationId xmlns:a16="http://schemas.microsoft.com/office/drawing/2014/main" xmlns="" id="{FB963D79-BB49-4A1D-BA66-EA0670C79BAE}"/>
+                    <a16:creationId xmlns="" xmlns:a16="http://schemas.microsoft.com/office/drawing/2014/main" id="{FB963D79-BB49-4A1D-BA66-EA0670C79BAE}"/>
                   </a:ext>
                 </a:extLst>
               </p:cNvPr>
@@ -11426,7 +11427,7 @@
               <p:cNvPr id="44" name="Rectangle 5">
                 <a:extLst>
                   <a:ext uri="{FF2B5EF4-FFF2-40B4-BE49-F238E27FC236}">
-                    <a16:creationId xmlns:a16="http://schemas.microsoft.com/office/drawing/2014/main" xmlns="" id="{6D7746D8-B913-493B-AAE9-25BC6893D40E}"/>
+                    <a16:creationId xmlns="" xmlns:a16="http://schemas.microsoft.com/office/drawing/2014/main" id="{6D7746D8-B913-493B-AAE9-25BC6893D40E}"/>
                   </a:ext>
                 </a:extLst>
               </p:cNvPr>
@@ -11571,7 +11572,7 @@
               <p:cNvPr id="45" name="Arc 44">
                 <a:extLst>
                   <a:ext uri="{FF2B5EF4-FFF2-40B4-BE49-F238E27FC236}">
-                    <a16:creationId xmlns:a16="http://schemas.microsoft.com/office/drawing/2014/main" xmlns="" id="{29031C02-E965-417B-8799-96061B14F30D}"/>
+                    <a16:creationId xmlns="" xmlns:a16="http://schemas.microsoft.com/office/drawing/2014/main" id="{29031C02-E965-417B-8799-96061B14F30D}"/>
                   </a:ext>
                 </a:extLst>
               </p:cNvPr>
@@ -11630,7 +11631,7 @@
               <p:cNvPr id="46" name="Arc 45">
                 <a:extLst>
                   <a:ext uri="{FF2B5EF4-FFF2-40B4-BE49-F238E27FC236}">
-                    <a16:creationId xmlns:a16="http://schemas.microsoft.com/office/drawing/2014/main" xmlns="" id="{26BFD8A6-BC99-4B16-BA10-08A9E5C681C0}"/>
+                    <a16:creationId xmlns="" xmlns:a16="http://schemas.microsoft.com/office/drawing/2014/main" id="{26BFD8A6-BC99-4B16-BA10-08A9E5C681C0}"/>
                   </a:ext>
                 </a:extLst>
               </p:cNvPr>
@@ -11690,7 +11691,7 @@
             <p:cNvPr id="30" name="Rectangle: Rounded Corners 29">
               <a:extLst>
                 <a:ext uri="{FF2B5EF4-FFF2-40B4-BE49-F238E27FC236}">
-                  <a16:creationId xmlns:a16="http://schemas.microsoft.com/office/drawing/2014/main" xmlns="" id="{B310277F-A78E-4FB9-9EA9-88BE4F1D585B}"/>
+                  <a16:creationId xmlns="" xmlns:a16="http://schemas.microsoft.com/office/drawing/2014/main" id="{B310277F-A78E-4FB9-9EA9-88BE4F1D585B}"/>
                 </a:ext>
               </a:extLst>
             </p:cNvPr>
@@ -11744,7 +11745,7 @@
             <p:cNvPr id="31" name="Rectangle: Rounded Corners 30">
               <a:extLst>
                 <a:ext uri="{FF2B5EF4-FFF2-40B4-BE49-F238E27FC236}">
-                  <a16:creationId xmlns:a16="http://schemas.microsoft.com/office/drawing/2014/main" xmlns="" id="{A92CF92B-C212-4542-83AE-A0058B5BB5EA}"/>
+                  <a16:creationId xmlns="" xmlns:a16="http://schemas.microsoft.com/office/drawing/2014/main" id="{A92CF92B-C212-4542-83AE-A0058B5BB5EA}"/>
                 </a:ext>
               </a:extLst>
             </p:cNvPr>
@@ -11805,7 +11806,7 @@
             <p:cNvPr id="32" name="Straight Connector 31">
               <a:extLst>
                 <a:ext uri="{FF2B5EF4-FFF2-40B4-BE49-F238E27FC236}">
-                  <a16:creationId xmlns:a16="http://schemas.microsoft.com/office/drawing/2014/main" xmlns="" id="{563B4374-5C0D-461F-B3BD-78D99614D365}"/>
+                  <a16:creationId xmlns="" xmlns:a16="http://schemas.microsoft.com/office/drawing/2014/main" id="{563B4374-5C0D-461F-B3BD-78D99614D365}"/>
                 </a:ext>
               </a:extLst>
             </p:cNvPr>
@@ -11851,7 +11852,7 @@
             <p:cNvPr id="33" name="Straight Connector 32">
               <a:extLst>
                 <a:ext uri="{FF2B5EF4-FFF2-40B4-BE49-F238E27FC236}">
-                  <a16:creationId xmlns:a16="http://schemas.microsoft.com/office/drawing/2014/main" xmlns="" id="{FBC6FDE7-AEA1-4230-8433-4C088A0FF5F9}"/>
+                  <a16:creationId xmlns="" xmlns:a16="http://schemas.microsoft.com/office/drawing/2014/main" id="{FBC6FDE7-AEA1-4230-8433-4C088A0FF5F9}"/>
                 </a:ext>
               </a:extLst>
             </p:cNvPr>
@@ -11897,7 +11898,7 @@
             <p:cNvPr id="34" name="Group 33">
               <a:extLst>
                 <a:ext uri="{FF2B5EF4-FFF2-40B4-BE49-F238E27FC236}">
-                  <a16:creationId xmlns:a16="http://schemas.microsoft.com/office/drawing/2014/main" xmlns="" id="{C4D1021D-07C7-4331-8FF6-36980A30978B}"/>
+                  <a16:creationId xmlns="" xmlns:a16="http://schemas.microsoft.com/office/drawing/2014/main" id="{C4D1021D-07C7-4331-8FF6-36980A30978B}"/>
                 </a:ext>
               </a:extLst>
             </p:cNvPr>
@@ -11920,7 +11921,7 @@
               <p:cNvPr id="40" name="Straight Connector 39">
                 <a:extLst>
                   <a:ext uri="{FF2B5EF4-FFF2-40B4-BE49-F238E27FC236}">
-                    <a16:creationId xmlns:a16="http://schemas.microsoft.com/office/drawing/2014/main" xmlns="" id="{13B7FE99-95CF-45D5-966B-87A979B93431}"/>
+                    <a16:creationId xmlns="" xmlns:a16="http://schemas.microsoft.com/office/drawing/2014/main" id="{13B7FE99-95CF-45D5-966B-87A979B93431}"/>
                   </a:ext>
                 </a:extLst>
               </p:cNvPr>
@@ -11964,7 +11965,7 @@
               <p:cNvPr id="41" name="Straight Connector 40">
                 <a:extLst>
                   <a:ext uri="{FF2B5EF4-FFF2-40B4-BE49-F238E27FC236}">
-                    <a16:creationId xmlns:a16="http://schemas.microsoft.com/office/drawing/2014/main" xmlns="" id="{71BBA69B-19FF-4ADB-A739-AD8136A5F0A6}"/>
+                    <a16:creationId xmlns="" xmlns:a16="http://schemas.microsoft.com/office/drawing/2014/main" id="{71BBA69B-19FF-4ADB-A739-AD8136A5F0A6}"/>
                   </a:ext>
                 </a:extLst>
               </p:cNvPr>
@@ -12009,7 +12010,7 @@
             <p:cNvPr id="35" name="Straight Connector 34">
               <a:extLst>
                 <a:ext uri="{FF2B5EF4-FFF2-40B4-BE49-F238E27FC236}">
-                  <a16:creationId xmlns:a16="http://schemas.microsoft.com/office/drawing/2014/main" xmlns="" id="{BFD1D86B-562B-40B2-8E46-34233EFEE7FC}"/>
+                  <a16:creationId xmlns="" xmlns:a16="http://schemas.microsoft.com/office/drawing/2014/main" id="{BFD1D86B-562B-40B2-8E46-34233EFEE7FC}"/>
                 </a:ext>
               </a:extLst>
             </p:cNvPr>
@@ -12055,7 +12056,7 @@
             <p:cNvPr id="36" name="Rectangle: Rounded Corners 35">
               <a:extLst>
                 <a:ext uri="{FF2B5EF4-FFF2-40B4-BE49-F238E27FC236}">
-                  <a16:creationId xmlns:a16="http://schemas.microsoft.com/office/drawing/2014/main" xmlns="" id="{388C17BD-16A1-43C5-BFFA-2FF9174719E1}"/>
+                  <a16:creationId xmlns="" xmlns:a16="http://schemas.microsoft.com/office/drawing/2014/main" id="{388C17BD-16A1-43C5-BFFA-2FF9174719E1}"/>
                 </a:ext>
               </a:extLst>
             </p:cNvPr>
@@ -12109,7 +12110,7 @@
             <p:cNvPr id="37" name="Group 36">
               <a:extLst>
                 <a:ext uri="{FF2B5EF4-FFF2-40B4-BE49-F238E27FC236}">
-                  <a16:creationId xmlns:a16="http://schemas.microsoft.com/office/drawing/2014/main" xmlns="" id="{1B3B910E-ACFC-4F28-8E28-F02E1588B87E}"/>
+                  <a16:creationId xmlns="" xmlns:a16="http://schemas.microsoft.com/office/drawing/2014/main" id="{1B3B910E-ACFC-4F28-8E28-F02E1588B87E}"/>
                 </a:ext>
               </a:extLst>
             </p:cNvPr>
@@ -12132,7 +12133,7 @@
               <p:cNvPr id="38" name="Straight Connector 37">
                 <a:extLst>
                   <a:ext uri="{FF2B5EF4-FFF2-40B4-BE49-F238E27FC236}">
-                    <a16:creationId xmlns:a16="http://schemas.microsoft.com/office/drawing/2014/main" xmlns="" id="{F57772B6-06C0-4F54-AA94-D3F92DA4716A}"/>
+                    <a16:creationId xmlns="" xmlns:a16="http://schemas.microsoft.com/office/drawing/2014/main" id="{F57772B6-06C0-4F54-AA94-D3F92DA4716A}"/>
                   </a:ext>
                 </a:extLst>
               </p:cNvPr>
@@ -12176,7 +12177,7 @@
               <p:cNvPr id="39" name="Straight Connector 38">
                 <a:extLst>
                   <a:ext uri="{FF2B5EF4-FFF2-40B4-BE49-F238E27FC236}">
-                    <a16:creationId xmlns:a16="http://schemas.microsoft.com/office/drawing/2014/main" xmlns="" id="{23370C1F-7876-4278-AB20-78F6CAA385E2}"/>
+                    <a16:creationId xmlns="" xmlns:a16="http://schemas.microsoft.com/office/drawing/2014/main" id="{23370C1F-7876-4278-AB20-78F6CAA385E2}"/>
                   </a:ext>
                 </a:extLst>
               </p:cNvPr>
@@ -12220,7 +12221,7 @@
     </p:spTree>
     <p:extLst>
       <p:ext uri="{BB962C8B-B14F-4D97-AF65-F5344CB8AC3E}">
-        <p14:creationId xmlns:p14="http://schemas.microsoft.com/office/powerpoint/2010/main" xmlns="" val="3284562556"/>
+        <p14:creationId xmlns="" xmlns:p14="http://schemas.microsoft.com/office/powerpoint/2010/main" val="3284562556"/>
       </p:ext>
     </p:extLst>
   </p:cSld>
@@ -12228,7 +12229,7 @@
     <a:masterClrMapping/>
   </p:clrMapOvr>
   <mc:AlternateContent xmlns:mc="http://schemas.openxmlformats.org/markup-compatibility/2006">
-    <mc:Choice xmlns:p14="http://schemas.microsoft.com/office/powerpoint/2010/main" xmlns="" Requires="p14">
+    <mc:Choice xmlns="" xmlns:p14="http://schemas.microsoft.com/office/powerpoint/2010/main" Requires="p14">
       <p:transition spd="slow" p14:dur="2000" advClick="0" advTm="5000"/>
     </mc:Choice>
     <mc:Fallback>
@@ -12260,7 +12261,7 @@
           <p:cNvPr id="8" name="Slide Number">
             <a:extLst>
               <a:ext uri="{FF2B5EF4-FFF2-40B4-BE49-F238E27FC236}">
-                <a16:creationId xmlns:a16="http://schemas.microsoft.com/office/drawing/2014/main" xmlns="" id="{509D954E-A844-4072-A556-DE584BEB9321}"/>
+                <a16:creationId xmlns="" xmlns:a16="http://schemas.microsoft.com/office/drawing/2014/main" id="{509D954E-A844-4072-A556-DE584BEB9321}"/>
               </a:ext>
             </a:extLst>
           </p:cNvPr>
@@ -12302,7 +12303,7 @@
           <p:cNvPr id="6" name="Code Box">
             <a:extLst>
               <a:ext uri="{FF2B5EF4-FFF2-40B4-BE49-F238E27FC236}">
-                <a16:creationId xmlns:a16="http://schemas.microsoft.com/office/drawing/2014/main" xmlns="" id="{3278A82F-5546-4977-9F75-2A933B415945}"/>
+                <a16:creationId xmlns="" xmlns:a16="http://schemas.microsoft.com/office/drawing/2014/main" id="{3278A82F-5546-4977-9F75-2A933B415945}"/>
               </a:ext>
             </a:extLst>
           </p:cNvPr>
@@ -12389,7 +12390,7 @@
           <p:cNvPr id="21" name="Slide Body Text">
             <a:extLst>
               <a:ext uri="{FF2B5EF4-FFF2-40B4-BE49-F238E27FC236}">
-                <a16:creationId xmlns:a16="http://schemas.microsoft.com/office/drawing/2014/main" xmlns="" id="{04F318BE-2BAD-4677-871C-D78A4BF0CBA6}"/>
+                <a16:creationId xmlns="" xmlns:a16="http://schemas.microsoft.com/office/drawing/2014/main" id="{04F318BE-2BAD-4677-871C-D78A4BF0CBA6}"/>
               </a:ext>
             </a:extLst>
           </p:cNvPr>
@@ -12436,7 +12437,7 @@
           <p:cNvPr id="9" name="Rectangle Top">
             <a:extLst>
               <a:ext uri="{FF2B5EF4-FFF2-40B4-BE49-F238E27FC236}">
-                <a16:creationId xmlns:a16="http://schemas.microsoft.com/office/drawing/2014/main" xmlns="" id="{A15CE03A-0933-4E5D-9EA1-718D4F802FFC}"/>
+                <a16:creationId xmlns="" xmlns:a16="http://schemas.microsoft.com/office/drawing/2014/main" id="{A15CE03A-0933-4E5D-9EA1-718D4F802FFC}"/>
               </a:ext>
             </a:extLst>
           </p:cNvPr>
@@ -12517,7 +12518,7 @@
           <p:cNvPr id="10" name="Logo Software University" descr="Software University logo">
             <a:extLst>
               <a:ext uri="{FF2B5EF4-FFF2-40B4-BE49-F238E27FC236}">
-                <a16:creationId xmlns:a16="http://schemas.microsoft.com/office/drawing/2014/main" xmlns="" id="{8C01D7AF-7CBD-46E1-99F3-8EB60E838D91}"/>
+                <a16:creationId xmlns="" xmlns:a16="http://schemas.microsoft.com/office/drawing/2014/main" id="{8C01D7AF-7CBD-46E1-99F3-8EB60E838D91}"/>
               </a:ext>
             </a:extLst>
           </p:cNvPr>
@@ -12530,7 +12531,7 @@
           <a:blip r:embed="rId2" cstate="print">
             <a:extLst>
               <a:ext uri="{28A0092B-C50C-407E-A947-70E740481C1C}">
-                <a14:useLocalDpi xmlns:a14="http://schemas.microsoft.com/office/drawing/2010/main" xmlns="" val="0"/>
+                <a14:useLocalDpi xmlns="" xmlns:a14="http://schemas.microsoft.com/office/drawing/2010/main" val="0"/>
               </a:ext>
             </a:extLst>
           </a:blip>
@@ -12553,7 +12554,7 @@
           <p:cNvPr id="11" name="Slide Title">
             <a:extLst>
               <a:ext uri="{FF2B5EF4-FFF2-40B4-BE49-F238E27FC236}">
-                <a16:creationId xmlns:a16="http://schemas.microsoft.com/office/drawing/2014/main" xmlns="" id="{47D60833-F0A9-4F29-8C06-A963A7C8BE93}"/>
+                <a16:creationId xmlns="" xmlns:a16="http://schemas.microsoft.com/office/drawing/2014/main" id="{47D60833-F0A9-4F29-8C06-A963A7C8BE93}"/>
               </a:ext>
             </a:extLst>
           </p:cNvPr>
@@ -12592,7 +12593,7 @@
     </p:spTree>
     <p:extLst>
       <p:ext uri="{BB962C8B-B14F-4D97-AF65-F5344CB8AC3E}">
-        <p14:creationId xmlns:p14="http://schemas.microsoft.com/office/powerpoint/2010/main" xmlns="" val="1000829826"/>
+        <p14:creationId xmlns="" xmlns:p14="http://schemas.microsoft.com/office/powerpoint/2010/main" val="1000829826"/>
       </p:ext>
     </p:extLst>
   </p:cSld>
@@ -12600,7 +12601,7 @@
     <a:masterClrMapping/>
   </p:clrMapOvr>
   <mc:AlternateContent xmlns:mc="http://schemas.openxmlformats.org/markup-compatibility/2006">
-    <mc:Choice xmlns:p14="http://schemas.microsoft.com/office/powerpoint/2010/main" xmlns="" Requires="p14">
+    <mc:Choice xmlns="" xmlns:p14="http://schemas.microsoft.com/office/powerpoint/2010/main" Requires="p14">
       <p:transition spd="slow" p14:dur="2000" advClick="0" advTm="5000"/>
     </mc:Choice>
     <mc:Fallback>
@@ -12632,7 +12633,7 @@
           <p:cNvPr id="10" name="Slide Number">
             <a:extLst>
               <a:ext uri="{FF2B5EF4-FFF2-40B4-BE49-F238E27FC236}">
-                <a16:creationId xmlns:a16="http://schemas.microsoft.com/office/drawing/2014/main" xmlns="" id="{39DDE17E-5472-41F3-AF5F-54DFF10DC63C}"/>
+                <a16:creationId xmlns="" xmlns:a16="http://schemas.microsoft.com/office/drawing/2014/main" id="{39DDE17E-5472-41F3-AF5F-54DFF10DC63C}"/>
               </a:ext>
             </a:extLst>
           </p:cNvPr>
@@ -12674,7 +12675,7 @@
           <p:cNvPr id="9" name="Picture SoftUni Mascot" descr="SoftUni mascot with laptop">
             <a:extLst>
               <a:ext uri="{FF2B5EF4-FFF2-40B4-BE49-F238E27FC236}">
-                <a16:creationId xmlns:a16="http://schemas.microsoft.com/office/drawing/2014/main" xmlns="" id="{DC4365F6-D2C1-47B4-8477-38FD2C7711AA}"/>
+                <a16:creationId xmlns="" xmlns:a16="http://schemas.microsoft.com/office/drawing/2014/main" id="{DC4365F6-D2C1-47B4-8477-38FD2C7711AA}"/>
               </a:ext>
             </a:extLst>
           </p:cNvPr>
@@ -12687,7 +12688,7 @@
           <a:blip r:embed="rId2" cstate="print">
             <a:extLst>
               <a:ext uri="{28A0092B-C50C-407E-A947-70E740481C1C}">
-                <a14:useLocalDpi xmlns:a14="http://schemas.microsoft.com/office/drawing/2010/main" xmlns="" val="0"/>
+                <a14:useLocalDpi xmlns="" xmlns:a14="http://schemas.microsoft.com/office/drawing/2010/main" val="0"/>
               </a:ext>
             </a:extLst>
           </a:blip>
@@ -12710,7 +12711,7 @@
           <p:cNvPr id="23" name="Slide Body Text">
             <a:extLst>
               <a:ext uri="{FF2B5EF4-FFF2-40B4-BE49-F238E27FC236}">
-                <a16:creationId xmlns:a16="http://schemas.microsoft.com/office/drawing/2014/main" xmlns="" id="{889D93F4-ABFA-46BF-8E5D-FE6562ACB20F}"/>
+                <a16:creationId xmlns="" xmlns:a16="http://schemas.microsoft.com/office/drawing/2014/main" id="{889D93F4-ABFA-46BF-8E5D-FE6562ACB20F}"/>
               </a:ext>
             </a:extLst>
           </p:cNvPr>
@@ -12801,7 +12802,7 @@
           <p:cNvPr id="8" name="Rectangle Top">
             <a:extLst>
               <a:ext uri="{FF2B5EF4-FFF2-40B4-BE49-F238E27FC236}">
-                <a16:creationId xmlns:a16="http://schemas.microsoft.com/office/drawing/2014/main" xmlns="" id="{930E0800-9260-4369-8330-8264DD33C5CE}"/>
+                <a16:creationId xmlns="" xmlns:a16="http://schemas.microsoft.com/office/drawing/2014/main" id="{930E0800-9260-4369-8330-8264DD33C5CE}"/>
               </a:ext>
             </a:extLst>
           </p:cNvPr>
@@ -12882,7 +12883,7 @@
           <p:cNvPr id="11" name="Logo Software University" descr="Software University logo">
             <a:extLst>
               <a:ext uri="{FF2B5EF4-FFF2-40B4-BE49-F238E27FC236}">
-                <a16:creationId xmlns:a16="http://schemas.microsoft.com/office/drawing/2014/main" xmlns="" id="{14F779A7-4A91-448B-BEFA-956C70A1C22F}"/>
+                <a16:creationId xmlns="" xmlns:a16="http://schemas.microsoft.com/office/drawing/2014/main" id="{14F779A7-4A91-448B-BEFA-956C70A1C22F}"/>
               </a:ext>
             </a:extLst>
           </p:cNvPr>
@@ -12895,7 +12896,7 @@
           <a:blip r:embed="rId3" cstate="print">
             <a:extLst>
               <a:ext uri="{28A0092B-C50C-407E-A947-70E740481C1C}">
-                <a14:useLocalDpi xmlns:a14="http://schemas.microsoft.com/office/drawing/2010/main" xmlns="" val="0"/>
+                <a14:useLocalDpi xmlns="" xmlns:a14="http://schemas.microsoft.com/office/drawing/2010/main" val="0"/>
               </a:ext>
             </a:extLst>
           </a:blip>
@@ -12918,7 +12919,7 @@
           <p:cNvPr id="13" name="Slide Title">
             <a:extLst>
               <a:ext uri="{FF2B5EF4-FFF2-40B4-BE49-F238E27FC236}">
-                <a16:creationId xmlns:a16="http://schemas.microsoft.com/office/drawing/2014/main" xmlns="" id="{357D7BE1-6358-42CC-94F3-7BCDD91DCB6D}"/>
+                <a16:creationId xmlns="" xmlns:a16="http://schemas.microsoft.com/office/drawing/2014/main" id="{357D7BE1-6358-42CC-94F3-7BCDD91DCB6D}"/>
               </a:ext>
             </a:extLst>
           </p:cNvPr>
@@ -12957,7 +12958,7 @@
     </p:spTree>
     <p:extLst>
       <p:ext uri="{BB962C8B-B14F-4D97-AF65-F5344CB8AC3E}">
-        <p14:creationId xmlns:p14="http://schemas.microsoft.com/office/powerpoint/2010/main" xmlns="" val="1028724482"/>
+        <p14:creationId xmlns="" xmlns:p14="http://schemas.microsoft.com/office/powerpoint/2010/main" val="1028724482"/>
       </p:ext>
     </p:extLst>
   </p:cSld>
@@ -12965,7 +12966,7 @@
     <a:masterClrMapping/>
   </p:clrMapOvr>
   <mc:AlternateContent xmlns:mc="http://schemas.openxmlformats.org/markup-compatibility/2006">
-    <mc:Choice xmlns:p14="http://schemas.microsoft.com/office/powerpoint/2010/main" xmlns="" Requires="p14">
+    <mc:Choice xmlns="" xmlns:p14="http://schemas.microsoft.com/office/powerpoint/2010/main" Requires="p14">
       <p:transition spd="slow" p14:dur="2000" advClick="0" advTm="5000"/>
     </mc:Choice>
     <mc:Fallback>
@@ -13077,7 +13078,7 @@
           <p:cNvPr id="11" name="Slide Number">
             <a:extLst>
               <a:ext uri="{FF2B5EF4-FFF2-40B4-BE49-F238E27FC236}">
-                <a16:creationId xmlns:a16="http://schemas.microsoft.com/office/drawing/2014/main" xmlns="" id="{6750ECE4-94E0-469B-B8E4-562792823B0F}"/>
+                <a16:creationId xmlns="" xmlns:a16="http://schemas.microsoft.com/office/drawing/2014/main" id="{6750ECE4-94E0-469B-B8E4-562792823B0F}"/>
               </a:ext>
             </a:extLst>
           </p:cNvPr>
@@ -13200,7 +13201,7 @@
           <p:cNvPr id="12" name="Logo Software University Down" descr="Software University logo">
             <a:extLst>
               <a:ext uri="{FF2B5EF4-FFF2-40B4-BE49-F238E27FC236}">
-                <a16:creationId xmlns:a16="http://schemas.microsoft.com/office/drawing/2014/main" xmlns="" id="{7028D2F0-1E67-414B-A93D-D3F8F131A132}"/>
+                <a16:creationId xmlns="" xmlns:a16="http://schemas.microsoft.com/office/drawing/2014/main" id="{7028D2F0-1E67-414B-A93D-D3F8F131A132}"/>
               </a:ext>
             </a:extLst>
           </p:cNvPr>
@@ -13213,7 +13214,7 @@
           <a:blip r:embed="rId2" cstate="print">
             <a:extLst>
               <a:ext uri="{28A0092B-C50C-407E-A947-70E740481C1C}">
-                <a14:useLocalDpi xmlns:a14="http://schemas.microsoft.com/office/drawing/2010/main" xmlns="" val="0"/>
+                <a14:useLocalDpi xmlns="" xmlns:a14="http://schemas.microsoft.com/office/drawing/2010/main" val="0"/>
               </a:ext>
             </a:extLst>
           </a:blip>
@@ -13236,7 +13237,7 @@
           <p:cNvPr id="10" name="Text Placeholder Right">
             <a:extLst>
               <a:ext uri="{FF2B5EF4-FFF2-40B4-BE49-F238E27FC236}">
-                <a16:creationId xmlns:a16="http://schemas.microsoft.com/office/drawing/2014/main" xmlns="" id="{AF69A59F-C564-4A04-B1CC-31C261499991}"/>
+                <a16:creationId xmlns="" xmlns:a16="http://schemas.microsoft.com/office/drawing/2014/main" id="{AF69A59F-C564-4A04-B1CC-31C261499991}"/>
               </a:ext>
             </a:extLst>
           </p:cNvPr>
@@ -13314,7 +13315,7 @@
           <p:cNvPr id="9" name="Text Placeholder Left">
             <a:extLst>
               <a:ext uri="{FF2B5EF4-FFF2-40B4-BE49-F238E27FC236}">
-                <a16:creationId xmlns:a16="http://schemas.microsoft.com/office/drawing/2014/main" xmlns="" id="{C8A626D2-456B-41EF-9818-EA8DD7E314DA}"/>
+                <a16:creationId xmlns="" xmlns:a16="http://schemas.microsoft.com/office/drawing/2014/main" id="{C8A626D2-456B-41EF-9818-EA8DD7E314DA}"/>
               </a:ext>
             </a:extLst>
           </p:cNvPr>
@@ -13392,7 +13393,7 @@
           <p:cNvPr id="13" name="Rectangle Top">
             <a:extLst>
               <a:ext uri="{FF2B5EF4-FFF2-40B4-BE49-F238E27FC236}">
-                <a16:creationId xmlns:a16="http://schemas.microsoft.com/office/drawing/2014/main" xmlns="" id="{E03301DA-D0AF-46FD-8740-2F761250203A}"/>
+                <a16:creationId xmlns="" xmlns:a16="http://schemas.microsoft.com/office/drawing/2014/main" id="{E03301DA-D0AF-46FD-8740-2F761250203A}"/>
               </a:ext>
             </a:extLst>
           </p:cNvPr>
@@ -13473,7 +13474,7 @@
           <p:cNvPr id="14" name="Logo Software University" descr="Software University logo">
             <a:extLst>
               <a:ext uri="{FF2B5EF4-FFF2-40B4-BE49-F238E27FC236}">
-                <a16:creationId xmlns:a16="http://schemas.microsoft.com/office/drawing/2014/main" xmlns="" id="{19A67BB9-D880-4EAD-B90E-89C4219BFC0B}"/>
+                <a16:creationId xmlns="" xmlns:a16="http://schemas.microsoft.com/office/drawing/2014/main" id="{19A67BB9-D880-4EAD-B90E-89C4219BFC0B}"/>
               </a:ext>
             </a:extLst>
           </p:cNvPr>
@@ -13486,7 +13487,7 @@
           <a:blip r:embed="rId3" cstate="print">
             <a:extLst>
               <a:ext uri="{28A0092B-C50C-407E-A947-70E740481C1C}">
-                <a14:useLocalDpi xmlns:a14="http://schemas.microsoft.com/office/drawing/2010/main" xmlns="" val="0"/>
+                <a14:useLocalDpi xmlns="" xmlns:a14="http://schemas.microsoft.com/office/drawing/2010/main" val="0"/>
               </a:ext>
             </a:extLst>
           </a:blip>
@@ -13509,7 +13510,7 @@
           <p:cNvPr id="15" name="Slide Title">
             <a:extLst>
               <a:ext uri="{FF2B5EF4-FFF2-40B4-BE49-F238E27FC236}">
-                <a16:creationId xmlns:a16="http://schemas.microsoft.com/office/drawing/2014/main" xmlns="" id="{EA9A94D1-F9F6-4D7B-85E3-896A987B6A4D}"/>
+                <a16:creationId xmlns="" xmlns:a16="http://schemas.microsoft.com/office/drawing/2014/main" id="{EA9A94D1-F9F6-4D7B-85E3-896A987B6A4D}"/>
               </a:ext>
             </a:extLst>
           </p:cNvPr>
@@ -13548,7 +13549,7 @@
     </p:spTree>
     <p:extLst>
       <p:ext uri="{BB962C8B-B14F-4D97-AF65-F5344CB8AC3E}">
-        <p14:creationId xmlns:p14="http://schemas.microsoft.com/office/powerpoint/2010/main" xmlns="" val="3044033461"/>
+        <p14:creationId xmlns="" xmlns:p14="http://schemas.microsoft.com/office/powerpoint/2010/main" val="3044033461"/>
       </p:ext>
     </p:extLst>
   </p:cSld>
@@ -13556,7 +13557,7 @@
     <a:masterClrMapping/>
   </p:clrMapOvr>
   <mc:AlternateContent xmlns:mc="http://schemas.openxmlformats.org/markup-compatibility/2006">
-    <mc:Choice xmlns:p14="http://schemas.microsoft.com/office/powerpoint/2010/main" xmlns="" Requires="p14">
+    <mc:Choice xmlns="" xmlns:p14="http://schemas.microsoft.com/office/powerpoint/2010/main" Requires="p14">
       <p:transition spd="slow" p14:dur="2000" advClick="0" advTm="5000"/>
     </mc:Choice>
     <mc:Fallback>
@@ -13565,7 +13566,7 @@
   </mc:AlternateContent>
   <p:extLst>
     <p:ext uri="{DCECCB84-F9BA-43D5-87BE-67443E8EF086}">
-      <p15:sldGuideLst xmlns:p15="http://schemas.microsoft.com/office/powerpoint/2012/main" xmlns="">
+      <p15:sldGuideLst xmlns="" xmlns:p15="http://schemas.microsoft.com/office/powerpoint/2012/main">
         <p15:guide id="1" orient="horz" pos="2160">
           <p15:clr>
             <a:srgbClr val="FBAE40"/>
@@ -13612,7 +13613,7 @@
           <p:cNvPr id="4" name="Picture Background" descr="SoftUni Background">
             <a:extLst>
               <a:ext uri="{FF2B5EF4-FFF2-40B4-BE49-F238E27FC236}">
-                <a16:creationId xmlns:a16="http://schemas.microsoft.com/office/drawing/2014/main" xmlns="" id="{5BE90A63-DDD9-4B3B-A234-DF69B9BC812F}"/>
+                <a16:creationId xmlns="" xmlns:a16="http://schemas.microsoft.com/office/drawing/2014/main" id="{5BE90A63-DDD9-4B3B-A234-DF69B9BC812F}"/>
               </a:ext>
             </a:extLst>
           </p:cNvPr>
@@ -13641,7 +13642,7 @@
           <p:cNvPr id="11" name="Slide Body Text">
             <a:extLst>
               <a:ext uri="{FF2B5EF4-FFF2-40B4-BE49-F238E27FC236}">
-                <a16:creationId xmlns:a16="http://schemas.microsoft.com/office/drawing/2014/main" xmlns="" id="{90CBFB32-9F46-4F2F-8A54-9EE8BED27855}"/>
+                <a16:creationId xmlns="" xmlns:a16="http://schemas.microsoft.com/office/drawing/2014/main" id="{90CBFB32-9F46-4F2F-8A54-9EE8BED27855}"/>
               </a:ext>
             </a:extLst>
           </p:cNvPr>
@@ -13709,7 +13710,7 @@
           <p:cNvPr id="10" name="Slide Title">
             <a:extLst>
               <a:ext uri="{FF2B5EF4-FFF2-40B4-BE49-F238E27FC236}">
-                <a16:creationId xmlns:a16="http://schemas.microsoft.com/office/drawing/2014/main" xmlns="" id="{B770C392-3003-4C35-9625-BB041F8257BA}"/>
+                <a16:creationId xmlns="" xmlns:a16="http://schemas.microsoft.com/office/drawing/2014/main" id="{B770C392-3003-4C35-9625-BB041F8257BA}"/>
               </a:ext>
             </a:extLst>
           </p:cNvPr>
@@ -13746,7 +13747,7 @@
     </p:spTree>
     <p:extLst>
       <p:ext uri="{BB962C8B-B14F-4D97-AF65-F5344CB8AC3E}">
-        <p14:creationId xmlns:p14="http://schemas.microsoft.com/office/powerpoint/2010/main" xmlns="" val="156789181"/>
+        <p14:creationId xmlns="" xmlns:p14="http://schemas.microsoft.com/office/powerpoint/2010/main" val="156789181"/>
       </p:ext>
     </p:extLst>
   </p:cSld>
@@ -13770,7 +13771,7 @@
     <p:sldLayoutId id="2147483696" r:id="rId16"/>
   </p:sldLayoutIdLst>
   <mc:AlternateContent xmlns:mc="http://schemas.openxmlformats.org/markup-compatibility/2006">
-    <mc:Choice xmlns:p14="http://schemas.microsoft.com/office/powerpoint/2010/main" xmlns="" Requires="p14">
+    <mc:Choice xmlns="" xmlns:p14="http://schemas.microsoft.com/office/powerpoint/2010/main" Requires="p14">
       <p:transition spd="slow" p14:dur="2000" advClick="0" advTm="5000"/>
     </mc:Choice>
     <mc:Fallback>
@@ -14060,7 +14061,7 @@
   </p:txStyles>
   <p:extLst>
     <p:ext uri="{27BBF7A9-308A-43DC-89C8-2F10F3537804}">
-      <p15:sldGuideLst xmlns:p15="http://schemas.microsoft.com/office/powerpoint/2012/main" xmlns="">
+      <p15:sldGuideLst xmlns="" xmlns:p15="http://schemas.microsoft.com/office/powerpoint/2012/main">
         <p15:guide id="1" orient="horz" pos="2160">
           <p15:clr>
             <a:srgbClr val="F26B43"/>
@@ -14156,7 +14157,7 @@
           <p:cNvPr id="10" name="Author Position">
             <a:extLst>
               <a:ext uri="{FF2B5EF4-FFF2-40B4-BE49-F238E27FC236}">
-                <a16:creationId xmlns:a16="http://schemas.microsoft.com/office/drawing/2014/main" xmlns="" id="{F585BC4C-0F13-4FD4-8F23-99FD46618370}"/>
+                <a16:creationId xmlns="" xmlns:a16="http://schemas.microsoft.com/office/drawing/2014/main" id="{F585BC4C-0F13-4FD4-8F23-99FD46618370}"/>
               </a:ext>
             </a:extLst>
           </p:cNvPr>
@@ -14189,7 +14190,7 @@
           <p:cNvPr id="9" name="Author Name">
             <a:extLst>
               <a:ext uri="{FF2B5EF4-FFF2-40B4-BE49-F238E27FC236}">
-                <a16:creationId xmlns:a16="http://schemas.microsoft.com/office/drawing/2014/main" xmlns="" id="{FA396BB6-2053-4690-9672-BC528007D370}"/>
+                <a16:creationId xmlns="" xmlns:a16="http://schemas.microsoft.com/office/drawing/2014/main" id="{FA396BB6-2053-4690-9672-BC528007D370}"/>
               </a:ext>
             </a:extLst>
           </p:cNvPr>
@@ -14222,7 +14223,7 @@
           <p:cNvPr id="3" name="Presentation Subtitle">
             <a:extLst>
               <a:ext uri="{FF2B5EF4-FFF2-40B4-BE49-F238E27FC236}">
-                <a16:creationId xmlns:a16="http://schemas.microsoft.com/office/drawing/2014/main" xmlns="" id="{A004DC04-DA2A-41C0-8578-4B8D2F08EA7D}"/>
+                <a16:creationId xmlns="" xmlns:a16="http://schemas.microsoft.com/office/drawing/2014/main" id="{A004DC04-DA2A-41C0-8578-4B8D2F08EA7D}"/>
               </a:ext>
             </a:extLst>
           </p:cNvPr>
@@ -14266,7 +14267,7 @@
           <p:cNvPr id="16" name="Title 15">
             <a:extLst>
               <a:ext uri="{FF2B5EF4-FFF2-40B4-BE49-F238E27FC236}">
-                <a16:creationId xmlns:a16="http://schemas.microsoft.com/office/drawing/2014/main" xmlns="" id="{09D526E5-16F9-CDC3-F025-1D308EB5C234}"/>
+                <a16:creationId xmlns="" xmlns:a16="http://schemas.microsoft.com/office/drawing/2014/main" id="{09D526E5-16F9-CDC3-F025-1D308EB5C234}"/>
               </a:ext>
             </a:extLst>
           </p:cNvPr>
@@ -14333,7 +14334,7 @@
     </p:spTree>
     <p:extLst>
       <p:ext uri="{BB962C8B-B14F-4D97-AF65-F5344CB8AC3E}">
-        <p14:creationId xmlns:p14="http://schemas.microsoft.com/office/powerpoint/2010/main" xmlns="" val="3666405375"/>
+        <p14:creationId xmlns="" xmlns:p14="http://schemas.microsoft.com/office/powerpoint/2010/main" val="3666405375"/>
       </p:ext>
     </p:extLst>
   </p:cSld>
@@ -14341,7 +14342,7 @@
     <a:masterClrMapping/>
   </p:clrMapOvr>
   <mc:AlternateContent xmlns:mc="http://schemas.openxmlformats.org/markup-compatibility/2006">
-    <mc:Choice xmlns:p14="http://schemas.microsoft.com/office/powerpoint/2010/main" xmlns="" Requires="p14">
+    <mc:Choice xmlns="" xmlns:p14="http://schemas.microsoft.com/office/powerpoint/2010/main" Requires="p14">
       <p:transition spd="slow" p14:dur="2000" advClick="0" advTm="5000"/>
     </mc:Choice>
     <mc:Fallback>
@@ -14627,7 +14628,7 @@
     </p:spTree>
     <p:extLst>
       <p:ext uri="{BB962C8B-B14F-4D97-AF65-F5344CB8AC3E}">
-        <p14:creationId xmlns:p14="http://schemas.microsoft.com/office/powerpoint/2010/main" xmlns="" val="3785417498"/>
+        <p14:creationId xmlns="" xmlns:p14="http://schemas.microsoft.com/office/powerpoint/2010/main" val="3785417498"/>
       </p:ext>
     </p:extLst>
   </p:cSld>
@@ -15185,7 +15186,7 @@
     </p:spTree>
     <p:extLst>
       <p:ext uri="{BB962C8B-B14F-4D97-AF65-F5344CB8AC3E}">
-        <p14:creationId xmlns:p14="http://schemas.microsoft.com/office/powerpoint/2010/main" xmlns="" val="2026340316"/>
+        <p14:creationId xmlns="" xmlns:p14="http://schemas.microsoft.com/office/powerpoint/2010/main" val="2026340316"/>
       </p:ext>
     </p:extLst>
   </p:cSld>
@@ -15453,7 +15454,7 @@
           <p:cNvPr id="4100" name="Picture 4" descr="Ð ÐµÐ·ÑÐ»ÑÐ°Ñ Ñ Ð¸Ð·Ð¾Ð±ÑÐ°Ð¶ÐµÐ½Ð¸Ðµ Ð·Ð° cascading png">
             <a:extLst>
               <a:ext uri="{FF2B5EF4-FFF2-40B4-BE49-F238E27FC236}">
-                <a16:creationId xmlns:a16="http://schemas.microsoft.com/office/drawing/2014/main" xmlns="" id="{3B56181C-1C35-44D5-AE7B-4DFA356A4D3F}"/>
+                <a16:creationId xmlns="" xmlns:a16="http://schemas.microsoft.com/office/drawing/2014/main" id="{3B56181C-1C35-44D5-AE7B-4DFA356A4D3F}"/>
               </a:ext>
             </a:extLst>
           </p:cNvPr>
@@ -15466,7 +15467,7 @@
           <a:blip r:embed="rId2" cstate="print">
             <a:extLst>
               <a:ext uri="{28A0092B-C50C-407E-A947-70E740481C1C}">
-                <a14:useLocalDpi xmlns:a14="http://schemas.microsoft.com/office/drawing/2010/main" xmlns="" val="0"/>
+                <a14:useLocalDpi xmlns="" xmlns:a14="http://schemas.microsoft.com/office/drawing/2010/main" val="0"/>
               </a:ext>
             </a:extLst>
           </a:blip>
@@ -15486,7 +15487,7 @@
           <a:noFill/>
           <a:extLst>
             <a:ext uri="{909E8E84-426E-40DD-AFC4-6F175D3DCCD1}">
-              <a14:hiddenFill xmlns:a14="http://schemas.microsoft.com/office/drawing/2010/main" xmlns="">
+              <a14:hiddenFill xmlns="" xmlns:a14="http://schemas.microsoft.com/office/drawing/2010/main">
                 <a:solidFill>
                   <a:srgbClr val="FFFFFF"/>
                 </a:solidFill>
@@ -15500,7 +15501,7 @@
           <p:cNvPr id="3" name="Title 2">
             <a:extLst>
               <a:ext uri="{FF2B5EF4-FFF2-40B4-BE49-F238E27FC236}">
-                <a16:creationId xmlns:a16="http://schemas.microsoft.com/office/drawing/2014/main" xmlns="" id="{DFB02FC4-7CB6-4AD9-B76E-D615EDB88939}"/>
+                <a16:creationId xmlns="" xmlns:a16="http://schemas.microsoft.com/office/drawing/2014/main" id="{DFB02FC4-7CB6-4AD9-B76E-D615EDB88939}"/>
               </a:ext>
             </a:extLst>
           </p:cNvPr>
@@ -15511,7 +15512,12 @@
             <p:ph type="title" sz="quarter" idx="10"/>
           </p:nvPr>
         </p:nvSpPr>
-        <p:spPr/>
+        <p:spPr>
+          <a:xfrm>
+            <a:off x="609600" y="4572000"/>
+            <a:ext cx="10961783" cy="768084"/>
+          </a:xfrm>
+        </p:spPr>
         <p:txBody>
           <a:bodyPr/>
           <a:lstStyle/>
@@ -15529,7 +15535,7 @@
           <p:cNvPr id="7" name="Subtitle 6">
             <a:extLst>
               <a:ext uri="{FF2B5EF4-FFF2-40B4-BE49-F238E27FC236}">
-                <a16:creationId xmlns:a16="http://schemas.microsoft.com/office/drawing/2014/main" xmlns="" id="{6E4B1920-6F4F-482A-A98E-6FB068F0057D}"/>
+                <a16:creationId xmlns="" xmlns:a16="http://schemas.microsoft.com/office/drawing/2014/main" id="{6E4B1920-6F4F-482A-A98E-6FB068F0057D}"/>
               </a:ext>
             </a:extLst>
           </p:cNvPr>
@@ -15540,14 +15546,23 @@
             <p:ph type="subTitle" sz="quarter" idx="11"/>
           </p:nvPr>
         </p:nvSpPr>
-        <p:spPr/>
+        <p:spPr>
+          <a:xfrm>
+            <a:off x="304800" y="5715000"/>
+            <a:ext cx="11506199" cy="768084"/>
+          </a:xfrm>
+        </p:spPr>
         <p:txBody>
           <a:bodyPr/>
           <a:lstStyle/>
           <a:p>
             <a:r>
+              <a:rPr lang="bg-BG" dirty="0" smtClean="0"/>
+              <a:t>Аномалии при вмъкване на записи. Каскадно </a:t>
+            </a:r>
+            <a:r>
               <a:rPr lang="bg-BG" dirty="0"/>
-              <a:t>Каскадно изтриване и променяне</a:t>
+              <a:t>изтриване и променяне</a:t>
             </a:r>
             <a:endParaRPr lang="en-GB" dirty="0"/>
           </a:p>
@@ -15556,7 +15571,7 @@
     </p:spTree>
     <p:extLst>
       <p:ext uri="{BB962C8B-B14F-4D97-AF65-F5344CB8AC3E}">
-        <p14:creationId xmlns:p14="http://schemas.microsoft.com/office/powerpoint/2010/main" xmlns="" val="1714104901"/>
+        <p14:creationId xmlns="" xmlns:p14="http://schemas.microsoft.com/office/powerpoint/2010/main" val="1714104901"/>
       </p:ext>
     </p:extLst>
   </p:cSld>
@@ -15564,17 +15579,393 @@
     <a:masterClrMapping/>
   </p:clrMapOvr>
   <mc:AlternateContent xmlns:mc="http://schemas.openxmlformats.org/markup-compatibility/2006">
-    <mc:Choice xmlns:p14="http://schemas.microsoft.com/office/powerpoint/2010/main" xmlns="" Requires="p14">
+    <mc:Choice xmlns="" xmlns:p14="http://schemas.microsoft.com/office/powerpoint/2010/main" Requires="p14">
       <p:transition spd="slow" p14:dur="2000" advClick="0" advTm="5000"/>
     </mc:Choice>
     <mc:Fallback>
       <p:transition spd="slow" advClick="0" advTm="5000"/>
     </mc:Fallback>
   </mc:AlternateContent>
+  <p:timing>
+    <p:tnLst>
+      <p:par>
+        <p:cTn id="1" dur="indefinite" restart="never" nodeType="tmRoot"/>
+      </p:par>
+    </p:tnLst>
+  </p:timing>
 </p:sld>
 </file>
 
 <file path=ppt/slides/slide13.xml><?xml version="1.0" encoding="utf-8"?>
+<p:sld xmlns:a="http://schemas.openxmlformats.org/drawingml/2006/main" xmlns:r="http://schemas.openxmlformats.org/officeDocument/2006/relationships" xmlns:p="http://schemas.openxmlformats.org/presentationml/2006/main">
+  <p:cSld>
+    <p:spTree>
+      <p:nvGrpSpPr>
+        <p:cNvPr id="1" name=""/>
+        <p:cNvGrpSpPr/>
+        <p:nvPr/>
+      </p:nvGrpSpPr>
+      <p:grpSpPr>
+        <a:xfrm>
+          <a:off x="0" y="0"/>
+          <a:ext cx="0" cy="0"/>
+          <a:chOff x="0" y="0"/>
+          <a:chExt cx="0" cy="0"/>
+        </a:xfrm>
+      </p:grpSpPr>
+      <p:sp>
+        <p:nvSpPr>
+          <p:cNvPr id="2" name="Slide Number Placeholder 1"/>
+          <p:cNvSpPr>
+            <a:spLocks noGrp="1"/>
+          </p:cNvSpPr>
+          <p:nvPr>
+            <p:ph type="sldNum" sz="quarter" idx="5"/>
+          </p:nvPr>
+        </p:nvSpPr>
+        <p:spPr/>
+        <p:txBody>
+          <a:bodyPr/>
+          <a:lstStyle/>
+          <a:p>
+            <a:fld id="{2BF067CD-8E6B-4360-9AA8-C5DF2A48A6D1}" type="slidenum">
+              <a:rPr lang="en-US" noProof="0" smtClean="0"/>
+              <a:pPr/>
+              <a:t>13</a:t>
+            </a:fld>
+            <a:endParaRPr lang="en-US" noProof="0" dirty="0"/>
+          </a:p>
+        </p:txBody>
+      </p:sp>
+      <p:sp>
+        <p:nvSpPr>
+          <p:cNvPr id="3" name="Text Placeholder 2"/>
+          <p:cNvSpPr>
+            <a:spLocks noGrp="1"/>
+          </p:cNvSpPr>
+          <p:nvPr>
+            <p:ph type="body" sz="quarter" idx="10"/>
+          </p:nvPr>
+        </p:nvSpPr>
+        <p:spPr/>
+        <p:txBody>
+          <a:bodyPr/>
+          <a:lstStyle/>
+          <a:p>
+            <a:r>
+              <a:rPr lang="ru-RU" dirty="0" smtClean="0"/>
+              <a:t>Възниква, когато се опитате да вмъкнете нов запис в таблица, </a:t>
+            </a:r>
+            <a:r>
+              <a:rPr lang="bg-BG" dirty="0" smtClean="0"/>
+              <a:t>който </a:t>
+            </a:r>
+            <a:r>
+              <a:rPr lang="ru-RU" dirty="0" smtClean="0"/>
+              <a:t>изисква </a:t>
+            </a:r>
+            <a:r>
+              <a:rPr lang="ru-RU" dirty="0" smtClean="0"/>
+              <a:t>добавяне на </a:t>
+            </a:r>
+            <a:r>
+              <a:rPr lang="ru-RU" b="1" dirty="0" smtClean="0">
+                <a:solidFill>
+                  <a:schemeClr val="bg1"/>
+                </a:solidFill>
+              </a:rPr>
+              <a:t>данни</a:t>
+            </a:r>
+            <a:r>
+              <a:rPr lang="ru-RU" dirty="0" smtClean="0"/>
+              <a:t>, които все още </a:t>
+            </a:r>
+            <a:r>
+              <a:rPr lang="ru-RU" b="1" dirty="0" smtClean="0">
+                <a:solidFill>
+                  <a:schemeClr val="bg1"/>
+                </a:solidFill>
+              </a:rPr>
+              <a:t>нямат </a:t>
+            </a:r>
+            <a:r>
+              <a:rPr lang="ru-RU" b="1" dirty="0" smtClean="0">
+                <a:solidFill>
+                  <a:schemeClr val="bg1"/>
+                </a:solidFill>
+              </a:rPr>
+              <a:t>смисъл</a:t>
+            </a:r>
+          </a:p>
+          <a:p>
+            <a:r>
+              <a:rPr lang="ru-RU" dirty="0" smtClean="0">
+                <a:solidFill>
+                  <a:srgbClr val="224464"/>
+                </a:solidFill>
+              </a:rPr>
+              <a:t>Например,</a:t>
+            </a:r>
+            <a:r>
+              <a:rPr lang="ru-RU" dirty="0" smtClean="0"/>
+              <a:t> </a:t>
+            </a:r>
+            <a:r>
+              <a:rPr lang="ru-RU" dirty="0" smtClean="0"/>
+              <a:t>ако </a:t>
+            </a:r>
+            <a:r>
+              <a:rPr lang="ru-RU" dirty="0" smtClean="0"/>
+              <a:t>има</a:t>
+            </a:r>
+            <a:r>
+              <a:rPr lang="bg-BG" dirty="0" smtClean="0"/>
+              <a:t>м</a:t>
+            </a:r>
+            <a:r>
+              <a:rPr lang="ru-RU" dirty="0" smtClean="0"/>
+              <a:t>е таблица </a:t>
+            </a:r>
+            <a:r>
+              <a:rPr lang="ru-RU" dirty="0" smtClean="0"/>
+              <a:t>за </a:t>
+            </a:r>
+            <a:r>
+              <a:rPr lang="ru-RU" b="1" dirty="0" smtClean="0">
+                <a:solidFill>
+                  <a:schemeClr val="bg1"/>
+                </a:solidFill>
+              </a:rPr>
+              <a:t>клиенти</a:t>
+            </a:r>
+            <a:r>
+              <a:rPr lang="ru-RU" dirty="0" smtClean="0"/>
+              <a:t> и трябва да вмъкнете нов запис за </a:t>
+            </a:r>
+            <a:r>
+              <a:rPr lang="ru-RU" b="1" dirty="0" smtClean="0">
+                <a:solidFill>
+                  <a:schemeClr val="bg1"/>
+                </a:solidFill>
+              </a:rPr>
+              <a:t>клиент</a:t>
+            </a:r>
+            <a:r>
+              <a:rPr lang="ru-RU" dirty="0" smtClean="0"/>
+              <a:t>, но </a:t>
+            </a:r>
+            <a:r>
+              <a:rPr lang="ru-RU" b="1" dirty="0" smtClean="0">
+                <a:solidFill>
+                  <a:schemeClr val="bg1"/>
+                </a:solidFill>
+              </a:rPr>
+              <a:t>не е </a:t>
+            </a:r>
+            <a:r>
+              <a:rPr lang="ru-RU" b="1" dirty="0" smtClean="0">
+                <a:solidFill>
+                  <a:schemeClr val="bg1"/>
+                </a:solidFill>
+              </a:rPr>
+              <a:t>въведен адрес на клиента</a:t>
+            </a:r>
+          </a:p>
+          <a:p>
+            <a:pPr lvl="1"/>
+            <a:r>
+              <a:rPr lang="ru-RU" dirty="0" smtClean="0"/>
+              <a:t>Това може да доведе до възникване на </a:t>
+            </a:r>
+            <a:r>
+              <a:rPr lang="ru-RU" b="1" dirty="0" smtClean="0">
+                <a:solidFill>
+                  <a:schemeClr val="bg1"/>
+                </a:solidFill>
+              </a:rPr>
+              <a:t>празни</a:t>
+            </a:r>
+            <a:r>
+              <a:rPr lang="ru-RU" dirty="0" smtClean="0"/>
+              <a:t> или </a:t>
+            </a:r>
+            <a:r>
+              <a:rPr lang="ru-RU" b="1" dirty="0" smtClean="0">
+                <a:solidFill>
+                  <a:schemeClr val="bg1"/>
+                </a:solidFill>
+              </a:rPr>
+              <a:t>невалидни</a:t>
+            </a:r>
+            <a:r>
+              <a:rPr lang="ru-RU" dirty="0" smtClean="0"/>
+              <a:t> записи</a:t>
+            </a:r>
+            <a:endParaRPr lang="en-US" dirty="0">
+              <a:solidFill>
+                <a:srgbClr val="224464"/>
+              </a:solidFill>
+            </a:endParaRPr>
+          </a:p>
+        </p:txBody>
+      </p:sp>
+      <p:sp>
+        <p:nvSpPr>
+          <p:cNvPr id="4" name="Title 3"/>
+          <p:cNvSpPr>
+            <a:spLocks noGrp="1"/>
+          </p:cNvSpPr>
+          <p:nvPr>
+            <p:ph type="title"/>
+          </p:nvPr>
+        </p:nvSpPr>
+        <p:spPr/>
+        <p:txBody>
+          <a:bodyPr/>
+          <a:lstStyle/>
+          <a:p>
+            <a:r>
+              <a:rPr lang="bg-BG" dirty="0" smtClean="0"/>
+              <a:t>Аномалии </a:t>
+            </a:r>
+            <a:r>
+              <a:rPr lang="bg-BG" dirty="0" smtClean="0"/>
+              <a:t>при вмъкване</a:t>
+            </a:r>
+            <a:endParaRPr lang="en-US" dirty="0"/>
+          </a:p>
+        </p:txBody>
+      </p:sp>
+    </p:spTree>
+  </p:cSld>
+  <p:clrMapOvr>
+    <a:masterClrMapping/>
+  </p:clrMapOvr>
+  <mc:AlternateContent xmlns:mc="http://schemas.openxmlformats.org/markup-compatibility/2006">
+    <mc:Choice xmlns="" xmlns:p14="http://schemas.microsoft.com/office/powerpoint/2010/main" Requires="p14">
+      <p:transition spd="slow" p14:dur="2000" advClick="0" advTm="5000"/>
+    </mc:Choice>
+    <mc:Fallback>
+      <p:transition spd="slow" advClick="0" advTm="5000"/>
+    </mc:Fallback>
+  </mc:AlternateContent>
+  <p:timing>
+    <p:tnLst>
+      <p:par>
+        <p:cTn id="1" dur="indefinite" restart="never" nodeType="tmRoot">
+          <p:childTnLst>
+            <p:seq concurrent="1" nextAc="seek">
+              <p:cTn id="2" dur="indefinite" nodeType="mainSeq">
+                <p:childTnLst>
+                  <p:par>
+                    <p:cTn id="3" fill="hold">
+                      <p:stCondLst>
+                        <p:cond delay="indefinite"/>
+                      </p:stCondLst>
+                      <p:childTnLst>
+                        <p:par>
+                          <p:cTn id="4" fill="hold">
+                            <p:stCondLst>
+                              <p:cond delay="0"/>
+                            </p:stCondLst>
+                            <p:childTnLst>
+                              <p:par>
+                                <p:cTn id="5" presetID="1" presetClass="entr" presetSubtype="0" fill="hold" grpId="0" nodeType="clickEffect">
+                                  <p:stCondLst>
+                                    <p:cond delay="0"/>
+                                  </p:stCondLst>
+                                  <p:childTnLst>
+                                    <p:set>
+                                      <p:cBhvr>
+                                        <p:cTn id="6" dur="1" fill="hold">
+                                          <p:stCondLst>
+                                            <p:cond delay="0"/>
+                                          </p:stCondLst>
+                                        </p:cTn>
+                                        <p:tgtEl>
+                                          <p:spTgt spid="3">
+                                            <p:txEl>
+                                              <p:pRg st="1" end="1"/>
+                                            </p:txEl>
+                                          </p:spTgt>
+                                        </p:tgtEl>
+                                        <p:attrNameLst>
+                                          <p:attrName>style.visibility</p:attrName>
+                                        </p:attrNameLst>
+                                      </p:cBhvr>
+                                      <p:to>
+                                        <p:strVal val="visible"/>
+                                      </p:to>
+                                    </p:set>
+                                  </p:childTnLst>
+                                </p:cTn>
+                              </p:par>
+                              <p:par>
+                                <p:cTn id="7" presetID="1" presetClass="entr" presetSubtype="0" fill="hold" grpId="0" nodeType="withEffect">
+                                  <p:stCondLst>
+                                    <p:cond delay="0"/>
+                                  </p:stCondLst>
+                                  <p:childTnLst>
+                                    <p:set>
+                                      <p:cBhvr>
+                                        <p:cTn id="8" dur="1" fill="hold">
+                                          <p:stCondLst>
+                                            <p:cond delay="0"/>
+                                          </p:stCondLst>
+                                        </p:cTn>
+                                        <p:tgtEl>
+                                          <p:spTgt spid="3">
+                                            <p:txEl>
+                                              <p:pRg st="2" end="2"/>
+                                            </p:txEl>
+                                          </p:spTgt>
+                                        </p:tgtEl>
+                                        <p:attrNameLst>
+                                          <p:attrName>style.visibility</p:attrName>
+                                        </p:attrNameLst>
+                                      </p:cBhvr>
+                                      <p:to>
+                                        <p:strVal val="visible"/>
+                                      </p:to>
+                                    </p:set>
+                                  </p:childTnLst>
+                                </p:cTn>
+                              </p:par>
+                            </p:childTnLst>
+                          </p:cTn>
+                        </p:par>
+                      </p:childTnLst>
+                    </p:cTn>
+                  </p:par>
+                </p:childTnLst>
+              </p:cTn>
+              <p:prevCondLst>
+                <p:cond evt="onPrev" delay="0">
+                  <p:tgtEl>
+                    <p:sldTgt/>
+                  </p:tgtEl>
+                </p:cond>
+              </p:prevCondLst>
+              <p:nextCondLst>
+                <p:cond evt="onNext" delay="0">
+                  <p:tgtEl>
+                    <p:sldTgt/>
+                  </p:tgtEl>
+                </p:cond>
+              </p:nextCondLst>
+            </p:seq>
+          </p:childTnLst>
+        </p:cTn>
+      </p:par>
+    </p:tnLst>
+    <p:bldLst>
+      <p:bldP spid="3" grpId="0" uiExpand="1" build="p"/>
+    </p:bldLst>
+  </p:timing>
+</p:sld>
+</file>
+
+<file path=ppt/slides/slide14.xml><?xml version="1.0" encoding="utf-8"?>
 <p:sld xmlns:a="http://schemas.openxmlformats.org/drawingml/2006/main" xmlns:r="http://schemas.openxmlformats.org/officeDocument/2006/relationships" xmlns:p="http://schemas.openxmlformats.org/presentationml/2006/main">
   <p:cSld>
     <p:spTree>
@@ -15763,7 +16154,7 @@
           <p:cNvPr id="21" name="Slide Number">
             <a:extLst>
               <a:ext uri="{FF2B5EF4-FFF2-40B4-BE49-F238E27FC236}">
-                <a16:creationId xmlns:a16="http://schemas.microsoft.com/office/drawing/2014/main" xmlns="" id="{D3EF8FBF-E19B-4398-8FC3-74D3D31791C2}"/>
+                <a16:creationId xmlns="" xmlns:a16="http://schemas.microsoft.com/office/drawing/2014/main" id="{D3EF8FBF-E19B-4398-8FC3-74D3D31791C2}"/>
               </a:ext>
             </a:extLst>
           </p:cNvPr>
@@ -15882,7 +16273,7 @@
             <a:fld id="{2BF067CD-8E6B-4360-9AA8-C5DF2A48A6D1}" type="slidenum">
               <a:rPr lang="en-US" smtClean="0"/>
               <a:pPr/>
-              <a:t>13</a:t>
+              <a:t>14</a:t>
             </a:fld>
             <a:endParaRPr lang="en-US" dirty="0"/>
           </a:p>
@@ -15917,7 +16308,7 @@
     </p:spTree>
     <p:extLst>
       <p:ext uri="{BB962C8B-B14F-4D97-AF65-F5344CB8AC3E}">
-        <p14:creationId xmlns:p14="http://schemas.microsoft.com/office/powerpoint/2010/main" xmlns="" val="2152665980"/>
+        <p14:creationId xmlns="" xmlns:p14="http://schemas.microsoft.com/office/powerpoint/2010/main" val="2152665980"/>
       </p:ext>
     </p:extLst>
   </p:cSld>
@@ -15925,7 +16316,7 @@
     <a:masterClrMapping/>
   </p:clrMapOvr>
   <mc:AlternateContent xmlns:mc="http://schemas.openxmlformats.org/markup-compatibility/2006">
-    <mc:Choice xmlns:p14="http://schemas.microsoft.com/office/powerpoint/2010/main" xmlns="" Requires="p14">
+    <mc:Choice xmlns="" xmlns:p14="http://schemas.microsoft.com/office/powerpoint/2010/main" Requires="p14">
       <p:transition spd="slow" p14:dur="2000" advClick="0" advTm="5000"/>
     </mc:Choice>
     <mc:Fallback>
@@ -16014,7 +16405,7 @@
 </p:sld>
 </file>
 
-<file path=ppt/slides/slide14.xml><?xml version="1.0" encoding="utf-8"?>
+<file path=ppt/slides/slide15.xml><?xml version="1.0" encoding="utf-8"?>
 <p:sld xmlns:a="http://schemas.openxmlformats.org/drawingml/2006/main" xmlns:r="http://schemas.openxmlformats.org/officeDocument/2006/relationships" xmlns:p="http://schemas.openxmlformats.org/presentationml/2006/main">
   <p:cSld>
     <p:spTree>
@@ -16040,7 +16431,7 @@
           <p:nvPr>
             <p:extLst>
               <p:ext uri="{D42A27DB-BD31-4B8C-83A1-F6EECF244321}">
-                <p14:modId xmlns:p14="http://schemas.microsoft.com/office/powerpoint/2010/main" xmlns="" val="1993607901"/>
+                <p14:modId xmlns="" xmlns:p14="http://schemas.microsoft.com/office/powerpoint/2010/main" val="1993607901"/>
               </p:ext>
             </p:extLst>
           </p:nvPr>
@@ -16059,14 +16450,14 @@
                 <a:gridCol w="2171296">
                   <a:extLst>
                     <a:ext uri="{9D8B030D-6E8A-4147-A177-3AD203B41FA5}">
-                      <a16:colId xmlns:a16="http://schemas.microsoft.com/office/drawing/2014/main" xmlns="" val="1594468805"/>
+                      <a16:colId xmlns="" xmlns:a16="http://schemas.microsoft.com/office/drawing/2014/main" val="1594468805"/>
                     </a:ext>
                   </a:extLst>
                 </a:gridCol>
                 <a:gridCol w="2171296">
                   <a:extLst>
                     <a:ext uri="{9D8B030D-6E8A-4147-A177-3AD203B41FA5}">
-                      <a16:colId xmlns:a16="http://schemas.microsoft.com/office/drawing/2014/main" xmlns="" val="683614382"/>
+                      <a16:colId xmlns="" xmlns:a16="http://schemas.microsoft.com/office/drawing/2014/main" val="683614382"/>
                     </a:ext>
                   </a:extLst>
                 </a:gridCol>
@@ -16121,7 +16512,7 @@
                 </a:tc>
                 <a:extLst>
                   <a:ext uri="{0D108BD9-81ED-4DB2-BD59-A6C34878D82A}">
-                    <a16:rowId xmlns:a16="http://schemas.microsoft.com/office/drawing/2014/main" xmlns="" val="1969825376"/>
+                    <a16:rowId xmlns="" xmlns:a16="http://schemas.microsoft.com/office/drawing/2014/main" val="1969825376"/>
                   </a:ext>
                 </a:extLst>
               </a:tr>
@@ -16164,7 +16555,7 @@
                 </a:tc>
                 <a:extLst>
                   <a:ext uri="{0D108BD9-81ED-4DB2-BD59-A6C34878D82A}">
-                    <a16:rowId xmlns:a16="http://schemas.microsoft.com/office/drawing/2014/main" xmlns="" val="2845318136"/>
+                    <a16:rowId xmlns="" xmlns:a16="http://schemas.microsoft.com/office/drawing/2014/main" val="2845318136"/>
                   </a:ext>
                 </a:extLst>
               </a:tr>
@@ -16211,7 +16602,7 @@
                 </a:tc>
                 <a:extLst>
                   <a:ext uri="{0D108BD9-81ED-4DB2-BD59-A6C34878D82A}">
-                    <a16:rowId xmlns:a16="http://schemas.microsoft.com/office/drawing/2014/main" xmlns="" val="690634117"/>
+                    <a16:rowId xmlns="" xmlns:a16="http://schemas.microsoft.com/office/drawing/2014/main" val="690634117"/>
                   </a:ext>
                 </a:extLst>
               </a:tr>
@@ -16254,7 +16645,7 @@
                 </a:tc>
                 <a:extLst>
                   <a:ext uri="{0D108BD9-81ED-4DB2-BD59-A6C34878D82A}">
-                    <a16:rowId xmlns:a16="http://schemas.microsoft.com/office/drawing/2014/main" xmlns="" val="3008099716"/>
+                    <a16:rowId xmlns="" xmlns:a16="http://schemas.microsoft.com/office/drawing/2014/main" val="3008099716"/>
                   </a:ext>
                 </a:extLst>
               </a:tr>
@@ -16271,7 +16662,7 @@
           <p:nvPr>
             <p:extLst>
               <p:ext uri="{D42A27DB-BD31-4B8C-83A1-F6EECF244321}">
-                <p14:modId xmlns:p14="http://schemas.microsoft.com/office/powerpoint/2010/main" xmlns="" val="2897279702"/>
+                <p14:modId xmlns="" xmlns:p14="http://schemas.microsoft.com/office/powerpoint/2010/main" val="2897279702"/>
               </p:ext>
             </p:extLst>
           </p:nvPr>
@@ -16290,14 +16681,14 @@
                 <a:gridCol w="1487366">
                   <a:extLst>
                     <a:ext uri="{9D8B030D-6E8A-4147-A177-3AD203B41FA5}">
-                      <a16:colId xmlns:a16="http://schemas.microsoft.com/office/drawing/2014/main" xmlns="" val="1594468805"/>
+                      <a16:colId xmlns="" xmlns:a16="http://schemas.microsoft.com/office/drawing/2014/main" val="1594468805"/>
                     </a:ext>
                   </a:extLst>
                 </a:gridCol>
                 <a:gridCol w="2169075">
                   <a:extLst>
                     <a:ext uri="{9D8B030D-6E8A-4147-A177-3AD203B41FA5}">
-                      <a16:colId xmlns:a16="http://schemas.microsoft.com/office/drawing/2014/main" xmlns="" val="683614382"/>
+                      <a16:colId xmlns="" xmlns:a16="http://schemas.microsoft.com/office/drawing/2014/main" val="683614382"/>
                     </a:ext>
                   </a:extLst>
                 </a:gridCol>
@@ -16347,7 +16738,7 @@
                 </a:tc>
                 <a:extLst>
                   <a:ext uri="{0D108BD9-81ED-4DB2-BD59-A6C34878D82A}">
-                    <a16:rowId xmlns:a16="http://schemas.microsoft.com/office/drawing/2014/main" xmlns="" val="1969825376"/>
+                    <a16:rowId xmlns="" xmlns:a16="http://schemas.microsoft.com/office/drawing/2014/main" val="1969825376"/>
                   </a:ext>
                 </a:extLst>
               </a:tr>
@@ -16390,7 +16781,7 @@
                 </a:tc>
                 <a:extLst>
                   <a:ext uri="{0D108BD9-81ED-4DB2-BD59-A6C34878D82A}">
-                    <a16:rowId xmlns:a16="http://schemas.microsoft.com/office/drawing/2014/main" xmlns="" val="2845318136"/>
+                    <a16:rowId xmlns="" xmlns:a16="http://schemas.microsoft.com/office/drawing/2014/main" val="2845318136"/>
                   </a:ext>
                 </a:extLst>
               </a:tr>
@@ -16433,7 +16824,7 @@
                 </a:tc>
                 <a:extLst>
                   <a:ext uri="{0D108BD9-81ED-4DB2-BD59-A6C34878D82A}">
-                    <a16:rowId xmlns:a16="http://schemas.microsoft.com/office/drawing/2014/main" xmlns="" val="2968156586"/>
+                    <a16:rowId xmlns="" xmlns:a16="http://schemas.microsoft.com/office/drawing/2014/main" val="2968156586"/>
                   </a:ext>
                 </a:extLst>
               </a:tr>
@@ -17107,7 +17498,7 @@
           <p:cNvPr id="21" name="Slide Number">
             <a:extLst>
               <a:ext uri="{FF2B5EF4-FFF2-40B4-BE49-F238E27FC236}">
-                <a16:creationId xmlns:a16="http://schemas.microsoft.com/office/drawing/2014/main" xmlns="" id="{D3EF8FBF-E19B-4398-8FC3-74D3D31791C2}"/>
+                <a16:creationId xmlns="" xmlns:a16="http://schemas.microsoft.com/office/drawing/2014/main" id="{D3EF8FBF-E19B-4398-8FC3-74D3D31791C2}"/>
               </a:ext>
             </a:extLst>
           </p:cNvPr>
@@ -17226,7 +17617,7 @@
             <a:fld id="{2BF067CD-8E6B-4360-9AA8-C5DF2A48A6D1}" type="slidenum">
               <a:rPr lang="en-US" smtClean="0"/>
               <a:pPr/>
-              <a:t>14</a:t>
+              <a:t>15</a:t>
             </a:fld>
             <a:endParaRPr lang="en-US" dirty="0"/>
           </a:p>
@@ -17235,7 +17626,7 @@
     </p:spTree>
     <p:extLst>
       <p:ext uri="{BB962C8B-B14F-4D97-AF65-F5344CB8AC3E}">
-        <p14:creationId xmlns:p14="http://schemas.microsoft.com/office/powerpoint/2010/main" xmlns="" val="948057181"/>
+        <p14:creationId xmlns="" xmlns:p14="http://schemas.microsoft.com/office/powerpoint/2010/main" val="948057181"/>
       </p:ext>
     </p:extLst>
   </p:cSld>
@@ -17243,7 +17634,7 @@
     <a:masterClrMapping/>
   </p:clrMapOvr>
   <mc:AlternateContent xmlns:mc="http://schemas.openxmlformats.org/markup-compatibility/2006">
-    <mc:Choice xmlns:p14="http://schemas.microsoft.com/office/powerpoint/2010/main" xmlns="" Requires="p14">
+    <mc:Choice xmlns="" xmlns:p14="http://schemas.microsoft.com/office/powerpoint/2010/main" Requires="p14">
       <p:transition spd="slow" p14:dur="2000" advClick="0" advTm="5000"/>
     </mc:Choice>
     <mc:Fallback>
@@ -17628,7 +18019,7 @@
 </p:sld>
 </file>
 
-<file path=ppt/slides/slide15.xml><?xml version="1.0" encoding="utf-8"?>
+<file path=ppt/slides/slide16.xml><?xml version="1.0" encoding="utf-8"?>
 <p:sld xmlns:a="http://schemas.openxmlformats.org/drawingml/2006/main" xmlns:r="http://schemas.openxmlformats.org/officeDocument/2006/relationships" xmlns:p="http://schemas.openxmlformats.org/presentationml/2006/main">
   <p:cSld>
     <p:spTree>
@@ -17865,7 +18256,7 @@
           <p:cNvPr id="7" name="Slide Number">
             <a:extLst>
               <a:ext uri="{FF2B5EF4-FFF2-40B4-BE49-F238E27FC236}">
-                <a16:creationId xmlns:a16="http://schemas.microsoft.com/office/drawing/2014/main" xmlns="" id="{99DB0AC1-6C98-4A02-9B4F-3957D46660F2}"/>
+                <a16:creationId xmlns="" xmlns:a16="http://schemas.microsoft.com/office/drawing/2014/main" id="{99DB0AC1-6C98-4A02-9B4F-3957D46660F2}"/>
               </a:ext>
             </a:extLst>
           </p:cNvPr>
@@ -17896,7 +18287,7 @@
             <a:fld id="{2BF067CD-8E6B-4360-9AA8-C5DF2A48A6D1}" type="slidenum">
               <a:rPr lang="en-US" noProof="0" smtClean="0"/>
               <a:pPr/>
-              <a:t>15</a:t>
+              <a:t>16</a:t>
             </a:fld>
             <a:endParaRPr lang="en-US" noProof="0" dirty="0"/>
           </a:p>
@@ -17905,7 +18296,7 @@
     </p:spTree>
     <p:extLst>
       <p:ext uri="{BB962C8B-B14F-4D97-AF65-F5344CB8AC3E}">
-        <p14:creationId xmlns:p14="http://schemas.microsoft.com/office/powerpoint/2010/main" xmlns="" val="2894805469"/>
+        <p14:creationId xmlns="" xmlns:p14="http://schemas.microsoft.com/office/powerpoint/2010/main" val="2894805469"/>
       </p:ext>
     </p:extLst>
   </p:cSld>
@@ -17913,7 +18304,7 @@
     <a:masterClrMapping/>
   </p:clrMapOvr>
   <mc:AlternateContent xmlns:mc="http://schemas.openxmlformats.org/markup-compatibility/2006">
-    <mc:Choice xmlns:p14="http://schemas.microsoft.com/office/powerpoint/2010/main" xmlns="" Requires="p14">
+    <mc:Choice xmlns="" xmlns:p14="http://schemas.microsoft.com/office/powerpoint/2010/main" Requires="p14">
       <p:transition spd="slow" p14:dur="2000" advClick="0" advTm="5000"/>
     </mc:Choice>
     <mc:Fallback>
@@ -18193,7 +18584,7 @@
 </p:sld>
 </file>
 
-<file path=ppt/slides/slide16.xml><?xml version="1.0" encoding="utf-8"?>
+<file path=ppt/slides/slide17.xml><?xml version="1.0" encoding="utf-8"?>
 <p:sld xmlns:a="http://schemas.openxmlformats.org/drawingml/2006/main" xmlns:r="http://schemas.openxmlformats.org/officeDocument/2006/relationships" xmlns:p="http://schemas.openxmlformats.org/presentationml/2006/main">
   <p:cSld>
     <p:spTree>
@@ -18650,7 +19041,7 @@
           <p:cNvPr id="8" name="Slide Number">
             <a:extLst>
               <a:ext uri="{FF2B5EF4-FFF2-40B4-BE49-F238E27FC236}">
-                <a16:creationId xmlns:a16="http://schemas.microsoft.com/office/drawing/2014/main" xmlns="" id="{0B8DB210-4898-4797-8B2A-15561707346A}"/>
+                <a16:creationId xmlns="" xmlns:a16="http://schemas.microsoft.com/office/drawing/2014/main" id="{0B8DB210-4898-4797-8B2A-15561707346A}"/>
               </a:ext>
             </a:extLst>
           </p:cNvPr>
@@ -18681,7 +19072,7 @@
             <a:fld id="{2BF067CD-8E6B-4360-9AA8-C5DF2A48A6D1}" type="slidenum">
               <a:rPr lang="en-US" noProof="0" smtClean="0"/>
               <a:pPr/>
-              <a:t>16</a:t>
+              <a:t>17</a:t>
             </a:fld>
             <a:endParaRPr lang="en-US" noProof="0" dirty="0"/>
           </a:p>
@@ -18690,7 +19081,7 @@
     </p:spTree>
     <p:extLst>
       <p:ext uri="{BB962C8B-B14F-4D97-AF65-F5344CB8AC3E}">
-        <p14:creationId xmlns:p14="http://schemas.microsoft.com/office/powerpoint/2010/main" xmlns="" val="3856663995"/>
+        <p14:creationId xmlns="" xmlns:p14="http://schemas.microsoft.com/office/powerpoint/2010/main" val="3856663995"/>
       </p:ext>
     </p:extLst>
   </p:cSld>
@@ -18998,7 +19389,7 @@
 </p:sld>
 </file>
 
-<file path=ppt/slides/slide17.xml><?xml version="1.0" encoding="utf-8"?>
+<file path=ppt/slides/slide18.xml><?xml version="1.0" encoding="utf-8"?>
 <p:sld xmlns:a="http://schemas.openxmlformats.org/drawingml/2006/main" xmlns:r="http://schemas.openxmlformats.org/officeDocument/2006/relationships" xmlns:p="http://schemas.openxmlformats.org/presentationml/2006/main">
   <p:cSld>
     <p:spTree>
@@ -19227,7 +19618,7 @@
           <p:cNvPr id="7" name="Slide Number">
             <a:extLst>
               <a:ext uri="{FF2B5EF4-FFF2-40B4-BE49-F238E27FC236}">
-                <a16:creationId xmlns:a16="http://schemas.microsoft.com/office/drawing/2014/main" xmlns="" id="{859131C5-00D1-4FB3-95AA-7614C6DCBCBA}"/>
+                <a16:creationId xmlns="" xmlns:a16="http://schemas.microsoft.com/office/drawing/2014/main" id="{859131C5-00D1-4FB3-95AA-7614C6DCBCBA}"/>
               </a:ext>
             </a:extLst>
           </p:cNvPr>
@@ -19258,7 +19649,7 @@
             <a:fld id="{2BF067CD-8E6B-4360-9AA8-C5DF2A48A6D1}" type="slidenum">
               <a:rPr lang="en-US" noProof="0" smtClean="0"/>
               <a:pPr/>
-              <a:t>17</a:t>
+              <a:t>18</a:t>
             </a:fld>
             <a:endParaRPr lang="en-US" noProof="0" dirty="0"/>
           </a:p>
@@ -19267,7 +19658,7 @@
     </p:spTree>
     <p:extLst>
       <p:ext uri="{BB962C8B-B14F-4D97-AF65-F5344CB8AC3E}">
-        <p14:creationId xmlns:p14="http://schemas.microsoft.com/office/powerpoint/2010/main" xmlns="" val="3811782029"/>
+        <p14:creationId xmlns="" xmlns:p14="http://schemas.microsoft.com/office/powerpoint/2010/main" val="3811782029"/>
       </p:ext>
     </p:extLst>
   </p:cSld>
@@ -19275,7 +19666,7 @@
     <a:masterClrMapping/>
   </p:clrMapOvr>
   <mc:AlternateContent xmlns:mc="http://schemas.openxmlformats.org/markup-compatibility/2006">
-    <mc:Choice xmlns:p14="http://schemas.microsoft.com/office/powerpoint/2010/main" xmlns="" Requires="p14">
+    <mc:Choice xmlns="" xmlns:p14="http://schemas.microsoft.com/office/powerpoint/2010/main" Requires="p14">
       <p:transition spd="slow" p14:dur="2000" advClick="0" advTm="5000"/>
     </mc:Choice>
     <mc:Fallback>
@@ -19444,7 +19835,7 @@
 </p:sld>
 </file>
 
-<file path=ppt/slides/slide18.xml><?xml version="1.0" encoding="utf-8"?>
+<file path=ppt/slides/slide19.xml><?xml version="1.0" encoding="utf-8"?>
 <p:sld xmlns:a="http://schemas.openxmlformats.org/drawingml/2006/main" xmlns:r="http://schemas.openxmlformats.org/officeDocument/2006/relationships" xmlns:p="http://schemas.openxmlformats.org/presentationml/2006/main">
   <p:cSld>
     <p:spTree>
@@ -19881,7 +20272,7 @@
           <p:cNvPr id="8" name="Slide Number">
             <a:extLst>
               <a:ext uri="{FF2B5EF4-FFF2-40B4-BE49-F238E27FC236}">
-                <a16:creationId xmlns:a16="http://schemas.microsoft.com/office/drawing/2014/main" xmlns="" id="{2A3C680B-F8C7-4B51-848C-D9ED716A57E0}"/>
+                <a16:creationId xmlns="" xmlns:a16="http://schemas.microsoft.com/office/drawing/2014/main" id="{2A3C680B-F8C7-4B51-848C-D9ED716A57E0}"/>
               </a:ext>
             </a:extLst>
           </p:cNvPr>
@@ -19912,7 +20303,7 @@
             <a:fld id="{2BF067CD-8E6B-4360-9AA8-C5DF2A48A6D1}" type="slidenum">
               <a:rPr lang="en-US" noProof="0" smtClean="0"/>
               <a:pPr/>
-              <a:t>18</a:t>
+              <a:t>19</a:t>
             </a:fld>
             <a:endParaRPr lang="en-US" noProof="0" dirty="0"/>
           </a:p>
@@ -19921,7 +20312,7 @@
     </p:spTree>
     <p:extLst>
       <p:ext uri="{BB962C8B-B14F-4D97-AF65-F5344CB8AC3E}">
-        <p14:creationId xmlns:p14="http://schemas.microsoft.com/office/powerpoint/2010/main" xmlns="" val="3836927599"/>
+        <p14:creationId xmlns="" xmlns:p14="http://schemas.microsoft.com/office/powerpoint/2010/main" val="3836927599"/>
       </p:ext>
     </p:extLst>
   </p:cSld>
@@ -20229,116 +20620,6 @@
 </p:sld>
 </file>
 
-<file path=ppt/slides/slide19.xml><?xml version="1.0" encoding="utf-8"?>
-<p:sld xmlns:a="http://schemas.openxmlformats.org/drawingml/2006/main" xmlns:r="http://schemas.openxmlformats.org/officeDocument/2006/relationships" xmlns:p="http://schemas.openxmlformats.org/presentationml/2006/main">
-  <p:cSld>
-    <p:spTree>
-      <p:nvGrpSpPr>
-        <p:cNvPr id="1" name=""/>
-        <p:cNvGrpSpPr/>
-        <p:nvPr/>
-      </p:nvGrpSpPr>
-      <p:grpSpPr>
-        <a:xfrm>
-          <a:off x="0" y="0"/>
-          <a:ext cx="0" cy="0"/>
-          <a:chOff x="0" y="0"/>
-          <a:chExt cx="0" cy="0"/>
-        </a:xfrm>
-      </p:grpSpPr>
-      <p:sp>
-        <p:nvSpPr>
-          <p:cNvPr id="2" name="Subtitle 1"/>
-          <p:cNvSpPr>
-            <a:spLocks noGrp="1"/>
-          </p:cNvSpPr>
-          <p:nvPr>
-            <p:ph type="subTitle" sz="quarter" idx="11"/>
-          </p:nvPr>
-        </p:nvSpPr>
-        <p:spPr/>
-        <p:txBody>
-          <a:bodyPr/>
-          <a:lstStyle/>
-          <a:p>
-            <a:r>
-              <a:rPr lang="ru-RU" sz="3600" dirty="0"/>
-              <a:t>Избягване на дублирани данни чрез нормализиране на схемата на БД</a:t>
-            </a:r>
-            <a:endParaRPr lang="en-US" sz="3600" dirty="0"/>
-          </a:p>
-        </p:txBody>
-      </p:sp>
-      <p:sp>
-        <p:nvSpPr>
-          <p:cNvPr id="3" name="Title 2"/>
-          <p:cNvSpPr>
-            <a:spLocks noGrp="1"/>
-          </p:cNvSpPr>
-          <p:nvPr>
-            <p:ph type="title" sz="quarter" idx="10"/>
-          </p:nvPr>
-        </p:nvSpPr>
-        <p:spPr>
-          <a:xfrm>
-            <a:off x="609600" y="4572000"/>
-            <a:ext cx="10961783" cy="768084"/>
-          </a:xfrm>
-        </p:spPr>
-        <p:txBody>
-          <a:bodyPr/>
-          <a:lstStyle/>
-          <a:p>
-            <a:r>
-              <a:rPr lang="bg-BG" dirty="0"/>
-              <a:t>Нормализиране на БД</a:t>
-            </a:r>
-            <a:endParaRPr lang="en-US" dirty="0"/>
-          </a:p>
-        </p:txBody>
-      </p:sp>
-      <p:pic>
-        <p:nvPicPr>
-          <p:cNvPr id="56322" name="Picture 2" descr="Data, database, ok, online, server, storage, tick icon - Download on  Iconfinder"/>
-          <p:cNvPicPr>
-            <a:picLocks noChangeAspect="1" noChangeArrowheads="1"/>
-          </p:cNvPicPr>
-          <p:nvPr/>
-        </p:nvPicPr>
-        <p:blipFill>
-          <a:blip r:embed="rId2" cstate="print"/>
-          <a:srcRect/>
-          <a:stretch>
-            <a:fillRect/>
-          </a:stretch>
-        </p:blipFill>
-        <p:spPr bwMode="auto">
-          <a:xfrm>
-            <a:off x="4800601" y="1447800"/>
-            <a:ext cx="2590799" cy="2590800"/>
-          </a:xfrm>
-          <a:prstGeom prst="rect">
-            <a:avLst/>
-          </a:prstGeom>
-          <a:noFill/>
-        </p:spPr>
-      </p:pic>
-    </p:spTree>
-  </p:cSld>
-  <p:clrMapOvr>
-    <a:masterClrMapping/>
-  </p:clrMapOvr>
-  <mc:AlternateContent xmlns:mc="http://schemas.openxmlformats.org/markup-compatibility/2006">
-    <mc:Choice xmlns:p14="http://schemas.microsoft.com/office/powerpoint/2010/main" xmlns="" Requires="p14">
-      <p:transition spd="slow" p14:dur="2000" advClick="0" advTm="5000"/>
-    </mc:Choice>
-    <mc:Fallback>
-      <p:transition spd="slow" advClick="0" advTm="5000"/>
-    </mc:Fallback>
-  </mc:AlternateContent>
-</p:sld>
-</file>
-
 <file path=ppt/slides/slide2.xml><?xml version="1.0" encoding="utf-8"?>
 <p:sld xmlns:a="http://schemas.openxmlformats.org/drawingml/2006/main" xmlns:r="http://schemas.openxmlformats.org/officeDocument/2006/relationships" xmlns:p="http://schemas.openxmlformats.org/presentationml/2006/main">
   <p:cSld>
@@ -20361,7 +20642,7 @@
           <p:cNvPr id="5" name="Slide Number">
             <a:extLst>
               <a:ext uri="{FF2B5EF4-FFF2-40B4-BE49-F238E27FC236}">
-                <a16:creationId xmlns:a16="http://schemas.microsoft.com/office/drawing/2014/main" xmlns="" id="{6A760D59-0056-4F39-B077-DBDBE3D2927E}"/>
+                <a16:creationId xmlns="" xmlns:a16="http://schemas.microsoft.com/office/drawing/2014/main" id="{6A760D59-0056-4F39-B077-DBDBE3D2927E}"/>
               </a:ext>
             </a:extLst>
           </p:cNvPr>
@@ -20523,9 +20804,40 @@
           <a:p>
             <a:r>
               <a:rPr lang="bg-BG" sz="3400" dirty="0"/>
-              <a:t>Каскадни операции</a:t>
-            </a:r>
-            <a:endParaRPr lang="en-US" sz="3400" dirty="0"/>
+              <a:t>Каскадни </a:t>
+            </a:r>
+            <a:r>
+              <a:rPr lang="bg-BG" sz="3400" dirty="0" smtClean="0"/>
+              <a:t>операции</a:t>
+            </a:r>
+            <a:r>
+              <a:rPr lang="en-US" sz="3400" dirty="0" smtClean="0"/>
+              <a:t> </a:t>
+            </a:r>
+            <a:r>
+              <a:rPr lang="bg-BG" sz="3400" dirty="0" smtClean="0"/>
+              <a:t>и аномалии</a:t>
+            </a:r>
+          </a:p>
+          <a:p>
+            <a:pPr lvl="1"/>
+            <a:r>
+              <a:rPr lang="bg-BG" sz="3200" dirty="0" smtClean="0"/>
+              <a:t>При </a:t>
+            </a:r>
+            <a:r>
+              <a:rPr lang="ru-RU" sz="3200" b="1" dirty="0" smtClean="0">
+                <a:solidFill>
+                  <a:schemeClr val="bg1"/>
+                </a:solidFill>
+              </a:rPr>
+              <a:t>вмъкване </a:t>
+            </a:r>
+            <a:r>
+              <a:rPr lang="ru-RU" sz="3200" dirty="0" smtClean="0"/>
+              <a:t>на записи</a:t>
+            </a:r>
+            <a:endParaRPr lang="en-US" sz="3200" dirty="0"/>
           </a:p>
           <a:p>
             <a:pPr lvl="1"/>
@@ -20619,7 +20931,7 @@
     </p:spTree>
     <p:extLst>
       <p:ext uri="{BB962C8B-B14F-4D97-AF65-F5344CB8AC3E}">
-        <p14:creationId xmlns:p14="http://schemas.microsoft.com/office/powerpoint/2010/main" xmlns="" val="1646986932"/>
+        <p14:creationId xmlns="" xmlns:p14="http://schemas.microsoft.com/office/powerpoint/2010/main" val="1646986932"/>
       </p:ext>
     </p:extLst>
   </p:cSld>
@@ -20627,7 +20939,7 @@
     <a:masterClrMapping/>
   </p:clrMapOvr>
   <mc:AlternateContent xmlns:mc="http://schemas.openxmlformats.org/markup-compatibility/2006">
-    <mc:Choice xmlns:p14="http://schemas.microsoft.com/office/powerpoint/2010/main" xmlns="" Requires="p14">
+    <mc:Choice xmlns="" xmlns:p14="http://schemas.microsoft.com/office/powerpoint/2010/main" Requires="p14">
       <p:transition spd="slow" p14:dur="2000" advClick="0" advTm="5000"/>
     </mc:Choice>
     <mc:Fallback>
@@ -20936,6 +21248,55 @@
                       </p:childTnLst>
                     </p:cTn>
                   </p:par>
+                  <p:par>
+                    <p:cTn id="27" fill="hold">
+                      <p:stCondLst>
+                        <p:cond delay="indefinite"/>
+                      </p:stCondLst>
+                      <p:childTnLst>
+                        <p:par>
+                          <p:cTn id="28" fill="hold">
+                            <p:stCondLst>
+                              <p:cond delay="0"/>
+                            </p:stCondLst>
+                            <p:childTnLst>
+                              <p:par>
+                                <p:cTn id="29" presetID="1" presetClass="entr" presetSubtype="0" fill="hold" nodeType="clickEffect">
+                                  <p:stCondLst>
+                                    <p:cond delay="0"/>
+                                  </p:stCondLst>
+                                  <p:childTnLst>
+                                    <p:set>
+                                      <p:cBhvr>
+                                        <p:cTn id="30" dur="1" fill="hold">
+                                          <p:stCondLst>
+                                            <p:cond delay="0"/>
+                                          </p:stCondLst>
+                                        </p:cTn>
+                                        <p:tgtEl>
+                                          <p:spTgt spid="444419">
+                                            <p:txEl>
+                                              <p:pRg st="7" end="7"/>
+                                            </p:txEl>
+                                          </p:spTgt>
+                                        </p:tgtEl>
+                                        <p:attrNameLst>
+                                          <p:attrName>style.visibility</p:attrName>
+                                        </p:attrNameLst>
+                                      </p:cBhvr>
+                                      <p:to>
+                                        <p:strVal val="visible"/>
+                                      </p:to>
+                                    </p:set>
+                                  </p:childTnLst>
+                                </p:cTn>
+                              </p:par>
+                            </p:childTnLst>
+                          </p:cTn>
+                        </p:par>
+                      </p:childTnLst>
+                    </p:cTn>
+                  </p:par>
                 </p:childTnLst>
               </p:cTn>
               <p:prevCondLst>
@@ -20962,6 +21323,116 @@
 </file>
 
 <file path=ppt/slides/slide20.xml><?xml version="1.0" encoding="utf-8"?>
+<p:sld xmlns:a="http://schemas.openxmlformats.org/drawingml/2006/main" xmlns:r="http://schemas.openxmlformats.org/officeDocument/2006/relationships" xmlns:p="http://schemas.openxmlformats.org/presentationml/2006/main">
+  <p:cSld>
+    <p:spTree>
+      <p:nvGrpSpPr>
+        <p:cNvPr id="1" name=""/>
+        <p:cNvGrpSpPr/>
+        <p:nvPr/>
+      </p:nvGrpSpPr>
+      <p:grpSpPr>
+        <a:xfrm>
+          <a:off x="0" y="0"/>
+          <a:ext cx="0" cy="0"/>
+          <a:chOff x="0" y="0"/>
+          <a:chExt cx="0" cy="0"/>
+        </a:xfrm>
+      </p:grpSpPr>
+      <p:sp>
+        <p:nvSpPr>
+          <p:cNvPr id="2" name="Subtitle 1"/>
+          <p:cNvSpPr>
+            <a:spLocks noGrp="1"/>
+          </p:cNvSpPr>
+          <p:nvPr>
+            <p:ph type="subTitle" sz="quarter" idx="11"/>
+          </p:nvPr>
+        </p:nvSpPr>
+        <p:spPr/>
+        <p:txBody>
+          <a:bodyPr/>
+          <a:lstStyle/>
+          <a:p>
+            <a:r>
+              <a:rPr lang="ru-RU" sz="3600" dirty="0"/>
+              <a:t>Избягване на дублирани данни чрез нормализиране на схемата на БД</a:t>
+            </a:r>
+            <a:endParaRPr lang="en-US" sz="3600" dirty="0"/>
+          </a:p>
+        </p:txBody>
+      </p:sp>
+      <p:sp>
+        <p:nvSpPr>
+          <p:cNvPr id="3" name="Title 2"/>
+          <p:cNvSpPr>
+            <a:spLocks noGrp="1"/>
+          </p:cNvSpPr>
+          <p:nvPr>
+            <p:ph type="title" sz="quarter" idx="10"/>
+          </p:nvPr>
+        </p:nvSpPr>
+        <p:spPr>
+          <a:xfrm>
+            <a:off x="609600" y="4572000"/>
+            <a:ext cx="10961783" cy="768084"/>
+          </a:xfrm>
+        </p:spPr>
+        <p:txBody>
+          <a:bodyPr/>
+          <a:lstStyle/>
+          <a:p>
+            <a:r>
+              <a:rPr lang="bg-BG" dirty="0"/>
+              <a:t>Нормализиране на БД</a:t>
+            </a:r>
+            <a:endParaRPr lang="en-US" dirty="0"/>
+          </a:p>
+        </p:txBody>
+      </p:sp>
+      <p:pic>
+        <p:nvPicPr>
+          <p:cNvPr id="56322" name="Picture 2" descr="Data, database, ok, online, server, storage, tick icon - Download on  Iconfinder"/>
+          <p:cNvPicPr>
+            <a:picLocks noChangeAspect="1" noChangeArrowheads="1"/>
+          </p:cNvPicPr>
+          <p:nvPr/>
+        </p:nvPicPr>
+        <p:blipFill>
+          <a:blip r:embed="rId2" cstate="print"/>
+          <a:srcRect/>
+          <a:stretch>
+            <a:fillRect/>
+          </a:stretch>
+        </p:blipFill>
+        <p:spPr bwMode="auto">
+          <a:xfrm>
+            <a:off x="4800601" y="1447800"/>
+            <a:ext cx="2590799" cy="2590800"/>
+          </a:xfrm>
+          <a:prstGeom prst="rect">
+            <a:avLst/>
+          </a:prstGeom>
+          <a:noFill/>
+        </p:spPr>
+      </p:pic>
+    </p:spTree>
+  </p:cSld>
+  <p:clrMapOvr>
+    <a:masterClrMapping/>
+  </p:clrMapOvr>
+  <mc:AlternateContent xmlns:mc="http://schemas.openxmlformats.org/markup-compatibility/2006">
+    <mc:Choice xmlns="" xmlns:p14="http://schemas.microsoft.com/office/powerpoint/2010/main" Requires="p14">
+      <p:transition spd="slow" p14:dur="2000" advClick="0" advTm="5000"/>
+    </mc:Choice>
+    <mc:Fallback>
+      <p:transition spd="slow" advClick="0" advTm="5000"/>
+    </mc:Fallback>
+  </mc:AlternateContent>
+</p:sld>
+</file>
+
+<file path=ppt/slides/slide21.xml><?xml version="1.0" encoding="utf-8"?>
 <p:sld xmlns:a="http://schemas.openxmlformats.org/drawingml/2006/main" xmlns:r="http://schemas.openxmlformats.org/officeDocument/2006/relationships" xmlns:p="http://schemas.openxmlformats.org/presentationml/2006/main">
   <p:cSld>
     <p:spTree>
@@ -21009,7 +21480,7 @@
               <a:pPr>
                 <a:defRPr/>
               </a:pPr>
-              <a:t>20</a:t>
+              <a:t>21</a:t>
             </a:fld>
             <a:endParaRPr lang="en-US" dirty="0"/>
           </a:p>
@@ -21124,7 +21595,7 @@
           <p:nvPr>
             <p:extLst>
               <p:ext uri="{D42A27DB-BD31-4B8C-83A1-F6EECF244321}">
-                <p14:modId xmlns:p14="http://schemas.microsoft.com/office/powerpoint/2010/main" xmlns="" val="1102571627"/>
+                <p14:modId xmlns="" xmlns:p14="http://schemas.microsoft.com/office/powerpoint/2010/main" val="1102571627"/>
               </p:ext>
             </p:extLst>
           </p:nvPr>
@@ -21143,42 +21614,42 @@
                 <a:gridCol w="2209799">
                   <a:extLst>
                     <a:ext uri="{9D8B030D-6E8A-4147-A177-3AD203B41FA5}">
-                      <a16:colId xmlns:a16="http://schemas.microsoft.com/office/drawing/2014/main" xmlns="" val="20000"/>
+                      <a16:colId xmlns="" xmlns:a16="http://schemas.microsoft.com/office/drawing/2014/main" val="20000"/>
                     </a:ext>
                   </a:extLst>
                 </a:gridCol>
                 <a:gridCol w="2057400">
                   <a:extLst>
                     <a:ext uri="{9D8B030D-6E8A-4147-A177-3AD203B41FA5}">
-                      <a16:colId xmlns:a16="http://schemas.microsoft.com/office/drawing/2014/main" xmlns="" val="20001"/>
+                      <a16:colId xmlns="" xmlns:a16="http://schemas.microsoft.com/office/drawing/2014/main" val="20001"/>
                     </a:ext>
                   </a:extLst>
                 </a:gridCol>
                 <a:gridCol w="762000">
                   <a:extLst>
                     <a:ext uri="{9D8B030D-6E8A-4147-A177-3AD203B41FA5}">
-                      <a16:colId xmlns:a16="http://schemas.microsoft.com/office/drawing/2014/main" xmlns="" val="20002"/>
+                      <a16:colId xmlns="" xmlns:a16="http://schemas.microsoft.com/office/drawing/2014/main" val="20002"/>
                     </a:ext>
                   </a:extLst>
                 </a:gridCol>
                 <a:gridCol w="1371600">
                   <a:extLst>
                     <a:ext uri="{9D8B030D-6E8A-4147-A177-3AD203B41FA5}">
-                      <a16:colId xmlns:a16="http://schemas.microsoft.com/office/drawing/2014/main" xmlns="" val="20003"/>
+                      <a16:colId xmlns="" xmlns:a16="http://schemas.microsoft.com/office/drawing/2014/main" val="20003"/>
                     </a:ext>
                   </a:extLst>
                 </a:gridCol>
                 <a:gridCol w="1981200">
                   <a:extLst>
                     <a:ext uri="{9D8B030D-6E8A-4147-A177-3AD203B41FA5}">
-                      <a16:colId xmlns:a16="http://schemas.microsoft.com/office/drawing/2014/main" xmlns="" val="20004"/>
+                      <a16:colId xmlns="" xmlns:a16="http://schemas.microsoft.com/office/drawing/2014/main" val="20004"/>
                     </a:ext>
                   </a:extLst>
                 </a:gridCol>
                 <a:gridCol w="990601">
                   <a:extLst>
                     <a:ext uri="{9D8B030D-6E8A-4147-A177-3AD203B41FA5}">
-                      <a16:colId xmlns:a16="http://schemas.microsoft.com/office/drawing/2014/main" xmlns="" val="20005"/>
+                      <a16:colId xmlns="" xmlns:a16="http://schemas.microsoft.com/office/drawing/2014/main" val="20005"/>
                     </a:ext>
                   </a:extLst>
                 </a:gridCol>
@@ -21528,7 +21999,7 @@
                 </a:tc>
                 <a:extLst>
                   <a:ext uri="{0D108BD9-81ED-4DB2-BD59-A6C34878D82A}">
-                    <a16:rowId xmlns:a16="http://schemas.microsoft.com/office/drawing/2014/main" xmlns="" val="10000"/>
+                    <a16:rowId xmlns="" xmlns:a16="http://schemas.microsoft.com/office/drawing/2014/main" val="10000"/>
                   </a:ext>
                 </a:extLst>
               </a:tr>
@@ -21816,7 +22287,7 @@
                 </a:tc>
                 <a:extLst>
                   <a:ext uri="{0D108BD9-81ED-4DB2-BD59-A6C34878D82A}">
-                    <a16:rowId xmlns:a16="http://schemas.microsoft.com/office/drawing/2014/main" xmlns="" val="10001"/>
+                    <a16:rowId xmlns="" xmlns:a16="http://schemas.microsoft.com/office/drawing/2014/main" val="10001"/>
                   </a:ext>
                 </a:extLst>
               </a:tr>
@@ -22104,7 +22575,7 @@
                 </a:tc>
                 <a:extLst>
                   <a:ext uri="{0D108BD9-81ED-4DB2-BD59-A6C34878D82A}">
-                    <a16:rowId xmlns:a16="http://schemas.microsoft.com/office/drawing/2014/main" xmlns="" val="10002"/>
+                    <a16:rowId xmlns="" xmlns:a16="http://schemas.microsoft.com/office/drawing/2014/main" val="10002"/>
                   </a:ext>
                 </a:extLst>
               </a:tr>
@@ -22410,7 +22881,7 @@
                 </a:tc>
                 <a:extLst>
                   <a:ext uri="{0D108BD9-81ED-4DB2-BD59-A6C34878D82A}">
-                    <a16:rowId xmlns:a16="http://schemas.microsoft.com/office/drawing/2014/main" xmlns="" val="10003"/>
+                    <a16:rowId xmlns="" xmlns:a16="http://schemas.microsoft.com/office/drawing/2014/main" val="10003"/>
                   </a:ext>
                 </a:extLst>
               </a:tr>
@@ -22721,7 +23192,7 @@
                 </a:tc>
                 <a:extLst>
                   <a:ext uri="{0D108BD9-81ED-4DB2-BD59-A6C34878D82A}">
-                    <a16:rowId xmlns:a16="http://schemas.microsoft.com/office/drawing/2014/main" xmlns="" val="10004"/>
+                    <a16:rowId xmlns="" xmlns:a16="http://schemas.microsoft.com/office/drawing/2014/main" val="10004"/>
                   </a:ext>
                 </a:extLst>
               </a:tr>
@@ -22732,7 +23203,7 @@
     </p:spTree>
     <p:extLst>
       <p:ext uri="{BB962C8B-B14F-4D97-AF65-F5344CB8AC3E}">
-        <p14:creationId xmlns:p14="http://schemas.microsoft.com/office/powerpoint/2010/main" xmlns="" val="1770196179"/>
+        <p14:creationId xmlns="" xmlns:p14="http://schemas.microsoft.com/office/powerpoint/2010/main" val="1770196179"/>
       </p:ext>
     </p:extLst>
   </p:cSld>
@@ -22740,7 +23211,7 @@
     <a:masterClrMapping/>
   </p:clrMapOvr>
   <mc:AlternateContent xmlns:mc="http://schemas.openxmlformats.org/markup-compatibility/2006">
-    <mc:Choice xmlns:p14="http://schemas.microsoft.com/office/powerpoint/2010/main" xmlns="" Requires="p14">
+    <mc:Choice xmlns="" xmlns:p14="http://schemas.microsoft.com/office/powerpoint/2010/main" Requires="p14">
       <p:transition p14:dur="0"/>
     </mc:Choice>
     <mc:Fallback>
@@ -22856,7 +23327,7 @@
 </p:sld>
 </file>
 
-<file path=ppt/slides/slide21.xml><?xml version="1.0" encoding="utf-8"?>
+<file path=ppt/slides/slide22.xml><?xml version="1.0" encoding="utf-8"?>
 <p:sld xmlns:a="http://schemas.openxmlformats.org/drawingml/2006/main" xmlns:r="http://schemas.openxmlformats.org/officeDocument/2006/relationships" xmlns:p="http://schemas.openxmlformats.org/presentationml/2006/main">
   <p:cSld>
     <p:spTree>
@@ -22904,7 +23375,7 @@
               <a:pPr>
                 <a:defRPr/>
               </a:pPr>
-              <a:t>21</a:t>
+              <a:t>22</a:t>
             </a:fld>
             <a:endParaRPr lang="en-US" dirty="0"/>
           </a:p>
@@ -23074,7 +23545,7 @@
           <p:nvPr>
             <p:extLst>
               <p:ext uri="{D42A27DB-BD31-4B8C-83A1-F6EECF244321}">
-                <p14:modId xmlns:p14="http://schemas.microsoft.com/office/powerpoint/2010/main" xmlns="" val="1102571627"/>
+                <p14:modId xmlns="" xmlns:p14="http://schemas.microsoft.com/office/powerpoint/2010/main" val="1102571627"/>
               </p:ext>
             </p:extLst>
           </p:nvPr>
@@ -23093,28 +23564,28 @@
                 <a:gridCol w="2209799">
                   <a:extLst>
                     <a:ext uri="{9D8B030D-6E8A-4147-A177-3AD203B41FA5}">
-                      <a16:colId xmlns:a16="http://schemas.microsoft.com/office/drawing/2014/main" xmlns="" val="20000"/>
+                      <a16:colId xmlns="" xmlns:a16="http://schemas.microsoft.com/office/drawing/2014/main" val="20000"/>
                     </a:ext>
                   </a:extLst>
                 </a:gridCol>
                 <a:gridCol w="1828801">
                   <a:extLst>
                     <a:ext uri="{9D8B030D-6E8A-4147-A177-3AD203B41FA5}">
-                      <a16:colId xmlns:a16="http://schemas.microsoft.com/office/drawing/2014/main" xmlns="" val="20001"/>
+                      <a16:colId xmlns="" xmlns:a16="http://schemas.microsoft.com/office/drawing/2014/main" val="20001"/>
                     </a:ext>
                   </a:extLst>
                 </a:gridCol>
                 <a:gridCol w="1676400">
                   <a:extLst>
                     <a:ext uri="{9D8B030D-6E8A-4147-A177-3AD203B41FA5}">
-                      <a16:colId xmlns:a16="http://schemas.microsoft.com/office/drawing/2014/main" xmlns="" val="20002"/>
+                      <a16:colId xmlns="" xmlns:a16="http://schemas.microsoft.com/office/drawing/2014/main" val="20002"/>
                     </a:ext>
                   </a:extLst>
                 </a:gridCol>
                 <a:gridCol w="3276600">
                   <a:extLst>
                     <a:ext uri="{9D8B030D-6E8A-4147-A177-3AD203B41FA5}">
-                      <a16:colId xmlns:a16="http://schemas.microsoft.com/office/drawing/2014/main" xmlns="" val="20003"/>
+                      <a16:colId xmlns="" xmlns:a16="http://schemas.microsoft.com/office/drawing/2014/main" val="20003"/>
                     </a:ext>
                   </a:extLst>
                 </a:gridCol>
@@ -23323,7 +23794,7 @@
                 </a:tc>
                 <a:extLst>
                   <a:ext uri="{0D108BD9-81ED-4DB2-BD59-A6C34878D82A}">
-                    <a16:rowId xmlns:a16="http://schemas.microsoft.com/office/drawing/2014/main" xmlns="" val="10000"/>
+                    <a16:rowId xmlns="" xmlns:a16="http://schemas.microsoft.com/office/drawing/2014/main" val="10000"/>
                   </a:ext>
                 </a:extLst>
               </a:tr>
@@ -23510,7 +23981,7 @@
                 </a:tc>
                 <a:extLst>
                   <a:ext uri="{0D108BD9-81ED-4DB2-BD59-A6C34878D82A}">
-                    <a16:rowId xmlns:a16="http://schemas.microsoft.com/office/drawing/2014/main" xmlns="" val="10001"/>
+                    <a16:rowId xmlns="" xmlns:a16="http://schemas.microsoft.com/office/drawing/2014/main" val="10001"/>
                   </a:ext>
                 </a:extLst>
               </a:tr>
@@ -23697,7 +24168,7 @@
                 </a:tc>
                 <a:extLst>
                   <a:ext uri="{0D108BD9-81ED-4DB2-BD59-A6C34878D82A}">
-                    <a16:rowId xmlns:a16="http://schemas.microsoft.com/office/drawing/2014/main" xmlns="" val="10002"/>
+                    <a16:rowId xmlns="" xmlns:a16="http://schemas.microsoft.com/office/drawing/2014/main" val="10002"/>
                   </a:ext>
                 </a:extLst>
               </a:tr>
@@ -23708,7 +24179,7 @@
     </p:spTree>
     <p:extLst>
       <p:ext uri="{BB962C8B-B14F-4D97-AF65-F5344CB8AC3E}">
-        <p14:creationId xmlns:p14="http://schemas.microsoft.com/office/powerpoint/2010/main" xmlns="" val="2792079449"/>
+        <p14:creationId xmlns="" xmlns:p14="http://schemas.microsoft.com/office/powerpoint/2010/main" val="2792079449"/>
       </p:ext>
     </p:extLst>
   </p:cSld>
@@ -23923,7 +24394,7 @@
 </p:sld>
 </file>
 
-<file path=ppt/slides/slide22.xml><?xml version="1.0" encoding="utf-8"?>
+<file path=ppt/slides/slide23.xml><?xml version="1.0" encoding="utf-8"?>
 <p:sld xmlns:a="http://schemas.openxmlformats.org/drawingml/2006/main" xmlns:r="http://schemas.openxmlformats.org/officeDocument/2006/relationships" xmlns:p="http://schemas.openxmlformats.org/presentationml/2006/main">
   <p:cSld>
     <p:spTree>
@@ -23971,7 +24442,7 @@
               <a:pPr>
                 <a:defRPr/>
               </a:pPr>
-              <a:t>22</a:t>
+              <a:t>23</a:t>
             </a:fld>
             <a:endParaRPr lang="en-US" dirty="0"/>
           </a:p>
@@ -24113,7 +24584,7 @@
           <p:nvPr>
             <p:extLst>
               <p:ext uri="{D42A27DB-BD31-4B8C-83A1-F6EECF244321}">
-                <p14:modId xmlns:p14="http://schemas.microsoft.com/office/powerpoint/2010/main" xmlns="" val="1102571627"/>
+                <p14:modId xmlns="" xmlns:p14="http://schemas.microsoft.com/office/powerpoint/2010/main" val="1102571627"/>
               </p:ext>
             </p:extLst>
           </p:nvPr>
@@ -24132,28 +24603,28 @@
                 <a:gridCol w="2209799">
                   <a:extLst>
                     <a:ext uri="{9D8B030D-6E8A-4147-A177-3AD203B41FA5}">
-                      <a16:colId xmlns:a16="http://schemas.microsoft.com/office/drawing/2014/main" xmlns="" val="20000"/>
+                      <a16:colId xmlns="" xmlns:a16="http://schemas.microsoft.com/office/drawing/2014/main" val="20000"/>
                     </a:ext>
                   </a:extLst>
                 </a:gridCol>
                 <a:gridCol w="1828801">
                   <a:extLst>
                     <a:ext uri="{9D8B030D-6E8A-4147-A177-3AD203B41FA5}">
-                      <a16:colId xmlns:a16="http://schemas.microsoft.com/office/drawing/2014/main" xmlns="" val="20001"/>
+                      <a16:colId xmlns="" xmlns:a16="http://schemas.microsoft.com/office/drawing/2014/main" val="20001"/>
                     </a:ext>
                   </a:extLst>
                 </a:gridCol>
                 <a:gridCol w="1676400">
                   <a:extLst>
                     <a:ext uri="{9D8B030D-6E8A-4147-A177-3AD203B41FA5}">
-                      <a16:colId xmlns:a16="http://schemas.microsoft.com/office/drawing/2014/main" xmlns="" val="20002"/>
+                      <a16:colId xmlns="" xmlns:a16="http://schemas.microsoft.com/office/drawing/2014/main" val="20002"/>
                     </a:ext>
                   </a:extLst>
                 </a:gridCol>
                 <a:gridCol w="3276600">
                   <a:extLst>
                     <a:ext uri="{9D8B030D-6E8A-4147-A177-3AD203B41FA5}">
-                      <a16:colId xmlns:a16="http://schemas.microsoft.com/office/drawing/2014/main" xmlns="" val="20003"/>
+                      <a16:colId xmlns="" xmlns:a16="http://schemas.microsoft.com/office/drawing/2014/main" val="20003"/>
                     </a:ext>
                   </a:extLst>
                 </a:gridCol>
@@ -24380,7 +24851,7 @@
                 </a:tc>
                 <a:extLst>
                   <a:ext uri="{0D108BD9-81ED-4DB2-BD59-A6C34878D82A}">
-                    <a16:rowId xmlns:a16="http://schemas.microsoft.com/office/drawing/2014/main" xmlns="" val="10000"/>
+                    <a16:rowId xmlns="" xmlns:a16="http://schemas.microsoft.com/office/drawing/2014/main" val="10000"/>
                   </a:ext>
                 </a:extLst>
               </a:tr>
@@ -24567,7 +25038,7 @@
                 </a:tc>
                 <a:extLst>
                   <a:ext uri="{0D108BD9-81ED-4DB2-BD59-A6C34878D82A}">
-                    <a16:rowId xmlns:a16="http://schemas.microsoft.com/office/drawing/2014/main" xmlns="" val="10001"/>
+                    <a16:rowId xmlns="" xmlns:a16="http://schemas.microsoft.com/office/drawing/2014/main" val="10001"/>
                   </a:ext>
                 </a:extLst>
               </a:tr>
@@ -24754,7 +25225,7 @@
                 </a:tc>
                 <a:extLst>
                   <a:ext uri="{0D108BD9-81ED-4DB2-BD59-A6C34878D82A}">
-                    <a16:rowId xmlns:a16="http://schemas.microsoft.com/office/drawing/2014/main" xmlns="" val="10002"/>
+                    <a16:rowId xmlns="" xmlns:a16="http://schemas.microsoft.com/office/drawing/2014/main" val="10002"/>
                   </a:ext>
                 </a:extLst>
               </a:tr>
@@ -24969,7 +25440,7 @@
     </p:spTree>
     <p:extLst>
       <p:ext uri="{BB962C8B-B14F-4D97-AF65-F5344CB8AC3E}">
-        <p14:creationId xmlns:p14="http://schemas.microsoft.com/office/powerpoint/2010/main" xmlns="" val="2811409073"/>
+        <p14:creationId xmlns="" xmlns:p14="http://schemas.microsoft.com/office/powerpoint/2010/main" val="2811409073"/>
       </p:ext>
     </p:extLst>
   </p:cSld>
@@ -25180,7 +25651,7 @@
 </p:sld>
 </file>
 
-<file path=ppt/slides/slide23.xml><?xml version="1.0" encoding="utf-8"?>
+<file path=ppt/slides/slide24.xml><?xml version="1.0" encoding="utf-8"?>
 <p:sld xmlns:a="http://schemas.openxmlformats.org/drawingml/2006/main" xmlns:r="http://schemas.openxmlformats.org/officeDocument/2006/relationships" xmlns:p="http://schemas.openxmlformats.org/presentationml/2006/main">
   <p:cSld>
     <p:spTree>
@@ -25228,7 +25699,7 @@
               <a:pPr>
                 <a:defRPr/>
               </a:pPr>
-              <a:t>23</a:t>
+              <a:t>24</a:t>
             </a:fld>
             <a:endParaRPr lang="en-US" dirty="0"/>
           </a:p>
@@ -25370,7 +25841,7 @@
           <p:nvPr>
             <p:extLst>
               <p:ext uri="{D42A27DB-BD31-4B8C-83A1-F6EECF244321}">
-                <p14:modId xmlns:p14="http://schemas.microsoft.com/office/powerpoint/2010/main" xmlns="" val="1102571627"/>
+                <p14:modId xmlns="" xmlns:p14="http://schemas.microsoft.com/office/powerpoint/2010/main" val="1102571627"/>
               </p:ext>
             </p:extLst>
           </p:nvPr>
@@ -25389,49 +25860,49 @@
                 <a:gridCol w="609600">
                   <a:extLst>
                     <a:ext uri="{9D8B030D-6E8A-4147-A177-3AD203B41FA5}">
-                      <a16:colId xmlns:a16="http://schemas.microsoft.com/office/drawing/2014/main" xmlns="" val="20000"/>
+                      <a16:colId xmlns="" xmlns:a16="http://schemas.microsoft.com/office/drawing/2014/main" val="20000"/>
                     </a:ext>
                   </a:extLst>
                 </a:gridCol>
                 <a:gridCol w="2743200">
                   <a:extLst>
                     <a:ext uri="{9D8B030D-6E8A-4147-A177-3AD203B41FA5}">
-                      <a16:colId xmlns:a16="http://schemas.microsoft.com/office/drawing/2014/main" xmlns="" val="20001"/>
+                      <a16:colId xmlns="" xmlns:a16="http://schemas.microsoft.com/office/drawing/2014/main" val="20001"/>
                     </a:ext>
                   </a:extLst>
                 </a:gridCol>
                 <a:gridCol w="1752600">
                   <a:extLst>
                     <a:ext uri="{9D8B030D-6E8A-4147-A177-3AD203B41FA5}">
-                      <a16:colId xmlns:a16="http://schemas.microsoft.com/office/drawing/2014/main" xmlns="" val="20002"/>
+                      <a16:colId xmlns="" xmlns:a16="http://schemas.microsoft.com/office/drawing/2014/main" val="20002"/>
                     </a:ext>
                   </a:extLst>
                 </a:gridCol>
                 <a:gridCol w="1219200">
                   <a:extLst>
                     <a:ext uri="{9D8B030D-6E8A-4147-A177-3AD203B41FA5}">
-                      <a16:colId xmlns:a16="http://schemas.microsoft.com/office/drawing/2014/main" xmlns="" val="20003"/>
+                      <a16:colId xmlns="" xmlns:a16="http://schemas.microsoft.com/office/drawing/2014/main" val="20003"/>
                     </a:ext>
                   </a:extLst>
                 </a:gridCol>
                 <a:gridCol w="1447800">
                   <a:extLst>
                     <a:ext uri="{9D8B030D-6E8A-4147-A177-3AD203B41FA5}">
-                      <a16:colId xmlns:a16="http://schemas.microsoft.com/office/drawing/2014/main" xmlns="" val="20004"/>
+                      <a16:colId xmlns="" xmlns:a16="http://schemas.microsoft.com/office/drawing/2014/main" val="20004"/>
                     </a:ext>
                   </a:extLst>
                 </a:gridCol>
                 <a:gridCol w="1066800">
                   <a:extLst>
                     <a:ext uri="{9D8B030D-6E8A-4147-A177-3AD203B41FA5}">
-                      <a16:colId xmlns:a16="http://schemas.microsoft.com/office/drawing/2014/main" xmlns="" val="20005"/>
+                      <a16:colId xmlns="" xmlns:a16="http://schemas.microsoft.com/office/drawing/2014/main" val="20005"/>
                     </a:ext>
                   </a:extLst>
                 </a:gridCol>
                 <a:gridCol w="1143000">
                   <a:extLst>
                     <a:ext uri="{9D8B030D-6E8A-4147-A177-3AD203B41FA5}">
-                      <a16:colId xmlns:a16="http://schemas.microsoft.com/office/drawing/2014/main" xmlns="" val="20006"/>
+                      <a16:colId xmlns="" xmlns:a16="http://schemas.microsoft.com/office/drawing/2014/main" val="20006"/>
                     </a:ext>
                   </a:extLst>
                 </a:gridCol>
@@ -25790,7 +26261,7 @@
                 </a:tc>
                 <a:extLst>
                   <a:ext uri="{0D108BD9-81ED-4DB2-BD59-A6C34878D82A}">
-                    <a16:rowId xmlns:a16="http://schemas.microsoft.com/office/drawing/2014/main" xmlns="" val="10000"/>
+                    <a16:rowId xmlns="" xmlns:a16="http://schemas.microsoft.com/office/drawing/2014/main" val="10000"/>
                   </a:ext>
                 </a:extLst>
               </a:tr>
@@ -26121,7 +26592,7 @@
                 </a:tc>
                 <a:extLst>
                   <a:ext uri="{0D108BD9-81ED-4DB2-BD59-A6C34878D82A}">
-                    <a16:rowId xmlns:a16="http://schemas.microsoft.com/office/drawing/2014/main" xmlns="" val="10001"/>
+                    <a16:rowId xmlns="" xmlns:a16="http://schemas.microsoft.com/office/drawing/2014/main" val="10001"/>
                   </a:ext>
                 </a:extLst>
               </a:tr>
@@ -26452,7 +26923,7 @@
                 </a:tc>
                 <a:extLst>
                   <a:ext uri="{0D108BD9-81ED-4DB2-BD59-A6C34878D82A}">
-                    <a16:rowId xmlns:a16="http://schemas.microsoft.com/office/drawing/2014/main" xmlns="" val="10002"/>
+                    <a16:rowId xmlns="" xmlns:a16="http://schemas.microsoft.com/office/drawing/2014/main" val="10002"/>
                   </a:ext>
                 </a:extLst>
               </a:tr>
@@ -26804,7 +27275,7 @@
                 </a:tc>
                 <a:extLst>
                   <a:ext uri="{0D108BD9-81ED-4DB2-BD59-A6C34878D82A}">
-                    <a16:rowId xmlns:a16="http://schemas.microsoft.com/office/drawing/2014/main" xmlns="" val="10003"/>
+                    <a16:rowId xmlns="" xmlns:a16="http://schemas.microsoft.com/office/drawing/2014/main" val="10003"/>
                   </a:ext>
                 </a:extLst>
               </a:tr>
@@ -27156,7 +27627,7 @@
                 </a:tc>
                 <a:extLst>
                   <a:ext uri="{0D108BD9-81ED-4DB2-BD59-A6C34878D82A}">
-                    <a16:rowId xmlns:a16="http://schemas.microsoft.com/office/drawing/2014/main" xmlns="" val="10004"/>
+                    <a16:rowId xmlns="" xmlns:a16="http://schemas.microsoft.com/office/drawing/2014/main" val="10004"/>
                   </a:ext>
                 </a:extLst>
               </a:tr>
@@ -27167,7 +27638,7 @@
     </p:spTree>
     <p:extLst>
       <p:ext uri="{BB962C8B-B14F-4D97-AF65-F5344CB8AC3E}">
-        <p14:creationId xmlns:p14="http://schemas.microsoft.com/office/powerpoint/2010/main" xmlns="" val="3812561442"/>
+        <p14:creationId xmlns="" xmlns:p14="http://schemas.microsoft.com/office/powerpoint/2010/main" val="3812561442"/>
       </p:ext>
     </p:extLst>
   </p:cSld>
@@ -27284,7 +27755,7 @@
 </p:sld>
 </file>
 
-<file path=ppt/slides/slide24.xml><?xml version="1.0" encoding="utf-8"?>
+<file path=ppt/slides/slide25.xml><?xml version="1.0" encoding="utf-8"?>
 <p:sld xmlns:a="http://schemas.openxmlformats.org/drawingml/2006/main" xmlns:r="http://schemas.openxmlformats.org/officeDocument/2006/relationships" xmlns:p="http://schemas.openxmlformats.org/presentationml/2006/main">
   <p:cSld>
     <p:spTree>
@@ -27332,7 +27803,7 @@
               <a:pPr>
                 <a:defRPr/>
               </a:pPr>
-              <a:t>24</a:t>
+              <a:t>25</a:t>
             </a:fld>
             <a:endParaRPr lang="en-US" dirty="0"/>
           </a:p>
@@ -27467,7 +27938,7 @@
           <p:nvPr>
             <p:extLst>
               <p:ext uri="{D42A27DB-BD31-4B8C-83A1-F6EECF244321}">
-                <p14:modId xmlns:p14="http://schemas.microsoft.com/office/powerpoint/2010/main" xmlns="" val="1102571627"/>
+                <p14:modId xmlns="" xmlns:p14="http://schemas.microsoft.com/office/powerpoint/2010/main" val="1102571627"/>
               </p:ext>
             </p:extLst>
           </p:nvPr>
@@ -27486,21 +27957,21 @@
                 <a:gridCol w="891654">
                   <a:extLst>
                     <a:ext uri="{9D8B030D-6E8A-4147-A177-3AD203B41FA5}">
-                      <a16:colId xmlns:a16="http://schemas.microsoft.com/office/drawing/2014/main" xmlns="" val="20000"/>
+                      <a16:colId xmlns="" xmlns:a16="http://schemas.microsoft.com/office/drawing/2014/main" val="20000"/>
                     </a:ext>
                   </a:extLst>
                 </a:gridCol>
                 <a:gridCol w="2994546">
                   <a:extLst>
                     <a:ext uri="{9D8B030D-6E8A-4147-A177-3AD203B41FA5}">
-                      <a16:colId xmlns:a16="http://schemas.microsoft.com/office/drawing/2014/main" xmlns="" val="20001"/>
+                      <a16:colId xmlns="" xmlns:a16="http://schemas.microsoft.com/office/drawing/2014/main" val="20001"/>
                     </a:ext>
                   </a:extLst>
                 </a:gridCol>
                 <a:gridCol w="3581400">
                   <a:extLst>
                     <a:ext uri="{9D8B030D-6E8A-4147-A177-3AD203B41FA5}">
-                      <a16:colId xmlns:a16="http://schemas.microsoft.com/office/drawing/2014/main" xmlns="" val="20002"/>
+                      <a16:colId xmlns="" xmlns:a16="http://schemas.microsoft.com/office/drawing/2014/main" val="20002"/>
                     </a:ext>
                   </a:extLst>
                 </a:gridCol>
@@ -27658,7 +28129,7 @@
                 </a:tc>
                 <a:extLst>
                   <a:ext uri="{0D108BD9-81ED-4DB2-BD59-A6C34878D82A}">
-                    <a16:rowId xmlns:a16="http://schemas.microsoft.com/office/drawing/2014/main" xmlns="" val="10000"/>
+                    <a16:rowId xmlns="" xmlns:a16="http://schemas.microsoft.com/office/drawing/2014/main" val="10000"/>
                   </a:ext>
                 </a:extLst>
               </a:tr>
@@ -27805,7 +28276,7 @@
                 </a:tc>
                 <a:extLst>
                   <a:ext uri="{0D108BD9-81ED-4DB2-BD59-A6C34878D82A}">
-                    <a16:rowId xmlns:a16="http://schemas.microsoft.com/office/drawing/2014/main" xmlns="" val="10001"/>
+                    <a16:rowId xmlns="" xmlns:a16="http://schemas.microsoft.com/office/drawing/2014/main" val="10001"/>
                   </a:ext>
                 </a:extLst>
               </a:tr>
@@ -27957,7 +28428,7 @@
                 </a:tc>
                 <a:extLst>
                   <a:ext uri="{0D108BD9-81ED-4DB2-BD59-A6C34878D82A}">
-                    <a16:rowId xmlns:a16="http://schemas.microsoft.com/office/drawing/2014/main" xmlns="" val="10002"/>
+                    <a16:rowId xmlns="" xmlns:a16="http://schemas.microsoft.com/office/drawing/2014/main" val="10002"/>
                   </a:ext>
                 </a:extLst>
               </a:tr>
@@ -28172,7 +28643,7 @@
     </p:spTree>
     <p:extLst>
       <p:ext uri="{BB962C8B-B14F-4D97-AF65-F5344CB8AC3E}">
-        <p14:creationId xmlns:p14="http://schemas.microsoft.com/office/powerpoint/2010/main" xmlns="" val="1192244738"/>
+        <p14:creationId xmlns="" xmlns:p14="http://schemas.microsoft.com/office/powerpoint/2010/main" val="1192244738"/>
       </p:ext>
     </p:extLst>
   </p:cSld>
@@ -28383,7 +28854,7 @@
 </p:sld>
 </file>
 
-<file path=ppt/slides/slide25.xml><?xml version="1.0" encoding="utf-8"?>
+<file path=ppt/slides/slide26.xml><?xml version="1.0" encoding="utf-8"?>
 <p:sld xmlns:a="http://schemas.openxmlformats.org/drawingml/2006/main" xmlns:r="http://schemas.openxmlformats.org/officeDocument/2006/relationships" xmlns:p="http://schemas.openxmlformats.org/presentationml/2006/main">
   <p:cSld>
     <p:spTree>
@@ -28431,7 +28902,7 @@
               <a:pPr>
                 <a:defRPr/>
               </a:pPr>
-              <a:t>25</a:t>
+              <a:t>26</a:t>
             </a:fld>
             <a:endParaRPr lang="en-US" dirty="0"/>
           </a:p>
@@ -29026,7 +29497,7 @@
           <p:nvPr>
             <p:extLst>
               <p:ext uri="{D42A27DB-BD31-4B8C-83A1-F6EECF244321}">
-                <p14:modId xmlns:p14="http://schemas.microsoft.com/office/powerpoint/2010/main" xmlns="" val="1102571627"/>
+                <p14:modId xmlns="" xmlns:p14="http://schemas.microsoft.com/office/powerpoint/2010/main" val="1102571627"/>
               </p:ext>
             </p:extLst>
           </p:nvPr>
@@ -29045,49 +29516,49 @@
                 <a:gridCol w="509551">
                   <a:extLst>
                     <a:ext uri="{9D8B030D-6E8A-4147-A177-3AD203B41FA5}">
-                      <a16:colId xmlns:a16="http://schemas.microsoft.com/office/drawing/2014/main" xmlns="" val="20000"/>
+                      <a16:colId xmlns="" xmlns:a16="http://schemas.microsoft.com/office/drawing/2014/main" val="20000"/>
                     </a:ext>
                   </a:extLst>
                 </a:gridCol>
                 <a:gridCol w="2137710">
                   <a:extLst>
                     <a:ext uri="{9D8B030D-6E8A-4147-A177-3AD203B41FA5}">
-                      <a16:colId xmlns:a16="http://schemas.microsoft.com/office/drawing/2014/main" xmlns="" val="20001"/>
+                      <a16:colId xmlns="" xmlns:a16="http://schemas.microsoft.com/office/drawing/2014/main" val="20001"/>
                     </a:ext>
                   </a:extLst>
                 </a:gridCol>
                 <a:gridCol w="1429439">
                   <a:extLst>
                     <a:ext uri="{9D8B030D-6E8A-4147-A177-3AD203B41FA5}">
-                      <a16:colId xmlns:a16="http://schemas.microsoft.com/office/drawing/2014/main" xmlns="" val="20002"/>
+                      <a16:colId xmlns="" xmlns:a16="http://schemas.microsoft.com/office/drawing/2014/main" val="20002"/>
                     </a:ext>
                   </a:extLst>
                 </a:gridCol>
                 <a:gridCol w="838200">
                   <a:extLst>
                     <a:ext uri="{9D8B030D-6E8A-4147-A177-3AD203B41FA5}">
-                      <a16:colId xmlns:a16="http://schemas.microsoft.com/office/drawing/2014/main" xmlns="" val="20003"/>
+                      <a16:colId xmlns="" xmlns:a16="http://schemas.microsoft.com/office/drawing/2014/main" val="20003"/>
                     </a:ext>
                   </a:extLst>
                 </a:gridCol>
                 <a:gridCol w="1371600">
                   <a:extLst>
                     <a:ext uri="{9D8B030D-6E8A-4147-A177-3AD203B41FA5}">
-                      <a16:colId xmlns:a16="http://schemas.microsoft.com/office/drawing/2014/main" xmlns="" val="20004"/>
+                      <a16:colId xmlns="" xmlns:a16="http://schemas.microsoft.com/office/drawing/2014/main" val="20004"/>
                     </a:ext>
                   </a:extLst>
                 </a:gridCol>
                 <a:gridCol w="1101991">
                   <a:extLst>
                     <a:ext uri="{9D8B030D-6E8A-4147-A177-3AD203B41FA5}">
-                      <a16:colId xmlns:a16="http://schemas.microsoft.com/office/drawing/2014/main" xmlns="" val="20005"/>
+                      <a16:colId xmlns="" xmlns:a16="http://schemas.microsoft.com/office/drawing/2014/main" val="20005"/>
                     </a:ext>
                   </a:extLst>
                 </a:gridCol>
                 <a:gridCol w="955408">
                   <a:extLst>
                     <a:ext uri="{9D8B030D-6E8A-4147-A177-3AD203B41FA5}">
-                      <a16:colId xmlns:a16="http://schemas.microsoft.com/office/drawing/2014/main" xmlns="" val="20006"/>
+                      <a16:colId xmlns="" xmlns:a16="http://schemas.microsoft.com/office/drawing/2014/main" val="20006"/>
                     </a:ext>
                   </a:extLst>
                 </a:gridCol>
@@ -29446,7 +29917,7 @@
                 </a:tc>
                 <a:extLst>
                   <a:ext uri="{0D108BD9-81ED-4DB2-BD59-A6C34878D82A}">
-                    <a16:rowId xmlns:a16="http://schemas.microsoft.com/office/drawing/2014/main" xmlns="" val="10000"/>
+                    <a16:rowId xmlns="" xmlns:a16="http://schemas.microsoft.com/office/drawing/2014/main" val="10000"/>
                   </a:ext>
                 </a:extLst>
               </a:tr>
@@ -29771,7 +30242,7 @@
                 </a:tc>
                 <a:extLst>
                   <a:ext uri="{0D108BD9-81ED-4DB2-BD59-A6C34878D82A}">
-                    <a16:rowId xmlns:a16="http://schemas.microsoft.com/office/drawing/2014/main" xmlns="" val="10001"/>
+                    <a16:rowId xmlns="" xmlns:a16="http://schemas.microsoft.com/office/drawing/2014/main" val="10001"/>
                   </a:ext>
                 </a:extLst>
               </a:tr>
@@ -30096,7 +30567,7 @@
                 </a:tc>
                 <a:extLst>
                   <a:ext uri="{0D108BD9-81ED-4DB2-BD59-A6C34878D82A}">
-                    <a16:rowId xmlns:a16="http://schemas.microsoft.com/office/drawing/2014/main" xmlns="" val="10002"/>
+                    <a16:rowId xmlns="" xmlns:a16="http://schemas.microsoft.com/office/drawing/2014/main" val="10002"/>
                   </a:ext>
                 </a:extLst>
               </a:tr>
@@ -30442,7 +30913,7 @@
                 </a:tc>
                 <a:extLst>
                   <a:ext uri="{0D108BD9-81ED-4DB2-BD59-A6C34878D82A}">
-                    <a16:rowId xmlns:a16="http://schemas.microsoft.com/office/drawing/2014/main" xmlns="" val="10003"/>
+                    <a16:rowId xmlns="" xmlns:a16="http://schemas.microsoft.com/office/drawing/2014/main" val="10003"/>
                   </a:ext>
                 </a:extLst>
               </a:tr>
@@ -30788,7 +31259,7 @@
                 </a:tc>
                 <a:extLst>
                   <a:ext uri="{0D108BD9-81ED-4DB2-BD59-A6C34878D82A}">
-                    <a16:rowId xmlns:a16="http://schemas.microsoft.com/office/drawing/2014/main" xmlns="" val="10004"/>
+                    <a16:rowId xmlns="" xmlns:a16="http://schemas.microsoft.com/office/drawing/2014/main" val="10004"/>
                   </a:ext>
                 </a:extLst>
               </a:tr>
@@ -30805,7 +31276,7 @@
           <p:nvPr>
             <p:extLst>
               <p:ext uri="{D42A27DB-BD31-4B8C-83A1-F6EECF244321}">
-                <p14:modId xmlns:p14="http://schemas.microsoft.com/office/powerpoint/2010/main" xmlns="" val="1102571627"/>
+                <p14:modId xmlns="" xmlns:p14="http://schemas.microsoft.com/office/powerpoint/2010/main" val="1102571627"/>
               </p:ext>
             </p:extLst>
           </p:nvPr>
@@ -30824,14 +31295,14 @@
                 <a:gridCol w="462015">
                   <a:extLst>
                     <a:ext uri="{9D8B030D-6E8A-4147-A177-3AD203B41FA5}">
-                      <a16:colId xmlns:a16="http://schemas.microsoft.com/office/drawing/2014/main" xmlns="" val="20000"/>
+                      <a16:colId xmlns="" xmlns:a16="http://schemas.microsoft.com/office/drawing/2014/main" val="20000"/>
                     </a:ext>
                   </a:extLst>
                 </a:gridCol>
                 <a:gridCol w="1938284">
                   <a:extLst>
                     <a:ext uri="{9D8B030D-6E8A-4147-A177-3AD203B41FA5}">
-                      <a16:colId xmlns:a16="http://schemas.microsoft.com/office/drawing/2014/main" xmlns="" val="20001"/>
+                      <a16:colId xmlns="" xmlns:a16="http://schemas.microsoft.com/office/drawing/2014/main" val="20001"/>
                     </a:ext>
                   </a:extLst>
                 </a:gridCol>
@@ -30938,7 +31409,7 @@
                 </a:tc>
                 <a:extLst>
                   <a:ext uri="{0D108BD9-81ED-4DB2-BD59-A6C34878D82A}">
-                    <a16:rowId xmlns:a16="http://schemas.microsoft.com/office/drawing/2014/main" xmlns="" val="10000"/>
+                    <a16:rowId xmlns="" xmlns:a16="http://schemas.microsoft.com/office/drawing/2014/main" val="10000"/>
                   </a:ext>
                 </a:extLst>
               </a:tr>
@@ -31034,7 +31505,7 @@
                 </a:tc>
                 <a:extLst>
                   <a:ext uri="{0D108BD9-81ED-4DB2-BD59-A6C34878D82A}">
-                    <a16:rowId xmlns:a16="http://schemas.microsoft.com/office/drawing/2014/main" xmlns="" val="10001"/>
+                    <a16:rowId xmlns="" xmlns:a16="http://schemas.microsoft.com/office/drawing/2014/main" val="10001"/>
                   </a:ext>
                 </a:extLst>
               </a:tr>
@@ -31138,7 +31609,7 @@
                 </a:tc>
                 <a:extLst>
                   <a:ext uri="{0D108BD9-81ED-4DB2-BD59-A6C34878D82A}">
-                    <a16:rowId xmlns:a16="http://schemas.microsoft.com/office/drawing/2014/main" xmlns="" val="10002"/>
+                    <a16:rowId xmlns="" xmlns:a16="http://schemas.microsoft.com/office/drawing/2014/main" val="10002"/>
                   </a:ext>
                 </a:extLst>
               </a:tr>
@@ -31155,7 +31626,7 @@
           <p:nvPr>
             <p:extLst>
               <p:ext uri="{D42A27DB-BD31-4B8C-83A1-F6EECF244321}">
-                <p14:modId xmlns:p14="http://schemas.microsoft.com/office/powerpoint/2010/main" xmlns="" val="1102571627"/>
+                <p14:modId xmlns="" xmlns:p14="http://schemas.microsoft.com/office/powerpoint/2010/main" val="1102571627"/>
               </p:ext>
             </p:extLst>
           </p:nvPr>
@@ -31174,14 +31645,14 @@
                 <a:gridCol w="432681">
                   <a:extLst>
                     <a:ext uri="{9D8B030D-6E8A-4147-A177-3AD203B41FA5}">
-                      <a16:colId xmlns:a16="http://schemas.microsoft.com/office/drawing/2014/main" xmlns="" val="20000"/>
+                      <a16:colId xmlns="" xmlns:a16="http://schemas.microsoft.com/office/drawing/2014/main" val="20000"/>
                     </a:ext>
                   </a:extLst>
                 </a:gridCol>
                 <a:gridCol w="1815218">
                   <a:extLst>
                     <a:ext uri="{9D8B030D-6E8A-4147-A177-3AD203B41FA5}">
-                      <a16:colId xmlns:a16="http://schemas.microsoft.com/office/drawing/2014/main" xmlns="" val="20001"/>
+                      <a16:colId xmlns="" xmlns:a16="http://schemas.microsoft.com/office/drawing/2014/main" val="20001"/>
                     </a:ext>
                   </a:extLst>
                 </a:gridCol>
@@ -31288,7 +31759,7 @@
                 </a:tc>
                 <a:extLst>
                   <a:ext uri="{0D108BD9-81ED-4DB2-BD59-A6C34878D82A}">
-                    <a16:rowId xmlns:a16="http://schemas.microsoft.com/office/drawing/2014/main" xmlns="" val="10000"/>
+                    <a16:rowId xmlns="" xmlns:a16="http://schemas.microsoft.com/office/drawing/2014/main" val="10000"/>
                   </a:ext>
                 </a:extLst>
               </a:tr>
@@ -31384,7 +31855,7 @@
                 </a:tc>
                 <a:extLst>
                   <a:ext uri="{0D108BD9-81ED-4DB2-BD59-A6C34878D82A}">
-                    <a16:rowId xmlns:a16="http://schemas.microsoft.com/office/drawing/2014/main" xmlns="" val="10001"/>
+                    <a16:rowId xmlns="" xmlns:a16="http://schemas.microsoft.com/office/drawing/2014/main" val="10001"/>
                   </a:ext>
                 </a:extLst>
               </a:tr>
@@ -31481,7 +31952,7 @@
                 </a:tc>
                 <a:extLst>
                   <a:ext uri="{0D108BD9-81ED-4DB2-BD59-A6C34878D82A}">
-                    <a16:rowId xmlns:a16="http://schemas.microsoft.com/office/drawing/2014/main" xmlns="" val="10002"/>
+                    <a16:rowId xmlns="" xmlns:a16="http://schemas.microsoft.com/office/drawing/2014/main" val="10002"/>
                   </a:ext>
                 </a:extLst>
               </a:tr>
@@ -31498,7 +31969,7 @@
           <p:nvPr>
             <p:extLst>
               <p:ext uri="{D42A27DB-BD31-4B8C-83A1-F6EECF244321}">
-                <p14:modId xmlns:p14="http://schemas.microsoft.com/office/powerpoint/2010/main" xmlns="" val="1102571627"/>
+                <p14:modId xmlns="" xmlns:p14="http://schemas.microsoft.com/office/powerpoint/2010/main" val="1102571627"/>
               </p:ext>
             </p:extLst>
           </p:nvPr>
@@ -31517,14 +31988,14 @@
                 <a:gridCol w="454866">
                   <a:extLst>
                     <a:ext uri="{9D8B030D-6E8A-4147-A177-3AD203B41FA5}">
-                      <a16:colId xmlns:a16="http://schemas.microsoft.com/office/drawing/2014/main" xmlns="" val="20000"/>
+                      <a16:colId xmlns="" xmlns:a16="http://schemas.microsoft.com/office/drawing/2014/main" val="20000"/>
                     </a:ext>
                   </a:extLst>
                 </a:gridCol>
                 <a:gridCol w="1259633">
                   <a:extLst>
                     <a:ext uri="{9D8B030D-6E8A-4147-A177-3AD203B41FA5}">
-                      <a16:colId xmlns:a16="http://schemas.microsoft.com/office/drawing/2014/main" xmlns="" val="20001"/>
+                      <a16:colId xmlns="" xmlns:a16="http://schemas.microsoft.com/office/drawing/2014/main" val="20001"/>
                     </a:ext>
                   </a:extLst>
                 </a:gridCol>
@@ -31631,7 +32102,7 @@
                 </a:tc>
                 <a:extLst>
                   <a:ext uri="{0D108BD9-81ED-4DB2-BD59-A6C34878D82A}">
-                    <a16:rowId xmlns:a16="http://schemas.microsoft.com/office/drawing/2014/main" xmlns="" val="10000"/>
+                    <a16:rowId xmlns="" xmlns:a16="http://schemas.microsoft.com/office/drawing/2014/main" val="10000"/>
                   </a:ext>
                 </a:extLst>
               </a:tr>
@@ -31728,7 +32199,7 @@
                 </a:tc>
                 <a:extLst>
                   <a:ext uri="{0D108BD9-81ED-4DB2-BD59-A6C34878D82A}">
-                    <a16:rowId xmlns:a16="http://schemas.microsoft.com/office/drawing/2014/main" xmlns="" val="10001"/>
+                    <a16:rowId xmlns="" xmlns:a16="http://schemas.microsoft.com/office/drawing/2014/main" val="10001"/>
                   </a:ext>
                 </a:extLst>
               </a:tr>
@@ -31825,7 +32296,7 @@
                 </a:tc>
                 <a:extLst>
                   <a:ext uri="{0D108BD9-81ED-4DB2-BD59-A6C34878D82A}">
-                    <a16:rowId xmlns:a16="http://schemas.microsoft.com/office/drawing/2014/main" xmlns="" val="10002"/>
+                    <a16:rowId xmlns="" xmlns:a16="http://schemas.microsoft.com/office/drawing/2014/main" val="10002"/>
                   </a:ext>
                 </a:extLst>
               </a:tr>
@@ -31842,7 +32313,7 @@
           <p:nvPr>
             <p:extLst>
               <p:ext uri="{D42A27DB-BD31-4B8C-83A1-F6EECF244321}">
-                <p14:modId xmlns:p14="http://schemas.microsoft.com/office/powerpoint/2010/main" xmlns="" val="1102571627"/>
+                <p14:modId xmlns="" xmlns:p14="http://schemas.microsoft.com/office/powerpoint/2010/main" val="1102571627"/>
               </p:ext>
             </p:extLst>
           </p:nvPr>
@@ -31861,14 +32332,14 @@
                 <a:gridCol w="454866">
                   <a:extLst>
                     <a:ext uri="{9D8B030D-6E8A-4147-A177-3AD203B41FA5}">
-                      <a16:colId xmlns:a16="http://schemas.microsoft.com/office/drawing/2014/main" xmlns="" val="20000"/>
+                      <a16:colId xmlns="" xmlns:a16="http://schemas.microsoft.com/office/drawing/2014/main" val="20000"/>
                     </a:ext>
                   </a:extLst>
                 </a:gridCol>
                 <a:gridCol w="1259633">
                   <a:extLst>
                     <a:ext uri="{9D8B030D-6E8A-4147-A177-3AD203B41FA5}">
-                      <a16:colId xmlns:a16="http://schemas.microsoft.com/office/drawing/2014/main" xmlns="" val="20001"/>
+                      <a16:colId xmlns="" xmlns:a16="http://schemas.microsoft.com/office/drawing/2014/main" val="20001"/>
                     </a:ext>
                   </a:extLst>
                 </a:gridCol>
@@ -31975,7 +32446,7 @@
                 </a:tc>
                 <a:extLst>
                   <a:ext uri="{0D108BD9-81ED-4DB2-BD59-A6C34878D82A}">
-                    <a16:rowId xmlns:a16="http://schemas.microsoft.com/office/drawing/2014/main" xmlns="" val="10000"/>
+                    <a16:rowId xmlns="" xmlns:a16="http://schemas.microsoft.com/office/drawing/2014/main" val="10000"/>
                   </a:ext>
                 </a:extLst>
               </a:tr>
@@ -32072,7 +32543,7 @@
                 </a:tc>
                 <a:extLst>
                   <a:ext uri="{0D108BD9-81ED-4DB2-BD59-A6C34878D82A}">
-                    <a16:rowId xmlns:a16="http://schemas.microsoft.com/office/drawing/2014/main" xmlns="" val="10001"/>
+                    <a16:rowId xmlns="" xmlns:a16="http://schemas.microsoft.com/office/drawing/2014/main" val="10001"/>
                   </a:ext>
                 </a:extLst>
               </a:tr>
@@ -32169,7 +32640,7 @@
                 </a:tc>
                 <a:extLst>
                   <a:ext uri="{0D108BD9-81ED-4DB2-BD59-A6C34878D82A}">
-                    <a16:rowId xmlns:a16="http://schemas.microsoft.com/office/drawing/2014/main" xmlns="" val="10002"/>
+                    <a16:rowId xmlns="" xmlns:a16="http://schemas.microsoft.com/office/drawing/2014/main" val="10002"/>
                   </a:ext>
                 </a:extLst>
               </a:tr>
@@ -32180,7 +32651,7 @@
     </p:spTree>
     <p:extLst>
       <p:ext uri="{BB962C8B-B14F-4D97-AF65-F5344CB8AC3E}">
-        <p14:creationId xmlns:p14="http://schemas.microsoft.com/office/powerpoint/2010/main" xmlns="" val="3076055309"/>
+        <p14:creationId xmlns="" xmlns:p14="http://schemas.microsoft.com/office/powerpoint/2010/main" val="3076055309"/>
       </p:ext>
     </p:extLst>
   </p:cSld>
@@ -32534,7 +33005,7 @@
 </p:sld>
 </file>
 
-<file path=ppt/slides/slide26.xml><?xml version="1.0" encoding="utf-8"?>
+<file path=ppt/slides/slide27.xml><?xml version="1.0" encoding="utf-8"?>
 <p:sld xmlns:a="http://schemas.openxmlformats.org/drawingml/2006/main" xmlns:r="http://schemas.openxmlformats.org/officeDocument/2006/relationships" xmlns:p="http://schemas.openxmlformats.org/presentationml/2006/main">
   <p:cSld>
     <p:spTree>
@@ -32635,7 +33106,7 @@
     <a:masterClrMapping/>
   </p:clrMapOvr>
   <mc:AlternateContent xmlns:mc="http://schemas.openxmlformats.org/markup-compatibility/2006">
-    <mc:Choice xmlns:p14="http://schemas.microsoft.com/office/powerpoint/2010/main" xmlns="" Requires="p14">
+    <mc:Choice xmlns="" xmlns:p14="http://schemas.microsoft.com/office/powerpoint/2010/main" Requires="p14">
       <p:transition spd="slow" p14:dur="2000" advClick="0" advTm="5000"/>
     </mc:Choice>
     <mc:Fallback>
@@ -32645,7 +33116,7 @@
 </p:sld>
 </file>
 
-<file path=ppt/slides/slide27.xml><?xml version="1.0" encoding="utf-8"?>
+<file path=ppt/slides/slide28.xml><?xml version="1.0" encoding="utf-8"?>
 <p:sld xmlns:a="http://schemas.openxmlformats.org/drawingml/2006/main" xmlns:r="http://schemas.openxmlformats.org/officeDocument/2006/relationships" xmlns:p="http://schemas.openxmlformats.org/presentationml/2006/main">
   <p:cSld>
     <p:spTree>
@@ -32693,7 +33164,7 @@
               <a:pPr>
                 <a:defRPr/>
               </a:pPr>
-              <a:t>27</a:t>
+              <a:t>28</a:t>
             </a:fld>
             <a:endParaRPr lang="en-US" dirty="0"/>
           </a:p>
@@ -32857,7 +33328,7 @@
     </p:spTree>
     <p:extLst>
       <p:ext uri="{BB962C8B-B14F-4D97-AF65-F5344CB8AC3E}">
-        <p14:creationId xmlns:p14="http://schemas.microsoft.com/office/powerpoint/2010/main" xmlns="" val="2732236339"/>
+        <p14:creationId xmlns="" xmlns:p14="http://schemas.microsoft.com/office/powerpoint/2010/main" val="2732236339"/>
       </p:ext>
     </p:extLst>
   </p:cSld>
@@ -33156,7 +33627,7 @@
 </p:sld>
 </file>
 
-<file path=ppt/slides/slide28.xml><?xml version="1.0" encoding="utf-8"?>
+<file path=ppt/slides/slide29.xml><?xml version="1.0" encoding="utf-8"?>
 <p:sld xmlns:a="http://schemas.openxmlformats.org/drawingml/2006/main" xmlns:r="http://schemas.openxmlformats.org/officeDocument/2006/relationships" xmlns:p="http://schemas.openxmlformats.org/presentationml/2006/main">
   <p:cSld>
     <p:spTree>
@@ -33191,7 +33662,7 @@
             <a:fld id="{2BF067CD-8E6B-4360-9AA8-C5DF2A48A6D1}" type="slidenum">
               <a:rPr lang="en-US" noProof="0" smtClean="0"/>
               <a:pPr/>
-              <a:t>28</a:t>
+              <a:t>29</a:t>
             </a:fld>
             <a:endParaRPr lang="en-US" noProof="0" dirty="0"/>
           </a:p>
@@ -33421,7 +33892,7 @@
     <a:masterClrMapping/>
   </p:clrMapOvr>
   <mc:AlternateContent xmlns:mc="http://schemas.openxmlformats.org/markup-compatibility/2006">
-    <mc:Choice xmlns:p14="http://schemas.microsoft.com/office/powerpoint/2010/main" xmlns="" Requires="p14">
+    <mc:Choice xmlns="" xmlns:p14="http://schemas.microsoft.com/office/powerpoint/2010/main" Requires="p14">
       <p:transition spd="slow" p14:dur="2000" advClick="0" advTm="5000"/>
     </mc:Choice>
     <mc:Fallback>
@@ -33639,7 +34110,94 @@
 </p:sld>
 </file>
 
-<file path=ppt/slides/slide29.xml><?xml version="1.0" encoding="utf-8"?>
+<file path=ppt/slides/slide3.xml><?xml version="1.0" encoding="utf-8"?>
+<p:sld xmlns:a="http://schemas.openxmlformats.org/drawingml/2006/main" xmlns:r="http://schemas.openxmlformats.org/officeDocument/2006/relationships" xmlns:p="http://schemas.openxmlformats.org/presentationml/2006/main">
+  <p:cSld>
+    <p:spTree>
+      <p:nvGrpSpPr>
+        <p:cNvPr id="1" name=""/>
+        <p:cNvGrpSpPr/>
+        <p:nvPr/>
+      </p:nvGrpSpPr>
+      <p:grpSpPr>
+        <a:xfrm>
+          <a:off x="0" y="0"/>
+          <a:ext cx="0" cy="0"/>
+          <a:chOff x="0" y="0"/>
+          <a:chExt cx="0" cy="0"/>
+        </a:xfrm>
+      </p:grpSpPr>
+      <p:sp>
+        <p:nvSpPr>
+          <p:cNvPr id="3" name="Title 2"/>
+          <p:cNvSpPr>
+            <a:spLocks noGrp="1"/>
+          </p:cNvSpPr>
+          <p:nvPr>
+            <p:ph type="title" sz="quarter" idx="10"/>
+          </p:nvPr>
+        </p:nvSpPr>
+        <p:spPr>
+          <a:xfrm>
+            <a:off x="609600" y="4724400"/>
+            <a:ext cx="10961783" cy="768084"/>
+          </a:xfrm>
+        </p:spPr>
+        <p:txBody>
+          <a:bodyPr/>
+          <a:lstStyle/>
+          <a:p>
+            <a:r>
+              <a:rPr lang="bg-BG" dirty="0"/>
+              <a:t>Видове връзки</a:t>
+            </a:r>
+            <a:endParaRPr lang="en-US" dirty="0"/>
+          </a:p>
+        </p:txBody>
+      </p:sp>
+      <p:pic>
+        <p:nvPicPr>
+          <p:cNvPr id="31746" name="Picture 2" descr="Key | Bandipedia | Fandom"/>
+          <p:cNvPicPr>
+            <a:picLocks noChangeAspect="1" noChangeArrowheads="1"/>
+          </p:cNvPicPr>
+          <p:nvPr/>
+        </p:nvPicPr>
+        <p:blipFill>
+          <a:blip r:embed="rId2" cstate="print"/>
+          <a:srcRect/>
+          <a:stretch>
+            <a:fillRect/>
+          </a:stretch>
+        </p:blipFill>
+        <p:spPr bwMode="auto">
+          <a:xfrm>
+            <a:off x="4724400" y="1143000"/>
+            <a:ext cx="2743200" cy="2899955"/>
+          </a:xfrm>
+          <a:prstGeom prst="rect">
+            <a:avLst/>
+          </a:prstGeom>
+          <a:noFill/>
+        </p:spPr>
+      </p:pic>
+    </p:spTree>
+  </p:cSld>
+  <p:clrMapOvr>
+    <a:masterClrMapping/>
+  </p:clrMapOvr>
+  <mc:AlternateContent xmlns:mc="http://schemas.openxmlformats.org/markup-compatibility/2006">
+    <mc:Choice xmlns="" xmlns:p14="http://schemas.microsoft.com/office/powerpoint/2010/main" Requires="p14">
+      <p:transition spd="slow" p14:dur="2000" advClick="0" advTm="5000"/>
+    </mc:Choice>
+    <mc:Fallback>
+      <p:transition spd="slow" advClick="0" advTm="5000"/>
+    </mc:Fallback>
+  </mc:AlternateContent>
+</p:sld>
+</file>
+
+<file path=ppt/slides/slide30.xml><?xml version="1.0" encoding="utf-8"?>
 <p:sld xmlns:a="http://schemas.openxmlformats.org/drawingml/2006/main" xmlns:r="http://schemas.openxmlformats.org/officeDocument/2006/relationships" xmlns:p="http://schemas.openxmlformats.org/presentationml/2006/main">
   <p:cSld>
     <p:spTree>
@@ -33708,7 +34266,7 @@
             <a:fld id="{C014DD1E-5D91-48A3-AD6D-45FBA980D106}" type="slidenum">
               <a:rPr lang="en-US" smtClean="0"/>
               <a:pPr/>
-              <a:t>29</a:t>
+              <a:t>30</a:t>
             </a:fld>
             <a:endParaRPr lang="en-US" dirty="0"/>
           </a:p>
@@ -33753,7 +34311,7 @@
     </p:spTree>
     <p:extLst>
       <p:ext uri="{BB962C8B-B14F-4D97-AF65-F5344CB8AC3E}">
-        <p14:creationId xmlns:p14="http://schemas.microsoft.com/office/powerpoint/2010/main" xmlns="" val="3096612756"/>
+        <p14:creationId xmlns="" xmlns:p14="http://schemas.microsoft.com/office/powerpoint/2010/main" val="3096612756"/>
       </p:ext>
     </p:extLst>
   </p:cSld>
@@ -33764,94 +34322,7 @@
 </p:sld>
 </file>
 
-<file path=ppt/slides/slide3.xml><?xml version="1.0" encoding="utf-8"?>
-<p:sld xmlns:a="http://schemas.openxmlformats.org/drawingml/2006/main" xmlns:r="http://schemas.openxmlformats.org/officeDocument/2006/relationships" xmlns:p="http://schemas.openxmlformats.org/presentationml/2006/main">
-  <p:cSld>
-    <p:spTree>
-      <p:nvGrpSpPr>
-        <p:cNvPr id="1" name=""/>
-        <p:cNvGrpSpPr/>
-        <p:nvPr/>
-      </p:nvGrpSpPr>
-      <p:grpSpPr>
-        <a:xfrm>
-          <a:off x="0" y="0"/>
-          <a:ext cx="0" cy="0"/>
-          <a:chOff x="0" y="0"/>
-          <a:chExt cx="0" cy="0"/>
-        </a:xfrm>
-      </p:grpSpPr>
-      <p:sp>
-        <p:nvSpPr>
-          <p:cNvPr id="3" name="Title 2"/>
-          <p:cNvSpPr>
-            <a:spLocks noGrp="1"/>
-          </p:cNvSpPr>
-          <p:nvPr>
-            <p:ph type="title" sz="quarter" idx="10"/>
-          </p:nvPr>
-        </p:nvSpPr>
-        <p:spPr>
-          <a:xfrm>
-            <a:off x="609600" y="4724400"/>
-            <a:ext cx="10961783" cy="768084"/>
-          </a:xfrm>
-        </p:spPr>
-        <p:txBody>
-          <a:bodyPr/>
-          <a:lstStyle/>
-          <a:p>
-            <a:r>
-              <a:rPr lang="bg-BG" dirty="0"/>
-              <a:t>Видове връзки</a:t>
-            </a:r>
-            <a:endParaRPr lang="en-US" dirty="0"/>
-          </a:p>
-        </p:txBody>
-      </p:sp>
-      <p:pic>
-        <p:nvPicPr>
-          <p:cNvPr id="31746" name="Picture 2" descr="Key | Bandipedia | Fandom"/>
-          <p:cNvPicPr>
-            <a:picLocks noChangeAspect="1" noChangeArrowheads="1"/>
-          </p:cNvPicPr>
-          <p:nvPr/>
-        </p:nvPicPr>
-        <p:blipFill>
-          <a:blip r:embed="rId2" cstate="print"/>
-          <a:srcRect/>
-          <a:stretch>
-            <a:fillRect/>
-          </a:stretch>
-        </p:blipFill>
-        <p:spPr bwMode="auto">
-          <a:xfrm>
-            <a:off x="4724400" y="1143000"/>
-            <a:ext cx="2743200" cy="2899955"/>
-          </a:xfrm>
-          <a:prstGeom prst="rect">
-            <a:avLst/>
-          </a:prstGeom>
-          <a:noFill/>
-        </p:spPr>
-      </p:pic>
-    </p:spTree>
-  </p:cSld>
-  <p:clrMapOvr>
-    <a:masterClrMapping/>
-  </p:clrMapOvr>
-  <mc:AlternateContent xmlns:mc="http://schemas.openxmlformats.org/markup-compatibility/2006">
-    <mc:Choice xmlns:p14="http://schemas.microsoft.com/office/powerpoint/2010/main" xmlns="" Requires="p14">
-      <p:transition spd="slow" p14:dur="2000" advClick="0" advTm="5000"/>
-    </mc:Choice>
-    <mc:Fallback>
-      <p:transition spd="slow" advClick="0" advTm="5000"/>
-    </mc:Fallback>
-  </mc:AlternateContent>
-</p:sld>
-</file>
-
-<file path=ppt/slides/slide30.xml><?xml version="1.0" encoding="utf-8"?>
+<file path=ppt/slides/slide31.xml><?xml version="1.0" encoding="utf-8"?>
 <p:sld xmlns:a="http://schemas.openxmlformats.org/drawingml/2006/main" xmlns:r="http://schemas.openxmlformats.org/officeDocument/2006/relationships" xmlns:p="http://schemas.openxmlformats.org/presentationml/2006/main">
   <p:cSld>
     <p:spTree>
@@ -33873,7 +34344,7 @@
           <p:cNvPr id="9" name="Summary Box Group">
             <a:extLst>
               <a:ext uri="{FF2B5EF4-FFF2-40B4-BE49-F238E27FC236}">
-                <a16:creationId xmlns:a16="http://schemas.microsoft.com/office/drawing/2014/main" xmlns="" id="{EBAFE522-EB7D-4931-A015-9A7E8A98517D}"/>
+                <a16:creationId xmlns="" xmlns:a16="http://schemas.microsoft.com/office/drawing/2014/main" id="{EBAFE522-EB7D-4931-A015-9A7E8A98517D}"/>
               </a:ext>
             </a:extLst>
           </p:cNvPr>
@@ -33893,7 +34364,7 @@
             <p:cNvPr id="10" name="Rounded Rectangle Blue">
               <a:extLst>
                 <a:ext uri="{FF2B5EF4-FFF2-40B4-BE49-F238E27FC236}">
-                  <a16:creationId xmlns:a16="http://schemas.microsoft.com/office/drawing/2014/main" xmlns="" id="{18F78F23-3D09-4B63-8DF9-D49CFBB145EE}"/>
+                  <a16:creationId xmlns="" xmlns:a16="http://schemas.microsoft.com/office/drawing/2014/main" id="{18F78F23-3D09-4B63-8DF9-D49CFBB145EE}"/>
                 </a:ext>
               </a:extLst>
             </p:cNvPr>
@@ -33947,7 +34418,7 @@
             <p:cNvPr id="11" name="Rounded Rectangle Left">
               <a:extLst>
                 <a:ext uri="{FF2B5EF4-FFF2-40B4-BE49-F238E27FC236}">
-                  <a16:creationId xmlns:a16="http://schemas.microsoft.com/office/drawing/2014/main" xmlns="" id="{F12C06CE-2BBE-46C2-B718-813794C58DF9}"/>
+                  <a16:creationId xmlns="" xmlns:a16="http://schemas.microsoft.com/office/drawing/2014/main" id="{F12C06CE-2BBE-46C2-B718-813794C58DF9}"/>
                 </a:ext>
               </a:extLst>
             </p:cNvPr>
@@ -34007,7 +34478,7 @@
             <p:cNvPr id="12" name="Half Frame Top Right">
               <a:extLst>
                 <a:ext uri="{FF2B5EF4-FFF2-40B4-BE49-F238E27FC236}">
-                  <a16:creationId xmlns:a16="http://schemas.microsoft.com/office/drawing/2014/main" xmlns="" id="{66CDBB1E-AF3C-43FC-9F34-2DD691F81726}"/>
+                  <a16:creationId xmlns="" xmlns:a16="http://schemas.microsoft.com/office/drawing/2014/main" id="{66CDBB1E-AF3C-43FC-9F34-2DD691F81726}"/>
                 </a:ext>
               </a:extLst>
             </p:cNvPr>
@@ -34069,7 +34540,7 @@
           <p:cNvPr id="14" name="Text Placeholder Body">
             <a:extLst>
               <a:ext uri="{FF2B5EF4-FFF2-40B4-BE49-F238E27FC236}">
-                <a16:creationId xmlns:a16="http://schemas.microsoft.com/office/drawing/2014/main" xmlns="" id="{0E49D336-45B6-44D3-97C4-E28F8DEA2022}"/>
+                <a16:creationId xmlns="" xmlns:a16="http://schemas.microsoft.com/office/drawing/2014/main" id="{0E49D336-45B6-44D3-97C4-E28F8DEA2022}"/>
               </a:ext>
             </a:extLst>
           </p:cNvPr>
@@ -34528,7 +34999,7 @@
           <p:cNvPr id="17" name="Slide Number">
             <a:extLst>
               <a:ext uri="{FF2B5EF4-FFF2-40B4-BE49-F238E27FC236}">
-                <a16:creationId xmlns:a16="http://schemas.microsoft.com/office/drawing/2014/main" xmlns="" id="{9DE5559F-55C2-47F1-A321-B593B1EC63C1}"/>
+                <a16:creationId xmlns="" xmlns:a16="http://schemas.microsoft.com/office/drawing/2014/main" id="{9DE5559F-55C2-47F1-A321-B593B1EC63C1}"/>
               </a:ext>
             </a:extLst>
           </p:cNvPr>
@@ -34559,7 +35030,7 @@
             <a:fld id="{2BF067CD-8E6B-4360-9AA8-C5DF2A48A6D1}" type="slidenum">
               <a:rPr lang="en-US" smtClean="0"/>
               <a:pPr/>
-              <a:t>30</a:t>
+              <a:t>31</a:t>
             </a:fld>
             <a:endParaRPr lang="en-US" dirty="0"/>
           </a:p>
@@ -34570,7 +35041,7 @@
           <p:cNvPr id="13" name="Picture SoftUni Mascot">
             <a:extLst>
               <a:ext uri="{FF2B5EF4-FFF2-40B4-BE49-F238E27FC236}">
-                <a16:creationId xmlns:a16="http://schemas.microsoft.com/office/drawing/2014/main" xmlns="" id="{CCC3A316-993C-4741-8826-E104F27650A3}"/>
+                <a16:creationId xmlns="" xmlns:a16="http://schemas.microsoft.com/office/drawing/2014/main" id="{CCC3A316-993C-4741-8826-E104F27650A3}"/>
               </a:ext>
             </a:extLst>
           </p:cNvPr>
@@ -34583,7 +35054,7 @@
           <a:blip r:embed="rId3" cstate="print">
             <a:extLst>
               <a:ext uri="{28A0092B-C50C-407E-A947-70E740481C1C}">
-                <a14:useLocalDpi xmlns:a14="http://schemas.microsoft.com/office/drawing/2010/main" xmlns="" val="0"/>
+                <a14:useLocalDpi xmlns="" xmlns:a14="http://schemas.microsoft.com/office/drawing/2010/main" val="0"/>
               </a:ext>
             </a:extLst>
           </a:blip>
@@ -34628,7 +35099,7 @@
     </p:spTree>
     <p:extLst>
       <p:ext uri="{BB962C8B-B14F-4D97-AF65-F5344CB8AC3E}">
-        <p14:creationId xmlns:p14="http://schemas.microsoft.com/office/powerpoint/2010/main" xmlns="" val="2087190546"/>
+        <p14:creationId xmlns="" xmlns:p14="http://schemas.microsoft.com/office/powerpoint/2010/main" val="2087190546"/>
       </p:ext>
     </p:extLst>
   </p:cSld>
@@ -34636,7 +35107,7 @@
     <a:masterClrMapping/>
   </p:clrMapOvr>
   <mc:AlternateContent xmlns:mc="http://schemas.openxmlformats.org/markup-compatibility/2006">
-    <mc:Choice xmlns:p14="http://schemas.microsoft.com/office/powerpoint/2010/main" xmlns="" Requires="p14">
+    <mc:Choice xmlns="" xmlns:p14="http://schemas.microsoft.com/office/powerpoint/2010/main" Requires="p14">
       <p:transition spd="slow" p14:dur="2000" advClick="0" advTm="5000"/>
     </mc:Choice>
     <mc:Fallback>
@@ -35050,7 +35521,7 @@
 </p:sld>
 </file>
 
-<file path=ppt/slides/slide31.xml><?xml version="1.0" encoding="utf-8"?>
+<file path=ppt/slides/slide32.xml><?xml version="1.0" encoding="utf-8"?>
 <p:sld xmlns:a="http://schemas.openxmlformats.org/drawingml/2006/main" xmlns:r="http://schemas.openxmlformats.org/officeDocument/2006/relationships" xmlns:p="http://schemas.openxmlformats.org/presentationml/2006/main">
   <p:cSld>
     <p:spTree>
@@ -35072,7 +35543,7 @@
           <p:cNvPr id="5" name="Group 4">
             <a:extLst>
               <a:ext uri="{FF2B5EF4-FFF2-40B4-BE49-F238E27FC236}">
-                <a16:creationId xmlns:a16="http://schemas.microsoft.com/office/drawing/2014/main" xmlns="" id="{1A67F800-7980-E3CA-7188-3C478C8E98B8}"/>
+                <a16:creationId xmlns="" xmlns:a16="http://schemas.microsoft.com/office/drawing/2014/main" id="{1A67F800-7980-E3CA-7188-3C478C8E98B8}"/>
               </a:ext>
             </a:extLst>
           </p:cNvPr>
@@ -35092,7 +35563,7 @@
             <p:cNvPr id="7" name="Picture 6" descr="A picture containing text, sign, vector graphics&#10;&#10;Description automatically generated">
               <a:extLst>
                 <a:ext uri="{FF2B5EF4-FFF2-40B4-BE49-F238E27FC236}">
-                  <a16:creationId xmlns:a16="http://schemas.microsoft.com/office/drawing/2014/main" xmlns="" id="{15CE28B1-02BA-4014-E149-BF1EE09447ED}"/>
+                  <a16:creationId xmlns="" xmlns:a16="http://schemas.microsoft.com/office/drawing/2014/main" id="{15CE28B1-02BA-4014-E149-BF1EE09447ED}"/>
                 </a:ext>
               </a:extLst>
             </p:cNvPr>
@@ -35122,7 +35593,7 @@
             <p:cNvPr id="9" name="Picture 8" descr="Logo&#10;&#10;Description automatically generated">
               <a:extLst>
                 <a:ext uri="{FF2B5EF4-FFF2-40B4-BE49-F238E27FC236}">
-                  <a16:creationId xmlns:a16="http://schemas.microsoft.com/office/drawing/2014/main" xmlns="" id="{5F82FF4F-4AD2-4B3B-1445-F3C6BA268522}"/>
+                  <a16:creationId xmlns="" xmlns:a16="http://schemas.microsoft.com/office/drawing/2014/main" id="{5F82FF4F-4AD2-4B3B-1445-F3C6BA268522}"/>
                 </a:ext>
               </a:extLst>
             </p:cNvPr>
@@ -35152,7 +35623,7 @@
             <p:cNvPr id="11" name="Picture 10" descr="Logo&#10;&#10;Description automatically generated">
               <a:extLst>
                 <a:ext uri="{FF2B5EF4-FFF2-40B4-BE49-F238E27FC236}">
-                  <a16:creationId xmlns:a16="http://schemas.microsoft.com/office/drawing/2014/main" xmlns="" id="{68CCA8DB-9EFC-F9BC-57AE-81E4F843E863}"/>
+                  <a16:creationId xmlns="" xmlns:a16="http://schemas.microsoft.com/office/drawing/2014/main" id="{68CCA8DB-9EFC-F9BC-57AE-81E4F843E863}"/>
                 </a:ext>
               </a:extLst>
             </p:cNvPr>
@@ -35182,7 +35653,7 @@
             <p:cNvPr id="13" name="Picture 12" descr="Logo&#10;&#10;Description automatically generated">
               <a:extLst>
                 <a:ext uri="{FF2B5EF4-FFF2-40B4-BE49-F238E27FC236}">
-                  <a16:creationId xmlns:a16="http://schemas.microsoft.com/office/drawing/2014/main" xmlns="" id="{3FDF9297-50FA-E866-B6CE-9D64B1E892BF}"/>
+                  <a16:creationId xmlns="" xmlns:a16="http://schemas.microsoft.com/office/drawing/2014/main" id="{3FDF9297-50FA-E866-B6CE-9D64B1E892BF}"/>
                 </a:ext>
               </a:extLst>
             </p:cNvPr>
@@ -35212,7 +35683,7 @@
             <p:cNvPr id="18" name="Graphic 17">
               <a:extLst>
                 <a:ext uri="{FF2B5EF4-FFF2-40B4-BE49-F238E27FC236}">
-                  <a16:creationId xmlns:a16="http://schemas.microsoft.com/office/drawing/2014/main" xmlns="" id="{2A1BC0C9-7A7B-9C5B-B457-3E86E59EF29E}"/>
+                  <a16:creationId xmlns="" xmlns:a16="http://schemas.microsoft.com/office/drawing/2014/main" id="{2A1BC0C9-7A7B-9C5B-B457-3E86E59EF29E}"/>
                 </a:ext>
               </a:extLst>
             </p:cNvPr>
@@ -35225,7 +35696,7 @@
             <a:blip r:embed="rId7" cstate="print">
               <a:extLst>
                 <a:ext uri="{96DAC541-7B7A-43D3-8B79-37D633B846F1}">
-                  <asvg:svgBlip xmlns:asvg="http://schemas.microsoft.com/office/drawing/2016/SVG/main" xmlns="" r:embed="rId8"/>
+                  <asvg:svgBlip xmlns="" xmlns:asvg="http://schemas.microsoft.com/office/drawing/2016/SVG/main" r:embed="rId8"/>
                 </a:ext>
               </a:extLst>
             </a:blip>
@@ -35248,7 +35719,7 @@
             <p:cNvPr id="20" name="Graphic 19">
               <a:extLst>
                 <a:ext uri="{FF2B5EF4-FFF2-40B4-BE49-F238E27FC236}">
-                  <a16:creationId xmlns:a16="http://schemas.microsoft.com/office/drawing/2014/main" xmlns="" id="{DBE174DA-A182-7E57-06D4-86AFA26D484D}"/>
+                  <a16:creationId xmlns="" xmlns:a16="http://schemas.microsoft.com/office/drawing/2014/main" id="{DBE174DA-A182-7E57-06D4-86AFA26D484D}"/>
                 </a:ext>
               </a:extLst>
             </p:cNvPr>
@@ -35261,7 +35732,7 @@
             <a:blip r:embed="rId9" cstate="print">
               <a:extLst>
                 <a:ext uri="{96DAC541-7B7A-43D3-8B79-37D633B846F1}">
-                  <asvg:svgBlip xmlns:asvg="http://schemas.microsoft.com/office/drawing/2016/SVG/main" xmlns="" r:embed="rId10"/>
+                  <asvg:svgBlip xmlns="" xmlns:asvg="http://schemas.microsoft.com/office/drawing/2016/SVG/main" r:embed="rId10"/>
                 </a:ext>
               </a:extLst>
             </a:blip>
@@ -35284,7 +35755,7 @@
             <p:cNvPr id="22" name="Picture 21" descr="Logo&#10;&#10;Description automatically generated">
               <a:extLst>
                 <a:ext uri="{FF2B5EF4-FFF2-40B4-BE49-F238E27FC236}">
-                  <a16:creationId xmlns:a16="http://schemas.microsoft.com/office/drawing/2014/main" xmlns="" id="{9B7FFC36-A4BC-7A53-AB82-82C398A47538}"/>
+                  <a16:creationId xmlns="" xmlns:a16="http://schemas.microsoft.com/office/drawing/2014/main" id="{9B7FFC36-A4BC-7A53-AB82-82C398A47538}"/>
                 </a:ext>
               </a:extLst>
             </p:cNvPr>
@@ -35314,7 +35785,7 @@
             <p:cNvPr id="36" name="Group 35">
               <a:extLst>
                 <a:ext uri="{FF2B5EF4-FFF2-40B4-BE49-F238E27FC236}">
-                  <a16:creationId xmlns:a16="http://schemas.microsoft.com/office/drawing/2014/main" xmlns="" id="{3FB2AEAC-BDEE-9D5F-67A3-17CEDA699052}"/>
+                  <a16:creationId xmlns="" xmlns:a16="http://schemas.microsoft.com/office/drawing/2014/main" id="{3FB2AEAC-BDEE-9D5F-67A3-17CEDA699052}"/>
                 </a:ext>
               </a:extLst>
             </p:cNvPr>
@@ -35334,7 +35805,7 @@
               <p:cNvPr id="31" name="Straight Connector 30">
                 <a:extLst>
                   <a:ext uri="{FF2B5EF4-FFF2-40B4-BE49-F238E27FC236}">
-                    <a16:creationId xmlns:a16="http://schemas.microsoft.com/office/drawing/2014/main" xmlns="" id="{AA38ABD5-1637-DC80-A922-DF10E4F75CDE}"/>
+                    <a16:creationId xmlns="" xmlns:a16="http://schemas.microsoft.com/office/drawing/2014/main" id="{AA38ABD5-1637-DC80-A922-DF10E4F75CDE}"/>
                   </a:ext>
                 </a:extLst>
               </p:cNvPr>
@@ -35377,7 +35848,7 @@
               <p:cNvPr id="33" name="Picture 32">
                 <a:extLst>
                   <a:ext uri="{FF2B5EF4-FFF2-40B4-BE49-F238E27FC236}">
-                    <a16:creationId xmlns:a16="http://schemas.microsoft.com/office/drawing/2014/main" xmlns="" id="{617B586A-0BC5-5E32-7E67-FD277547ED69}"/>
+                    <a16:creationId xmlns="" xmlns:a16="http://schemas.microsoft.com/office/drawing/2014/main" id="{617B586A-0BC5-5E32-7E67-FD277547ED69}"/>
                   </a:ext>
                 </a:extLst>
               </p:cNvPr>
@@ -35409,7 +35880,7 @@
           <p:cNvPr id="40" name="Picture 39" descr="Logo&#10;&#10;Description automatically generated">
             <a:extLst>
               <a:ext uri="{FF2B5EF4-FFF2-40B4-BE49-F238E27FC236}">
-                <a16:creationId xmlns:a16="http://schemas.microsoft.com/office/drawing/2014/main" xmlns="" id="{9C30DD70-D438-6D27-35D3-8BB874966D84}"/>
+                <a16:creationId xmlns="" xmlns:a16="http://schemas.microsoft.com/office/drawing/2014/main" id="{9C30DD70-D438-6D27-35D3-8BB874966D84}"/>
               </a:ext>
             </a:extLst>
           </p:cNvPr>
@@ -35439,7 +35910,7 @@
           <p:cNvPr id="2" name="Google Shape;441;p37">
             <a:extLst>
               <a:ext uri="{FF2B5EF4-FFF2-40B4-BE49-F238E27FC236}">
-                <a16:creationId xmlns:a16="http://schemas.microsoft.com/office/drawing/2014/main" xmlns="" id="{2AFB472C-93C2-241B-75FA-457782840F92}"/>
+                <a16:creationId xmlns="" xmlns:a16="http://schemas.microsoft.com/office/drawing/2014/main" id="{2AFB472C-93C2-241B-75FA-457782840F92}"/>
               </a:ext>
             </a:extLst>
           </p:cNvPr>
@@ -35744,7 +36215,7 @@
           <p:cNvPr id="14" name="Картина 13">
             <a:extLst>
               <a:ext uri="{FF2B5EF4-FFF2-40B4-BE49-F238E27FC236}">
-                <a16:creationId xmlns:a16="http://schemas.microsoft.com/office/drawing/2014/main" xmlns="" id="{54B365E9-8FD0-6D5B-2DFC-723EE5DDD555}"/>
+                <a16:creationId xmlns="" xmlns:a16="http://schemas.microsoft.com/office/drawing/2014/main" id="{54B365E9-8FD0-6D5B-2DFC-723EE5DDD555}"/>
               </a:ext>
             </a:extLst>
           </p:cNvPr>
@@ -35774,7 +36245,7 @@
           <p:cNvPr id="16" name="Картина 15">
             <a:extLst>
               <a:ext uri="{FF2B5EF4-FFF2-40B4-BE49-F238E27FC236}">
-                <a16:creationId xmlns:a16="http://schemas.microsoft.com/office/drawing/2014/main" xmlns="" id="{3BD6ABFC-02BF-2D42-B42B-6929222F37B6}"/>
+                <a16:creationId xmlns="" xmlns:a16="http://schemas.microsoft.com/office/drawing/2014/main" id="{3BD6ABFC-02BF-2D42-B42B-6929222F37B6}"/>
               </a:ext>
             </a:extLst>
           </p:cNvPr>
@@ -35802,7 +36273,7 @@
     </p:spTree>
     <p:extLst>
       <p:ext uri="{BB962C8B-B14F-4D97-AF65-F5344CB8AC3E}">
-        <p14:creationId xmlns:p14="http://schemas.microsoft.com/office/powerpoint/2010/main" xmlns="" val="2144060659"/>
+        <p14:creationId xmlns="" xmlns:p14="http://schemas.microsoft.com/office/powerpoint/2010/main" val="2144060659"/>
       </p:ext>
     </p:extLst>
   </p:cSld>
@@ -35812,7 +36283,7 @@
 </p:sld>
 </file>
 
-<file path=ppt/slides/slide32.xml><?xml version="1.0" encoding="utf-8"?>
+<file path=ppt/slides/slide33.xml><?xml version="1.0" encoding="utf-8"?>
 <p:sld xmlns:a="http://schemas.openxmlformats.org/drawingml/2006/main" xmlns:r="http://schemas.openxmlformats.org/officeDocument/2006/relationships" xmlns:p="http://schemas.openxmlformats.org/presentationml/2006/main">
   <p:cSld>
     <p:spTree>
@@ -35834,7 +36305,7 @@
           <p:cNvPr id="5" name="Slide Number">
             <a:extLst>
               <a:ext uri="{FF2B5EF4-FFF2-40B4-BE49-F238E27FC236}">
-                <a16:creationId xmlns:a16="http://schemas.microsoft.com/office/drawing/2014/main" xmlns="" id="{F48C3C93-90A1-4D31-BEA6-B54D1106CE31}"/>
+                <a16:creationId xmlns="" xmlns:a16="http://schemas.microsoft.com/office/drawing/2014/main" id="{F48C3C93-90A1-4D31-BEA6-B54D1106CE31}"/>
               </a:ext>
             </a:extLst>
           </p:cNvPr>
@@ -35865,7 +36336,7 @@
             <a:fld id="{2BF067CD-8E6B-4360-9AA8-C5DF2A48A6D1}" type="slidenum">
               <a:rPr lang="en-US" smtClean="0"/>
               <a:pPr/>
-              <a:t>32</a:t>
+              <a:t>33</a:t>
             </a:fld>
             <a:endParaRPr lang="en-US" dirty="0"/>
           </a:p>
@@ -35876,7 +36347,7 @@
           <p:cNvPr id="2" name="Slide Body">
             <a:extLst>
               <a:ext uri="{FF2B5EF4-FFF2-40B4-BE49-F238E27FC236}">
-                <a16:creationId xmlns:a16="http://schemas.microsoft.com/office/drawing/2014/main" xmlns="" id="{980F49B1-E4BE-4389-A747-7AB9B71AD920}"/>
+                <a16:creationId xmlns="" xmlns:a16="http://schemas.microsoft.com/office/drawing/2014/main" id="{980F49B1-E4BE-4389-A747-7AB9B71AD920}"/>
               </a:ext>
             </a:extLst>
           </p:cNvPr>
@@ -36010,7 +36481,7 @@
           <p:cNvPr id="6" name="Picture License" descr="License">
             <a:extLst>
               <a:ext uri="{FF2B5EF4-FFF2-40B4-BE49-F238E27FC236}">
-                <a16:creationId xmlns:a16="http://schemas.microsoft.com/office/drawing/2014/main" xmlns="" id="{A10A2585-858C-4B1E-8846-27CF1C15729E}"/>
+                <a16:creationId xmlns="" xmlns:a16="http://schemas.microsoft.com/office/drawing/2014/main" id="{A10A2585-858C-4B1E-8846-27CF1C15729E}"/>
               </a:ext>
             </a:extLst>
           </p:cNvPr>
@@ -36051,7 +36522,7 @@
           <p:cNvPr id="3" name="Slide Title">
             <a:extLst>
               <a:ext uri="{FF2B5EF4-FFF2-40B4-BE49-F238E27FC236}">
-                <a16:creationId xmlns:a16="http://schemas.microsoft.com/office/drawing/2014/main" xmlns="" id="{E5F1FB41-80C3-4816-BC47-CCC50632E6E8}"/>
+                <a16:creationId xmlns="" xmlns:a16="http://schemas.microsoft.com/office/drawing/2014/main" id="{E5F1FB41-80C3-4816-BC47-CCC50632E6E8}"/>
               </a:ext>
             </a:extLst>
           </p:cNvPr>
@@ -36077,7 +36548,7 @@
     </p:spTree>
     <p:extLst>
       <p:ext uri="{BB962C8B-B14F-4D97-AF65-F5344CB8AC3E}">
-        <p14:creationId xmlns:p14="http://schemas.microsoft.com/office/powerpoint/2010/main" xmlns="" val="3506533871"/>
+        <p14:creationId xmlns="" xmlns:p14="http://schemas.microsoft.com/office/powerpoint/2010/main" val="3506533871"/>
       </p:ext>
     </p:extLst>
   </p:cSld>
@@ -36085,7 +36556,7 @@
     <a:masterClrMapping/>
   </p:clrMapOvr>
   <mc:AlternateContent xmlns:mc="http://schemas.openxmlformats.org/markup-compatibility/2006">
-    <mc:Choice xmlns:p14="http://schemas.microsoft.com/office/powerpoint/2010/main" xmlns="" Requires="p14">
+    <mc:Choice xmlns="" xmlns:p14="http://schemas.microsoft.com/office/powerpoint/2010/main" Requires="p14">
       <p:transition spd="slow" p14:dur="2000" advClick="0" advTm="5000"/>
     </mc:Choice>
     <mc:Fallback>
@@ -36433,7 +36904,7 @@
     </p:spTree>
     <p:extLst>
       <p:ext uri="{BB962C8B-B14F-4D97-AF65-F5344CB8AC3E}">
-        <p14:creationId xmlns:p14="http://schemas.microsoft.com/office/powerpoint/2010/main" xmlns="" val="800074320"/>
+        <p14:creationId xmlns="" xmlns:p14="http://schemas.microsoft.com/office/powerpoint/2010/main" val="800074320"/>
       </p:ext>
     </p:extLst>
   </p:cSld>
@@ -37175,7 +37646,7 @@
           <p:nvPr>
             <p:extLst>
               <p:ext uri="{D42A27DB-BD31-4B8C-83A1-F6EECF244321}">
-                <p14:modId xmlns:p14="http://schemas.microsoft.com/office/powerpoint/2010/main" xmlns="" val="1157345507"/>
+                <p14:modId xmlns="" xmlns:p14="http://schemas.microsoft.com/office/powerpoint/2010/main" val="1157345507"/>
               </p:ext>
             </p:extLst>
           </p:nvPr>
@@ -37194,21 +37665,21 @@
                 <a:gridCol w="1093732">
                   <a:extLst>
                     <a:ext uri="{9D8B030D-6E8A-4147-A177-3AD203B41FA5}">
-                      <a16:colId xmlns:a16="http://schemas.microsoft.com/office/drawing/2014/main" xmlns="" val="20000"/>
+                      <a16:colId xmlns="" xmlns:a16="http://schemas.microsoft.com/office/drawing/2014/main" val="20000"/>
                     </a:ext>
                   </a:extLst>
                 </a:gridCol>
                 <a:gridCol w="1397165">
                   <a:extLst>
                     <a:ext uri="{9D8B030D-6E8A-4147-A177-3AD203B41FA5}">
-                      <a16:colId xmlns:a16="http://schemas.microsoft.com/office/drawing/2014/main" xmlns="" val="20001"/>
+                      <a16:colId xmlns="" xmlns:a16="http://schemas.microsoft.com/office/drawing/2014/main" val="20001"/>
                     </a:ext>
                   </a:extLst>
                 </a:gridCol>
                 <a:gridCol w="2766903">
                   <a:extLst>
                     <a:ext uri="{9D8B030D-6E8A-4147-A177-3AD203B41FA5}">
-                      <a16:colId xmlns:a16="http://schemas.microsoft.com/office/drawing/2014/main" xmlns="" val="20002"/>
+                      <a16:colId xmlns="" xmlns:a16="http://schemas.microsoft.com/office/drawing/2014/main" val="20002"/>
                     </a:ext>
                   </a:extLst>
                 </a:gridCol>
@@ -37414,7 +37885,7 @@
                 </a:tc>
                 <a:extLst>
                   <a:ext uri="{0D108BD9-81ED-4DB2-BD59-A6C34878D82A}">
-                    <a16:rowId xmlns:a16="http://schemas.microsoft.com/office/drawing/2014/main" xmlns="" val="10000"/>
+                    <a16:rowId xmlns="" xmlns:a16="http://schemas.microsoft.com/office/drawing/2014/main" val="10000"/>
                   </a:ext>
                 </a:extLst>
               </a:tr>
@@ -37610,7 +38081,7 @@
                 </a:tc>
                 <a:extLst>
                   <a:ext uri="{0D108BD9-81ED-4DB2-BD59-A6C34878D82A}">
-                    <a16:rowId xmlns:a16="http://schemas.microsoft.com/office/drawing/2014/main" xmlns="" val="10001"/>
+                    <a16:rowId xmlns="" xmlns:a16="http://schemas.microsoft.com/office/drawing/2014/main" val="10001"/>
                   </a:ext>
                 </a:extLst>
               </a:tr>
@@ -37794,7 +38265,7 @@
                 </a:tc>
                 <a:extLst>
                   <a:ext uri="{0D108BD9-81ED-4DB2-BD59-A6C34878D82A}">
-                    <a16:rowId xmlns:a16="http://schemas.microsoft.com/office/drawing/2014/main" xmlns="" val="10002"/>
+                    <a16:rowId xmlns="" xmlns:a16="http://schemas.microsoft.com/office/drawing/2014/main" val="10002"/>
                   </a:ext>
                 </a:extLst>
               </a:tr>
@@ -37981,7 +38452,7 @@
                 </a:tc>
                 <a:extLst>
                   <a:ext uri="{0D108BD9-81ED-4DB2-BD59-A6C34878D82A}">
-                    <a16:rowId xmlns:a16="http://schemas.microsoft.com/office/drawing/2014/main" xmlns="" val="10003"/>
+                    <a16:rowId xmlns="" xmlns:a16="http://schemas.microsoft.com/office/drawing/2014/main" val="10003"/>
                   </a:ext>
                 </a:extLst>
               </a:tr>
@@ -38168,7 +38639,7 @@
                 </a:tc>
                 <a:extLst>
                   <a:ext uri="{0D108BD9-81ED-4DB2-BD59-A6C34878D82A}">
-                    <a16:rowId xmlns:a16="http://schemas.microsoft.com/office/drawing/2014/main" xmlns="" val="10004"/>
+                    <a16:rowId xmlns="" xmlns:a16="http://schemas.microsoft.com/office/drawing/2014/main" val="10004"/>
                   </a:ext>
                 </a:extLst>
               </a:tr>
@@ -38346,7 +38817,7 @@
                 </a:tc>
                 <a:extLst>
                   <a:ext uri="{0D108BD9-81ED-4DB2-BD59-A6C34878D82A}">
-                    <a16:rowId xmlns:a16="http://schemas.microsoft.com/office/drawing/2014/main" xmlns="" val="10005"/>
+                    <a16:rowId xmlns="" xmlns:a16="http://schemas.microsoft.com/office/drawing/2014/main" val="10005"/>
                   </a:ext>
                 </a:extLst>
               </a:tr>
@@ -38363,7 +38834,7 @@
           <p:nvPr>
             <p:extLst>
               <p:ext uri="{D42A27DB-BD31-4B8C-83A1-F6EECF244321}">
-                <p14:modId xmlns:p14="http://schemas.microsoft.com/office/powerpoint/2010/main" xmlns="" val="3093635694"/>
+                <p14:modId xmlns="" xmlns:p14="http://schemas.microsoft.com/office/powerpoint/2010/main" val="3093635694"/>
               </p:ext>
             </p:extLst>
           </p:nvPr>
@@ -38382,14 +38853,14 @@
                 <a:gridCol w="955966">
                   <a:extLst>
                     <a:ext uri="{9D8B030D-6E8A-4147-A177-3AD203B41FA5}">
-                      <a16:colId xmlns:a16="http://schemas.microsoft.com/office/drawing/2014/main" xmlns="" val="20000"/>
+                      <a16:colId xmlns="" xmlns:a16="http://schemas.microsoft.com/office/drawing/2014/main" val="20000"/>
                     </a:ext>
                   </a:extLst>
                 </a:gridCol>
                 <a:gridCol w="1991590">
                   <a:extLst>
                     <a:ext uri="{9D8B030D-6E8A-4147-A177-3AD203B41FA5}">
-                      <a16:colId xmlns:a16="http://schemas.microsoft.com/office/drawing/2014/main" xmlns="" val="20001"/>
+                      <a16:colId xmlns="" xmlns:a16="http://schemas.microsoft.com/office/drawing/2014/main" val="20001"/>
                     </a:ext>
                   </a:extLst>
                 </a:gridCol>
@@ -38525,7 +38996,7 @@
                 </a:tc>
                 <a:extLst>
                   <a:ext uri="{0D108BD9-81ED-4DB2-BD59-A6C34878D82A}">
-                    <a16:rowId xmlns:a16="http://schemas.microsoft.com/office/drawing/2014/main" xmlns="" val="10000"/>
+                    <a16:rowId xmlns="" xmlns:a16="http://schemas.microsoft.com/office/drawing/2014/main" val="10000"/>
                   </a:ext>
                 </a:extLst>
               </a:tr>
@@ -38644,7 +39115,7 @@
                 </a:tc>
                 <a:extLst>
                   <a:ext uri="{0D108BD9-81ED-4DB2-BD59-A6C34878D82A}">
-                    <a16:rowId xmlns:a16="http://schemas.microsoft.com/office/drawing/2014/main" xmlns="" val="10001"/>
+                    <a16:rowId xmlns="" xmlns:a16="http://schemas.microsoft.com/office/drawing/2014/main" val="10001"/>
                   </a:ext>
                 </a:extLst>
               </a:tr>
@@ -38769,7 +39240,7 @@
                 </a:tc>
                 <a:extLst>
                   <a:ext uri="{0D108BD9-81ED-4DB2-BD59-A6C34878D82A}">
-                    <a16:rowId xmlns:a16="http://schemas.microsoft.com/office/drawing/2014/main" xmlns="" val="10002"/>
+                    <a16:rowId xmlns="" xmlns:a16="http://schemas.microsoft.com/office/drawing/2014/main" val="10002"/>
                   </a:ext>
                 </a:extLst>
               </a:tr>
@@ -38888,7 +39359,7 @@
                 </a:tc>
                 <a:extLst>
                   <a:ext uri="{0D108BD9-81ED-4DB2-BD59-A6C34878D82A}">
-                    <a16:rowId xmlns:a16="http://schemas.microsoft.com/office/drawing/2014/main" xmlns="" val="10003"/>
+                    <a16:rowId xmlns="" xmlns:a16="http://schemas.microsoft.com/office/drawing/2014/main" val="10003"/>
                   </a:ext>
                 </a:extLst>
               </a:tr>
@@ -38899,7 +39370,7 @@
     </p:spTree>
     <p:extLst>
       <p:ext uri="{BB962C8B-B14F-4D97-AF65-F5344CB8AC3E}">
-        <p14:creationId xmlns:p14="http://schemas.microsoft.com/office/powerpoint/2010/main" xmlns="" val="954313343"/>
+        <p14:creationId xmlns="" xmlns:p14="http://schemas.microsoft.com/office/powerpoint/2010/main" val="954313343"/>
       </p:ext>
     </p:extLst>
   </p:cSld>
@@ -39877,7 +40348,7 @@
           <p:nvPr>
             <p:extLst>
               <p:ext uri="{D42A27DB-BD31-4B8C-83A1-F6EECF244321}">
-                <p14:modId xmlns:p14="http://schemas.microsoft.com/office/powerpoint/2010/main" xmlns="" val="1267441557"/>
+                <p14:modId xmlns="" xmlns:p14="http://schemas.microsoft.com/office/powerpoint/2010/main" val="1267441557"/>
               </p:ext>
             </p:extLst>
           </p:nvPr>
@@ -39896,14 +40367,14 @@
                 <a:gridCol w="980302">
                   <a:extLst>
                     <a:ext uri="{9D8B030D-6E8A-4147-A177-3AD203B41FA5}">
-                      <a16:colId xmlns:a16="http://schemas.microsoft.com/office/drawing/2014/main" xmlns="" val="20000"/>
+                      <a16:colId xmlns="" xmlns:a16="http://schemas.microsoft.com/office/drawing/2014/main" val="20000"/>
                     </a:ext>
                   </a:extLst>
                 </a:gridCol>
                 <a:gridCol w="1610498">
                   <a:extLst>
                     <a:ext uri="{9D8B030D-6E8A-4147-A177-3AD203B41FA5}">
-                      <a16:colId xmlns:a16="http://schemas.microsoft.com/office/drawing/2014/main" xmlns="" val="20001"/>
+                      <a16:colId xmlns="" xmlns:a16="http://schemas.microsoft.com/office/drawing/2014/main" val="20001"/>
                     </a:ext>
                   </a:extLst>
                 </a:gridCol>
@@ -40039,7 +40510,7 @@
                 </a:tc>
                 <a:extLst>
                   <a:ext uri="{0D108BD9-81ED-4DB2-BD59-A6C34878D82A}">
-                    <a16:rowId xmlns:a16="http://schemas.microsoft.com/office/drawing/2014/main" xmlns="" val="10000"/>
+                    <a16:rowId xmlns="" xmlns:a16="http://schemas.microsoft.com/office/drawing/2014/main" val="10000"/>
                   </a:ext>
                 </a:extLst>
               </a:tr>
@@ -40158,7 +40629,7 @@
                 </a:tc>
                 <a:extLst>
                   <a:ext uri="{0D108BD9-81ED-4DB2-BD59-A6C34878D82A}">
-                    <a16:rowId xmlns:a16="http://schemas.microsoft.com/office/drawing/2014/main" xmlns="" val="10001"/>
+                    <a16:rowId xmlns="" xmlns:a16="http://schemas.microsoft.com/office/drawing/2014/main" val="10001"/>
                   </a:ext>
                 </a:extLst>
               </a:tr>
@@ -40283,7 +40754,7 @@
                 </a:tc>
                 <a:extLst>
                   <a:ext uri="{0D108BD9-81ED-4DB2-BD59-A6C34878D82A}">
-                    <a16:rowId xmlns:a16="http://schemas.microsoft.com/office/drawing/2014/main" xmlns="" val="10002"/>
+                    <a16:rowId xmlns="" xmlns:a16="http://schemas.microsoft.com/office/drawing/2014/main" val="10002"/>
                   </a:ext>
                 </a:extLst>
               </a:tr>
@@ -40408,7 +40879,7 @@
                 </a:tc>
                 <a:extLst>
                   <a:ext uri="{0D108BD9-81ED-4DB2-BD59-A6C34878D82A}">
-                    <a16:rowId xmlns:a16="http://schemas.microsoft.com/office/drawing/2014/main" xmlns="" val="10003"/>
+                    <a16:rowId xmlns="" xmlns:a16="http://schemas.microsoft.com/office/drawing/2014/main" val="10003"/>
                   </a:ext>
                 </a:extLst>
               </a:tr>
@@ -40527,7 +40998,7 @@
                 </a:tc>
                 <a:extLst>
                   <a:ext uri="{0D108BD9-81ED-4DB2-BD59-A6C34878D82A}">
-                    <a16:rowId xmlns:a16="http://schemas.microsoft.com/office/drawing/2014/main" xmlns="" val="10004"/>
+                    <a16:rowId xmlns="" xmlns:a16="http://schemas.microsoft.com/office/drawing/2014/main" val="10004"/>
                   </a:ext>
                 </a:extLst>
               </a:tr>
@@ -40611,7 +41082,7 @@
           <p:nvPr>
             <p:extLst>
               <p:ext uri="{D42A27DB-BD31-4B8C-83A1-F6EECF244321}">
-                <p14:modId xmlns:p14="http://schemas.microsoft.com/office/powerpoint/2010/main" xmlns="" val="1906951290"/>
+                <p14:modId xmlns="" xmlns:p14="http://schemas.microsoft.com/office/powerpoint/2010/main" val="1906951290"/>
               </p:ext>
             </p:extLst>
           </p:nvPr>
@@ -40630,14 +41101,14 @@
                 <a:gridCol w="1409700">
                   <a:extLst>
                     <a:ext uri="{9D8B030D-6E8A-4147-A177-3AD203B41FA5}">
-                      <a16:colId xmlns:a16="http://schemas.microsoft.com/office/drawing/2014/main" xmlns="" val="20000"/>
+                      <a16:colId xmlns="" xmlns:a16="http://schemas.microsoft.com/office/drawing/2014/main" val="20000"/>
                     </a:ext>
                   </a:extLst>
                 </a:gridCol>
                 <a:gridCol w="1409700">
                   <a:extLst>
                     <a:ext uri="{9D8B030D-6E8A-4147-A177-3AD203B41FA5}">
-                      <a16:colId xmlns:a16="http://schemas.microsoft.com/office/drawing/2014/main" xmlns="" val="20001"/>
+                      <a16:colId xmlns="" xmlns:a16="http://schemas.microsoft.com/office/drawing/2014/main" val="20001"/>
                     </a:ext>
                   </a:extLst>
                 </a:gridCol>
@@ -40789,7 +41260,7 @@
                 </a:tc>
                 <a:extLst>
                   <a:ext uri="{0D108BD9-81ED-4DB2-BD59-A6C34878D82A}">
-                    <a16:rowId xmlns:a16="http://schemas.microsoft.com/office/drawing/2014/main" xmlns="" val="10000"/>
+                    <a16:rowId xmlns="" xmlns:a16="http://schemas.microsoft.com/office/drawing/2014/main" val="10000"/>
                   </a:ext>
                 </a:extLst>
               </a:tr>
@@ -40874,7 +41345,7 @@
                 </a:tc>
                 <a:extLst>
                   <a:ext uri="{0D108BD9-81ED-4DB2-BD59-A6C34878D82A}">
-                    <a16:rowId xmlns:a16="http://schemas.microsoft.com/office/drawing/2014/main" xmlns="" val="10001"/>
+                    <a16:rowId xmlns="" xmlns:a16="http://schemas.microsoft.com/office/drawing/2014/main" val="10001"/>
                   </a:ext>
                 </a:extLst>
               </a:tr>
@@ -40965,7 +41436,7 @@
                 </a:tc>
                 <a:extLst>
                   <a:ext uri="{0D108BD9-81ED-4DB2-BD59-A6C34878D82A}">
-                    <a16:rowId xmlns:a16="http://schemas.microsoft.com/office/drawing/2014/main" xmlns="" val="10002"/>
+                    <a16:rowId xmlns="" xmlns:a16="http://schemas.microsoft.com/office/drawing/2014/main" val="10002"/>
                   </a:ext>
                 </a:extLst>
               </a:tr>
@@ -41062,7 +41533,7 @@
                 </a:tc>
                 <a:extLst>
                   <a:ext uri="{0D108BD9-81ED-4DB2-BD59-A6C34878D82A}">
-                    <a16:rowId xmlns:a16="http://schemas.microsoft.com/office/drawing/2014/main" xmlns="" val="10003"/>
+                    <a16:rowId xmlns="" xmlns:a16="http://schemas.microsoft.com/office/drawing/2014/main" val="10003"/>
                   </a:ext>
                 </a:extLst>
               </a:tr>
@@ -41153,7 +41624,7 @@
                 </a:tc>
                 <a:extLst>
                   <a:ext uri="{0D108BD9-81ED-4DB2-BD59-A6C34878D82A}">
-                    <a16:rowId xmlns:a16="http://schemas.microsoft.com/office/drawing/2014/main" xmlns="" val="10004"/>
+                    <a16:rowId xmlns="" xmlns:a16="http://schemas.microsoft.com/office/drawing/2014/main" val="10004"/>
                   </a:ext>
                 </a:extLst>
               </a:tr>
@@ -41170,7 +41641,7 @@
           <p:nvPr>
             <p:extLst>
               <p:ext uri="{D42A27DB-BD31-4B8C-83A1-F6EECF244321}">
-                <p14:modId xmlns:p14="http://schemas.microsoft.com/office/powerpoint/2010/main" xmlns="" val="2051134192"/>
+                <p14:modId xmlns="" xmlns:p14="http://schemas.microsoft.com/office/powerpoint/2010/main" val="2051134192"/>
               </p:ext>
             </p:extLst>
           </p:nvPr>
@@ -41189,14 +41660,14 @@
                 <a:gridCol w="1066800">
                   <a:extLst>
                     <a:ext uri="{9D8B030D-6E8A-4147-A177-3AD203B41FA5}">
-                      <a16:colId xmlns:a16="http://schemas.microsoft.com/office/drawing/2014/main" xmlns="" val="20000"/>
+                      <a16:colId xmlns="" xmlns:a16="http://schemas.microsoft.com/office/drawing/2014/main" val="20000"/>
                     </a:ext>
                   </a:extLst>
                 </a:gridCol>
                 <a:gridCol w="1600200">
                   <a:extLst>
                     <a:ext uri="{9D8B030D-6E8A-4147-A177-3AD203B41FA5}">
-                      <a16:colId xmlns:a16="http://schemas.microsoft.com/office/drawing/2014/main" xmlns="" val="20001"/>
+                      <a16:colId xmlns="" xmlns:a16="http://schemas.microsoft.com/office/drawing/2014/main" val="20001"/>
                     </a:ext>
                   </a:extLst>
                 </a:gridCol>
@@ -41328,7 +41799,7 @@
                 </a:tc>
                 <a:extLst>
                   <a:ext uri="{0D108BD9-81ED-4DB2-BD59-A6C34878D82A}">
-                    <a16:rowId xmlns:a16="http://schemas.microsoft.com/office/drawing/2014/main" xmlns="" val="10000"/>
+                    <a16:rowId xmlns="" xmlns:a16="http://schemas.microsoft.com/office/drawing/2014/main" val="10000"/>
                   </a:ext>
                 </a:extLst>
               </a:tr>
@@ -41424,7 +41895,7 @@
                 </a:tc>
                 <a:extLst>
                   <a:ext uri="{0D108BD9-81ED-4DB2-BD59-A6C34878D82A}">
-                    <a16:rowId xmlns:a16="http://schemas.microsoft.com/office/drawing/2014/main" xmlns="" val="10001"/>
+                    <a16:rowId xmlns="" xmlns:a16="http://schemas.microsoft.com/office/drawing/2014/main" val="10001"/>
                   </a:ext>
                 </a:extLst>
               </a:tr>
@@ -41515,7 +41986,7 @@
                 </a:tc>
                 <a:extLst>
                   <a:ext uri="{0D108BD9-81ED-4DB2-BD59-A6C34878D82A}">
-                    <a16:rowId xmlns:a16="http://schemas.microsoft.com/office/drawing/2014/main" xmlns="" val="10002"/>
+                    <a16:rowId xmlns="" xmlns:a16="http://schemas.microsoft.com/office/drawing/2014/main" val="10002"/>
                   </a:ext>
                 </a:extLst>
               </a:tr>
@@ -41612,7 +42083,7 @@
                 </a:tc>
                 <a:extLst>
                   <a:ext uri="{0D108BD9-81ED-4DB2-BD59-A6C34878D82A}">
-                    <a16:rowId xmlns:a16="http://schemas.microsoft.com/office/drawing/2014/main" xmlns="" val="10003"/>
+                    <a16:rowId xmlns="" xmlns:a16="http://schemas.microsoft.com/office/drawing/2014/main" val="10003"/>
                   </a:ext>
                 </a:extLst>
               </a:tr>
@@ -41623,7 +42094,7 @@
     </p:spTree>
     <p:extLst>
       <p:ext uri="{BB962C8B-B14F-4D97-AF65-F5344CB8AC3E}">
-        <p14:creationId xmlns:p14="http://schemas.microsoft.com/office/powerpoint/2010/main" xmlns="" val="2484399899"/>
+        <p14:creationId xmlns="" xmlns:p14="http://schemas.microsoft.com/office/powerpoint/2010/main" val="2484399899"/>
       </p:ext>
     </p:extLst>
   </p:cSld>
@@ -42476,7 +42947,7 @@
           <p:nvPr>
             <p:extLst>
               <p:ext uri="{D42A27DB-BD31-4B8C-83A1-F6EECF244321}">
-                <p14:modId xmlns:p14="http://schemas.microsoft.com/office/powerpoint/2010/main" xmlns="" val="1102571627"/>
+                <p14:modId xmlns="" xmlns:p14="http://schemas.microsoft.com/office/powerpoint/2010/main" val="1102571627"/>
               </p:ext>
             </p:extLst>
           </p:nvPr>
@@ -42495,21 +42966,21 @@
                 <a:gridCol w="871728">
                   <a:extLst>
                     <a:ext uri="{9D8B030D-6E8A-4147-A177-3AD203B41FA5}">
-                      <a16:colId xmlns:a16="http://schemas.microsoft.com/office/drawing/2014/main" xmlns="" val="20000"/>
+                      <a16:colId xmlns="" xmlns:a16="http://schemas.microsoft.com/office/drawing/2014/main" val="20000"/>
                     </a:ext>
                   </a:extLst>
                 </a:gridCol>
                 <a:gridCol w="1261872">
                   <a:extLst>
                     <a:ext uri="{9D8B030D-6E8A-4147-A177-3AD203B41FA5}">
-                      <a16:colId xmlns:a16="http://schemas.microsoft.com/office/drawing/2014/main" xmlns="" val="20001"/>
+                      <a16:colId xmlns="" xmlns:a16="http://schemas.microsoft.com/office/drawing/2014/main" val="20001"/>
                     </a:ext>
                   </a:extLst>
                 </a:gridCol>
                 <a:gridCol w="1219200">
                   <a:extLst>
                     <a:ext uri="{9D8B030D-6E8A-4147-A177-3AD203B41FA5}">
-                      <a16:colId xmlns:a16="http://schemas.microsoft.com/office/drawing/2014/main" xmlns="" val="20002"/>
+                      <a16:colId xmlns="" xmlns:a16="http://schemas.microsoft.com/office/drawing/2014/main" val="20002"/>
                     </a:ext>
                   </a:extLst>
                 </a:gridCol>
@@ -42703,7 +43174,7 @@
                 </a:tc>
                 <a:extLst>
                   <a:ext uri="{0D108BD9-81ED-4DB2-BD59-A6C34878D82A}">
-                    <a16:rowId xmlns:a16="http://schemas.microsoft.com/office/drawing/2014/main" xmlns="" val="10000"/>
+                    <a16:rowId xmlns="" xmlns:a16="http://schemas.microsoft.com/office/drawing/2014/main" val="10000"/>
                   </a:ext>
                 </a:extLst>
               </a:tr>
@@ -42843,7 +43314,7 @@
                 </a:tc>
                 <a:extLst>
                   <a:ext uri="{0D108BD9-81ED-4DB2-BD59-A6C34878D82A}">
-                    <a16:rowId xmlns:a16="http://schemas.microsoft.com/office/drawing/2014/main" xmlns="" val="10001"/>
+                    <a16:rowId xmlns="" xmlns:a16="http://schemas.microsoft.com/office/drawing/2014/main" val="10001"/>
                   </a:ext>
                 </a:extLst>
               </a:tr>
@@ -42990,7 +43461,7 @@
                 </a:tc>
                 <a:extLst>
                   <a:ext uri="{0D108BD9-81ED-4DB2-BD59-A6C34878D82A}">
-                    <a16:rowId xmlns:a16="http://schemas.microsoft.com/office/drawing/2014/main" xmlns="" val="10002"/>
+                    <a16:rowId xmlns="" xmlns:a16="http://schemas.microsoft.com/office/drawing/2014/main" val="10002"/>
                   </a:ext>
                 </a:extLst>
               </a:tr>
@@ -43145,7 +43616,7 @@
                 </a:tc>
                 <a:extLst>
                   <a:ext uri="{0D108BD9-81ED-4DB2-BD59-A6C34878D82A}">
-                    <a16:rowId xmlns:a16="http://schemas.microsoft.com/office/drawing/2014/main" xmlns="" val="10003"/>
+                    <a16:rowId xmlns="" xmlns:a16="http://schemas.microsoft.com/office/drawing/2014/main" val="10003"/>
                   </a:ext>
                 </a:extLst>
               </a:tr>
@@ -43308,7 +43779,7 @@
           <p:nvPr>
             <p:extLst>
               <p:ext uri="{D42A27DB-BD31-4B8C-83A1-F6EECF244321}">
-                <p14:modId xmlns:p14="http://schemas.microsoft.com/office/powerpoint/2010/main" xmlns="" val="1102571627"/>
+                <p14:modId xmlns="" xmlns:p14="http://schemas.microsoft.com/office/powerpoint/2010/main" val="1102571627"/>
               </p:ext>
             </p:extLst>
           </p:nvPr>
@@ -43327,14 +43798,14 @@
                 <a:gridCol w="1098176">
                   <a:extLst>
                     <a:ext uri="{9D8B030D-6E8A-4147-A177-3AD203B41FA5}">
-                      <a16:colId xmlns:a16="http://schemas.microsoft.com/office/drawing/2014/main" xmlns="" val="20000"/>
+                      <a16:colId xmlns="" xmlns:a16="http://schemas.microsoft.com/office/drawing/2014/main" val="20000"/>
                     </a:ext>
                   </a:extLst>
                 </a:gridCol>
                 <a:gridCol w="2635624">
                   <a:extLst>
                     <a:ext uri="{9D8B030D-6E8A-4147-A177-3AD203B41FA5}">
-                      <a16:colId xmlns:a16="http://schemas.microsoft.com/office/drawing/2014/main" xmlns="" val="20001"/>
+                      <a16:colId xmlns="" xmlns:a16="http://schemas.microsoft.com/office/drawing/2014/main" val="20001"/>
                     </a:ext>
                   </a:extLst>
                 </a:gridCol>
@@ -43466,7 +43937,7 @@
                 </a:tc>
                 <a:extLst>
                   <a:ext uri="{0D108BD9-81ED-4DB2-BD59-A6C34878D82A}">
-                    <a16:rowId xmlns:a16="http://schemas.microsoft.com/office/drawing/2014/main" xmlns="" val="10000"/>
+                    <a16:rowId xmlns="" xmlns:a16="http://schemas.microsoft.com/office/drawing/2014/main" val="10000"/>
                   </a:ext>
                 </a:extLst>
               </a:tr>
@@ -43559,7 +44030,7 @@
                 </a:tc>
                 <a:extLst>
                   <a:ext uri="{0D108BD9-81ED-4DB2-BD59-A6C34878D82A}">
-                    <a16:rowId xmlns:a16="http://schemas.microsoft.com/office/drawing/2014/main" xmlns="" val="10001"/>
+                    <a16:rowId xmlns="" xmlns:a16="http://schemas.microsoft.com/office/drawing/2014/main" val="10001"/>
                   </a:ext>
                 </a:extLst>
               </a:tr>
@@ -43650,7 +44121,7 @@
                 </a:tc>
                 <a:extLst>
                   <a:ext uri="{0D108BD9-81ED-4DB2-BD59-A6C34878D82A}">
-                    <a16:rowId xmlns:a16="http://schemas.microsoft.com/office/drawing/2014/main" xmlns="" val="10002"/>
+                    <a16:rowId xmlns="" xmlns:a16="http://schemas.microsoft.com/office/drawing/2014/main" val="10002"/>
                   </a:ext>
                 </a:extLst>
               </a:tr>
@@ -43813,7 +44284,7 @@
           <p:nvPr>
             <p:extLst>
               <p:ext uri="{D42A27DB-BD31-4B8C-83A1-F6EECF244321}">
-                <p14:modId xmlns:p14="http://schemas.microsoft.com/office/powerpoint/2010/main" xmlns="" val="1315327295"/>
+                <p14:modId xmlns="" xmlns:p14="http://schemas.microsoft.com/office/powerpoint/2010/main" val="1315327295"/>
               </p:ext>
             </p:extLst>
           </p:nvPr>
@@ -43832,14 +44303,14 @@
                 <a:gridCol w="1219200">
                   <a:extLst>
                     <a:ext uri="{9D8B030D-6E8A-4147-A177-3AD203B41FA5}">
-                      <a16:colId xmlns:a16="http://schemas.microsoft.com/office/drawing/2014/main" xmlns="" val="20000"/>
+                      <a16:colId xmlns="" xmlns:a16="http://schemas.microsoft.com/office/drawing/2014/main" val="20000"/>
                     </a:ext>
                   </a:extLst>
                 </a:gridCol>
                 <a:gridCol w="1219200">
                   <a:extLst>
                     <a:ext uri="{9D8B030D-6E8A-4147-A177-3AD203B41FA5}">
-                      <a16:colId xmlns:a16="http://schemas.microsoft.com/office/drawing/2014/main" xmlns="" val="20001"/>
+                      <a16:colId xmlns="" xmlns:a16="http://schemas.microsoft.com/office/drawing/2014/main" val="20001"/>
                     </a:ext>
                   </a:extLst>
                 </a:gridCol>
@@ -43971,7 +44442,7 @@
                 </a:tc>
                 <a:extLst>
                   <a:ext uri="{0D108BD9-81ED-4DB2-BD59-A6C34878D82A}">
-                    <a16:rowId xmlns:a16="http://schemas.microsoft.com/office/drawing/2014/main" xmlns="" val="10000"/>
+                    <a16:rowId xmlns="" xmlns:a16="http://schemas.microsoft.com/office/drawing/2014/main" val="10000"/>
                   </a:ext>
                 </a:extLst>
               </a:tr>
@@ -44063,7 +44534,7 @@
                 </a:tc>
                 <a:extLst>
                   <a:ext uri="{0D108BD9-81ED-4DB2-BD59-A6C34878D82A}">
-                    <a16:rowId xmlns:a16="http://schemas.microsoft.com/office/drawing/2014/main" xmlns="" val="10001"/>
+                    <a16:rowId xmlns="" xmlns:a16="http://schemas.microsoft.com/office/drawing/2014/main" val="10001"/>
                   </a:ext>
                 </a:extLst>
               </a:tr>
@@ -44151,7 +44622,7 @@
     </p:spTree>
     <p:extLst>
       <p:ext uri="{BB962C8B-B14F-4D97-AF65-F5344CB8AC3E}">
-        <p14:creationId xmlns:p14="http://schemas.microsoft.com/office/powerpoint/2010/main" xmlns="" val="335306271"/>
+        <p14:creationId xmlns="" xmlns:p14="http://schemas.microsoft.com/office/powerpoint/2010/main" val="335306271"/>
       </p:ext>
     </p:extLst>
   </p:cSld>
@@ -44923,7 +45394,7 @@
           <p:nvPr>
             <p:extLst>
               <p:ext uri="{D42A27DB-BD31-4B8C-83A1-F6EECF244321}">
-                <p14:modId xmlns:p14="http://schemas.microsoft.com/office/powerpoint/2010/main" xmlns="" val="414988250"/>
+                <p14:modId xmlns="" xmlns:p14="http://schemas.microsoft.com/office/powerpoint/2010/main" val="414988250"/>
               </p:ext>
             </p:extLst>
           </p:nvPr>
@@ -44942,21 +45413,21 @@
                 <a:gridCol w="990600">
                   <a:extLst>
                     <a:ext uri="{9D8B030D-6E8A-4147-A177-3AD203B41FA5}">
-                      <a16:colId xmlns:a16="http://schemas.microsoft.com/office/drawing/2014/main" xmlns="" val="20000"/>
+                      <a16:colId xmlns="" xmlns:a16="http://schemas.microsoft.com/office/drawing/2014/main" val="20000"/>
                     </a:ext>
                   </a:extLst>
                 </a:gridCol>
                 <a:gridCol w="2052402">
                   <a:extLst>
                     <a:ext uri="{9D8B030D-6E8A-4147-A177-3AD203B41FA5}">
-                      <a16:colId xmlns:a16="http://schemas.microsoft.com/office/drawing/2014/main" xmlns="" val="20001"/>
+                      <a16:colId xmlns="" xmlns:a16="http://schemas.microsoft.com/office/drawing/2014/main" val="20001"/>
                     </a:ext>
                   </a:extLst>
                 </a:gridCol>
                 <a:gridCol w="1376598">
                   <a:extLst>
                     <a:ext uri="{9D8B030D-6E8A-4147-A177-3AD203B41FA5}">
-                      <a16:colId xmlns:a16="http://schemas.microsoft.com/office/drawing/2014/main" xmlns="" val="20002"/>
+                      <a16:colId xmlns="" xmlns:a16="http://schemas.microsoft.com/office/drawing/2014/main" val="20002"/>
                     </a:ext>
                   </a:extLst>
                 </a:gridCol>
@@ -45150,7 +45621,7 @@
                 </a:tc>
                 <a:extLst>
                   <a:ext uri="{0D108BD9-81ED-4DB2-BD59-A6C34878D82A}">
-                    <a16:rowId xmlns:a16="http://schemas.microsoft.com/office/drawing/2014/main" xmlns="" val="10000"/>
+                    <a16:rowId xmlns="" xmlns:a16="http://schemas.microsoft.com/office/drawing/2014/main" val="10000"/>
                   </a:ext>
                 </a:extLst>
               </a:tr>
@@ -45290,7 +45761,7 @@
                 </a:tc>
                 <a:extLst>
                   <a:ext uri="{0D108BD9-81ED-4DB2-BD59-A6C34878D82A}">
-                    <a16:rowId xmlns:a16="http://schemas.microsoft.com/office/drawing/2014/main" xmlns="" val="10001"/>
+                    <a16:rowId xmlns="" xmlns:a16="http://schemas.microsoft.com/office/drawing/2014/main" val="10001"/>
                   </a:ext>
                 </a:extLst>
               </a:tr>
@@ -45437,7 +45908,7 @@
                 </a:tc>
                 <a:extLst>
                   <a:ext uri="{0D108BD9-81ED-4DB2-BD59-A6C34878D82A}">
-                    <a16:rowId xmlns:a16="http://schemas.microsoft.com/office/drawing/2014/main" xmlns="" val="10002"/>
+                    <a16:rowId xmlns="" xmlns:a16="http://schemas.microsoft.com/office/drawing/2014/main" val="10002"/>
                   </a:ext>
                 </a:extLst>
               </a:tr>
@@ -45592,7 +46063,7 @@
                 </a:tc>
                 <a:extLst>
                   <a:ext uri="{0D108BD9-81ED-4DB2-BD59-A6C34878D82A}">
-                    <a16:rowId xmlns:a16="http://schemas.microsoft.com/office/drawing/2014/main" xmlns="" val="10003"/>
+                    <a16:rowId xmlns="" xmlns:a16="http://schemas.microsoft.com/office/drawing/2014/main" val="10003"/>
                   </a:ext>
                 </a:extLst>
               </a:tr>
@@ -45752,7 +46223,7 @@
                 </a:tc>
                 <a:extLst>
                   <a:ext uri="{0D108BD9-81ED-4DB2-BD59-A6C34878D82A}">
-                    <a16:rowId xmlns:a16="http://schemas.microsoft.com/office/drawing/2014/main" xmlns="" val="10004"/>
+                    <a16:rowId xmlns="" xmlns:a16="http://schemas.microsoft.com/office/drawing/2014/main" val="10004"/>
                   </a:ext>
                 </a:extLst>
               </a:tr>
@@ -46225,7 +46696,7 @@
     </p:spTree>
     <p:extLst>
       <p:ext uri="{BB962C8B-B14F-4D97-AF65-F5344CB8AC3E}">
-        <p14:creationId xmlns:p14="http://schemas.microsoft.com/office/powerpoint/2010/main" xmlns="" val="1285283744"/>
+        <p14:creationId xmlns="" xmlns:p14="http://schemas.microsoft.com/office/powerpoint/2010/main" val="1285283744"/>
       </p:ext>
     </p:extLst>
   </p:cSld>
@@ -46666,7 +47137,7 @@
     <a:masterClrMapping/>
   </p:clrMapOvr>
   <mc:AlternateContent xmlns:mc="http://schemas.openxmlformats.org/markup-compatibility/2006">
-    <mc:Choice xmlns:p14="http://schemas.microsoft.com/office/powerpoint/2010/main" xmlns="" Requires="p14">
+    <mc:Choice xmlns="" xmlns:p14="http://schemas.microsoft.com/office/powerpoint/2010/main" Requires="p14">
       <p:transition spd="slow" p14:dur="2000" advClick="0" advTm="5000"/>
     </mc:Choice>
     <mc:Fallback>
@@ -46992,7 +47463,7 @@
   <a:extraClrSchemeLst/>
   <a:extLst>
     <a:ext uri="{05A4C25C-085E-4340-85A3-A5531E510DB2}">
-      <thm15:themeFamily xmlns:thm15="http://schemas.microsoft.com/office/thememl/2012/main" xmlns="" name="SoftUni" id="{D61FAD9B-6E74-4E03-BFE4-B363D484F1DA}" vid="{7089C1A3-635B-4B03-A017-DAF10A3A396B}"/>
+      <thm15:themeFamily xmlns="" xmlns:thm15="http://schemas.microsoft.com/office/thememl/2012/main" name="SoftUni" id="{D61FAD9B-6E74-4E03-BFE4-B363D484F1DA}" vid="{7089C1A3-635B-4B03-A017-DAF10A3A396B}"/>
     </a:ext>
   </a:extLst>
 </a:theme>
@@ -47287,7 +47758,7 @@
   <a:extraClrSchemeLst/>
   <a:extLst>
     <a:ext uri="{05A4C25C-085E-4340-85A3-A5531E510DB2}">
-      <thm15:themeFamily xmlns:thm15="http://schemas.microsoft.com/office/thememl/2012/main" xmlns="" name="Office Theme" id="{62F939B6-93AF-4DB8-9C6B-D6C7DFDC589F}" vid="{4A3C46E8-61CC-4603-A589-7422A47A8E4A}"/>
+      <thm15:themeFamily xmlns="" xmlns:thm15="http://schemas.microsoft.com/office/thememl/2012/main" name="Office Theme" id="{62F939B6-93AF-4DB8-9C6B-D6C7DFDC589F}" vid="{4A3C46E8-61CC-4603-A589-7422A47A8E4A}"/>
     </a:ext>
   </a:extLst>
 </a:theme>
@@ -47582,28 +48053,13 @@
   <a:extraClrSchemeLst/>
   <a:extLst>
     <a:ext uri="{05A4C25C-085E-4340-85A3-A5531E510DB2}">
-      <thm15:themeFamily xmlns:thm15="http://schemas.microsoft.com/office/thememl/2012/main" xmlns="" name="Office Theme" id="{62F939B6-93AF-4DB8-9C6B-D6C7DFDC589F}" vid="{4A3C46E8-61CC-4603-A589-7422A47A8E4A}"/>
+      <thm15:themeFamily xmlns="" xmlns:thm15="http://schemas.microsoft.com/office/thememl/2012/main" name="Office Theme" id="{62F939B6-93AF-4DB8-9C6B-D6C7DFDC589F}" vid="{4A3C46E8-61CC-4603-A589-7422A47A8E4A}"/>
     </a:ext>
   </a:extLst>
 </a:theme>
 </file>
 
 <file path=customXml/item1.xml><?xml version="1.0" encoding="utf-8"?>
-<p:properties xmlns:p="http://schemas.microsoft.com/office/2006/metadata/properties" xmlns:xsi="http://www.w3.org/2001/XMLSchema-instance" xmlns:pc="http://schemas.microsoft.com/office/infopath/2007/PartnerControls">
-  <documentManagement/>
-</p:properties>
-</file>
-
-<file path=customXml/item2.xml><?xml version="1.0" encoding="utf-8"?>
-<?mso-contentType ?>
-<FormTemplates xmlns="http://schemas.microsoft.com/sharepoint/v3/contenttype/forms">
-  <Display>DocumentLibraryForm</Display>
-  <Edit>DocumentLibraryForm</Edit>
-  <New>DocumentLibraryForm</New>
-</FormTemplates>
-</file>
-
-<file path=customXml/item3.xml><?xml version="1.0" encoding="utf-8"?>
 <ct:contentTypeSchema xmlns:ct="http://schemas.microsoft.com/office/2006/metadata/contentType" xmlns:ma="http://schemas.microsoft.com/office/2006/metadata/properties/metaAttributes" ct:_="" ma:_="" ma:contentTypeName="Документ" ma:contentTypeID="0x010100B6C18B0EB80FEC43B96FC4929E3ACDFF" ma:contentTypeVersion="8" ma:contentTypeDescription="Създаване на нов документ" ma:contentTypeScope="" ma:versionID="5e73c28b7fde86b7f49c9d6b9be21d41">
   <xsd:schema xmlns:xsd="http://www.w3.org/2001/XMLSchema" xmlns:xs="http://www.w3.org/2001/XMLSchema" xmlns:p="http://schemas.microsoft.com/office/2006/metadata/properties" xmlns:ns2="4f985cec-e092-4bcf-a1e1-b816bd0221d8" targetNamespace="http://schemas.microsoft.com/office/2006/metadata/properties" ma:root="true" ma:fieldsID="f7a640d6aa79659634b3275499e0d9c9" ns2:_="">
     <xsd:import namespace="4f985cec-e092-4bcf-a1e1-b816bd0221d8"/>
@@ -47775,31 +48231,22 @@
 </ct:contentTypeSchema>
 </file>
 
-<file path=customXml/itemProps1.xml><?xml version="1.0" encoding="utf-8"?>
-<ds:datastoreItem xmlns:ds="http://schemas.openxmlformats.org/officeDocument/2006/customXml" ds:itemID="{5E2F4A33-1866-4BB8-8A35-8D6BDFE8D9F5}">
-  <ds:schemaRefs>
-    <ds:schemaRef ds:uri="http://schemas.microsoft.com/office/infopath/2007/PartnerControls"/>
-    <ds:schemaRef ds:uri="http://purl.org/dc/dcmitype/"/>
-    <ds:schemaRef ds:uri="http://schemas.microsoft.com/office/2006/documentManagement/types"/>
-    <ds:schemaRef ds:uri="http://schemas.microsoft.com/office/2006/metadata/properties"/>
-    <ds:schemaRef ds:uri="http://www.w3.org/XML/1998/namespace"/>
-    <ds:schemaRef ds:uri="4f985cec-e092-4bcf-a1e1-b816bd0221d8"/>
-    <ds:schemaRef ds:uri="http://schemas.openxmlformats.org/package/2006/metadata/core-properties"/>
-    <ds:schemaRef ds:uri="http://purl.org/dc/terms/"/>
-    <ds:schemaRef ds:uri="http://purl.org/dc/elements/1.1/"/>
-  </ds:schemaRefs>
-</ds:datastoreItem>
+<file path=customXml/item2.xml><?xml version="1.0" encoding="utf-8"?>
+<?mso-contentType ?>
+<FormTemplates xmlns="http://schemas.microsoft.com/sharepoint/v3/contenttype/forms">
+  <Display>DocumentLibraryForm</Display>
+  <Edit>DocumentLibraryForm</Edit>
+  <New>DocumentLibraryForm</New>
+</FormTemplates>
 </file>
 
-<file path=customXml/itemProps2.xml><?xml version="1.0" encoding="utf-8"?>
-<ds:datastoreItem xmlns:ds="http://schemas.openxmlformats.org/officeDocument/2006/customXml" ds:itemID="{68A20BEC-F81B-49CD-951D-E62C4BAE7796}">
-  <ds:schemaRefs>
-    <ds:schemaRef ds:uri="http://schemas.microsoft.com/sharepoint/v3/contenttype/forms"/>
-  </ds:schemaRefs>
-</ds:datastoreItem>
+<file path=customXml/item3.xml><?xml version="1.0" encoding="utf-8"?>
+<p:properties xmlns:p="http://schemas.microsoft.com/office/2006/metadata/properties" xmlns:xsi="http://www.w3.org/2001/XMLSchema-instance" xmlns:pc="http://schemas.microsoft.com/office/infopath/2007/PartnerControls">
+  <documentManagement/>
+</p:properties>
 </file>
 
-<file path=customXml/itemProps3.xml><?xml version="1.0" encoding="utf-8"?>
+<file path=customXml/itemProps1.xml><?xml version="1.0" encoding="utf-8"?>
 <ds:datastoreItem xmlns:ds="http://schemas.openxmlformats.org/officeDocument/2006/customXml" ds:itemID="{4443A303-689A-4436-B140-8B2DF827EBE9}">
   <ds:schemaRefs>
     <ds:schemaRef ds:uri="http://schemas.microsoft.com/office/2006/metadata/contentType"/>
@@ -47815,4 +48262,28 @@
     <ds:schemaRef ds:uri="http://schemas.microsoft.com/internal/obd"/>
   </ds:schemaRefs>
 </ds:datastoreItem>
+</file>
+
+<file path=customXml/itemProps2.xml><?xml version="1.0" encoding="utf-8"?>
+<ds:datastoreItem xmlns:ds="http://schemas.openxmlformats.org/officeDocument/2006/customXml" ds:itemID="{68A20BEC-F81B-49CD-951D-E62C4BAE7796}">
+  <ds:schemaRefs>
+    <ds:schemaRef ds:uri="http://schemas.microsoft.com/sharepoint/v3/contenttype/forms"/>
+  </ds:schemaRefs>
+</ds:datastoreItem>
+</file>
+
+<file path=customXml/itemProps3.xml><?xml version="1.0" encoding="utf-8"?>
+<ds:datastoreItem xmlns:ds="http://schemas.openxmlformats.org/officeDocument/2006/customXml" ds:itemID="{5E2F4A33-1866-4BB8-8A35-8D6BDFE8D9F5}">
+  <ds:schemaRefs>
+    <ds:schemaRef ds:uri="http://schemas.microsoft.com/office/infopath/2007/PartnerControls"/>
+    <ds:schemaRef ds:uri="http://purl.org/dc/dcmitype/"/>
+    <ds:schemaRef ds:uri="http://schemas.microsoft.com/office/2006/documentManagement/types"/>
+    <ds:schemaRef ds:uri="http://schemas.microsoft.com/office/2006/metadata/properties"/>
+    <ds:schemaRef ds:uri="http://www.w3.org/XML/1998/namespace"/>
+    <ds:schemaRef ds:uri="4f985cec-e092-4bcf-a1e1-b816bd0221d8"/>
+    <ds:schemaRef ds:uri="http://schemas.openxmlformats.org/package/2006/metadata/core-properties"/>
+    <ds:schemaRef ds:uri="http://purl.org/dc/terms/"/>
+    <ds:schemaRef ds:uri="http://purl.org/dc/elements/1.1/"/>
+  </ds:schemaRefs>
+</ds:datastoreItem>
 </file>
--- a/Courses/Software-Sciences/Module-3-Databases-New/07-Relationships-and-ER-Diagrams/07-Relationships-ER-Diagrams.pptx
+++ b/Courses/Software-Sciences/Module-3-Databases-New/07-Relationships-and-ER-Diagrams/07-Relationships-ER-Diagrams.pptx
@@ -5,10 +5,10 @@
     <p:sldMasterId id="2147483675" r:id="rId1"/>
   </p:sldMasterIdLst>
   <p:notesMasterIdLst>
-    <p:notesMasterId r:id="rId35"/>
+    <p:notesMasterId r:id="rId38"/>
   </p:notesMasterIdLst>
   <p:handoutMasterIdLst>
-    <p:handoutMasterId r:id="rId36"/>
+    <p:handoutMasterId r:id="rId39"/>
   </p:handoutMasterIdLst>
   <p:sldIdLst>
     <p:sldId id="503" r:id="rId2"/>
@@ -19,31 +19,34 @@
     <p:sldId id="524" r:id="rId7"/>
     <p:sldId id="525" r:id="rId8"/>
     <p:sldId id="526" r:id="rId9"/>
-    <p:sldId id="527" r:id="rId10"/>
-    <p:sldId id="528" r:id="rId11"/>
-    <p:sldId id="529" r:id="rId12"/>
-    <p:sldId id="535" r:id="rId13"/>
-    <p:sldId id="542" r:id="rId14"/>
-    <p:sldId id="541" r:id="rId15"/>
-    <p:sldId id="536" r:id="rId16"/>
-    <p:sldId id="537" r:id="rId17"/>
-    <p:sldId id="539" r:id="rId18"/>
-    <p:sldId id="538" r:id="rId19"/>
-    <p:sldId id="540" r:id="rId20"/>
-    <p:sldId id="530" r:id="rId21"/>
-    <p:sldId id="511" r:id="rId22"/>
-    <p:sldId id="512" r:id="rId23"/>
-    <p:sldId id="513" r:id="rId24"/>
-    <p:sldId id="514" r:id="rId25"/>
-    <p:sldId id="515" r:id="rId26"/>
-    <p:sldId id="516" r:id="rId27"/>
-    <p:sldId id="531" r:id="rId28"/>
-    <p:sldId id="532" r:id="rId29"/>
-    <p:sldId id="534" r:id="rId30"/>
-    <p:sldId id="533" r:id="rId31"/>
-    <p:sldId id="349" r:id="rId32"/>
-    <p:sldId id="504" r:id="rId33"/>
-    <p:sldId id="505" r:id="rId34"/>
+    <p:sldId id="545" r:id="rId10"/>
+    <p:sldId id="527" r:id="rId11"/>
+    <p:sldId id="528" r:id="rId12"/>
+    <p:sldId id="529" r:id="rId13"/>
+    <p:sldId id="543" r:id="rId14"/>
+    <p:sldId id="535" r:id="rId15"/>
+    <p:sldId id="542" r:id="rId16"/>
+    <p:sldId id="541" r:id="rId17"/>
+    <p:sldId id="536" r:id="rId18"/>
+    <p:sldId id="537" r:id="rId19"/>
+    <p:sldId id="539" r:id="rId20"/>
+    <p:sldId id="538" r:id="rId21"/>
+    <p:sldId id="540" r:id="rId22"/>
+    <p:sldId id="530" r:id="rId23"/>
+    <p:sldId id="511" r:id="rId24"/>
+    <p:sldId id="512" r:id="rId25"/>
+    <p:sldId id="513" r:id="rId26"/>
+    <p:sldId id="514" r:id="rId27"/>
+    <p:sldId id="515" r:id="rId28"/>
+    <p:sldId id="516" r:id="rId29"/>
+    <p:sldId id="531" r:id="rId30"/>
+    <p:sldId id="532" r:id="rId31"/>
+    <p:sldId id="534" r:id="rId32"/>
+    <p:sldId id="533" r:id="rId33"/>
+    <p:sldId id="544" r:id="rId34"/>
+    <p:sldId id="349" r:id="rId35"/>
+    <p:sldId id="504" r:id="rId36"/>
+    <p:sldId id="505" r:id="rId37"/>
   </p:sldIdLst>
   <p:sldSz cx="12192000" cy="6858000"/>
   <p:notesSz cx="6858000" cy="9144000"/>
@@ -151,7 +154,7 @@
             <p14:sldId id="276"/>
           </p14:sldIdLst>
         </p14:section>
-        <p14:section name="Видове връзки&#10;" id="{E8EDB8B4-75EE-4BFE-A22A-0B8B512B97A6}">
+        <p14:section name="Видове връзки" id="{E8EDB8B4-75EE-4BFE-A22A-0B8B512B97A6}">
           <p14:sldIdLst>
             <p14:sldId id="520"/>
             <p14:sldId id="522"/>
@@ -159,16 +162,18 @@
             <p14:sldId id="524"/>
             <p14:sldId id="525"/>
             <p14:sldId id="526"/>
+            <p14:sldId id="545"/>
           </p14:sldIdLst>
         </p14:section>
-        <p14:section name="Ограничения на целостта&#10;" id="{AE82BD26-B824-41EC-B91C-5FF26A22ABEE}">
+        <p14:section name="Ограничения на целостта" id="{AE82BD26-B824-41EC-B91C-5FF26A22ABEE}">
           <p14:sldIdLst>
             <p14:sldId id="527"/>
             <p14:sldId id="528"/>
             <p14:sldId id="529"/>
+            <p14:sldId id="543"/>
           </p14:sldIdLst>
         </p14:section>
-        <p14:section name="Каскадни операции&#10;" id="{C457FDF6-6E82-45AC-A475-97A7C4BCAFD5}">
+        <p14:section name="Каскадни операции" id="{C457FDF6-6E82-45AC-A475-97A7C4BCAFD5}">
           <p14:sldIdLst>
             <p14:sldId id="535"/>
             <p14:sldId id="542"/>
@@ -180,7 +185,7 @@
             <p14:sldId id="540"/>
           </p14:sldIdLst>
         </p14:section>
-        <p14:section name="Нормализиране на БД&#10;" id="{226DBD6B-8E6E-4B6D-822C-1E8A1B35F5CD}">
+        <p14:section name="Нормализиране на БД" id="{226DBD6B-8E6E-4B6D-822C-1E8A1B35F5CD}">
           <p14:sldIdLst>
             <p14:sldId id="530"/>
             <p14:sldId id="511"/>
@@ -197,6 +202,7 @@
             <p14:sldId id="532"/>
             <p14:sldId id="534"/>
             <p14:sldId id="533"/>
+            <p14:sldId id="544"/>
           </p14:sldIdLst>
         </p14:section>
         <p14:section name="Обобщение" id="{126D8100-68B2-4688-A452-FEA3237D26FE}">
@@ -528,7 +534,7 @@
           <a:p>
             <a:fld id="{4E087215-0C8F-4762-A664-737A353EC9A4}" type="datetimeFigureOut">
               <a:rPr lang="bg-BG" smtClean="0"/>
-              <a:t>6.10.2023 г.</a:t>
+              <a:t>16.10.2023 г.</a:t>
             </a:fld>
             <a:endParaRPr lang="bg-BG"/>
           </a:p>
@@ -724,7 +730,7 @@
           <a:p>
             <a:fld id="{72D84649-876A-46C9-8472-14CB09C070D8}" type="datetimeFigureOut">
               <a:rPr lang="en-US" smtClean="0"/>
-              <a:t>10/6/2023</a:t>
+              <a:t>16-Oct-23</a:t>
             </a:fld>
             <a:endParaRPr lang="en-US"/>
           </a:p>
@@ -1233,7 +1239,7 @@
           <a:p>
             <a:fld id="{2BF067CD-8E6B-4360-9AA8-C5DF2A48A6D1}" type="slidenum">
               <a:rPr lang="en-US" smtClean="0"/>
-              <a:t>20</a:t>
+              <a:t>22</a:t>
             </a:fld>
             <a:endParaRPr lang="en-US" dirty="0"/>
           </a:p>
@@ -1357,7 +1363,7 @@
             <a:fld id="{2BF067CD-8E6B-4360-9AA8-C5DF2A48A6D1}" type="slidenum">
               <a:rPr lang="en-US" smtClean="0"/>
               <a:pPr/>
-              <a:t>29</a:t>
+              <a:t>31</a:t>
             </a:fld>
             <a:endParaRPr lang="en-US" dirty="0"/>
           </a:p>
@@ -1497,7 +1503,7 @@
             <a:fld id="{3EBA5BD7-F043-4D1B-AA17-CD412FC534DE}" type="slidenum">
               <a:rPr lang="en-US" smtClean="0"/>
               <a:pPr/>
-              <a:t>30</a:t>
+              <a:t>32</a:t>
             </a:fld>
             <a:endParaRPr lang="en-US" dirty="0"/>
           </a:p>
@@ -1743,7 +1749,7 @@
             <a:fld id="{3EBA5BD7-F043-4D1B-AA17-CD412FC534DE}" type="slidenum">
               <a:rPr lang="en-US" smtClean="0"/>
               <a:pPr/>
-              <a:t>31</a:t>
+              <a:t>34</a:t>
             </a:fld>
             <a:endParaRPr lang="en-US" dirty="0"/>
           </a:p>
@@ -1989,7 +1995,7 @@
             <a:fld id="{3EBA5BD7-F043-4D1B-AA17-CD412FC534DE}" type="slidenum">
               <a:rPr lang="en-US" smtClean="0"/>
               <a:pPr/>
-              <a:t>32</a:t>
+              <a:t>35</a:t>
             </a:fld>
             <a:endParaRPr lang="en-US" dirty="0"/>
           </a:p>
@@ -2235,7 +2241,7 @@
             <a:fld id="{3EBA5BD7-F043-4D1B-AA17-CD412FC534DE}" type="slidenum">
               <a:rPr lang="en-US" smtClean="0"/>
               <a:pPr/>
-              <a:t>33</a:t>
+              <a:t>36</a:t>
             </a:fld>
             <a:endParaRPr lang="en-US" dirty="0"/>
           </a:p>
@@ -3055,7 +3061,7 @@
             <a:fld id="{3EBA5BD7-F043-4D1B-AA17-CD412FC534DE}" type="slidenum">
               <a:rPr lang="en-US" smtClean="0"/>
               <a:pPr/>
-              <a:t>16</a:t>
+              <a:t>18</a:t>
             </a:fld>
             <a:endParaRPr lang="en-US" dirty="0"/>
           </a:p>
@@ -3195,7 +3201,7 @@
             <a:fld id="{3EBA5BD7-F043-4D1B-AA17-CD412FC534DE}" type="slidenum">
               <a:rPr lang="en-US" smtClean="0"/>
               <a:pPr/>
-              <a:t>17</a:t>
+              <a:t>19</a:t>
             </a:fld>
             <a:endParaRPr lang="en-US" dirty="0"/>
           </a:p>
@@ -3335,7 +3341,7 @@
             <a:fld id="{3EBA5BD7-F043-4D1B-AA17-CD412FC534DE}" type="slidenum">
               <a:rPr lang="en-US" smtClean="0"/>
               <a:pPr/>
-              <a:t>18</a:t>
+              <a:t>20</a:t>
             </a:fld>
             <a:endParaRPr lang="en-US" dirty="0"/>
           </a:p>
@@ -3475,7 +3481,7 @@
             <a:fld id="{3EBA5BD7-F043-4D1B-AA17-CD412FC534DE}" type="slidenum">
               <a:rPr lang="en-US" smtClean="0"/>
               <a:pPr/>
-              <a:t>19</a:t>
+              <a:t>21</a:t>
             </a:fld>
             <a:endParaRPr lang="en-US" dirty="0"/>
           </a:p>
@@ -8865,6 +8871,130 @@
           <a:chExt cx="0" cy="0"/>
         </a:xfrm>
       </p:grpSpPr>
+      <p:pic>
+        <p:nvPicPr>
+          <p:cNvPr id="23554" name="Picture 2" descr="Barrier PNGs for Free Download"/>
+          <p:cNvPicPr>
+            <a:picLocks noChangeAspect="1" noChangeArrowheads="1"/>
+          </p:cNvPicPr>
+          <p:nvPr/>
+        </p:nvPicPr>
+        <p:blipFill>
+          <a:blip r:embed="rId2" cstate="print"/>
+          <a:srcRect/>
+          <a:stretch>
+            <a:fillRect/>
+          </a:stretch>
+        </p:blipFill>
+        <p:spPr bwMode="auto">
+          <a:xfrm>
+            <a:off x="4811295" y="1752600"/>
+            <a:ext cx="2569411" cy="1830706"/>
+          </a:xfrm>
+          <a:prstGeom prst="rect">
+            <a:avLst/>
+          </a:prstGeom>
+          <a:noFill/>
+        </p:spPr>
+      </p:pic>
+      <p:sp>
+        <p:nvSpPr>
+          <p:cNvPr id="5" name="Подзаглавие 4">
+            <a:extLst>
+              <a:ext uri="{FF2B5EF4-FFF2-40B4-BE49-F238E27FC236}">
+                <a16:creationId xmlns:a16="http://schemas.microsoft.com/office/drawing/2014/main" id="{69B2A810-B99C-31DF-53A7-5E4F08E19CEA}"/>
+              </a:ext>
+            </a:extLst>
+          </p:cNvPr>
+          <p:cNvSpPr>
+            <a:spLocks noGrp="1"/>
+          </p:cNvSpPr>
+          <p:nvPr>
+            <p:ph type="subTitle" sz="quarter" idx="11"/>
+          </p:nvPr>
+        </p:nvSpPr>
+        <p:spPr/>
+        <p:txBody>
+          <a:bodyPr/>
+          <a:lstStyle/>
+          <a:p>
+            <a:r>
+              <a:rPr lang="en-US" dirty="0"/>
+              <a:t>Integrity Constraints: </a:t>
+            </a:r>
+            <a:r>
+              <a:rPr lang="bg-BG" dirty="0"/>
+              <a:t>правила и проверки</a:t>
+            </a:r>
+          </a:p>
+        </p:txBody>
+      </p:sp>
+      <p:sp>
+        <p:nvSpPr>
+          <p:cNvPr id="7" name="Заглавие 6">
+            <a:extLst>
+              <a:ext uri="{FF2B5EF4-FFF2-40B4-BE49-F238E27FC236}">
+                <a16:creationId xmlns:a16="http://schemas.microsoft.com/office/drawing/2014/main" id="{CD4451EC-8944-6BC8-BC45-23E0FD1012D6}"/>
+              </a:ext>
+            </a:extLst>
+          </p:cNvPr>
+          <p:cNvSpPr>
+            <a:spLocks noGrp="1"/>
+          </p:cNvSpPr>
+          <p:nvPr>
+            <p:ph type="title" sz="quarter" idx="10"/>
+          </p:nvPr>
+        </p:nvSpPr>
+        <p:spPr/>
+        <p:txBody>
+          <a:bodyPr/>
+          <a:lstStyle/>
+          <a:p>
+            <a:r>
+              <a:rPr lang="bg-BG" dirty="0"/>
+              <a:t>Ограничение на целостта</a:t>
+            </a:r>
+          </a:p>
+        </p:txBody>
+      </p:sp>
+    </p:spTree>
+    <p:extLst>
+      <p:ext uri="{BB962C8B-B14F-4D97-AF65-F5344CB8AC3E}">
+        <p14:creationId xmlns:p14="http://schemas.microsoft.com/office/powerpoint/2010/main" val="4288684798"/>
+      </p:ext>
+    </p:extLst>
+  </p:cSld>
+  <p:clrMapOvr>
+    <a:masterClrMapping/>
+  </p:clrMapOvr>
+  <mc:AlternateContent xmlns:mc="http://schemas.openxmlformats.org/markup-compatibility/2006" xmlns:p14="http://schemas.microsoft.com/office/powerpoint/2010/main">
+    <mc:Choice Requires="p14">
+      <p:transition spd="slow" p14:dur="2000" advClick="0" advTm="5000"/>
+    </mc:Choice>
+    <mc:Fallback xmlns="">
+      <p:transition spd="slow" advClick="0" advTm="5000"/>
+    </mc:Fallback>
+  </mc:AlternateContent>
+</p:sld>
+</file>
+
+<file path=ppt/slides/slide11.xml><?xml version="1.0" encoding="utf-8"?>
+<p:sld xmlns:a="http://schemas.openxmlformats.org/drawingml/2006/main" xmlns:r="http://schemas.openxmlformats.org/officeDocument/2006/relationships" xmlns:p="http://schemas.openxmlformats.org/presentationml/2006/main">
+  <p:cSld>
+    <p:spTree>
+      <p:nvGrpSpPr>
+        <p:cNvPr id="1" name=""/>
+        <p:cNvGrpSpPr/>
+        <p:nvPr/>
+      </p:nvGrpSpPr>
+      <p:grpSpPr>
+        <a:xfrm>
+          <a:off x="0" y="0"/>
+          <a:ext cx="0" cy="0"/>
+          <a:chOff x="0" y="0"/>
+          <a:chExt cx="0" cy="0"/>
+        </a:xfrm>
+      </p:grpSpPr>
       <p:sp>
         <p:nvSpPr>
           <p:cNvPr id="498691" name="Rectangle 3"/>
@@ -8960,6 +9090,31 @@
               </a:rPr>
               <a:t>първичен ключ</a:t>
             </a:r>
+            <a:r>
+              <a:rPr lang="bg-BG" dirty="0">
+                <a:solidFill>
+                  <a:schemeClr val="tx2">
+                    <a:lumMod val="75000"/>
+                  </a:schemeClr>
+                </a:solidFill>
+              </a:rPr>
+              <a:t> </a:t>
+            </a:r>
+            <a:r>
+              <a:rPr lang="en-US" dirty="0">
+                <a:solidFill>
+                  <a:schemeClr val="tx2">
+                    <a:lumMod val="75000"/>
+                  </a:schemeClr>
+                </a:solidFill>
+              </a:rPr>
+              <a:t>(primary key constraint)</a:t>
+            </a:r>
+            <a:endParaRPr lang="bg-BG" b="1" dirty="0">
+              <a:solidFill>
+                <a:schemeClr val="bg1"/>
+              </a:solidFill>
+            </a:endParaRPr>
           </a:p>
           <a:p>
             <a:pPr lvl="1">
@@ -8993,9 +9148,12 @@
             </a:r>
             <a:r>
               <a:rPr lang="ru-RU" dirty="0"/>
-              <a:t> в нея</a:t>
-            </a:r>
-            <a:endParaRPr lang="en-US" dirty="0"/>
+              <a:t> в </a:t>
+            </a:r>
+            <a:r>
+              <a:rPr lang="bg-BG" dirty="0"/>
+              <a:t>нея</a:t>
+            </a:r>
           </a:p>
           <a:p>
             <a:pPr>
@@ -9018,6 +9176,21 @@
               <a:rPr lang="bg-BG" dirty="0"/>
               <a:t>ограничение</a:t>
             </a:r>
+            <a:r>
+              <a:rPr lang="en-US" dirty="0"/>
+              <a:t> </a:t>
+            </a:r>
+            <a:r>
+              <a:rPr lang="en-US" dirty="0">
+                <a:solidFill>
+                  <a:schemeClr val="tx2">
+                    <a:lumMod val="75000"/>
+                  </a:schemeClr>
+                </a:solidFill>
+              </a:rPr>
+              <a:t>(unique key constraint)</a:t>
+            </a:r>
+            <a:endParaRPr lang="bg-BG" dirty="0"/>
           </a:p>
           <a:p>
             <a:pPr lvl="1">
@@ -9120,7 +9293,7 @@
             <a:fld id="{2BF067CD-8E6B-4360-9AA8-C5DF2A48A6D1}" type="slidenum">
               <a:rPr lang="en-US" noProof="0" smtClean="0"/>
               <a:pPr/>
-              <a:t>10</a:t>
+              <a:t>11</a:t>
             </a:fld>
             <a:endParaRPr lang="en-US" noProof="0" dirty="0"/>
           </a:p>
@@ -9330,7 +9503,7 @@
 </p:sld>
 </file>
 
-<file path=ppt/slides/slide11.xml><?xml version="1.0" encoding="utf-8"?>
+<file path=ppt/slides/slide12.xml><?xml version="1.0" encoding="utf-8"?>
 <p:sld xmlns:a="http://schemas.openxmlformats.org/drawingml/2006/main" xmlns:r="http://schemas.openxmlformats.org/officeDocument/2006/relationships" xmlns:p="http://schemas.openxmlformats.org/presentationml/2006/main">
   <p:cSld>
     <p:spTree>
@@ -9393,6 +9566,29 @@
               </a:rPr>
               <a:t>външен ключ</a:t>
             </a:r>
+            <a:r>
+              <a:rPr lang="en-US" b="1" dirty="0">
+                <a:solidFill>
+                  <a:schemeClr val="bg1"/>
+                </a:solidFill>
+              </a:rPr>
+              <a:t> </a:t>
+            </a:r>
+            <a:r>
+              <a:rPr lang="en-US" dirty="0">
+                <a:solidFill>
+                  <a:schemeClr val="tx2">
+                    <a:lumMod val="75000"/>
+                  </a:schemeClr>
+                </a:solidFill>
+              </a:rPr>
+              <a:t>(foreign key constraint)</a:t>
+            </a:r>
+            <a:endParaRPr lang="bg-BG" b="1" dirty="0">
+              <a:solidFill>
+                <a:schemeClr val="bg1"/>
+              </a:solidFill>
+            </a:endParaRPr>
           </a:p>
           <a:p>
             <a:pPr lvl="1"/>
@@ -9451,6 +9647,23 @@
               </a:rPr>
               <a:t>ограничение</a:t>
             </a:r>
+            <a:r>
+              <a:rPr lang="en-US" dirty="0">
+                <a:solidFill>
+                  <a:schemeClr val="tx2">
+                    <a:lumMod val="75000"/>
+                  </a:schemeClr>
+                </a:solidFill>
+              </a:rPr>
+              <a:t> (check constraint)</a:t>
+            </a:r>
+            <a:endParaRPr lang="bg-BG" dirty="0">
+              <a:solidFill>
+                <a:schemeClr val="tx2">
+                  <a:lumMod val="75000"/>
+                </a:schemeClr>
+              </a:solidFill>
+            </a:endParaRPr>
           </a:p>
           <a:p>
             <a:pPr lvl="1"/>
@@ -9683,7 +9896,7 @@
             <a:fld id="{2BF067CD-8E6B-4360-9AA8-C5DF2A48A6D1}" type="slidenum">
               <a:rPr lang="en-US" noProof="0" smtClean="0"/>
               <a:pPr/>
-              <a:t>11</a:t>
+              <a:t>12</a:t>
             </a:fld>
             <a:endParaRPr lang="en-US" noProof="0" dirty="0"/>
           </a:p>
@@ -9938,7 +10151,340 @@
 </p:sld>
 </file>
 
-<file path=ppt/slides/slide12.xml><?xml version="1.0" encoding="utf-8"?>
+<file path=ppt/slides/slide13.xml><?xml version="1.0" encoding="utf-8"?>
+<p:sld xmlns:a="http://schemas.openxmlformats.org/drawingml/2006/main" xmlns:r="http://schemas.openxmlformats.org/officeDocument/2006/relationships" xmlns:p="http://schemas.openxmlformats.org/presentationml/2006/main">
+  <p:cSld>
+    <p:spTree>
+      <p:nvGrpSpPr>
+        <p:cNvPr id="1" name=""/>
+        <p:cNvGrpSpPr/>
+        <p:nvPr/>
+      </p:nvGrpSpPr>
+      <p:grpSpPr>
+        <a:xfrm>
+          <a:off x="0" y="0"/>
+          <a:ext cx="0" cy="0"/>
+          <a:chOff x="0" y="0"/>
+          <a:chExt cx="0" cy="0"/>
+        </a:xfrm>
+      </p:grpSpPr>
+      <p:sp>
+        <p:nvSpPr>
+          <p:cNvPr id="2" name="Slide Number Placeholder 1">
+            <a:extLst>
+              <a:ext uri="{FF2B5EF4-FFF2-40B4-BE49-F238E27FC236}">
+                <a16:creationId xmlns:a16="http://schemas.microsoft.com/office/drawing/2014/main" id="{404A3EBF-B2EB-F730-A836-37089F668103}"/>
+              </a:ext>
+            </a:extLst>
+          </p:cNvPr>
+          <p:cNvSpPr>
+            <a:spLocks noGrp="1"/>
+          </p:cNvSpPr>
+          <p:nvPr>
+            <p:ph type="sldNum" sz="quarter" idx="5"/>
+          </p:nvPr>
+        </p:nvSpPr>
+        <p:spPr/>
+        <p:txBody>
+          <a:bodyPr/>
+          <a:lstStyle/>
+          <a:p>
+            <a:fld id="{2BF067CD-8E6B-4360-9AA8-C5DF2A48A6D1}" type="slidenum">
+              <a:rPr lang="en-US" noProof="0" smtClean="0"/>
+              <a:pPr/>
+              <a:t>13</a:t>
+            </a:fld>
+            <a:endParaRPr lang="en-US" noProof="0" dirty="0"/>
+          </a:p>
+        </p:txBody>
+      </p:sp>
+      <p:sp>
+        <p:nvSpPr>
+          <p:cNvPr id="3" name="Text Placeholder 2">
+            <a:extLst>
+              <a:ext uri="{FF2B5EF4-FFF2-40B4-BE49-F238E27FC236}">
+                <a16:creationId xmlns:a16="http://schemas.microsoft.com/office/drawing/2014/main" id="{B14FD760-90E0-2D71-BCCA-5D46A08956FD}"/>
+              </a:ext>
+            </a:extLst>
+          </p:cNvPr>
+          <p:cNvSpPr>
+            <a:spLocks noGrp="1"/>
+          </p:cNvSpPr>
+          <p:nvPr>
+            <p:ph type="body" sz="quarter" idx="10"/>
+          </p:nvPr>
+        </p:nvSpPr>
+        <p:spPr/>
+        <p:txBody>
+          <a:bodyPr/>
+          <a:lstStyle/>
+          <a:p>
+            <a:endParaRPr lang="en-US"/>
+          </a:p>
+        </p:txBody>
+      </p:sp>
+      <p:sp>
+        <p:nvSpPr>
+          <p:cNvPr id="4" name="Title 3">
+            <a:extLst>
+              <a:ext uri="{FF2B5EF4-FFF2-40B4-BE49-F238E27FC236}">
+                <a16:creationId xmlns:a16="http://schemas.microsoft.com/office/drawing/2014/main" id="{AA64540A-9A6F-1F96-719E-23B1225F4FC0}"/>
+              </a:ext>
+            </a:extLst>
+          </p:cNvPr>
+          <p:cNvSpPr>
+            <a:spLocks noGrp="1"/>
+          </p:cNvSpPr>
+          <p:nvPr>
+            <p:ph type="title"/>
+          </p:nvPr>
+        </p:nvSpPr>
+        <p:spPr/>
+        <p:txBody>
+          <a:bodyPr/>
+          <a:lstStyle/>
+          <a:p>
+            <a:endParaRPr lang="en-US" dirty="0"/>
+          </a:p>
+        </p:txBody>
+      </p:sp>
+      <p:sp>
+        <p:nvSpPr>
+          <p:cNvPr id="5" name="Rectangle: Rounded Corners 4">
+            <a:extLst>
+              <a:ext uri="{FF2B5EF4-FFF2-40B4-BE49-F238E27FC236}">
+                <a16:creationId xmlns:a16="http://schemas.microsoft.com/office/drawing/2014/main" id="{4D0EE611-F18B-FE0C-1809-6B09D18E5D5F}"/>
+              </a:ext>
+            </a:extLst>
+          </p:cNvPr>
+          <p:cNvSpPr/>
+          <p:nvPr/>
+        </p:nvSpPr>
+        <p:spPr bwMode="auto">
+          <a:xfrm>
+            <a:off x="2001946" y="1255047"/>
+            <a:ext cx="9088108" cy="5145580"/>
+          </a:xfrm>
+          <a:prstGeom prst="roundRect">
+            <a:avLst/>
+          </a:prstGeom>
+          <a:ln/>
+        </p:spPr>
+        <p:style>
+          <a:lnRef idx="2">
+            <a:schemeClr val="accent2"/>
+          </a:lnRef>
+          <a:fillRef idx="1">
+            <a:schemeClr val="lt1"/>
+          </a:fillRef>
+          <a:effectRef idx="0">
+            <a:schemeClr val="accent2"/>
+          </a:effectRef>
+          <a:fontRef idx="minor">
+            <a:schemeClr val="dk1"/>
+          </a:fontRef>
+        </p:style>
+        <p:txBody>
+          <a:bodyPr rot="0" spcFirstLastPara="0" vertOverflow="overflow" horzOverflow="overflow" vert="horz" wrap="square" lIns="91440" tIns="45720" rIns="91440" bIns="45720" numCol="1" spcCol="0" rtlCol="0" fromWordArt="0" anchor="ctr" anchorCtr="0" forceAA="0" compatLnSpc="1">
+            <a:prstTxWarp prst="textNoShape">
+              <a:avLst/>
+            </a:prstTxWarp>
+            <a:noAutofit/>
+          </a:bodyPr>
+          <a:lstStyle/>
+          <a:p>
+            <a:pPr algn="ctr"/>
+            <a:r>
+              <a:rPr lang="en-US" sz="4000" b="1" dirty="0">
+                <a:solidFill>
+                  <a:srgbClr val="FFFFFF"/>
+                </a:solidFill>
+                <a:effectLst>
+                  <a:outerShdw blurRad="38100" dist="38100" dir="2700000" algn="tl">
+                    <a:srgbClr val="000000">
+                      <a:alpha val="43137"/>
+                    </a:srgbClr>
+                  </a:outerShdw>
+                </a:effectLst>
+              </a:rPr>
+              <a:t>TODO: </a:t>
+            </a:r>
+            <a:r>
+              <a:rPr lang="bg-BG" sz="4000" b="1" dirty="0">
+                <a:solidFill>
+                  <a:srgbClr val="FFFFFF"/>
+                </a:solidFill>
+                <a:effectLst>
+                  <a:outerShdw blurRad="38100" dist="38100" dir="2700000" algn="tl">
+                    <a:srgbClr val="000000">
+                      <a:alpha val="43137"/>
+                    </a:srgbClr>
+                  </a:outerShdw>
+                </a:effectLst>
+              </a:rPr>
+              <a:t>примери</a:t>
+            </a:r>
+            <a:br>
+              <a:rPr lang="bg-BG" sz="4000" b="1" dirty="0">
+                <a:solidFill>
+                  <a:srgbClr val="FFFFFF"/>
+                </a:solidFill>
+                <a:effectLst>
+                  <a:outerShdw blurRad="38100" dist="38100" dir="2700000" algn="tl">
+                    <a:srgbClr val="000000">
+                      <a:alpha val="43137"/>
+                    </a:srgbClr>
+                  </a:outerShdw>
+                </a:effectLst>
+              </a:rPr>
+            </a:br>
+            <a:br>
+              <a:rPr lang="bg-BG" sz="4000" b="1" dirty="0">
+                <a:solidFill>
+                  <a:srgbClr val="FFFFFF"/>
+                </a:solidFill>
+                <a:effectLst>
+                  <a:outerShdw blurRad="38100" dist="38100" dir="2700000" algn="tl">
+                    <a:srgbClr val="000000">
+                      <a:alpha val="43137"/>
+                    </a:srgbClr>
+                  </a:outerShdw>
+                </a:effectLst>
+              </a:rPr>
+            </a:br>
+            <a:r>
+              <a:rPr lang="bg-BG" sz="4000" b="1" dirty="0">
+                <a:solidFill>
+                  <a:srgbClr val="FFFFFF"/>
+                </a:solidFill>
+                <a:effectLst>
+                  <a:outerShdw blurRad="38100" dist="38100" dir="2700000" algn="tl">
+                    <a:srgbClr val="000000">
+                      <a:alpha val="43137"/>
+                    </a:srgbClr>
+                  </a:outerShdw>
+                </a:effectLst>
+              </a:rPr>
+              <a:t>Някакъв код, с който се създават тези </a:t>
+            </a:r>
+            <a:r>
+              <a:rPr lang="en-US" sz="4000" b="1" dirty="0">
+                <a:solidFill>
+                  <a:srgbClr val="FFFFFF"/>
+                </a:solidFill>
+                <a:effectLst>
+                  <a:outerShdw blurRad="38100" dist="38100" dir="2700000" algn="tl">
+                    <a:srgbClr val="000000">
+                      <a:alpha val="43137"/>
+                    </a:srgbClr>
+                  </a:outerShdw>
+                </a:effectLst>
+              </a:rPr>
+              <a:t>constraints</a:t>
+            </a:r>
+          </a:p>
+          <a:p>
+            <a:pPr algn="ctr"/>
+            <a:endParaRPr lang="en-US" sz="4000" b="1" dirty="0">
+              <a:solidFill>
+                <a:srgbClr val="FFFFFF"/>
+              </a:solidFill>
+              <a:effectLst>
+                <a:outerShdw blurRad="38100" dist="38100" dir="2700000" algn="tl">
+                  <a:srgbClr val="000000">
+                    <a:alpha val="43137"/>
+                  </a:srgbClr>
+                </a:outerShdw>
+              </a:effectLst>
+            </a:endParaRPr>
+          </a:p>
+          <a:p>
+            <a:pPr algn="ctr"/>
+            <a:r>
+              <a:rPr lang="bg-BG" sz="4000" b="1" dirty="0">
+                <a:solidFill>
+                  <a:srgbClr val="FFFFFF"/>
+                </a:solidFill>
+                <a:effectLst>
+                  <a:outerShdw blurRad="38100" dist="38100" dir="2700000" algn="tl">
+                    <a:srgbClr val="000000">
+                      <a:alpha val="43137"/>
+                    </a:srgbClr>
+                  </a:outerShdw>
+                </a:effectLst>
+              </a:rPr>
+              <a:t>Може и </a:t>
+            </a:r>
+            <a:r>
+              <a:rPr lang="en-US" sz="4000" b="1" dirty="0">
+                <a:solidFill>
+                  <a:srgbClr val="FFFFFF"/>
+                </a:solidFill>
+                <a:effectLst>
+                  <a:outerShdw blurRad="38100" dist="38100" dir="2700000" algn="tl">
+                    <a:srgbClr val="000000">
+                      <a:alpha val="43137"/>
+                    </a:srgbClr>
+                  </a:outerShdw>
+                </a:effectLst>
+              </a:rPr>
+              <a:t>screenshot </a:t>
+            </a:r>
+            <a:r>
+              <a:rPr lang="bg-BG" sz="4000" b="1" dirty="0">
+                <a:solidFill>
+                  <a:srgbClr val="FFFFFF"/>
+                </a:solidFill>
+                <a:effectLst>
+                  <a:outerShdw blurRad="38100" dist="38100" dir="2700000" algn="tl">
+                    <a:srgbClr val="000000">
+                      <a:alpha val="43137"/>
+                    </a:srgbClr>
+                  </a:outerShdw>
+                </a:effectLst>
+              </a:rPr>
+              <a:t>от </a:t>
+            </a:r>
+            <a:r>
+              <a:rPr lang="en-US" sz="4000" b="1" dirty="0">
+                <a:solidFill>
+                  <a:srgbClr val="FFFFFF"/>
+                </a:solidFill>
+                <a:effectLst>
+                  <a:outerShdw blurRad="38100" dist="38100" dir="2700000" algn="tl">
+                    <a:srgbClr val="000000">
+                      <a:alpha val="43137"/>
+                    </a:srgbClr>
+                  </a:outerShdw>
+                </a:effectLst>
+              </a:rPr>
+              <a:t>SQL Server Management Studio.</a:t>
+            </a:r>
+          </a:p>
+        </p:txBody>
+      </p:sp>
+    </p:spTree>
+    <p:extLst>
+      <p:ext uri="{BB962C8B-B14F-4D97-AF65-F5344CB8AC3E}">
+        <p14:creationId xmlns:p14="http://schemas.microsoft.com/office/powerpoint/2010/main" val="1587377616"/>
+      </p:ext>
+    </p:extLst>
+  </p:cSld>
+  <p:clrMapOvr>
+    <a:masterClrMapping/>
+  </p:clrMapOvr>
+  <mc:AlternateContent xmlns:mc="http://schemas.openxmlformats.org/markup-compatibility/2006" xmlns:p14="http://schemas.microsoft.com/office/powerpoint/2010/main">
+    <mc:Choice Requires="p14">
+      <p:transition spd="slow" p14:dur="2000" advClick="0" advTm="5000"/>
+    </mc:Choice>
+    <mc:Fallback xmlns="">
+      <p:transition spd="slow" advClick="0" advTm="5000"/>
+    </mc:Fallback>
+  </mc:AlternateContent>
+</p:sld>
+</file>
+
+<file path=ppt/slides/slide14.xml><?xml version="1.0" encoding="utf-8"?>
 <p:sld xmlns:a="http://schemas.openxmlformats.org/drawingml/2006/main" xmlns:r="http://schemas.openxmlformats.org/officeDocument/2006/relationships" xmlns:p="http://schemas.openxmlformats.org/presentationml/2006/main">
   <p:cSld>
     <p:spTree>
@@ -10090,7 +10636,7 @@
 </p:sld>
 </file>
 
-<file path=ppt/slides/slide13.xml><?xml version="1.0" encoding="utf-8"?>
+<file path=ppt/slides/slide15.xml><?xml version="1.0" encoding="utf-8"?>
 <p:sld xmlns:a="http://schemas.openxmlformats.org/drawingml/2006/main" xmlns:r="http://schemas.openxmlformats.org/officeDocument/2006/relationships" xmlns:p="http://schemas.openxmlformats.org/presentationml/2006/main">
   <p:cSld>
     <p:spTree>
@@ -10306,7 +10852,7 @@
             <a:fld id="{2BF067CD-8E6B-4360-9AA8-C5DF2A48A6D1}" type="slidenum">
               <a:rPr lang="en-US" noProof="0" smtClean="0"/>
               <a:pPr/>
-              <a:t>13</a:t>
+              <a:t>15</a:t>
             </a:fld>
             <a:endParaRPr lang="en-US" noProof="0" dirty="0"/>
           </a:p>
@@ -10446,7 +10992,7 @@
 </p:sld>
 </file>
 
-<file path=ppt/slides/slide14.xml><?xml version="1.0" encoding="utf-8"?>
+<file path=ppt/slides/slide16.xml><?xml version="1.0" encoding="utf-8"?>
 <p:sld xmlns:a="http://schemas.openxmlformats.org/drawingml/2006/main" xmlns:r="http://schemas.openxmlformats.org/officeDocument/2006/relationships" xmlns:p="http://schemas.openxmlformats.org/presentationml/2006/main">
   <p:cSld>
     <p:spTree>
@@ -10486,11 +11032,11 @@
           <a:lstStyle/>
           <a:p>
             <a:r>
-              <a:rPr lang="ru-RU" dirty="0"/>
+              <a:rPr lang="bg-BG" dirty="0"/>
               <a:t>Позволява, когато се направи </a:t>
             </a:r>
             <a:r>
-              <a:rPr lang="ru-RU" b="1" dirty="0">
+              <a:rPr lang="bg-BG" b="1" dirty="0">
                 <a:solidFill>
                   <a:schemeClr val="bg1"/>
                 </a:solidFill>
@@ -10498,11 +11044,11 @@
               <a:t>промяна</a:t>
             </a:r>
             <a:r>
-              <a:rPr lang="ru-RU" dirty="0"/>
+              <a:rPr lang="bg-BG" dirty="0"/>
               <a:t> в определен обект, тази промяна да се приложи към </a:t>
             </a:r>
             <a:r>
-              <a:rPr lang="ru-RU" b="1" dirty="0">
+              <a:rPr lang="bg-BG" b="1" dirty="0">
                 <a:solidFill>
                   <a:schemeClr val="bg1"/>
                 </a:solidFill>
@@ -10510,11 +11056,11 @@
               <a:t>всички</a:t>
             </a:r>
             <a:r>
-              <a:rPr lang="ru-RU" dirty="0"/>
+              <a:rPr lang="bg-BG" dirty="0"/>
               <a:t> </a:t>
             </a:r>
             <a:r>
-              <a:rPr lang="ru-RU" b="1" dirty="0" err="1">
+              <a:rPr lang="bg-BG" b="1" dirty="0">
                 <a:solidFill>
                   <a:schemeClr val="bg1"/>
                 </a:solidFill>
@@ -10522,22 +11068,17 @@
               <a:t>свързани</a:t>
             </a:r>
             <a:r>
-              <a:rPr lang="ru-RU" dirty="0"/>
+              <a:rPr lang="bg-BG" dirty="0"/>
               <a:t> </a:t>
             </a:r>
             <a:r>
-              <a:rPr lang="ru-RU" b="1" dirty="0" err="1">
+              <a:rPr lang="bg-BG" b="1" dirty="0">
                 <a:solidFill>
                   <a:schemeClr val="bg1"/>
                 </a:solidFill>
               </a:rPr>
               <a:t>обекти</a:t>
             </a:r>
-            <a:endParaRPr lang="ru-RU" b="1" dirty="0">
-              <a:solidFill>
-                <a:schemeClr val="bg1"/>
-              </a:solidFill>
-            </a:endParaRPr>
           </a:p>
           <a:p>
             <a:pPr>
@@ -10555,11 +11096,7 @@
             </a:r>
             <a:r>
               <a:rPr lang="bg-BG" dirty="0"/>
-              <a:t>може да бъде или</a:t>
-            </a:r>
-            <a:r>
-              <a:rPr lang="en-US" dirty="0"/>
-              <a:t> </a:t>
+              <a:t>може да бъде или </a:t>
             </a:r>
             <a:r>
               <a:rPr lang="bg-BG" b="1" dirty="0">
@@ -10593,7 +11130,7 @@
               </a:rPr>
               <a:t>променянето</a:t>
             </a:r>
-            <a:endParaRPr lang="en-US" dirty="0"/>
+            <a:endParaRPr lang="bg-BG" dirty="0"/>
           </a:p>
           <a:p>
             <a:pPr marL="0" indent="0">
@@ -10780,7 +11317,7 @@
             <a:fld id="{2BF067CD-8E6B-4360-9AA8-C5DF2A48A6D1}" type="slidenum">
               <a:rPr lang="en-US" smtClean="0"/>
               <a:pPr/>
-              <a:t>14</a:t>
+              <a:t>16</a:t>
             </a:fld>
             <a:endParaRPr lang="en-US" dirty="0"/>
           </a:p>
@@ -10886,7 +11423,7 @@
 </p:sld>
 </file>
 
-<file path=ppt/slides/slide15.xml><?xml version="1.0" encoding="utf-8"?>
+<file path=ppt/slides/slide17.xml><?xml version="1.0" encoding="utf-8"?>
 <p:sld xmlns:a="http://schemas.openxmlformats.org/drawingml/2006/main" xmlns:r="http://schemas.openxmlformats.org/officeDocument/2006/relationships" xmlns:p="http://schemas.openxmlformats.org/presentationml/2006/main">
   <p:cSld>
     <p:spTree>
@@ -12010,7 +12547,7 @@
             <a:fld id="{2BF067CD-8E6B-4360-9AA8-C5DF2A48A6D1}" type="slidenum">
               <a:rPr lang="en-US" noProof="0" smtClean="0"/>
               <a:pPr/>
-              <a:t>15</a:t>
+              <a:t>17</a:t>
             </a:fld>
             <a:endParaRPr lang="en-US" noProof="0" dirty="0"/>
           </a:p>
@@ -12412,7 +12949,7 @@
 </p:sld>
 </file>
 
-<file path=ppt/slides/slide16.xml><?xml version="1.0" encoding="utf-8"?>
+<file path=ppt/slides/slide18.xml><?xml version="1.0" encoding="utf-8"?>
 <p:sld xmlns:a="http://schemas.openxmlformats.org/drawingml/2006/main" xmlns:r="http://schemas.openxmlformats.org/officeDocument/2006/relationships" xmlns:p="http://schemas.openxmlformats.org/presentationml/2006/main">
   <p:cSld>
     <p:spTree>
@@ -12680,7 +13217,7 @@
             <a:fld id="{2BF067CD-8E6B-4360-9AA8-C5DF2A48A6D1}" type="slidenum">
               <a:rPr lang="en-US" noProof="0" smtClean="0"/>
               <a:pPr/>
-              <a:t>16</a:t>
+              <a:t>18</a:t>
             </a:fld>
             <a:endParaRPr lang="en-US" noProof="0" dirty="0"/>
           </a:p>
@@ -12897,7 +13434,7 @@
 </p:sld>
 </file>
 
-<file path=ppt/slides/slide17.xml><?xml version="1.0" encoding="utf-8"?>
+<file path=ppt/slides/slide19.xml><?xml version="1.0" encoding="utf-8"?>
 <p:sld xmlns:a="http://schemas.openxmlformats.org/drawingml/2006/main" xmlns:r="http://schemas.openxmlformats.org/officeDocument/2006/relationships" xmlns:p="http://schemas.openxmlformats.org/presentationml/2006/main">
   <p:cSld>
     <p:spTree>
@@ -13376,7 +13913,7 @@
             <a:fld id="{2BF067CD-8E6B-4360-9AA8-C5DF2A48A6D1}" type="slidenum">
               <a:rPr lang="en-US" noProof="0" smtClean="0"/>
               <a:pPr/>
-              <a:t>17</a:t>
+              <a:t>19</a:t>
             </a:fld>
             <a:endParaRPr lang="en-US" noProof="0" dirty="0"/>
           </a:p>
@@ -13386,1228 +13923,6 @@
     <p:extLst>
       <p:ext uri="{BB962C8B-B14F-4D97-AF65-F5344CB8AC3E}">
         <p14:creationId xmlns:p14="http://schemas.microsoft.com/office/powerpoint/2010/main" val="3690846706"/>
-      </p:ext>
-    </p:extLst>
-  </p:cSld>
-  <p:clrMapOvr>
-    <a:masterClrMapping/>
-  </p:clrMapOvr>
-  <p:transition/>
-  <p:timing>
-    <p:tnLst>
-      <p:par>
-        <p:cTn id="1" dur="indefinite" restart="never" nodeType="tmRoot">
-          <p:childTnLst>
-            <p:seq concurrent="1" nextAc="seek">
-              <p:cTn id="2" dur="indefinite" nodeType="mainSeq">
-                <p:childTnLst>
-                  <p:par>
-                    <p:cTn id="3" fill="hold">
-                      <p:stCondLst>
-                        <p:cond delay="indefinite"/>
-                      </p:stCondLst>
-                      <p:childTnLst>
-                        <p:par>
-                          <p:cTn id="4" fill="hold">
-                            <p:stCondLst>
-                              <p:cond delay="0"/>
-                            </p:stCondLst>
-                            <p:childTnLst>
-                              <p:par>
-                                <p:cTn id="5" presetID="1" presetClass="entr" presetSubtype="0" fill="hold" nodeType="clickEffect">
-                                  <p:stCondLst>
-                                    <p:cond delay="0"/>
-                                  </p:stCondLst>
-                                  <p:childTnLst>
-                                    <p:set>
-                                      <p:cBhvr>
-                                        <p:cTn id="6" dur="1" fill="hold">
-                                          <p:stCondLst>
-                                            <p:cond delay="0"/>
-                                          </p:stCondLst>
-                                        </p:cTn>
-                                        <p:tgtEl>
-                                          <p:spTgt spid="10">
-                                            <p:txEl>
-                                              <p:pRg st="5" end="5"/>
-                                            </p:txEl>
-                                          </p:spTgt>
-                                        </p:tgtEl>
-                                        <p:attrNameLst>
-                                          <p:attrName>style.visibility</p:attrName>
-                                        </p:attrNameLst>
-                                      </p:cBhvr>
-                                      <p:to>
-                                        <p:strVal val="visible"/>
-                                      </p:to>
-                                    </p:set>
-                                  </p:childTnLst>
-                                </p:cTn>
-                              </p:par>
-                              <p:par>
-                                <p:cTn id="7" presetID="1" presetClass="entr" presetSubtype="0" fill="hold" nodeType="withEffect">
-                                  <p:stCondLst>
-                                    <p:cond delay="0"/>
-                                  </p:stCondLst>
-                                  <p:childTnLst>
-                                    <p:set>
-                                      <p:cBhvr>
-                                        <p:cTn id="8" dur="1" fill="hold">
-                                          <p:stCondLst>
-                                            <p:cond delay="0"/>
-                                          </p:stCondLst>
-                                        </p:cTn>
-                                        <p:tgtEl>
-                                          <p:spTgt spid="10">
-                                            <p:txEl>
-                                              <p:pRg st="6" end="6"/>
-                                            </p:txEl>
-                                          </p:spTgt>
-                                        </p:tgtEl>
-                                        <p:attrNameLst>
-                                          <p:attrName>style.visibility</p:attrName>
-                                        </p:attrNameLst>
-                                      </p:cBhvr>
-                                      <p:to>
-                                        <p:strVal val="visible"/>
-                                      </p:to>
-                                    </p:set>
-                                  </p:childTnLst>
-                                </p:cTn>
-                              </p:par>
-                              <p:par>
-                                <p:cTn id="9" presetID="1" presetClass="entr" presetSubtype="0" fill="hold" nodeType="withEffect">
-                                  <p:stCondLst>
-                                    <p:cond delay="0"/>
-                                  </p:stCondLst>
-                                  <p:childTnLst>
-                                    <p:set>
-                                      <p:cBhvr>
-                                        <p:cTn id="10" dur="1" fill="hold">
-                                          <p:stCondLst>
-                                            <p:cond delay="0"/>
-                                          </p:stCondLst>
-                                        </p:cTn>
-                                        <p:tgtEl>
-                                          <p:spTgt spid="10">
-                                            <p:txEl>
-                                              <p:pRg st="7" end="7"/>
-                                            </p:txEl>
-                                          </p:spTgt>
-                                        </p:tgtEl>
-                                        <p:attrNameLst>
-                                          <p:attrName>style.visibility</p:attrName>
-                                        </p:attrNameLst>
-                                      </p:cBhvr>
-                                      <p:to>
-                                        <p:strVal val="visible"/>
-                                      </p:to>
-                                    </p:set>
-                                  </p:childTnLst>
-                                </p:cTn>
-                              </p:par>
-                              <p:par>
-                                <p:cTn id="11" presetID="1" presetClass="entr" presetSubtype="0" fill="hold" nodeType="withEffect">
-                                  <p:stCondLst>
-                                    <p:cond delay="0"/>
-                                  </p:stCondLst>
-                                  <p:childTnLst>
-                                    <p:set>
-                                      <p:cBhvr>
-                                        <p:cTn id="12" dur="1" fill="hold">
-                                          <p:stCondLst>
-                                            <p:cond delay="0"/>
-                                          </p:stCondLst>
-                                        </p:cTn>
-                                        <p:tgtEl>
-                                          <p:spTgt spid="10">
-                                            <p:txEl>
-                                              <p:pRg st="8" end="8"/>
-                                            </p:txEl>
-                                          </p:spTgt>
-                                        </p:tgtEl>
-                                        <p:attrNameLst>
-                                          <p:attrName>style.visibility</p:attrName>
-                                        </p:attrNameLst>
-                                      </p:cBhvr>
-                                      <p:to>
-                                        <p:strVal val="visible"/>
-                                      </p:to>
-                                    </p:set>
-                                  </p:childTnLst>
-                                </p:cTn>
-                              </p:par>
-                              <p:par>
-                                <p:cTn id="13" presetID="1" presetClass="entr" presetSubtype="0" fill="hold" nodeType="withEffect">
-                                  <p:stCondLst>
-                                    <p:cond delay="0"/>
-                                  </p:stCondLst>
-                                  <p:childTnLst>
-                                    <p:set>
-                                      <p:cBhvr>
-                                        <p:cTn id="14" dur="1" fill="hold">
-                                          <p:stCondLst>
-                                            <p:cond delay="0"/>
-                                          </p:stCondLst>
-                                        </p:cTn>
-                                        <p:tgtEl>
-                                          <p:spTgt spid="10">
-                                            <p:txEl>
-                                              <p:pRg st="9" end="9"/>
-                                            </p:txEl>
-                                          </p:spTgt>
-                                        </p:tgtEl>
-                                        <p:attrNameLst>
-                                          <p:attrName>style.visibility</p:attrName>
-                                        </p:attrNameLst>
-                                      </p:cBhvr>
-                                      <p:to>
-                                        <p:strVal val="visible"/>
-                                      </p:to>
-                                    </p:set>
-                                  </p:childTnLst>
-                                </p:cTn>
-                              </p:par>
-                            </p:childTnLst>
-                          </p:cTn>
-                        </p:par>
-                      </p:childTnLst>
-                    </p:cTn>
-                  </p:par>
-                  <p:par>
-                    <p:cTn id="15" fill="hold">
-                      <p:stCondLst>
-                        <p:cond delay="indefinite"/>
-                      </p:stCondLst>
-                      <p:childTnLst>
-                        <p:par>
-                          <p:cTn id="16" fill="hold">
-                            <p:stCondLst>
-                              <p:cond delay="0"/>
-                            </p:stCondLst>
-                            <p:childTnLst>
-                              <p:par>
-                                <p:cTn id="17" presetID="1" presetClass="entr" presetSubtype="0" fill="hold" grpId="0" nodeType="clickEffect">
-                                  <p:stCondLst>
-                                    <p:cond delay="0"/>
-                                  </p:stCondLst>
-                                  <p:childTnLst>
-                                    <p:set>
-                                      <p:cBhvr>
-                                        <p:cTn id="18" dur="1" fill="hold">
-                                          <p:stCondLst>
-                                            <p:cond delay="0"/>
-                                          </p:stCondLst>
-                                        </p:cTn>
-                                        <p:tgtEl>
-                                          <p:spTgt spid="12"/>
-                                        </p:tgtEl>
-                                        <p:attrNameLst>
-                                          <p:attrName>style.visibility</p:attrName>
-                                        </p:attrNameLst>
-                                      </p:cBhvr>
-                                      <p:to>
-                                        <p:strVal val="visible"/>
-                                      </p:to>
-                                    </p:set>
-                                  </p:childTnLst>
-                                </p:cTn>
-                              </p:par>
-                            </p:childTnLst>
-                          </p:cTn>
-                        </p:par>
-                      </p:childTnLst>
-                    </p:cTn>
-                  </p:par>
-                  <p:par>
-                    <p:cTn id="19" fill="hold">
-                      <p:stCondLst>
-                        <p:cond delay="indefinite"/>
-                      </p:stCondLst>
-                      <p:childTnLst>
-                        <p:par>
-                          <p:cTn id="20" fill="hold">
-                            <p:stCondLst>
-                              <p:cond delay="0"/>
-                            </p:stCondLst>
-                            <p:childTnLst>
-                              <p:par>
-                                <p:cTn id="21" presetID="1" presetClass="entr" presetSubtype="0" fill="hold" grpId="0" nodeType="clickEffect">
-                                  <p:stCondLst>
-                                    <p:cond delay="0"/>
-                                  </p:stCondLst>
-                                  <p:childTnLst>
-                                    <p:set>
-                                      <p:cBhvr>
-                                        <p:cTn id="22" dur="1" fill="hold">
-                                          <p:stCondLst>
-                                            <p:cond delay="0"/>
-                                          </p:stCondLst>
-                                        </p:cTn>
-                                        <p:tgtEl>
-                                          <p:spTgt spid="9"/>
-                                        </p:tgtEl>
-                                        <p:attrNameLst>
-                                          <p:attrName>style.visibility</p:attrName>
-                                        </p:attrNameLst>
-                                      </p:cBhvr>
-                                      <p:to>
-                                        <p:strVal val="visible"/>
-                                      </p:to>
-                                    </p:set>
-                                  </p:childTnLst>
-                                </p:cTn>
-                              </p:par>
-                            </p:childTnLst>
-                          </p:cTn>
-                        </p:par>
-                      </p:childTnLst>
-                    </p:cTn>
-                  </p:par>
-                </p:childTnLst>
-              </p:cTn>
-              <p:prevCondLst>
-                <p:cond evt="onPrev" delay="0">
-                  <p:tgtEl>
-                    <p:sldTgt/>
-                  </p:tgtEl>
-                </p:cond>
-              </p:prevCondLst>
-              <p:nextCondLst>
-                <p:cond evt="onNext" delay="0">
-                  <p:tgtEl>
-                    <p:sldTgt/>
-                  </p:tgtEl>
-                </p:cond>
-              </p:nextCondLst>
-            </p:seq>
-          </p:childTnLst>
-        </p:cTn>
-      </p:par>
-    </p:tnLst>
-    <p:bldLst>
-      <p:bldP spid="12" grpId="0" animBg="1"/>
-      <p:bldP spid="9" grpId="0" animBg="1"/>
-    </p:bldLst>
-  </p:timing>
-</p:sld>
-</file>
-
-<file path=ppt/slides/slide18.xml><?xml version="1.0" encoding="utf-8"?>
-<p:sld xmlns:a="http://schemas.openxmlformats.org/drawingml/2006/main" xmlns:r="http://schemas.openxmlformats.org/officeDocument/2006/relationships" xmlns:p="http://schemas.openxmlformats.org/presentationml/2006/main">
-  <p:cSld>
-    <p:spTree>
-      <p:nvGrpSpPr>
-        <p:cNvPr id="1" name=""/>
-        <p:cNvGrpSpPr/>
-        <p:nvPr/>
-      </p:nvGrpSpPr>
-      <p:grpSpPr>
-        <a:xfrm>
-          <a:off x="0" y="0"/>
-          <a:ext cx="0" cy="0"/>
-          <a:chOff x="0" y="0"/>
-          <a:chExt cx="0" cy="0"/>
-        </a:xfrm>
-      </p:grpSpPr>
-      <p:sp>
-        <p:nvSpPr>
-          <p:cNvPr id="5" name="Text Placeholder 4"/>
-          <p:cNvSpPr>
-            <a:spLocks noGrp="1"/>
-          </p:cNvSpPr>
-          <p:nvPr>
-            <p:ph type="body" sz="quarter" idx="10"/>
-          </p:nvPr>
-        </p:nvSpPr>
-        <p:spPr/>
-        <p:txBody>
-          <a:bodyPr/>
-          <a:lstStyle/>
-          <a:p>
-            <a:pPr>
-              <a:lnSpc>
-                <a:spcPct val="114000"/>
-              </a:lnSpc>
-            </a:pPr>
-            <a:r>
-              <a:rPr lang="bg-BG" sz="3600" dirty="0"/>
-              <a:t>Използвайте </a:t>
-            </a:r>
-            <a:r>
-              <a:rPr lang="bg-BG" sz="3600" b="1" dirty="0">
-                <a:solidFill>
-                  <a:schemeClr val="bg1"/>
-                </a:solidFill>
-              </a:rPr>
-              <a:t>каскадно променяне </a:t>
-            </a:r>
-            <a:r>
-              <a:rPr lang="bg-BG" sz="3600" dirty="0"/>
-              <a:t>когато</a:t>
-            </a:r>
-            <a:r>
-              <a:rPr lang="en-US" sz="3600" dirty="0"/>
-              <a:t>:</a:t>
-            </a:r>
-          </a:p>
-          <a:p>
-            <a:pPr lvl="1">
-              <a:lnSpc>
-                <a:spcPct val="114000"/>
-              </a:lnSpc>
-            </a:pPr>
-            <a:r>
-              <a:rPr lang="ru-RU" sz="3400" dirty="0"/>
-              <a:t>Първичният ключ </a:t>
-            </a:r>
-            <a:r>
-              <a:rPr lang="ru-RU" sz="3400" b="1" dirty="0">
-                <a:solidFill>
-                  <a:schemeClr val="bg1"/>
-                </a:solidFill>
-              </a:rPr>
-              <a:t>не е самонарастващ </a:t>
-            </a:r>
-            <a:r>
-              <a:rPr lang="ru-RU" sz="3400" dirty="0"/>
-              <a:t>(</a:t>
-            </a:r>
-            <a:r>
-              <a:rPr lang="en-US" sz="3400" b="1" dirty="0">
-                <a:solidFill>
-                  <a:schemeClr val="bg1"/>
-                </a:solidFill>
-              </a:rPr>
-              <a:t>Identity</a:t>
-            </a:r>
-            <a:r>
-              <a:rPr lang="en-US" sz="3400" dirty="0"/>
-              <a:t>) </a:t>
-            </a:r>
-            <a:r>
-              <a:rPr lang="ru-RU" sz="3400" dirty="0"/>
-              <a:t>и следователно </a:t>
-            </a:r>
-            <a:r>
-              <a:rPr lang="ru-RU" sz="3400" b="1" dirty="0">
-                <a:solidFill>
-                  <a:schemeClr val="bg1"/>
-                </a:solidFill>
-              </a:rPr>
-              <a:t>може да бъде </a:t>
-            </a:r>
-            <a:r>
-              <a:rPr lang="ru-RU" sz="3400" dirty="0"/>
-              <a:t>променен</a:t>
-            </a:r>
-            <a:endParaRPr lang="en-US" sz="3400" dirty="0"/>
-          </a:p>
-          <a:p>
-            <a:pPr lvl="1">
-              <a:lnSpc>
-                <a:spcPct val="114000"/>
-              </a:lnSpc>
-            </a:pPr>
-            <a:r>
-              <a:rPr lang="ru-RU" sz="3400" dirty="0"/>
-              <a:t>Най-добре се използва с уникално ограничение</a:t>
-            </a:r>
-            <a:r>
-              <a:rPr lang="en-US" sz="3400" dirty="0"/>
-              <a:t> (</a:t>
-            </a:r>
-            <a:r>
-              <a:rPr lang="en-US" sz="3400" b="1" dirty="0">
-                <a:solidFill>
-                  <a:schemeClr val="bg1"/>
-                </a:solidFill>
-              </a:rPr>
-              <a:t>Unique</a:t>
-            </a:r>
-            <a:r>
-              <a:rPr lang="en-US" sz="3400" dirty="0"/>
-              <a:t>)</a:t>
-            </a:r>
-          </a:p>
-          <a:p>
-            <a:pPr>
-              <a:lnSpc>
-                <a:spcPct val="114000"/>
-              </a:lnSpc>
-              <a:buClr>
-                <a:srgbClr val="224464"/>
-              </a:buClr>
-            </a:pPr>
-            <a:r>
-              <a:rPr lang="bg-BG" sz="3600" b="1" dirty="0">
-                <a:solidFill>
-                  <a:schemeClr val="bg1"/>
-                </a:solidFill>
-              </a:rPr>
-              <a:t>Не </a:t>
-            </a:r>
-            <a:r>
-              <a:rPr lang="bg-BG" sz="3600" dirty="0"/>
-              <a:t>използвайте </a:t>
-            </a:r>
-            <a:r>
-              <a:rPr lang="bg-BG" sz="3600" b="1" dirty="0">
-                <a:solidFill>
-                  <a:schemeClr val="bg1"/>
-                </a:solidFill>
-              </a:rPr>
-              <a:t>каскадно променяне </a:t>
-            </a:r>
-            <a:r>
-              <a:rPr lang="bg-BG" sz="3600" dirty="0"/>
-              <a:t>когато</a:t>
-            </a:r>
-            <a:r>
-              <a:rPr lang="en-US" sz="3600" dirty="0"/>
-              <a:t>:</a:t>
-            </a:r>
-          </a:p>
-          <a:p>
-            <a:pPr lvl="1">
-              <a:lnSpc>
-                <a:spcPct val="114000"/>
-              </a:lnSpc>
-            </a:pPr>
-            <a:r>
-              <a:rPr lang="ru-RU" sz="3400" dirty="0"/>
-              <a:t>Първичният ключ е </a:t>
-            </a:r>
-            <a:r>
-              <a:rPr lang="ru-RU" sz="3400" b="1" dirty="0">
-                <a:solidFill>
-                  <a:schemeClr val="bg1"/>
-                </a:solidFill>
-              </a:rPr>
-              <a:t>самонарастващ</a:t>
-            </a:r>
-            <a:endParaRPr lang="en-US" sz="3400" b="1" dirty="0">
-              <a:solidFill>
-                <a:schemeClr val="bg1"/>
-              </a:solidFill>
-            </a:endParaRPr>
-          </a:p>
-        </p:txBody>
-      </p:sp>
-      <p:sp>
-        <p:nvSpPr>
-          <p:cNvPr id="4" name="Title 3"/>
-          <p:cNvSpPr>
-            <a:spLocks noGrp="1"/>
-          </p:cNvSpPr>
-          <p:nvPr>
-            <p:ph type="title"/>
-          </p:nvPr>
-        </p:nvSpPr>
-        <p:spPr/>
-        <p:txBody>
-          <a:bodyPr/>
-          <a:lstStyle/>
-          <a:p>
-            <a:r>
-              <a:rPr lang="bg-BG" dirty="0"/>
-              <a:t>Каскадно променяне</a:t>
-            </a:r>
-            <a:endParaRPr lang="en-US" dirty="0"/>
-          </a:p>
-        </p:txBody>
-      </p:sp>
-      <p:sp>
-        <p:nvSpPr>
-          <p:cNvPr id="2" name="Slide Number">
-            <a:extLst>
-              <a:ext uri="{FF2B5EF4-FFF2-40B4-BE49-F238E27FC236}">
-                <a16:creationId xmlns:a16="http://schemas.microsoft.com/office/drawing/2014/main" id="{10F08C3A-AAFC-C1C5-98E6-EA7F728FA8F4}"/>
-              </a:ext>
-            </a:extLst>
-          </p:cNvPr>
-          <p:cNvSpPr>
-            <a:spLocks noGrp="1"/>
-          </p:cNvSpPr>
-          <p:nvPr>
-            <p:ph type="sldNum" sz="quarter" idx="5"/>
-          </p:nvPr>
-        </p:nvSpPr>
-        <p:spPr>
-          <a:xfrm>
-            <a:off x="11753030" y="6507000"/>
-            <a:ext cx="367414" cy="297000"/>
-          </a:xfrm>
-          <a:prstGeom prst="rect">
-            <a:avLst/>
-          </a:prstGeom>
-        </p:spPr>
-        <p:txBody>
-          <a:bodyPr vert="horz" lIns="91440" tIns="45720" rIns="91440" bIns="45720" rtlCol="0" anchor="b"/>
-          <a:lstStyle>
-            <a:lvl1pPr algn="r">
-              <a:defRPr sz="1000"/>
-            </a:lvl1pPr>
-          </a:lstStyle>
-          <a:p>
-            <a:fld id="{2BF067CD-8E6B-4360-9AA8-C5DF2A48A6D1}" type="slidenum">
-              <a:rPr lang="en-US" noProof="0" smtClean="0"/>
-              <a:pPr/>
-              <a:t>18</a:t>
-            </a:fld>
-            <a:endParaRPr lang="en-US" noProof="0" dirty="0"/>
-          </a:p>
-        </p:txBody>
-      </p:sp>
-    </p:spTree>
-    <p:extLst>
-      <p:ext uri="{BB962C8B-B14F-4D97-AF65-F5344CB8AC3E}">
-        <p14:creationId xmlns:p14="http://schemas.microsoft.com/office/powerpoint/2010/main" val="3637817768"/>
-      </p:ext>
-    </p:extLst>
-  </p:cSld>
-  <p:clrMapOvr>
-    <a:masterClrMapping/>
-  </p:clrMapOvr>
-  <mc:AlternateContent xmlns:mc="http://schemas.openxmlformats.org/markup-compatibility/2006" xmlns:p14="http://schemas.microsoft.com/office/powerpoint/2010/main">
-    <mc:Choice Requires="p14">
-      <p:transition spd="slow" p14:dur="2000" advClick="0" advTm="5000"/>
-    </mc:Choice>
-    <mc:Fallback xmlns="">
-      <p:transition spd="slow" advClick="0" advTm="5000"/>
-    </mc:Fallback>
-  </mc:AlternateContent>
-  <p:timing>
-    <p:tnLst>
-      <p:par>
-        <p:cTn id="1" dur="indefinite" restart="never" nodeType="tmRoot">
-          <p:childTnLst>
-            <p:seq concurrent="1" nextAc="seek">
-              <p:cTn id="2" dur="indefinite" nodeType="mainSeq">
-                <p:childTnLst>
-                  <p:par>
-                    <p:cTn id="3" fill="hold">
-                      <p:stCondLst>
-                        <p:cond delay="indefinite"/>
-                      </p:stCondLst>
-                      <p:childTnLst>
-                        <p:par>
-                          <p:cTn id="4" fill="hold">
-                            <p:stCondLst>
-                              <p:cond delay="0"/>
-                            </p:stCondLst>
-                            <p:childTnLst>
-                              <p:par>
-                                <p:cTn id="5" presetID="1" presetClass="entr" presetSubtype="0" fill="hold" nodeType="clickEffect">
-                                  <p:stCondLst>
-                                    <p:cond delay="0"/>
-                                  </p:stCondLst>
-                                  <p:childTnLst>
-                                    <p:set>
-                                      <p:cBhvr>
-                                        <p:cTn id="6" dur="1" fill="hold">
-                                          <p:stCondLst>
-                                            <p:cond delay="0"/>
-                                          </p:stCondLst>
-                                        </p:cTn>
-                                        <p:tgtEl>
-                                          <p:spTgt spid="5">
-                                            <p:txEl>
-                                              <p:pRg st="2" end="2"/>
-                                            </p:txEl>
-                                          </p:spTgt>
-                                        </p:tgtEl>
-                                        <p:attrNameLst>
-                                          <p:attrName>style.visibility</p:attrName>
-                                        </p:attrNameLst>
-                                      </p:cBhvr>
-                                      <p:to>
-                                        <p:strVal val="visible"/>
-                                      </p:to>
-                                    </p:set>
-                                  </p:childTnLst>
-                                </p:cTn>
-                              </p:par>
-                            </p:childTnLst>
-                          </p:cTn>
-                        </p:par>
-                      </p:childTnLst>
-                    </p:cTn>
-                  </p:par>
-                  <p:par>
-                    <p:cTn id="7" fill="hold">
-                      <p:stCondLst>
-                        <p:cond delay="indefinite"/>
-                      </p:stCondLst>
-                      <p:childTnLst>
-                        <p:par>
-                          <p:cTn id="8" fill="hold">
-                            <p:stCondLst>
-                              <p:cond delay="0"/>
-                            </p:stCondLst>
-                            <p:childTnLst>
-                              <p:par>
-                                <p:cTn id="9" presetID="1" presetClass="entr" presetSubtype="0" fill="hold" nodeType="clickEffect">
-                                  <p:stCondLst>
-                                    <p:cond delay="0"/>
-                                  </p:stCondLst>
-                                  <p:childTnLst>
-                                    <p:set>
-                                      <p:cBhvr>
-                                        <p:cTn id="10" dur="1" fill="hold">
-                                          <p:stCondLst>
-                                            <p:cond delay="0"/>
-                                          </p:stCondLst>
-                                        </p:cTn>
-                                        <p:tgtEl>
-                                          <p:spTgt spid="5">
-                                            <p:txEl>
-                                              <p:pRg st="3" end="3"/>
-                                            </p:txEl>
-                                          </p:spTgt>
-                                        </p:tgtEl>
-                                        <p:attrNameLst>
-                                          <p:attrName>style.visibility</p:attrName>
-                                        </p:attrNameLst>
-                                      </p:cBhvr>
-                                      <p:to>
-                                        <p:strVal val="visible"/>
-                                      </p:to>
-                                    </p:set>
-                                  </p:childTnLst>
-                                </p:cTn>
-                              </p:par>
-                              <p:par>
-                                <p:cTn id="11" presetID="1" presetClass="entr" presetSubtype="0" fill="hold" nodeType="withEffect">
-                                  <p:stCondLst>
-                                    <p:cond delay="0"/>
-                                  </p:stCondLst>
-                                  <p:childTnLst>
-                                    <p:set>
-                                      <p:cBhvr>
-                                        <p:cTn id="12" dur="1" fill="hold">
-                                          <p:stCondLst>
-                                            <p:cond delay="0"/>
-                                          </p:stCondLst>
-                                        </p:cTn>
-                                        <p:tgtEl>
-                                          <p:spTgt spid="5">
-                                            <p:txEl>
-                                              <p:pRg st="4" end="4"/>
-                                            </p:txEl>
-                                          </p:spTgt>
-                                        </p:tgtEl>
-                                        <p:attrNameLst>
-                                          <p:attrName>style.visibility</p:attrName>
-                                        </p:attrNameLst>
-                                      </p:cBhvr>
-                                      <p:to>
-                                        <p:strVal val="visible"/>
-                                      </p:to>
-                                    </p:set>
-                                  </p:childTnLst>
-                                </p:cTn>
-                              </p:par>
-                            </p:childTnLst>
-                          </p:cTn>
-                        </p:par>
-                      </p:childTnLst>
-                    </p:cTn>
-                  </p:par>
-                </p:childTnLst>
-              </p:cTn>
-              <p:prevCondLst>
-                <p:cond evt="onPrev" delay="0">
-                  <p:tgtEl>
-                    <p:sldTgt/>
-                  </p:tgtEl>
-                </p:cond>
-              </p:prevCondLst>
-              <p:nextCondLst>
-                <p:cond evt="onNext" delay="0">
-                  <p:tgtEl>
-                    <p:sldTgt/>
-                  </p:tgtEl>
-                </p:cond>
-              </p:nextCondLst>
-            </p:seq>
-          </p:childTnLst>
-        </p:cTn>
-      </p:par>
-    </p:tnLst>
-  </p:timing>
-</p:sld>
-</file>
-
-<file path=ppt/slides/slide19.xml><?xml version="1.0" encoding="utf-8"?>
-<p:sld xmlns:a="http://schemas.openxmlformats.org/drawingml/2006/main" xmlns:r="http://schemas.openxmlformats.org/officeDocument/2006/relationships" xmlns:p="http://schemas.openxmlformats.org/presentationml/2006/main">
-  <p:cSld>
-    <p:spTree>
-      <p:nvGrpSpPr>
-        <p:cNvPr id="1" name=""/>
-        <p:cNvGrpSpPr/>
-        <p:nvPr/>
-      </p:nvGrpSpPr>
-      <p:grpSpPr>
-        <a:xfrm>
-          <a:off x="0" y="0"/>
-          <a:ext cx="0" cy="0"/>
-          <a:chOff x="0" y="0"/>
-          <a:chExt cx="0" cy="0"/>
-        </a:xfrm>
-      </p:grpSpPr>
-      <p:sp>
-        <p:nvSpPr>
-          <p:cNvPr id="10" name="Rectangle 9"/>
-          <p:cNvSpPr>
-            <a:spLocks noChangeArrowheads="1"/>
-          </p:cNvSpPr>
-          <p:nvPr/>
-        </p:nvSpPr>
-        <p:spPr bwMode="auto">
-          <a:xfrm>
-            <a:off x="395786" y="1314188"/>
-            <a:ext cx="11400427" cy="5296423"/>
-          </a:xfrm>
-          <a:prstGeom prst="rect">
-            <a:avLst/>
-          </a:prstGeom>
-          <a:solidFill>
-            <a:schemeClr val="accent5">
-              <a:lumMod val="40000"/>
-              <a:lumOff val="60000"/>
-              <a:alpha val="20000"/>
-            </a:schemeClr>
-          </a:solidFill>
-          <a:ln w="12700">
-            <a:solidFill>
-              <a:schemeClr val="accent5">
-                <a:lumMod val="60000"/>
-                <a:lumOff val="40000"/>
-              </a:schemeClr>
-            </a:solidFill>
-          </a:ln>
-        </p:spPr>
-        <p:txBody>
-          <a:bodyPr vert="horz" wrap="square" lIns="144000" tIns="108000" rIns="144000" bIns="108000" rtlCol="0">
-            <a:spAutoFit/>
-          </a:bodyPr>
-          <a:lstStyle/>
-          <a:p>
-            <a:r>
-              <a:rPr lang="en-US" sz="3000" b="1" noProof="1">
-                <a:solidFill>
-                  <a:schemeClr val="tx2"/>
-                </a:solidFill>
-                <a:latin typeface="Consolas" panose="020B0609020204030204" pitchFamily="49" charset="0"/>
-              </a:rPr>
-              <a:t>CREATE TABLE Products(</a:t>
-            </a:r>
-          </a:p>
-          <a:p>
-            <a:r>
-              <a:rPr lang="en-US" sz="3000" b="1" noProof="1">
-                <a:solidFill>
-                  <a:schemeClr val="tx2"/>
-                </a:solidFill>
-                <a:latin typeface="Consolas" panose="020B0609020204030204" pitchFamily="49" charset="0"/>
-              </a:rPr>
-              <a:t>  BarcodeId INT PRIMARY KEY,</a:t>
-            </a:r>
-          </a:p>
-          <a:p>
-            <a:r>
-              <a:rPr lang="en-US" sz="3000" b="1" noProof="1">
-                <a:solidFill>
-                  <a:schemeClr val="tx2"/>
-                </a:solidFill>
-                <a:latin typeface="Consolas" panose="020B0609020204030204" pitchFamily="49" charset="0"/>
-              </a:rPr>
-              <a:t>  Name VARCHAR(50)</a:t>
-            </a:r>
-          </a:p>
-          <a:p>
-            <a:r>
-              <a:rPr lang="en-US" sz="3000" b="1" noProof="1">
-                <a:solidFill>
-                  <a:schemeClr val="tx2"/>
-                </a:solidFill>
-                <a:latin typeface="Consolas" panose="020B0609020204030204" pitchFamily="49" charset="0"/>
-              </a:rPr>
-              <a:t>)</a:t>
-            </a:r>
-          </a:p>
-          <a:p>
-            <a:endParaRPr lang="en-US" sz="3000" b="1" noProof="1">
-              <a:solidFill>
-                <a:schemeClr val="tx2"/>
-              </a:solidFill>
-              <a:latin typeface="Consolas" panose="020B0609020204030204" pitchFamily="49" charset="0"/>
-            </a:endParaRPr>
-          </a:p>
-          <a:p>
-            <a:r>
-              <a:rPr lang="en-US" sz="3000" b="1" noProof="1">
-                <a:solidFill>
-                  <a:schemeClr val="tx2"/>
-                </a:solidFill>
-                <a:latin typeface="Consolas" panose="020B0609020204030204" pitchFamily="49" charset="0"/>
-              </a:rPr>
-              <a:t>CREATE TABLE Stock(</a:t>
-            </a:r>
-          </a:p>
-          <a:p>
-            <a:r>
-              <a:rPr lang="en-US" sz="3000" b="1" noProof="1">
-                <a:solidFill>
-                  <a:schemeClr val="tx2"/>
-                </a:solidFill>
-                <a:latin typeface="Consolas" panose="020B0609020204030204" pitchFamily="49" charset="0"/>
-              </a:rPr>
-              <a:t>  Id INT PRIMARY KEY,</a:t>
-            </a:r>
-          </a:p>
-          <a:p>
-            <a:r>
-              <a:rPr lang="en-US" sz="3000" b="1" noProof="1">
-                <a:solidFill>
-                  <a:schemeClr val="tx2"/>
-                </a:solidFill>
-                <a:latin typeface="Consolas" panose="020B0609020204030204" pitchFamily="49" charset="0"/>
-              </a:rPr>
-              <a:t>  Barcode INT,</a:t>
-            </a:r>
-          </a:p>
-          <a:p>
-            <a:r>
-              <a:rPr lang="en-US" sz="3000" b="1" noProof="1">
-                <a:solidFill>
-                  <a:schemeClr val="tx2"/>
-                </a:solidFill>
-                <a:latin typeface="Consolas" panose="020B0609020204030204" pitchFamily="49" charset="0"/>
-              </a:rPr>
-              <a:t>  CONSTRAINT FK_Stock_Products </a:t>
-            </a:r>
-            <a:r>
-              <a:rPr lang="en-US" sz="3000" b="1" noProof="1">
-                <a:solidFill>
-                  <a:schemeClr val="bg1"/>
-                </a:solidFill>
-                <a:latin typeface="Consolas" panose="020B0609020204030204" pitchFamily="49" charset="0"/>
-              </a:rPr>
-              <a:t>FOREIGN KEY</a:t>
-            </a:r>
-            <a:r>
-              <a:rPr lang="en-US" sz="3000" b="1" noProof="1">
-                <a:solidFill>
-                  <a:schemeClr val="tx2"/>
-                </a:solidFill>
-                <a:latin typeface="Consolas" panose="020B0609020204030204" pitchFamily="49" charset="0"/>
-              </a:rPr>
-              <a:t>(BarcodeId)</a:t>
-            </a:r>
-          </a:p>
-          <a:p>
-            <a:r>
-              <a:rPr lang="en-US" sz="3000" b="1" noProof="1">
-                <a:solidFill>
-                  <a:schemeClr val="tx2"/>
-                </a:solidFill>
-                <a:latin typeface="Consolas" panose="020B0609020204030204" pitchFamily="49" charset="0"/>
-              </a:rPr>
-              <a:t>  REFERENCES Products(BarcodeId) </a:t>
-            </a:r>
-            <a:r>
-              <a:rPr lang="en-US" sz="3000" b="1" noProof="1">
-                <a:solidFill>
-                  <a:schemeClr val="bg1"/>
-                </a:solidFill>
-                <a:latin typeface="Consolas" panose="020B0609020204030204" pitchFamily="49" charset="0"/>
-              </a:rPr>
-              <a:t>ON UPDATE CASCADE</a:t>
-            </a:r>
-            <a:br>
-              <a:rPr lang="en-US" sz="3000" b="1" noProof="1">
-                <a:solidFill>
-                  <a:schemeClr val="tx2"/>
-                </a:solidFill>
-                <a:latin typeface="Consolas" panose="020B0609020204030204" pitchFamily="49" charset="0"/>
-              </a:rPr>
-            </a:br>
-            <a:r>
-              <a:rPr lang="en-US" sz="3000" b="1" noProof="1">
-                <a:solidFill>
-                  <a:schemeClr val="tx2"/>
-                </a:solidFill>
-                <a:latin typeface="Consolas" panose="020B0609020204030204" pitchFamily="49" charset="0"/>
-              </a:rPr>
-              <a:t>)</a:t>
-            </a:r>
-            <a:endParaRPr lang="en-US" sz="3000" noProof="1">
-              <a:solidFill>
-                <a:schemeClr val="tx2"/>
-              </a:solidFill>
-              <a:latin typeface="Consolas" panose="020B0609020204030204" pitchFamily="49" charset="0"/>
-            </a:endParaRPr>
-          </a:p>
-        </p:txBody>
-      </p:sp>
-      <p:sp>
-        <p:nvSpPr>
-          <p:cNvPr id="465922" name="Rectangle 2"/>
-          <p:cNvSpPr>
-            <a:spLocks noGrp="1" noChangeArrowheads="1"/>
-          </p:cNvSpPr>
-          <p:nvPr>
-            <p:ph type="title"/>
-          </p:nvPr>
-        </p:nvSpPr>
-        <p:spPr/>
-        <p:txBody>
-          <a:bodyPr/>
-          <a:lstStyle/>
-          <a:p>
-            <a:r>
-              <a:rPr lang="bg-BG" dirty="0"/>
-              <a:t>Каскадно променяне –</a:t>
-            </a:r>
-            <a:r>
-              <a:rPr lang="en-US" dirty="0"/>
-              <a:t> </a:t>
-            </a:r>
-            <a:r>
-              <a:rPr lang="bg-BG" dirty="0"/>
-              <a:t>Пример</a:t>
-            </a:r>
-          </a:p>
-        </p:txBody>
-      </p:sp>
-      <p:sp>
-        <p:nvSpPr>
-          <p:cNvPr id="12" name="AutoShape 7"/>
-          <p:cNvSpPr>
-            <a:spLocks noChangeArrowheads="1"/>
-          </p:cNvSpPr>
-          <p:nvPr/>
-        </p:nvSpPr>
-        <p:spPr bwMode="auto">
-          <a:xfrm>
-            <a:off x="8534400" y="4191000"/>
-            <a:ext cx="2229557" cy="559968"/>
-          </a:xfrm>
-          <a:prstGeom prst="wedgeRoundRectCallout">
-            <a:avLst>
-              <a:gd name="adj1" fmla="val -41916"/>
-              <a:gd name="adj2" fmla="val 98795"/>
-              <a:gd name="adj3" fmla="val 16667"/>
-            </a:avLst>
-          </a:prstGeom>
-          <a:solidFill>
-            <a:schemeClr val="tx1">
-              <a:alpha val="80000"/>
-            </a:schemeClr>
-          </a:solidFill>
-          <a:ln w="19050">
-            <a:solidFill>
-              <a:schemeClr val="tx1">
-                <a:alpha val="80000"/>
-              </a:schemeClr>
-            </a:solidFill>
-          </a:ln>
-          <a:effectLst/>
-        </p:spPr>
-        <p:style>
-          <a:lnRef idx="2">
-            <a:schemeClr val="accent1">
-              <a:shade val="50000"/>
-            </a:schemeClr>
-          </a:lnRef>
-          <a:fillRef idx="1001">
-            <a:schemeClr val="dk2"/>
-          </a:fillRef>
-          <a:effectRef idx="0">
-            <a:schemeClr val="accent1"/>
-          </a:effectRef>
-          <a:fontRef idx="minor">
-            <a:schemeClr val="lt1"/>
-          </a:fontRef>
-        </p:style>
-        <p:txBody>
-          <a:bodyPr rot="0" spcFirstLastPara="0" vertOverflow="overflow" horzOverflow="overflow" vert="horz" wrap="square" lIns="91440" tIns="45720" rIns="91440" bIns="45720" numCol="1" spcCol="0" rtlCol="0" fromWordArt="0" anchor="ctr" anchorCtr="0" forceAA="0" compatLnSpc="1">
-            <a:prstTxWarp prst="textNoShape">
-              <a:avLst/>
-            </a:prstTxWarp>
-            <a:noAutofit/>
-          </a:bodyPr>
-          <a:lstStyle/>
-          <a:p>
-            <a:pPr algn="ctr"/>
-            <a:r>
-              <a:rPr lang="bg-BG" sz="2400" b="1" noProof="1">
-                <a:solidFill>
-                  <a:srgbClr val="FFFFFF"/>
-                </a:solidFill>
-                <a:effectLst>
-                  <a:outerShdw blurRad="38100" dist="38100" dir="2700000" algn="tl">
-                    <a:srgbClr val="000000">
-                      <a:alpha val="43137"/>
-                    </a:srgbClr>
-                  </a:outerShdw>
-                </a:effectLst>
-              </a:rPr>
-              <a:t>Външен ключ</a:t>
-            </a:r>
-            <a:endParaRPr lang="en-US" sz="2400" b="1" noProof="1">
-              <a:solidFill>
-                <a:srgbClr val="FFFFFF"/>
-              </a:solidFill>
-              <a:effectLst>
-                <a:outerShdw blurRad="38100" dist="38100" dir="2700000" algn="tl">
-                  <a:srgbClr val="000000">
-                    <a:alpha val="43137"/>
-                  </a:srgbClr>
-                </a:outerShdw>
-              </a:effectLst>
-            </a:endParaRPr>
-          </a:p>
-        </p:txBody>
-      </p:sp>
-      <p:sp>
-        <p:nvSpPr>
-          <p:cNvPr id="9" name="AutoShape 7"/>
-          <p:cNvSpPr>
-            <a:spLocks noChangeArrowheads="1"/>
-          </p:cNvSpPr>
-          <p:nvPr/>
-        </p:nvSpPr>
-        <p:spPr bwMode="auto">
-          <a:xfrm>
-            <a:off x="8040758" y="6244641"/>
-            <a:ext cx="2229557" cy="559968"/>
-          </a:xfrm>
-          <a:prstGeom prst="wedgeRoundRectCallout">
-            <a:avLst>
-              <a:gd name="adj1" fmla="val 1267"/>
-              <a:gd name="adj2" fmla="val -100273"/>
-              <a:gd name="adj3" fmla="val 16667"/>
-            </a:avLst>
-          </a:prstGeom>
-          <a:solidFill>
-            <a:schemeClr val="tx1">
-              <a:alpha val="80000"/>
-            </a:schemeClr>
-          </a:solidFill>
-          <a:ln w="19050">
-            <a:solidFill>
-              <a:schemeClr val="tx1">
-                <a:alpha val="80000"/>
-              </a:schemeClr>
-            </a:solidFill>
-          </a:ln>
-          <a:effectLst/>
-        </p:spPr>
-        <p:style>
-          <a:lnRef idx="2">
-            <a:schemeClr val="accent1">
-              <a:shade val="50000"/>
-            </a:schemeClr>
-          </a:lnRef>
-          <a:fillRef idx="1001">
-            <a:schemeClr val="dk2"/>
-          </a:fillRef>
-          <a:effectRef idx="0">
-            <a:schemeClr val="accent1"/>
-          </a:effectRef>
-          <a:fontRef idx="minor">
-            <a:schemeClr val="lt1"/>
-          </a:fontRef>
-        </p:style>
-        <p:txBody>
-          <a:bodyPr rot="0" spcFirstLastPara="0" vertOverflow="overflow" horzOverflow="overflow" vert="horz" wrap="square" lIns="91440" tIns="45720" rIns="91440" bIns="45720" numCol="1" spcCol="0" rtlCol="0" fromWordArt="0" anchor="ctr" anchorCtr="0" forceAA="0" compatLnSpc="1">
-            <a:prstTxWarp prst="textNoShape">
-              <a:avLst/>
-            </a:prstTxWarp>
-            <a:noAutofit/>
-          </a:bodyPr>
-          <a:lstStyle/>
-          <a:p>
-            <a:pPr algn="ctr"/>
-            <a:r>
-              <a:rPr lang="bg-BG" sz="2400" b="1" noProof="1">
-                <a:solidFill>
-                  <a:srgbClr val="FFFFFF"/>
-                </a:solidFill>
-                <a:effectLst>
-                  <a:outerShdw blurRad="38100" dist="38100" dir="2700000" algn="tl">
-                    <a:srgbClr val="000000">
-                      <a:alpha val="43137"/>
-                    </a:srgbClr>
-                  </a:outerShdw>
-                </a:effectLst>
-              </a:rPr>
-              <a:t>Каскада</a:t>
-            </a:r>
-            <a:endParaRPr lang="en-US" sz="2400" b="1" noProof="1">
-              <a:solidFill>
-                <a:srgbClr val="FFFFFF"/>
-              </a:solidFill>
-              <a:effectLst>
-                <a:outerShdw blurRad="38100" dist="38100" dir="2700000" algn="tl">
-                  <a:srgbClr val="000000">
-                    <a:alpha val="43137"/>
-                  </a:srgbClr>
-                </a:outerShdw>
-              </a:effectLst>
-            </a:endParaRPr>
-          </a:p>
-        </p:txBody>
-      </p:sp>
-      <p:sp>
-        <p:nvSpPr>
-          <p:cNvPr id="2" name="Slide Number">
-            <a:extLst>
-              <a:ext uri="{FF2B5EF4-FFF2-40B4-BE49-F238E27FC236}">
-                <a16:creationId xmlns:a16="http://schemas.microsoft.com/office/drawing/2014/main" id="{321E34F3-7757-86E4-9839-13E6888A952C}"/>
-              </a:ext>
-            </a:extLst>
-          </p:cNvPr>
-          <p:cNvSpPr>
-            <a:spLocks noGrp="1"/>
-          </p:cNvSpPr>
-          <p:nvPr>
-            <p:ph type="sldNum" sz="quarter" idx="5"/>
-          </p:nvPr>
-        </p:nvSpPr>
-        <p:spPr>
-          <a:xfrm>
-            <a:off x="11753030" y="6507000"/>
-            <a:ext cx="367414" cy="297000"/>
-          </a:xfrm>
-          <a:prstGeom prst="rect">
-            <a:avLst/>
-          </a:prstGeom>
-        </p:spPr>
-        <p:txBody>
-          <a:bodyPr vert="horz" lIns="91440" tIns="45720" rIns="91440" bIns="45720" rtlCol="0" anchor="b"/>
-          <a:lstStyle>
-            <a:lvl1pPr algn="r">
-              <a:defRPr sz="1000"/>
-            </a:lvl1pPr>
-          </a:lstStyle>
-          <a:p>
-            <a:fld id="{2BF067CD-8E6B-4360-9AA8-C5DF2A48A6D1}" type="slidenum">
-              <a:rPr lang="en-US" noProof="0" smtClean="0"/>
-              <a:pPr/>
-              <a:t>19</a:t>
-            </a:fld>
-            <a:endParaRPr lang="en-US" noProof="0" dirty="0"/>
-          </a:p>
-        </p:txBody>
-      </p:sp>
-    </p:spTree>
-    <p:extLst>
-      <p:ext uri="{BB962C8B-B14F-4D97-AF65-F5344CB8AC3E}">
-        <p14:creationId xmlns:p14="http://schemas.microsoft.com/office/powerpoint/2010/main" val="2237959311"/>
       </p:ext>
     </p:extLst>
   </p:cSld>
@@ -15630,6 +14945,1228 @@
           <a:chExt cx="0" cy="0"/>
         </a:xfrm>
       </p:grpSpPr>
+      <p:sp>
+        <p:nvSpPr>
+          <p:cNvPr id="5" name="Text Placeholder 4"/>
+          <p:cNvSpPr>
+            <a:spLocks noGrp="1"/>
+          </p:cNvSpPr>
+          <p:nvPr>
+            <p:ph type="body" sz="quarter" idx="10"/>
+          </p:nvPr>
+        </p:nvSpPr>
+        <p:spPr/>
+        <p:txBody>
+          <a:bodyPr/>
+          <a:lstStyle/>
+          <a:p>
+            <a:pPr>
+              <a:lnSpc>
+                <a:spcPct val="114000"/>
+              </a:lnSpc>
+            </a:pPr>
+            <a:r>
+              <a:rPr lang="bg-BG" sz="3600" dirty="0"/>
+              <a:t>Използвайте </a:t>
+            </a:r>
+            <a:r>
+              <a:rPr lang="bg-BG" sz="3600" b="1" dirty="0">
+                <a:solidFill>
+                  <a:schemeClr val="bg1"/>
+                </a:solidFill>
+              </a:rPr>
+              <a:t>каскадно променяне </a:t>
+            </a:r>
+            <a:r>
+              <a:rPr lang="bg-BG" sz="3600" dirty="0"/>
+              <a:t>когато</a:t>
+            </a:r>
+            <a:r>
+              <a:rPr lang="en-US" sz="3600" dirty="0"/>
+              <a:t>:</a:t>
+            </a:r>
+          </a:p>
+          <a:p>
+            <a:pPr lvl="1">
+              <a:lnSpc>
+                <a:spcPct val="114000"/>
+              </a:lnSpc>
+            </a:pPr>
+            <a:r>
+              <a:rPr lang="ru-RU" sz="3400" dirty="0"/>
+              <a:t>Първичният ключ </a:t>
+            </a:r>
+            <a:r>
+              <a:rPr lang="ru-RU" sz="3400" b="1" dirty="0">
+                <a:solidFill>
+                  <a:schemeClr val="bg1"/>
+                </a:solidFill>
+              </a:rPr>
+              <a:t>не е самонарастващ </a:t>
+            </a:r>
+            <a:r>
+              <a:rPr lang="ru-RU" sz="3400" dirty="0"/>
+              <a:t>(</a:t>
+            </a:r>
+            <a:r>
+              <a:rPr lang="en-US" sz="3400" b="1" dirty="0">
+                <a:solidFill>
+                  <a:schemeClr val="bg1"/>
+                </a:solidFill>
+              </a:rPr>
+              <a:t>Identity</a:t>
+            </a:r>
+            <a:r>
+              <a:rPr lang="en-US" sz="3400" dirty="0"/>
+              <a:t>) </a:t>
+            </a:r>
+            <a:r>
+              <a:rPr lang="ru-RU" sz="3400" dirty="0"/>
+              <a:t>и следователно </a:t>
+            </a:r>
+            <a:r>
+              <a:rPr lang="ru-RU" sz="3400" b="1" dirty="0">
+                <a:solidFill>
+                  <a:schemeClr val="bg1"/>
+                </a:solidFill>
+              </a:rPr>
+              <a:t>може да бъде </a:t>
+            </a:r>
+            <a:r>
+              <a:rPr lang="ru-RU" sz="3400" dirty="0"/>
+              <a:t>променен</a:t>
+            </a:r>
+            <a:endParaRPr lang="en-US" sz="3400" dirty="0"/>
+          </a:p>
+          <a:p>
+            <a:pPr lvl="1">
+              <a:lnSpc>
+                <a:spcPct val="114000"/>
+              </a:lnSpc>
+            </a:pPr>
+            <a:r>
+              <a:rPr lang="ru-RU" sz="3400" dirty="0"/>
+              <a:t>Най-добре се използва с уникално ограничение</a:t>
+            </a:r>
+            <a:r>
+              <a:rPr lang="en-US" sz="3400" dirty="0"/>
+              <a:t> (</a:t>
+            </a:r>
+            <a:r>
+              <a:rPr lang="en-US" sz="3400" b="1" dirty="0">
+                <a:solidFill>
+                  <a:schemeClr val="bg1"/>
+                </a:solidFill>
+              </a:rPr>
+              <a:t>Unique</a:t>
+            </a:r>
+            <a:r>
+              <a:rPr lang="en-US" sz="3400" dirty="0"/>
+              <a:t>)</a:t>
+            </a:r>
+          </a:p>
+          <a:p>
+            <a:pPr>
+              <a:lnSpc>
+                <a:spcPct val="114000"/>
+              </a:lnSpc>
+              <a:buClr>
+                <a:srgbClr val="224464"/>
+              </a:buClr>
+            </a:pPr>
+            <a:r>
+              <a:rPr lang="bg-BG" sz="3600" b="1" dirty="0">
+                <a:solidFill>
+                  <a:schemeClr val="bg1"/>
+                </a:solidFill>
+              </a:rPr>
+              <a:t>Не </a:t>
+            </a:r>
+            <a:r>
+              <a:rPr lang="bg-BG" sz="3600" dirty="0"/>
+              <a:t>използвайте </a:t>
+            </a:r>
+            <a:r>
+              <a:rPr lang="bg-BG" sz="3600" b="1" dirty="0">
+                <a:solidFill>
+                  <a:schemeClr val="bg1"/>
+                </a:solidFill>
+              </a:rPr>
+              <a:t>каскадно променяне </a:t>
+            </a:r>
+            <a:r>
+              <a:rPr lang="bg-BG" sz="3600" dirty="0"/>
+              <a:t>когато</a:t>
+            </a:r>
+            <a:r>
+              <a:rPr lang="en-US" sz="3600" dirty="0"/>
+              <a:t>:</a:t>
+            </a:r>
+          </a:p>
+          <a:p>
+            <a:pPr lvl="1">
+              <a:lnSpc>
+                <a:spcPct val="114000"/>
+              </a:lnSpc>
+            </a:pPr>
+            <a:r>
+              <a:rPr lang="ru-RU" sz="3400" dirty="0"/>
+              <a:t>Първичният ключ е </a:t>
+            </a:r>
+            <a:r>
+              <a:rPr lang="ru-RU" sz="3400" b="1" dirty="0">
+                <a:solidFill>
+                  <a:schemeClr val="bg1"/>
+                </a:solidFill>
+              </a:rPr>
+              <a:t>самонарастващ</a:t>
+            </a:r>
+            <a:endParaRPr lang="en-US" sz="3400" b="1" dirty="0">
+              <a:solidFill>
+                <a:schemeClr val="bg1"/>
+              </a:solidFill>
+            </a:endParaRPr>
+          </a:p>
+        </p:txBody>
+      </p:sp>
+      <p:sp>
+        <p:nvSpPr>
+          <p:cNvPr id="4" name="Title 3"/>
+          <p:cNvSpPr>
+            <a:spLocks noGrp="1"/>
+          </p:cNvSpPr>
+          <p:nvPr>
+            <p:ph type="title"/>
+          </p:nvPr>
+        </p:nvSpPr>
+        <p:spPr/>
+        <p:txBody>
+          <a:bodyPr/>
+          <a:lstStyle/>
+          <a:p>
+            <a:r>
+              <a:rPr lang="bg-BG" dirty="0"/>
+              <a:t>Каскадно променяне</a:t>
+            </a:r>
+            <a:endParaRPr lang="en-US" dirty="0"/>
+          </a:p>
+        </p:txBody>
+      </p:sp>
+      <p:sp>
+        <p:nvSpPr>
+          <p:cNvPr id="2" name="Slide Number">
+            <a:extLst>
+              <a:ext uri="{FF2B5EF4-FFF2-40B4-BE49-F238E27FC236}">
+                <a16:creationId xmlns:a16="http://schemas.microsoft.com/office/drawing/2014/main" id="{10F08C3A-AAFC-C1C5-98E6-EA7F728FA8F4}"/>
+              </a:ext>
+            </a:extLst>
+          </p:cNvPr>
+          <p:cNvSpPr>
+            <a:spLocks noGrp="1"/>
+          </p:cNvSpPr>
+          <p:nvPr>
+            <p:ph type="sldNum" sz="quarter" idx="5"/>
+          </p:nvPr>
+        </p:nvSpPr>
+        <p:spPr>
+          <a:xfrm>
+            <a:off x="11753030" y="6507000"/>
+            <a:ext cx="367414" cy="297000"/>
+          </a:xfrm>
+          <a:prstGeom prst="rect">
+            <a:avLst/>
+          </a:prstGeom>
+        </p:spPr>
+        <p:txBody>
+          <a:bodyPr vert="horz" lIns="91440" tIns="45720" rIns="91440" bIns="45720" rtlCol="0" anchor="b"/>
+          <a:lstStyle>
+            <a:lvl1pPr algn="r">
+              <a:defRPr sz="1000"/>
+            </a:lvl1pPr>
+          </a:lstStyle>
+          <a:p>
+            <a:fld id="{2BF067CD-8E6B-4360-9AA8-C5DF2A48A6D1}" type="slidenum">
+              <a:rPr lang="en-US" noProof="0" smtClean="0"/>
+              <a:pPr/>
+              <a:t>20</a:t>
+            </a:fld>
+            <a:endParaRPr lang="en-US" noProof="0" dirty="0"/>
+          </a:p>
+        </p:txBody>
+      </p:sp>
+    </p:spTree>
+    <p:extLst>
+      <p:ext uri="{BB962C8B-B14F-4D97-AF65-F5344CB8AC3E}">
+        <p14:creationId xmlns:p14="http://schemas.microsoft.com/office/powerpoint/2010/main" val="3637817768"/>
+      </p:ext>
+    </p:extLst>
+  </p:cSld>
+  <p:clrMapOvr>
+    <a:masterClrMapping/>
+  </p:clrMapOvr>
+  <mc:AlternateContent xmlns:mc="http://schemas.openxmlformats.org/markup-compatibility/2006" xmlns:p14="http://schemas.microsoft.com/office/powerpoint/2010/main">
+    <mc:Choice Requires="p14">
+      <p:transition spd="slow" p14:dur="2000" advClick="0" advTm="5000"/>
+    </mc:Choice>
+    <mc:Fallback xmlns="">
+      <p:transition spd="slow" advClick="0" advTm="5000"/>
+    </mc:Fallback>
+  </mc:AlternateContent>
+  <p:timing>
+    <p:tnLst>
+      <p:par>
+        <p:cTn id="1" dur="indefinite" restart="never" nodeType="tmRoot">
+          <p:childTnLst>
+            <p:seq concurrent="1" nextAc="seek">
+              <p:cTn id="2" dur="indefinite" nodeType="mainSeq">
+                <p:childTnLst>
+                  <p:par>
+                    <p:cTn id="3" fill="hold">
+                      <p:stCondLst>
+                        <p:cond delay="indefinite"/>
+                      </p:stCondLst>
+                      <p:childTnLst>
+                        <p:par>
+                          <p:cTn id="4" fill="hold">
+                            <p:stCondLst>
+                              <p:cond delay="0"/>
+                            </p:stCondLst>
+                            <p:childTnLst>
+                              <p:par>
+                                <p:cTn id="5" presetID="1" presetClass="entr" presetSubtype="0" fill="hold" nodeType="clickEffect">
+                                  <p:stCondLst>
+                                    <p:cond delay="0"/>
+                                  </p:stCondLst>
+                                  <p:childTnLst>
+                                    <p:set>
+                                      <p:cBhvr>
+                                        <p:cTn id="6" dur="1" fill="hold">
+                                          <p:stCondLst>
+                                            <p:cond delay="0"/>
+                                          </p:stCondLst>
+                                        </p:cTn>
+                                        <p:tgtEl>
+                                          <p:spTgt spid="5">
+                                            <p:txEl>
+                                              <p:pRg st="2" end="2"/>
+                                            </p:txEl>
+                                          </p:spTgt>
+                                        </p:tgtEl>
+                                        <p:attrNameLst>
+                                          <p:attrName>style.visibility</p:attrName>
+                                        </p:attrNameLst>
+                                      </p:cBhvr>
+                                      <p:to>
+                                        <p:strVal val="visible"/>
+                                      </p:to>
+                                    </p:set>
+                                  </p:childTnLst>
+                                </p:cTn>
+                              </p:par>
+                            </p:childTnLst>
+                          </p:cTn>
+                        </p:par>
+                      </p:childTnLst>
+                    </p:cTn>
+                  </p:par>
+                  <p:par>
+                    <p:cTn id="7" fill="hold">
+                      <p:stCondLst>
+                        <p:cond delay="indefinite"/>
+                      </p:stCondLst>
+                      <p:childTnLst>
+                        <p:par>
+                          <p:cTn id="8" fill="hold">
+                            <p:stCondLst>
+                              <p:cond delay="0"/>
+                            </p:stCondLst>
+                            <p:childTnLst>
+                              <p:par>
+                                <p:cTn id="9" presetID="1" presetClass="entr" presetSubtype="0" fill="hold" nodeType="clickEffect">
+                                  <p:stCondLst>
+                                    <p:cond delay="0"/>
+                                  </p:stCondLst>
+                                  <p:childTnLst>
+                                    <p:set>
+                                      <p:cBhvr>
+                                        <p:cTn id="10" dur="1" fill="hold">
+                                          <p:stCondLst>
+                                            <p:cond delay="0"/>
+                                          </p:stCondLst>
+                                        </p:cTn>
+                                        <p:tgtEl>
+                                          <p:spTgt spid="5">
+                                            <p:txEl>
+                                              <p:pRg st="3" end="3"/>
+                                            </p:txEl>
+                                          </p:spTgt>
+                                        </p:tgtEl>
+                                        <p:attrNameLst>
+                                          <p:attrName>style.visibility</p:attrName>
+                                        </p:attrNameLst>
+                                      </p:cBhvr>
+                                      <p:to>
+                                        <p:strVal val="visible"/>
+                                      </p:to>
+                                    </p:set>
+                                  </p:childTnLst>
+                                </p:cTn>
+                              </p:par>
+                              <p:par>
+                                <p:cTn id="11" presetID="1" presetClass="entr" presetSubtype="0" fill="hold" nodeType="withEffect">
+                                  <p:stCondLst>
+                                    <p:cond delay="0"/>
+                                  </p:stCondLst>
+                                  <p:childTnLst>
+                                    <p:set>
+                                      <p:cBhvr>
+                                        <p:cTn id="12" dur="1" fill="hold">
+                                          <p:stCondLst>
+                                            <p:cond delay="0"/>
+                                          </p:stCondLst>
+                                        </p:cTn>
+                                        <p:tgtEl>
+                                          <p:spTgt spid="5">
+                                            <p:txEl>
+                                              <p:pRg st="4" end="4"/>
+                                            </p:txEl>
+                                          </p:spTgt>
+                                        </p:tgtEl>
+                                        <p:attrNameLst>
+                                          <p:attrName>style.visibility</p:attrName>
+                                        </p:attrNameLst>
+                                      </p:cBhvr>
+                                      <p:to>
+                                        <p:strVal val="visible"/>
+                                      </p:to>
+                                    </p:set>
+                                  </p:childTnLst>
+                                </p:cTn>
+                              </p:par>
+                            </p:childTnLst>
+                          </p:cTn>
+                        </p:par>
+                      </p:childTnLst>
+                    </p:cTn>
+                  </p:par>
+                </p:childTnLst>
+              </p:cTn>
+              <p:prevCondLst>
+                <p:cond evt="onPrev" delay="0">
+                  <p:tgtEl>
+                    <p:sldTgt/>
+                  </p:tgtEl>
+                </p:cond>
+              </p:prevCondLst>
+              <p:nextCondLst>
+                <p:cond evt="onNext" delay="0">
+                  <p:tgtEl>
+                    <p:sldTgt/>
+                  </p:tgtEl>
+                </p:cond>
+              </p:nextCondLst>
+            </p:seq>
+          </p:childTnLst>
+        </p:cTn>
+      </p:par>
+    </p:tnLst>
+  </p:timing>
+</p:sld>
+</file>
+
+<file path=ppt/slides/slide21.xml><?xml version="1.0" encoding="utf-8"?>
+<p:sld xmlns:a="http://schemas.openxmlformats.org/drawingml/2006/main" xmlns:r="http://schemas.openxmlformats.org/officeDocument/2006/relationships" xmlns:p="http://schemas.openxmlformats.org/presentationml/2006/main">
+  <p:cSld>
+    <p:spTree>
+      <p:nvGrpSpPr>
+        <p:cNvPr id="1" name=""/>
+        <p:cNvGrpSpPr/>
+        <p:nvPr/>
+      </p:nvGrpSpPr>
+      <p:grpSpPr>
+        <a:xfrm>
+          <a:off x="0" y="0"/>
+          <a:ext cx="0" cy="0"/>
+          <a:chOff x="0" y="0"/>
+          <a:chExt cx="0" cy="0"/>
+        </a:xfrm>
+      </p:grpSpPr>
+      <p:sp>
+        <p:nvSpPr>
+          <p:cNvPr id="10" name="Rectangle 9"/>
+          <p:cNvSpPr>
+            <a:spLocks noChangeArrowheads="1"/>
+          </p:cNvSpPr>
+          <p:nvPr/>
+        </p:nvSpPr>
+        <p:spPr bwMode="auto">
+          <a:xfrm>
+            <a:off x="395786" y="1314188"/>
+            <a:ext cx="11400427" cy="5296423"/>
+          </a:xfrm>
+          <a:prstGeom prst="rect">
+            <a:avLst/>
+          </a:prstGeom>
+          <a:solidFill>
+            <a:schemeClr val="accent5">
+              <a:lumMod val="40000"/>
+              <a:lumOff val="60000"/>
+              <a:alpha val="20000"/>
+            </a:schemeClr>
+          </a:solidFill>
+          <a:ln w="12700">
+            <a:solidFill>
+              <a:schemeClr val="accent5">
+                <a:lumMod val="60000"/>
+                <a:lumOff val="40000"/>
+              </a:schemeClr>
+            </a:solidFill>
+          </a:ln>
+        </p:spPr>
+        <p:txBody>
+          <a:bodyPr vert="horz" wrap="square" lIns="144000" tIns="108000" rIns="144000" bIns="108000" rtlCol="0">
+            <a:spAutoFit/>
+          </a:bodyPr>
+          <a:lstStyle/>
+          <a:p>
+            <a:r>
+              <a:rPr lang="en-US" sz="3000" b="1" noProof="1">
+                <a:solidFill>
+                  <a:schemeClr val="tx2"/>
+                </a:solidFill>
+                <a:latin typeface="Consolas" panose="020B0609020204030204" pitchFamily="49" charset="0"/>
+              </a:rPr>
+              <a:t>CREATE TABLE Products(</a:t>
+            </a:r>
+          </a:p>
+          <a:p>
+            <a:r>
+              <a:rPr lang="en-US" sz="3000" b="1" noProof="1">
+                <a:solidFill>
+                  <a:schemeClr val="tx2"/>
+                </a:solidFill>
+                <a:latin typeface="Consolas" panose="020B0609020204030204" pitchFamily="49" charset="0"/>
+              </a:rPr>
+              <a:t>  BarcodeId INT PRIMARY KEY,</a:t>
+            </a:r>
+          </a:p>
+          <a:p>
+            <a:r>
+              <a:rPr lang="en-US" sz="3000" b="1" noProof="1">
+                <a:solidFill>
+                  <a:schemeClr val="tx2"/>
+                </a:solidFill>
+                <a:latin typeface="Consolas" panose="020B0609020204030204" pitchFamily="49" charset="0"/>
+              </a:rPr>
+              <a:t>  Name VARCHAR(50)</a:t>
+            </a:r>
+          </a:p>
+          <a:p>
+            <a:r>
+              <a:rPr lang="en-US" sz="3000" b="1" noProof="1">
+                <a:solidFill>
+                  <a:schemeClr val="tx2"/>
+                </a:solidFill>
+                <a:latin typeface="Consolas" panose="020B0609020204030204" pitchFamily="49" charset="0"/>
+              </a:rPr>
+              <a:t>)</a:t>
+            </a:r>
+          </a:p>
+          <a:p>
+            <a:endParaRPr lang="en-US" sz="3000" b="1" noProof="1">
+              <a:solidFill>
+                <a:schemeClr val="tx2"/>
+              </a:solidFill>
+              <a:latin typeface="Consolas" panose="020B0609020204030204" pitchFamily="49" charset="0"/>
+            </a:endParaRPr>
+          </a:p>
+          <a:p>
+            <a:r>
+              <a:rPr lang="en-US" sz="3000" b="1" noProof="1">
+                <a:solidFill>
+                  <a:schemeClr val="tx2"/>
+                </a:solidFill>
+                <a:latin typeface="Consolas" panose="020B0609020204030204" pitchFamily="49" charset="0"/>
+              </a:rPr>
+              <a:t>CREATE TABLE Stock(</a:t>
+            </a:r>
+          </a:p>
+          <a:p>
+            <a:r>
+              <a:rPr lang="en-US" sz="3000" b="1" noProof="1">
+                <a:solidFill>
+                  <a:schemeClr val="tx2"/>
+                </a:solidFill>
+                <a:latin typeface="Consolas" panose="020B0609020204030204" pitchFamily="49" charset="0"/>
+              </a:rPr>
+              <a:t>  Id INT PRIMARY KEY,</a:t>
+            </a:r>
+          </a:p>
+          <a:p>
+            <a:r>
+              <a:rPr lang="en-US" sz="3000" b="1" noProof="1">
+                <a:solidFill>
+                  <a:schemeClr val="tx2"/>
+                </a:solidFill>
+                <a:latin typeface="Consolas" panose="020B0609020204030204" pitchFamily="49" charset="0"/>
+              </a:rPr>
+              <a:t>  Barcode INT,</a:t>
+            </a:r>
+          </a:p>
+          <a:p>
+            <a:r>
+              <a:rPr lang="en-US" sz="3000" b="1" noProof="1">
+                <a:solidFill>
+                  <a:schemeClr val="tx2"/>
+                </a:solidFill>
+                <a:latin typeface="Consolas" panose="020B0609020204030204" pitchFamily="49" charset="0"/>
+              </a:rPr>
+              <a:t>  CONSTRAINT FK_Stock_Products </a:t>
+            </a:r>
+            <a:r>
+              <a:rPr lang="en-US" sz="3000" b="1" noProof="1">
+                <a:solidFill>
+                  <a:schemeClr val="bg1"/>
+                </a:solidFill>
+                <a:latin typeface="Consolas" panose="020B0609020204030204" pitchFamily="49" charset="0"/>
+              </a:rPr>
+              <a:t>FOREIGN KEY</a:t>
+            </a:r>
+            <a:r>
+              <a:rPr lang="en-US" sz="3000" b="1" noProof="1">
+                <a:solidFill>
+                  <a:schemeClr val="tx2"/>
+                </a:solidFill>
+                <a:latin typeface="Consolas" panose="020B0609020204030204" pitchFamily="49" charset="0"/>
+              </a:rPr>
+              <a:t>(BarcodeId)</a:t>
+            </a:r>
+          </a:p>
+          <a:p>
+            <a:r>
+              <a:rPr lang="en-US" sz="3000" b="1" noProof="1">
+                <a:solidFill>
+                  <a:schemeClr val="tx2"/>
+                </a:solidFill>
+                <a:latin typeface="Consolas" panose="020B0609020204030204" pitchFamily="49" charset="0"/>
+              </a:rPr>
+              <a:t>  REFERENCES Products(BarcodeId) </a:t>
+            </a:r>
+            <a:r>
+              <a:rPr lang="en-US" sz="3000" b="1" noProof="1">
+                <a:solidFill>
+                  <a:schemeClr val="bg1"/>
+                </a:solidFill>
+                <a:latin typeface="Consolas" panose="020B0609020204030204" pitchFamily="49" charset="0"/>
+              </a:rPr>
+              <a:t>ON UPDATE CASCADE</a:t>
+            </a:r>
+            <a:br>
+              <a:rPr lang="en-US" sz="3000" b="1" noProof="1">
+                <a:solidFill>
+                  <a:schemeClr val="tx2"/>
+                </a:solidFill>
+                <a:latin typeface="Consolas" panose="020B0609020204030204" pitchFamily="49" charset="0"/>
+              </a:rPr>
+            </a:br>
+            <a:r>
+              <a:rPr lang="en-US" sz="3000" b="1" noProof="1">
+                <a:solidFill>
+                  <a:schemeClr val="tx2"/>
+                </a:solidFill>
+                <a:latin typeface="Consolas" panose="020B0609020204030204" pitchFamily="49" charset="0"/>
+              </a:rPr>
+              <a:t>)</a:t>
+            </a:r>
+            <a:endParaRPr lang="en-US" sz="3000" noProof="1">
+              <a:solidFill>
+                <a:schemeClr val="tx2"/>
+              </a:solidFill>
+              <a:latin typeface="Consolas" panose="020B0609020204030204" pitchFamily="49" charset="0"/>
+            </a:endParaRPr>
+          </a:p>
+        </p:txBody>
+      </p:sp>
+      <p:sp>
+        <p:nvSpPr>
+          <p:cNvPr id="465922" name="Rectangle 2"/>
+          <p:cNvSpPr>
+            <a:spLocks noGrp="1" noChangeArrowheads="1"/>
+          </p:cNvSpPr>
+          <p:nvPr>
+            <p:ph type="title"/>
+          </p:nvPr>
+        </p:nvSpPr>
+        <p:spPr/>
+        <p:txBody>
+          <a:bodyPr/>
+          <a:lstStyle/>
+          <a:p>
+            <a:r>
+              <a:rPr lang="bg-BG" dirty="0"/>
+              <a:t>Каскадно променяне –</a:t>
+            </a:r>
+            <a:r>
+              <a:rPr lang="en-US" dirty="0"/>
+              <a:t> </a:t>
+            </a:r>
+            <a:r>
+              <a:rPr lang="bg-BG" dirty="0"/>
+              <a:t>Пример</a:t>
+            </a:r>
+          </a:p>
+        </p:txBody>
+      </p:sp>
+      <p:sp>
+        <p:nvSpPr>
+          <p:cNvPr id="12" name="AutoShape 7"/>
+          <p:cNvSpPr>
+            <a:spLocks noChangeArrowheads="1"/>
+          </p:cNvSpPr>
+          <p:nvPr/>
+        </p:nvSpPr>
+        <p:spPr bwMode="auto">
+          <a:xfrm>
+            <a:off x="8534400" y="4191000"/>
+            <a:ext cx="2229557" cy="559968"/>
+          </a:xfrm>
+          <a:prstGeom prst="wedgeRoundRectCallout">
+            <a:avLst>
+              <a:gd name="adj1" fmla="val -41916"/>
+              <a:gd name="adj2" fmla="val 98795"/>
+              <a:gd name="adj3" fmla="val 16667"/>
+            </a:avLst>
+          </a:prstGeom>
+          <a:solidFill>
+            <a:schemeClr val="tx1">
+              <a:alpha val="80000"/>
+            </a:schemeClr>
+          </a:solidFill>
+          <a:ln w="19050">
+            <a:solidFill>
+              <a:schemeClr val="tx1">
+                <a:alpha val="80000"/>
+              </a:schemeClr>
+            </a:solidFill>
+          </a:ln>
+          <a:effectLst/>
+        </p:spPr>
+        <p:style>
+          <a:lnRef idx="2">
+            <a:schemeClr val="accent1">
+              <a:shade val="50000"/>
+            </a:schemeClr>
+          </a:lnRef>
+          <a:fillRef idx="1001">
+            <a:schemeClr val="dk2"/>
+          </a:fillRef>
+          <a:effectRef idx="0">
+            <a:schemeClr val="accent1"/>
+          </a:effectRef>
+          <a:fontRef idx="minor">
+            <a:schemeClr val="lt1"/>
+          </a:fontRef>
+        </p:style>
+        <p:txBody>
+          <a:bodyPr rot="0" spcFirstLastPara="0" vertOverflow="overflow" horzOverflow="overflow" vert="horz" wrap="square" lIns="91440" tIns="45720" rIns="91440" bIns="45720" numCol="1" spcCol="0" rtlCol="0" fromWordArt="0" anchor="ctr" anchorCtr="0" forceAA="0" compatLnSpc="1">
+            <a:prstTxWarp prst="textNoShape">
+              <a:avLst/>
+            </a:prstTxWarp>
+            <a:noAutofit/>
+          </a:bodyPr>
+          <a:lstStyle/>
+          <a:p>
+            <a:pPr algn="ctr"/>
+            <a:r>
+              <a:rPr lang="bg-BG" sz="2400" b="1" noProof="1">
+                <a:solidFill>
+                  <a:srgbClr val="FFFFFF"/>
+                </a:solidFill>
+                <a:effectLst>
+                  <a:outerShdw blurRad="38100" dist="38100" dir="2700000" algn="tl">
+                    <a:srgbClr val="000000">
+                      <a:alpha val="43137"/>
+                    </a:srgbClr>
+                  </a:outerShdw>
+                </a:effectLst>
+              </a:rPr>
+              <a:t>Външен ключ</a:t>
+            </a:r>
+            <a:endParaRPr lang="en-US" sz="2400" b="1" noProof="1">
+              <a:solidFill>
+                <a:srgbClr val="FFFFFF"/>
+              </a:solidFill>
+              <a:effectLst>
+                <a:outerShdw blurRad="38100" dist="38100" dir="2700000" algn="tl">
+                  <a:srgbClr val="000000">
+                    <a:alpha val="43137"/>
+                  </a:srgbClr>
+                </a:outerShdw>
+              </a:effectLst>
+            </a:endParaRPr>
+          </a:p>
+        </p:txBody>
+      </p:sp>
+      <p:sp>
+        <p:nvSpPr>
+          <p:cNvPr id="9" name="AutoShape 7"/>
+          <p:cNvSpPr>
+            <a:spLocks noChangeArrowheads="1"/>
+          </p:cNvSpPr>
+          <p:nvPr/>
+        </p:nvSpPr>
+        <p:spPr bwMode="auto">
+          <a:xfrm>
+            <a:off x="8040758" y="6244641"/>
+            <a:ext cx="2229557" cy="559968"/>
+          </a:xfrm>
+          <a:prstGeom prst="wedgeRoundRectCallout">
+            <a:avLst>
+              <a:gd name="adj1" fmla="val 1267"/>
+              <a:gd name="adj2" fmla="val -100273"/>
+              <a:gd name="adj3" fmla="val 16667"/>
+            </a:avLst>
+          </a:prstGeom>
+          <a:solidFill>
+            <a:schemeClr val="tx1">
+              <a:alpha val="80000"/>
+            </a:schemeClr>
+          </a:solidFill>
+          <a:ln w="19050">
+            <a:solidFill>
+              <a:schemeClr val="tx1">
+                <a:alpha val="80000"/>
+              </a:schemeClr>
+            </a:solidFill>
+          </a:ln>
+          <a:effectLst/>
+        </p:spPr>
+        <p:style>
+          <a:lnRef idx="2">
+            <a:schemeClr val="accent1">
+              <a:shade val="50000"/>
+            </a:schemeClr>
+          </a:lnRef>
+          <a:fillRef idx="1001">
+            <a:schemeClr val="dk2"/>
+          </a:fillRef>
+          <a:effectRef idx="0">
+            <a:schemeClr val="accent1"/>
+          </a:effectRef>
+          <a:fontRef idx="minor">
+            <a:schemeClr val="lt1"/>
+          </a:fontRef>
+        </p:style>
+        <p:txBody>
+          <a:bodyPr rot="0" spcFirstLastPara="0" vertOverflow="overflow" horzOverflow="overflow" vert="horz" wrap="square" lIns="91440" tIns="45720" rIns="91440" bIns="45720" numCol="1" spcCol="0" rtlCol="0" fromWordArt="0" anchor="ctr" anchorCtr="0" forceAA="0" compatLnSpc="1">
+            <a:prstTxWarp prst="textNoShape">
+              <a:avLst/>
+            </a:prstTxWarp>
+            <a:noAutofit/>
+          </a:bodyPr>
+          <a:lstStyle/>
+          <a:p>
+            <a:pPr algn="ctr"/>
+            <a:r>
+              <a:rPr lang="bg-BG" sz="2400" b="1" noProof="1">
+                <a:solidFill>
+                  <a:srgbClr val="FFFFFF"/>
+                </a:solidFill>
+                <a:effectLst>
+                  <a:outerShdw blurRad="38100" dist="38100" dir="2700000" algn="tl">
+                    <a:srgbClr val="000000">
+                      <a:alpha val="43137"/>
+                    </a:srgbClr>
+                  </a:outerShdw>
+                </a:effectLst>
+              </a:rPr>
+              <a:t>Каскада</a:t>
+            </a:r>
+            <a:endParaRPr lang="en-US" sz="2400" b="1" noProof="1">
+              <a:solidFill>
+                <a:srgbClr val="FFFFFF"/>
+              </a:solidFill>
+              <a:effectLst>
+                <a:outerShdw blurRad="38100" dist="38100" dir="2700000" algn="tl">
+                  <a:srgbClr val="000000">
+                    <a:alpha val="43137"/>
+                  </a:srgbClr>
+                </a:outerShdw>
+              </a:effectLst>
+            </a:endParaRPr>
+          </a:p>
+        </p:txBody>
+      </p:sp>
+      <p:sp>
+        <p:nvSpPr>
+          <p:cNvPr id="2" name="Slide Number">
+            <a:extLst>
+              <a:ext uri="{FF2B5EF4-FFF2-40B4-BE49-F238E27FC236}">
+                <a16:creationId xmlns:a16="http://schemas.microsoft.com/office/drawing/2014/main" id="{321E34F3-7757-86E4-9839-13E6888A952C}"/>
+              </a:ext>
+            </a:extLst>
+          </p:cNvPr>
+          <p:cNvSpPr>
+            <a:spLocks noGrp="1"/>
+          </p:cNvSpPr>
+          <p:nvPr>
+            <p:ph type="sldNum" sz="quarter" idx="5"/>
+          </p:nvPr>
+        </p:nvSpPr>
+        <p:spPr>
+          <a:xfrm>
+            <a:off x="11753030" y="6507000"/>
+            <a:ext cx="367414" cy="297000"/>
+          </a:xfrm>
+          <a:prstGeom prst="rect">
+            <a:avLst/>
+          </a:prstGeom>
+        </p:spPr>
+        <p:txBody>
+          <a:bodyPr vert="horz" lIns="91440" tIns="45720" rIns="91440" bIns="45720" rtlCol="0" anchor="b"/>
+          <a:lstStyle>
+            <a:lvl1pPr algn="r">
+              <a:defRPr sz="1000"/>
+            </a:lvl1pPr>
+          </a:lstStyle>
+          <a:p>
+            <a:fld id="{2BF067CD-8E6B-4360-9AA8-C5DF2A48A6D1}" type="slidenum">
+              <a:rPr lang="en-US" noProof="0" smtClean="0"/>
+              <a:pPr/>
+              <a:t>21</a:t>
+            </a:fld>
+            <a:endParaRPr lang="en-US" noProof="0" dirty="0"/>
+          </a:p>
+        </p:txBody>
+      </p:sp>
+    </p:spTree>
+    <p:extLst>
+      <p:ext uri="{BB962C8B-B14F-4D97-AF65-F5344CB8AC3E}">
+        <p14:creationId xmlns:p14="http://schemas.microsoft.com/office/powerpoint/2010/main" val="2237959311"/>
+      </p:ext>
+    </p:extLst>
+  </p:cSld>
+  <p:clrMapOvr>
+    <a:masterClrMapping/>
+  </p:clrMapOvr>
+  <p:transition/>
+  <p:timing>
+    <p:tnLst>
+      <p:par>
+        <p:cTn id="1" dur="indefinite" restart="never" nodeType="tmRoot">
+          <p:childTnLst>
+            <p:seq concurrent="1" nextAc="seek">
+              <p:cTn id="2" dur="indefinite" nodeType="mainSeq">
+                <p:childTnLst>
+                  <p:par>
+                    <p:cTn id="3" fill="hold">
+                      <p:stCondLst>
+                        <p:cond delay="indefinite"/>
+                      </p:stCondLst>
+                      <p:childTnLst>
+                        <p:par>
+                          <p:cTn id="4" fill="hold">
+                            <p:stCondLst>
+                              <p:cond delay="0"/>
+                            </p:stCondLst>
+                            <p:childTnLst>
+                              <p:par>
+                                <p:cTn id="5" presetID="1" presetClass="entr" presetSubtype="0" fill="hold" nodeType="clickEffect">
+                                  <p:stCondLst>
+                                    <p:cond delay="0"/>
+                                  </p:stCondLst>
+                                  <p:childTnLst>
+                                    <p:set>
+                                      <p:cBhvr>
+                                        <p:cTn id="6" dur="1" fill="hold">
+                                          <p:stCondLst>
+                                            <p:cond delay="0"/>
+                                          </p:stCondLst>
+                                        </p:cTn>
+                                        <p:tgtEl>
+                                          <p:spTgt spid="10">
+                                            <p:txEl>
+                                              <p:pRg st="5" end="5"/>
+                                            </p:txEl>
+                                          </p:spTgt>
+                                        </p:tgtEl>
+                                        <p:attrNameLst>
+                                          <p:attrName>style.visibility</p:attrName>
+                                        </p:attrNameLst>
+                                      </p:cBhvr>
+                                      <p:to>
+                                        <p:strVal val="visible"/>
+                                      </p:to>
+                                    </p:set>
+                                  </p:childTnLst>
+                                </p:cTn>
+                              </p:par>
+                              <p:par>
+                                <p:cTn id="7" presetID="1" presetClass="entr" presetSubtype="0" fill="hold" nodeType="withEffect">
+                                  <p:stCondLst>
+                                    <p:cond delay="0"/>
+                                  </p:stCondLst>
+                                  <p:childTnLst>
+                                    <p:set>
+                                      <p:cBhvr>
+                                        <p:cTn id="8" dur="1" fill="hold">
+                                          <p:stCondLst>
+                                            <p:cond delay="0"/>
+                                          </p:stCondLst>
+                                        </p:cTn>
+                                        <p:tgtEl>
+                                          <p:spTgt spid="10">
+                                            <p:txEl>
+                                              <p:pRg st="6" end="6"/>
+                                            </p:txEl>
+                                          </p:spTgt>
+                                        </p:tgtEl>
+                                        <p:attrNameLst>
+                                          <p:attrName>style.visibility</p:attrName>
+                                        </p:attrNameLst>
+                                      </p:cBhvr>
+                                      <p:to>
+                                        <p:strVal val="visible"/>
+                                      </p:to>
+                                    </p:set>
+                                  </p:childTnLst>
+                                </p:cTn>
+                              </p:par>
+                              <p:par>
+                                <p:cTn id="9" presetID="1" presetClass="entr" presetSubtype="0" fill="hold" nodeType="withEffect">
+                                  <p:stCondLst>
+                                    <p:cond delay="0"/>
+                                  </p:stCondLst>
+                                  <p:childTnLst>
+                                    <p:set>
+                                      <p:cBhvr>
+                                        <p:cTn id="10" dur="1" fill="hold">
+                                          <p:stCondLst>
+                                            <p:cond delay="0"/>
+                                          </p:stCondLst>
+                                        </p:cTn>
+                                        <p:tgtEl>
+                                          <p:spTgt spid="10">
+                                            <p:txEl>
+                                              <p:pRg st="7" end="7"/>
+                                            </p:txEl>
+                                          </p:spTgt>
+                                        </p:tgtEl>
+                                        <p:attrNameLst>
+                                          <p:attrName>style.visibility</p:attrName>
+                                        </p:attrNameLst>
+                                      </p:cBhvr>
+                                      <p:to>
+                                        <p:strVal val="visible"/>
+                                      </p:to>
+                                    </p:set>
+                                  </p:childTnLst>
+                                </p:cTn>
+                              </p:par>
+                              <p:par>
+                                <p:cTn id="11" presetID="1" presetClass="entr" presetSubtype="0" fill="hold" nodeType="withEffect">
+                                  <p:stCondLst>
+                                    <p:cond delay="0"/>
+                                  </p:stCondLst>
+                                  <p:childTnLst>
+                                    <p:set>
+                                      <p:cBhvr>
+                                        <p:cTn id="12" dur="1" fill="hold">
+                                          <p:stCondLst>
+                                            <p:cond delay="0"/>
+                                          </p:stCondLst>
+                                        </p:cTn>
+                                        <p:tgtEl>
+                                          <p:spTgt spid="10">
+                                            <p:txEl>
+                                              <p:pRg st="8" end="8"/>
+                                            </p:txEl>
+                                          </p:spTgt>
+                                        </p:tgtEl>
+                                        <p:attrNameLst>
+                                          <p:attrName>style.visibility</p:attrName>
+                                        </p:attrNameLst>
+                                      </p:cBhvr>
+                                      <p:to>
+                                        <p:strVal val="visible"/>
+                                      </p:to>
+                                    </p:set>
+                                  </p:childTnLst>
+                                </p:cTn>
+                              </p:par>
+                              <p:par>
+                                <p:cTn id="13" presetID="1" presetClass="entr" presetSubtype="0" fill="hold" nodeType="withEffect">
+                                  <p:stCondLst>
+                                    <p:cond delay="0"/>
+                                  </p:stCondLst>
+                                  <p:childTnLst>
+                                    <p:set>
+                                      <p:cBhvr>
+                                        <p:cTn id="14" dur="1" fill="hold">
+                                          <p:stCondLst>
+                                            <p:cond delay="0"/>
+                                          </p:stCondLst>
+                                        </p:cTn>
+                                        <p:tgtEl>
+                                          <p:spTgt spid="10">
+                                            <p:txEl>
+                                              <p:pRg st="9" end="9"/>
+                                            </p:txEl>
+                                          </p:spTgt>
+                                        </p:tgtEl>
+                                        <p:attrNameLst>
+                                          <p:attrName>style.visibility</p:attrName>
+                                        </p:attrNameLst>
+                                      </p:cBhvr>
+                                      <p:to>
+                                        <p:strVal val="visible"/>
+                                      </p:to>
+                                    </p:set>
+                                  </p:childTnLst>
+                                </p:cTn>
+                              </p:par>
+                            </p:childTnLst>
+                          </p:cTn>
+                        </p:par>
+                      </p:childTnLst>
+                    </p:cTn>
+                  </p:par>
+                  <p:par>
+                    <p:cTn id="15" fill="hold">
+                      <p:stCondLst>
+                        <p:cond delay="indefinite"/>
+                      </p:stCondLst>
+                      <p:childTnLst>
+                        <p:par>
+                          <p:cTn id="16" fill="hold">
+                            <p:stCondLst>
+                              <p:cond delay="0"/>
+                            </p:stCondLst>
+                            <p:childTnLst>
+                              <p:par>
+                                <p:cTn id="17" presetID="1" presetClass="entr" presetSubtype="0" fill="hold" grpId="0" nodeType="clickEffect">
+                                  <p:stCondLst>
+                                    <p:cond delay="0"/>
+                                  </p:stCondLst>
+                                  <p:childTnLst>
+                                    <p:set>
+                                      <p:cBhvr>
+                                        <p:cTn id="18" dur="1" fill="hold">
+                                          <p:stCondLst>
+                                            <p:cond delay="0"/>
+                                          </p:stCondLst>
+                                        </p:cTn>
+                                        <p:tgtEl>
+                                          <p:spTgt spid="12"/>
+                                        </p:tgtEl>
+                                        <p:attrNameLst>
+                                          <p:attrName>style.visibility</p:attrName>
+                                        </p:attrNameLst>
+                                      </p:cBhvr>
+                                      <p:to>
+                                        <p:strVal val="visible"/>
+                                      </p:to>
+                                    </p:set>
+                                  </p:childTnLst>
+                                </p:cTn>
+                              </p:par>
+                            </p:childTnLst>
+                          </p:cTn>
+                        </p:par>
+                      </p:childTnLst>
+                    </p:cTn>
+                  </p:par>
+                  <p:par>
+                    <p:cTn id="19" fill="hold">
+                      <p:stCondLst>
+                        <p:cond delay="indefinite"/>
+                      </p:stCondLst>
+                      <p:childTnLst>
+                        <p:par>
+                          <p:cTn id="20" fill="hold">
+                            <p:stCondLst>
+                              <p:cond delay="0"/>
+                            </p:stCondLst>
+                            <p:childTnLst>
+                              <p:par>
+                                <p:cTn id="21" presetID="1" presetClass="entr" presetSubtype="0" fill="hold" grpId="0" nodeType="clickEffect">
+                                  <p:stCondLst>
+                                    <p:cond delay="0"/>
+                                  </p:stCondLst>
+                                  <p:childTnLst>
+                                    <p:set>
+                                      <p:cBhvr>
+                                        <p:cTn id="22" dur="1" fill="hold">
+                                          <p:stCondLst>
+                                            <p:cond delay="0"/>
+                                          </p:stCondLst>
+                                        </p:cTn>
+                                        <p:tgtEl>
+                                          <p:spTgt spid="9"/>
+                                        </p:tgtEl>
+                                        <p:attrNameLst>
+                                          <p:attrName>style.visibility</p:attrName>
+                                        </p:attrNameLst>
+                                      </p:cBhvr>
+                                      <p:to>
+                                        <p:strVal val="visible"/>
+                                      </p:to>
+                                    </p:set>
+                                  </p:childTnLst>
+                                </p:cTn>
+                              </p:par>
+                            </p:childTnLst>
+                          </p:cTn>
+                        </p:par>
+                      </p:childTnLst>
+                    </p:cTn>
+                  </p:par>
+                </p:childTnLst>
+              </p:cTn>
+              <p:prevCondLst>
+                <p:cond evt="onPrev" delay="0">
+                  <p:tgtEl>
+                    <p:sldTgt/>
+                  </p:tgtEl>
+                </p:cond>
+              </p:prevCondLst>
+              <p:nextCondLst>
+                <p:cond evt="onNext" delay="0">
+                  <p:tgtEl>
+                    <p:sldTgt/>
+                  </p:tgtEl>
+                </p:cond>
+              </p:nextCondLst>
+            </p:seq>
+          </p:childTnLst>
+        </p:cTn>
+      </p:par>
+    </p:tnLst>
+    <p:bldLst>
+      <p:bldP spid="12" grpId="0" animBg="1"/>
+      <p:bldP spid="9" grpId="0" animBg="1"/>
+    </p:bldLst>
+  </p:timing>
+</p:sld>
+</file>
+
+<file path=ppt/slides/slide22.xml><?xml version="1.0" encoding="utf-8"?>
+<p:sld xmlns:a="http://schemas.openxmlformats.org/drawingml/2006/main" xmlns:r="http://schemas.openxmlformats.org/officeDocument/2006/relationships" xmlns:p="http://schemas.openxmlformats.org/presentationml/2006/main">
+  <p:cSld>
+    <p:spTree>
+      <p:nvGrpSpPr>
+        <p:cNvPr id="1" name=""/>
+        <p:cNvGrpSpPr/>
+        <p:nvPr/>
+      </p:nvGrpSpPr>
+      <p:grpSpPr>
+        <a:xfrm>
+          <a:off x="0" y="0"/>
+          <a:ext cx="0" cy="0"/>
+          <a:chOff x="0" y="0"/>
+          <a:chExt cx="0" cy="0"/>
+        </a:xfrm>
+      </p:grpSpPr>
       <p:pic>
         <p:nvPicPr>
           <p:cNvPr id="56322" name="Picture 2" descr="Data, database, ok, online, server, storage, tick icon - Download on  Iconfinder"/>
@@ -15744,7 +16281,7 @@
 </p:sld>
 </file>
 
-<file path=ppt/slides/slide21.xml><?xml version="1.0" encoding="utf-8"?>
+<file path=ppt/slides/slide23.xml><?xml version="1.0" encoding="utf-8"?>
 <p:sld xmlns:a="http://schemas.openxmlformats.org/drawingml/2006/main" xmlns:r="http://schemas.openxmlformats.org/officeDocument/2006/relationships" xmlns:p="http://schemas.openxmlformats.org/presentationml/2006/main">
   <p:cSld>
     <p:spTree>
@@ -17511,7 +18048,7 @@
             <a:fld id="{2BF067CD-8E6B-4360-9AA8-C5DF2A48A6D1}" type="slidenum">
               <a:rPr lang="en-US" noProof="0" smtClean="0"/>
               <a:pPr/>
-              <a:t>21</a:t>
+              <a:t>23</a:t>
             </a:fld>
             <a:endParaRPr lang="en-US" noProof="0" dirty="0"/>
           </a:p>
@@ -17644,7 +18181,7 @@
 </p:sld>
 </file>
 
-<file path=ppt/slides/slide22.xml><?xml version="1.0" encoding="utf-8"?>
+<file path=ppt/slides/slide24.xml><?xml version="1.0" encoding="utf-8"?>
 <p:sld xmlns:a="http://schemas.openxmlformats.org/drawingml/2006/main" xmlns:r="http://schemas.openxmlformats.org/officeDocument/2006/relationships" xmlns:p="http://schemas.openxmlformats.org/presentationml/2006/main">
   <p:cSld>
     <p:spTree>
@@ -18492,7 +19029,7 @@
             <a:fld id="{2BF067CD-8E6B-4360-9AA8-C5DF2A48A6D1}" type="slidenum">
               <a:rPr lang="en-US" noProof="0" smtClean="0"/>
               <a:pPr/>
-              <a:t>22</a:t>
+              <a:t>24</a:t>
             </a:fld>
             <a:endParaRPr lang="en-US" noProof="0" dirty="0"/>
           </a:p>
@@ -18716,7 +19253,7 @@
 </p:sld>
 </file>
 
-<file path=ppt/slides/slide23.xml><?xml version="1.0" encoding="utf-8"?>
+<file path=ppt/slides/slide25.xml><?xml version="1.0" encoding="utf-8"?>
 <p:sld xmlns:a="http://schemas.openxmlformats.org/drawingml/2006/main" xmlns:r="http://schemas.openxmlformats.org/officeDocument/2006/relationships" xmlns:p="http://schemas.openxmlformats.org/presentationml/2006/main">
   <p:cSld>
     <p:spTree>
@@ -19758,7 +20295,7 @@
             <a:fld id="{2BF067CD-8E6B-4360-9AA8-C5DF2A48A6D1}" type="slidenum">
               <a:rPr lang="en-US" noProof="0" smtClean="0"/>
               <a:pPr/>
-              <a:t>23</a:t>
+              <a:t>25</a:t>
             </a:fld>
             <a:endParaRPr lang="en-US" noProof="0" dirty="0"/>
           </a:p>
@@ -19978,7 +20515,7 @@
 </p:sld>
 </file>
 
-<file path=ppt/slides/slide24.xml><?xml version="1.0" encoding="utf-8"?>
+<file path=ppt/slides/slide26.xml><?xml version="1.0" encoding="utf-8"?>
 <p:sld xmlns:a="http://schemas.openxmlformats.org/drawingml/2006/main" xmlns:r="http://schemas.openxmlformats.org/officeDocument/2006/relationships" xmlns:p="http://schemas.openxmlformats.org/presentationml/2006/main">
   <p:cSld>
     <p:spTree>
@@ -21961,7 +22498,7 @@
             <a:fld id="{2BF067CD-8E6B-4360-9AA8-C5DF2A48A6D1}" type="slidenum">
               <a:rPr lang="en-US" noProof="0" smtClean="0"/>
               <a:pPr/>
-              <a:t>24</a:t>
+              <a:t>26</a:t>
             </a:fld>
             <a:endParaRPr lang="en-US" noProof="0" dirty="0"/>
           </a:p>
@@ -22087,7 +22624,7 @@
 </p:sld>
 </file>
 
-<file path=ppt/slides/slide25.xml><?xml version="1.0" encoding="utf-8"?>
+<file path=ppt/slides/slide27.xml><?xml version="1.0" encoding="utf-8"?>
 <p:sld xmlns:a="http://schemas.openxmlformats.org/drawingml/2006/main" xmlns:r="http://schemas.openxmlformats.org/officeDocument/2006/relationships" xmlns:p="http://schemas.openxmlformats.org/presentationml/2006/main">
   <p:cSld>
     <p:spTree>
@@ -22971,7 +23508,7 @@
             <a:fld id="{2BF067CD-8E6B-4360-9AA8-C5DF2A48A6D1}" type="slidenum">
               <a:rPr lang="en-US" noProof="0" smtClean="0"/>
               <a:pPr/>
-              <a:t>25</a:t>
+              <a:t>27</a:t>
             </a:fld>
             <a:endParaRPr lang="en-US" noProof="0" dirty="0"/>
           </a:p>
@@ -23191,7 +23728,7 @@
 </p:sld>
 </file>
 
-<file path=ppt/slides/slide26.xml><?xml version="1.0" encoding="utf-8"?>
+<file path=ppt/slides/slide28.xml><?xml version="1.0" encoding="utf-8"?>
 <p:sld xmlns:a="http://schemas.openxmlformats.org/drawingml/2006/main" xmlns:r="http://schemas.openxmlformats.org/officeDocument/2006/relationships" xmlns:p="http://schemas.openxmlformats.org/presentationml/2006/main">
   <p:cSld>
     <p:spTree>
@@ -26984,7 +27521,7 @@
             <a:fld id="{2BF067CD-8E6B-4360-9AA8-C5DF2A48A6D1}" type="slidenum">
               <a:rPr lang="en-US" noProof="0" smtClean="0"/>
               <a:pPr/>
-              <a:t>26</a:t>
+              <a:t>28</a:t>
             </a:fld>
             <a:endParaRPr lang="en-US" noProof="0" dirty="0"/>
           </a:p>
@@ -27347,7 +27884,7 @@
 </p:sld>
 </file>
 
-<file path=ppt/slides/slide27.xml><?xml version="1.0" encoding="utf-8"?>
+<file path=ppt/slides/slide29.xml><?xml version="1.0" encoding="utf-8"?>
 <p:sld xmlns:a="http://schemas.openxmlformats.org/drawingml/2006/main" xmlns:r="http://schemas.openxmlformats.org/officeDocument/2006/relationships" xmlns:p="http://schemas.openxmlformats.org/presentationml/2006/main">
   <p:cSld>
     <p:spTree>
@@ -27479,7 +28016,132 @@
 </p:sld>
 </file>
 
-<file path=ppt/slides/slide28.xml><?xml version="1.0" encoding="utf-8"?>
+<file path=ppt/slides/slide3.xml><?xml version="1.0" encoding="utf-8"?>
+<p:sld xmlns:a="http://schemas.openxmlformats.org/drawingml/2006/main" xmlns:r="http://schemas.openxmlformats.org/officeDocument/2006/relationships" xmlns:p="http://schemas.openxmlformats.org/presentationml/2006/main">
+  <p:cSld>
+    <p:spTree>
+      <p:nvGrpSpPr>
+        <p:cNvPr id="1" name=""/>
+        <p:cNvGrpSpPr/>
+        <p:nvPr/>
+      </p:nvGrpSpPr>
+      <p:grpSpPr>
+        <a:xfrm>
+          <a:off x="0" y="0"/>
+          <a:ext cx="0" cy="0"/>
+          <a:chOff x="0" y="0"/>
+          <a:chExt cx="0" cy="0"/>
+        </a:xfrm>
+      </p:grpSpPr>
+      <p:pic>
+        <p:nvPicPr>
+          <p:cNvPr id="31746" name="Picture 2" descr="Key | Bandipedia | Fandom"/>
+          <p:cNvPicPr>
+            <a:picLocks noChangeAspect="1" noChangeArrowheads="1"/>
+          </p:cNvPicPr>
+          <p:nvPr/>
+        </p:nvPicPr>
+        <p:blipFill>
+          <a:blip r:embed="rId2" cstate="print"/>
+          <a:srcRect/>
+          <a:stretch>
+            <a:fillRect/>
+          </a:stretch>
+        </p:blipFill>
+        <p:spPr bwMode="auto">
+          <a:xfrm>
+            <a:off x="4724400" y="1143000"/>
+            <a:ext cx="2743200" cy="2899955"/>
+          </a:xfrm>
+          <a:prstGeom prst="rect">
+            <a:avLst/>
+          </a:prstGeom>
+          <a:noFill/>
+        </p:spPr>
+      </p:pic>
+      <p:sp>
+        <p:nvSpPr>
+          <p:cNvPr id="3" name="Subtitle 2">
+            <a:extLst>
+              <a:ext uri="{FF2B5EF4-FFF2-40B4-BE49-F238E27FC236}">
+                <a16:creationId xmlns:a16="http://schemas.microsoft.com/office/drawing/2014/main" id="{9BDE983F-A17D-1C50-6472-E1ACBE6CE2C3}"/>
+              </a:ext>
+            </a:extLst>
+          </p:cNvPr>
+          <p:cNvSpPr>
+            <a:spLocks noGrp="1"/>
+          </p:cNvSpPr>
+          <p:nvPr>
+            <p:ph type="subTitle" sz="quarter" idx="11"/>
+          </p:nvPr>
+        </p:nvSpPr>
+        <p:spPr/>
+        <p:txBody>
+          <a:bodyPr/>
+          <a:lstStyle/>
+          <a:p>
+            <a:r>
+              <a:rPr lang="en-US" dirty="0"/>
+              <a:t>Types of Relationships</a:t>
+            </a:r>
+          </a:p>
+        </p:txBody>
+      </p:sp>
+      <p:sp>
+        <p:nvSpPr>
+          <p:cNvPr id="4" name="Заглавие 3">
+            <a:extLst>
+              <a:ext uri="{FF2B5EF4-FFF2-40B4-BE49-F238E27FC236}">
+                <a16:creationId xmlns:a16="http://schemas.microsoft.com/office/drawing/2014/main" id="{75016D31-012C-ECAC-F463-E3E8C0294A0B}"/>
+              </a:ext>
+            </a:extLst>
+          </p:cNvPr>
+          <p:cNvSpPr>
+            <a:spLocks noGrp="1"/>
+          </p:cNvSpPr>
+          <p:nvPr>
+            <p:ph type="title" sz="quarter" idx="10"/>
+          </p:nvPr>
+        </p:nvSpPr>
+        <p:spPr>
+          <a:xfrm>
+            <a:off x="615109" y="4704825"/>
+            <a:ext cx="10961783" cy="768084"/>
+          </a:xfrm>
+        </p:spPr>
+        <p:txBody>
+          <a:bodyPr/>
+          <a:lstStyle/>
+          <a:p>
+            <a:r>
+              <a:rPr lang="bg-BG" dirty="0"/>
+              <a:t>Видове връзки</a:t>
+            </a:r>
+          </a:p>
+        </p:txBody>
+      </p:sp>
+    </p:spTree>
+    <p:extLst>
+      <p:ext uri="{BB962C8B-B14F-4D97-AF65-F5344CB8AC3E}">
+        <p14:creationId xmlns:p14="http://schemas.microsoft.com/office/powerpoint/2010/main" val="157698342"/>
+      </p:ext>
+    </p:extLst>
+  </p:cSld>
+  <p:clrMapOvr>
+    <a:masterClrMapping/>
+  </p:clrMapOvr>
+  <mc:AlternateContent xmlns:mc="http://schemas.openxmlformats.org/markup-compatibility/2006" xmlns:p14="http://schemas.microsoft.com/office/powerpoint/2010/main">
+    <mc:Choice Requires="p14">
+      <p:transition spd="slow" p14:dur="2000" advClick="0" advTm="5000"/>
+    </mc:Choice>
+    <mc:Fallback xmlns="">
+      <p:transition spd="slow" advClick="0" advTm="5000"/>
+    </mc:Fallback>
+  </mc:AlternateContent>
+</p:sld>
+</file>
+
+<file path=ppt/slides/slide30.xml><?xml version="1.0" encoding="utf-8"?>
 <p:sld xmlns:a="http://schemas.openxmlformats.org/drawingml/2006/main" xmlns:r="http://schemas.openxmlformats.org/officeDocument/2006/relationships" xmlns:p="http://schemas.openxmlformats.org/presentationml/2006/main">
   <p:cSld>
     <p:spTree>
@@ -27516,7 +28178,9 @@
           </a:prstGeom>
         </p:spPr>
         <p:txBody>
-          <a:bodyPr/>
+          <a:bodyPr>
+            <a:normAutofit/>
+          </a:bodyPr>
           <a:lstStyle/>
           <a:p>
             <a:pPr>
@@ -27525,6 +28189,40 @@
               </a:buClr>
             </a:pPr>
             <a:r>
+              <a:rPr lang="bg-BG" b="1" dirty="0">
+                <a:solidFill>
+                  <a:schemeClr val="bg1"/>
+                </a:solidFill>
+              </a:rPr>
+              <a:t>Релационна схема</a:t>
+            </a:r>
+            <a:r>
+              <a:rPr lang="bg-BG" dirty="0"/>
+              <a:t> (</a:t>
+            </a:r>
+            <a:r>
+              <a:rPr lang="en-US" dirty="0"/>
+              <a:t>relational DB schema</a:t>
+            </a:r>
+            <a:r>
+              <a:rPr lang="bg-BG" dirty="0"/>
+              <a:t>)</a:t>
+            </a:r>
+            <a:r>
+              <a:rPr lang="en-US" dirty="0"/>
+              <a:t>== </a:t>
+            </a:r>
+            <a:r>
+              <a:rPr lang="bg-BG" dirty="0">
+                <a:solidFill>
+                  <a:schemeClr val="tx2">
+                    <a:lumMod val="75000"/>
+                  </a:schemeClr>
+                </a:solidFill>
+              </a:rPr>
+              <a:t>колекцията</a:t>
+            </a:r>
+            <a:r>
               <a:rPr lang="ru-RU" dirty="0">
                 <a:solidFill>
                   <a:schemeClr val="tx2">
@@ -27532,7 +28230,7 @@
                   </a:schemeClr>
                 </a:solidFill>
               </a:rPr>
-              <a:t>Колекцията от:</a:t>
+              <a:t> от:</a:t>
             </a:r>
           </a:p>
           <a:p>
@@ -27543,15 +28241,15 @@
             </a:r>
           </a:p>
           <a:p>
-            <a:pPr lvl="2"/>
+            <a:pPr lvl="1"/>
             <a:r>
               <a:rPr lang="bg-BG" dirty="0"/>
-              <a:t>Релации</a:t>
+              <a:t>Релации между таблиците</a:t>
             </a:r>
             <a:endParaRPr lang="en-US" dirty="0"/>
           </a:p>
           <a:p>
-            <a:pPr lvl="2"/>
+            <a:pPr lvl="1"/>
             <a:r>
               <a:rPr lang="ru-RU" dirty="0"/>
               <a:t>Всички други обекти на базата данни (напр. ограничения)</a:t>
@@ -27619,7 +28317,19 @@
                   <a:schemeClr val="bg1"/>
                 </a:solidFill>
               </a:rPr>
-              <a:t>E/R диаграми</a:t>
+              <a:t>E/R </a:t>
+            </a:r>
+            <a:r>
+              <a:rPr lang="bg-BG" b="1" dirty="0">
+                <a:solidFill>
+                  <a:schemeClr val="bg1"/>
+                </a:solidFill>
+              </a:rPr>
+              <a:t>диаграми</a:t>
+            </a:r>
+            <a:r>
+              <a:rPr lang="en-US" dirty="0"/>
+              <a:t>, Entity-Relationship Diagram</a:t>
             </a:r>
             <a:r>
               <a:rPr lang="ru-RU" dirty="0"/>
@@ -27687,7 +28397,7 @@
             <a:fld id="{2BF067CD-8E6B-4360-9AA8-C5DF2A48A6D1}" type="slidenum">
               <a:rPr lang="en-US" noProof="0" smtClean="0"/>
               <a:pPr/>
-              <a:t>28</a:t>
+              <a:t>30</a:t>
             </a:fld>
             <a:endParaRPr lang="en-US" noProof="0" dirty="0"/>
           </a:p>
@@ -27995,7 +28705,7 @@
 </p:sld>
 </file>
 
-<file path=ppt/slides/slide29.xml><?xml version="1.0" encoding="utf-8"?>
+<file path=ppt/slides/slide31.xml><?xml version="1.0" encoding="utf-8"?>
 <p:sld xmlns:a="http://schemas.openxmlformats.org/drawingml/2006/main" xmlns:r="http://schemas.openxmlformats.org/officeDocument/2006/relationships" xmlns:p="http://schemas.openxmlformats.org/presentationml/2006/main">
   <p:cSld>
     <p:spTree>
@@ -28030,6 +28740,9 @@
           <a:lstStyle/>
           <a:p>
             <a:pPr>
+              <a:lnSpc>
+                <a:spcPct val="110000"/>
+              </a:lnSpc>
               <a:buClr>
                 <a:schemeClr val="tx2"/>
               </a:buClr>
@@ -28054,6 +28767,9 @@
           </a:p>
           <a:p>
             <a:pPr>
+              <a:lnSpc>
+                <a:spcPct val="110000"/>
+              </a:lnSpc>
               <a:buClr>
                 <a:schemeClr val="tx2"/>
               </a:buClr>
@@ -28101,6 +28817,9 @@
           </a:p>
           <a:p>
             <a:pPr>
+              <a:lnSpc>
+                <a:spcPct val="110000"/>
+              </a:lnSpc>
               <a:buClr>
                 <a:schemeClr val="tx2"/>
               </a:buClr>
@@ -28132,6 +28851,9 @@
           </a:p>
           <a:p>
             <a:pPr>
+              <a:lnSpc>
+                <a:spcPct val="110000"/>
+              </a:lnSpc>
               <a:buClr>
                 <a:schemeClr val="tx2"/>
               </a:buClr>
@@ -28163,6 +28885,9 @@
           </a:p>
           <a:p>
             <a:pPr lvl="1">
+              <a:lnSpc>
+                <a:spcPct val="110000"/>
+              </a:lnSpc>
               <a:buClr>
                 <a:schemeClr val="tx2"/>
               </a:buClr>
@@ -28226,7 +28951,10 @@
               <a:rPr lang="bg-BG" dirty="0"/>
               <a:t>диаграми</a:t>
             </a:r>
-            <a:endParaRPr lang="en-US" dirty="0"/>
+            <a:r>
+              <a:rPr lang="en-US" dirty="0"/>
+              <a:t> (Entity/Relationship Diagrams)</a:t>
+            </a:r>
           </a:p>
         </p:txBody>
       </p:sp>
@@ -28266,7 +28994,7 @@
             <a:fld id="{2BF067CD-8E6B-4360-9AA8-C5DF2A48A6D1}" type="slidenum">
               <a:rPr lang="en-US" noProof="0" smtClean="0"/>
               <a:pPr/>
-              <a:t>29</a:t>
+              <a:t>31</a:t>
             </a:fld>
             <a:endParaRPr lang="en-US" noProof="0" dirty="0"/>
           </a:p>
@@ -28501,104 +29229,7 @@
 </p:sld>
 </file>
 
-<file path=ppt/slides/slide3.xml><?xml version="1.0" encoding="utf-8"?>
-<p:sld xmlns:a="http://schemas.openxmlformats.org/drawingml/2006/main" xmlns:r="http://schemas.openxmlformats.org/officeDocument/2006/relationships" xmlns:p="http://schemas.openxmlformats.org/presentationml/2006/main">
-  <p:cSld>
-    <p:spTree>
-      <p:nvGrpSpPr>
-        <p:cNvPr id="1" name=""/>
-        <p:cNvGrpSpPr/>
-        <p:nvPr/>
-      </p:nvGrpSpPr>
-      <p:grpSpPr>
-        <a:xfrm>
-          <a:off x="0" y="0"/>
-          <a:ext cx="0" cy="0"/>
-          <a:chOff x="0" y="0"/>
-          <a:chExt cx="0" cy="0"/>
-        </a:xfrm>
-      </p:grpSpPr>
-      <p:pic>
-        <p:nvPicPr>
-          <p:cNvPr id="31746" name="Picture 2" descr="Key | Bandipedia | Fandom"/>
-          <p:cNvPicPr>
-            <a:picLocks noChangeAspect="1" noChangeArrowheads="1"/>
-          </p:cNvPicPr>
-          <p:nvPr/>
-        </p:nvPicPr>
-        <p:blipFill>
-          <a:blip r:embed="rId2" cstate="print"/>
-          <a:srcRect/>
-          <a:stretch>
-            <a:fillRect/>
-          </a:stretch>
-        </p:blipFill>
-        <p:spPr bwMode="auto">
-          <a:xfrm>
-            <a:off x="4724400" y="1143000"/>
-            <a:ext cx="2743200" cy="2899955"/>
-          </a:xfrm>
-          <a:prstGeom prst="rect">
-            <a:avLst/>
-          </a:prstGeom>
-          <a:noFill/>
-        </p:spPr>
-      </p:pic>
-      <p:sp>
-        <p:nvSpPr>
-          <p:cNvPr id="4" name="Заглавие 3">
-            <a:extLst>
-              <a:ext uri="{FF2B5EF4-FFF2-40B4-BE49-F238E27FC236}">
-                <a16:creationId xmlns:a16="http://schemas.microsoft.com/office/drawing/2014/main" id="{75016D31-012C-ECAC-F463-E3E8C0294A0B}"/>
-              </a:ext>
-            </a:extLst>
-          </p:cNvPr>
-          <p:cNvSpPr>
-            <a:spLocks noGrp="1"/>
-          </p:cNvSpPr>
-          <p:nvPr>
-            <p:ph type="title" sz="quarter" idx="10"/>
-          </p:nvPr>
-        </p:nvSpPr>
-        <p:spPr>
-          <a:xfrm>
-            <a:off x="615109" y="4910916"/>
-            <a:ext cx="10961783" cy="768084"/>
-          </a:xfrm>
-        </p:spPr>
-        <p:txBody>
-          <a:bodyPr/>
-          <a:lstStyle/>
-          <a:p>
-            <a:r>
-              <a:rPr lang="bg-BG" dirty="0"/>
-              <a:t>Видове връзки</a:t>
-            </a:r>
-          </a:p>
-        </p:txBody>
-      </p:sp>
-    </p:spTree>
-    <p:extLst>
-      <p:ext uri="{BB962C8B-B14F-4D97-AF65-F5344CB8AC3E}">
-        <p14:creationId xmlns:p14="http://schemas.microsoft.com/office/powerpoint/2010/main" val="157698342"/>
-      </p:ext>
-    </p:extLst>
-  </p:cSld>
-  <p:clrMapOvr>
-    <a:masterClrMapping/>
-  </p:clrMapOvr>
-  <mc:AlternateContent xmlns:mc="http://schemas.openxmlformats.org/markup-compatibility/2006" xmlns:p14="http://schemas.microsoft.com/office/powerpoint/2010/main">
-    <mc:Choice Requires="p14">
-      <p:transition spd="slow" p14:dur="2000" advClick="0" advTm="5000"/>
-    </mc:Choice>
-    <mc:Fallback xmlns="">
-      <p:transition spd="slow" advClick="0" advTm="5000"/>
-    </mc:Fallback>
-  </mc:AlternateContent>
-</p:sld>
-</file>
-
-<file path=ppt/slides/slide30.xml><?xml version="1.0" encoding="utf-8"?>
+<file path=ppt/slides/slide32.xml><?xml version="1.0" encoding="utf-8"?>
 <p:sld xmlns:a="http://schemas.openxmlformats.org/drawingml/2006/main" xmlns:r="http://schemas.openxmlformats.org/officeDocument/2006/relationships" xmlns:p="http://schemas.openxmlformats.org/presentationml/2006/main">
   <p:cSld>
     <p:spTree>
@@ -28636,7 +29267,7 @@
             </a:r>
             <a:r>
               <a:rPr lang="bg-BG" dirty="0"/>
-              <a:t> диаграми – Пример</a:t>
+              <a:t> диаграми – пример</a:t>
             </a:r>
           </a:p>
         </p:txBody>
@@ -28713,7 +29344,7 @@
             <a:fld id="{2BF067CD-8E6B-4360-9AA8-C5DF2A48A6D1}" type="slidenum">
               <a:rPr lang="en-US" noProof="0" smtClean="0"/>
               <a:pPr/>
-              <a:t>30</a:t>
+              <a:t>32</a:t>
             </a:fld>
             <a:endParaRPr lang="en-US" noProof="0" dirty="0"/>
           </a:p>
@@ -28733,7 +29364,312 @@
 </p:sld>
 </file>
 
-<file path=ppt/slides/slide31.xml><?xml version="1.0" encoding="utf-8"?>
+<file path=ppt/slides/slide33.xml><?xml version="1.0" encoding="utf-8"?>
+<p:sld xmlns:a="http://schemas.openxmlformats.org/drawingml/2006/main" xmlns:r="http://schemas.openxmlformats.org/officeDocument/2006/relationships" xmlns:p="http://schemas.openxmlformats.org/presentationml/2006/main">
+  <p:cSld>
+    <p:spTree>
+      <p:nvGrpSpPr>
+        <p:cNvPr id="1" name=""/>
+        <p:cNvGrpSpPr/>
+        <p:nvPr/>
+      </p:nvGrpSpPr>
+      <p:grpSpPr>
+        <a:xfrm>
+          <a:off x="0" y="0"/>
+          <a:ext cx="0" cy="0"/>
+          <a:chOff x="0" y="0"/>
+          <a:chExt cx="0" cy="0"/>
+        </a:xfrm>
+      </p:grpSpPr>
+      <p:sp>
+        <p:nvSpPr>
+          <p:cNvPr id="2" name="Slide Number Placeholder 1">
+            <a:extLst>
+              <a:ext uri="{FF2B5EF4-FFF2-40B4-BE49-F238E27FC236}">
+                <a16:creationId xmlns:a16="http://schemas.microsoft.com/office/drawing/2014/main" id="{A9C4A0FA-3D55-2576-A2AA-CC95570ED22A}"/>
+              </a:ext>
+            </a:extLst>
+          </p:cNvPr>
+          <p:cNvSpPr>
+            <a:spLocks noGrp="1"/>
+          </p:cNvSpPr>
+          <p:nvPr>
+            <p:ph type="sldNum" sz="quarter" idx="5"/>
+          </p:nvPr>
+        </p:nvSpPr>
+        <p:spPr/>
+        <p:txBody>
+          <a:bodyPr/>
+          <a:lstStyle/>
+          <a:p>
+            <a:fld id="{2BF067CD-8E6B-4360-9AA8-C5DF2A48A6D1}" type="slidenum">
+              <a:rPr lang="en-US" noProof="0" smtClean="0"/>
+              <a:pPr/>
+              <a:t>33</a:t>
+            </a:fld>
+            <a:endParaRPr lang="en-US" noProof="0" dirty="0"/>
+          </a:p>
+        </p:txBody>
+      </p:sp>
+      <p:sp>
+        <p:nvSpPr>
+          <p:cNvPr id="3" name="Text Placeholder 2">
+            <a:extLst>
+              <a:ext uri="{FF2B5EF4-FFF2-40B4-BE49-F238E27FC236}">
+                <a16:creationId xmlns:a16="http://schemas.microsoft.com/office/drawing/2014/main" id="{B83247CC-F1B1-0E19-BDA2-320452239588}"/>
+              </a:ext>
+            </a:extLst>
+          </p:cNvPr>
+          <p:cNvSpPr>
+            <a:spLocks noGrp="1"/>
+          </p:cNvSpPr>
+          <p:nvPr>
+            <p:ph type="body" sz="quarter" idx="10"/>
+          </p:nvPr>
+        </p:nvSpPr>
+        <p:spPr/>
+        <p:txBody>
+          <a:bodyPr/>
+          <a:lstStyle/>
+          <a:p>
+            <a:endParaRPr lang="en-US"/>
+          </a:p>
+        </p:txBody>
+      </p:sp>
+      <p:sp>
+        <p:nvSpPr>
+          <p:cNvPr id="4" name="Title 3">
+            <a:extLst>
+              <a:ext uri="{FF2B5EF4-FFF2-40B4-BE49-F238E27FC236}">
+                <a16:creationId xmlns:a16="http://schemas.microsoft.com/office/drawing/2014/main" id="{54589B38-BDB5-3D66-2BF7-A3D0F1588633}"/>
+              </a:ext>
+            </a:extLst>
+          </p:cNvPr>
+          <p:cNvSpPr>
+            <a:spLocks noGrp="1"/>
+          </p:cNvSpPr>
+          <p:nvPr>
+            <p:ph type="title"/>
+          </p:nvPr>
+        </p:nvSpPr>
+        <p:spPr/>
+        <p:txBody>
+          <a:bodyPr/>
+          <a:lstStyle/>
+          <a:p>
+            <a:endParaRPr lang="en-US"/>
+          </a:p>
+        </p:txBody>
+      </p:sp>
+      <p:sp>
+        <p:nvSpPr>
+          <p:cNvPr id="5" name="Rectangle: Rounded Corners 4">
+            <a:extLst>
+              <a:ext uri="{FF2B5EF4-FFF2-40B4-BE49-F238E27FC236}">
+                <a16:creationId xmlns:a16="http://schemas.microsoft.com/office/drawing/2014/main" id="{46E80155-3501-0729-9B73-D9AB01E62B2D}"/>
+              </a:ext>
+            </a:extLst>
+          </p:cNvPr>
+          <p:cNvSpPr/>
+          <p:nvPr/>
+        </p:nvSpPr>
+        <p:spPr bwMode="auto">
+          <a:xfrm>
+            <a:off x="2001946" y="1255047"/>
+            <a:ext cx="9088108" cy="5145580"/>
+          </a:xfrm>
+          <a:prstGeom prst="roundRect">
+            <a:avLst/>
+          </a:prstGeom>
+          <a:ln/>
+        </p:spPr>
+        <p:style>
+          <a:lnRef idx="2">
+            <a:schemeClr val="accent2"/>
+          </a:lnRef>
+          <a:fillRef idx="1">
+            <a:schemeClr val="lt1"/>
+          </a:fillRef>
+          <a:effectRef idx="0">
+            <a:schemeClr val="accent2"/>
+          </a:effectRef>
+          <a:fontRef idx="minor">
+            <a:schemeClr val="dk1"/>
+          </a:fontRef>
+        </p:style>
+        <p:txBody>
+          <a:bodyPr rot="0" spcFirstLastPara="0" vertOverflow="overflow" horzOverflow="overflow" vert="horz" wrap="square" lIns="91440" tIns="45720" rIns="91440" bIns="45720" numCol="1" spcCol="0" rtlCol="0" fromWordArt="0" anchor="ctr" anchorCtr="0" forceAA="0" compatLnSpc="1">
+            <a:prstTxWarp prst="textNoShape">
+              <a:avLst/>
+            </a:prstTxWarp>
+            <a:noAutofit/>
+          </a:bodyPr>
+          <a:lstStyle/>
+          <a:p>
+            <a:pPr algn="ctr"/>
+            <a:r>
+              <a:rPr lang="en-US" sz="4000" b="1" dirty="0">
+                <a:solidFill>
+                  <a:srgbClr val="FFFFFF"/>
+                </a:solidFill>
+                <a:effectLst>
+                  <a:outerShdw blurRad="38100" dist="38100" dir="2700000" algn="tl">
+                    <a:srgbClr val="000000">
+                      <a:alpha val="43137"/>
+                    </a:srgbClr>
+                  </a:outerShdw>
+                </a:effectLst>
+              </a:rPr>
+              <a:t>TODO: </a:t>
+            </a:r>
+            <a:r>
+              <a:rPr lang="bg-BG" sz="4000" b="1" dirty="0">
+                <a:solidFill>
+                  <a:srgbClr val="FFFFFF"/>
+                </a:solidFill>
+                <a:effectLst>
+                  <a:outerShdw blurRad="38100" dist="38100" dir="2700000" algn="tl">
+                    <a:srgbClr val="000000">
+                      <a:alpha val="43137"/>
+                    </a:srgbClr>
+                  </a:outerShdw>
+                </a:effectLst>
+              </a:rPr>
+              <a:t>да се даде пример с няколко </a:t>
+            </a:r>
+            <a:r>
+              <a:rPr lang="en-US" sz="4000" b="1" dirty="0">
+                <a:solidFill>
+                  <a:srgbClr val="FFFFFF"/>
+                </a:solidFill>
+                <a:effectLst>
+                  <a:outerShdw blurRad="38100" dist="38100" dir="2700000" algn="tl">
+                    <a:srgbClr val="000000">
+                      <a:alpha val="43137"/>
+                    </a:srgbClr>
+                  </a:outerShdw>
+                </a:effectLst>
+              </a:rPr>
+              <a:t>screenshots </a:t>
+            </a:r>
+            <a:r>
+              <a:rPr lang="bg-BG" sz="4000" b="1" dirty="0">
+                <a:solidFill>
+                  <a:srgbClr val="FFFFFF"/>
+                </a:solidFill>
+                <a:effectLst>
+                  <a:outerShdw blurRad="38100" dist="38100" dir="2700000" algn="tl">
+                    <a:srgbClr val="000000">
+                      <a:alpha val="43137"/>
+                    </a:srgbClr>
+                  </a:outerShdw>
+                </a:effectLst>
+              </a:rPr>
+              <a:t>как се генерира </a:t>
+            </a:r>
+            <a:r>
+              <a:rPr lang="en-US" sz="4000" b="1" dirty="0">
+                <a:solidFill>
+                  <a:srgbClr val="FFFFFF"/>
+                </a:solidFill>
+                <a:effectLst>
+                  <a:outerShdw blurRad="38100" dist="38100" dir="2700000" algn="tl">
+                    <a:srgbClr val="000000">
+                      <a:alpha val="43137"/>
+                    </a:srgbClr>
+                  </a:outerShdw>
+                </a:effectLst>
+              </a:rPr>
+              <a:t>E/R</a:t>
+            </a:r>
+            <a:r>
+              <a:rPr lang="bg-BG" sz="4000" b="1" dirty="0">
+                <a:solidFill>
+                  <a:srgbClr val="FFFFFF"/>
+                </a:solidFill>
+                <a:effectLst>
+                  <a:outerShdw blurRad="38100" dist="38100" dir="2700000" algn="tl">
+                    <a:srgbClr val="000000">
+                      <a:alpha val="43137"/>
+                    </a:srgbClr>
+                  </a:outerShdw>
+                </a:effectLst>
+              </a:rPr>
+              <a:t> диаграма в </a:t>
+            </a:r>
+            <a:r>
+              <a:rPr lang="en-US" sz="4000" b="1" dirty="0">
+                <a:solidFill>
+                  <a:srgbClr val="FFFFFF"/>
+                </a:solidFill>
+                <a:effectLst>
+                  <a:outerShdw blurRad="38100" dist="38100" dir="2700000" algn="tl">
+                    <a:srgbClr val="000000">
+                      <a:alpha val="43137"/>
+                    </a:srgbClr>
+                  </a:outerShdw>
+                </a:effectLst>
+              </a:rPr>
+              <a:t>SSMS</a:t>
+            </a:r>
+          </a:p>
+          <a:p>
+            <a:pPr algn="ctr"/>
+            <a:endParaRPr lang="en-US" sz="4000" b="1" dirty="0">
+              <a:solidFill>
+                <a:srgbClr val="FFFFFF"/>
+              </a:solidFill>
+              <a:effectLst>
+                <a:outerShdw blurRad="38100" dist="38100" dir="2700000" algn="tl">
+                  <a:srgbClr val="000000">
+                    <a:alpha val="43137"/>
+                  </a:srgbClr>
+                </a:outerShdw>
+              </a:effectLst>
+            </a:endParaRPr>
+          </a:p>
+          <a:p>
+            <a:pPr algn="ctr"/>
+            <a:r>
+              <a:rPr lang="en-US" sz="4000" b="1" dirty="0">
+                <a:solidFill>
+                  <a:srgbClr val="FFFFFF"/>
+                </a:solidFill>
+                <a:effectLst>
+                  <a:outerShdw blurRad="38100" dist="38100" dir="2700000" algn="tl">
+                    <a:srgbClr val="000000">
+                      <a:alpha val="43137"/>
+                    </a:srgbClr>
+                  </a:outerShdw>
+                </a:effectLst>
+              </a:rPr>
+              <a:t>https://hasura.io/learn/database/microsoft-sql-server/er-modeling </a:t>
+            </a:r>
+          </a:p>
+        </p:txBody>
+      </p:sp>
+    </p:spTree>
+    <p:extLst>
+      <p:ext uri="{BB962C8B-B14F-4D97-AF65-F5344CB8AC3E}">
+        <p14:creationId xmlns:p14="http://schemas.microsoft.com/office/powerpoint/2010/main" val="1858541389"/>
+      </p:ext>
+    </p:extLst>
+  </p:cSld>
+  <p:clrMapOvr>
+    <a:masterClrMapping/>
+  </p:clrMapOvr>
+  <mc:AlternateContent xmlns:mc="http://schemas.openxmlformats.org/markup-compatibility/2006" xmlns:p14="http://schemas.microsoft.com/office/powerpoint/2010/main">
+    <mc:Choice Requires="p14">
+      <p:transition spd="slow" p14:dur="2000" advClick="0" advTm="5000"/>
+    </mc:Choice>
+    <mc:Fallback xmlns="">
+      <p:transition spd="slow" advClick="0" advTm="5000"/>
+    </mc:Fallback>
+  </mc:AlternateContent>
+</p:sld>
+</file>
+
+<file path=ppt/slides/slide34.xml><?xml version="1.0" encoding="utf-8"?>
 <p:sld xmlns:a="http://schemas.openxmlformats.org/drawingml/2006/main" xmlns:r="http://schemas.openxmlformats.org/officeDocument/2006/relationships" xmlns:p="http://schemas.openxmlformats.org/presentationml/2006/main">
   <p:cSld>
     <p:spTree>
@@ -29501,7 +30437,7 @@
             <a:fld id="{2BF067CD-8E6B-4360-9AA8-C5DF2A48A6D1}" type="slidenum">
               <a:rPr lang="en-US" noProof="0" smtClean="0"/>
               <a:pPr/>
-              <a:t>31</a:t>
+              <a:t>34</a:t>
             </a:fld>
             <a:endParaRPr lang="en-US" noProof="0" dirty="0"/>
           </a:p>
@@ -29932,7 +30868,7 @@
 </p:sld>
 </file>
 
-<file path=ppt/slides/slide32.xml><?xml version="1.0" encoding="utf-8"?>
+<file path=ppt/slides/slide35.xml><?xml version="1.0" encoding="utf-8"?>
 <p:sld xmlns:a="http://schemas.openxmlformats.org/drawingml/2006/main" xmlns:r="http://schemas.openxmlformats.org/officeDocument/2006/relationships" xmlns:p="http://schemas.openxmlformats.org/presentationml/2006/main">
   <p:cSld>
     <p:spTree>
@@ -30122,7 +31058,7 @@
 </p:sld>
 </file>
 
-<file path=ppt/slides/slide33.xml><?xml version="1.0" encoding="utf-8"?>
+<file path=ppt/slides/slide36.xml><?xml version="1.0" encoding="utf-8"?>
 <p:sld xmlns:a="http://schemas.openxmlformats.org/drawingml/2006/main" xmlns:r="http://schemas.openxmlformats.org/officeDocument/2006/relationships" xmlns:p="http://schemas.openxmlformats.org/presentationml/2006/main">
   <p:cSld>
     <p:spTree>
@@ -30478,7 +31414,7 @@
             <a:fld id="{2BF067CD-8E6B-4360-9AA8-C5DF2A48A6D1}" type="slidenum">
               <a:rPr lang="en-US" noProof="0" smtClean="0"/>
               <a:pPr/>
-              <a:t>33</a:t>
+              <a:t>36</a:t>
             </a:fld>
             <a:endParaRPr lang="en-US" noProof="0" dirty="0"/>
           </a:p>
@@ -30596,7 +31532,7 @@
               <a:t>Чрез използването на </a:t>
             </a:r>
             <a:r>
-              <a:rPr lang="ru-RU" sz="3400" b="1" dirty="0">
+              <a:rPr lang="bg-BG" sz="3400" b="1" dirty="0">
                 <a:solidFill>
                   <a:schemeClr val="bg1"/>
                 </a:solidFill>
@@ -30605,7 +31541,19 @@
             </a:r>
             <a:r>
               <a:rPr lang="ru-RU" sz="3400" dirty="0"/>
-              <a:t> избягваме </a:t>
+              <a:t> </a:t>
+            </a:r>
+            <a:r>
+              <a:rPr lang="en-US" sz="3400" dirty="0"/>
+              <a:t>(relationships) </a:t>
+            </a:r>
+            <a:r>
+              <a:rPr lang="bg-BG" sz="3400" dirty="0"/>
+              <a:t>избягваме</a:t>
+            </a:r>
+            <a:r>
+              <a:rPr lang="ru-RU" sz="3400" dirty="0"/>
+              <a:t> </a:t>
             </a:r>
             <a:r>
               <a:rPr lang="ru-RU" sz="3400" b="1" dirty="0">
@@ -30644,7 +31592,7 @@
                   <a:schemeClr val="bg1"/>
                 </a:solidFill>
               </a:rPr>
-              <a:t>One-to-many</a:t>
+              <a:t>one-to-many</a:t>
             </a:r>
             <a:r>
               <a:rPr lang="bg-BG" sz="3200" b="1" dirty="0">
@@ -30699,7 +31647,7 @@
                   <a:schemeClr val="bg1"/>
                 </a:solidFill>
               </a:rPr>
-              <a:t>Many-to-many</a:t>
+              <a:t>many-to-many</a:t>
             </a:r>
             <a:r>
               <a:rPr lang="bg-BG" sz="3200" b="1" dirty="0">
@@ -30746,7 +31694,7 @@
                   <a:schemeClr val="bg1"/>
                 </a:solidFill>
               </a:rPr>
-              <a:t>One-to-one</a:t>
+              <a:t>one-to-one</a:t>
             </a:r>
             <a:r>
               <a:rPr lang="bg-BG" sz="3200" b="1" dirty="0">
@@ -31213,6 +32161,11 @@
               <a:rPr lang="bg-BG" dirty="0"/>
               <a:t>Едно към много</a:t>
             </a:r>
+            <a:r>
+              <a:rPr lang="en-US" dirty="0"/>
+              <a:t> (One-to-Many)</a:t>
+            </a:r>
+            <a:endParaRPr lang="bg-BG" dirty="0"/>
           </a:p>
         </p:txBody>
       </p:sp>
@@ -31226,7 +32179,7 @@
         </p:nvSpPr>
         <p:spPr bwMode="auto">
           <a:xfrm>
-            <a:off x="2667000" y="2644069"/>
+            <a:off x="2667000" y="2574000"/>
             <a:ext cx="1170513" cy="480131"/>
           </a:xfrm>
           <a:prstGeom prst="rect">
@@ -31295,7 +32248,7 @@
         </p:nvSpPr>
         <p:spPr bwMode="auto">
           <a:xfrm>
-            <a:off x="8418727" y="2923846"/>
+            <a:off x="8418727" y="2853777"/>
             <a:ext cx="1959701" cy="480131"/>
           </a:xfrm>
           <a:prstGeom prst="rect">
@@ -31364,7 +32317,7 @@
         </p:nvSpPr>
         <p:spPr bwMode="auto">
           <a:xfrm>
-            <a:off x="6400800" y="4161137"/>
+            <a:off x="6400800" y="4091068"/>
             <a:ext cx="1524000" cy="228602"/>
           </a:xfrm>
           <a:prstGeom prst="line">
@@ -31402,7 +32355,7 @@
         </p:nvSpPr>
         <p:spPr bwMode="auto">
           <a:xfrm flipV="1">
-            <a:off x="6400800" y="4542139"/>
+            <a:off x="6400800" y="4472070"/>
             <a:ext cx="1524000" cy="136098"/>
           </a:xfrm>
           <a:prstGeom prst="line">
@@ -31440,7 +32393,7 @@
         </p:nvSpPr>
         <p:spPr bwMode="auto">
           <a:xfrm flipV="1">
-            <a:off x="6400800" y="4999339"/>
+            <a:off x="6400800" y="4929270"/>
             <a:ext cx="1524000" cy="136098"/>
           </a:xfrm>
           <a:prstGeom prst="line">
@@ -31478,7 +32431,7 @@
         </p:nvSpPr>
         <p:spPr bwMode="auto">
           <a:xfrm flipV="1">
-            <a:off x="6400800" y="5151739"/>
+            <a:off x="6400800" y="5081670"/>
             <a:ext cx="1524000" cy="449078"/>
           </a:xfrm>
           <a:prstGeom prst="line">
@@ -31516,7 +32469,7 @@
         </p:nvSpPr>
         <p:spPr bwMode="auto">
           <a:xfrm flipV="1">
-            <a:off x="6400800" y="5608939"/>
+            <a:off x="6400800" y="5538870"/>
             <a:ext cx="1524000" cy="449078"/>
           </a:xfrm>
           <a:prstGeom prst="line">
@@ -31553,13 +32506,13 @@
           <p:nvPr>
             <p:extLst>
               <p:ext uri="{D42A27DB-BD31-4B8C-83A1-F6EECF244321}">
-                <p14:modId xmlns:p14="http://schemas.microsoft.com/office/powerpoint/2010/main" val="1157345507"/>
+                <p14:modId xmlns:p14="http://schemas.microsoft.com/office/powerpoint/2010/main" val="1484056001"/>
               </p:ext>
             </p:extLst>
           </p:nvPr>
         </p:nvGraphicFramePr>
         <p:xfrm>
-          <a:off x="1143000" y="3246739"/>
+          <a:off x="1143000" y="3176670"/>
           <a:ext cx="5257800" cy="3058606"/>
         </p:xfrm>
         <a:graphic>
@@ -32741,13 +33694,13 @@
           <p:nvPr>
             <p:extLst>
               <p:ext uri="{D42A27DB-BD31-4B8C-83A1-F6EECF244321}">
-                <p14:modId xmlns:p14="http://schemas.microsoft.com/office/powerpoint/2010/main" val="3093635694"/>
+                <p14:modId xmlns:p14="http://schemas.microsoft.com/office/powerpoint/2010/main" val="2244710376"/>
               </p:ext>
             </p:extLst>
           </p:nvPr>
         </p:nvGraphicFramePr>
         <p:xfrm>
-          <a:off x="7924800" y="3571695"/>
+          <a:off x="7924800" y="3501626"/>
           <a:ext cx="2947556" cy="2249542"/>
         </p:xfrm>
         <a:graphic>
@@ -33806,6 +34759,11 @@
               <a:rPr lang="bg-BG" dirty="0"/>
               <a:t>Много към много</a:t>
             </a:r>
+            <a:r>
+              <a:rPr lang="en-US" dirty="0"/>
+              <a:t> (Many-to-Many)</a:t>
+            </a:r>
+            <a:endParaRPr lang="bg-BG" dirty="0"/>
           </a:p>
         </p:txBody>
       </p:sp>
@@ -33819,7 +34777,7 @@
         </p:nvSpPr>
         <p:spPr bwMode="auto">
           <a:xfrm>
-            <a:off x="9144000" y="3755736"/>
+            <a:off x="9144000" y="3647400"/>
             <a:ext cx="1564852" cy="480131"/>
           </a:xfrm>
           <a:prstGeom prst="rect">
@@ -33888,7 +34846,7 @@
         </p:nvSpPr>
         <p:spPr bwMode="auto">
           <a:xfrm flipH="1" flipV="1">
-            <a:off x="3657599" y="4593936"/>
+            <a:off x="3657599" y="4485600"/>
             <a:ext cx="1143000" cy="228600"/>
           </a:xfrm>
           <a:prstGeom prst="line">
@@ -33926,7 +34884,7 @@
         </p:nvSpPr>
         <p:spPr bwMode="auto">
           <a:xfrm flipH="1" flipV="1">
-            <a:off x="3698248" y="4798790"/>
+            <a:off x="3698248" y="4690454"/>
             <a:ext cx="1102352" cy="557145"/>
           </a:xfrm>
           <a:prstGeom prst="line">
@@ -33964,7 +34922,7 @@
         </p:nvSpPr>
         <p:spPr bwMode="auto">
           <a:xfrm flipH="1" flipV="1">
-            <a:off x="3657599" y="5736936"/>
+            <a:off x="3657599" y="5628600"/>
             <a:ext cx="1142997" cy="76200"/>
           </a:xfrm>
           <a:prstGeom prst="line">
@@ -34002,7 +34960,7 @@
         </p:nvSpPr>
         <p:spPr bwMode="auto">
           <a:xfrm flipH="1" flipV="1">
-            <a:off x="3657599" y="5889336"/>
+            <a:off x="3657599" y="5781000"/>
             <a:ext cx="1142998" cy="533400"/>
           </a:xfrm>
           <a:prstGeom prst="line">
@@ -34040,7 +34998,7 @@
         </p:nvSpPr>
         <p:spPr bwMode="auto">
           <a:xfrm>
-            <a:off x="7620000" y="4822536"/>
+            <a:off x="7620000" y="4714200"/>
             <a:ext cx="914400" cy="228600"/>
           </a:xfrm>
           <a:prstGeom prst="line">
@@ -34078,7 +35036,7 @@
         </p:nvSpPr>
         <p:spPr bwMode="auto">
           <a:xfrm>
-            <a:off x="7620397" y="5489354"/>
+            <a:off x="7620397" y="5381018"/>
             <a:ext cx="914003" cy="95182"/>
           </a:xfrm>
           <a:prstGeom prst="line">
@@ -34116,7 +35074,7 @@
         </p:nvSpPr>
         <p:spPr bwMode="auto">
           <a:xfrm flipV="1">
-            <a:off x="7620396" y="5736935"/>
+            <a:off x="7620396" y="5628599"/>
             <a:ext cx="914004" cy="133417"/>
           </a:xfrm>
           <a:prstGeom prst="line">
@@ -34154,7 +35112,7 @@
         </p:nvSpPr>
         <p:spPr bwMode="auto">
           <a:xfrm flipV="1">
-            <a:off x="7620000" y="6117935"/>
+            <a:off x="7620000" y="6009599"/>
             <a:ext cx="914400" cy="270173"/>
           </a:xfrm>
           <a:prstGeom prst="line">
@@ -34192,7 +35150,7 @@
         </p:nvSpPr>
         <p:spPr bwMode="auto">
           <a:xfrm>
-            <a:off x="1295400" y="3222336"/>
+            <a:off x="1295400" y="3114000"/>
             <a:ext cx="1762022" cy="480131"/>
           </a:xfrm>
           <a:prstGeom prst="rect">
@@ -34260,13 +35218,13 @@
           <p:nvPr>
             <p:extLst>
               <p:ext uri="{D42A27DB-BD31-4B8C-83A1-F6EECF244321}">
-                <p14:modId xmlns:p14="http://schemas.microsoft.com/office/powerpoint/2010/main" val="1267441557"/>
+                <p14:modId xmlns:p14="http://schemas.microsoft.com/office/powerpoint/2010/main" val="1395506700"/>
               </p:ext>
             </p:extLst>
           </p:nvPr>
         </p:nvGraphicFramePr>
         <p:xfrm>
-          <a:off x="990600" y="3831936"/>
+          <a:off x="990600" y="3723600"/>
           <a:ext cx="2590800" cy="2719586"/>
         </p:xfrm>
         <a:graphic>
@@ -34928,7 +35886,7 @@
         </p:nvSpPr>
         <p:spPr bwMode="auto">
           <a:xfrm>
-            <a:off x="4495800" y="3374736"/>
+            <a:off x="4495800" y="3266400"/>
             <a:ext cx="3352801" cy="480131"/>
           </a:xfrm>
           <a:prstGeom prst="rect">
@@ -34994,13 +35952,13 @@
           <p:nvPr>
             <p:extLst>
               <p:ext uri="{D42A27DB-BD31-4B8C-83A1-F6EECF244321}">
-                <p14:modId xmlns:p14="http://schemas.microsoft.com/office/powerpoint/2010/main" val="1906951290"/>
+                <p14:modId xmlns:p14="http://schemas.microsoft.com/office/powerpoint/2010/main" val="927189143"/>
               </p:ext>
             </p:extLst>
           </p:nvPr>
         </p:nvGraphicFramePr>
         <p:xfrm>
-          <a:off x="4800600" y="3984336"/>
+          <a:off x="4800600" y="3876000"/>
           <a:ext cx="2819400" cy="2645064"/>
         </p:xfrm>
         <a:graphic>
@@ -35553,13 +36511,13 @@
           <p:nvPr>
             <p:extLst>
               <p:ext uri="{D42A27DB-BD31-4B8C-83A1-F6EECF244321}">
-                <p14:modId xmlns:p14="http://schemas.microsoft.com/office/powerpoint/2010/main" val="2051134192"/>
+                <p14:modId xmlns:p14="http://schemas.microsoft.com/office/powerpoint/2010/main" val="2796495125"/>
               </p:ext>
             </p:extLst>
           </p:nvPr>
         </p:nvGraphicFramePr>
         <p:xfrm>
-          <a:off x="8610600" y="4365336"/>
+          <a:off x="8610600" y="4257000"/>
           <a:ext cx="2667000" cy="1981199"/>
         </p:xfrm>
         <a:graphic>
@@ -36671,6 +37629,11 @@
               <a:rPr lang="bg-BG" dirty="0"/>
               <a:t>Едно към едно</a:t>
             </a:r>
+            <a:r>
+              <a:rPr lang="en-US" dirty="0"/>
+              <a:t> (One-to-One)</a:t>
+            </a:r>
+            <a:endParaRPr lang="bg-BG" dirty="0"/>
           </a:p>
         </p:txBody>
       </p:sp>
@@ -39199,7 +40162,7 @@
               <a:t> </a:t>
             </a:r>
             <a:r>
-              <a:rPr lang="ru-RU" b="1" dirty="0">
+              <a:rPr lang="bg-BG" b="1" dirty="0">
                 <a:solidFill>
                   <a:schemeClr val="bg1"/>
                 </a:solidFill>
@@ -39209,6 +40172,10 @@
             <a:r>
               <a:rPr lang="ru-RU" dirty="0"/>
               <a:t> таблица</a:t>
+            </a:r>
+            <a:r>
+              <a:rPr lang="en-US" dirty="0"/>
+              <a:t> (self-relationship)</a:t>
             </a:r>
             <a:endParaRPr lang="bg-BG" dirty="0"/>
           </a:p>
@@ -41020,38 +41987,12 @@
           <a:chExt cx="0" cy="0"/>
         </a:xfrm>
       </p:grpSpPr>
-      <p:pic>
-        <p:nvPicPr>
-          <p:cNvPr id="23554" name="Picture 2" descr="Barrier PNGs for Free Download"/>
-          <p:cNvPicPr>
-            <a:picLocks noChangeAspect="1" noChangeArrowheads="1"/>
-          </p:cNvPicPr>
-          <p:nvPr/>
-        </p:nvPicPr>
-        <p:blipFill>
-          <a:blip r:embed="rId2" cstate="print"/>
-          <a:srcRect/>
-          <a:stretch>
-            <a:fillRect/>
-          </a:stretch>
-        </p:blipFill>
-        <p:spPr bwMode="auto">
-          <a:xfrm>
-            <a:off x="4811295" y="1752600"/>
-            <a:ext cx="2569411" cy="1830706"/>
-          </a:xfrm>
-          <a:prstGeom prst="rect">
-            <a:avLst/>
-          </a:prstGeom>
-          <a:noFill/>
-        </p:spPr>
-      </p:pic>
       <p:sp>
         <p:nvSpPr>
-          <p:cNvPr id="5" name="Подзаглавие 4">
+          <p:cNvPr id="2" name="Slide Number Placeholder 1">
             <a:extLst>
               <a:ext uri="{FF2B5EF4-FFF2-40B4-BE49-F238E27FC236}">
-                <a16:creationId xmlns:a16="http://schemas.microsoft.com/office/drawing/2014/main" id="{69B2A810-B99C-31DF-53A7-5E4F08E19CEA}"/>
+                <a16:creationId xmlns:a16="http://schemas.microsoft.com/office/drawing/2014/main" id="{4BEDA816-477A-C861-430C-F127A6D96499}"/>
               </a:ext>
             </a:extLst>
           </p:cNvPr>
@@ -41059,7 +42000,7 @@
             <a:spLocks noGrp="1"/>
           </p:cNvSpPr>
           <p:nvPr>
-            <p:ph type="subTitle" sz="quarter" idx="11"/>
+            <p:ph type="sldNum" sz="quarter" idx="5"/>
           </p:nvPr>
         </p:nvSpPr>
         <p:spPr/>
@@ -41067,19 +42008,21 @@
           <a:bodyPr/>
           <a:lstStyle/>
           <a:p>
-            <a:r>
-              <a:rPr lang="bg-BG" dirty="0"/>
-              <a:t>Правила и проверки</a:t>
-            </a:r>
+            <a:fld id="{2BF067CD-8E6B-4360-9AA8-C5DF2A48A6D1}" type="slidenum">
+              <a:rPr lang="en-US" noProof="0" smtClean="0"/>
+              <a:pPr/>
+              <a:t>9</a:t>
+            </a:fld>
+            <a:endParaRPr lang="en-US" noProof="0" dirty="0"/>
           </a:p>
         </p:txBody>
       </p:sp>
       <p:sp>
         <p:nvSpPr>
-          <p:cNvPr id="7" name="Заглавие 6">
+          <p:cNvPr id="3" name="Text Placeholder 2">
             <a:extLst>
               <a:ext uri="{FF2B5EF4-FFF2-40B4-BE49-F238E27FC236}">
-                <a16:creationId xmlns:a16="http://schemas.microsoft.com/office/drawing/2014/main" id="{CD4451EC-8944-6BC8-BC45-23E0FD1012D6}"/>
+                <a16:creationId xmlns:a16="http://schemas.microsoft.com/office/drawing/2014/main" id="{668D53E3-309F-2ABA-9ABC-F948467B35BD}"/>
               </a:ext>
             </a:extLst>
           </p:cNvPr>
@@ -41087,7 +42030,54 @@
             <a:spLocks noGrp="1"/>
           </p:cNvSpPr>
           <p:nvPr>
-            <p:ph type="title" sz="quarter" idx="10"/>
+            <p:ph type="body" sz="quarter" idx="10"/>
+          </p:nvPr>
+        </p:nvSpPr>
+        <p:spPr/>
+        <p:txBody>
+          <a:bodyPr>
+            <a:normAutofit/>
+          </a:bodyPr>
+          <a:lstStyle/>
+          <a:p>
+            <a:r>
+              <a:rPr lang="bg-BG" sz="3200" dirty="0"/>
+              <a:t>В диаграмите на </a:t>
+            </a:r>
+            <a:r>
+              <a:rPr lang="en-US" sz="3200" b="1" dirty="0"/>
+              <a:t>SQL Server Management Studio </a:t>
+            </a:r>
+            <a:r>
+              <a:rPr lang="bg-BG" sz="3200" dirty="0"/>
+              <a:t>можем да създаваме връзки между таблици с "</a:t>
+            </a:r>
+            <a:r>
+              <a:rPr lang="bg-BG" sz="3200" b="1" dirty="0"/>
+              <a:t>влачене на колона</a:t>
+            </a:r>
+            <a:r>
+              <a:rPr lang="bg-BG" sz="3200" dirty="0"/>
+              <a:t>"</a:t>
+            </a:r>
+            <a:endParaRPr lang="en-US" sz="3200" dirty="0"/>
+          </a:p>
+        </p:txBody>
+      </p:sp>
+      <p:sp>
+        <p:nvSpPr>
+          <p:cNvPr id="4" name="Title 3">
+            <a:extLst>
+              <a:ext uri="{FF2B5EF4-FFF2-40B4-BE49-F238E27FC236}">
+                <a16:creationId xmlns:a16="http://schemas.microsoft.com/office/drawing/2014/main" id="{BCAC8504-AA40-4525-D561-AD3457AD47CD}"/>
+              </a:ext>
+            </a:extLst>
+          </p:cNvPr>
+          <p:cNvSpPr>
+            <a:spLocks noGrp="1"/>
+          </p:cNvSpPr>
+          <p:nvPr>
+            <p:ph type="title"/>
           </p:nvPr>
         </p:nvSpPr>
         <p:spPr/>
@@ -41097,15 +42087,130 @@
           <a:p>
             <a:r>
               <a:rPr lang="bg-BG" dirty="0"/>
-              <a:t>Ограничение на целостта</a:t>
+              <a:t>Създаване на връзки в </a:t>
+            </a:r>
+            <a:r>
+              <a:rPr lang="en-US" dirty="0"/>
+              <a:t>SSMS</a:t>
             </a:r>
           </a:p>
         </p:txBody>
       </p:sp>
+      <p:pic>
+        <p:nvPicPr>
+          <p:cNvPr id="6" name="Picture 5">
+            <a:extLst>
+              <a:ext uri="{FF2B5EF4-FFF2-40B4-BE49-F238E27FC236}">
+                <a16:creationId xmlns:a16="http://schemas.microsoft.com/office/drawing/2014/main" id="{B09C2A70-4F1A-0E8F-1A0A-65028D37FEF7}"/>
+              </a:ext>
+            </a:extLst>
+          </p:cNvPr>
+          <p:cNvPicPr>
+            <a:picLocks noChangeAspect="1"/>
+          </p:cNvPicPr>
+          <p:nvPr/>
+        </p:nvPicPr>
+        <p:blipFill>
+          <a:blip r:embed="rId2"/>
+          <a:stretch>
+            <a:fillRect/>
+          </a:stretch>
+        </p:blipFill>
+        <p:spPr>
+          <a:xfrm>
+            <a:off x="471000" y="2414168"/>
+            <a:ext cx="6255000" cy="2085000"/>
+          </a:xfrm>
+          <a:prstGeom prst="rect">
+            <a:avLst/>
+          </a:prstGeom>
+          <a:effectLst>
+            <a:outerShdw blurRad="63500" sx="102000" sy="102000" algn="ctr" rotWithShape="0">
+              <a:prstClr val="black">
+                <a:alpha val="40000"/>
+              </a:prstClr>
+            </a:outerShdw>
+          </a:effectLst>
+        </p:spPr>
+      </p:pic>
+      <p:pic>
+        <p:nvPicPr>
+          <p:cNvPr id="8" name="Picture 7">
+            <a:extLst>
+              <a:ext uri="{FF2B5EF4-FFF2-40B4-BE49-F238E27FC236}">
+                <a16:creationId xmlns:a16="http://schemas.microsoft.com/office/drawing/2014/main" id="{EF13C130-4A18-8AF6-3DD5-83E3B22692E3}"/>
+              </a:ext>
+            </a:extLst>
+          </p:cNvPr>
+          <p:cNvPicPr>
+            <a:picLocks noChangeAspect="1"/>
+          </p:cNvPicPr>
+          <p:nvPr/>
+        </p:nvPicPr>
+        <p:blipFill>
+          <a:blip r:embed="rId3"/>
+          <a:stretch>
+            <a:fillRect/>
+          </a:stretch>
+        </p:blipFill>
+        <p:spPr>
+          <a:xfrm>
+            <a:off x="2676000" y="4141706"/>
+            <a:ext cx="5686364" cy="2474470"/>
+          </a:xfrm>
+          <a:prstGeom prst="rect">
+            <a:avLst/>
+          </a:prstGeom>
+          <a:effectLst>
+            <a:outerShdw blurRad="63500" sx="102000" sy="102000" algn="ctr" rotWithShape="0">
+              <a:prstClr val="black">
+                <a:alpha val="40000"/>
+              </a:prstClr>
+            </a:outerShdw>
+          </a:effectLst>
+        </p:spPr>
+      </p:pic>
+      <p:pic>
+        <p:nvPicPr>
+          <p:cNvPr id="10" name="Picture 9">
+            <a:extLst>
+              <a:ext uri="{FF2B5EF4-FFF2-40B4-BE49-F238E27FC236}">
+                <a16:creationId xmlns:a16="http://schemas.microsoft.com/office/drawing/2014/main" id="{DE067492-681C-8348-A5DB-148E59EF4411}"/>
+              </a:ext>
+            </a:extLst>
+          </p:cNvPr>
+          <p:cNvPicPr>
+            <a:picLocks noChangeAspect="1"/>
+          </p:cNvPicPr>
+          <p:nvPr/>
+        </p:nvPicPr>
+        <p:blipFill>
+          <a:blip r:embed="rId4"/>
+          <a:stretch>
+            <a:fillRect/>
+          </a:stretch>
+        </p:blipFill>
+        <p:spPr>
+          <a:xfrm>
+            <a:off x="7092415" y="2889000"/>
+            <a:ext cx="4660615" cy="1485000"/>
+          </a:xfrm>
+          <a:prstGeom prst="rect">
+            <a:avLst/>
+          </a:prstGeom>
+          <a:effectLst>
+            <a:outerShdw blurRad="63500" sx="102000" sy="102000" algn="ctr" rotWithShape="0">
+              <a:prstClr val="black">
+                <a:alpha val="40000"/>
+              </a:prstClr>
+            </a:outerShdw>
+          </a:effectLst>
+        </p:spPr>
+      </p:pic>
     </p:spTree>
     <p:extLst>
       <p:ext uri="{BB962C8B-B14F-4D97-AF65-F5344CB8AC3E}">
-        <p14:creationId xmlns:p14="http://schemas.microsoft.com/office/powerpoint/2010/main" val="4288684798"/>
+        <p14:creationId xmlns:p14="http://schemas.microsoft.com/office/powerpoint/2010/main" val="374149704"/>
       </p:ext>
     </p:extLst>
   </p:cSld>
@@ -41120,6 +42225,171 @@
       <p:transition spd="slow" advClick="0" advTm="5000"/>
     </mc:Fallback>
   </mc:AlternateContent>
+  <p:timing>
+    <p:tnLst>
+      <p:par>
+        <p:cTn id="1" dur="indefinite" restart="never" nodeType="tmRoot">
+          <p:childTnLst>
+            <p:seq concurrent="1" nextAc="seek">
+              <p:cTn id="2" dur="indefinite" nodeType="mainSeq">
+                <p:childTnLst>
+                  <p:par>
+                    <p:cTn id="3" fill="hold">
+                      <p:stCondLst>
+                        <p:cond delay="indefinite"/>
+                      </p:stCondLst>
+                      <p:childTnLst>
+                        <p:par>
+                          <p:cTn id="4" fill="hold">
+                            <p:stCondLst>
+                              <p:cond delay="0"/>
+                            </p:stCondLst>
+                            <p:childTnLst>
+                              <p:par>
+                                <p:cTn id="5" presetID="1" presetClass="entr" presetSubtype="0" fill="hold" nodeType="clickEffect">
+                                  <p:stCondLst>
+                                    <p:cond delay="0"/>
+                                  </p:stCondLst>
+                                  <p:childTnLst>
+                                    <p:set>
+                                      <p:cBhvr>
+                                        <p:cTn id="6" dur="1" fill="hold">
+                                          <p:stCondLst>
+                                            <p:cond delay="0"/>
+                                          </p:stCondLst>
+                                        </p:cTn>
+                                        <p:tgtEl>
+                                          <p:spTgt spid="6"/>
+                                        </p:tgtEl>
+                                        <p:attrNameLst>
+                                          <p:attrName>style.visibility</p:attrName>
+                                        </p:attrNameLst>
+                                      </p:cBhvr>
+                                      <p:to>
+                                        <p:strVal val="visible"/>
+                                      </p:to>
+                                    </p:set>
+                                  </p:childTnLst>
+                                </p:cTn>
+                              </p:par>
+                            </p:childTnLst>
+                          </p:cTn>
+                        </p:par>
+                      </p:childTnLst>
+                    </p:cTn>
+                  </p:par>
+                  <p:par>
+                    <p:cTn id="7" fill="hold">
+                      <p:stCondLst>
+                        <p:cond delay="indefinite"/>
+                      </p:stCondLst>
+                      <p:childTnLst>
+                        <p:par>
+                          <p:cTn id="8" fill="hold">
+                            <p:stCondLst>
+                              <p:cond delay="0"/>
+                            </p:stCondLst>
+                            <p:childTnLst>
+                              <p:par>
+                                <p:cTn id="9" presetID="1" presetClass="entr" presetSubtype="0" fill="hold" nodeType="clickEffect">
+                                  <p:stCondLst>
+                                    <p:cond delay="0"/>
+                                  </p:stCondLst>
+                                  <p:childTnLst>
+                                    <p:set>
+                                      <p:cBhvr>
+                                        <p:cTn id="10" dur="1" fill="hold">
+                                          <p:stCondLst>
+                                            <p:cond delay="0"/>
+                                          </p:stCondLst>
+                                        </p:cTn>
+                                        <p:tgtEl>
+                                          <p:spTgt spid="8"/>
+                                        </p:tgtEl>
+                                        <p:attrNameLst>
+                                          <p:attrName>style.visibility</p:attrName>
+                                        </p:attrNameLst>
+                                      </p:cBhvr>
+                                      <p:to>
+                                        <p:strVal val="visible"/>
+                                      </p:to>
+                                    </p:set>
+                                  </p:childTnLst>
+                                </p:cTn>
+                              </p:par>
+                            </p:childTnLst>
+                          </p:cTn>
+                        </p:par>
+                      </p:childTnLst>
+                    </p:cTn>
+                  </p:par>
+                  <p:par>
+                    <p:cTn id="11" fill="hold">
+                      <p:stCondLst>
+                        <p:cond delay="indefinite"/>
+                      </p:stCondLst>
+                      <p:childTnLst>
+                        <p:par>
+                          <p:cTn id="12" fill="hold">
+                            <p:stCondLst>
+                              <p:cond delay="0"/>
+                            </p:stCondLst>
+                            <p:childTnLst>
+                              <p:par>
+                                <p:cTn id="13" presetID="1" presetClass="entr" presetSubtype="0" fill="hold" nodeType="clickEffect">
+                                  <p:stCondLst>
+                                    <p:cond delay="0"/>
+                                  </p:stCondLst>
+                                  <p:childTnLst>
+                                    <p:set>
+                                      <p:cBhvr>
+                                        <p:cTn id="14" dur="1" fill="hold">
+                                          <p:stCondLst>
+                                            <p:cond delay="0"/>
+                                          </p:stCondLst>
+                                        </p:cTn>
+                                        <p:tgtEl>
+                                          <p:spTgt spid="10"/>
+                                        </p:tgtEl>
+                                        <p:attrNameLst>
+                                          <p:attrName>style.visibility</p:attrName>
+                                        </p:attrNameLst>
+                                      </p:cBhvr>
+                                      <p:to>
+                                        <p:strVal val="visible"/>
+                                      </p:to>
+                                    </p:set>
+                                  </p:childTnLst>
+                                </p:cTn>
+                              </p:par>
+                            </p:childTnLst>
+                          </p:cTn>
+                        </p:par>
+                      </p:childTnLst>
+                    </p:cTn>
+                  </p:par>
+                </p:childTnLst>
+              </p:cTn>
+              <p:prevCondLst>
+                <p:cond evt="onPrev" delay="0">
+                  <p:tgtEl>
+                    <p:sldTgt/>
+                  </p:tgtEl>
+                </p:cond>
+              </p:prevCondLst>
+              <p:nextCondLst>
+                <p:cond evt="onNext" delay="0">
+                  <p:tgtEl>
+                    <p:sldTgt/>
+                  </p:tgtEl>
+                </p:cond>
+              </p:nextCondLst>
+            </p:seq>
+          </p:childTnLst>
+        </p:cTn>
+      </p:par>
+    </p:tnLst>
+  </p:timing>
 </p:sld>
 </file>
 

--- a/Courses/Software-Sciences/Module-3-Databases-New/07-Relationships-and-ER-Diagrams/07-Relationships-ER-Diagrams.pptx
+++ b/Courses/Software-Sciences/Module-3-Databases-New/07-Relationships-and-ER-Diagrams/07-Relationships-ER-Diagrams.pptx
@@ -5,10 +5,10 @@
     <p:sldMasterId id="2147483675" r:id="rId1"/>
   </p:sldMasterIdLst>
   <p:notesMasterIdLst>
-    <p:notesMasterId r:id="rId38"/>
+    <p:notesMasterId r:id="rId40"/>
   </p:notesMasterIdLst>
   <p:handoutMasterIdLst>
-    <p:handoutMasterId r:id="rId39"/>
+    <p:handoutMasterId r:id="rId41"/>
   </p:handoutMasterIdLst>
   <p:sldIdLst>
     <p:sldId id="503" r:id="rId2"/>
@@ -44,9 +44,11 @@
     <p:sldId id="534" r:id="rId32"/>
     <p:sldId id="533" r:id="rId33"/>
     <p:sldId id="544" r:id="rId34"/>
-    <p:sldId id="349" r:id="rId35"/>
-    <p:sldId id="504" r:id="rId36"/>
-    <p:sldId id="505" r:id="rId37"/>
+    <p:sldId id="546" r:id="rId35"/>
+    <p:sldId id="547" r:id="rId36"/>
+    <p:sldId id="349" r:id="rId37"/>
+    <p:sldId id="504" r:id="rId38"/>
+    <p:sldId id="505" r:id="rId39"/>
   </p:sldIdLst>
   <p:sldSz cx="12192000" cy="6858000"/>
   <p:notesSz cx="6858000" cy="9144000"/>
@@ -203,6 +205,8 @@
             <p14:sldId id="534"/>
             <p14:sldId id="533"/>
             <p14:sldId id="544"/>
+            <p14:sldId id="546"/>
+            <p14:sldId id="547"/>
           </p14:sldIdLst>
         </p14:section>
         <p14:section name="Обобщение" id="{126D8100-68B2-4688-A452-FEA3237D26FE}">
@@ -534,7 +538,7 @@
           <a:p>
             <a:fld id="{4E087215-0C8F-4762-A664-737A353EC9A4}" type="datetimeFigureOut">
               <a:rPr lang="bg-BG" smtClean="0"/>
-              <a:t>16.10.2023 г.</a:t>
+              <a:t>19.10.2023 г.</a:t>
             </a:fld>
             <a:endParaRPr lang="bg-BG"/>
           </a:p>
@@ -730,7 +734,7 @@
           <a:p>
             <a:fld id="{72D84649-876A-46C9-8472-14CB09C070D8}" type="datetimeFigureOut">
               <a:rPr lang="en-US" smtClean="0"/>
-              <a:t>16-Oct-23</a:t>
+              <a:t>10/19/2023</a:t>
             </a:fld>
             <a:endParaRPr lang="en-US"/>
           </a:p>
@@ -1749,7 +1753,7 @@
             <a:fld id="{3EBA5BD7-F043-4D1B-AA17-CD412FC534DE}" type="slidenum">
               <a:rPr lang="en-US" smtClean="0"/>
               <a:pPr/>
-              <a:t>34</a:t>
+              <a:t>36</a:t>
             </a:fld>
             <a:endParaRPr lang="en-US" dirty="0"/>
           </a:p>
@@ -1995,7 +1999,7 @@
             <a:fld id="{3EBA5BD7-F043-4D1B-AA17-CD412FC534DE}" type="slidenum">
               <a:rPr lang="en-US" smtClean="0"/>
               <a:pPr/>
-              <a:t>35</a:t>
+              <a:t>37</a:t>
             </a:fld>
             <a:endParaRPr lang="en-US" dirty="0"/>
           </a:p>
@@ -2241,7 +2245,7 @@
             <a:fld id="{3EBA5BD7-F043-4D1B-AA17-CD412FC534DE}" type="slidenum">
               <a:rPr lang="en-US" smtClean="0"/>
               <a:pPr/>
-              <a:t>36</a:t>
+              <a:t>38</a:t>
             </a:fld>
             <a:endParaRPr lang="en-US" dirty="0"/>
           </a:p>
@@ -10219,7 +10223,141 @@
           <a:bodyPr/>
           <a:lstStyle/>
           <a:p>
-            <a:endParaRPr lang="en-US"/>
+            <a:r>
+              <a:rPr lang="bg-BG" dirty="0"/>
+              <a:t>Задаваме ограничение на колоните</a:t>
+            </a:r>
+            <a:r>
+              <a:rPr lang="en-US" dirty="0"/>
+              <a:t> </a:t>
+            </a:r>
+            <a:r>
+              <a:rPr lang="en-US" b="1" dirty="0">
+                <a:solidFill>
+                  <a:schemeClr val="bg1"/>
+                </a:solidFill>
+                <a:latin typeface="Consolas" panose="020B0609020204030204" pitchFamily="49" charset="0"/>
+              </a:rPr>
+              <a:t>Name</a:t>
+            </a:r>
+            <a:r>
+              <a:rPr lang="en-US" dirty="0"/>
+              <a:t> </a:t>
+            </a:r>
+            <a:r>
+              <a:rPr lang="bg-BG" dirty="0"/>
+              <a:t>и </a:t>
+            </a:r>
+            <a:r>
+              <a:rPr lang="en-US" b="1" dirty="0">
+                <a:solidFill>
+                  <a:schemeClr val="bg1"/>
+                </a:solidFill>
+                <a:latin typeface="Consolas" panose="020B0609020204030204" pitchFamily="49" charset="0"/>
+              </a:rPr>
+              <a:t>Price</a:t>
+            </a:r>
+            <a:endParaRPr lang="bg-BG" b="1" dirty="0">
+              <a:solidFill>
+                <a:schemeClr val="bg1"/>
+              </a:solidFill>
+              <a:latin typeface="Consolas" panose="020B0609020204030204" pitchFamily="49" charset="0"/>
+            </a:endParaRPr>
+          </a:p>
+          <a:p>
+            <a:endParaRPr lang="bg-BG" b="1" dirty="0">
+              <a:solidFill>
+                <a:schemeClr val="bg1"/>
+              </a:solidFill>
+              <a:latin typeface="Consolas" panose="020B0609020204030204" pitchFamily="49" charset="0"/>
+            </a:endParaRPr>
+          </a:p>
+          <a:p>
+            <a:endParaRPr lang="bg-BG" b="1" dirty="0">
+              <a:solidFill>
+                <a:schemeClr val="bg1"/>
+              </a:solidFill>
+              <a:latin typeface="Consolas" panose="020B0609020204030204" pitchFamily="49" charset="0"/>
+            </a:endParaRPr>
+          </a:p>
+          <a:p>
+            <a:endParaRPr lang="bg-BG" b="1" dirty="0">
+              <a:solidFill>
+                <a:schemeClr val="bg1"/>
+              </a:solidFill>
+              <a:latin typeface="Consolas" panose="020B0609020204030204" pitchFamily="49" charset="0"/>
+            </a:endParaRPr>
+          </a:p>
+          <a:p>
+            <a:endParaRPr lang="bg-BG" dirty="0"/>
+          </a:p>
+          <a:p>
+            <a:r>
+              <a:rPr lang="bg-BG" dirty="0"/>
+              <a:t>Казваме, че ще имаме </a:t>
+            </a:r>
+            <a:r>
+              <a:rPr lang="bg-BG" b="1" dirty="0">
+                <a:solidFill>
+                  <a:schemeClr val="bg1"/>
+                </a:solidFill>
+              </a:rPr>
+              <a:t>неповтарящи</a:t>
+            </a:r>
+            <a:r>
+              <a:rPr lang="bg-BG" dirty="0"/>
+              <a:t> се </a:t>
+            </a:r>
+            <a:r>
+              <a:rPr lang="bg-BG" b="1" dirty="0">
+                <a:solidFill>
+                  <a:schemeClr val="bg1"/>
+                </a:solidFill>
+              </a:rPr>
+              <a:t>имена</a:t>
+            </a:r>
+            <a:r>
+              <a:rPr lang="bg-BG" dirty="0"/>
+              <a:t> и </a:t>
+            </a:r>
+            <a:r>
+              <a:rPr lang="bg-BG" b="1" dirty="0">
+                <a:solidFill>
+                  <a:schemeClr val="bg1"/>
+                </a:solidFill>
+              </a:rPr>
+              <a:t>цаната</a:t>
+            </a:r>
+            <a:r>
+              <a:rPr lang="bg-BG" dirty="0"/>
+              <a:t> на продуктите ще бъде </a:t>
+            </a:r>
+            <a:r>
+              <a:rPr lang="bg-BG" b="1" dirty="0">
+                <a:solidFill>
+                  <a:schemeClr val="bg1"/>
+                </a:solidFill>
+              </a:rPr>
+              <a:t>положително</a:t>
+            </a:r>
+            <a:r>
+              <a:rPr lang="bg-BG" dirty="0"/>
+              <a:t> </a:t>
+            </a:r>
+            <a:r>
+              <a:rPr lang="bg-BG" b="1" dirty="0">
+                <a:solidFill>
+                  <a:schemeClr val="bg1"/>
+                </a:solidFill>
+              </a:rPr>
+              <a:t>число</a:t>
+            </a:r>
+            <a:endParaRPr lang="bg-BG" b="1" dirty="0">
+              <a:solidFill>
+                <a:schemeClr val="bg1"/>
+              </a:solidFill>
+              <a:latin typeface="Consolas" panose="020B0609020204030204" pitchFamily="49" charset="0"/>
+            </a:endParaRPr>
           </a:p>
         </p:txBody>
       </p:sp>
@@ -10244,221 +10382,208 @@
           <a:bodyPr/>
           <a:lstStyle/>
           <a:p>
-            <a:endParaRPr lang="en-US" dirty="0"/>
+            <a:r>
+              <a:rPr lang="bg-BG" dirty="0"/>
+              <a:t>Ограничения на целостта </a:t>
+            </a:r>
+            <a:r>
+              <a:rPr lang="en-US" dirty="0"/>
+              <a:t>(3)</a:t>
+            </a:r>
           </a:p>
         </p:txBody>
       </p:sp>
       <p:sp>
         <p:nvSpPr>
-          <p:cNvPr id="5" name="Rectangle: Rounded Corners 4">
+          <p:cNvPr id="7" name="Rectangle 4">
             <a:extLst>
               <a:ext uri="{FF2B5EF4-FFF2-40B4-BE49-F238E27FC236}">
-                <a16:creationId xmlns:a16="http://schemas.microsoft.com/office/drawing/2014/main" id="{4D0EE611-F18B-FE0C-1809-6B09D18E5D5F}"/>
+                <a16:creationId xmlns:a16="http://schemas.microsoft.com/office/drawing/2014/main" id="{57530CCE-876A-F6AD-C198-2DC6C17E10BC}"/>
               </a:ext>
             </a:extLst>
           </p:cNvPr>
-          <p:cNvSpPr/>
+          <p:cNvSpPr>
+            <a:spLocks noChangeArrowheads="1"/>
+          </p:cNvSpPr>
           <p:nvPr/>
         </p:nvSpPr>
         <p:spPr bwMode="auto">
           <a:xfrm>
-            <a:off x="2001946" y="1255047"/>
-            <a:ext cx="9088108" cy="5145580"/>
+            <a:off x="2563500" y="2349000"/>
+            <a:ext cx="7312500" cy="1870448"/>
           </a:xfrm>
-          <a:prstGeom prst="roundRect">
+          <a:prstGeom prst="rect">
             <a:avLst/>
           </a:prstGeom>
-          <a:ln/>
+          <a:solidFill>
+            <a:schemeClr val="accent5">
+              <a:lumMod val="40000"/>
+              <a:lumOff val="60000"/>
+              <a:alpha val="15000"/>
+            </a:schemeClr>
+          </a:solidFill>
+          <a:ln w="12700">
+            <a:solidFill>
+              <a:schemeClr val="accent5">
+                <a:lumMod val="60000"/>
+                <a:lumOff val="40000"/>
+              </a:schemeClr>
+            </a:solidFill>
+          </a:ln>
         </p:spPr>
-        <p:style>
-          <a:lnRef idx="2">
-            <a:schemeClr val="accent2"/>
-          </a:lnRef>
-          <a:fillRef idx="1">
-            <a:schemeClr val="lt1"/>
-          </a:fillRef>
-          <a:effectRef idx="0">
-            <a:schemeClr val="accent2"/>
-          </a:effectRef>
-          <a:fontRef idx="minor">
-            <a:schemeClr val="dk1"/>
-          </a:fontRef>
-        </p:style>
         <p:txBody>
-          <a:bodyPr rot="0" spcFirstLastPara="0" vertOverflow="overflow" horzOverflow="overflow" vert="horz" wrap="square" lIns="91440" tIns="45720" rIns="91440" bIns="45720" numCol="1" spcCol="0" rtlCol="0" fromWordArt="0" anchor="ctr" anchorCtr="0" forceAA="0" compatLnSpc="1">
-            <a:prstTxWarp prst="textNoShape">
-              <a:avLst/>
-            </a:prstTxWarp>
-            <a:noAutofit/>
+          <a:bodyPr wrap="square">
+            <a:spAutoFit/>
           </a:bodyPr>
           <a:lstStyle/>
           <a:p>
-            <a:pPr algn="ctr"/>
-            <a:r>
-              <a:rPr lang="en-US" sz="4000" b="1" dirty="0">
+            <a:pPr eaLnBrk="0" hangingPunct="0">
+              <a:lnSpc>
+                <a:spcPts val="2800"/>
+              </a:lnSpc>
+              <a:buClr>
+                <a:schemeClr val="accent5">
+                  <a:lumMod val="40000"/>
+                  <a:lumOff val="60000"/>
+                </a:schemeClr>
+              </a:buClr>
+              <a:buSzPct val="70000"/>
+            </a:pPr>
+            <a:r>
+              <a:rPr lang="en-US" sz="2200" b="1" noProof="1">
                 <a:solidFill>
-                  <a:srgbClr val="FFFFFF"/>
+                  <a:schemeClr val="tx2"/>
                 </a:solidFill>
-                <a:effectLst>
-                  <a:outerShdw blurRad="38100" dist="38100" dir="2700000" algn="tl">
-                    <a:srgbClr val="000000">
-                      <a:alpha val="43137"/>
-                    </a:srgbClr>
-                  </a:outerShdw>
-                </a:effectLst>
+                <a:latin typeface="Consolas" pitchFamily="49" charset="0"/>
+                <a:cs typeface="Consolas" pitchFamily="49" charset="0"/>
               </a:rPr>
-              <a:t>TODO: </a:t>
-            </a:r>
-            <a:r>
-              <a:rPr lang="bg-BG" sz="4000" b="1" dirty="0">
-                <a:solidFill>
-                  <a:srgbClr val="FFFFFF"/>
-                </a:solidFill>
-                <a:effectLst>
-                  <a:outerShdw blurRad="38100" dist="38100" dir="2700000" algn="tl">
-                    <a:srgbClr val="000000">
-                      <a:alpha val="43137"/>
-                    </a:srgbClr>
-                  </a:outerShdw>
-                </a:effectLst>
-              </a:rPr>
-              <a:t>примери</a:t>
-            </a:r>
-            <a:br>
-              <a:rPr lang="bg-BG" sz="4000" b="1" dirty="0">
-                <a:solidFill>
-                  <a:srgbClr val="FFFFFF"/>
-                </a:solidFill>
-                <a:effectLst>
-                  <a:outerShdw blurRad="38100" dist="38100" dir="2700000" algn="tl">
-                    <a:srgbClr val="000000">
-                      <a:alpha val="43137"/>
-                    </a:srgbClr>
-                  </a:outerShdw>
-                </a:effectLst>
-              </a:rPr>
-            </a:br>
-            <a:br>
-              <a:rPr lang="bg-BG" sz="4000" b="1" dirty="0">
-                <a:solidFill>
-                  <a:srgbClr val="FFFFFF"/>
-                </a:solidFill>
-                <a:effectLst>
-                  <a:outerShdw blurRad="38100" dist="38100" dir="2700000" algn="tl">
-                    <a:srgbClr val="000000">
-                      <a:alpha val="43137"/>
-                    </a:srgbClr>
-                  </a:outerShdw>
-                </a:effectLst>
-              </a:rPr>
-            </a:br>
-            <a:r>
-              <a:rPr lang="bg-BG" sz="4000" b="1" dirty="0">
-                <a:solidFill>
-                  <a:srgbClr val="FFFFFF"/>
-                </a:solidFill>
-                <a:effectLst>
-                  <a:outerShdw blurRad="38100" dist="38100" dir="2700000" algn="tl">
-                    <a:srgbClr val="000000">
-                      <a:alpha val="43137"/>
-                    </a:srgbClr>
-                  </a:outerShdw>
-                </a:effectLst>
-              </a:rPr>
-              <a:t>Някакъв код, с който се създават тези </a:t>
-            </a:r>
-            <a:r>
-              <a:rPr lang="en-US" sz="4000" b="1" dirty="0">
-                <a:solidFill>
-                  <a:srgbClr val="FFFFFF"/>
-                </a:solidFill>
-                <a:effectLst>
-                  <a:outerShdw blurRad="38100" dist="38100" dir="2700000" algn="tl">
-                    <a:srgbClr val="000000">
-                      <a:alpha val="43137"/>
-                    </a:srgbClr>
-                  </a:outerShdw>
-                </a:effectLst>
-              </a:rPr>
-              <a:t>constraints</a:t>
+              <a:t>CREATE TABLE Products ( </a:t>
             </a:r>
           </a:p>
           <a:p>
-            <a:pPr algn="ctr"/>
-            <a:endParaRPr lang="en-US" sz="4000" b="1" dirty="0">
-              <a:solidFill>
-                <a:srgbClr val="FFFFFF"/>
-              </a:solidFill>
-              <a:effectLst>
-                <a:outerShdw blurRad="38100" dist="38100" dir="2700000" algn="tl">
-                  <a:srgbClr val="000000">
-                    <a:alpha val="43137"/>
-                  </a:srgbClr>
-                </a:outerShdw>
-              </a:effectLst>
-            </a:endParaRPr>
+            <a:pPr eaLnBrk="0" hangingPunct="0">
+              <a:lnSpc>
+                <a:spcPts val="2800"/>
+              </a:lnSpc>
+              <a:buClr>
+                <a:schemeClr val="accent5">
+                  <a:lumMod val="40000"/>
+                  <a:lumOff val="60000"/>
+                </a:schemeClr>
+              </a:buClr>
+              <a:buSzPct val="70000"/>
+            </a:pPr>
+            <a:r>
+              <a:rPr lang="en-US" sz="2200" b="1" noProof="1">
+                <a:solidFill>
+                  <a:schemeClr val="tx2"/>
+                </a:solidFill>
+                <a:latin typeface="Consolas" pitchFamily="49" charset="0"/>
+                <a:cs typeface="Consolas" pitchFamily="49" charset="0"/>
+              </a:rPr>
+              <a:t>	Id INT PRIMARY KEY,</a:t>
+            </a:r>
           </a:p>
           <a:p>
-            <a:pPr algn="ctr"/>
-            <a:r>
-              <a:rPr lang="bg-BG" sz="4000" b="1" dirty="0">
+            <a:pPr eaLnBrk="0" hangingPunct="0">
+              <a:lnSpc>
+                <a:spcPts val="2800"/>
+              </a:lnSpc>
+              <a:buClr>
+                <a:schemeClr val="accent5">
+                  <a:lumMod val="40000"/>
+                  <a:lumOff val="60000"/>
+                </a:schemeClr>
+              </a:buClr>
+              <a:buSzPct val="70000"/>
+            </a:pPr>
+            <a:r>
+              <a:rPr lang="en-US" sz="2200" b="1" noProof="1">
                 <a:solidFill>
-                  <a:srgbClr val="FFFFFF"/>
+                  <a:schemeClr val="tx2"/>
                 </a:solidFill>
-                <a:effectLst>
-                  <a:outerShdw blurRad="38100" dist="38100" dir="2700000" algn="tl">
-                    <a:srgbClr val="000000">
-                      <a:alpha val="43137"/>
-                    </a:srgbClr>
-                  </a:outerShdw>
-                </a:effectLst>
+                <a:latin typeface="Consolas" pitchFamily="49" charset="0"/>
+                <a:cs typeface="Consolas" pitchFamily="49" charset="0"/>
               </a:rPr>
-              <a:t>Може и </a:t>
-            </a:r>
-            <a:r>
-              <a:rPr lang="en-US" sz="4000" b="1" dirty="0">
+              <a:t>	[Name] VARCHAR(255) </a:t>
+            </a:r>
+            <a:r>
+              <a:rPr lang="en-US" sz="2200" b="1" noProof="1">
                 <a:solidFill>
-                  <a:srgbClr val="FFFFFF"/>
+                  <a:schemeClr val="bg1"/>
                 </a:solidFill>
-                <a:effectLst>
-                  <a:outerShdw blurRad="38100" dist="38100" dir="2700000" algn="tl">
-                    <a:srgbClr val="000000">
-                      <a:alpha val="43137"/>
-                    </a:srgbClr>
-                  </a:outerShdw>
-                </a:effectLst>
+                <a:latin typeface="Consolas" pitchFamily="49" charset="0"/>
+                <a:cs typeface="Consolas" pitchFamily="49" charset="0"/>
               </a:rPr>
-              <a:t>screenshot </a:t>
-            </a:r>
-            <a:r>
-              <a:rPr lang="bg-BG" sz="4000" b="1" dirty="0">
+              <a:t>UNIQUE</a:t>
+            </a:r>
+            <a:r>
+              <a:rPr lang="en-US" sz="2200" b="1" noProof="1">
                 <a:solidFill>
-                  <a:srgbClr val="FFFFFF"/>
+                  <a:schemeClr val="tx2"/>
                 </a:solidFill>
-                <a:effectLst>
-                  <a:outerShdw blurRad="38100" dist="38100" dir="2700000" algn="tl">
-                    <a:srgbClr val="000000">
-                      <a:alpha val="43137"/>
-                    </a:srgbClr>
-                  </a:outerShdw>
-                </a:effectLst>
+                <a:latin typeface="Consolas" pitchFamily="49" charset="0"/>
+                <a:cs typeface="Consolas" pitchFamily="49" charset="0"/>
               </a:rPr>
-              <a:t>от </a:t>
-            </a:r>
-            <a:r>
-              <a:rPr lang="en-US" sz="4000" b="1" dirty="0">
+              <a:t>,</a:t>
+            </a:r>
+          </a:p>
+          <a:p>
+            <a:pPr eaLnBrk="0" hangingPunct="0">
+              <a:lnSpc>
+                <a:spcPts val="2800"/>
+              </a:lnSpc>
+              <a:buClr>
+                <a:schemeClr val="accent5">
+                  <a:lumMod val="40000"/>
+                  <a:lumOff val="60000"/>
+                </a:schemeClr>
+              </a:buClr>
+              <a:buSzPct val="70000"/>
+            </a:pPr>
+            <a:r>
+              <a:rPr lang="en-US" sz="2200" b="1" noProof="1">
                 <a:solidFill>
-                  <a:srgbClr val="FFFFFF"/>
+                  <a:schemeClr val="tx2"/>
                 </a:solidFill>
-                <a:effectLst>
-                  <a:outerShdw blurRad="38100" dist="38100" dir="2700000" algn="tl">
-                    <a:srgbClr val="000000">
-                      <a:alpha val="43137"/>
-                    </a:srgbClr>
-                  </a:outerShdw>
-                </a:effectLst>
+                <a:latin typeface="Consolas" pitchFamily="49" charset="0"/>
+                <a:cs typeface="Consolas" pitchFamily="49" charset="0"/>
               </a:rPr>
-              <a:t>SQL Server Management Studio.</a:t>
+              <a:t>	Price DECIMAL(10, 2) </a:t>
+            </a:r>
+            <a:r>
+              <a:rPr lang="en-US" sz="2200" b="1" noProof="1">
+                <a:solidFill>
+                  <a:schemeClr val="bg1"/>
+                </a:solidFill>
+                <a:latin typeface="Consolas" pitchFamily="49" charset="0"/>
+                <a:cs typeface="Consolas" pitchFamily="49" charset="0"/>
+              </a:rPr>
+              <a:t>CHECK (Price &gt; 0) </a:t>
+            </a:r>
+          </a:p>
+          <a:p>
+            <a:pPr eaLnBrk="0" hangingPunct="0">
+              <a:lnSpc>
+                <a:spcPts val="2800"/>
+              </a:lnSpc>
+              <a:buClr>
+                <a:schemeClr val="accent5">
+                  <a:lumMod val="40000"/>
+                  <a:lumOff val="60000"/>
+                </a:schemeClr>
+              </a:buClr>
+              <a:buSzPct val="70000"/>
+            </a:pPr>
+            <a:r>
+              <a:rPr lang="en-US" sz="2200" b="1" noProof="1">
+                <a:solidFill>
+                  <a:schemeClr val="tx2"/>
+                </a:solidFill>
+                <a:latin typeface="Consolas" pitchFamily="49" charset="0"/>
+                <a:cs typeface="Consolas" pitchFamily="49" charset="0"/>
+              </a:rPr>
+              <a:t>)</a:t>
             </a:r>
           </a:p>
         </p:txBody>
@@ -10481,6 +10606,136 @@
       <p:transition spd="slow" advClick="0" advTm="5000"/>
     </mc:Fallback>
   </mc:AlternateContent>
+  <p:timing>
+    <p:tnLst>
+      <p:par>
+        <p:cTn id="1" dur="indefinite" restart="never" nodeType="tmRoot">
+          <p:childTnLst>
+            <p:seq concurrent="1" nextAc="seek">
+              <p:cTn id="2" dur="indefinite" nodeType="mainSeq">
+                <p:childTnLst>
+                  <p:par>
+                    <p:cTn id="3" fill="hold">
+                      <p:stCondLst>
+                        <p:cond delay="indefinite"/>
+                        <p:cond evt="onBegin" delay="0">
+                          <p:tn val="2"/>
+                        </p:cond>
+                      </p:stCondLst>
+                      <p:childTnLst>
+                        <p:par>
+                          <p:cTn id="4" fill="hold">
+                            <p:stCondLst>
+                              <p:cond delay="0"/>
+                            </p:stCondLst>
+                            <p:childTnLst>
+                              <p:par>
+                                <p:cTn id="5" presetID="1" presetClass="entr" presetSubtype="0" fill="hold" grpId="0" nodeType="withEffect">
+                                  <p:stCondLst>
+                                    <p:cond delay="0"/>
+                                  </p:stCondLst>
+                                  <p:childTnLst>
+                                    <p:set>
+                                      <p:cBhvr>
+                                        <p:cTn id="6" dur="1" fill="hold">
+                                          <p:stCondLst>
+                                            <p:cond delay="0"/>
+                                          </p:stCondLst>
+                                        </p:cTn>
+                                        <p:tgtEl>
+                                          <p:spTgt spid="7"/>
+                                        </p:tgtEl>
+                                        <p:attrNameLst>
+                                          <p:attrName>style.visibility</p:attrName>
+                                        </p:attrNameLst>
+                                      </p:cBhvr>
+                                      <p:to>
+                                        <p:strVal val="visible"/>
+                                      </p:to>
+                                    </p:set>
+                                  </p:childTnLst>
+                                </p:cTn>
+                              </p:par>
+                            </p:childTnLst>
+                          </p:cTn>
+                        </p:par>
+                      </p:childTnLst>
+                    </p:cTn>
+                  </p:par>
+                  <p:par>
+                    <p:cTn id="7" fill="hold">
+                      <p:stCondLst>
+                        <p:cond delay="indefinite"/>
+                      </p:stCondLst>
+                      <p:childTnLst>
+                        <p:par>
+                          <p:cTn id="8" fill="hold">
+                            <p:stCondLst>
+                              <p:cond delay="0"/>
+                            </p:stCondLst>
+                            <p:childTnLst>
+                              <p:par>
+                                <p:cTn id="9" presetID="1" presetClass="entr" presetSubtype="0" fill="hold" nodeType="clickEffect">
+                                  <p:stCondLst>
+                                    <p:cond delay="0"/>
+                                  </p:stCondLst>
+                                  <p:childTnLst>
+                                    <p:set>
+                                      <p:cBhvr>
+                                        <p:cTn id="10" dur="1" fill="hold">
+                                          <p:stCondLst>
+                                            <p:cond delay="0"/>
+                                          </p:stCondLst>
+                                        </p:cTn>
+                                        <p:tgtEl>
+                                          <p:spTgt spid="3">
+                                            <p:txEl>
+                                              <p:pRg st="5" end="5"/>
+                                            </p:txEl>
+                                          </p:spTgt>
+                                        </p:tgtEl>
+                                        <p:attrNameLst>
+                                          <p:attrName>style.visibility</p:attrName>
+                                        </p:attrNameLst>
+                                      </p:cBhvr>
+                                      <p:to>
+                                        <p:strVal val="visible"/>
+                                      </p:to>
+                                    </p:set>
+                                  </p:childTnLst>
+                                </p:cTn>
+                              </p:par>
+                            </p:childTnLst>
+                          </p:cTn>
+                        </p:par>
+                      </p:childTnLst>
+                    </p:cTn>
+                  </p:par>
+                </p:childTnLst>
+              </p:cTn>
+              <p:prevCondLst>
+                <p:cond evt="onPrev" delay="0">
+                  <p:tgtEl>
+                    <p:sldTgt/>
+                  </p:tgtEl>
+                </p:cond>
+              </p:prevCondLst>
+              <p:nextCondLst>
+                <p:cond evt="onNext" delay="0">
+                  <p:tgtEl>
+                    <p:sldTgt/>
+                  </p:tgtEl>
+                </p:cond>
+              </p:nextCondLst>
+            </p:seq>
+          </p:childTnLst>
+        </p:cTn>
+      </p:par>
+    </p:tnLst>
+    <p:bldLst>
+      <p:bldP spid="7" grpId="0" animBg="1"/>
+    </p:bldLst>
+  </p:timing>
 </p:sld>
 </file>
 
@@ -29432,7 +29687,64 @@
           <a:bodyPr/>
           <a:lstStyle/>
           <a:p>
-            <a:endParaRPr lang="en-US"/>
+            <a:r>
+              <a:rPr lang="ru-RU" dirty="0"/>
+              <a:t>В </a:t>
+            </a:r>
+            <a:r>
+              <a:rPr lang="ru-RU" b="1" dirty="0">
+                <a:solidFill>
+                  <a:schemeClr val="bg1"/>
+                </a:solidFill>
+                <a:latin typeface="Consolas" panose="020B0609020204030204" pitchFamily="49" charset="0"/>
+              </a:rPr>
+              <a:t>Object Explorer</a:t>
+            </a:r>
+            <a:r>
+              <a:rPr lang="ru-RU" dirty="0"/>
+              <a:t> отляв разгънете вашата база данни</a:t>
+            </a:r>
+            <a:endParaRPr lang="en-US" dirty="0"/>
+          </a:p>
+          <a:p>
+            <a:r>
+              <a:rPr lang="ru-RU" dirty="0"/>
+              <a:t>Щракнете с </a:t>
+            </a:r>
+            <a:r>
+              <a:rPr lang="ru-RU" b="1" dirty="0">
+                <a:solidFill>
+                  <a:schemeClr val="bg1"/>
+                </a:solidFill>
+              </a:rPr>
+              <a:t>десния бутон </a:t>
+            </a:r>
+            <a:r>
+              <a:rPr lang="ru-RU" dirty="0"/>
+              <a:t>върху </a:t>
+            </a:r>
+            <a:r>
+              <a:rPr lang="en-US" b="1" dirty="0">
+                <a:solidFill>
+                  <a:schemeClr val="bg1"/>
+                </a:solidFill>
+                <a:latin typeface="Consolas" panose="020B0609020204030204" pitchFamily="49" charset="0"/>
+              </a:rPr>
+              <a:t>Database Diagrams</a:t>
+            </a:r>
+            <a:r>
+              <a:rPr lang="ru-RU" dirty="0"/>
+              <a:t> и след това изберете </a:t>
+            </a:r>
+            <a:r>
+              <a:rPr lang="en-US" b="1" dirty="0">
+                <a:solidFill>
+                  <a:schemeClr val="bg1"/>
+                </a:solidFill>
+                <a:latin typeface="Consolas" panose="020B0609020204030204" pitchFamily="49" charset="0"/>
+              </a:rPr>
+              <a:t>New Database Diagram</a:t>
+            </a:r>
           </a:p>
         </p:txBody>
       </p:sp>
@@ -29457,197 +29769,76 @@
           <a:bodyPr/>
           <a:lstStyle/>
           <a:p>
-            <a:endParaRPr lang="en-US"/>
+            <a:r>
+              <a:rPr lang="bg-BG" dirty="0"/>
+              <a:t>Как да създадем </a:t>
+            </a:r>
+            <a:r>
+              <a:rPr lang="en-US" dirty="0"/>
+              <a:t>E/R </a:t>
+            </a:r>
+            <a:r>
+              <a:rPr lang="bg-BG" dirty="0"/>
+              <a:t>диаграма? (1)</a:t>
+            </a:r>
+            <a:endParaRPr lang="en-US" dirty="0"/>
           </a:p>
         </p:txBody>
       </p:sp>
-      <p:sp>
-        <p:nvSpPr>
-          <p:cNvPr id="5" name="Rectangle: Rounded Corners 4">
+      <p:pic>
+        <p:nvPicPr>
+          <p:cNvPr id="1026" name="Picture 2" descr="New Database diagram">
             <a:extLst>
               <a:ext uri="{FF2B5EF4-FFF2-40B4-BE49-F238E27FC236}">
-                <a16:creationId xmlns:a16="http://schemas.microsoft.com/office/drawing/2014/main" id="{46E80155-3501-0729-9B73-D9AB01E62B2D}"/>
+                <a16:creationId xmlns:a16="http://schemas.microsoft.com/office/drawing/2014/main" id="{92A35C27-82C6-DE56-6904-BCC061346E4A}"/>
               </a:ext>
             </a:extLst>
           </p:cNvPr>
-          <p:cNvSpPr/>
+          <p:cNvPicPr>
+            <a:picLocks noChangeAspect="1" noChangeArrowheads="1"/>
+          </p:cNvPicPr>
           <p:nvPr/>
-        </p:nvSpPr>
+        </p:nvPicPr>
+        <p:blipFill>
+          <a:blip r:embed="rId2">
+            <a:extLst>
+              <a:ext uri="{28A0092B-C50C-407E-A947-70E740481C1C}">
+                <a14:useLocalDpi xmlns:a14="http://schemas.microsoft.com/office/drawing/2010/main" val="0"/>
+              </a:ext>
+            </a:extLst>
+          </a:blip>
+          <a:srcRect/>
+          <a:stretch>
+            <a:fillRect/>
+          </a:stretch>
+        </p:blipFill>
         <p:spPr bwMode="auto">
           <a:xfrm>
-            <a:off x="2001946" y="1255047"/>
-            <a:ext cx="9088108" cy="5145580"/>
+            <a:off x="4085144" y="3294000"/>
+            <a:ext cx="4021713" cy="3152700"/>
           </a:xfrm>
-          <a:prstGeom prst="roundRect">
+          <a:prstGeom prst="rect">
             <a:avLst/>
           </a:prstGeom>
-          <a:ln/>
-        </p:spPr>
-        <p:style>
-          <a:lnRef idx="2">
-            <a:schemeClr val="accent2"/>
-          </a:lnRef>
-          <a:fillRef idx="1">
-            <a:schemeClr val="lt1"/>
-          </a:fillRef>
-          <a:effectRef idx="0">
-            <a:schemeClr val="accent2"/>
-          </a:effectRef>
-          <a:fontRef idx="minor">
-            <a:schemeClr val="dk1"/>
-          </a:fontRef>
-        </p:style>
-        <p:txBody>
-          <a:bodyPr rot="0" spcFirstLastPara="0" vertOverflow="overflow" horzOverflow="overflow" vert="horz" wrap="square" lIns="91440" tIns="45720" rIns="91440" bIns="45720" numCol="1" spcCol="0" rtlCol="0" fromWordArt="0" anchor="ctr" anchorCtr="0" forceAA="0" compatLnSpc="1">
-            <a:prstTxWarp prst="textNoShape">
-              <a:avLst/>
-            </a:prstTxWarp>
-            <a:noAutofit/>
-          </a:bodyPr>
-          <a:lstStyle/>
-          <a:p>
-            <a:pPr algn="ctr"/>
-            <a:r>
-              <a:rPr lang="en-US" sz="4000" b="1" dirty="0">
+          <a:noFill/>
+          <a:ln>
+            <a:solidFill>
+              <a:schemeClr val="bg2">
+                <a:lumMod val="75000"/>
+              </a:schemeClr>
+            </a:solidFill>
+          </a:ln>
+          <a:extLst>
+            <a:ext uri="{909E8E84-426E-40DD-AFC4-6F175D3DCCD1}">
+              <a14:hiddenFill xmlns:a14="http://schemas.microsoft.com/office/drawing/2010/main">
                 <a:solidFill>
                   <a:srgbClr val="FFFFFF"/>
                 </a:solidFill>
-                <a:effectLst>
-                  <a:outerShdw blurRad="38100" dist="38100" dir="2700000" algn="tl">
-                    <a:srgbClr val="000000">
-                      <a:alpha val="43137"/>
-                    </a:srgbClr>
-                  </a:outerShdw>
-                </a:effectLst>
-              </a:rPr>
-              <a:t>TODO: </a:t>
-            </a:r>
-            <a:r>
-              <a:rPr lang="bg-BG" sz="4000" b="1" dirty="0">
-                <a:solidFill>
-                  <a:srgbClr val="FFFFFF"/>
-                </a:solidFill>
-                <a:effectLst>
-                  <a:outerShdw blurRad="38100" dist="38100" dir="2700000" algn="tl">
-                    <a:srgbClr val="000000">
-                      <a:alpha val="43137"/>
-                    </a:srgbClr>
-                  </a:outerShdw>
-                </a:effectLst>
-              </a:rPr>
-              <a:t>да се даде пример с няколко </a:t>
-            </a:r>
-            <a:r>
-              <a:rPr lang="en-US" sz="4000" b="1" dirty="0">
-                <a:solidFill>
-                  <a:srgbClr val="FFFFFF"/>
-                </a:solidFill>
-                <a:effectLst>
-                  <a:outerShdw blurRad="38100" dist="38100" dir="2700000" algn="tl">
-                    <a:srgbClr val="000000">
-                      <a:alpha val="43137"/>
-                    </a:srgbClr>
-                  </a:outerShdw>
-                </a:effectLst>
-              </a:rPr>
-              <a:t>screenshots </a:t>
-            </a:r>
-            <a:r>
-              <a:rPr lang="bg-BG" sz="4000" b="1" dirty="0">
-                <a:solidFill>
-                  <a:srgbClr val="FFFFFF"/>
-                </a:solidFill>
-                <a:effectLst>
-                  <a:outerShdw blurRad="38100" dist="38100" dir="2700000" algn="tl">
-                    <a:srgbClr val="000000">
-                      <a:alpha val="43137"/>
-                    </a:srgbClr>
-                  </a:outerShdw>
-                </a:effectLst>
-              </a:rPr>
-              <a:t>как се генерира </a:t>
-            </a:r>
-            <a:r>
-              <a:rPr lang="en-US" sz="4000" b="1" dirty="0">
-                <a:solidFill>
-                  <a:srgbClr val="FFFFFF"/>
-                </a:solidFill>
-                <a:effectLst>
-                  <a:outerShdw blurRad="38100" dist="38100" dir="2700000" algn="tl">
-                    <a:srgbClr val="000000">
-                      <a:alpha val="43137"/>
-                    </a:srgbClr>
-                  </a:outerShdw>
-                </a:effectLst>
-              </a:rPr>
-              <a:t>E/R</a:t>
-            </a:r>
-            <a:r>
-              <a:rPr lang="bg-BG" sz="4000" b="1" dirty="0">
-                <a:solidFill>
-                  <a:srgbClr val="FFFFFF"/>
-                </a:solidFill>
-                <a:effectLst>
-                  <a:outerShdw blurRad="38100" dist="38100" dir="2700000" algn="tl">
-                    <a:srgbClr val="000000">
-                      <a:alpha val="43137"/>
-                    </a:srgbClr>
-                  </a:outerShdw>
-                </a:effectLst>
-              </a:rPr>
-              <a:t> диаграма в </a:t>
-            </a:r>
-            <a:r>
-              <a:rPr lang="en-US" sz="4000" b="1" dirty="0">
-                <a:solidFill>
-                  <a:srgbClr val="FFFFFF"/>
-                </a:solidFill>
-                <a:effectLst>
-                  <a:outerShdw blurRad="38100" dist="38100" dir="2700000" algn="tl">
-                    <a:srgbClr val="000000">
-                      <a:alpha val="43137"/>
-                    </a:srgbClr>
-                  </a:outerShdw>
-                </a:effectLst>
-              </a:rPr>
-              <a:t>SSMS</a:t>
-            </a:r>
-          </a:p>
-          <a:p>
-            <a:pPr algn="ctr"/>
-            <a:endParaRPr lang="en-US" sz="4000" b="1" dirty="0">
-              <a:solidFill>
-                <a:srgbClr val="FFFFFF"/>
-              </a:solidFill>
-              <a:effectLst>
-                <a:outerShdw blurRad="38100" dist="38100" dir="2700000" algn="tl">
-                  <a:srgbClr val="000000">
-                    <a:alpha val="43137"/>
-                  </a:srgbClr>
-                </a:outerShdw>
-              </a:effectLst>
-            </a:endParaRPr>
-          </a:p>
-          <a:p>
-            <a:pPr algn="ctr"/>
-            <a:r>
-              <a:rPr lang="en-US" sz="4000" b="1" dirty="0">
-                <a:solidFill>
-                  <a:srgbClr val="FFFFFF"/>
-                </a:solidFill>
-                <a:effectLst>
-                  <a:outerShdw blurRad="38100" dist="38100" dir="2700000" algn="tl">
-                    <a:srgbClr val="000000">
-                      <a:alpha val="43137"/>
-                    </a:srgbClr>
-                  </a:outerShdw>
-                </a:effectLst>
-              </a:rPr>
-              <a:t>https://hasura.io/learn/database/microsoft-sql-server/er-modeling </a:t>
-            </a:r>
-          </a:p>
-        </p:txBody>
-      </p:sp>
+              </a14:hiddenFill>
+            </a:ext>
+          </a:extLst>
+        </p:spPr>
+      </p:pic>
     </p:spTree>
     <p:extLst>
       <p:ext uri="{BB962C8B-B14F-4D97-AF65-F5344CB8AC3E}">
@@ -29666,10 +29857,547 @@
       <p:transition spd="slow" advClick="0" advTm="5000"/>
     </mc:Fallback>
   </mc:AlternateContent>
+  <p:timing>
+    <p:tnLst>
+      <p:par>
+        <p:cTn id="1" dur="indefinite" restart="never" nodeType="tmRoot">
+          <p:childTnLst>
+            <p:seq concurrent="1" nextAc="seek">
+              <p:cTn id="2" dur="indefinite" nodeType="mainSeq">
+                <p:childTnLst>
+                  <p:par>
+                    <p:cTn id="3" fill="hold">
+                      <p:stCondLst>
+                        <p:cond delay="indefinite"/>
+                      </p:stCondLst>
+                      <p:childTnLst>
+                        <p:par>
+                          <p:cTn id="4" fill="hold">
+                            <p:stCondLst>
+                              <p:cond delay="0"/>
+                            </p:stCondLst>
+                            <p:childTnLst>
+                              <p:par>
+                                <p:cTn id="5" presetID="1" presetClass="entr" presetSubtype="0" fill="hold" nodeType="clickEffect">
+                                  <p:stCondLst>
+                                    <p:cond delay="0"/>
+                                  </p:stCondLst>
+                                  <p:childTnLst>
+                                    <p:set>
+                                      <p:cBhvr>
+                                        <p:cTn id="6" dur="1" fill="hold">
+                                          <p:stCondLst>
+                                            <p:cond delay="0"/>
+                                          </p:stCondLst>
+                                        </p:cTn>
+                                        <p:tgtEl>
+                                          <p:spTgt spid="3">
+                                            <p:txEl>
+                                              <p:pRg st="1" end="1"/>
+                                            </p:txEl>
+                                          </p:spTgt>
+                                        </p:tgtEl>
+                                        <p:attrNameLst>
+                                          <p:attrName>style.visibility</p:attrName>
+                                        </p:attrNameLst>
+                                      </p:cBhvr>
+                                      <p:to>
+                                        <p:strVal val="visible"/>
+                                      </p:to>
+                                    </p:set>
+                                  </p:childTnLst>
+                                </p:cTn>
+                              </p:par>
+                              <p:par>
+                                <p:cTn id="7" presetID="1" presetClass="entr" presetSubtype="0" fill="hold" nodeType="withEffect">
+                                  <p:stCondLst>
+                                    <p:cond delay="0"/>
+                                  </p:stCondLst>
+                                  <p:childTnLst>
+                                    <p:set>
+                                      <p:cBhvr>
+                                        <p:cTn id="8" dur="1" fill="hold">
+                                          <p:stCondLst>
+                                            <p:cond delay="0"/>
+                                          </p:stCondLst>
+                                        </p:cTn>
+                                        <p:tgtEl>
+                                          <p:spTgt spid="1026"/>
+                                        </p:tgtEl>
+                                        <p:attrNameLst>
+                                          <p:attrName>style.visibility</p:attrName>
+                                        </p:attrNameLst>
+                                      </p:cBhvr>
+                                      <p:to>
+                                        <p:strVal val="visible"/>
+                                      </p:to>
+                                    </p:set>
+                                  </p:childTnLst>
+                                </p:cTn>
+                              </p:par>
+                            </p:childTnLst>
+                          </p:cTn>
+                        </p:par>
+                      </p:childTnLst>
+                    </p:cTn>
+                  </p:par>
+                </p:childTnLst>
+              </p:cTn>
+              <p:prevCondLst>
+                <p:cond evt="onPrev" delay="0">
+                  <p:tgtEl>
+                    <p:sldTgt/>
+                  </p:tgtEl>
+                </p:cond>
+              </p:prevCondLst>
+              <p:nextCondLst>
+                <p:cond evt="onNext" delay="0">
+                  <p:tgtEl>
+                    <p:sldTgt/>
+                  </p:tgtEl>
+                </p:cond>
+              </p:nextCondLst>
+            </p:seq>
+          </p:childTnLst>
+        </p:cTn>
+      </p:par>
+    </p:tnLst>
+  </p:timing>
 </p:sld>
 </file>
 
 <file path=ppt/slides/slide34.xml><?xml version="1.0" encoding="utf-8"?>
+<p:sld xmlns:a="http://schemas.openxmlformats.org/drawingml/2006/main" xmlns:r="http://schemas.openxmlformats.org/officeDocument/2006/relationships" xmlns:p="http://schemas.openxmlformats.org/presentationml/2006/main">
+  <p:cSld>
+    <p:spTree>
+      <p:nvGrpSpPr>
+        <p:cNvPr id="1" name=""/>
+        <p:cNvGrpSpPr/>
+        <p:nvPr/>
+      </p:nvGrpSpPr>
+      <p:grpSpPr>
+        <a:xfrm>
+          <a:off x="0" y="0"/>
+          <a:ext cx="0" cy="0"/>
+          <a:chOff x="0" y="0"/>
+          <a:chExt cx="0" cy="0"/>
+        </a:xfrm>
+      </p:grpSpPr>
+      <p:sp>
+        <p:nvSpPr>
+          <p:cNvPr id="2" name="Slide Number Placeholder 1">
+            <a:extLst>
+              <a:ext uri="{FF2B5EF4-FFF2-40B4-BE49-F238E27FC236}">
+                <a16:creationId xmlns:a16="http://schemas.microsoft.com/office/drawing/2014/main" id="{A9C4A0FA-3D55-2576-A2AA-CC95570ED22A}"/>
+              </a:ext>
+            </a:extLst>
+          </p:cNvPr>
+          <p:cNvSpPr>
+            <a:spLocks noGrp="1"/>
+          </p:cNvSpPr>
+          <p:nvPr>
+            <p:ph type="sldNum" sz="quarter" idx="5"/>
+          </p:nvPr>
+        </p:nvSpPr>
+        <p:spPr/>
+        <p:txBody>
+          <a:bodyPr/>
+          <a:lstStyle/>
+          <a:p>
+            <a:fld id="{2BF067CD-8E6B-4360-9AA8-C5DF2A48A6D1}" type="slidenum">
+              <a:rPr lang="en-US" noProof="0" smtClean="0"/>
+              <a:pPr/>
+              <a:t>34</a:t>
+            </a:fld>
+            <a:endParaRPr lang="en-US" noProof="0" dirty="0"/>
+          </a:p>
+        </p:txBody>
+      </p:sp>
+      <p:sp>
+        <p:nvSpPr>
+          <p:cNvPr id="3" name="Text Placeholder 2">
+            <a:extLst>
+              <a:ext uri="{FF2B5EF4-FFF2-40B4-BE49-F238E27FC236}">
+                <a16:creationId xmlns:a16="http://schemas.microsoft.com/office/drawing/2014/main" id="{B83247CC-F1B1-0E19-BDA2-320452239588}"/>
+              </a:ext>
+            </a:extLst>
+          </p:cNvPr>
+          <p:cNvSpPr>
+            <a:spLocks noGrp="1"/>
+          </p:cNvSpPr>
+          <p:nvPr>
+            <p:ph type="body" sz="quarter" idx="10"/>
+          </p:nvPr>
+        </p:nvSpPr>
+        <p:spPr/>
+        <p:txBody>
+          <a:bodyPr/>
+          <a:lstStyle/>
+          <a:p>
+            <a:r>
+              <a:rPr lang="ru-RU" dirty="0"/>
+              <a:t>Изберете </a:t>
+            </a:r>
+            <a:r>
+              <a:rPr lang="ru-RU" b="1" dirty="0">
+                <a:solidFill>
+                  <a:schemeClr val="bg1"/>
+                </a:solidFill>
+              </a:rPr>
+              <a:t>таблиците</a:t>
+            </a:r>
+            <a:r>
+              <a:rPr lang="ru-RU" dirty="0"/>
+              <a:t>, които сте създали по-горе, и след това натиснете </a:t>
+            </a:r>
+            <a:r>
+              <a:rPr lang="en-US" b="1" dirty="0">
+                <a:solidFill>
+                  <a:schemeClr val="bg1"/>
+                </a:solidFill>
+                <a:latin typeface="Consolas" panose="020B0609020204030204" pitchFamily="49" charset="0"/>
+              </a:rPr>
+              <a:t>[Add]</a:t>
+            </a:r>
+            <a:endParaRPr lang="en-US" dirty="0"/>
+          </a:p>
+          <a:p>
+            <a:pPr marL="0" indent="0">
+              <a:buNone/>
+            </a:pPr>
+            <a:endParaRPr lang="en-US" dirty="0"/>
+          </a:p>
+        </p:txBody>
+      </p:sp>
+      <p:sp>
+        <p:nvSpPr>
+          <p:cNvPr id="4" name="Title 3">
+            <a:extLst>
+              <a:ext uri="{FF2B5EF4-FFF2-40B4-BE49-F238E27FC236}">
+                <a16:creationId xmlns:a16="http://schemas.microsoft.com/office/drawing/2014/main" id="{54589B38-BDB5-3D66-2BF7-A3D0F1588633}"/>
+              </a:ext>
+            </a:extLst>
+          </p:cNvPr>
+          <p:cNvSpPr>
+            <a:spLocks noGrp="1"/>
+          </p:cNvSpPr>
+          <p:nvPr>
+            <p:ph type="title"/>
+          </p:nvPr>
+        </p:nvSpPr>
+        <p:spPr/>
+        <p:txBody>
+          <a:bodyPr/>
+          <a:lstStyle/>
+          <a:p>
+            <a:r>
+              <a:rPr lang="bg-BG" dirty="0"/>
+              <a:t>Как да създадем </a:t>
+            </a:r>
+            <a:r>
+              <a:rPr lang="en-US" dirty="0"/>
+              <a:t>E/R </a:t>
+            </a:r>
+            <a:r>
+              <a:rPr lang="bg-BG" dirty="0"/>
+              <a:t>диаграма? (</a:t>
+            </a:r>
+            <a:r>
+              <a:rPr lang="en-US" dirty="0"/>
+              <a:t>2</a:t>
+            </a:r>
+            <a:r>
+              <a:rPr lang="bg-BG" dirty="0"/>
+              <a:t>)</a:t>
+            </a:r>
+            <a:endParaRPr lang="en-US" dirty="0"/>
+          </a:p>
+        </p:txBody>
+      </p:sp>
+      <p:pic>
+        <p:nvPicPr>
+          <p:cNvPr id="2052" name="Picture 4" descr="Add tables to ER diagram">
+            <a:extLst>
+              <a:ext uri="{FF2B5EF4-FFF2-40B4-BE49-F238E27FC236}">
+                <a16:creationId xmlns:a16="http://schemas.microsoft.com/office/drawing/2014/main" id="{D2460A47-7DE1-A87B-00B5-9A7FEAC0BDE8}"/>
+              </a:ext>
+            </a:extLst>
+          </p:cNvPr>
+          <p:cNvPicPr>
+            <a:picLocks noChangeAspect="1" noChangeArrowheads="1"/>
+          </p:cNvPicPr>
+          <p:nvPr/>
+        </p:nvPicPr>
+        <p:blipFill>
+          <a:blip r:embed="rId2">
+            <a:extLst>
+              <a:ext uri="{28A0092B-C50C-407E-A947-70E740481C1C}">
+                <a14:useLocalDpi xmlns:a14="http://schemas.microsoft.com/office/drawing/2010/main" val="0"/>
+              </a:ext>
+            </a:extLst>
+          </a:blip>
+          <a:srcRect/>
+          <a:stretch>
+            <a:fillRect/>
+          </a:stretch>
+        </p:blipFill>
+        <p:spPr bwMode="auto">
+          <a:xfrm>
+            <a:off x="2404762" y="2619000"/>
+            <a:ext cx="7382476" cy="3849845"/>
+          </a:xfrm>
+          <a:prstGeom prst="rect">
+            <a:avLst/>
+          </a:prstGeom>
+          <a:noFill/>
+          <a:ln>
+            <a:solidFill>
+              <a:schemeClr val="bg2">
+                <a:lumMod val="75000"/>
+              </a:schemeClr>
+            </a:solidFill>
+          </a:ln>
+          <a:extLst>
+            <a:ext uri="{909E8E84-426E-40DD-AFC4-6F175D3DCCD1}">
+              <a14:hiddenFill xmlns:a14="http://schemas.microsoft.com/office/drawing/2010/main">
+                <a:solidFill>
+                  <a:srgbClr val="FFFFFF"/>
+                </a:solidFill>
+              </a14:hiddenFill>
+            </a:ext>
+          </a:extLst>
+        </p:spPr>
+      </p:pic>
+    </p:spTree>
+    <p:extLst>
+      <p:ext uri="{BB962C8B-B14F-4D97-AF65-F5344CB8AC3E}">
+        <p14:creationId xmlns:p14="http://schemas.microsoft.com/office/powerpoint/2010/main" val="1830359951"/>
+      </p:ext>
+    </p:extLst>
+  </p:cSld>
+  <p:clrMapOvr>
+    <a:masterClrMapping/>
+  </p:clrMapOvr>
+  <mc:AlternateContent xmlns:mc="http://schemas.openxmlformats.org/markup-compatibility/2006" xmlns:p14="http://schemas.microsoft.com/office/powerpoint/2010/main">
+    <mc:Choice Requires="p14">
+      <p:transition spd="slow" p14:dur="2000" advClick="0" advTm="5000"/>
+    </mc:Choice>
+    <mc:Fallback xmlns="">
+      <p:transition spd="slow" advClick="0" advTm="5000"/>
+    </mc:Fallback>
+  </mc:AlternateContent>
+</p:sld>
+</file>
+
+<file path=ppt/slides/slide35.xml><?xml version="1.0" encoding="utf-8"?>
+<p:sld xmlns:a="http://schemas.openxmlformats.org/drawingml/2006/main" xmlns:r="http://schemas.openxmlformats.org/officeDocument/2006/relationships" xmlns:p="http://schemas.openxmlformats.org/presentationml/2006/main">
+  <p:cSld>
+    <p:spTree>
+      <p:nvGrpSpPr>
+        <p:cNvPr id="1" name=""/>
+        <p:cNvGrpSpPr/>
+        <p:nvPr/>
+      </p:nvGrpSpPr>
+      <p:grpSpPr>
+        <a:xfrm>
+          <a:off x="0" y="0"/>
+          <a:ext cx="0" cy="0"/>
+          <a:chOff x="0" y="0"/>
+          <a:chExt cx="0" cy="0"/>
+        </a:xfrm>
+      </p:grpSpPr>
+      <p:sp>
+        <p:nvSpPr>
+          <p:cNvPr id="2" name="Slide Number Placeholder 1">
+            <a:extLst>
+              <a:ext uri="{FF2B5EF4-FFF2-40B4-BE49-F238E27FC236}">
+                <a16:creationId xmlns:a16="http://schemas.microsoft.com/office/drawing/2014/main" id="{A9C4A0FA-3D55-2576-A2AA-CC95570ED22A}"/>
+              </a:ext>
+            </a:extLst>
+          </p:cNvPr>
+          <p:cNvSpPr>
+            <a:spLocks noGrp="1"/>
+          </p:cNvSpPr>
+          <p:nvPr>
+            <p:ph type="sldNum" sz="quarter" idx="5"/>
+          </p:nvPr>
+        </p:nvSpPr>
+        <p:spPr/>
+        <p:txBody>
+          <a:bodyPr/>
+          <a:lstStyle/>
+          <a:p>
+            <a:fld id="{2BF067CD-8E6B-4360-9AA8-C5DF2A48A6D1}" type="slidenum">
+              <a:rPr lang="en-US" noProof="0" smtClean="0"/>
+              <a:pPr/>
+              <a:t>35</a:t>
+            </a:fld>
+            <a:endParaRPr lang="en-US" noProof="0" dirty="0"/>
+          </a:p>
+        </p:txBody>
+      </p:sp>
+      <p:sp>
+        <p:nvSpPr>
+          <p:cNvPr id="3" name="Text Placeholder 2">
+            <a:extLst>
+              <a:ext uri="{FF2B5EF4-FFF2-40B4-BE49-F238E27FC236}">
+                <a16:creationId xmlns:a16="http://schemas.microsoft.com/office/drawing/2014/main" id="{B83247CC-F1B1-0E19-BDA2-320452239588}"/>
+              </a:ext>
+            </a:extLst>
+          </p:cNvPr>
+          <p:cNvSpPr>
+            <a:spLocks noGrp="1"/>
+          </p:cNvSpPr>
+          <p:nvPr>
+            <p:ph type="body" sz="quarter" idx="10"/>
+          </p:nvPr>
+        </p:nvSpPr>
+        <p:spPr/>
+        <p:txBody>
+          <a:bodyPr/>
+          <a:lstStyle/>
+          <a:p>
+            <a:r>
+              <a:rPr lang="bg-BG" dirty="0"/>
+              <a:t>Това генерира </a:t>
+            </a:r>
+            <a:r>
+              <a:rPr lang="en-US" b="1" dirty="0">
+                <a:solidFill>
+                  <a:schemeClr val="bg1"/>
+                </a:solidFill>
+              </a:rPr>
+              <a:t>E/R </a:t>
+            </a:r>
+            <a:r>
+              <a:rPr lang="bg-BG" b="1" dirty="0">
+                <a:solidFill>
+                  <a:schemeClr val="bg1"/>
+                </a:solidFill>
+              </a:rPr>
+              <a:t>диаграмата</a:t>
+            </a:r>
+            <a:endParaRPr lang="en-US" b="1" dirty="0">
+              <a:solidFill>
+                <a:schemeClr val="bg1"/>
+              </a:solidFill>
+            </a:endParaRPr>
+          </a:p>
+        </p:txBody>
+      </p:sp>
+      <p:sp>
+        <p:nvSpPr>
+          <p:cNvPr id="4" name="Title 3">
+            <a:extLst>
+              <a:ext uri="{FF2B5EF4-FFF2-40B4-BE49-F238E27FC236}">
+                <a16:creationId xmlns:a16="http://schemas.microsoft.com/office/drawing/2014/main" id="{54589B38-BDB5-3D66-2BF7-A3D0F1588633}"/>
+              </a:ext>
+            </a:extLst>
+          </p:cNvPr>
+          <p:cNvSpPr>
+            <a:spLocks noGrp="1"/>
+          </p:cNvSpPr>
+          <p:nvPr>
+            <p:ph type="title"/>
+          </p:nvPr>
+        </p:nvSpPr>
+        <p:spPr/>
+        <p:txBody>
+          <a:bodyPr/>
+          <a:lstStyle/>
+          <a:p>
+            <a:r>
+              <a:rPr lang="bg-BG" dirty="0"/>
+              <a:t>Как да създадем </a:t>
+            </a:r>
+            <a:r>
+              <a:rPr lang="en-US" dirty="0"/>
+              <a:t>E/R </a:t>
+            </a:r>
+            <a:r>
+              <a:rPr lang="bg-BG" dirty="0"/>
+              <a:t>диаграма? (3)</a:t>
+            </a:r>
+            <a:endParaRPr lang="en-US" dirty="0"/>
+          </a:p>
+        </p:txBody>
+      </p:sp>
+      <p:pic>
+        <p:nvPicPr>
+          <p:cNvPr id="3074" name="Picture 2" descr="ER Diagram">
+            <a:extLst>
+              <a:ext uri="{FF2B5EF4-FFF2-40B4-BE49-F238E27FC236}">
+                <a16:creationId xmlns:a16="http://schemas.microsoft.com/office/drawing/2014/main" id="{5F9418AD-809D-92F3-ABFA-46CB9EDAD66F}"/>
+              </a:ext>
+            </a:extLst>
+          </p:cNvPr>
+          <p:cNvPicPr>
+            <a:picLocks noChangeAspect="1" noChangeArrowheads="1"/>
+          </p:cNvPicPr>
+          <p:nvPr/>
+        </p:nvPicPr>
+        <p:blipFill>
+          <a:blip r:embed="rId2">
+            <a:extLst>
+              <a:ext uri="{28A0092B-C50C-407E-A947-70E740481C1C}">
+                <a14:useLocalDpi xmlns:a14="http://schemas.microsoft.com/office/drawing/2010/main" val="0"/>
+              </a:ext>
+            </a:extLst>
+          </a:blip>
+          <a:srcRect/>
+          <a:stretch>
+            <a:fillRect/>
+          </a:stretch>
+        </p:blipFill>
+        <p:spPr bwMode="auto">
+          <a:xfrm>
+            <a:off x="3399922" y="2016000"/>
+            <a:ext cx="5392156" cy="4563000"/>
+          </a:xfrm>
+          <a:prstGeom prst="rect">
+            <a:avLst/>
+          </a:prstGeom>
+          <a:noFill/>
+          <a:ln>
+            <a:solidFill>
+              <a:schemeClr val="bg2">
+                <a:lumMod val="75000"/>
+              </a:schemeClr>
+            </a:solidFill>
+          </a:ln>
+          <a:extLst>
+            <a:ext uri="{909E8E84-426E-40DD-AFC4-6F175D3DCCD1}">
+              <a14:hiddenFill xmlns:a14="http://schemas.microsoft.com/office/drawing/2010/main">
+                <a:solidFill>
+                  <a:srgbClr val="FFFFFF"/>
+                </a:solidFill>
+              </a14:hiddenFill>
+            </a:ext>
+          </a:extLst>
+        </p:spPr>
+      </p:pic>
+    </p:spTree>
+    <p:extLst>
+      <p:ext uri="{BB962C8B-B14F-4D97-AF65-F5344CB8AC3E}">
+        <p14:creationId xmlns:p14="http://schemas.microsoft.com/office/powerpoint/2010/main" val="2954975068"/>
+      </p:ext>
+    </p:extLst>
+  </p:cSld>
+  <p:clrMapOvr>
+    <a:masterClrMapping/>
+  </p:clrMapOvr>
+  <mc:AlternateContent xmlns:mc="http://schemas.openxmlformats.org/markup-compatibility/2006" xmlns:p14="http://schemas.microsoft.com/office/powerpoint/2010/main">
+    <mc:Choice Requires="p14">
+      <p:transition spd="slow" p14:dur="2000" advClick="0" advTm="5000"/>
+    </mc:Choice>
+    <mc:Fallback xmlns="">
+      <p:transition spd="slow" advClick="0" advTm="5000"/>
+    </mc:Fallback>
+  </mc:AlternateContent>
+</p:sld>
+</file>
+
+<file path=ppt/slides/slide36.xml><?xml version="1.0" encoding="utf-8"?>
 <p:sld xmlns:a="http://schemas.openxmlformats.org/drawingml/2006/main" xmlns:r="http://schemas.openxmlformats.org/officeDocument/2006/relationships" xmlns:p="http://schemas.openxmlformats.org/presentationml/2006/main">
   <p:cSld>
     <p:spTree>
@@ -30437,7 +31165,7 @@
             <a:fld id="{2BF067CD-8E6B-4360-9AA8-C5DF2A48A6D1}" type="slidenum">
               <a:rPr lang="en-US" noProof="0" smtClean="0"/>
               <a:pPr/>
-              <a:t>34</a:t>
+              <a:t>36</a:t>
             </a:fld>
             <a:endParaRPr lang="en-US" noProof="0" dirty="0"/>
           </a:p>
@@ -30868,7 +31596,7 @@
 </p:sld>
 </file>
 
-<file path=ppt/slides/slide35.xml><?xml version="1.0" encoding="utf-8"?>
+<file path=ppt/slides/slide37.xml><?xml version="1.0" encoding="utf-8"?>
 <p:sld xmlns:a="http://schemas.openxmlformats.org/drawingml/2006/main" xmlns:r="http://schemas.openxmlformats.org/officeDocument/2006/relationships" xmlns:p="http://schemas.openxmlformats.org/presentationml/2006/main">
   <p:cSld>
     <p:spTree>
@@ -31058,7 +31786,7 @@
 </p:sld>
 </file>
 
-<file path=ppt/slides/slide36.xml><?xml version="1.0" encoding="utf-8"?>
+<file path=ppt/slides/slide38.xml><?xml version="1.0" encoding="utf-8"?>
 <p:sld xmlns:a="http://schemas.openxmlformats.org/drawingml/2006/main" xmlns:r="http://schemas.openxmlformats.org/officeDocument/2006/relationships" xmlns:p="http://schemas.openxmlformats.org/presentationml/2006/main">
   <p:cSld>
     <p:spTree>
@@ -31414,7 +32142,7 @@
             <a:fld id="{2BF067CD-8E6B-4360-9AA8-C5DF2A48A6D1}" type="slidenum">
               <a:rPr lang="en-US" noProof="0" smtClean="0"/>
               <a:pPr/>
-              <a:t>36</a:t>
+              <a:t>38</a:t>
             </a:fld>
             <a:endParaRPr lang="en-US" noProof="0" dirty="0"/>
           </a:p>
